--- a/Documentation/PDR.pptx
+++ b/Documentation/PDR.pptx
@@ -6,14 +6,20 @@
   </p:sldMasterIdLst>
   <p:sldIdLst>
     <p:sldId id="256" r:id="rId2"/>
-    <p:sldId id="257" r:id="rId3"/>
-    <p:sldId id="258" r:id="rId4"/>
-    <p:sldId id="259" r:id="rId5"/>
-    <p:sldId id="264" r:id="rId6"/>
-    <p:sldId id="260" r:id="rId7"/>
-    <p:sldId id="261" r:id="rId8"/>
-    <p:sldId id="263" r:id="rId9"/>
-    <p:sldId id="265" r:id="rId10"/>
+    <p:sldId id="266" r:id="rId3"/>
+    <p:sldId id="267" r:id="rId4"/>
+    <p:sldId id="268" r:id="rId5"/>
+    <p:sldId id="257" r:id="rId6"/>
+    <p:sldId id="263" r:id="rId7"/>
+    <p:sldId id="265" r:id="rId8"/>
+    <p:sldId id="271" r:id="rId9"/>
+    <p:sldId id="258" r:id="rId10"/>
+    <p:sldId id="259" r:id="rId11"/>
+    <p:sldId id="272" r:id="rId12"/>
+    <p:sldId id="264" r:id="rId13"/>
+    <p:sldId id="269" r:id="rId14"/>
+    <p:sldId id="270" r:id="rId15"/>
+    <p:sldId id="261" r:id="rId16"/>
   </p:sldIdLst>
   <p:sldSz cx="12192000" cy="6858000"/>
   <p:notesSz cx="6858000" cy="9144000"/>
@@ -112,6 +118,11 @@
       </a:defRPr>
     </a:lvl9pPr>
   </p:defaultTextStyle>
+  <p:extLst>
+    <p:ext uri="{EFAFB233-063F-42B5-8137-9DF3F51BA10A}">
+      <p15:sldGuideLst xmlns:p15="http://schemas.microsoft.com/office/powerpoint/2012/main"/>
+    </p:ext>
+  </p:extLst>
 </p:presentation>
 </file>
 
@@ -165,7 +176,7 @@
           <a:noFill/>
           <a:extLst>
             <a:ext uri="{909E8E84-426E-40dd-AFC4-6F175D3DCCD1}">
-              <a14:hiddenFill xmlns:a14="http://schemas.microsoft.com/office/drawing/2010/main" xmlns="">
+              <a14:hiddenFill xmlns="" xmlns:a14="http://schemas.microsoft.com/office/drawing/2010/main">
                 <a:solidFill>
                   <a:srgbClr val="FFFFFF"/>
                 </a:solidFill>
@@ -225,7 +236,7 @@
             </a:ln>
             <a:extLst>
               <a:ext uri="{91240B29-F687-4f45-9708-019B960494DF}">
-                <a14:hiddenLine xmlns:a14="http://schemas.microsoft.com/office/drawing/2010/main" xmlns="" w="9525">
+                <a14:hiddenLine xmlns="" xmlns:a14="http://schemas.microsoft.com/office/drawing/2010/main" w="9525">
                   <a:solidFill>
                     <a:srgbClr val="000000"/>
                   </a:solidFill>
@@ -315,7 +326,7 @@
             </a:ln>
             <a:extLst>
               <a:ext uri="{91240B29-F687-4f45-9708-019B960494DF}">
-                <a14:hiddenLine xmlns:a14="http://schemas.microsoft.com/office/drawing/2010/main" xmlns="" w="9525">
+                <a14:hiddenLine xmlns="" xmlns:a14="http://schemas.microsoft.com/office/drawing/2010/main" w="9525">
                   <a:solidFill>
                     <a:srgbClr val="000000"/>
                   </a:solidFill>
@@ -405,7 +416,7 @@
             </a:ln>
             <a:extLst>
               <a:ext uri="{91240B29-F687-4f45-9708-019B960494DF}">
-                <a14:hiddenLine xmlns:a14="http://schemas.microsoft.com/office/drawing/2010/main" xmlns="" w="9525">
+                <a14:hiddenLine xmlns="" xmlns:a14="http://schemas.microsoft.com/office/drawing/2010/main" w="9525">
                   <a:solidFill>
                     <a:srgbClr val="000000"/>
                   </a:solidFill>
@@ -439,7 +450,7 @@
             </a:ln>
             <a:extLst>
               <a:ext uri="{91240B29-F687-4f45-9708-019B960494DF}">
-                <a14:hiddenLine xmlns:a14="http://schemas.microsoft.com/office/drawing/2010/main" xmlns="" w="9525">
+                <a14:hiddenLine xmlns="" xmlns:a14="http://schemas.microsoft.com/office/drawing/2010/main" w="9525">
                   <a:solidFill>
                     <a:srgbClr val="000000"/>
                   </a:solidFill>
@@ -529,7 +540,7 @@
             </a:ln>
             <a:extLst>
               <a:ext uri="{91240B29-F687-4f45-9708-019B960494DF}">
-                <a14:hiddenLine xmlns:a14="http://schemas.microsoft.com/office/drawing/2010/main" xmlns="" w="9525">
+                <a14:hiddenLine xmlns="" xmlns:a14="http://schemas.microsoft.com/office/drawing/2010/main" w="9525">
                   <a:solidFill>
                     <a:srgbClr val="000000"/>
                   </a:solidFill>
@@ -591,7 +602,7 @@
             </a:ln>
             <a:extLst>
               <a:ext uri="{91240B29-F687-4f45-9708-019B960494DF}">
-                <a14:hiddenLine xmlns:a14="http://schemas.microsoft.com/office/drawing/2010/main" xmlns="" w="9525">
+                <a14:hiddenLine xmlns="" xmlns:a14="http://schemas.microsoft.com/office/drawing/2010/main" w="9525">
                   <a:solidFill>
                     <a:srgbClr val="000000"/>
                   </a:solidFill>
@@ -653,7 +664,7 @@
             </a:ln>
             <a:extLst>
               <a:ext uri="{91240B29-F687-4f45-9708-019B960494DF}">
-                <a14:hiddenLine xmlns:a14="http://schemas.microsoft.com/office/drawing/2010/main" xmlns="" w="9525">
+                <a14:hiddenLine xmlns="" xmlns:a14="http://schemas.microsoft.com/office/drawing/2010/main" w="9525">
                   <a:solidFill>
                     <a:srgbClr val="000000"/>
                   </a:solidFill>
@@ -743,7 +754,7 @@
             </a:ln>
             <a:extLst>
               <a:ext uri="{91240B29-F687-4f45-9708-019B960494DF}">
-                <a14:hiddenLine xmlns:a14="http://schemas.microsoft.com/office/drawing/2010/main" xmlns="" w="9525">
+                <a14:hiddenLine xmlns="" xmlns:a14="http://schemas.microsoft.com/office/drawing/2010/main" w="9525">
                   <a:solidFill>
                     <a:srgbClr val="000000"/>
                   </a:solidFill>
@@ -805,7 +816,7 @@
             </a:ln>
             <a:extLst>
               <a:ext uri="{91240B29-F687-4f45-9708-019B960494DF}">
-                <a14:hiddenLine xmlns:a14="http://schemas.microsoft.com/office/drawing/2010/main" xmlns="" w="9525">
+                <a14:hiddenLine xmlns="" xmlns:a14="http://schemas.microsoft.com/office/drawing/2010/main" w="9525">
                   <a:solidFill>
                     <a:srgbClr val="000000"/>
                   </a:solidFill>
@@ -867,7 +878,7 @@
             </a:ln>
             <a:extLst>
               <a:ext uri="{91240B29-F687-4f45-9708-019B960494DF}">
-                <a14:hiddenLine xmlns:a14="http://schemas.microsoft.com/office/drawing/2010/main" xmlns="" w="9525">
+                <a14:hiddenLine xmlns="" xmlns:a14="http://schemas.microsoft.com/office/drawing/2010/main" w="9525">
                   <a:solidFill>
                     <a:srgbClr val="000000"/>
                   </a:solidFill>
@@ -957,7 +968,7 @@
             </a:ln>
             <a:extLst>
               <a:ext uri="{91240B29-F687-4f45-9708-019B960494DF}">
-                <a14:hiddenLine xmlns:a14="http://schemas.microsoft.com/office/drawing/2010/main" xmlns="" w="9525">
+                <a14:hiddenLine xmlns="" xmlns:a14="http://schemas.microsoft.com/office/drawing/2010/main" w="9525">
                   <a:solidFill>
                     <a:srgbClr val="000000"/>
                   </a:solidFill>
@@ -1047,7 +1058,7 @@
             </a:ln>
             <a:extLst>
               <a:ext uri="{91240B29-F687-4f45-9708-019B960494DF}">
-                <a14:hiddenLine xmlns:a14="http://schemas.microsoft.com/office/drawing/2010/main" xmlns="" w="9525">
+                <a14:hiddenLine xmlns="" xmlns:a14="http://schemas.microsoft.com/office/drawing/2010/main" w="9525">
                   <a:solidFill>
                     <a:srgbClr val="000000"/>
                   </a:solidFill>
@@ -1109,7 +1120,7 @@
             </a:ln>
             <a:extLst>
               <a:ext uri="{91240B29-F687-4f45-9708-019B960494DF}">
-                <a14:hiddenLine xmlns:a14="http://schemas.microsoft.com/office/drawing/2010/main" xmlns="" w="9525">
+                <a14:hiddenLine xmlns="" xmlns:a14="http://schemas.microsoft.com/office/drawing/2010/main" w="9525">
                   <a:solidFill>
                     <a:srgbClr val="000000"/>
                   </a:solidFill>
@@ -1219,7 +1230,7 @@
             </a:ln>
             <a:extLst>
               <a:ext uri="{91240B29-F687-4f45-9708-019B960494DF}">
-                <a14:hiddenLine xmlns:a14="http://schemas.microsoft.com/office/drawing/2010/main" xmlns="" w="9525">
+                <a14:hiddenLine xmlns="" xmlns:a14="http://schemas.microsoft.com/office/drawing/2010/main" w="9525">
                   <a:solidFill>
                     <a:srgbClr val="000000"/>
                   </a:solidFill>
@@ -1281,7 +1292,7 @@
             </a:ln>
             <a:extLst>
               <a:ext uri="{91240B29-F687-4f45-9708-019B960494DF}">
-                <a14:hiddenLine xmlns:a14="http://schemas.microsoft.com/office/drawing/2010/main" xmlns="" w="9525">
+                <a14:hiddenLine xmlns="" xmlns:a14="http://schemas.microsoft.com/office/drawing/2010/main" w="9525">
                   <a:solidFill>
                     <a:srgbClr val="000000"/>
                   </a:solidFill>
@@ -1371,7 +1382,7 @@
             </a:ln>
             <a:extLst>
               <a:ext uri="{91240B29-F687-4f45-9708-019B960494DF}">
-                <a14:hiddenLine xmlns:a14="http://schemas.microsoft.com/office/drawing/2010/main" xmlns="" w="9525">
+                <a14:hiddenLine xmlns="" xmlns:a14="http://schemas.microsoft.com/office/drawing/2010/main" w="9525">
                   <a:solidFill>
                     <a:srgbClr val="000000"/>
                   </a:solidFill>
@@ -1461,7 +1472,7 @@
             </a:ln>
             <a:extLst>
               <a:ext uri="{91240B29-F687-4f45-9708-019B960494DF}">
-                <a14:hiddenLine xmlns:a14="http://schemas.microsoft.com/office/drawing/2010/main" xmlns="" w="9525">
+                <a14:hiddenLine xmlns="" xmlns:a14="http://schemas.microsoft.com/office/drawing/2010/main" w="9525">
                   <a:solidFill>
                     <a:srgbClr val="000000"/>
                   </a:solidFill>
@@ -1523,7 +1534,7 @@
             </a:ln>
             <a:extLst>
               <a:ext uri="{91240B29-F687-4f45-9708-019B960494DF}">
-                <a14:hiddenLine xmlns:a14="http://schemas.microsoft.com/office/drawing/2010/main" xmlns="" w="9525">
+                <a14:hiddenLine xmlns="" xmlns:a14="http://schemas.microsoft.com/office/drawing/2010/main" w="9525">
                   <a:solidFill>
                     <a:srgbClr val="000000"/>
                   </a:solidFill>
@@ -1613,7 +1624,7 @@
             </a:ln>
             <a:extLst>
               <a:ext uri="{91240B29-F687-4f45-9708-019B960494DF}">
-                <a14:hiddenLine xmlns:a14="http://schemas.microsoft.com/office/drawing/2010/main" xmlns="" w="9525">
+                <a14:hiddenLine xmlns="" xmlns:a14="http://schemas.microsoft.com/office/drawing/2010/main" w="9525">
                   <a:solidFill>
                     <a:srgbClr val="000000"/>
                   </a:solidFill>
@@ -1703,7 +1714,7 @@
             </a:ln>
             <a:extLst>
               <a:ext uri="{91240B29-F687-4f45-9708-019B960494DF}">
-                <a14:hiddenLine xmlns:a14="http://schemas.microsoft.com/office/drawing/2010/main" xmlns="" w="9525">
+                <a14:hiddenLine xmlns="" xmlns:a14="http://schemas.microsoft.com/office/drawing/2010/main" w="9525">
                   <a:solidFill>
                     <a:srgbClr val="000000"/>
                   </a:solidFill>
@@ -1759,7 +1770,7 @@
             </a:ln>
             <a:extLst>
               <a:ext uri="{91240B29-F687-4f45-9708-019B960494DF}">
-                <a14:hiddenLine xmlns:a14="http://schemas.microsoft.com/office/drawing/2010/main" xmlns="" w="9525">
+                <a14:hiddenLine xmlns="" xmlns:a14="http://schemas.microsoft.com/office/drawing/2010/main" w="9525">
                   <a:solidFill>
                     <a:srgbClr val="000000"/>
                   </a:solidFill>
@@ -1849,7 +1860,7 @@
             </a:ln>
             <a:extLst>
               <a:ext uri="{91240B29-F687-4f45-9708-019B960494DF}">
-                <a14:hiddenLine xmlns:a14="http://schemas.microsoft.com/office/drawing/2010/main" xmlns="" w="9525">
+                <a14:hiddenLine xmlns="" xmlns:a14="http://schemas.microsoft.com/office/drawing/2010/main" w="9525">
                   <a:solidFill>
                     <a:srgbClr val="000000"/>
                   </a:solidFill>
@@ -1905,7 +1916,7 @@
             </a:ln>
             <a:extLst>
               <a:ext uri="{91240B29-F687-4f45-9708-019B960494DF}">
-                <a14:hiddenLine xmlns:a14="http://schemas.microsoft.com/office/drawing/2010/main" xmlns="" w="9525">
+                <a14:hiddenLine xmlns="" xmlns:a14="http://schemas.microsoft.com/office/drawing/2010/main" w="9525">
                   <a:solidFill>
                     <a:srgbClr val="000000"/>
                   </a:solidFill>
@@ -1995,7 +2006,7 @@
             </a:ln>
             <a:extLst>
               <a:ext uri="{91240B29-F687-4f45-9708-019B960494DF}">
-                <a14:hiddenLine xmlns:a14="http://schemas.microsoft.com/office/drawing/2010/main" xmlns="" w="9525">
+                <a14:hiddenLine xmlns="" xmlns:a14="http://schemas.microsoft.com/office/drawing/2010/main" w="9525">
                   <a:solidFill>
                     <a:srgbClr val="000000"/>
                   </a:solidFill>
@@ -2063,7 +2074,7 @@
             </a:ln>
             <a:extLst>
               <a:ext uri="{91240B29-F687-4f45-9708-019B960494DF}">
-                <a14:hiddenLine xmlns:a14="http://schemas.microsoft.com/office/drawing/2010/main" xmlns="" w="9525">
+                <a14:hiddenLine xmlns="" xmlns:a14="http://schemas.microsoft.com/office/drawing/2010/main" w="9525">
                   <a:solidFill>
                     <a:srgbClr val="000000"/>
                   </a:solidFill>
@@ -2153,7 +2164,7 @@
             </a:ln>
             <a:extLst>
               <a:ext uri="{91240B29-F687-4f45-9708-019B960494DF}">
-                <a14:hiddenLine xmlns:a14="http://schemas.microsoft.com/office/drawing/2010/main" xmlns="" w="9525">
+                <a14:hiddenLine xmlns="" xmlns:a14="http://schemas.microsoft.com/office/drawing/2010/main" w="9525">
                   <a:solidFill>
                     <a:srgbClr val="000000"/>
                   </a:solidFill>
@@ -2221,7 +2232,7 @@
             </a:ln>
             <a:extLst>
               <a:ext uri="{91240B29-F687-4f45-9708-019B960494DF}">
-                <a14:hiddenLine xmlns:a14="http://schemas.microsoft.com/office/drawing/2010/main" xmlns="" w="9525">
+                <a14:hiddenLine xmlns="" xmlns:a14="http://schemas.microsoft.com/office/drawing/2010/main" w="9525">
                   <a:solidFill>
                     <a:srgbClr val="000000"/>
                   </a:solidFill>
@@ -2311,7 +2322,7 @@
             </a:ln>
             <a:extLst>
               <a:ext uri="{91240B29-F687-4f45-9708-019B960494DF}">
-                <a14:hiddenLine xmlns:a14="http://schemas.microsoft.com/office/drawing/2010/main" xmlns="" w="9525">
+                <a14:hiddenLine xmlns="" xmlns:a14="http://schemas.microsoft.com/office/drawing/2010/main" w="9525">
                   <a:solidFill>
                     <a:srgbClr val="000000"/>
                   </a:solidFill>
@@ -2345,7 +2356,7 @@
             </a:ln>
             <a:extLst>
               <a:ext uri="{91240B29-F687-4f45-9708-019B960494DF}">
-                <a14:hiddenLine xmlns:a14="http://schemas.microsoft.com/office/drawing/2010/main" xmlns="" w="9525">
+                <a14:hiddenLine xmlns="" xmlns:a14="http://schemas.microsoft.com/office/drawing/2010/main" w="9525">
                   <a:solidFill>
                     <a:srgbClr val="000000"/>
                   </a:solidFill>
@@ -2435,7 +2446,7 @@
             </a:ln>
             <a:extLst>
               <a:ext uri="{91240B29-F687-4f45-9708-019B960494DF}">
-                <a14:hiddenLine xmlns:a14="http://schemas.microsoft.com/office/drawing/2010/main" xmlns="" w="9525">
+                <a14:hiddenLine xmlns="" xmlns:a14="http://schemas.microsoft.com/office/drawing/2010/main" w="9525">
                   <a:solidFill>
                     <a:srgbClr val="000000"/>
                   </a:solidFill>
@@ -2497,7 +2508,7 @@
             </a:ln>
             <a:extLst>
               <a:ext uri="{91240B29-F687-4f45-9708-019B960494DF}">
-                <a14:hiddenLine xmlns:a14="http://schemas.microsoft.com/office/drawing/2010/main" xmlns="" w="9525">
+                <a14:hiddenLine xmlns="" xmlns:a14="http://schemas.microsoft.com/office/drawing/2010/main" w="9525">
                   <a:solidFill>
                     <a:srgbClr val="000000"/>
                   </a:solidFill>
@@ -2559,7 +2570,7 @@
             </a:ln>
             <a:extLst>
               <a:ext uri="{91240B29-F687-4f45-9708-019B960494DF}">
-                <a14:hiddenLine xmlns:a14="http://schemas.microsoft.com/office/drawing/2010/main" xmlns="" w="9525">
+                <a14:hiddenLine xmlns="" xmlns:a14="http://schemas.microsoft.com/office/drawing/2010/main" w="9525">
                   <a:solidFill>
                     <a:srgbClr val="000000"/>
                   </a:solidFill>
@@ -2649,7 +2660,7 @@
             </a:ln>
             <a:extLst>
               <a:ext uri="{91240B29-F687-4f45-9708-019B960494DF}">
-                <a14:hiddenLine xmlns:a14="http://schemas.microsoft.com/office/drawing/2010/main" xmlns="" w="9525">
+                <a14:hiddenLine xmlns="" xmlns:a14="http://schemas.microsoft.com/office/drawing/2010/main" w="9525">
                   <a:solidFill>
                     <a:srgbClr val="000000"/>
                   </a:solidFill>
@@ -2717,7 +2728,7 @@
             </a:ln>
             <a:extLst>
               <a:ext uri="{91240B29-F687-4f45-9708-019B960494DF}">
-                <a14:hiddenLine xmlns:a14="http://schemas.microsoft.com/office/drawing/2010/main" xmlns="" w="9525">
+                <a14:hiddenLine xmlns="" xmlns:a14="http://schemas.microsoft.com/office/drawing/2010/main" w="9525">
                   <a:solidFill>
                     <a:srgbClr val="000000"/>
                   </a:solidFill>
@@ -2779,7 +2790,7 @@
             </a:ln>
             <a:extLst>
               <a:ext uri="{91240B29-F687-4f45-9708-019B960494DF}">
-                <a14:hiddenLine xmlns:a14="http://schemas.microsoft.com/office/drawing/2010/main" xmlns="" w="9525">
+                <a14:hiddenLine xmlns="" xmlns:a14="http://schemas.microsoft.com/office/drawing/2010/main" w="9525">
                   <a:solidFill>
                     <a:srgbClr val="000000"/>
                   </a:solidFill>
@@ -2869,7 +2880,7 @@
             </a:ln>
             <a:extLst>
               <a:ext uri="{91240B29-F687-4f45-9708-019B960494DF}">
-                <a14:hiddenLine xmlns:a14="http://schemas.microsoft.com/office/drawing/2010/main" xmlns="" w="9525">
+                <a14:hiddenLine xmlns="" xmlns:a14="http://schemas.microsoft.com/office/drawing/2010/main" w="9525">
                   <a:solidFill>
                     <a:srgbClr val="000000"/>
                   </a:solidFill>
@@ -2931,7 +2942,7 @@
             </a:ln>
             <a:extLst>
               <a:ext uri="{91240B29-F687-4f45-9708-019B960494DF}">
-                <a14:hiddenLine xmlns:a14="http://schemas.microsoft.com/office/drawing/2010/main" xmlns="" w="9525">
+                <a14:hiddenLine xmlns="" xmlns:a14="http://schemas.microsoft.com/office/drawing/2010/main" w="9525">
                   <a:solidFill>
                     <a:srgbClr val="000000"/>
                   </a:solidFill>
@@ -3021,7 +3032,7 @@
             </a:ln>
             <a:extLst>
               <a:ext uri="{91240B29-F687-4f45-9708-019B960494DF}">
-                <a14:hiddenLine xmlns:a14="http://schemas.microsoft.com/office/drawing/2010/main" xmlns="" w="9525">
+                <a14:hiddenLine xmlns="" xmlns:a14="http://schemas.microsoft.com/office/drawing/2010/main" w="9525">
                   <a:solidFill>
                     <a:srgbClr val="000000"/>
                   </a:solidFill>
@@ -3083,7 +3094,7 @@
             </a:ln>
             <a:extLst>
               <a:ext uri="{91240B29-F687-4f45-9708-019B960494DF}">
-                <a14:hiddenLine xmlns:a14="http://schemas.microsoft.com/office/drawing/2010/main" xmlns="" w="9525">
+                <a14:hiddenLine xmlns="" xmlns:a14="http://schemas.microsoft.com/office/drawing/2010/main" w="9525">
                   <a:solidFill>
                     <a:srgbClr val="000000"/>
                   </a:solidFill>
@@ -3173,7 +3184,7 @@
             </a:ln>
             <a:extLst>
               <a:ext uri="{91240B29-F687-4f45-9708-019B960494DF}">
-                <a14:hiddenLine xmlns:a14="http://schemas.microsoft.com/office/drawing/2010/main" xmlns="" w="9525">
+                <a14:hiddenLine xmlns="" xmlns:a14="http://schemas.microsoft.com/office/drawing/2010/main" w="9525">
                   <a:solidFill>
                     <a:srgbClr val="000000"/>
                   </a:solidFill>
@@ -3207,7 +3218,7 @@
             </a:ln>
             <a:extLst>
               <a:ext uri="{91240B29-F687-4f45-9708-019B960494DF}">
-                <a14:hiddenLine xmlns:a14="http://schemas.microsoft.com/office/drawing/2010/main" xmlns="" w="9525">
+                <a14:hiddenLine xmlns="" xmlns:a14="http://schemas.microsoft.com/office/drawing/2010/main" w="9525">
                   <a:solidFill>
                     <a:srgbClr val="000000"/>
                   </a:solidFill>
@@ -3272,7 +3283,7 @@
             </a:ln>
             <a:extLst>
               <a:ext uri="{91240B29-F687-4f45-9708-019B960494DF}">
-                <a14:hiddenLine xmlns:a14="http://schemas.microsoft.com/office/drawing/2010/main" xmlns="" w="9525">
+                <a14:hiddenLine xmlns="" xmlns:a14="http://schemas.microsoft.com/office/drawing/2010/main" w="9525">
                   <a:solidFill>
                     <a:srgbClr val="000000"/>
                   </a:solidFill>
@@ -3362,7 +3373,7 @@
             </a:ln>
             <a:extLst>
               <a:ext uri="{91240B29-F687-4f45-9708-019B960494DF}">
-                <a14:hiddenLine xmlns:a14="http://schemas.microsoft.com/office/drawing/2010/main" xmlns="" w="9525">
+                <a14:hiddenLine xmlns="" xmlns:a14="http://schemas.microsoft.com/office/drawing/2010/main" w="9525">
                   <a:solidFill>
                     <a:srgbClr val="000000"/>
                   </a:solidFill>
@@ -3424,7 +3435,7 @@
             </a:ln>
             <a:extLst>
               <a:ext uri="{91240B29-F687-4f45-9708-019B960494DF}">
-                <a14:hiddenLine xmlns:a14="http://schemas.microsoft.com/office/drawing/2010/main" xmlns="" w="9525">
+                <a14:hiddenLine xmlns="" xmlns:a14="http://schemas.microsoft.com/office/drawing/2010/main" w="9525">
                   <a:solidFill>
                     <a:srgbClr val="000000"/>
                   </a:solidFill>
@@ -3514,7 +3525,7 @@
             </a:ln>
             <a:extLst>
               <a:ext uri="{91240B29-F687-4f45-9708-019B960494DF}">
-                <a14:hiddenLine xmlns:a14="http://schemas.microsoft.com/office/drawing/2010/main" xmlns="" w="9525">
+                <a14:hiddenLine xmlns="" xmlns:a14="http://schemas.microsoft.com/office/drawing/2010/main" w="9525">
                   <a:solidFill>
                     <a:srgbClr val="000000"/>
                   </a:solidFill>
@@ -3604,7 +3615,7 @@
             </a:ln>
             <a:extLst>
               <a:ext uri="{91240B29-F687-4f45-9708-019B960494DF}">
-                <a14:hiddenLine xmlns:a14="http://schemas.microsoft.com/office/drawing/2010/main" xmlns="" w="9525">
+                <a14:hiddenLine xmlns="" xmlns:a14="http://schemas.microsoft.com/office/drawing/2010/main" w="9525">
                   <a:solidFill>
                     <a:srgbClr val="000000"/>
                   </a:solidFill>
@@ -3669,7 +3680,7 @@
             </a:ln>
             <a:extLst>
               <a:ext uri="{91240B29-F687-4f45-9708-019B960494DF}">
-                <a14:hiddenLine xmlns:a14="http://schemas.microsoft.com/office/drawing/2010/main" xmlns="" w="9525">
+                <a14:hiddenLine xmlns="" xmlns:a14="http://schemas.microsoft.com/office/drawing/2010/main" w="9525">
                   <a:solidFill>
                     <a:srgbClr val="000000"/>
                   </a:solidFill>
@@ -3731,7 +3742,7 @@
             </a:ln>
             <a:extLst>
               <a:ext uri="{91240B29-F687-4f45-9708-019B960494DF}">
-                <a14:hiddenLine xmlns:a14="http://schemas.microsoft.com/office/drawing/2010/main" xmlns="" w="9525">
+                <a14:hiddenLine xmlns="" xmlns:a14="http://schemas.microsoft.com/office/drawing/2010/main" w="9525">
                   <a:solidFill>
                     <a:srgbClr val="000000"/>
                   </a:solidFill>
@@ -3821,7 +3832,7 @@
             </a:ln>
             <a:extLst>
               <a:ext uri="{91240B29-F687-4f45-9708-019B960494DF}">
-                <a14:hiddenLine xmlns:a14="http://schemas.microsoft.com/office/drawing/2010/main" xmlns="" w="9525">
+                <a14:hiddenLine xmlns="" xmlns:a14="http://schemas.microsoft.com/office/drawing/2010/main" w="9525">
                   <a:solidFill>
                     <a:srgbClr val="000000"/>
                   </a:solidFill>
@@ -3911,7 +3922,7 @@
             </a:ln>
             <a:extLst>
               <a:ext uri="{91240B29-F687-4f45-9708-019B960494DF}">
-                <a14:hiddenLine xmlns:a14="http://schemas.microsoft.com/office/drawing/2010/main" xmlns="" w="9525">
+                <a14:hiddenLine xmlns="" xmlns:a14="http://schemas.microsoft.com/office/drawing/2010/main" w="9525">
                   <a:solidFill>
                     <a:srgbClr val="000000"/>
                   </a:solidFill>
@@ -3973,7 +3984,7 @@
             </a:ln>
             <a:extLst>
               <a:ext uri="{91240B29-F687-4f45-9708-019B960494DF}">
-                <a14:hiddenLine xmlns:a14="http://schemas.microsoft.com/office/drawing/2010/main" xmlns="" w="9525">
+                <a14:hiddenLine xmlns="" xmlns:a14="http://schemas.microsoft.com/office/drawing/2010/main" w="9525">
                   <a:solidFill>
                     <a:srgbClr val="000000"/>
                   </a:solidFill>
@@ -4093,7 +4104,7 @@
             </a:ln>
             <a:extLst>
               <a:ext uri="{91240B29-F687-4f45-9708-019B960494DF}">
-                <a14:hiddenLine xmlns:a14="http://schemas.microsoft.com/office/drawing/2010/main" xmlns="" w="9525">
+                <a14:hiddenLine xmlns="" xmlns:a14="http://schemas.microsoft.com/office/drawing/2010/main" w="9525">
                   <a:solidFill>
                     <a:srgbClr val="000000"/>
                   </a:solidFill>
@@ -4161,7 +4172,7 @@
             </a:ln>
             <a:extLst>
               <a:ext uri="{91240B29-F687-4f45-9708-019B960494DF}">
-                <a14:hiddenLine xmlns:a14="http://schemas.microsoft.com/office/drawing/2010/main" xmlns="" w="9525">
+                <a14:hiddenLine xmlns="" xmlns:a14="http://schemas.microsoft.com/office/drawing/2010/main" w="9525">
                   <a:solidFill>
                     <a:srgbClr val="000000"/>
                   </a:solidFill>
@@ -4251,7 +4262,7 @@
             </a:ln>
             <a:extLst>
               <a:ext uri="{91240B29-F687-4f45-9708-019B960494DF}">
-                <a14:hiddenLine xmlns:a14="http://schemas.microsoft.com/office/drawing/2010/main" xmlns="" w="9525">
+                <a14:hiddenLine xmlns="" xmlns:a14="http://schemas.microsoft.com/office/drawing/2010/main" w="9525">
                   <a:solidFill>
                     <a:srgbClr val="000000"/>
                   </a:solidFill>
@@ -4391,7 +4402,7 @@
           <a:p>
             <a:fld id="{48A87A34-81AB-432B-8DAE-1953F412C126}" type="datetimeFigureOut">
               <a:rPr lang="en-US" dirty="0"/>
-              <a:t>11/7/2018</a:t>
+              <a:t>11/9/2018</a:t>
             </a:fld>
             <a:endParaRPr lang="en-US" dirty="0"/>
           </a:p>
@@ -4653,7 +4664,7 @@
           <a:p>
             <a:fld id="{48A87A34-81AB-432B-8DAE-1953F412C126}" type="datetimeFigureOut">
               <a:rPr lang="en-US" dirty="0"/>
-              <a:t>11/7/2018</a:t>
+              <a:t>11/9/2018</a:t>
             </a:fld>
             <a:endParaRPr lang="en-US" dirty="0"/>
           </a:p>
@@ -4844,7 +4855,7 @@
           <a:p>
             <a:fld id="{48A87A34-81AB-432B-8DAE-1953F412C126}" type="datetimeFigureOut">
               <a:rPr lang="en-US" dirty="0"/>
-              <a:t>11/7/2018</a:t>
+              <a:t>11/9/2018</a:t>
             </a:fld>
             <a:endParaRPr lang="en-US" dirty="0"/>
           </a:p>
@@ -5102,7 +5113,7 @@
           <a:p>
             <a:fld id="{48A87A34-81AB-432B-8DAE-1953F412C126}" type="datetimeFigureOut">
               <a:rPr lang="en-US" dirty="0"/>
-              <a:t>11/7/2018</a:t>
+              <a:t>11/9/2018</a:t>
             </a:fld>
             <a:endParaRPr lang="en-US" dirty="0"/>
           </a:p>
@@ -5531,7 +5542,7 @@
           <a:p>
             <a:fld id="{48A87A34-81AB-432B-8DAE-1953F412C126}" type="datetimeFigureOut">
               <a:rPr lang="en-US" dirty="0"/>
-              <a:t>11/7/2018</a:t>
+              <a:t>11/9/2018</a:t>
             </a:fld>
             <a:endParaRPr lang="en-US" dirty="0"/>
           </a:p>
@@ -6072,7 +6083,7 @@
           <a:p>
             <a:fld id="{48A87A34-81AB-432B-8DAE-1953F412C126}" type="datetimeFigureOut">
               <a:rPr lang="en-US" dirty="0"/>
-              <a:t>11/7/2018</a:t>
+              <a:t>11/9/2018</a:t>
             </a:fld>
             <a:endParaRPr lang="en-US" dirty="0"/>
           </a:p>
@@ -6787,7 +6798,7 @@
           <a:p>
             <a:fld id="{48A87A34-81AB-432B-8DAE-1953F412C126}" type="datetimeFigureOut">
               <a:rPr lang="en-US" dirty="0"/>
-              <a:t>11/7/2018</a:t>
+              <a:t>11/9/2018</a:t>
             </a:fld>
             <a:endParaRPr lang="en-US" dirty="0"/>
           </a:p>
@@ -6952,7 +6963,7 @@
           <a:p>
             <a:fld id="{48A87A34-81AB-432B-8DAE-1953F412C126}" type="datetimeFigureOut">
               <a:rPr lang="en-US" dirty="0"/>
-              <a:t>11/7/2018</a:t>
+              <a:t>11/9/2018</a:t>
             </a:fld>
             <a:endParaRPr lang="en-US" dirty="0"/>
           </a:p>
@@ -7127,7 +7138,7 @@
           <a:p>
             <a:fld id="{48A87A34-81AB-432B-8DAE-1953F412C126}" type="datetimeFigureOut">
               <a:rPr lang="en-US" dirty="0"/>
-              <a:t>11/7/2018</a:t>
+              <a:t>11/9/2018</a:t>
             </a:fld>
             <a:endParaRPr lang="en-US" dirty="0"/>
           </a:p>
@@ -7292,7 +7303,7 @@
           <a:p>
             <a:fld id="{48A87A34-81AB-432B-8DAE-1953F412C126}" type="datetimeFigureOut">
               <a:rPr lang="en-US" dirty="0"/>
-              <a:t>11/7/2018</a:t>
+              <a:t>11/9/2018</a:t>
             </a:fld>
             <a:endParaRPr lang="en-US" dirty="0"/>
           </a:p>
@@ -7537,7 +7548,7 @@
           <a:p>
             <a:fld id="{48A87A34-81AB-432B-8DAE-1953F412C126}" type="datetimeFigureOut">
               <a:rPr lang="en-US" dirty="0"/>
-              <a:t>11/7/2018</a:t>
+              <a:t>11/9/2018</a:t>
             </a:fld>
             <a:endParaRPr lang="en-US" dirty="0"/>
           </a:p>
@@ -7764,7 +7775,7 @@
           <a:p>
             <a:fld id="{48A87A34-81AB-432B-8DAE-1953F412C126}" type="datetimeFigureOut">
               <a:rPr lang="en-US" dirty="0"/>
-              <a:t>11/7/2018</a:t>
+              <a:t>11/9/2018</a:t>
             </a:fld>
             <a:endParaRPr lang="en-US" dirty="0"/>
           </a:p>
@@ -8140,7 +8151,7 @@
           <a:p>
             <a:fld id="{48A87A34-81AB-432B-8DAE-1953F412C126}" type="datetimeFigureOut">
               <a:rPr lang="en-US" dirty="0"/>
-              <a:t>11/7/2018</a:t>
+              <a:t>11/9/2018</a:t>
             </a:fld>
             <a:endParaRPr lang="en-US" dirty="0"/>
           </a:p>
@@ -8253,7 +8264,7 @@
           <a:p>
             <a:fld id="{48A87A34-81AB-432B-8DAE-1953F412C126}" type="datetimeFigureOut">
               <a:rPr lang="en-US" dirty="0"/>
-              <a:t>11/7/2018</a:t>
+              <a:t>11/9/2018</a:t>
             </a:fld>
             <a:endParaRPr lang="en-US" dirty="0"/>
           </a:p>
@@ -8343,7 +8354,7 @@
           <a:p>
             <a:fld id="{48A87A34-81AB-432B-8DAE-1953F412C126}" type="datetimeFigureOut">
               <a:rPr lang="en-US" dirty="0"/>
-              <a:t>11/7/2018</a:t>
+              <a:t>11/9/2018</a:t>
             </a:fld>
             <a:endParaRPr lang="en-US" dirty="0"/>
           </a:p>
@@ -8587,7 +8598,7 @@
           <a:p>
             <a:fld id="{48A87A34-81AB-432B-8DAE-1953F412C126}" type="datetimeFigureOut">
               <a:rPr lang="en-US" dirty="0"/>
-              <a:t>11/7/2018</a:t>
+              <a:t>11/9/2018</a:t>
             </a:fld>
             <a:endParaRPr lang="en-US" dirty="0"/>
           </a:p>
@@ -8862,7 +8873,7 @@
           <a:p>
             <a:fld id="{48A87A34-81AB-432B-8DAE-1953F412C126}" type="datetimeFigureOut">
               <a:rPr lang="en-US" dirty="0"/>
-              <a:t>11/7/2018</a:t>
+              <a:t>11/9/2018</a:t>
             </a:fld>
             <a:endParaRPr lang="en-US" dirty="0"/>
           </a:p>
@@ -8973,7 +8984,7 @@
           <a:noFill/>
           <a:extLst>
             <a:ext uri="{909E8E84-426E-40dd-AFC4-6F175D3DCCD1}">
-              <a14:hiddenFill xmlns:a14="http://schemas.microsoft.com/office/drawing/2010/main" xmlns="">
+              <a14:hiddenFill xmlns="" xmlns:a14="http://schemas.microsoft.com/office/drawing/2010/main">
                 <a:solidFill>
                   <a:srgbClr val="FFFFFF"/>
                 </a:solidFill>
@@ -9047,7 +9058,7 @@
               </a:ln>
               <a:extLst>
                 <a:ext uri="{91240B29-F687-4f45-9708-019B960494DF}">
-                  <a14:hiddenLine xmlns:a14="http://schemas.microsoft.com/office/drawing/2010/main" xmlns="" w="9525">
+                  <a14:hiddenLine xmlns="" xmlns:a14="http://schemas.microsoft.com/office/drawing/2010/main" w="9525">
                     <a:solidFill>
                       <a:srgbClr val="000000"/>
                     </a:solidFill>
@@ -9137,7 +9148,7 @@
               </a:ln>
               <a:extLst>
                 <a:ext uri="{91240B29-F687-4f45-9708-019B960494DF}">
-                  <a14:hiddenLine xmlns:a14="http://schemas.microsoft.com/office/drawing/2010/main" xmlns="" w="9525">
+                  <a14:hiddenLine xmlns="" xmlns:a14="http://schemas.microsoft.com/office/drawing/2010/main" w="9525">
                     <a:solidFill>
                       <a:srgbClr val="000000"/>
                     </a:solidFill>
@@ -9227,7 +9238,7 @@
               </a:ln>
               <a:extLst>
                 <a:ext uri="{91240B29-F687-4f45-9708-019B960494DF}">
-                  <a14:hiddenLine xmlns:a14="http://schemas.microsoft.com/office/drawing/2010/main" xmlns="" w="9525">
+                  <a14:hiddenLine xmlns="" xmlns:a14="http://schemas.microsoft.com/office/drawing/2010/main" w="9525">
                     <a:solidFill>
                       <a:srgbClr val="000000"/>
                     </a:solidFill>
@@ -9289,7 +9300,7 @@
               </a:ln>
               <a:extLst>
                 <a:ext uri="{91240B29-F687-4f45-9708-019B960494DF}">
-                  <a14:hiddenLine xmlns:a14="http://schemas.microsoft.com/office/drawing/2010/main" xmlns="" w="9525">
+                  <a14:hiddenLine xmlns="" xmlns:a14="http://schemas.microsoft.com/office/drawing/2010/main" w="9525">
                     <a:solidFill>
                       <a:srgbClr val="000000"/>
                     </a:solidFill>
@@ -9379,7 +9390,7 @@
               </a:ln>
               <a:extLst>
                 <a:ext uri="{91240B29-F687-4f45-9708-019B960494DF}">
-                  <a14:hiddenLine xmlns:a14="http://schemas.microsoft.com/office/drawing/2010/main" xmlns="" w="9525">
+                  <a14:hiddenLine xmlns="" xmlns:a14="http://schemas.microsoft.com/office/drawing/2010/main" w="9525">
                     <a:solidFill>
                       <a:srgbClr val="000000"/>
                     </a:solidFill>
@@ -9441,7 +9452,7 @@
               </a:ln>
               <a:extLst>
                 <a:ext uri="{91240B29-F687-4f45-9708-019B960494DF}">
-                  <a14:hiddenLine xmlns:a14="http://schemas.microsoft.com/office/drawing/2010/main" xmlns="" w="9525">
+                  <a14:hiddenLine xmlns="" xmlns:a14="http://schemas.microsoft.com/office/drawing/2010/main" w="9525">
                     <a:solidFill>
                       <a:srgbClr val="000000"/>
                     </a:solidFill>
@@ -9503,7 +9514,7 @@
               </a:ln>
               <a:extLst>
                 <a:ext uri="{91240B29-F687-4f45-9708-019B960494DF}">
-                  <a14:hiddenLine xmlns:a14="http://schemas.microsoft.com/office/drawing/2010/main" xmlns="" w="9525">
+                  <a14:hiddenLine xmlns="" xmlns:a14="http://schemas.microsoft.com/office/drawing/2010/main" w="9525">
                     <a:solidFill>
                       <a:srgbClr val="000000"/>
                     </a:solidFill>
@@ -9593,7 +9604,7 @@
               </a:ln>
               <a:extLst>
                 <a:ext uri="{91240B29-F687-4f45-9708-019B960494DF}">
-                  <a14:hiddenLine xmlns:a14="http://schemas.microsoft.com/office/drawing/2010/main" xmlns="" w="9525">
+                  <a14:hiddenLine xmlns="" xmlns:a14="http://schemas.microsoft.com/office/drawing/2010/main" w="9525">
                     <a:solidFill>
                       <a:srgbClr val="000000"/>
                     </a:solidFill>
@@ -9683,7 +9694,7 @@
               </a:ln>
               <a:extLst>
                 <a:ext uri="{91240B29-F687-4f45-9708-019B960494DF}">
-                  <a14:hiddenLine xmlns:a14="http://schemas.microsoft.com/office/drawing/2010/main" xmlns="" w="9525">
+                  <a14:hiddenLine xmlns="" xmlns:a14="http://schemas.microsoft.com/office/drawing/2010/main" w="9525">
                     <a:solidFill>
                       <a:srgbClr val="000000"/>
                     </a:solidFill>
@@ -9745,7 +9756,7 @@
               </a:ln>
               <a:extLst>
                 <a:ext uri="{91240B29-F687-4f45-9708-019B960494DF}">
-                  <a14:hiddenLine xmlns:a14="http://schemas.microsoft.com/office/drawing/2010/main" xmlns="" w="9525">
+                  <a14:hiddenLine xmlns="" xmlns:a14="http://schemas.microsoft.com/office/drawing/2010/main" w="9525">
                     <a:solidFill>
                       <a:srgbClr val="000000"/>
                     </a:solidFill>
@@ -9855,7 +9866,7 @@
               </a:ln>
               <a:extLst>
                 <a:ext uri="{91240B29-F687-4f45-9708-019B960494DF}">
-                  <a14:hiddenLine xmlns:a14="http://schemas.microsoft.com/office/drawing/2010/main" xmlns="" w="9525">
+                  <a14:hiddenLine xmlns="" xmlns:a14="http://schemas.microsoft.com/office/drawing/2010/main" w="9525">
                     <a:solidFill>
                       <a:srgbClr val="000000"/>
                     </a:solidFill>
@@ -9939,7 +9950,7 @@
               </a:ln>
               <a:extLst>
                 <a:ext uri="{91240B29-F687-4f45-9708-019B960494DF}">
-                  <a14:hiddenLine xmlns:a14="http://schemas.microsoft.com/office/drawing/2010/main" xmlns="" w="9525">
+                  <a14:hiddenLine xmlns="" xmlns:a14="http://schemas.microsoft.com/office/drawing/2010/main" w="9525">
                     <a:solidFill>
                       <a:srgbClr val="000000"/>
                     </a:solidFill>
@@ -10001,7 +10012,7 @@
               </a:ln>
               <a:extLst>
                 <a:ext uri="{91240B29-F687-4f45-9708-019B960494DF}">
-                  <a14:hiddenLine xmlns:a14="http://schemas.microsoft.com/office/drawing/2010/main" xmlns="" w="9525">
+                  <a14:hiddenLine xmlns="" xmlns:a14="http://schemas.microsoft.com/office/drawing/2010/main" w="9525">
                     <a:solidFill>
                       <a:srgbClr val="000000"/>
                     </a:solidFill>
@@ -10063,7 +10074,7 @@
               </a:ln>
               <a:extLst>
                 <a:ext uri="{91240B29-F687-4f45-9708-019B960494DF}">
-                  <a14:hiddenLine xmlns:a14="http://schemas.microsoft.com/office/drawing/2010/main" xmlns="" w="9525">
+                  <a14:hiddenLine xmlns="" xmlns:a14="http://schemas.microsoft.com/office/drawing/2010/main" w="9525">
                     <a:solidFill>
                       <a:srgbClr val="000000"/>
                     </a:solidFill>
@@ -10153,7 +10164,7 @@
               </a:ln>
               <a:extLst>
                 <a:ext uri="{91240B29-F687-4f45-9708-019B960494DF}">
-                  <a14:hiddenLine xmlns:a14="http://schemas.microsoft.com/office/drawing/2010/main" xmlns="" w="9525">
+                  <a14:hiddenLine xmlns="" xmlns:a14="http://schemas.microsoft.com/office/drawing/2010/main" w="9525">
                     <a:solidFill>
                       <a:srgbClr val="000000"/>
                     </a:solidFill>
@@ -10187,7 +10198,7 @@
               </a:ln>
               <a:extLst>
                 <a:ext uri="{91240B29-F687-4f45-9708-019B960494DF}">
-                  <a14:hiddenLine xmlns:a14="http://schemas.microsoft.com/office/drawing/2010/main" xmlns="" w="9525">
+                  <a14:hiddenLine xmlns="" xmlns:a14="http://schemas.microsoft.com/office/drawing/2010/main" w="9525">
                     <a:solidFill>
                       <a:srgbClr val="000000"/>
                     </a:solidFill>
@@ -10252,7 +10263,7 @@
               </a:ln>
               <a:extLst>
                 <a:ext uri="{91240B29-F687-4f45-9708-019B960494DF}">
-                  <a14:hiddenLine xmlns:a14="http://schemas.microsoft.com/office/drawing/2010/main" xmlns="" w="9525">
+                  <a14:hiddenLine xmlns="" xmlns:a14="http://schemas.microsoft.com/office/drawing/2010/main" w="9525">
                     <a:solidFill>
                       <a:srgbClr val="000000"/>
                     </a:solidFill>
@@ -10342,7 +10353,7 @@
               </a:ln>
               <a:extLst>
                 <a:ext uri="{91240B29-F687-4f45-9708-019B960494DF}">
-                  <a14:hiddenLine xmlns:a14="http://schemas.microsoft.com/office/drawing/2010/main" xmlns="" w="9525">
+                  <a14:hiddenLine xmlns="" xmlns:a14="http://schemas.microsoft.com/office/drawing/2010/main" w="9525">
                     <a:solidFill>
                       <a:srgbClr val="000000"/>
                     </a:solidFill>
@@ -10404,7 +10415,7 @@
               </a:ln>
               <a:extLst>
                 <a:ext uri="{91240B29-F687-4f45-9708-019B960494DF}">
-                  <a14:hiddenLine xmlns:a14="http://schemas.microsoft.com/office/drawing/2010/main" xmlns="" w="9525">
+                  <a14:hiddenLine xmlns="" xmlns:a14="http://schemas.microsoft.com/office/drawing/2010/main" w="9525">
                     <a:solidFill>
                       <a:srgbClr val="000000"/>
                     </a:solidFill>
@@ -10494,7 +10505,7 @@
               </a:ln>
               <a:extLst>
                 <a:ext uri="{91240B29-F687-4f45-9708-019B960494DF}">
-                  <a14:hiddenLine xmlns:a14="http://schemas.microsoft.com/office/drawing/2010/main" xmlns="" w="9525">
+                  <a14:hiddenLine xmlns="" xmlns:a14="http://schemas.microsoft.com/office/drawing/2010/main" w="9525">
                     <a:solidFill>
                       <a:srgbClr val="000000"/>
                     </a:solidFill>
@@ -10559,7 +10570,7 @@
               </a:ln>
               <a:extLst>
                 <a:ext uri="{91240B29-F687-4f45-9708-019B960494DF}">
-                  <a14:hiddenLine xmlns:a14="http://schemas.microsoft.com/office/drawing/2010/main" xmlns="" w="9525">
+                  <a14:hiddenLine xmlns="" xmlns:a14="http://schemas.microsoft.com/office/drawing/2010/main" w="9525">
                     <a:solidFill>
                       <a:srgbClr val="000000"/>
                     </a:solidFill>
@@ -10621,7 +10632,7 @@
               </a:ln>
               <a:extLst>
                 <a:ext uri="{91240B29-F687-4f45-9708-019B960494DF}">
-                  <a14:hiddenLine xmlns:a14="http://schemas.microsoft.com/office/drawing/2010/main" xmlns="" w="9525">
+                  <a14:hiddenLine xmlns="" xmlns:a14="http://schemas.microsoft.com/office/drawing/2010/main" w="9525">
                     <a:solidFill>
                       <a:srgbClr val="000000"/>
                     </a:solidFill>
@@ -10711,7 +10722,7 @@
               </a:ln>
               <a:extLst>
                 <a:ext uri="{91240B29-F687-4f45-9708-019B960494DF}">
-                  <a14:hiddenLine xmlns:a14="http://schemas.microsoft.com/office/drawing/2010/main" xmlns="" w="9525">
+                  <a14:hiddenLine xmlns="" xmlns:a14="http://schemas.microsoft.com/office/drawing/2010/main" w="9525">
                     <a:solidFill>
                       <a:srgbClr val="000000"/>
                     </a:solidFill>
@@ -10801,7 +10812,7 @@
               </a:ln>
               <a:extLst>
                 <a:ext uri="{91240B29-F687-4f45-9708-019B960494DF}">
-                  <a14:hiddenLine xmlns:a14="http://schemas.microsoft.com/office/drawing/2010/main" xmlns="" w="9525">
+                  <a14:hiddenLine xmlns="" xmlns:a14="http://schemas.microsoft.com/office/drawing/2010/main" w="9525">
                     <a:solidFill>
                       <a:srgbClr val="000000"/>
                     </a:solidFill>
@@ -10866,7 +10877,7 @@
               </a:ln>
               <a:extLst>
                 <a:ext uri="{91240B29-F687-4f45-9708-019B960494DF}">
-                  <a14:hiddenLine xmlns:a14="http://schemas.microsoft.com/office/drawing/2010/main" xmlns="" w="9525">
+                  <a14:hiddenLine xmlns="" xmlns:a14="http://schemas.microsoft.com/office/drawing/2010/main" w="9525">
                     <a:solidFill>
                       <a:srgbClr val="000000"/>
                     </a:solidFill>
@@ -10986,7 +10997,7 @@
               </a:ln>
               <a:extLst>
                 <a:ext uri="{91240B29-F687-4f45-9708-019B960494DF}">
-                  <a14:hiddenLine xmlns:a14="http://schemas.microsoft.com/office/drawing/2010/main" xmlns="" w="9525">
+                  <a14:hiddenLine xmlns="" xmlns:a14="http://schemas.microsoft.com/office/drawing/2010/main" w="9525">
                     <a:solidFill>
                       <a:srgbClr val="000000"/>
                     </a:solidFill>
@@ -11084,7 +11095,7 @@
               </a:ln>
               <a:extLst>
                 <a:ext uri="{91240B29-F687-4f45-9708-019B960494DF}">
-                  <a14:hiddenLine xmlns:a14="http://schemas.microsoft.com/office/drawing/2010/main" xmlns="" w="9525">
+                  <a14:hiddenLine xmlns="" xmlns:a14="http://schemas.microsoft.com/office/drawing/2010/main" w="9525">
                     <a:solidFill>
                       <a:srgbClr val="000000"/>
                     </a:solidFill>
@@ -11199,7 +11210,7 @@
               </a:ln>
               <a:extLst>
                 <a:ext uri="{91240B29-F687-4f45-9708-019B960494DF}">
-                  <a14:hiddenLine xmlns:a14="http://schemas.microsoft.com/office/drawing/2010/main" xmlns="" w="9525">
+                  <a14:hiddenLine xmlns="" xmlns:a14="http://schemas.microsoft.com/office/drawing/2010/main" w="9525">
                     <a:solidFill>
                       <a:srgbClr val="000000"/>
                     </a:solidFill>
@@ -11289,7 +11300,7 @@
               </a:ln>
               <a:extLst>
                 <a:ext uri="{91240B29-F687-4f45-9708-019B960494DF}">
-                  <a14:hiddenLine xmlns:a14="http://schemas.microsoft.com/office/drawing/2010/main" xmlns="" w="9525">
+                  <a14:hiddenLine xmlns="" xmlns:a14="http://schemas.microsoft.com/office/drawing/2010/main" w="9525">
                     <a:solidFill>
                       <a:srgbClr val="000000"/>
                     </a:solidFill>
@@ -11354,7 +11365,7 @@
               </a:ln>
               <a:extLst>
                 <a:ext uri="{91240B29-F687-4f45-9708-019B960494DF}">
-                  <a14:hiddenLine xmlns:a14="http://schemas.microsoft.com/office/drawing/2010/main" xmlns="" w="9525">
+                  <a14:hiddenLine xmlns="" xmlns:a14="http://schemas.microsoft.com/office/drawing/2010/main" w="9525">
                     <a:solidFill>
                       <a:srgbClr val="000000"/>
                     </a:solidFill>
@@ -11444,7 +11455,7 @@
               </a:ln>
               <a:extLst>
                 <a:ext uri="{91240B29-F687-4f45-9708-019B960494DF}">
-                  <a14:hiddenLine xmlns:a14="http://schemas.microsoft.com/office/drawing/2010/main" xmlns="" w="9525">
+                  <a14:hiddenLine xmlns="" xmlns:a14="http://schemas.microsoft.com/office/drawing/2010/main" w="9525">
                     <a:solidFill>
                       <a:srgbClr val="000000"/>
                     </a:solidFill>
@@ -11512,7 +11523,7 @@
               </a:ln>
               <a:extLst>
                 <a:ext uri="{91240B29-F687-4f45-9708-019B960494DF}">
-                  <a14:hiddenLine xmlns:a14="http://schemas.microsoft.com/office/drawing/2010/main" xmlns="" w="9525">
+                  <a14:hiddenLine xmlns="" xmlns:a14="http://schemas.microsoft.com/office/drawing/2010/main" w="9525">
                     <a:solidFill>
                       <a:srgbClr val="000000"/>
                     </a:solidFill>
@@ -11602,7 +11613,7 @@
               </a:ln>
               <a:extLst>
                 <a:ext uri="{91240B29-F687-4f45-9708-019B960494DF}">
-                  <a14:hiddenLine xmlns:a14="http://schemas.microsoft.com/office/drawing/2010/main" xmlns="" w="9525">
+                  <a14:hiddenLine xmlns="" xmlns:a14="http://schemas.microsoft.com/office/drawing/2010/main" w="9525">
                     <a:solidFill>
                       <a:srgbClr val="000000"/>
                     </a:solidFill>
@@ -11670,7 +11681,7 @@
               </a:ln>
               <a:extLst>
                 <a:ext uri="{91240B29-F687-4f45-9708-019B960494DF}">
-                  <a14:hiddenLine xmlns:a14="http://schemas.microsoft.com/office/drawing/2010/main" xmlns="" w="9525">
+                  <a14:hiddenLine xmlns="" xmlns:a14="http://schemas.microsoft.com/office/drawing/2010/main" w="9525">
                     <a:solidFill>
                       <a:srgbClr val="000000"/>
                     </a:solidFill>
@@ -11760,7 +11771,7 @@
               </a:ln>
               <a:extLst>
                 <a:ext uri="{91240B29-F687-4f45-9708-019B960494DF}">
-                  <a14:hiddenLine xmlns:a14="http://schemas.microsoft.com/office/drawing/2010/main" xmlns="" w="9525">
+                  <a14:hiddenLine xmlns="" xmlns:a14="http://schemas.microsoft.com/office/drawing/2010/main" w="9525">
                     <a:solidFill>
                       <a:srgbClr val="000000"/>
                     </a:solidFill>
@@ -11794,7 +11805,7 @@
               </a:ln>
               <a:extLst>
                 <a:ext uri="{91240B29-F687-4f45-9708-019B960494DF}">
-                  <a14:hiddenLine xmlns:a14="http://schemas.microsoft.com/office/drawing/2010/main" xmlns="" w="9525">
+                  <a14:hiddenLine xmlns="" xmlns:a14="http://schemas.microsoft.com/office/drawing/2010/main" w="9525">
                     <a:solidFill>
                       <a:srgbClr val="000000"/>
                     </a:solidFill>
@@ -11935,7 +11946,7 @@
             <a:fld id="{48A87A34-81AB-432B-8DAE-1953F412C126}" type="datetimeFigureOut">
               <a:rPr lang="en-US" dirty="0"/>
               <a:pPr/>
-              <a:t>11/7/2018</a:t>
+              <a:t>11/9/2018</a:t>
             </a:fld>
             <a:endParaRPr lang="en-US" dirty="0"/>
           </a:p>
@@ -12449,7 +12460,3797 @@
 </p:sld>
 </file>
 
+<file path=ppt/slides/slide10.xml><?xml version="1.0" encoding="utf-8"?>
+<p:sld xmlns:a="http://schemas.openxmlformats.org/drawingml/2006/main" xmlns:r="http://schemas.openxmlformats.org/officeDocument/2006/relationships" xmlns:p="http://schemas.openxmlformats.org/presentationml/2006/main">
+  <p:cSld>
+    <p:spTree>
+      <p:nvGrpSpPr>
+        <p:cNvPr id="1" name=""/>
+        <p:cNvGrpSpPr/>
+        <p:nvPr/>
+      </p:nvGrpSpPr>
+      <p:grpSpPr>
+        <a:xfrm>
+          <a:off x="0" y="0"/>
+          <a:ext cx="0" cy="0"/>
+          <a:chOff x="0" y="0"/>
+          <a:chExt cx="0" cy="0"/>
+        </a:xfrm>
+      </p:grpSpPr>
+      <p:sp>
+        <p:nvSpPr>
+          <p:cNvPr id="2" name="Title 1">
+            <a:extLst>
+              <a:ext uri="{FF2B5EF4-FFF2-40B4-BE49-F238E27FC236}">
+                <a16:creationId xmlns:a16="http://schemas.microsoft.com/office/drawing/2014/main" id="{F8E541FC-A1DA-49C7-AF13-E01A65338309}"/>
+              </a:ext>
+            </a:extLst>
+          </p:cNvPr>
+          <p:cNvSpPr>
+            <a:spLocks noGrp="1"/>
+          </p:cNvSpPr>
+          <p:nvPr>
+            <p:ph type="title"/>
+          </p:nvPr>
+        </p:nvSpPr>
+        <p:spPr/>
+        <p:txBody>
+          <a:bodyPr/>
+          <a:lstStyle/>
+          <a:p>
+            <a:r>
+              <a:rPr lang="en-US" dirty="0"/>
+              <a:t>Software components</a:t>
+            </a:r>
+          </a:p>
+        </p:txBody>
+      </p:sp>
+      <p:sp>
+        <p:nvSpPr>
+          <p:cNvPr id="3" name="Content Placeholder 2">
+            <a:extLst>
+              <a:ext uri="{FF2B5EF4-FFF2-40B4-BE49-F238E27FC236}">
+                <a16:creationId xmlns:a16="http://schemas.microsoft.com/office/drawing/2014/main" id="{99AE275E-80C3-4F02-9D2C-1423B03DBF97}"/>
+              </a:ext>
+            </a:extLst>
+          </p:cNvPr>
+          <p:cNvSpPr>
+            <a:spLocks noGrp="1"/>
+          </p:cNvSpPr>
+          <p:nvPr>
+            <p:ph idx="1"/>
+          </p:nvPr>
+        </p:nvSpPr>
+        <p:spPr/>
+        <p:txBody>
+          <a:bodyPr/>
+          <a:lstStyle/>
+          <a:p>
+            <a:r>
+              <a:rPr lang="en-US" dirty="0"/>
+              <a:t>Android Studio</a:t>
+            </a:r>
+          </a:p>
+          <a:p>
+            <a:pPr lvl="1"/>
+            <a:r>
+              <a:rPr lang="en-US" dirty="0"/>
+              <a:t>SDK Tools</a:t>
+            </a:r>
+          </a:p>
+          <a:p>
+            <a:r>
+              <a:rPr lang="en-US" dirty="0"/>
+              <a:t>Firebase</a:t>
+            </a:r>
+          </a:p>
+          <a:p>
+            <a:r>
+              <a:rPr lang="en-US" dirty="0" err="1"/>
+              <a:t>WorkManager</a:t>
+            </a:r>
+            <a:endParaRPr lang="en-US" dirty="0"/>
+          </a:p>
+          <a:p>
+            <a:r>
+              <a:rPr lang="en-US" dirty="0"/>
+              <a:t>Arduino 1.8.7</a:t>
+            </a:r>
+          </a:p>
+        </p:txBody>
+      </p:sp>
+    </p:spTree>
+    <p:extLst>
+      <p:ext uri="{BB962C8B-B14F-4D97-AF65-F5344CB8AC3E}">
+        <p14:creationId xmlns:p14="http://schemas.microsoft.com/office/powerpoint/2010/main" val="587945301"/>
+      </p:ext>
+    </p:extLst>
+  </p:cSld>
+  <p:clrMapOvr>
+    <a:masterClrMapping/>
+  </p:clrMapOvr>
+</p:sld>
+</file>
+
+<file path=ppt/slides/slide11.xml><?xml version="1.0" encoding="utf-8"?>
+<p:sld xmlns:a="http://schemas.openxmlformats.org/drawingml/2006/main" xmlns:r="http://schemas.openxmlformats.org/officeDocument/2006/relationships" xmlns:p="http://schemas.openxmlformats.org/presentationml/2006/main">
+  <p:cSld>
+    <p:spTree>
+      <p:nvGrpSpPr>
+        <p:cNvPr id="1" name=""/>
+        <p:cNvGrpSpPr/>
+        <p:nvPr/>
+      </p:nvGrpSpPr>
+      <p:grpSpPr>
+        <a:xfrm>
+          <a:off x="0" y="0"/>
+          <a:ext cx="0" cy="0"/>
+          <a:chOff x="0" y="0"/>
+          <a:chExt cx="0" cy="0"/>
+        </a:xfrm>
+      </p:grpSpPr>
+      <p:sp>
+        <p:nvSpPr>
+          <p:cNvPr id="2" name="Title 1">
+            <a:extLst>
+              <a:ext uri="{FF2B5EF4-FFF2-40B4-BE49-F238E27FC236}">
+                <a16:creationId xmlns:a16="http://schemas.microsoft.com/office/drawing/2014/main" id="{556A4D63-67A9-4F4D-A121-6F6838500F63}"/>
+              </a:ext>
+            </a:extLst>
+          </p:cNvPr>
+          <p:cNvSpPr>
+            <a:spLocks noGrp="1"/>
+          </p:cNvSpPr>
+          <p:nvPr>
+            <p:ph type="title"/>
+          </p:nvPr>
+        </p:nvSpPr>
+        <p:spPr/>
+        <p:txBody>
+          <a:bodyPr/>
+          <a:lstStyle/>
+          <a:p>
+            <a:r>
+              <a:rPr lang="en-US" dirty="0"/>
+              <a:t>Shopping List</a:t>
+            </a:r>
+          </a:p>
+        </p:txBody>
+      </p:sp>
+      <p:sp>
+        <p:nvSpPr>
+          <p:cNvPr id="3" name="Content Placeholder 2">
+            <a:extLst>
+              <a:ext uri="{FF2B5EF4-FFF2-40B4-BE49-F238E27FC236}">
+                <a16:creationId xmlns:a16="http://schemas.microsoft.com/office/drawing/2014/main" id="{4702F58F-0B30-4725-8A9A-F8A332B06B7C}"/>
+              </a:ext>
+            </a:extLst>
+          </p:cNvPr>
+          <p:cNvSpPr>
+            <a:spLocks noGrp="1"/>
+          </p:cNvSpPr>
+          <p:nvPr>
+            <p:ph idx="1"/>
+          </p:nvPr>
+        </p:nvSpPr>
+        <p:spPr>
+          <a:xfrm>
+            <a:off x="1299411" y="1652336"/>
+            <a:ext cx="10780293" cy="5021179"/>
+          </a:xfrm>
+        </p:spPr>
+        <p:txBody>
+          <a:bodyPr>
+            <a:normAutofit fontScale="85000" lnSpcReduction="20000"/>
+          </a:bodyPr>
+          <a:lstStyle/>
+          <a:p>
+            <a:r>
+              <a:rPr lang="en-US" dirty="0"/>
+              <a:t>150 ft 22 Gauge Wire					$16.95</a:t>
+            </a:r>
+          </a:p>
+          <a:p>
+            <a:r>
+              <a:rPr lang="en-US" dirty="0" err="1"/>
+              <a:t>Elegoo</a:t>
+            </a:r>
+            <a:r>
+              <a:rPr lang="en-US" dirty="0"/>
+              <a:t> Brand Solderless Breadboards (3 pcs)		$9.99</a:t>
+            </a:r>
+          </a:p>
+          <a:p>
+            <a:r>
+              <a:rPr lang="en-US" dirty="0"/>
+              <a:t>Weller 40-Watt Soldering Station			$38.37</a:t>
+            </a:r>
+          </a:p>
+          <a:p>
+            <a:r>
+              <a:rPr lang="en-US" dirty="0"/>
+              <a:t>20 CR2032 3V Button Cell Batteries			$6.80</a:t>
+            </a:r>
+          </a:p>
+          <a:p>
+            <a:r>
+              <a:rPr lang="en-US" dirty="0"/>
+              <a:t>Duck Brand 60 ft Electrical Tape (2 rolls)			$5.62</a:t>
+            </a:r>
+          </a:p>
+          <a:p>
+            <a:r>
+              <a:rPr lang="en-US" dirty="0"/>
+              <a:t>Duck Brand All-Purpose Duct Tape 45 Yard (1 roll)		$9.31</a:t>
+            </a:r>
+          </a:p>
+          <a:p>
+            <a:r>
+              <a:rPr lang="en-US" dirty="0"/>
+              <a:t>Velcro Brand Sticky Back Hook-and-Loop Fasteners 30 ft	$26.91</a:t>
+            </a:r>
+          </a:p>
+          <a:p>
+            <a:r>
+              <a:rPr lang="en-US" dirty="0"/>
+              <a:t>Adafruit HUZZAH ESP8266 breakout (8 count)		$79.60</a:t>
+            </a:r>
+          </a:p>
+          <a:p>
+            <a:r>
+              <a:rPr lang="en-US" dirty="0"/>
+              <a:t>FTDI USB Cable (2 count)				$35.90</a:t>
+            </a:r>
+          </a:p>
+          <a:p>
+            <a:r>
+              <a:rPr lang="en-US" dirty="0"/>
+              <a:t>Glad Cling Wrap (1 roll) 200 </a:t>
+            </a:r>
+            <a:r>
+              <a:rPr lang="en-US" dirty="0" err="1"/>
+              <a:t>sq</a:t>
+            </a:r>
+            <a:r>
+              <a:rPr lang="en-US" dirty="0"/>
+              <a:t> ft			$2.65</a:t>
+            </a:r>
+          </a:p>
+          <a:p>
+            <a:r>
+              <a:rPr lang="en-US" dirty="0"/>
+              <a:t>Total Cost						</a:t>
+            </a:r>
+            <a:r>
+              <a:rPr lang="en-US"/>
+              <a:t>$232.10</a:t>
+            </a:r>
+            <a:endParaRPr lang="en-US" dirty="0"/>
+          </a:p>
+        </p:txBody>
+      </p:sp>
+    </p:spTree>
+    <p:extLst>
+      <p:ext uri="{BB962C8B-B14F-4D97-AF65-F5344CB8AC3E}">
+        <p14:creationId xmlns:p14="http://schemas.microsoft.com/office/powerpoint/2010/main" val="2420011291"/>
+      </p:ext>
+    </p:extLst>
+  </p:cSld>
+  <p:clrMapOvr>
+    <a:masterClrMapping/>
+  </p:clrMapOvr>
+</p:sld>
+</file>
+
+<file path=ppt/slides/slide12.xml><?xml version="1.0" encoding="utf-8"?>
+<p:sld xmlns:a="http://schemas.openxmlformats.org/drawingml/2006/main" xmlns:r="http://schemas.openxmlformats.org/officeDocument/2006/relationships" xmlns:p="http://schemas.openxmlformats.org/presentationml/2006/main">
+  <p:cSld>
+    <p:bg>
+      <p:bgPr>
+        <a:blipFill>
+          <a:blip r:embed="rId2">
+            <a:duotone>
+              <a:schemeClr val="bg2">
+                <a:shade val="88000"/>
+                <a:hueMod val="106000"/>
+                <a:satMod val="140000"/>
+                <a:lumMod val="54000"/>
+              </a:schemeClr>
+              <a:schemeClr val="bg2">
+                <a:tint val="98000"/>
+                <a:hueMod val="90000"/>
+                <a:satMod val="150000"/>
+                <a:lumMod val="160000"/>
+              </a:schemeClr>
+            </a:duotone>
+            <a:extLst/>
+          </a:blip>
+          <a:stretch/>
+        </a:blipFill>
+        <a:effectLst/>
+      </p:bgPr>
+    </p:bg>
+    <p:spTree>
+      <p:nvGrpSpPr>
+        <p:cNvPr id="1" name=""/>
+        <p:cNvGrpSpPr/>
+        <p:nvPr/>
+      </p:nvGrpSpPr>
+      <p:grpSpPr>
+        <a:xfrm>
+          <a:off x="0" y="0"/>
+          <a:ext cx="0" cy="0"/>
+          <a:chOff x="0" y="0"/>
+          <a:chExt cx="0" cy="0"/>
+        </a:xfrm>
+      </p:grpSpPr>
+      <p:sp>
+        <p:nvSpPr>
+          <p:cNvPr id="2" name="Title 1">
+            <a:extLst>
+              <a:ext uri="{FF2B5EF4-FFF2-40B4-BE49-F238E27FC236}">
+                <a16:creationId xmlns:a16="http://schemas.microsoft.com/office/drawing/2014/main" id="{AC65E382-0448-411E-ADD2-559683907CE7}"/>
+              </a:ext>
+            </a:extLst>
+          </p:cNvPr>
+          <p:cNvSpPr>
+            <a:spLocks noGrp="1"/>
+          </p:cNvSpPr>
+          <p:nvPr>
+            <p:ph type="title"/>
+          </p:nvPr>
+        </p:nvSpPr>
+        <p:spPr>
+          <a:xfrm>
+            <a:off x="1141413" y="618518"/>
+            <a:ext cx="9905998" cy="1478570"/>
+          </a:xfrm>
+        </p:spPr>
+        <p:txBody>
+          <a:bodyPr>
+            <a:normAutofit/>
+          </a:bodyPr>
+          <a:lstStyle/>
+          <a:p>
+            <a:r>
+              <a:rPr lang="en-US"/>
+              <a:t>how it works</a:t>
+            </a:r>
+          </a:p>
+        </p:txBody>
+      </p:sp>
+      <p:pic>
+        <p:nvPicPr>
+          <p:cNvPr id="4" name="Picture 3">
+            <a:extLst>
+              <a:ext uri="{FF2B5EF4-FFF2-40B4-BE49-F238E27FC236}">
+                <a16:creationId xmlns:a16="http://schemas.microsoft.com/office/drawing/2014/main" id="{07A30D32-E301-4FD0-A394-8D9378210C98}"/>
+              </a:ext>
+            </a:extLst>
+          </p:cNvPr>
+          <p:cNvPicPr/>
+          <p:nvPr/>
+        </p:nvPicPr>
+        <p:blipFill>
+          <a:blip r:embed="rId3">
+            <a:extLst>
+              <a:ext uri="{28A0092B-C50C-407E-A947-70E740481C1C}">
+                <a14:useLocalDpi xmlns:a14="http://schemas.microsoft.com/office/drawing/2010/main" val="0"/>
+              </a:ext>
+            </a:extLst>
+          </a:blip>
+          <a:stretch>
+            <a:fillRect/>
+          </a:stretch>
+        </p:blipFill>
+        <p:spPr>
+          <a:xfrm>
+            <a:off x="219918" y="1794076"/>
+            <a:ext cx="6215605" cy="4445405"/>
+          </a:xfrm>
+          <a:prstGeom prst="round2DiagRect">
+            <a:avLst>
+              <a:gd name="adj1" fmla="val 5608"/>
+              <a:gd name="adj2" fmla="val 0"/>
+            </a:avLst>
+          </a:prstGeom>
+          <a:ln w="19050" cap="sq">
+            <a:solidFill>
+              <a:schemeClr val="tx2">
+                <a:lumMod val="60000"/>
+                <a:lumOff val="40000"/>
+                <a:alpha val="60000"/>
+              </a:schemeClr>
+            </a:solidFill>
+            <a:miter lim="800000"/>
+          </a:ln>
+          <a:effectLst>
+            <a:outerShdw blurRad="88900" dist="38100" dir="5400000" algn="t" rotWithShape="0">
+              <a:prstClr val="black">
+                <a:alpha val="40000"/>
+              </a:prstClr>
+            </a:outerShdw>
+          </a:effectLst>
+        </p:spPr>
+      </p:pic>
+      <p:sp>
+        <p:nvSpPr>
+          <p:cNvPr id="3" name="Content Placeholder 2">
+            <a:extLst>
+              <a:ext uri="{FF2B5EF4-FFF2-40B4-BE49-F238E27FC236}">
+                <a16:creationId xmlns:a16="http://schemas.microsoft.com/office/drawing/2014/main" id="{4B238F35-1CDD-4C8B-BDBF-220FFAE44F55}"/>
+              </a:ext>
+            </a:extLst>
+          </p:cNvPr>
+          <p:cNvSpPr>
+            <a:spLocks noGrp="1"/>
+          </p:cNvSpPr>
+          <p:nvPr>
+            <p:ph idx="1"/>
+          </p:nvPr>
+        </p:nvSpPr>
+        <p:spPr>
+          <a:xfrm>
+            <a:off x="6811289" y="1890672"/>
+            <a:ext cx="4710683" cy="3541714"/>
+          </a:xfrm>
+        </p:spPr>
+        <p:txBody>
+          <a:bodyPr>
+            <a:normAutofit/>
+          </a:bodyPr>
+          <a:lstStyle/>
+          <a:p>
+            <a:endParaRPr lang="en-US" dirty="0"/>
+          </a:p>
+        </p:txBody>
+      </p:sp>
+    </p:spTree>
+    <p:extLst>
+      <p:ext uri="{BB962C8B-B14F-4D97-AF65-F5344CB8AC3E}">
+        <p14:creationId xmlns:p14="http://schemas.microsoft.com/office/powerpoint/2010/main" val="2788156747"/>
+      </p:ext>
+    </p:extLst>
+  </p:cSld>
+  <p:clrMapOvr>
+    <a:masterClrMapping/>
+  </p:clrMapOvr>
+</p:sld>
+</file>
+
+<file path=ppt/slides/slide13.xml><?xml version="1.0" encoding="utf-8"?>
+<p:sld xmlns:a="http://schemas.openxmlformats.org/drawingml/2006/main" xmlns:r="http://schemas.openxmlformats.org/officeDocument/2006/relationships" xmlns:p="http://schemas.openxmlformats.org/presentationml/2006/main">
+  <p:cSld>
+    <p:bg>
+      <p:bgPr>
+        <a:solidFill>
+          <a:schemeClr val="bg1"/>
+        </a:solidFill>
+        <a:effectLst/>
+      </p:bgPr>
+    </p:bg>
+    <p:spTree>
+      <p:nvGrpSpPr>
+        <p:cNvPr id="1" name=""/>
+        <p:cNvGrpSpPr/>
+        <p:nvPr/>
+      </p:nvGrpSpPr>
+      <p:grpSpPr>
+        <a:xfrm>
+          <a:off x="0" y="0"/>
+          <a:ext cx="0" cy="0"/>
+          <a:chOff x="0" y="0"/>
+          <a:chExt cx="0" cy="0"/>
+        </a:xfrm>
+      </p:grpSpPr>
+      <p:sp useBgFill="1">
+        <p:nvSpPr>
+          <p:cNvPr id="9" name="Rectangle 8">
+            <a:extLst>
+              <a:ext uri="{FF2B5EF4-FFF2-40B4-BE49-F238E27FC236}">
+                <a16:creationId xmlns:a16="http://schemas.microsoft.com/office/drawing/2014/main" id="{6697F791-5FFA-4164-899F-EB52EA72B024}"/>
+              </a:ext>
+              <a:ext uri="{C183D7F6-B498-43B3-948B-1728B52AA6E4}">
+                <adec:decorative xmlns:adec="http://schemas.microsoft.com/office/drawing/2017/decorative" val="1"/>
+              </a:ext>
+            </a:extLst>
+          </p:cNvPr>
+          <p:cNvSpPr>
+            <a:spLocks noGrp="1" noRot="1" noChangeAspect="1" noMove="1" noResize="1" noEditPoints="1" noAdjustHandles="1" noChangeArrowheads="1" noChangeShapeType="1" noTextEdit="1"/>
+          </p:cNvSpPr>
+          <p:nvPr>
+            <p:extLst>
+              <p:ext uri="{386F3935-93C4-4BCD-93E2-E3B085C9AB24}">
+                <p16:designElem xmlns:p16="http://schemas.microsoft.com/office/powerpoint/2015/main" val="1"/>
+              </p:ext>
+            </p:extLst>
+          </p:nvPr>
+        </p:nvSpPr>
+        <p:spPr>
+          <a:xfrm>
+            <a:off x="0" y="-1"/>
+            <a:ext cx="12192000" cy="6858000"/>
+          </a:xfrm>
+          <a:prstGeom prst="rect">
+            <a:avLst/>
+          </a:prstGeom>
+          <a:ln>
+            <a:noFill/>
+          </a:ln>
+        </p:spPr>
+        <p:style>
+          <a:lnRef idx="2">
+            <a:schemeClr val="accent1">
+              <a:shade val="50000"/>
+            </a:schemeClr>
+          </a:lnRef>
+          <a:fillRef idx="1">
+            <a:schemeClr val="accent1"/>
+          </a:fillRef>
+          <a:effectRef idx="0">
+            <a:schemeClr val="accent1"/>
+          </a:effectRef>
+          <a:fontRef idx="minor">
+            <a:schemeClr val="lt1"/>
+          </a:fontRef>
+        </p:style>
+        <p:txBody>
+          <a:bodyPr rtlCol="0" anchor="ctr"/>
+          <a:lstStyle/>
+          <a:p>
+            <a:pPr algn="ctr"/>
+            <a:endParaRPr lang="en-US"/>
+          </a:p>
+        </p:txBody>
+      </p:sp>
+      <p:pic>
+        <p:nvPicPr>
+          <p:cNvPr id="11" name="Picture 2">
+            <a:extLst>
+              <a:ext uri="{FF2B5EF4-FFF2-40B4-BE49-F238E27FC236}">
+                <a16:creationId xmlns:a16="http://schemas.microsoft.com/office/drawing/2014/main" id="{4E28A1A9-FB81-4816-AAEA-C3B430946951}"/>
+              </a:ext>
+              <a:ext uri="{C183D7F6-B498-43B3-948B-1728B52AA6E4}">
+                <adec:decorative xmlns:adec="http://schemas.microsoft.com/office/drawing/2017/decorative" val="1"/>
+              </a:ext>
+            </a:extLst>
+          </p:cNvPr>
+          <p:cNvPicPr>
+            <a:picLocks noGrp="1" noRot="1" noChangeAspect="1" noMove="1" noResize="1" noEditPoints="1" noAdjustHandles="1" noChangeArrowheads="1" noChangeShapeType="1" noCrop="1"/>
+          </p:cNvPicPr>
+          <p:nvPr>
+            <p:extLst>
+              <p:ext uri="{386F3935-93C4-4BCD-93E2-E3B085C9AB24}">
+                <p16:designElem xmlns:p16="http://schemas.microsoft.com/office/powerpoint/2015/main" val="1"/>
+              </p:ext>
+            </p:extLst>
+          </p:nvPr>
+        </p:nvPicPr>
+        <p:blipFill>
+          <a:blip r:embed="rId2">
+            <a:extLst>
+              <a:ext uri="{28A0092B-C50C-407E-A947-70E740481C1C}">
+                <a14:useLocalDpi xmlns:a14="http://schemas.microsoft.com/office/drawing/2010/main" val="0"/>
+              </a:ext>
+            </a:extLst>
+          </a:blip>
+          <a:srcRect/>
+          <a:stretch>
+            <a:fillRect/>
+          </a:stretch>
+        </p:blipFill>
+        <p:spPr bwMode="auto">
+          <a:xfrm>
+            <a:off x="1190" y="-2"/>
+            <a:ext cx="4061525" cy="6858001"/>
+          </a:xfrm>
+          <a:prstGeom prst="rect">
+            <a:avLst/>
+          </a:prstGeom>
+          <a:extLst>
+            <a:ext uri="{909E8E84-426E-40dd-AFC4-6F175D3DCCD1}">
+              <a14:hiddenFill xmlns="" xmlns:a16="http://schemas.microsoft.com/office/drawing/2014/main" xmlns:p14="http://schemas.microsoft.com/office/powerpoint/2010/main" xmlns:a14="http://schemas.microsoft.com/office/drawing/2010/main">
+                <a:solidFill>
+                  <a:srgbClr val="FFFFFF"/>
+                </a:solidFill>
+              </a14:hiddenFill>
+            </a:ext>
+          </a:extLst>
+        </p:spPr>
+      </p:pic>
+      <p:sp>
+        <p:nvSpPr>
+          <p:cNvPr id="13" name="Rectangle 12">
+            <a:extLst>
+              <a:ext uri="{FF2B5EF4-FFF2-40B4-BE49-F238E27FC236}">
+                <a16:creationId xmlns:a16="http://schemas.microsoft.com/office/drawing/2014/main" id="{B773AB25-A422-41AA-9737-5E04C1966DE1}"/>
+              </a:ext>
+              <a:ext uri="{C183D7F6-B498-43B3-948B-1728B52AA6E4}">
+                <adec:decorative xmlns:adec="http://schemas.microsoft.com/office/drawing/2017/decorative" val="1"/>
+              </a:ext>
+            </a:extLst>
+          </p:cNvPr>
+          <p:cNvSpPr>
+            <a:spLocks noGrp="1" noRot="1" noChangeAspect="1" noMove="1" noResize="1" noEditPoints="1" noAdjustHandles="1" noChangeArrowheads="1" noChangeShapeType="1" noTextEdit="1"/>
+          </p:cNvSpPr>
+          <p:nvPr>
+            <p:extLst>
+              <p:ext uri="{386F3935-93C4-4BCD-93E2-E3B085C9AB24}">
+                <p16:designElem xmlns:p16="http://schemas.microsoft.com/office/powerpoint/2015/main" val="1"/>
+              </p:ext>
+            </p:extLst>
+          </p:nvPr>
+        </p:nvSpPr>
+        <p:spPr>
+          <a:xfrm>
+            <a:off x="0" y="1853"/>
+            <a:ext cx="4055621" cy="6858000"/>
+          </a:xfrm>
+          <a:prstGeom prst="rect">
+            <a:avLst/>
+          </a:prstGeom>
+          <a:ln>
+            <a:noFill/>
+          </a:ln>
+          <a:effectLst>
+            <a:outerShdw blurRad="76200" dist="38100" algn="l" rotWithShape="0">
+              <a:prstClr val="black">
+                <a:alpha val="37000"/>
+              </a:prstClr>
+            </a:outerShdw>
+          </a:effectLst>
+        </p:spPr>
+        <p:style>
+          <a:lnRef idx="2">
+            <a:schemeClr val="accent1">
+              <a:shade val="50000"/>
+            </a:schemeClr>
+          </a:lnRef>
+          <a:fillRef idx="1003">
+            <a:schemeClr val="dk2"/>
+          </a:fillRef>
+          <a:effectRef idx="0">
+            <a:schemeClr val="accent1"/>
+          </a:effectRef>
+          <a:fontRef idx="minor">
+            <a:schemeClr val="lt1"/>
+          </a:fontRef>
+        </p:style>
+        <p:txBody>
+          <a:bodyPr rtlCol="0" anchor="ctr"/>
+          <a:lstStyle/>
+          <a:p>
+            <a:pPr algn="ctr"/>
+            <a:endParaRPr lang="en-US"/>
+          </a:p>
+        </p:txBody>
+      </p:sp>
+      <p:pic>
+        <p:nvPicPr>
+          <p:cNvPr id="15" name="Picture 2">
+            <a:extLst>
+              <a:ext uri="{FF2B5EF4-FFF2-40B4-BE49-F238E27FC236}">
+                <a16:creationId xmlns:a16="http://schemas.microsoft.com/office/drawing/2014/main" id="{AF0552B8-DE8C-40DF-B29F-1728E6A10619}"/>
+              </a:ext>
+              <a:ext uri="{C183D7F6-B498-43B3-948B-1728B52AA6E4}">
+                <adec:decorative xmlns:adec="http://schemas.microsoft.com/office/drawing/2017/decorative" val="1"/>
+              </a:ext>
+            </a:extLst>
+          </p:cNvPr>
+          <p:cNvPicPr>
+            <a:picLocks noGrp="1" noRot="1" noChangeAspect="1" noMove="1" noResize="1" noEditPoints="1" noAdjustHandles="1" noChangeArrowheads="1" noChangeShapeType="1" noCrop="1"/>
+          </p:cNvPicPr>
+          <p:nvPr>
+            <p:extLst>
+              <p:ext uri="{386F3935-93C4-4BCD-93E2-E3B085C9AB24}">
+                <p16:designElem xmlns:p16="http://schemas.microsoft.com/office/powerpoint/2015/main" val="1"/>
+              </p:ext>
+            </p:extLst>
+          </p:nvPr>
+        </p:nvPicPr>
+        <p:blipFill>
+          <a:blip r:embed="rId2">
+            <a:alphaModFix amt="30000"/>
+            <a:extLst>
+              <a:ext uri="{28A0092B-C50C-407E-A947-70E740481C1C}">
+                <a14:useLocalDpi xmlns:a14="http://schemas.microsoft.com/office/drawing/2010/main" val="0"/>
+              </a:ext>
+            </a:extLst>
+          </a:blip>
+          <a:srcRect/>
+          <a:stretch>
+            <a:fillRect/>
+          </a:stretch>
+        </p:blipFill>
+        <p:spPr bwMode="auto">
+          <a:xfrm>
+            <a:off x="-22530" y="23283"/>
+            <a:ext cx="4078152" cy="6858001"/>
+          </a:xfrm>
+          <a:prstGeom prst="rect">
+            <a:avLst/>
+          </a:prstGeom>
+          <a:noFill/>
+          <a:extLst>
+            <a:ext uri="{909E8E84-426E-40dd-AFC4-6F175D3DCCD1}">
+              <a14:hiddenFill xmlns="" xmlns:a16="http://schemas.microsoft.com/office/drawing/2014/main" xmlns:p14="http://schemas.microsoft.com/office/powerpoint/2010/main" xmlns:a14="http://schemas.microsoft.com/office/drawing/2010/main">
+                <a:solidFill>
+                  <a:srgbClr val="FFFFFF"/>
+                </a:solidFill>
+              </a14:hiddenFill>
+            </a:ext>
+          </a:extLst>
+        </p:spPr>
+      </p:pic>
+      <p:sp>
+        <p:nvSpPr>
+          <p:cNvPr id="2" name="Title 1">
+            <a:extLst>
+              <a:ext uri="{FF2B5EF4-FFF2-40B4-BE49-F238E27FC236}">
+                <a16:creationId xmlns:a16="http://schemas.microsoft.com/office/drawing/2014/main" id="{F270CE54-CC9E-4277-B46C-04B32127C3E4}"/>
+              </a:ext>
+            </a:extLst>
+          </p:cNvPr>
+          <p:cNvSpPr>
+            <a:spLocks noGrp="1"/>
+          </p:cNvSpPr>
+          <p:nvPr>
+            <p:ph type="title"/>
+          </p:nvPr>
+        </p:nvSpPr>
+        <p:spPr>
+          <a:xfrm>
+            <a:off x="855266" y="618518"/>
+            <a:ext cx="2851417" cy="1478570"/>
+          </a:xfrm>
+        </p:spPr>
+        <p:txBody>
+          <a:bodyPr>
+            <a:normAutofit/>
+          </a:bodyPr>
+          <a:lstStyle/>
+          <a:p>
+            <a:r>
+              <a:rPr lang="en-US" sz="3200">
+                <a:solidFill>
+                  <a:srgbClr val="FFFFFF"/>
+                </a:solidFill>
+              </a:rPr>
+              <a:t>How it works</a:t>
+            </a:r>
+          </a:p>
+        </p:txBody>
+      </p:sp>
+      <p:sp>
+        <p:nvSpPr>
+          <p:cNvPr id="3" name="Content Placeholder 2">
+            <a:extLst>
+              <a:ext uri="{FF2B5EF4-FFF2-40B4-BE49-F238E27FC236}">
+                <a16:creationId xmlns:a16="http://schemas.microsoft.com/office/drawing/2014/main" id="{5B601077-710D-4EBF-BA85-34035775B2D0}"/>
+              </a:ext>
+            </a:extLst>
+          </p:cNvPr>
+          <p:cNvSpPr>
+            <a:spLocks noGrp="1"/>
+          </p:cNvSpPr>
+          <p:nvPr>
+            <p:ph idx="1"/>
+          </p:nvPr>
+        </p:nvSpPr>
+        <p:spPr>
+          <a:xfrm>
+            <a:off x="844620" y="2249487"/>
+            <a:ext cx="2862444" cy="3957302"/>
+          </a:xfrm>
+        </p:spPr>
+        <p:txBody>
+          <a:bodyPr>
+            <a:normAutofit/>
+          </a:bodyPr>
+          <a:lstStyle/>
+          <a:p>
+            <a:endParaRPr lang="en-US" sz="1400">
+              <a:solidFill>
+                <a:srgbClr val="FFFFFF"/>
+              </a:solidFill>
+            </a:endParaRPr>
+          </a:p>
+        </p:txBody>
+      </p:sp>
+      <p:grpSp>
+        <p:nvGrpSpPr>
+          <p:cNvPr id="17" name="Group 16">
+            <a:extLst>
+              <a:ext uri="{FF2B5EF4-FFF2-40B4-BE49-F238E27FC236}">
+                <a16:creationId xmlns:a16="http://schemas.microsoft.com/office/drawing/2014/main" id="{6AD0D387-1584-4477-B5F8-52B50D4F2205}"/>
+              </a:ext>
+              <a:ext uri="{C183D7F6-B498-43B3-948B-1728B52AA6E4}">
+                <adec:decorative xmlns:adec="http://schemas.microsoft.com/office/drawing/2017/decorative" val="1"/>
+              </a:ext>
+            </a:extLst>
+          </p:cNvPr>
+          <p:cNvGrpSpPr>
+            <a:grpSpLocks noGrp="1" noUngrp="1" noRot="1" noChangeAspect="1" noMove="1" noResize="1"/>
+          </p:cNvGrpSpPr>
+          <p:nvPr>
+            <p:extLst>
+              <p:ext uri="{386F3935-93C4-4BCD-93E2-E3B085C9AB24}">
+                <p16:designElem xmlns:p16="http://schemas.microsoft.com/office/powerpoint/2015/main" val="1"/>
+              </p:ext>
+            </p:extLst>
+          </p:nvPr>
+        </p:nvGrpSpPr>
+        <p:grpSpPr>
+          <a:xfrm>
+            <a:off x="0" y="0"/>
+            <a:ext cx="1220788" cy="6858001"/>
+            <a:chOff x="-14288" y="0"/>
+            <a:chExt cx="1220788" cy="6858001"/>
+          </a:xfrm>
+          <a:gradFill flip="none" rotWithShape="1">
+            <a:gsLst>
+              <a:gs pos="0">
+                <a:schemeClr val="bg2"/>
+              </a:gs>
+              <a:gs pos="100000">
+                <a:schemeClr val="tx2">
+                  <a:lumMod val="60000"/>
+                  <a:lumOff val="40000"/>
+                </a:schemeClr>
+              </a:gs>
+            </a:gsLst>
+            <a:lin ang="5400000" scaled="0"/>
+            <a:tileRect/>
+          </a:gradFill>
+        </p:grpSpPr>
+        <p:sp>
+          <p:nvSpPr>
+            <p:cNvPr id="18" name="Rectangle 5">
+              <a:extLst>
+                <a:ext uri="{FF2B5EF4-FFF2-40B4-BE49-F238E27FC236}">
+                  <a16:creationId xmlns:a16="http://schemas.microsoft.com/office/drawing/2014/main" id="{22C90122-8CF0-4164-B596-168DE41D39A4}"/>
+                </a:ext>
+                <a:ext uri="{C183D7F6-B498-43B3-948B-1728B52AA6E4}">
+                  <adec:decorative xmlns:adec="http://schemas.microsoft.com/office/drawing/2017/decorative" val="1"/>
+                </a:ext>
+              </a:extLst>
+            </p:cNvPr>
+            <p:cNvSpPr>
+              <a:spLocks noChangeArrowheads="1"/>
+            </p:cNvSpPr>
+            <p:nvPr>
+              <p:extLst>
+                <p:ext uri="{386F3935-93C4-4BCD-93E2-E3B085C9AB24}">
+                  <p16:designElem xmlns:p16="http://schemas.microsoft.com/office/powerpoint/2015/main" val="1"/>
+                </p:ext>
+              </p:extLst>
+            </p:nvPr>
+          </p:nvSpPr>
+          <p:spPr bwMode="auto">
+            <a:xfrm>
+              <a:off x="114300" y="4763"/>
+              <a:ext cx="23813" cy="2181225"/>
+            </a:xfrm>
+            <a:prstGeom prst="rect">
+              <a:avLst/>
+            </a:prstGeom>
+            <a:grpFill/>
+            <a:ln>
+              <a:noFill/>
+            </a:ln>
+            <a:extLst>
+              <a:ext uri="{91240B29-F687-4f45-9708-019B960494DF}">
+                <a14:hiddenLine xmlns="" xmlns:a16="http://schemas.microsoft.com/office/drawing/2014/main" xmlns:p14="http://schemas.microsoft.com/office/powerpoint/2010/main" xmlns:a14="http://schemas.microsoft.com/office/drawing/2010/main" w="9525">
+                  <a:solidFill>
+                    <a:srgbClr val="000000"/>
+                  </a:solidFill>
+                  <a:miter lim="800000"/>
+                  <a:headEnd/>
+                  <a:tailEnd/>
+                </a14:hiddenLine>
+              </a:ext>
+            </a:extLst>
+          </p:spPr>
+        </p:sp>
+        <p:sp>
+          <p:nvSpPr>
+            <p:cNvPr id="19" name="Freeform 6">
+              <a:extLst>
+                <a:ext uri="{FF2B5EF4-FFF2-40B4-BE49-F238E27FC236}">
+                  <a16:creationId xmlns:a16="http://schemas.microsoft.com/office/drawing/2014/main" id="{E74D534E-37A6-4D27-9C47-0B2F0527838E}"/>
+                </a:ext>
+                <a:ext uri="{C183D7F6-B498-43B3-948B-1728B52AA6E4}">
+                  <adec:decorative xmlns:adec="http://schemas.microsoft.com/office/drawing/2017/decorative" val="1"/>
+                </a:ext>
+              </a:extLst>
+            </p:cNvPr>
+            <p:cNvSpPr>
+              <a:spLocks noEditPoints="1"/>
+            </p:cNvSpPr>
+            <p:nvPr>
+              <p:extLst>
+                <p:ext uri="{386F3935-93C4-4BCD-93E2-E3B085C9AB24}">
+                  <p16:designElem xmlns:p16="http://schemas.microsoft.com/office/powerpoint/2015/main" val="1"/>
+                </p:ext>
+              </p:extLst>
+            </p:nvPr>
+          </p:nvSpPr>
+          <p:spPr bwMode="auto">
+            <a:xfrm>
+              <a:off x="33337" y="2176463"/>
+              <a:ext cx="190500" cy="190500"/>
+            </a:xfrm>
+            <a:custGeom>
+              <a:avLst/>
+              <a:gdLst/>
+              <a:ahLst/>
+              <a:cxnLst/>
+              <a:rect l="0" t="0" r="r" b="b"/>
+              <a:pathLst>
+                <a:path w="40" h="40">
+                  <a:moveTo>
+                    <a:pt x="20" y="40"/>
+                  </a:moveTo>
+                  <a:cubicBezTo>
+                    <a:pt x="9" y="40"/>
+                    <a:pt x="0" y="31"/>
+                    <a:pt x="0" y="20"/>
+                  </a:cubicBezTo>
+                  <a:cubicBezTo>
+                    <a:pt x="0" y="9"/>
+                    <a:pt x="9" y="0"/>
+                    <a:pt x="20" y="0"/>
+                  </a:cubicBezTo>
+                  <a:cubicBezTo>
+                    <a:pt x="31" y="0"/>
+                    <a:pt x="40" y="9"/>
+                    <a:pt x="40" y="20"/>
+                  </a:cubicBezTo>
+                  <a:cubicBezTo>
+                    <a:pt x="40" y="31"/>
+                    <a:pt x="31" y="40"/>
+                    <a:pt x="20" y="40"/>
+                  </a:cubicBezTo>
+                  <a:close/>
+                  <a:moveTo>
+                    <a:pt x="20" y="4"/>
+                  </a:moveTo>
+                  <a:cubicBezTo>
+                    <a:pt x="11" y="4"/>
+                    <a:pt x="4" y="11"/>
+                    <a:pt x="4" y="20"/>
+                  </a:cubicBezTo>
+                  <a:cubicBezTo>
+                    <a:pt x="4" y="29"/>
+                    <a:pt x="11" y="36"/>
+                    <a:pt x="20" y="36"/>
+                  </a:cubicBezTo>
+                  <a:cubicBezTo>
+                    <a:pt x="28" y="36"/>
+                    <a:pt x="36" y="29"/>
+                    <a:pt x="36" y="20"/>
+                  </a:cubicBezTo>
+                  <a:cubicBezTo>
+                    <a:pt x="36" y="11"/>
+                    <a:pt x="28" y="4"/>
+                    <a:pt x="20" y="4"/>
+                  </a:cubicBezTo>
+                  <a:close/>
+                </a:path>
+              </a:pathLst>
+            </a:custGeom>
+            <a:grpFill/>
+            <a:ln>
+              <a:noFill/>
+            </a:ln>
+            <a:extLst>
+              <a:ext uri="{91240B29-F687-4f45-9708-019B960494DF}">
+                <a14:hiddenLine xmlns="" xmlns:a16="http://schemas.microsoft.com/office/drawing/2014/main" xmlns:p14="http://schemas.microsoft.com/office/powerpoint/2010/main" xmlns:a14="http://schemas.microsoft.com/office/drawing/2010/main" w="9525">
+                  <a:solidFill>
+                    <a:srgbClr val="000000"/>
+                  </a:solidFill>
+                  <a:round/>
+                  <a:headEnd/>
+                  <a:tailEnd/>
+                </a14:hiddenLine>
+              </a:ext>
+            </a:extLst>
+          </p:spPr>
+        </p:sp>
+        <p:sp>
+          <p:nvSpPr>
+            <p:cNvPr id="20" name="Freeform 7">
+              <a:extLst>
+                <a:ext uri="{FF2B5EF4-FFF2-40B4-BE49-F238E27FC236}">
+                  <a16:creationId xmlns:a16="http://schemas.microsoft.com/office/drawing/2014/main" id="{1C1C156E-D2E0-468A-9B19-79521D69BF55}"/>
+                </a:ext>
+                <a:ext uri="{C183D7F6-B498-43B3-948B-1728B52AA6E4}">
+                  <adec:decorative xmlns:adec="http://schemas.microsoft.com/office/drawing/2017/decorative" val="1"/>
+                </a:ext>
+              </a:extLst>
+            </p:cNvPr>
+            <p:cNvSpPr>
+              <a:spLocks noEditPoints="1"/>
+            </p:cNvSpPr>
+            <p:nvPr>
+              <p:extLst>
+                <p:ext uri="{386F3935-93C4-4BCD-93E2-E3B085C9AB24}">
+                  <p16:designElem xmlns:p16="http://schemas.microsoft.com/office/powerpoint/2015/main" val="1"/>
+                </p:ext>
+              </p:extLst>
+            </p:nvPr>
+          </p:nvSpPr>
+          <p:spPr bwMode="auto">
+            <a:xfrm>
+              <a:off x="28575" y="4021138"/>
+              <a:ext cx="190500" cy="188913"/>
+            </a:xfrm>
+            <a:custGeom>
+              <a:avLst/>
+              <a:gdLst/>
+              <a:ahLst/>
+              <a:cxnLst/>
+              <a:rect l="0" t="0" r="r" b="b"/>
+              <a:pathLst>
+                <a:path w="40" h="40">
+                  <a:moveTo>
+                    <a:pt x="20" y="40"/>
+                  </a:moveTo>
+                  <a:cubicBezTo>
+                    <a:pt x="9" y="40"/>
+                    <a:pt x="0" y="31"/>
+                    <a:pt x="0" y="20"/>
+                  </a:cubicBezTo>
+                  <a:cubicBezTo>
+                    <a:pt x="0" y="9"/>
+                    <a:pt x="9" y="0"/>
+                    <a:pt x="20" y="0"/>
+                  </a:cubicBezTo>
+                  <a:cubicBezTo>
+                    <a:pt x="31" y="0"/>
+                    <a:pt x="40" y="9"/>
+                    <a:pt x="40" y="20"/>
+                  </a:cubicBezTo>
+                  <a:cubicBezTo>
+                    <a:pt x="40" y="31"/>
+                    <a:pt x="31" y="40"/>
+                    <a:pt x="20" y="40"/>
+                  </a:cubicBezTo>
+                  <a:close/>
+                  <a:moveTo>
+                    <a:pt x="20" y="4"/>
+                  </a:moveTo>
+                  <a:cubicBezTo>
+                    <a:pt x="12" y="4"/>
+                    <a:pt x="4" y="11"/>
+                    <a:pt x="4" y="20"/>
+                  </a:cubicBezTo>
+                  <a:cubicBezTo>
+                    <a:pt x="4" y="29"/>
+                    <a:pt x="12" y="36"/>
+                    <a:pt x="20" y="36"/>
+                  </a:cubicBezTo>
+                  <a:cubicBezTo>
+                    <a:pt x="29" y="36"/>
+                    <a:pt x="36" y="29"/>
+                    <a:pt x="36" y="20"/>
+                  </a:cubicBezTo>
+                  <a:cubicBezTo>
+                    <a:pt x="36" y="11"/>
+                    <a:pt x="29" y="4"/>
+                    <a:pt x="20" y="4"/>
+                  </a:cubicBezTo>
+                  <a:close/>
+                </a:path>
+              </a:pathLst>
+            </a:custGeom>
+            <a:grpFill/>
+            <a:ln>
+              <a:noFill/>
+            </a:ln>
+            <a:extLst>
+              <a:ext uri="{91240B29-F687-4f45-9708-019B960494DF}">
+                <a14:hiddenLine xmlns="" xmlns:a16="http://schemas.microsoft.com/office/drawing/2014/main" xmlns:p14="http://schemas.microsoft.com/office/powerpoint/2010/main" xmlns:a14="http://schemas.microsoft.com/office/drawing/2010/main" w="9525">
+                  <a:solidFill>
+                    <a:srgbClr val="000000"/>
+                  </a:solidFill>
+                  <a:round/>
+                  <a:headEnd/>
+                  <a:tailEnd/>
+                </a14:hiddenLine>
+              </a:ext>
+            </a:extLst>
+          </p:spPr>
+        </p:sp>
+        <p:sp>
+          <p:nvSpPr>
+            <p:cNvPr id="21" name="Freeform 8">
+              <a:extLst>
+                <a:ext uri="{FF2B5EF4-FFF2-40B4-BE49-F238E27FC236}">
+                  <a16:creationId xmlns:a16="http://schemas.microsoft.com/office/drawing/2014/main" id="{14C97F11-4F6C-4DFF-89BC-3AEA5B7FF74F}"/>
+                </a:ext>
+                <a:ext uri="{C183D7F6-B498-43B3-948B-1728B52AA6E4}">
+                  <adec:decorative xmlns:adec="http://schemas.microsoft.com/office/drawing/2017/decorative" val="1"/>
+                </a:ext>
+              </a:extLst>
+            </p:cNvPr>
+            <p:cNvSpPr/>
+            <p:nvPr>
+              <p:extLst>
+                <p:ext uri="{386F3935-93C4-4BCD-93E2-E3B085C9AB24}">
+                  <p16:designElem xmlns:p16="http://schemas.microsoft.com/office/powerpoint/2015/main" val="1"/>
+                </p:ext>
+              </p:extLst>
+            </p:nvPr>
+          </p:nvSpPr>
+          <p:spPr bwMode="auto">
+            <a:xfrm>
+              <a:off x="200025" y="4763"/>
+              <a:ext cx="369888" cy="1811338"/>
+            </a:xfrm>
+            <a:custGeom>
+              <a:avLst/>
+              <a:gdLst/>
+              <a:ahLst/>
+              <a:cxnLst/>
+              <a:rect l="0" t="0" r="r" b="b"/>
+              <a:pathLst>
+                <a:path w="233" h="1141">
+                  <a:moveTo>
+                    <a:pt x="218" y="1141"/>
+                  </a:moveTo>
+                  <a:lnTo>
+                    <a:pt x="0" y="626"/>
+                  </a:lnTo>
+                  <a:lnTo>
+                    <a:pt x="0" y="0"/>
+                  </a:lnTo>
+                  <a:lnTo>
+                    <a:pt x="15" y="0"/>
+                  </a:lnTo>
+                  <a:lnTo>
+                    <a:pt x="15" y="623"/>
+                  </a:lnTo>
+                  <a:lnTo>
+                    <a:pt x="233" y="1135"/>
+                  </a:lnTo>
+                  <a:lnTo>
+                    <a:pt x="218" y="1141"/>
+                  </a:lnTo>
+                  <a:close/>
+                </a:path>
+              </a:pathLst>
+            </a:custGeom>
+            <a:grpFill/>
+            <a:ln>
+              <a:noFill/>
+            </a:ln>
+            <a:extLst>
+              <a:ext uri="{91240B29-F687-4f45-9708-019B960494DF}">
+                <a14:hiddenLine xmlns="" xmlns:a16="http://schemas.microsoft.com/office/drawing/2014/main" xmlns:p14="http://schemas.microsoft.com/office/powerpoint/2010/main" xmlns:a14="http://schemas.microsoft.com/office/drawing/2010/main" w="9525">
+                  <a:solidFill>
+                    <a:srgbClr val="000000"/>
+                  </a:solidFill>
+                  <a:round/>
+                  <a:headEnd/>
+                  <a:tailEnd/>
+                </a14:hiddenLine>
+              </a:ext>
+            </a:extLst>
+          </p:spPr>
+        </p:sp>
+        <p:sp>
+          <p:nvSpPr>
+            <p:cNvPr id="22" name="Freeform 9">
+              <a:extLst>
+                <a:ext uri="{FF2B5EF4-FFF2-40B4-BE49-F238E27FC236}">
+                  <a16:creationId xmlns:a16="http://schemas.microsoft.com/office/drawing/2014/main" id="{773C2106-77CE-42E1-839F-925EAEBB2FF9}"/>
+                </a:ext>
+                <a:ext uri="{C183D7F6-B498-43B3-948B-1728B52AA6E4}">
+                  <adec:decorative xmlns:adec="http://schemas.microsoft.com/office/drawing/2017/decorative" val="1"/>
+                </a:ext>
+              </a:extLst>
+            </p:cNvPr>
+            <p:cNvSpPr>
+              <a:spLocks noEditPoints="1"/>
+            </p:cNvSpPr>
+            <p:nvPr>
+              <p:extLst>
+                <p:ext uri="{386F3935-93C4-4BCD-93E2-E3B085C9AB24}">
+                  <p16:designElem xmlns:p16="http://schemas.microsoft.com/office/powerpoint/2015/main" val="1"/>
+                </p:ext>
+              </p:extLst>
+            </p:nvPr>
+          </p:nvSpPr>
+          <p:spPr bwMode="auto">
+            <a:xfrm>
+              <a:off x="503237" y="1801813"/>
+              <a:ext cx="190500" cy="188913"/>
+            </a:xfrm>
+            <a:custGeom>
+              <a:avLst/>
+              <a:gdLst/>
+              <a:ahLst/>
+              <a:cxnLst/>
+              <a:rect l="0" t="0" r="r" b="b"/>
+              <a:pathLst>
+                <a:path w="40" h="40">
+                  <a:moveTo>
+                    <a:pt x="20" y="40"/>
+                  </a:moveTo>
+                  <a:cubicBezTo>
+                    <a:pt x="9" y="40"/>
+                    <a:pt x="0" y="31"/>
+                    <a:pt x="0" y="20"/>
+                  </a:cubicBezTo>
+                  <a:cubicBezTo>
+                    <a:pt x="0" y="9"/>
+                    <a:pt x="9" y="0"/>
+                    <a:pt x="20" y="0"/>
+                  </a:cubicBezTo>
+                  <a:cubicBezTo>
+                    <a:pt x="33" y="0"/>
+                    <a:pt x="40" y="6"/>
+                    <a:pt x="40" y="20"/>
+                  </a:cubicBezTo>
+                  <a:cubicBezTo>
+                    <a:pt x="40" y="31"/>
+                    <a:pt x="31" y="40"/>
+                    <a:pt x="20" y="40"/>
+                  </a:cubicBezTo>
+                  <a:close/>
+                  <a:moveTo>
+                    <a:pt x="20" y="4"/>
+                  </a:moveTo>
+                  <a:cubicBezTo>
+                    <a:pt x="11" y="4"/>
+                    <a:pt x="4" y="11"/>
+                    <a:pt x="4" y="20"/>
+                  </a:cubicBezTo>
+                  <a:cubicBezTo>
+                    <a:pt x="4" y="29"/>
+                    <a:pt x="11" y="36"/>
+                    <a:pt x="20" y="36"/>
+                  </a:cubicBezTo>
+                  <a:cubicBezTo>
+                    <a:pt x="28" y="36"/>
+                    <a:pt x="36" y="29"/>
+                    <a:pt x="36" y="20"/>
+                  </a:cubicBezTo>
+                  <a:cubicBezTo>
+                    <a:pt x="36" y="9"/>
+                    <a:pt x="31" y="4"/>
+                    <a:pt x="20" y="4"/>
+                  </a:cubicBezTo>
+                  <a:close/>
+                </a:path>
+              </a:pathLst>
+            </a:custGeom>
+            <a:grpFill/>
+            <a:ln>
+              <a:noFill/>
+            </a:ln>
+            <a:extLst>
+              <a:ext uri="{91240B29-F687-4f45-9708-019B960494DF}">
+                <a14:hiddenLine xmlns="" xmlns:a16="http://schemas.microsoft.com/office/drawing/2014/main" xmlns:p14="http://schemas.microsoft.com/office/powerpoint/2010/main" xmlns:a14="http://schemas.microsoft.com/office/drawing/2010/main" w="9525">
+                  <a:solidFill>
+                    <a:srgbClr val="000000"/>
+                  </a:solidFill>
+                  <a:round/>
+                  <a:headEnd/>
+                  <a:tailEnd/>
+                </a14:hiddenLine>
+              </a:ext>
+            </a:extLst>
+          </p:spPr>
+        </p:sp>
+        <p:sp>
+          <p:nvSpPr>
+            <p:cNvPr id="23" name="Freeform 10">
+              <a:extLst>
+                <a:ext uri="{FF2B5EF4-FFF2-40B4-BE49-F238E27FC236}">
+                  <a16:creationId xmlns:a16="http://schemas.microsoft.com/office/drawing/2014/main" id="{E2807D33-BD1F-4B09-8D93-63C06DB3C0F7}"/>
+                </a:ext>
+                <a:ext uri="{C183D7F6-B498-43B3-948B-1728B52AA6E4}">
+                  <adec:decorative xmlns:adec="http://schemas.microsoft.com/office/drawing/2017/decorative" val="1"/>
+                </a:ext>
+              </a:extLst>
+            </p:cNvPr>
+            <p:cNvSpPr/>
+            <p:nvPr>
+              <p:extLst>
+                <p:ext uri="{386F3935-93C4-4BCD-93E2-E3B085C9AB24}">
+                  <p16:designElem xmlns:p16="http://schemas.microsoft.com/office/powerpoint/2015/main" val="1"/>
+                </p:ext>
+              </p:extLst>
+            </p:nvPr>
+          </p:nvSpPr>
+          <p:spPr bwMode="auto">
+            <a:xfrm>
+              <a:off x="285750" y="4763"/>
+              <a:ext cx="369888" cy="1430338"/>
+            </a:xfrm>
+            <a:custGeom>
+              <a:avLst/>
+              <a:gdLst/>
+              <a:ahLst/>
+              <a:cxnLst/>
+              <a:rect l="0" t="0" r="r" b="b"/>
+              <a:pathLst>
+                <a:path w="233" h="901">
+                  <a:moveTo>
+                    <a:pt x="221" y="901"/>
+                  </a:moveTo>
+                  <a:lnTo>
+                    <a:pt x="0" y="383"/>
+                  </a:lnTo>
+                  <a:lnTo>
+                    <a:pt x="0" y="0"/>
+                  </a:lnTo>
+                  <a:lnTo>
+                    <a:pt x="18" y="0"/>
+                  </a:lnTo>
+                  <a:lnTo>
+                    <a:pt x="18" y="380"/>
+                  </a:lnTo>
+                  <a:lnTo>
+                    <a:pt x="233" y="895"/>
+                  </a:lnTo>
+                  <a:lnTo>
+                    <a:pt x="221" y="901"/>
+                  </a:lnTo>
+                  <a:close/>
+                </a:path>
+              </a:pathLst>
+            </a:custGeom>
+            <a:grpFill/>
+            <a:ln>
+              <a:noFill/>
+            </a:ln>
+            <a:extLst>
+              <a:ext uri="{91240B29-F687-4f45-9708-019B960494DF}">
+                <a14:hiddenLine xmlns="" xmlns:a16="http://schemas.microsoft.com/office/drawing/2014/main" xmlns:p14="http://schemas.microsoft.com/office/powerpoint/2010/main" xmlns:a14="http://schemas.microsoft.com/office/drawing/2010/main" w="9525">
+                  <a:solidFill>
+                    <a:srgbClr val="000000"/>
+                  </a:solidFill>
+                  <a:round/>
+                  <a:headEnd/>
+                  <a:tailEnd/>
+                </a14:hiddenLine>
+              </a:ext>
+            </a:extLst>
+          </p:spPr>
+        </p:sp>
+        <p:sp>
+          <p:nvSpPr>
+            <p:cNvPr id="24" name="Freeform 11">
+              <a:extLst>
+                <a:ext uri="{FF2B5EF4-FFF2-40B4-BE49-F238E27FC236}">
+                  <a16:creationId xmlns:a16="http://schemas.microsoft.com/office/drawing/2014/main" id="{84BDF3E8-157B-47D1-AF8E-FE1EFF0612E4}"/>
+                </a:ext>
+                <a:ext uri="{C183D7F6-B498-43B3-948B-1728B52AA6E4}">
+                  <adec:decorative xmlns:adec="http://schemas.microsoft.com/office/drawing/2017/decorative" val="1"/>
+                </a:ext>
+              </a:extLst>
+            </p:cNvPr>
+            <p:cNvSpPr/>
+            <p:nvPr>
+              <p:extLst>
+                <p:ext uri="{386F3935-93C4-4BCD-93E2-E3B085C9AB24}">
+                  <p16:designElem xmlns:p16="http://schemas.microsoft.com/office/powerpoint/2015/main" val="1"/>
+                </p:ext>
+              </p:extLst>
+            </p:nvPr>
+          </p:nvSpPr>
+          <p:spPr bwMode="auto">
+            <a:xfrm>
+              <a:off x="546100" y="0"/>
+              <a:ext cx="152400" cy="912813"/>
+            </a:xfrm>
+            <a:custGeom>
+              <a:avLst/>
+              <a:gdLst/>
+              <a:ahLst/>
+              <a:cxnLst/>
+              <a:rect l="0" t="0" r="r" b="b"/>
+              <a:pathLst>
+                <a:path w="96" h="575">
+                  <a:moveTo>
+                    <a:pt x="96" y="575"/>
+                  </a:moveTo>
+                  <a:lnTo>
+                    <a:pt x="78" y="575"/>
+                  </a:lnTo>
+                  <a:lnTo>
+                    <a:pt x="78" y="192"/>
+                  </a:lnTo>
+                  <a:lnTo>
+                    <a:pt x="0" y="6"/>
+                  </a:lnTo>
+                  <a:lnTo>
+                    <a:pt x="15" y="0"/>
+                  </a:lnTo>
+                  <a:lnTo>
+                    <a:pt x="96" y="189"/>
+                  </a:lnTo>
+                  <a:lnTo>
+                    <a:pt x="96" y="575"/>
+                  </a:lnTo>
+                  <a:close/>
+                </a:path>
+              </a:pathLst>
+            </a:custGeom>
+            <a:grpFill/>
+            <a:ln>
+              <a:noFill/>
+            </a:ln>
+            <a:extLst>
+              <a:ext uri="{91240B29-F687-4f45-9708-019B960494DF}">
+                <a14:hiddenLine xmlns="" xmlns:a16="http://schemas.microsoft.com/office/drawing/2014/main" xmlns:p14="http://schemas.microsoft.com/office/powerpoint/2010/main" xmlns:a14="http://schemas.microsoft.com/office/drawing/2010/main" w="9525">
+                  <a:solidFill>
+                    <a:srgbClr val="000000"/>
+                  </a:solidFill>
+                  <a:round/>
+                  <a:headEnd/>
+                  <a:tailEnd/>
+                </a14:hiddenLine>
+              </a:ext>
+            </a:extLst>
+          </p:spPr>
+        </p:sp>
+        <p:sp>
+          <p:nvSpPr>
+            <p:cNvPr id="25" name="Freeform 12">
+              <a:extLst>
+                <a:ext uri="{FF2B5EF4-FFF2-40B4-BE49-F238E27FC236}">
+                  <a16:creationId xmlns:a16="http://schemas.microsoft.com/office/drawing/2014/main" id="{68B482B5-E0FD-406A-99B2-297DF333546D}"/>
+                </a:ext>
+                <a:ext uri="{C183D7F6-B498-43B3-948B-1728B52AA6E4}">
+                  <adec:decorative xmlns:adec="http://schemas.microsoft.com/office/drawing/2017/decorative" val="1"/>
+                </a:ext>
+              </a:extLst>
+            </p:cNvPr>
+            <p:cNvSpPr>
+              <a:spLocks noEditPoints="1"/>
+            </p:cNvSpPr>
+            <p:nvPr>
+              <p:extLst>
+                <p:ext uri="{386F3935-93C4-4BCD-93E2-E3B085C9AB24}">
+                  <p16:designElem xmlns:p16="http://schemas.microsoft.com/office/powerpoint/2015/main" val="1"/>
+                </p:ext>
+              </p:extLst>
+            </p:nvPr>
+          </p:nvSpPr>
+          <p:spPr bwMode="auto">
+            <a:xfrm>
+              <a:off x="588962" y="1420813"/>
+              <a:ext cx="190500" cy="190500"/>
+            </a:xfrm>
+            <a:custGeom>
+              <a:avLst/>
+              <a:gdLst/>
+              <a:ahLst/>
+              <a:cxnLst/>
+              <a:rect l="0" t="0" r="r" b="b"/>
+              <a:pathLst>
+                <a:path w="40" h="40">
+                  <a:moveTo>
+                    <a:pt x="20" y="40"/>
+                  </a:moveTo>
+                  <a:cubicBezTo>
+                    <a:pt x="9" y="40"/>
+                    <a:pt x="0" y="31"/>
+                    <a:pt x="0" y="20"/>
+                  </a:cubicBezTo>
+                  <a:cubicBezTo>
+                    <a:pt x="0" y="9"/>
+                    <a:pt x="9" y="0"/>
+                    <a:pt x="20" y="0"/>
+                  </a:cubicBezTo>
+                  <a:cubicBezTo>
+                    <a:pt x="33" y="0"/>
+                    <a:pt x="40" y="7"/>
+                    <a:pt x="40" y="20"/>
+                  </a:cubicBezTo>
+                  <a:cubicBezTo>
+                    <a:pt x="40" y="31"/>
+                    <a:pt x="31" y="40"/>
+                    <a:pt x="20" y="40"/>
+                  </a:cubicBezTo>
+                  <a:close/>
+                  <a:moveTo>
+                    <a:pt x="20" y="4"/>
+                  </a:moveTo>
+                  <a:cubicBezTo>
+                    <a:pt x="11" y="4"/>
+                    <a:pt x="4" y="11"/>
+                    <a:pt x="4" y="20"/>
+                  </a:cubicBezTo>
+                  <a:cubicBezTo>
+                    <a:pt x="4" y="29"/>
+                    <a:pt x="11" y="36"/>
+                    <a:pt x="20" y="36"/>
+                  </a:cubicBezTo>
+                  <a:cubicBezTo>
+                    <a:pt x="29" y="36"/>
+                    <a:pt x="36" y="29"/>
+                    <a:pt x="36" y="20"/>
+                  </a:cubicBezTo>
+                  <a:cubicBezTo>
+                    <a:pt x="36" y="9"/>
+                    <a:pt x="31" y="4"/>
+                    <a:pt x="20" y="4"/>
+                  </a:cubicBezTo>
+                  <a:close/>
+                </a:path>
+              </a:pathLst>
+            </a:custGeom>
+            <a:grpFill/>
+            <a:ln>
+              <a:noFill/>
+            </a:ln>
+            <a:extLst>
+              <a:ext uri="{91240B29-F687-4f45-9708-019B960494DF}">
+                <a14:hiddenLine xmlns="" xmlns:a16="http://schemas.microsoft.com/office/drawing/2014/main" xmlns:p14="http://schemas.microsoft.com/office/powerpoint/2010/main" xmlns:a14="http://schemas.microsoft.com/office/drawing/2010/main" w="9525">
+                  <a:solidFill>
+                    <a:srgbClr val="000000"/>
+                  </a:solidFill>
+                  <a:round/>
+                  <a:headEnd/>
+                  <a:tailEnd/>
+                </a14:hiddenLine>
+              </a:ext>
+            </a:extLst>
+          </p:spPr>
+        </p:sp>
+        <p:sp>
+          <p:nvSpPr>
+            <p:cNvPr id="26" name="Freeform 13">
+              <a:extLst>
+                <a:ext uri="{FF2B5EF4-FFF2-40B4-BE49-F238E27FC236}">
+                  <a16:creationId xmlns:a16="http://schemas.microsoft.com/office/drawing/2014/main" id="{B8750F30-12E8-410B-8709-78F1EF3BBE78}"/>
+                </a:ext>
+                <a:ext uri="{C183D7F6-B498-43B3-948B-1728B52AA6E4}">
+                  <adec:decorative xmlns:adec="http://schemas.microsoft.com/office/drawing/2017/decorative" val="1"/>
+                </a:ext>
+              </a:extLst>
+            </p:cNvPr>
+            <p:cNvSpPr>
+              <a:spLocks noEditPoints="1"/>
+            </p:cNvSpPr>
+            <p:nvPr>
+              <p:extLst>
+                <p:ext uri="{386F3935-93C4-4BCD-93E2-E3B085C9AB24}">
+                  <p16:designElem xmlns:p16="http://schemas.microsoft.com/office/powerpoint/2015/main" val="1"/>
+                </p:ext>
+              </p:extLst>
+            </p:nvPr>
+          </p:nvSpPr>
+          <p:spPr bwMode="auto">
+            <a:xfrm>
+              <a:off x="588962" y="903288"/>
+              <a:ext cx="190500" cy="190500"/>
+            </a:xfrm>
+            <a:custGeom>
+              <a:avLst/>
+              <a:gdLst/>
+              <a:ahLst/>
+              <a:cxnLst/>
+              <a:rect l="0" t="0" r="r" b="b"/>
+              <a:pathLst>
+                <a:path w="40" h="40">
+                  <a:moveTo>
+                    <a:pt x="20" y="40"/>
+                  </a:moveTo>
+                  <a:cubicBezTo>
+                    <a:pt x="9" y="40"/>
+                    <a:pt x="0" y="31"/>
+                    <a:pt x="0" y="20"/>
+                  </a:cubicBezTo>
+                  <a:cubicBezTo>
+                    <a:pt x="0" y="9"/>
+                    <a:pt x="9" y="0"/>
+                    <a:pt x="20" y="0"/>
+                  </a:cubicBezTo>
+                  <a:cubicBezTo>
+                    <a:pt x="31" y="0"/>
+                    <a:pt x="40" y="9"/>
+                    <a:pt x="40" y="20"/>
+                  </a:cubicBezTo>
+                  <a:cubicBezTo>
+                    <a:pt x="40" y="31"/>
+                    <a:pt x="31" y="40"/>
+                    <a:pt x="20" y="40"/>
+                  </a:cubicBezTo>
+                  <a:close/>
+                  <a:moveTo>
+                    <a:pt x="20" y="4"/>
+                  </a:moveTo>
+                  <a:cubicBezTo>
+                    <a:pt x="11" y="4"/>
+                    <a:pt x="4" y="11"/>
+                    <a:pt x="4" y="20"/>
+                  </a:cubicBezTo>
+                  <a:cubicBezTo>
+                    <a:pt x="4" y="29"/>
+                    <a:pt x="11" y="36"/>
+                    <a:pt x="20" y="36"/>
+                  </a:cubicBezTo>
+                  <a:cubicBezTo>
+                    <a:pt x="29" y="36"/>
+                    <a:pt x="36" y="29"/>
+                    <a:pt x="36" y="20"/>
+                  </a:cubicBezTo>
+                  <a:cubicBezTo>
+                    <a:pt x="36" y="11"/>
+                    <a:pt x="29" y="4"/>
+                    <a:pt x="20" y="4"/>
+                  </a:cubicBezTo>
+                  <a:close/>
+                </a:path>
+              </a:pathLst>
+            </a:custGeom>
+            <a:grpFill/>
+            <a:ln>
+              <a:noFill/>
+            </a:ln>
+            <a:extLst>
+              <a:ext uri="{91240B29-F687-4f45-9708-019B960494DF}">
+                <a14:hiddenLine xmlns="" xmlns:a16="http://schemas.microsoft.com/office/drawing/2014/main" xmlns:p14="http://schemas.microsoft.com/office/powerpoint/2010/main" xmlns:a14="http://schemas.microsoft.com/office/drawing/2010/main" w="9525">
+                  <a:solidFill>
+                    <a:srgbClr val="000000"/>
+                  </a:solidFill>
+                  <a:round/>
+                  <a:headEnd/>
+                  <a:tailEnd/>
+                </a14:hiddenLine>
+              </a:ext>
+            </a:extLst>
+          </p:spPr>
+        </p:sp>
+        <p:sp>
+          <p:nvSpPr>
+            <p:cNvPr id="27" name="Freeform 14">
+              <a:extLst>
+                <a:ext uri="{FF2B5EF4-FFF2-40B4-BE49-F238E27FC236}">
+                  <a16:creationId xmlns:a16="http://schemas.microsoft.com/office/drawing/2014/main" id="{DB2D030A-4700-4CC4-A971-F119F8372C0A}"/>
+                </a:ext>
+                <a:ext uri="{C183D7F6-B498-43B3-948B-1728B52AA6E4}">
+                  <adec:decorative xmlns:adec="http://schemas.microsoft.com/office/drawing/2017/decorative" val="1"/>
+                </a:ext>
+              </a:extLst>
+            </p:cNvPr>
+            <p:cNvSpPr/>
+            <p:nvPr>
+              <p:extLst>
+                <p:ext uri="{386F3935-93C4-4BCD-93E2-E3B085C9AB24}">
+                  <p16:designElem xmlns:p16="http://schemas.microsoft.com/office/powerpoint/2015/main" val="1"/>
+                </p:ext>
+              </p:extLst>
+            </p:nvPr>
+          </p:nvSpPr>
+          <p:spPr bwMode="auto">
+            <a:xfrm>
+              <a:off x="641350" y="0"/>
+              <a:ext cx="422275" cy="527050"/>
+            </a:xfrm>
+            <a:custGeom>
+              <a:avLst/>
+              <a:gdLst/>
+              <a:ahLst/>
+              <a:cxnLst/>
+              <a:rect l="0" t="0" r="r" b="b"/>
+              <a:pathLst>
+                <a:path w="266" h="332">
+                  <a:moveTo>
+                    <a:pt x="257" y="332"/>
+                  </a:moveTo>
+                  <a:lnTo>
+                    <a:pt x="48" y="123"/>
+                  </a:lnTo>
+                  <a:lnTo>
+                    <a:pt x="0" y="6"/>
+                  </a:lnTo>
+                  <a:lnTo>
+                    <a:pt x="15" y="0"/>
+                  </a:lnTo>
+                  <a:lnTo>
+                    <a:pt x="63" y="114"/>
+                  </a:lnTo>
+                  <a:lnTo>
+                    <a:pt x="266" y="320"/>
+                  </a:lnTo>
+                  <a:lnTo>
+                    <a:pt x="257" y="332"/>
+                  </a:lnTo>
+                  <a:close/>
+                </a:path>
+              </a:pathLst>
+            </a:custGeom>
+            <a:grpFill/>
+            <a:ln>
+              <a:noFill/>
+            </a:ln>
+            <a:extLst>
+              <a:ext uri="{91240B29-F687-4f45-9708-019B960494DF}">
+                <a14:hiddenLine xmlns="" xmlns:a16="http://schemas.microsoft.com/office/drawing/2014/main" xmlns:p14="http://schemas.microsoft.com/office/powerpoint/2010/main" xmlns:a14="http://schemas.microsoft.com/office/drawing/2010/main" w="9525">
+                  <a:solidFill>
+                    <a:srgbClr val="000000"/>
+                  </a:solidFill>
+                  <a:round/>
+                  <a:headEnd/>
+                  <a:tailEnd/>
+                </a14:hiddenLine>
+              </a:ext>
+            </a:extLst>
+          </p:spPr>
+        </p:sp>
+        <p:sp>
+          <p:nvSpPr>
+            <p:cNvPr id="28" name="Freeform 15">
+              <a:extLst>
+                <a:ext uri="{FF2B5EF4-FFF2-40B4-BE49-F238E27FC236}">
+                  <a16:creationId xmlns:a16="http://schemas.microsoft.com/office/drawing/2014/main" id="{B4E516DB-F66E-4E88-8CAA-67153F56189D}"/>
+                </a:ext>
+                <a:ext uri="{C183D7F6-B498-43B3-948B-1728B52AA6E4}">
+                  <adec:decorative xmlns:adec="http://schemas.microsoft.com/office/drawing/2017/decorative" val="1"/>
+                </a:ext>
+              </a:extLst>
+            </p:cNvPr>
+            <p:cNvSpPr>
+              <a:spLocks noEditPoints="1"/>
+            </p:cNvSpPr>
+            <p:nvPr>
+              <p:extLst>
+                <p:ext uri="{386F3935-93C4-4BCD-93E2-E3B085C9AB24}">
+                  <p16:designElem xmlns:p16="http://schemas.microsoft.com/office/powerpoint/2015/main" val="1"/>
+                </p:ext>
+              </p:extLst>
+            </p:nvPr>
+          </p:nvSpPr>
+          <p:spPr bwMode="auto">
+            <a:xfrm>
+              <a:off x="1020762" y="488950"/>
+              <a:ext cx="161925" cy="147638"/>
+            </a:xfrm>
+            <a:custGeom>
+              <a:avLst/>
+              <a:gdLst/>
+              <a:ahLst/>
+              <a:cxnLst/>
+              <a:rect l="0" t="0" r="r" b="b"/>
+              <a:pathLst>
+                <a:path w="34" h="31">
+                  <a:moveTo>
+                    <a:pt x="17" y="31"/>
+                  </a:moveTo>
+                  <a:cubicBezTo>
+                    <a:pt x="13" y="31"/>
+                    <a:pt x="9" y="30"/>
+                    <a:pt x="6" y="27"/>
+                  </a:cubicBezTo>
+                  <a:cubicBezTo>
+                    <a:pt x="0" y="20"/>
+                    <a:pt x="0" y="10"/>
+                    <a:pt x="6" y="4"/>
+                  </a:cubicBezTo>
+                  <a:cubicBezTo>
+                    <a:pt x="9" y="1"/>
+                    <a:pt x="13" y="0"/>
+                    <a:pt x="17" y="0"/>
+                  </a:cubicBezTo>
+                  <a:cubicBezTo>
+                    <a:pt x="21" y="0"/>
+                    <a:pt x="25" y="1"/>
+                    <a:pt x="28" y="4"/>
+                  </a:cubicBezTo>
+                  <a:cubicBezTo>
+                    <a:pt x="34" y="10"/>
+                    <a:pt x="34" y="20"/>
+                    <a:pt x="28" y="27"/>
+                  </a:cubicBezTo>
+                  <a:cubicBezTo>
+                    <a:pt x="25" y="30"/>
+                    <a:pt x="21" y="31"/>
+                    <a:pt x="17" y="31"/>
+                  </a:cubicBezTo>
+                  <a:close/>
+                  <a:moveTo>
+                    <a:pt x="17" y="4"/>
+                  </a:moveTo>
+                  <a:cubicBezTo>
+                    <a:pt x="14" y="4"/>
+                    <a:pt x="11" y="5"/>
+                    <a:pt x="9" y="7"/>
+                  </a:cubicBezTo>
+                  <a:cubicBezTo>
+                    <a:pt x="4" y="12"/>
+                    <a:pt x="4" y="19"/>
+                    <a:pt x="9" y="24"/>
+                  </a:cubicBezTo>
+                  <a:cubicBezTo>
+                    <a:pt x="11" y="26"/>
+                    <a:pt x="14" y="27"/>
+                    <a:pt x="17" y="27"/>
+                  </a:cubicBezTo>
+                  <a:cubicBezTo>
+                    <a:pt x="20" y="27"/>
+                    <a:pt x="23" y="26"/>
+                    <a:pt x="25" y="24"/>
+                  </a:cubicBezTo>
+                  <a:cubicBezTo>
+                    <a:pt x="30" y="19"/>
+                    <a:pt x="30" y="12"/>
+                    <a:pt x="25" y="7"/>
+                  </a:cubicBezTo>
+                  <a:cubicBezTo>
+                    <a:pt x="23" y="5"/>
+                    <a:pt x="20" y="4"/>
+                    <a:pt x="17" y="4"/>
+                  </a:cubicBezTo>
+                  <a:close/>
+                </a:path>
+              </a:pathLst>
+            </a:custGeom>
+            <a:grpFill/>
+            <a:ln>
+              <a:noFill/>
+            </a:ln>
+            <a:extLst>
+              <a:ext uri="{91240B29-F687-4f45-9708-019B960494DF}">
+                <a14:hiddenLine xmlns="" xmlns:a16="http://schemas.microsoft.com/office/drawing/2014/main" xmlns:p14="http://schemas.microsoft.com/office/powerpoint/2010/main" xmlns:a14="http://schemas.microsoft.com/office/drawing/2010/main" w="9525">
+                  <a:solidFill>
+                    <a:srgbClr val="000000"/>
+                  </a:solidFill>
+                  <a:round/>
+                  <a:headEnd/>
+                  <a:tailEnd/>
+                </a14:hiddenLine>
+              </a:ext>
+            </a:extLst>
+          </p:spPr>
+        </p:sp>
+        <p:sp>
+          <p:nvSpPr>
+            <p:cNvPr id="29" name="Line 16">
+              <a:extLst>
+                <a:ext uri="{FF2B5EF4-FFF2-40B4-BE49-F238E27FC236}">
+                  <a16:creationId xmlns:a16="http://schemas.microsoft.com/office/drawing/2014/main" id="{DF749FDD-DD56-4DC9-A379-77E1106981DC}"/>
+                </a:ext>
+                <a:ext uri="{C183D7F6-B498-43B3-948B-1728B52AA6E4}">
+                  <adec:decorative xmlns:adec="http://schemas.microsoft.com/office/drawing/2017/decorative" val="1"/>
+                </a:ext>
+              </a:extLst>
+            </p:cNvPr>
+            <p:cNvSpPr>
+              <a:spLocks noChangeShapeType="1"/>
+            </p:cNvSpPr>
+            <p:nvPr>
+              <p:extLst>
+                <p:ext uri="{386F3935-93C4-4BCD-93E2-E3B085C9AB24}">
+                  <p16:designElem xmlns:p16="http://schemas.microsoft.com/office/powerpoint/2015/main" val="1"/>
+                </p:ext>
+              </p:extLst>
+            </p:nvPr>
+          </p:nvSpPr>
+          <p:spPr bwMode="auto">
+            <a:xfrm>
+              <a:off x="-4763" y="9525"/>
+              <a:ext cx="0" cy="0"/>
+            </a:xfrm>
+            <a:prstGeom prst="line">
+              <a:avLst/>
+            </a:prstGeom>
+            <a:grpFill/>
+            <a:ln w="15" cap="flat">
+              <a:solidFill>
+                <a:srgbClr val="FFFFFF"/>
+              </a:solidFill>
+              <a:prstDash val="solid"/>
+              <a:miter lim="800000"/>
+              <a:headEnd/>
+              <a:tailEnd/>
+            </a:ln>
+          </p:spPr>
+        </p:sp>
+        <p:sp>
+          <p:nvSpPr>
+            <p:cNvPr id="30" name="Freeform 17">
+              <a:extLst>
+                <a:ext uri="{FF2B5EF4-FFF2-40B4-BE49-F238E27FC236}">
+                  <a16:creationId xmlns:a16="http://schemas.microsoft.com/office/drawing/2014/main" id="{6AD95087-E0AF-45D3-B824-EFFCBBECDEB1}"/>
+                </a:ext>
+                <a:ext uri="{C183D7F6-B498-43B3-948B-1728B52AA6E4}">
+                  <adec:decorative xmlns:adec="http://schemas.microsoft.com/office/drawing/2017/decorative" val="1"/>
+                </a:ext>
+              </a:extLst>
+            </p:cNvPr>
+            <p:cNvSpPr/>
+            <p:nvPr>
+              <p:extLst>
+                <p:ext uri="{386F3935-93C4-4BCD-93E2-E3B085C9AB24}">
+                  <p16:designElem xmlns:p16="http://schemas.microsoft.com/office/powerpoint/2015/main" val="1"/>
+                </p:ext>
+              </p:extLst>
+            </p:nvPr>
+          </p:nvSpPr>
+          <p:spPr bwMode="auto">
+            <a:xfrm>
+              <a:off x="9525" y="1801813"/>
+              <a:ext cx="123825" cy="127000"/>
+            </a:xfrm>
+            <a:custGeom>
+              <a:avLst/>
+              <a:gdLst/>
+              <a:ahLst/>
+              <a:cxnLst/>
+              <a:rect l="0" t="0" r="r" b="b"/>
+              <a:pathLst>
+                <a:path w="78" h="80">
+                  <a:moveTo>
+                    <a:pt x="6" y="80"/>
+                  </a:moveTo>
+                  <a:lnTo>
+                    <a:pt x="0" y="71"/>
+                  </a:lnTo>
+                  <a:lnTo>
+                    <a:pt x="69" y="0"/>
+                  </a:lnTo>
+                  <a:lnTo>
+                    <a:pt x="78" y="9"/>
+                  </a:lnTo>
+                  <a:lnTo>
+                    <a:pt x="6" y="80"/>
+                  </a:lnTo>
+                  <a:close/>
+                </a:path>
+              </a:pathLst>
+            </a:custGeom>
+            <a:grpFill/>
+            <a:ln>
+              <a:noFill/>
+            </a:ln>
+            <a:extLst>
+              <a:ext uri="{91240B29-F687-4f45-9708-019B960494DF}">
+                <a14:hiddenLine xmlns="" xmlns:a16="http://schemas.microsoft.com/office/drawing/2014/main" xmlns:p14="http://schemas.microsoft.com/office/powerpoint/2010/main" xmlns:a14="http://schemas.microsoft.com/office/drawing/2010/main" w="9525">
+                  <a:solidFill>
+                    <a:srgbClr val="000000"/>
+                  </a:solidFill>
+                  <a:round/>
+                  <a:headEnd/>
+                  <a:tailEnd/>
+                </a14:hiddenLine>
+              </a:ext>
+            </a:extLst>
+          </p:spPr>
+        </p:sp>
+        <p:sp>
+          <p:nvSpPr>
+            <p:cNvPr id="31" name="Freeform 18">
+              <a:extLst>
+                <a:ext uri="{FF2B5EF4-FFF2-40B4-BE49-F238E27FC236}">
+                  <a16:creationId xmlns:a16="http://schemas.microsoft.com/office/drawing/2014/main" id="{2D21010F-3DE2-4881-B9D5-3415C4E05DAC}"/>
+                </a:ext>
+                <a:ext uri="{C183D7F6-B498-43B3-948B-1728B52AA6E4}">
+                  <adec:decorative xmlns:adec="http://schemas.microsoft.com/office/drawing/2017/decorative" val="1"/>
+                </a:ext>
+              </a:extLst>
+            </p:cNvPr>
+            <p:cNvSpPr/>
+            <p:nvPr>
+              <p:extLst>
+                <p:ext uri="{386F3935-93C4-4BCD-93E2-E3B085C9AB24}">
+                  <p16:designElem xmlns:p16="http://schemas.microsoft.com/office/powerpoint/2015/main" val="1"/>
+                </p:ext>
+              </p:extLst>
+            </p:nvPr>
+          </p:nvSpPr>
+          <p:spPr bwMode="auto">
+            <a:xfrm>
+              <a:off x="-9525" y="3549650"/>
+              <a:ext cx="147638" cy="481013"/>
+            </a:xfrm>
+            <a:custGeom>
+              <a:avLst/>
+              <a:gdLst/>
+              <a:ahLst/>
+              <a:cxnLst/>
+              <a:rect l="0" t="0" r="r" b="b"/>
+              <a:pathLst>
+                <a:path w="93" h="303">
+                  <a:moveTo>
+                    <a:pt x="93" y="303"/>
+                  </a:moveTo>
+                  <a:lnTo>
+                    <a:pt x="78" y="303"/>
+                  </a:lnTo>
+                  <a:lnTo>
+                    <a:pt x="78" y="78"/>
+                  </a:lnTo>
+                  <a:lnTo>
+                    <a:pt x="0" y="12"/>
+                  </a:lnTo>
+                  <a:lnTo>
+                    <a:pt x="12" y="0"/>
+                  </a:lnTo>
+                  <a:lnTo>
+                    <a:pt x="93" y="69"/>
+                  </a:lnTo>
+                  <a:lnTo>
+                    <a:pt x="93" y="303"/>
+                  </a:lnTo>
+                  <a:close/>
+                </a:path>
+              </a:pathLst>
+            </a:custGeom>
+            <a:grpFill/>
+            <a:ln>
+              <a:noFill/>
+            </a:ln>
+            <a:extLst>
+              <a:ext uri="{91240B29-F687-4f45-9708-019B960494DF}">
+                <a14:hiddenLine xmlns="" xmlns:a16="http://schemas.microsoft.com/office/drawing/2014/main" xmlns:p14="http://schemas.microsoft.com/office/powerpoint/2010/main" xmlns:a14="http://schemas.microsoft.com/office/drawing/2010/main" w="9525">
+                  <a:solidFill>
+                    <a:srgbClr val="000000"/>
+                  </a:solidFill>
+                  <a:round/>
+                  <a:headEnd/>
+                  <a:tailEnd/>
+                </a14:hiddenLine>
+              </a:ext>
+            </a:extLst>
+          </p:spPr>
+        </p:sp>
+        <p:sp>
+          <p:nvSpPr>
+            <p:cNvPr id="32" name="Freeform 19">
+              <a:extLst>
+                <a:ext uri="{FF2B5EF4-FFF2-40B4-BE49-F238E27FC236}">
+                  <a16:creationId xmlns:a16="http://schemas.microsoft.com/office/drawing/2014/main" id="{2AFDF4BC-8E99-4A2C-9EF2-4B98A05C2E3B}"/>
+                </a:ext>
+                <a:ext uri="{C183D7F6-B498-43B3-948B-1728B52AA6E4}">
+                  <adec:decorative xmlns:adec="http://schemas.microsoft.com/office/drawing/2017/decorative" val="1"/>
+                </a:ext>
+              </a:extLst>
+            </p:cNvPr>
+            <p:cNvSpPr/>
+            <p:nvPr>
+              <p:extLst>
+                <p:ext uri="{386F3935-93C4-4BCD-93E2-E3B085C9AB24}">
+                  <p16:designElem xmlns:p16="http://schemas.microsoft.com/office/powerpoint/2015/main" val="1"/>
+                </p:ext>
+              </p:extLst>
+            </p:nvPr>
+          </p:nvSpPr>
+          <p:spPr bwMode="auto">
+            <a:xfrm>
+              <a:off x="128587" y="1382713"/>
+              <a:ext cx="142875" cy="476250"/>
+            </a:xfrm>
+            <a:custGeom>
+              <a:avLst/>
+              <a:gdLst/>
+              <a:ahLst/>
+              <a:cxnLst/>
+              <a:rect l="0" t="0" r="r" b="b"/>
+              <a:pathLst>
+                <a:path w="90" h="300">
+                  <a:moveTo>
+                    <a:pt x="90" y="300"/>
+                  </a:moveTo>
+                  <a:lnTo>
+                    <a:pt x="78" y="300"/>
+                  </a:lnTo>
+                  <a:lnTo>
+                    <a:pt x="78" y="84"/>
+                  </a:lnTo>
+                  <a:lnTo>
+                    <a:pt x="0" y="9"/>
+                  </a:lnTo>
+                  <a:lnTo>
+                    <a:pt x="9" y="0"/>
+                  </a:lnTo>
+                  <a:lnTo>
+                    <a:pt x="90" y="81"/>
+                  </a:lnTo>
+                  <a:lnTo>
+                    <a:pt x="90" y="300"/>
+                  </a:lnTo>
+                  <a:close/>
+                </a:path>
+              </a:pathLst>
+            </a:custGeom>
+            <a:grpFill/>
+            <a:ln>
+              <a:noFill/>
+            </a:ln>
+            <a:extLst>
+              <a:ext uri="{91240B29-F687-4f45-9708-019B960494DF}">
+                <a14:hiddenLine xmlns="" xmlns:a16="http://schemas.microsoft.com/office/drawing/2014/main" xmlns:p14="http://schemas.microsoft.com/office/powerpoint/2010/main" xmlns:a14="http://schemas.microsoft.com/office/drawing/2010/main" w="9525">
+                  <a:solidFill>
+                    <a:srgbClr val="000000"/>
+                  </a:solidFill>
+                  <a:round/>
+                  <a:headEnd/>
+                  <a:tailEnd/>
+                </a14:hiddenLine>
+              </a:ext>
+            </a:extLst>
+          </p:spPr>
+        </p:sp>
+        <p:sp>
+          <p:nvSpPr>
+            <p:cNvPr id="33" name="Freeform 20">
+              <a:extLst>
+                <a:ext uri="{FF2B5EF4-FFF2-40B4-BE49-F238E27FC236}">
+                  <a16:creationId xmlns:a16="http://schemas.microsoft.com/office/drawing/2014/main" id="{BB8EAEE8-22EA-4103-A02E-5043474C4BE1}"/>
+                </a:ext>
+                <a:ext uri="{C183D7F6-B498-43B3-948B-1728B52AA6E4}">
+                  <adec:decorative xmlns:adec="http://schemas.microsoft.com/office/drawing/2017/decorative" val="1"/>
+                </a:ext>
+              </a:extLst>
+            </p:cNvPr>
+            <p:cNvSpPr>
+              <a:spLocks noEditPoints="1"/>
+            </p:cNvSpPr>
+            <p:nvPr>
+              <p:extLst>
+                <p:ext uri="{386F3935-93C4-4BCD-93E2-E3B085C9AB24}">
+                  <p16:designElem xmlns:p16="http://schemas.microsoft.com/office/powerpoint/2015/main" val="1"/>
+                </p:ext>
+              </p:extLst>
+            </p:nvPr>
+          </p:nvSpPr>
+          <p:spPr bwMode="auto">
+            <a:xfrm>
+              <a:off x="204787" y="1849438"/>
+              <a:ext cx="114300" cy="107950"/>
+            </a:xfrm>
+            <a:custGeom>
+              <a:avLst/>
+              <a:gdLst/>
+              <a:ahLst/>
+              <a:cxnLst/>
+              <a:rect l="0" t="0" r="r" b="b"/>
+              <a:pathLst>
+                <a:path w="24" h="23">
+                  <a:moveTo>
+                    <a:pt x="12" y="23"/>
+                  </a:moveTo>
+                  <a:cubicBezTo>
+                    <a:pt x="6" y="23"/>
+                    <a:pt x="0" y="18"/>
+                    <a:pt x="0" y="12"/>
+                  </a:cubicBezTo>
+                  <a:cubicBezTo>
+                    <a:pt x="0" y="5"/>
+                    <a:pt x="6" y="0"/>
+                    <a:pt x="12" y="0"/>
+                  </a:cubicBezTo>
+                  <a:cubicBezTo>
+                    <a:pt x="18" y="0"/>
+                    <a:pt x="24" y="5"/>
+                    <a:pt x="24" y="12"/>
+                  </a:cubicBezTo>
+                  <a:cubicBezTo>
+                    <a:pt x="24" y="18"/>
+                    <a:pt x="18" y="23"/>
+                    <a:pt x="12" y="23"/>
+                  </a:cubicBezTo>
+                  <a:close/>
+                  <a:moveTo>
+                    <a:pt x="12" y="4"/>
+                  </a:moveTo>
+                  <a:cubicBezTo>
+                    <a:pt x="8" y="4"/>
+                    <a:pt x="4" y="8"/>
+                    <a:pt x="4" y="12"/>
+                  </a:cubicBezTo>
+                  <a:cubicBezTo>
+                    <a:pt x="4" y="16"/>
+                    <a:pt x="8" y="19"/>
+                    <a:pt x="12" y="19"/>
+                  </a:cubicBezTo>
+                  <a:cubicBezTo>
+                    <a:pt x="16" y="19"/>
+                    <a:pt x="20" y="16"/>
+                    <a:pt x="20" y="12"/>
+                  </a:cubicBezTo>
+                  <a:cubicBezTo>
+                    <a:pt x="20" y="8"/>
+                    <a:pt x="16" y="4"/>
+                    <a:pt x="12" y="4"/>
+                  </a:cubicBezTo>
+                  <a:close/>
+                </a:path>
+              </a:pathLst>
+            </a:custGeom>
+            <a:grpFill/>
+            <a:ln>
+              <a:noFill/>
+            </a:ln>
+            <a:extLst>
+              <a:ext uri="{91240B29-F687-4f45-9708-019B960494DF}">
+                <a14:hiddenLine xmlns="" xmlns:a16="http://schemas.microsoft.com/office/drawing/2014/main" xmlns:p14="http://schemas.microsoft.com/office/powerpoint/2010/main" xmlns:a14="http://schemas.microsoft.com/office/drawing/2010/main" w="9525">
+                  <a:solidFill>
+                    <a:srgbClr val="000000"/>
+                  </a:solidFill>
+                  <a:round/>
+                  <a:headEnd/>
+                  <a:tailEnd/>
+                </a14:hiddenLine>
+              </a:ext>
+            </a:extLst>
+          </p:spPr>
+        </p:sp>
+        <p:sp>
+          <p:nvSpPr>
+            <p:cNvPr id="34" name="Rectangle 21">
+              <a:extLst>
+                <a:ext uri="{FF2B5EF4-FFF2-40B4-BE49-F238E27FC236}">
+                  <a16:creationId xmlns:a16="http://schemas.microsoft.com/office/drawing/2014/main" id="{7148ABD2-E447-429F-B97E-86494051C101}"/>
+                </a:ext>
+                <a:ext uri="{C183D7F6-B498-43B3-948B-1728B52AA6E4}">
+                  <adec:decorative xmlns:adec="http://schemas.microsoft.com/office/drawing/2017/decorative" val="1"/>
+                </a:ext>
+              </a:extLst>
+            </p:cNvPr>
+            <p:cNvSpPr>
+              <a:spLocks noChangeArrowheads="1"/>
+            </p:cNvSpPr>
+            <p:nvPr>
+              <p:extLst>
+                <p:ext uri="{386F3935-93C4-4BCD-93E2-E3B085C9AB24}">
+                  <p16:designElem xmlns:p16="http://schemas.microsoft.com/office/powerpoint/2015/main" val="1"/>
+                </p:ext>
+              </p:extLst>
+            </p:nvPr>
+          </p:nvSpPr>
+          <p:spPr bwMode="auto">
+            <a:xfrm>
+              <a:off x="133350" y="4662488"/>
+              <a:ext cx="23813" cy="2181225"/>
+            </a:xfrm>
+            <a:prstGeom prst="rect">
+              <a:avLst/>
+            </a:prstGeom>
+            <a:grpFill/>
+            <a:ln>
+              <a:noFill/>
+            </a:ln>
+            <a:extLst>
+              <a:ext uri="{91240B29-F687-4f45-9708-019B960494DF}">
+                <a14:hiddenLine xmlns="" xmlns:a16="http://schemas.microsoft.com/office/drawing/2014/main" xmlns:p14="http://schemas.microsoft.com/office/powerpoint/2010/main" xmlns:a14="http://schemas.microsoft.com/office/drawing/2010/main" w="9525">
+                  <a:solidFill>
+                    <a:srgbClr val="000000"/>
+                  </a:solidFill>
+                  <a:miter lim="800000"/>
+                  <a:headEnd/>
+                  <a:tailEnd/>
+                </a14:hiddenLine>
+              </a:ext>
+            </a:extLst>
+          </p:spPr>
+        </p:sp>
+        <p:sp>
+          <p:nvSpPr>
+            <p:cNvPr id="35" name="Freeform 22">
+              <a:extLst>
+                <a:ext uri="{FF2B5EF4-FFF2-40B4-BE49-F238E27FC236}">
+                  <a16:creationId xmlns:a16="http://schemas.microsoft.com/office/drawing/2014/main" id="{99900F4A-F8CA-456E-9FA0-34572621C09B}"/>
+                </a:ext>
+                <a:ext uri="{C183D7F6-B498-43B3-948B-1728B52AA6E4}">
+                  <adec:decorative xmlns:adec="http://schemas.microsoft.com/office/drawing/2017/decorative" val="1"/>
+                </a:ext>
+              </a:extLst>
+            </p:cNvPr>
+            <p:cNvSpPr/>
+            <p:nvPr>
+              <p:extLst>
+                <p:ext uri="{386F3935-93C4-4BCD-93E2-E3B085C9AB24}">
+                  <p16:designElem xmlns:p16="http://schemas.microsoft.com/office/powerpoint/2015/main" val="1"/>
+                </p:ext>
+              </p:extLst>
+            </p:nvPr>
+          </p:nvSpPr>
+          <p:spPr bwMode="auto">
+            <a:xfrm>
+              <a:off x="223837" y="5041900"/>
+              <a:ext cx="369888" cy="1801813"/>
+            </a:xfrm>
+            <a:custGeom>
+              <a:avLst/>
+              <a:gdLst/>
+              <a:ahLst/>
+              <a:cxnLst/>
+              <a:rect l="0" t="0" r="r" b="b"/>
+              <a:pathLst>
+                <a:path w="233" h="1135">
+                  <a:moveTo>
+                    <a:pt x="15" y="1135"/>
+                  </a:moveTo>
+                  <a:lnTo>
+                    <a:pt x="0" y="1135"/>
+                  </a:lnTo>
+                  <a:lnTo>
+                    <a:pt x="0" y="515"/>
+                  </a:lnTo>
+                  <a:lnTo>
+                    <a:pt x="0" y="512"/>
+                  </a:lnTo>
+                  <a:lnTo>
+                    <a:pt x="218" y="0"/>
+                  </a:lnTo>
+                  <a:lnTo>
+                    <a:pt x="233" y="6"/>
+                  </a:lnTo>
+                  <a:lnTo>
+                    <a:pt x="15" y="518"/>
+                  </a:lnTo>
+                  <a:lnTo>
+                    <a:pt x="15" y="1135"/>
+                  </a:lnTo>
+                  <a:close/>
+                </a:path>
+              </a:pathLst>
+            </a:custGeom>
+            <a:grpFill/>
+            <a:ln>
+              <a:noFill/>
+            </a:ln>
+            <a:extLst>
+              <a:ext uri="{91240B29-F687-4f45-9708-019B960494DF}">
+                <a14:hiddenLine xmlns="" xmlns:a16="http://schemas.microsoft.com/office/drawing/2014/main" xmlns:p14="http://schemas.microsoft.com/office/powerpoint/2010/main" xmlns:a14="http://schemas.microsoft.com/office/drawing/2010/main" w="9525">
+                  <a:solidFill>
+                    <a:srgbClr val="000000"/>
+                  </a:solidFill>
+                  <a:round/>
+                  <a:headEnd/>
+                  <a:tailEnd/>
+                </a14:hiddenLine>
+              </a:ext>
+            </a:extLst>
+          </p:spPr>
+        </p:sp>
+        <p:sp>
+          <p:nvSpPr>
+            <p:cNvPr id="36" name="Freeform 23">
+              <a:extLst>
+                <a:ext uri="{FF2B5EF4-FFF2-40B4-BE49-F238E27FC236}">
+                  <a16:creationId xmlns:a16="http://schemas.microsoft.com/office/drawing/2014/main" id="{DF5CD0A9-E49B-4968-886B-41C1A66D2329}"/>
+                </a:ext>
+                <a:ext uri="{C183D7F6-B498-43B3-948B-1728B52AA6E4}">
+                  <adec:decorative xmlns:adec="http://schemas.microsoft.com/office/drawing/2017/decorative" val="1"/>
+                </a:ext>
+              </a:extLst>
+            </p:cNvPr>
+            <p:cNvSpPr>
+              <a:spLocks noEditPoints="1"/>
+            </p:cNvSpPr>
+            <p:nvPr>
+              <p:extLst>
+                <p:ext uri="{386F3935-93C4-4BCD-93E2-E3B085C9AB24}">
+                  <p16:designElem xmlns:p16="http://schemas.microsoft.com/office/powerpoint/2015/main" val="1"/>
+                </p:ext>
+              </p:extLst>
+            </p:nvPr>
+          </p:nvSpPr>
+          <p:spPr bwMode="auto">
+            <a:xfrm>
+              <a:off x="52387" y="4481513"/>
+              <a:ext cx="190500" cy="190500"/>
+            </a:xfrm>
+            <a:custGeom>
+              <a:avLst/>
+              <a:gdLst/>
+              <a:ahLst/>
+              <a:cxnLst/>
+              <a:rect l="0" t="0" r="r" b="b"/>
+              <a:pathLst>
+                <a:path w="40" h="40">
+                  <a:moveTo>
+                    <a:pt x="20" y="40"/>
+                  </a:moveTo>
+                  <a:cubicBezTo>
+                    <a:pt x="9" y="40"/>
+                    <a:pt x="0" y="31"/>
+                    <a:pt x="0" y="20"/>
+                  </a:cubicBezTo>
+                  <a:cubicBezTo>
+                    <a:pt x="0" y="9"/>
+                    <a:pt x="9" y="0"/>
+                    <a:pt x="20" y="0"/>
+                  </a:cubicBezTo>
+                  <a:cubicBezTo>
+                    <a:pt x="31" y="0"/>
+                    <a:pt x="40" y="9"/>
+                    <a:pt x="40" y="20"/>
+                  </a:cubicBezTo>
+                  <a:cubicBezTo>
+                    <a:pt x="40" y="31"/>
+                    <a:pt x="31" y="40"/>
+                    <a:pt x="20" y="40"/>
+                  </a:cubicBezTo>
+                  <a:close/>
+                  <a:moveTo>
+                    <a:pt x="20" y="4"/>
+                  </a:moveTo>
+                  <a:cubicBezTo>
+                    <a:pt x="11" y="4"/>
+                    <a:pt x="4" y="11"/>
+                    <a:pt x="4" y="20"/>
+                  </a:cubicBezTo>
+                  <a:cubicBezTo>
+                    <a:pt x="4" y="29"/>
+                    <a:pt x="11" y="36"/>
+                    <a:pt x="20" y="36"/>
+                  </a:cubicBezTo>
+                  <a:cubicBezTo>
+                    <a:pt x="28" y="36"/>
+                    <a:pt x="36" y="29"/>
+                    <a:pt x="36" y="20"/>
+                  </a:cubicBezTo>
+                  <a:cubicBezTo>
+                    <a:pt x="36" y="11"/>
+                    <a:pt x="28" y="4"/>
+                    <a:pt x="20" y="4"/>
+                  </a:cubicBezTo>
+                  <a:close/>
+                </a:path>
+              </a:pathLst>
+            </a:custGeom>
+            <a:grpFill/>
+            <a:ln>
+              <a:noFill/>
+            </a:ln>
+            <a:extLst>
+              <a:ext uri="{91240B29-F687-4f45-9708-019B960494DF}">
+                <a14:hiddenLine xmlns="" xmlns:a16="http://schemas.microsoft.com/office/drawing/2014/main" xmlns:p14="http://schemas.microsoft.com/office/powerpoint/2010/main" xmlns:a14="http://schemas.microsoft.com/office/drawing/2010/main" w="9525">
+                  <a:solidFill>
+                    <a:srgbClr val="000000"/>
+                  </a:solidFill>
+                  <a:round/>
+                  <a:headEnd/>
+                  <a:tailEnd/>
+                </a14:hiddenLine>
+              </a:ext>
+            </a:extLst>
+          </p:spPr>
+        </p:sp>
+        <p:sp>
+          <p:nvSpPr>
+            <p:cNvPr id="37" name="Freeform 24">
+              <a:extLst>
+                <a:ext uri="{FF2B5EF4-FFF2-40B4-BE49-F238E27FC236}">
+                  <a16:creationId xmlns:a16="http://schemas.microsoft.com/office/drawing/2014/main" id="{7E462582-7383-4272-A323-85C9D137C47C}"/>
+                </a:ext>
+                <a:ext uri="{C183D7F6-B498-43B3-948B-1728B52AA6E4}">
+                  <adec:decorative xmlns:adec="http://schemas.microsoft.com/office/drawing/2017/decorative" val="1"/>
+                </a:ext>
+              </a:extLst>
+            </p:cNvPr>
+            <p:cNvSpPr/>
+            <p:nvPr>
+              <p:extLst>
+                <p:ext uri="{386F3935-93C4-4BCD-93E2-E3B085C9AB24}">
+                  <p16:designElem xmlns:p16="http://schemas.microsoft.com/office/powerpoint/2015/main" val="1"/>
+                </p:ext>
+              </p:extLst>
+            </p:nvPr>
+          </p:nvSpPr>
+          <p:spPr bwMode="auto">
+            <a:xfrm>
+              <a:off x="-14288" y="5627688"/>
+              <a:ext cx="85725" cy="1216025"/>
+            </a:xfrm>
+            <a:custGeom>
+              <a:avLst/>
+              <a:gdLst/>
+              <a:ahLst/>
+              <a:cxnLst/>
+              <a:rect l="0" t="0" r="r" b="b"/>
+              <a:pathLst>
+                <a:path w="54" h="766">
+                  <a:moveTo>
+                    <a:pt x="54" y="766"/>
+                  </a:moveTo>
+                  <a:lnTo>
+                    <a:pt x="36" y="766"/>
+                  </a:lnTo>
+                  <a:lnTo>
+                    <a:pt x="36" y="149"/>
+                  </a:lnTo>
+                  <a:lnTo>
+                    <a:pt x="0" y="3"/>
+                  </a:lnTo>
+                  <a:lnTo>
+                    <a:pt x="18" y="0"/>
+                  </a:lnTo>
+                  <a:lnTo>
+                    <a:pt x="54" y="146"/>
+                  </a:lnTo>
+                  <a:lnTo>
+                    <a:pt x="54" y="766"/>
+                  </a:lnTo>
+                  <a:close/>
+                </a:path>
+              </a:pathLst>
+            </a:custGeom>
+            <a:grpFill/>
+            <a:ln>
+              <a:noFill/>
+            </a:ln>
+            <a:extLst>
+              <a:ext uri="{91240B29-F687-4f45-9708-019B960494DF}">
+                <a14:hiddenLine xmlns="" xmlns:a16="http://schemas.microsoft.com/office/drawing/2014/main" xmlns:p14="http://schemas.microsoft.com/office/powerpoint/2010/main" xmlns:a14="http://schemas.microsoft.com/office/drawing/2010/main" w="9525">
+                  <a:solidFill>
+                    <a:srgbClr val="000000"/>
+                  </a:solidFill>
+                  <a:round/>
+                  <a:headEnd/>
+                  <a:tailEnd/>
+                </a14:hiddenLine>
+              </a:ext>
+            </a:extLst>
+          </p:spPr>
+        </p:sp>
+        <p:sp>
+          <p:nvSpPr>
+            <p:cNvPr id="38" name="Freeform 25">
+              <a:extLst>
+                <a:ext uri="{FF2B5EF4-FFF2-40B4-BE49-F238E27FC236}">
+                  <a16:creationId xmlns:a16="http://schemas.microsoft.com/office/drawing/2014/main" id="{CB472F67-7C37-4D80-B346-DE30D44B55A0}"/>
+                </a:ext>
+                <a:ext uri="{C183D7F6-B498-43B3-948B-1728B52AA6E4}">
+                  <adec:decorative xmlns:adec="http://schemas.microsoft.com/office/drawing/2017/decorative" val="1"/>
+                </a:ext>
+              </a:extLst>
+            </p:cNvPr>
+            <p:cNvSpPr>
+              <a:spLocks noEditPoints="1"/>
+            </p:cNvSpPr>
+            <p:nvPr>
+              <p:extLst>
+                <p:ext uri="{386F3935-93C4-4BCD-93E2-E3B085C9AB24}">
+                  <p16:designElem xmlns:p16="http://schemas.microsoft.com/office/powerpoint/2015/main" val="1"/>
+                </p:ext>
+              </p:extLst>
+            </p:nvPr>
+          </p:nvSpPr>
+          <p:spPr bwMode="auto">
+            <a:xfrm>
+              <a:off x="527050" y="4867275"/>
+              <a:ext cx="190500" cy="188913"/>
+            </a:xfrm>
+            <a:custGeom>
+              <a:avLst/>
+              <a:gdLst/>
+              <a:ahLst/>
+              <a:cxnLst/>
+              <a:rect l="0" t="0" r="r" b="b"/>
+              <a:pathLst>
+                <a:path w="40" h="40">
+                  <a:moveTo>
+                    <a:pt x="20" y="40"/>
+                  </a:moveTo>
+                  <a:cubicBezTo>
+                    <a:pt x="9" y="40"/>
+                    <a:pt x="0" y="31"/>
+                    <a:pt x="0" y="20"/>
+                  </a:cubicBezTo>
+                  <a:cubicBezTo>
+                    <a:pt x="0" y="9"/>
+                    <a:pt x="9" y="0"/>
+                    <a:pt x="20" y="0"/>
+                  </a:cubicBezTo>
+                  <a:cubicBezTo>
+                    <a:pt x="31" y="0"/>
+                    <a:pt x="40" y="9"/>
+                    <a:pt x="40" y="20"/>
+                  </a:cubicBezTo>
+                  <a:cubicBezTo>
+                    <a:pt x="40" y="31"/>
+                    <a:pt x="31" y="40"/>
+                    <a:pt x="20" y="40"/>
+                  </a:cubicBezTo>
+                  <a:close/>
+                  <a:moveTo>
+                    <a:pt x="20" y="4"/>
+                  </a:moveTo>
+                  <a:cubicBezTo>
+                    <a:pt x="11" y="4"/>
+                    <a:pt x="4" y="11"/>
+                    <a:pt x="4" y="20"/>
+                  </a:cubicBezTo>
+                  <a:cubicBezTo>
+                    <a:pt x="4" y="29"/>
+                    <a:pt x="11" y="36"/>
+                    <a:pt x="20" y="36"/>
+                  </a:cubicBezTo>
+                  <a:cubicBezTo>
+                    <a:pt x="29" y="36"/>
+                    <a:pt x="36" y="29"/>
+                    <a:pt x="36" y="20"/>
+                  </a:cubicBezTo>
+                  <a:cubicBezTo>
+                    <a:pt x="36" y="11"/>
+                    <a:pt x="29" y="4"/>
+                    <a:pt x="20" y="4"/>
+                  </a:cubicBezTo>
+                  <a:close/>
+                </a:path>
+              </a:pathLst>
+            </a:custGeom>
+            <a:grpFill/>
+            <a:ln>
+              <a:noFill/>
+            </a:ln>
+            <a:extLst>
+              <a:ext uri="{91240B29-F687-4f45-9708-019B960494DF}">
+                <a14:hiddenLine xmlns="" xmlns:a16="http://schemas.microsoft.com/office/drawing/2014/main" xmlns:p14="http://schemas.microsoft.com/office/powerpoint/2010/main" xmlns:a14="http://schemas.microsoft.com/office/drawing/2010/main" w="9525">
+                  <a:solidFill>
+                    <a:srgbClr val="000000"/>
+                  </a:solidFill>
+                  <a:round/>
+                  <a:headEnd/>
+                  <a:tailEnd/>
+                </a14:hiddenLine>
+              </a:ext>
+            </a:extLst>
+          </p:spPr>
+        </p:sp>
+        <p:sp>
+          <p:nvSpPr>
+            <p:cNvPr id="39" name="Freeform 26">
+              <a:extLst>
+                <a:ext uri="{FF2B5EF4-FFF2-40B4-BE49-F238E27FC236}">
+                  <a16:creationId xmlns:a16="http://schemas.microsoft.com/office/drawing/2014/main" id="{19A8AE83-358F-4D4E-91C7-F09E35097AA1}"/>
+                </a:ext>
+                <a:ext uri="{C183D7F6-B498-43B3-948B-1728B52AA6E4}">
+                  <adec:decorative xmlns:adec="http://schemas.microsoft.com/office/drawing/2017/decorative" val="1"/>
+                </a:ext>
+              </a:extLst>
+            </p:cNvPr>
+            <p:cNvSpPr/>
+            <p:nvPr>
+              <p:extLst>
+                <p:ext uri="{386F3935-93C4-4BCD-93E2-E3B085C9AB24}">
+                  <p16:designElem xmlns:p16="http://schemas.microsoft.com/office/powerpoint/2015/main" val="1"/>
+                </p:ext>
+              </p:extLst>
+            </p:nvPr>
+          </p:nvSpPr>
+          <p:spPr bwMode="auto">
+            <a:xfrm>
+              <a:off x="309562" y="5422900"/>
+              <a:ext cx="374650" cy="1425575"/>
+            </a:xfrm>
+            <a:custGeom>
+              <a:avLst/>
+              <a:gdLst/>
+              <a:ahLst/>
+              <a:cxnLst/>
+              <a:rect l="0" t="0" r="r" b="b"/>
+              <a:pathLst>
+                <a:path w="236" h="898">
+                  <a:moveTo>
+                    <a:pt x="18" y="898"/>
+                  </a:moveTo>
+                  <a:lnTo>
+                    <a:pt x="0" y="898"/>
+                  </a:lnTo>
+                  <a:lnTo>
+                    <a:pt x="0" y="515"/>
+                  </a:lnTo>
+                  <a:lnTo>
+                    <a:pt x="3" y="512"/>
+                  </a:lnTo>
+                  <a:lnTo>
+                    <a:pt x="221" y="0"/>
+                  </a:lnTo>
+                  <a:lnTo>
+                    <a:pt x="236" y="6"/>
+                  </a:lnTo>
+                  <a:lnTo>
+                    <a:pt x="18" y="518"/>
+                  </a:lnTo>
+                  <a:lnTo>
+                    <a:pt x="18" y="898"/>
+                  </a:lnTo>
+                  <a:close/>
+                </a:path>
+              </a:pathLst>
+            </a:custGeom>
+            <a:grpFill/>
+            <a:ln>
+              <a:noFill/>
+            </a:ln>
+            <a:extLst>
+              <a:ext uri="{91240B29-F687-4f45-9708-019B960494DF}">
+                <a14:hiddenLine xmlns="" xmlns:a16="http://schemas.microsoft.com/office/drawing/2014/main" xmlns:p14="http://schemas.microsoft.com/office/powerpoint/2010/main" xmlns:a14="http://schemas.microsoft.com/office/drawing/2010/main" w="9525">
+                  <a:solidFill>
+                    <a:srgbClr val="000000"/>
+                  </a:solidFill>
+                  <a:round/>
+                  <a:headEnd/>
+                  <a:tailEnd/>
+                </a14:hiddenLine>
+              </a:ext>
+            </a:extLst>
+          </p:spPr>
+        </p:sp>
+        <p:sp>
+          <p:nvSpPr>
+            <p:cNvPr id="40" name="Freeform 27">
+              <a:extLst>
+                <a:ext uri="{FF2B5EF4-FFF2-40B4-BE49-F238E27FC236}">
+                  <a16:creationId xmlns:a16="http://schemas.microsoft.com/office/drawing/2014/main" id="{C4B79436-9285-45DE-A9FB-B3DD7507380C}"/>
+                </a:ext>
+                <a:ext uri="{C183D7F6-B498-43B3-948B-1728B52AA6E4}">
+                  <adec:decorative xmlns:adec="http://schemas.microsoft.com/office/drawing/2017/decorative" val="1"/>
+                </a:ext>
+              </a:extLst>
+            </p:cNvPr>
+            <p:cNvSpPr/>
+            <p:nvPr>
+              <p:extLst>
+                <p:ext uri="{386F3935-93C4-4BCD-93E2-E3B085C9AB24}">
+                  <p16:designElem xmlns:p16="http://schemas.microsoft.com/office/powerpoint/2015/main" val="1"/>
+                </p:ext>
+              </p:extLst>
+            </p:nvPr>
+          </p:nvSpPr>
+          <p:spPr bwMode="auto">
+            <a:xfrm>
+              <a:off x="569912" y="5945188"/>
+              <a:ext cx="152400" cy="912813"/>
+            </a:xfrm>
+            <a:custGeom>
+              <a:avLst/>
+              <a:gdLst/>
+              <a:ahLst/>
+              <a:cxnLst/>
+              <a:rect l="0" t="0" r="r" b="b"/>
+              <a:pathLst>
+                <a:path w="96" h="575">
+                  <a:moveTo>
+                    <a:pt x="15" y="575"/>
+                  </a:moveTo>
+                  <a:lnTo>
+                    <a:pt x="0" y="569"/>
+                  </a:lnTo>
+                  <a:lnTo>
+                    <a:pt x="81" y="383"/>
+                  </a:lnTo>
+                  <a:lnTo>
+                    <a:pt x="81" y="0"/>
+                  </a:lnTo>
+                  <a:lnTo>
+                    <a:pt x="96" y="0"/>
+                  </a:lnTo>
+                  <a:lnTo>
+                    <a:pt x="96" y="386"/>
+                  </a:lnTo>
+                  <a:lnTo>
+                    <a:pt x="15" y="575"/>
+                  </a:lnTo>
+                  <a:close/>
+                </a:path>
+              </a:pathLst>
+            </a:custGeom>
+            <a:grpFill/>
+            <a:ln>
+              <a:noFill/>
+            </a:ln>
+            <a:extLst>
+              <a:ext uri="{91240B29-F687-4f45-9708-019B960494DF}">
+                <a14:hiddenLine xmlns="" xmlns:a16="http://schemas.microsoft.com/office/drawing/2014/main" xmlns:p14="http://schemas.microsoft.com/office/powerpoint/2010/main" xmlns:a14="http://schemas.microsoft.com/office/drawing/2010/main" w="9525">
+                  <a:solidFill>
+                    <a:srgbClr val="000000"/>
+                  </a:solidFill>
+                  <a:round/>
+                  <a:headEnd/>
+                  <a:tailEnd/>
+                </a14:hiddenLine>
+              </a:ext>
+            </a:extLst>
+          </p:spPr>
+        </p:sp>
+        <p:sp>
+          <p:nvSpPr>
+            <p:cNvPr id="41" name="Freeform 28">
+              <a:extLst>
+                <a:ext uri="{FF2B5EF4-FFF2-40B4-BE49-F238E27FC236}">
+                  <a16:creationId xmlns:a16="http://schemas.microsoft.com/office/drawing/2014/main" id="{B0BF8BF3-C90A-483A-B61E-13D2C41FBAC5}"/>
+                </a:ext>
+                <a:ext uri="{C183D7F6-B498-43B3-948B-1728B52AA6E4}">
+                  <adec:decorative xmlns:adec="http://schemas.microsoft.com/office/drawing/2017/decorative" val="1"/>
+                </a:ext>
+              </a:extLst>
+            </p:cNvPr>
+            <p:cNvSpPr>
+              <a:spLocks noEditPoints="1"/>
+            </p:cNvSpPr>
+            <p:nvPr>
+              <p:extLst>
+                <p:ext uri="{386F3935-93C4-4BCD-93E2-E3B085C9AB24}">
+                  <p16:designElem xmlns:p16="http://schemas.microsoft.com/office/powerpoint/2015/main" val="1"/>
+                </p:ext>
+              </p:extLst>
+            </p:nvPr>
+          </p:nvSpPr>
+          <p:spPr bwMode="auto">
+            <a:xfrm>
+              <a:off x="612775" y="5246688"/>
+              <a:ext cx="190500" cy="190500"/>
+            </a:xfrm>
+            <a:custGeom>
+              <a:avLst/>
+              <a:gdLst/>
+              <a:ahLst/>
+              <a:cxnLst/>
+              <a:rect l="0" t="0" r="r" b="b"/>
+              <a:pathLst>
+                <a:path w="40" h="40">
+                  <a:moveTo>
+                    <a:pt x="20" y="40"/>
+                  </a:moveTo>
+                  <a:cubicBezTo>
+                    <a:pt x="9" y="40"/>
+                    <a:pt x="0" y="31"/>
+                    <a:pt x="0" y="20"/>
+                  </a:cubicBezTo>
+                  <a:cubicBezTo>
+                    <a:pt x="0" y="9"/>
+                    <a:pt x="9" y="0"/>
+                    <a:pt x="20" y="0"/>
+                  </a:cubicBezTo>
+                  <a:cubicBezTo>
+                    <a:pt x="31" y="0"/>
+                    <a:pt x="40" y="9"/>
+                    <a:pt x="40" y="20"/>
+                  </a:cubicBezTo>
+                  <a:cubicBezTo>
+                    <a:pt x="40" y="31"/>
+                    <a:pt x="31" y="40"/>
+                    <a:pt x="20" y="40"/>
+                  </a:cubicBezTo>
+                  <a:close/>
+                  <a:moveTo>
+                    <a:pt x="20" y="4"/>
+                  </a:moveTo>
+                  <a:cubicBezTo>
+                    <a:pt x="12" y="4"/>
+                    <a:pt x="4" y="11"/>
+                    <a:pt x="4" y="20"/>
+                  </a:cubicBezTo>
+                  <a:cubicBezTo>
+                    <a:pt x="4" y="29"/>
+                    <a:pt x="12" y="36"/>
+                    <a:pt x="20" y="36"/>
+                  </a:cubicBezTo>
+                  <a:cubicBezTo>
+                    <a:pt x="29" y="36"/>
+                    <a:pt x="36" y="29"/>
+                    <a:pt x="36" y="20"/>
+                  </a:cubicBezTo>
+                  <a:cubicBezTo>
+                    <a:pt x="36" y="11"/>
+                    <a:pt x="29" y="4"/>
+                    <a:pt x="20" y="4"/>
+                  </a:cubicBezTo>
+                  <a:close/>
+                </a:path>
+              </a:pathLst>
+            </a:custGeom>
+            <a:grpFill/>
+            <a:ln>
+              <a:noFill/>
+            </a:ln>
+            <a:extLst>
+              <a:ext uri="{91240B29-F687-4f45-9708-019B960494DF}">
+                <a14:hiddenLine xmlns="" xmlns:a16="http://schemas.microsoft.com/office/drawing/2014/main" xmlns:p14="http://schemas.microsoft.com/office/powerpoint/2010/main" xmlns:a14="http://schemas.microsoft.com/office/drawing/2010/main" w="9525">
+                  <a:solidFill>
+                    <a:srgbClr val="000000"/>
+                  </a:solidFill>
+                  <a:round/>
+                  <a:headEnd/>
+                  <a:tailEnd/>
+                </a14:hiddenLine>
+              </a:ext>
+            </a:extLst>
+          </p:spPr>
+        </p:sp>
+        <p:sp>
+          <p:nvSpPr>
+            <p:cNvPr id="42" name="Freeform 29">
+              <a:extLst>
+                <a:ext uri="{FF2B5EF4-FFF2-40B4-BE49-F238E27FC236}">
+                  <a16:creationId xmlns:a16="http://schemas.microsoft.com/office/drawing/2014/main" id="{31011274-F329-444B-9B06-69DD2EC44907}"/>
+                </a:ext>
+                <a:ext uri="{C183D7F6-B498-43B3-948B-1728B52AA6E4}">
+                  <adec:decorative xmlns:adec="http://schemas.microsoft.com/office/drawing/2017/decorative" val="1"/>
+                </a:ext>
+              </a:extLst>
+            </p:cNvPr>
+            <p:cNvSpPr>
+              <a:spLocks noEditPoints="1"/>
+            </p:cNvSpPr>
+            <p:nvPr>
+              <p:extLst>
+                <p:ext uri="{386F3935-93C4-4BCD-93E2-E3B085C9AB24}">
+                  <p16:designElem xmlns:p16="http://schemas.microsoft.com/office/powerpoint/2015/main" val="1"/>
+                </p:ext>
+              </p:extLst>
+            </p:nvPr>
+          </p:nvSpPr>
+          <p:spPr bwMode="auto">
+            <a:xfrm>
+              <a:off x="612775" y="5764213"/>
+              <a:ext cx="190500" cy="190500"/>
+            </a:xfrm>
+            <a:custGeom>
+              <a:avLst/>
+              <a:gdLst/>
+              <a:ahLst/>
+              <a:cxnLst/>
+              <a:rect l="0" t="0" r="r" b="b"/>
+              <a:pathLst>
+                <a:path w="40" h="40">
+                  <a:moveTo>
+                    <a:pt x="20" y="40"/>
+                  </a:moveTo>
+                  <a:cubicBezTo>
+                    <a:pt x="9" y="40"/>
+                    <a:pt x="0" y="31"/>
+                    <a:pt x="0" y="20"/>
+                  </a:cubicBezTo>
+                  <a:cubicBezTo>
+                    <a:pt x="0" y="9"/>
+                    <a:pt x="9" y="0"/>
+                    <a:pt x="20" y="0"/>
+                  </a:cubicBezTo>
+                  <a:cubicBezTo>
+                    <a:pt x="31" y="0"/>
+                    <a:pt x="40" y="9"/>
+                    <a:pt x="40" y="20"/>
+                  </a:cubicBezTo>
+                  <a:cubicBezTo>
+                    <a:pt x="40" y="31"/>
+                    <a:pt x="31" y="40"/>
+                    <a:pt x="20" y="40"/>
+                  </a:cubicBezTo>
+                  <a:close/>
+                  <a:moveTo>
+                    <a:pt x="20" y="4"/>
+                  </a:moveTo>
+                  <a:cubicBezTo>
+                    <a:pt x="12" y="4"/>
+                    <a:pt x="4" y="11"/>
+                    <a:pt x="4" y="20"/>
+                  </a:cubicBezTo>
+                  <a:cubicBezTo>
+                    <a:pt x="4" y="29"/>
+                    <a:pt x="12" y="36"/>
+                    <a:pt x="20" y="36"/>
+                  </a:cubicBezTo>
+                  <a:cubicBezTo>
+                    <a:pt x="29" y="36"/>
+                    <a:pt x="36" y="29"/>
+                    <a:pt x="36" y="20"/>
+                  </a:cubicBezTo>
+                  <a:cubicBezTo>
+                    <a:pt x="36" y="11"/>
+                    <a:pt x="29" y="4"/>
+                    <a:pt x="20" y="4"/>
+                  </a:cubicBezTo>
+                  <a:close/>
+                </a:path>
+              </a:pathLst>
+            </a:custGeom>
+            <a:grpFill/>
+            <a:ln>
+              <a:noFill/>
+            </a:ln>
+            <a:extLst>
+              <a:ext uri="{91240B29-F687-4f45-9708-019B960494DF}">
+                <a14:hiddenLine xmlns="" xmlns:a16="http://schemas.microsoft.com/office/drawing/2014/main" xmlns:p14="http://schemas.microsoft.com/office/powerpoint/2010/main" xmlns:a14="http://schemas.microsoft.com/office/drawing/2010/main" w="9525">
+                  <a:solidFill>
+                    <a:srgbClr val="000000"/>
+                  </a:solidFill>
+                  <a:round/>
+                  <a:headEnd/>
+                  <a:tailEnd/>
+                </a14:hiddenLine>
+              </a:ext>
+            </a:extLst>
+          </p:spPr>
+        </p:sp>
+        <p:sp>
+          <p:nvSpPr>
+            <p:cNvPr id="43" name="Freeform 30">
+              <a:extLst>
+                <a:ext uri="{FF2B5EF4-FFF2-40B4-BE49-F238E27FC236}">
+                  <a16:creationId xmlns:a16="http://schemas.microsoft.com/office/drawing/2014/main" id="{DB8B1D39-5B9A-4B4E-849B-A5821A246004}"/>
+                </a:ext>
+                <a:ext uri="{C183D7F6-B498-43B3-948B-1728B52AA6E4}">
+                  <adec:decorative xmlns:adec="http://schemas.microsoft.com/office/drawing/2017/decorative" val="1"/>
+                </a:ext>
+              </a:extLst>
+            </p:cNvPr>
+            <p:cNvSpPr/>
+            <p:nvPr>
+              <p:extLst>
+                <p:ext uri="{386F3935-93C4-4BCD-93E2-E3B085C9AB24}">
+                  <p16:designElem xmlns:p16="http://schemas.microsoft.com/office/powerpoint/2015/main" val="1"/>
+                </p:ext>
+              </p:extLst>
+            </p:nvPr>
+          </p:nvSpPr>
+          <p:spPr bwMode="auto">
+            <a:xfrm>
+              <a:off x="669925" y="6330950"/>
+              <a:ext cx="417513" cy="517525"/>
+            </a:xfrm>
+            <a:custGeom>
+              <a:avLst/>
+              <a:gdLst/>
+              <a:ahLst/>
+              <a:cxnLst/>
+              <a:rect l="0" t="0" r="r" b="b"/>
+              <a:pathLst>
+                <a:path w="263" h="326">
+                  <a:moveTo>
+                    <a:pt x="15" y="326"/>
+                  </a:moveTo>
+                  <a:lnTo>
+                    <a:pt x="0" y="320"/>
+                  </a:lnTo>
+                  <a:lnTo>
+                    <a:pt x="45" y="206"/>
+                  </a:lnTo>
+                  <a:lnTo>
+                    <a:pt x="48" y="206"/>
+                  </a:lnTo>
+                  <a:lnTo>
+                    <a:pt x="254" y="0"/>
+                  </a:lnTo>
+                  <a:lnTo>
+                    <a:pt x="263" y="12"/>
+                  </a:lnTo>
+                  <a:lnTo>
+                    <a:pt x="60" y="215"/>
+                  </a:lnTo>
+                  <a:lnTo>
+                    <a:pt x="15" y="326"/>
+                  </a:lnTo>
+                  <a:close/>
+                </a:path>
+              </a:pathLst>
+            </a:custGeom>
+            <a:grpFill/>
+            <a:ln>
+              <a:noFill/>
+            </a:ln>
+            <a:extLst>
+              <a:ext uri="{91240B29-F687-4f45-9708-019B960494DF}">
+                <a14:hiddenLine xmlns="" xmlns:a16="http://schemas.microsoft.com/office/drawing/2014/main" xmlns:p14="http://schemas.microsoft.com/office/powerpoint/2010/main" xmlns:a14="http://schemas.microsoft.com/office/drawing/2010/main" w="9525">
+                  <a:solidFill>
+                    <a:srgbClr val="000000"/>
+                  </a:solidFill>
+                  <a:round/>
+                  <a:headEnd/>
+                  <a:tailEnd/>
+                </a14:hiddenLine>
+              </a:ext>
+            </a:extLst>
+          </p:spPr>
+        </p:sp>
+        <p:sp>
+          <p:nvSpPr>
+            <p:cNvPr id="44" name="Freeform 31">
+              <a:extLst>
+                <a:ext uri="{FF2B5EF4-FFF2-40B4-BE49-F238E27FC236}">
+                  <a16:creationId xmlns:a16="http://schemas.microsoft.com/office/drawing/2014/main" id="{336ECD63-75C2-4A32-A31B-30BB3097240E}"/>
+                </a:ext>
+                <a:ext uri="{C183D7F6-B498-43B3-948B-1728B52AA6E4}">
+                  <adec:decorative xmlns:adec="http://schemas.microsoft.com/office/drawing/2017/decorative" val="1"/>
+                </a:ext>
+              </a:extLst>
+            </p:cNvPr>
+            <p:cNvSpPr>
+              <a:spLocks noEditPoints="1"/>
+            </p:cNvSpPr>
+            <p:nvPr>
+              <p:extLst>
+                <p:ext uri="{386F3935-93C4-4BCD-93E2-E3B085C9AB24}">
+                  <p16:designElem xmlns:p16="http://schemas.microsoft.com/office/powerpoint/2015/main" val="1"/>
+                </p:ext>
+              </p:extLst>
+            </p:nvPr>
+          </p:nvSpPr>
+          <p:spPr bwMode="auto">
+            <a:xfrm>
+              <a:off x="1049337" y="6221413"/>
+              <a:ext cx="157163" cy="147638"/>
+            </a:xfrm>
+            <a:custGeom>
+              <a:avLst/>
+              <a:gdLst/>
+              <a:ahLst/>
+              <a:cxnLst/>
+              <a:rect l="0" t="0" r="r" b="b"/>
+              <a:pathLst>
+                <a:path w="33" h="31">
+                  <a:moveTo>
+                    <a:pt x="16" y="31"/>
+                  </a:moveTo>
+                  <a:cubicBezTo>
+                    <a:pt x="12" y="31"/>
+                    <a:pt x="8" y="29"/>
+                    <a:pt x="5" y="26"/>
+                  </a:cubicBezTo>
+                  <a:cubicBezTo>
+                    <a:pt x="2" y="24"/>
+                    <a:pt x="0" y="20"/>
+                    <a:pt x="0" y="15"/>
+                  </a:cubicBezTo>
+                  <a:cubicBezTo>
+                    <a:pt x="0" y="11"/>
+                    <a:pt x="2" y="7"/>
+                    <a:pt x="5" y="4"/>
+                  </a:cubicBezTo>
+                  <a:cubicBezTo>
+                    <a:pt x="8" y="1"/>
+                    <a:pt x="12" y="0"/>
+                    <a:pt x="16" y="0"/>
+                  </a:cubicBezTo>
+                  <a:cubicBezTo>
+                    <a:pt x="20" y="0"/>
+                    <a:pt x="24" y="1"/>
+                    <a:pt x="27" y="4"/>
+                  </a:cubicBezTo>
+                  <a:cubicBezTo>
+                    <a:pt x="33" y="10"/>
+                    <a:pt x="33" y="20"/>
+                    <a:pt x="27" y="26"/>
+                  </a:cubicBezTo>
+                  <a:cubicBezTo>
+                    <a:pt x="24" y="29"/>
+                    <a:pt x="20" y="31"/>
+                    <a:pt x="16" y="31"/>
+                  </a:cubicBezTo>
+                  <a:close/>
+                  <a:moveTo>
+                    <a:pt x="16" y="4"/>
+                  </a:moveTo>
+                  <a:cubicBezTo>
+                    <a:pt x="13" y="4"/>
+                    <a:pt x="10" y="5"/>
+                    <a:pt x="8" y="7"/>
+                  </a:cubicBezTo>
+                  <a:cubicBezTo>
+                    <a:pt x="6" y="9"/>
+                    <a:pt x="4" y="12"/>
+                    <a:pt x="4" y="15"/>
+                  </a:cubicBezTo>
+                  <a:cubicBezTo>
+                    <a:pt x="4" y="19"/>
+                    <a:pt x="6" y="21"/>
+                    <a:pt x="8" y="24"/>
+                  </a:cubicBezTo>
+                  <a:cubicBezTo>
+                    <a:pt x="10" y="26"/>
+                    <a:pt x="13" y="27"/>
+                    <a:pt x="16" y="27"/>
+                  </a:cubicBezTo>
+                  <a:cubicBezTo>
+                    <a:pt x="19" y="27"/>
+                    <a:pt x="22" y="26"/>
+                    <a:pt x="24" y="24"/>
+                  </a:cubicBezTo>
+                  <a:cubicBezTo>
+                    <a:pt x="29" y="19"/>
+                    <a:pt x="29" y="12"/>
+                    <a:pt x="24" y="7"/>
+                  </a:cubicBezTo>
+                  <a:cubicBezTo>
+                    <a:pt x="22" y="5"/>
+                    <a:pt x="19" y="4"/>
+                    <a:pt x="16" y="4"/>
+                  </a:cubicBezTo>
+                  <a:close/>
+                </a:path>
+              </a:pathLst>
+            </a:custGeom>
+            <a:grpFill/>
+            <a:ln>
+              <a:noFill/>
+            </a:ln>
+            <a:extLst>
+              <a:ext uri="{91240B29-F687-4f45-9708-019B960494DF}">
+                <a14:hiddenLine xmlns="" xmlns:a16="http://schemas.microsoft.com/office/drawing/2014/main" xmlns:p14="http://schemas.microsoft.com/office/powerpoint/2010/main" xmlns:a14="http://schemas.microsoft.com/office/drawing/2010/main" w="9525">
+                  <a:solidFill>
+                    <a:srgbClr val="000000"/>
+                  </a:solidFill>
+                  <a:round/>
+                  <a:headEnd/>
+                  <a:tailEnd/>
+                </a14:hiddenLine>
+              </a:ext>
+            </a:extLst>
+          </p:spPr>
+        </p:sp>
+      </p:grpSp>
+      <p:pic>
+        <p:nvPicPr>
+          <p:cNvPr id="4" name="Picture 3">
+            <a:extLst>
+              <a:ext uri="{FF2B5EF4-FFF2-40B4-BE49-F238E27FC236}">
+                <a16:creationId xmlns:a16="http://schemas.microsoft.com/office/drawing/2014/main" id="{871A568D-E5F4-4D8C-9EE5-513A6EEEF162}"/>
+              </a:ext>
+            </a:extLst>
+          </p:cNvPr>
+          <p:cNvPicPr/>
+          <p:nvPr/>
+        </p:nvPicPr>
+        <p:blipFill>
+          <a:blip r:embed="rId3" cstate="print">
+            <a:extLst>
+              <a:ext uri="{28A0092B-C50C-407E-A947-70E740481C1C}">
+                <a14:useLocalDpi xmlns:a14="http://schemas.microsoft.com/office/drawing/2010/main" val="0"/>
+              </a:ext>
+            </a:extLst>
+          </a:blip>
+          <a:stretch>
+            <a:fillRect/>
+          </a:stretch>
+        </p:blipFill>
+        <p:spPr>
+          <a:xfrm>
+            <a:off x="4131822" y="335666"/>
+            <a:ext cx="7993504" cy="5995283"/>
+          </a:xfrm>
+          <a:prstGeom prst="rect">
+            <a:avLst/>
+          </a:prstGeom>
+        </p:spPr>
+      </p:pic>
+    </p:spTree>
+    <p:extLst>
+      <p:ext uri="{BB962C8B-B14F-4D97-AF65-F5344CB8AC3E}">
+        <p14:creationId xmlns:p14="http://schemas.microsoft.com/office/powerpoint/2010/main" val="161033520"/>
+      </p:ext>
+    </p:extLst>
+  </p:cSld>
+  <p:clrMapOvr>
+    <a:overrideClrMapping bg1="lt1" tx1="dk1" bg2="lt2" tx2="dk2" accent1="accent1" accent2="accent2" accent3="accent3" accent4="accent4" accent5="accent5" accent6="accent6" hlink="hlink" folHlink="folHlink"/>
+  </p:clrMapOvr>
+</p:sld>
+</file>
+
+<file path=ppt/slides/slide14.xml><?xml version="1.0" encoding="utf-8"?>
+<p:sld xmlns:a="http://schemas.openxmlformats.org/drawingml/2006/main" xmlns:r="http://schemas.openxmlformats.org/officeDocument/2006/relationships" xmlns:p="http://schemas.openxmlformats.org/presentationml/2006/main">
+  <p:cSld>
+    <p:spTree>
+      <p:nvGrpSpPr>
+        <p:cNvPr id="1" name=""/>
+        <p:cNvGrpSpPr/>
+        <p:nvPr/>
+      </p:nvGrpSpPr>
+      <p:grpSpPr>
+        <a:xfrm>
+          <a:off x="0" y="0"/>
+          <a:ext cx="0" cy="0"/>
+          <a:chOff x="0" y="0"/>
+          <a:chExt cx="0" cy="0"/>
+        </a:xfrm>
+      </p:grpSpPr>
+      <p:sp>
+        <p:nvSpPr>
+          <p:cNvPr id="2" name="Title 1">
+            <a:extLst>
+              <a:ext uri="{FF2B5EF4-FFF2-40B4-BE49-F238E27FC236}">
+                <a16:creationId xmlns:a16="http://schemas.microsoft.com/office/drawing/2014/main" id="{5F2F4C3F-93C2-43C1-9724-F924D9421B14}"/>
+              </a:ext>
+            </a:extLst>
+          </p:cNvPr>
+          <p:cNvSpPr>
+            <a:spLocks noGrp="1"/>
+          </p:cNvSpPr>
+          <p:nvPr>
+            <p:ph type="title"/>
+          </p:nvPr>
+        </p:nvSpPr>
+        <p:spPr/>
+        <p:txBody>
+          <a:bodyPr/>
+          <a:lstStyle/>
+          <a:p>
+            <a:r>
+              <a:rPr lang="en-US" dirty="0"/>
+              <a:t>Safety Risks</a:t>
+            </a:r>
+          </a:p>
+        </p:txBody>
+      </p:sp>
+      <p:sp>
+        <p:nvSpPr>
+          <p:cNvPr id="3" name="Content Placeholder 2">
+            <a:extLst>
+              <a:ext uri="{FF2B5EF4-FFF2-40B4-BE49-F238E27FC236}">
+                <a16:creationId xmlns:a16="http://schemas.microsoft.com/office/drawing/2014/main" id="{C4B0EABB-9146-47B4-93E7-3DBC7A0F0D38}"/>
+              </a:ext>
+            </a:extLst>
+          </p:cNvPr>
+          <p:cNvSpPr>
+            <a:spLocks noGrp="1"/>
+          </p:cNvSpPr>
+          <p:nvPr>
+            <p:ph idx="1"/>
+          </p:nvPr>
+        </p:nvSpPr>
+        <p:spPr/>
+        <p:txBody>
+          <a:bodyPr/>
+          <a:lstStyle/>
+          <a:p>
+            <a:r>
+              <a:rPr lang="en-US" dirty="0"/>
+              <a:t>Every component is commercial and thus has been tested and approved by the IEC 61508 electronics safety standard</a:t>
+            </a:r>
+          </a:p>
+          <a:p>
+            <a:r>
+              <a:rPr lang="en-US" dirty="0"/>
+              <a:t>The final product will be tested by UL60335 safety standard for household appliances.</a:t>
+            </a:r>
+          </a:p>
+          <a:p>
+            <a:endParaRPr lang="en-US" dirty="0"/>
+          </a:p>
+        </p:txBody>
+      </p:sp>
+    </p:spTree>
+    <p:extLst>
+      <p:ext uri="{BB962C8B-B14F-4D97-AF65-F5344CB8AC3E}">
+        <p14:creationId xmlns:p14="http://schemas.microsoft.com/office/powerpoint/2010/main" val="2160792276"/>
+      </p:ext>
+    </p:extLst>
+  </p:cSld>
+  <p:clrMapOvr>
+    <a:masterClrMapping/>
+  </p:clrMapOvr>
+</p:sld>
+</file>
+
+<file path=ppt/slides/slide15.xml><?xml version="1.0" encoding="utf-8"?>
+<p:sld xmlns:a="http://schemas.openxmlformats.org/drawingml/2006/main" xmlns:r="http://schemas.openxmlformats.org/officeDocument/2006/relationships" xmlns:p="http://schemas.openxmlformats.org/presentationml/2006/main">
+  <p:cSld>
+    <p:spTree>
+      <p:nvGrpSpPr>
+        <p:cNvPr id="1" name=""/>
+        <p:cNvGrpSpPr/>
+        <p:nvPr/>
+      </p:nvGrpSpPr>
+      <p:grpSpPr>
+        <a:xfrm>
+          <a:off x="0" y="0"/>
+          <a:ext cx="0" cy="0"/>
+          <a:chOff x="0" y="0"/>
+          <a:chExt cx="0" cy="0"/>
+        </a:xfrm>
+      </p:grpSpPr>
+      <p:sp>
+        <p:nvSpPr>
+          <p:cNvPr id="2" name="Title 1">
+            <a:extLst>
+              <a:ext uri="{FF2B5EF4-FFF2-40B4-BE49-F238E27FC236}">
+                <a16:creationId xmlns:a16="http://schemas.microsoft.com/office/drawing/2014/main" id="{A502DBBB-C739-47E9-9BD7-736905F70067}"/>
+              </a:ext>
+            </a:extLst>
+          </p:cNvPr>
+          <p:cNvSpPr>
+            <a:spLocks noGrp="1"/>
+          </p:cNvSpPr>
+          <p:nvPr>
+            <p:ph type="title"/>
+          </p:nvPr>
+        </p:nvSpPr>
+        <p:spPr/>
+        <p:txBody>
+          <a:bodyPr/>
+          <a:lstStyle/>
+          <a:p>
+            <a:r>
+              <a:rPr lang="en-US" dirty="0"/>
+              <a:t>Security Risks</a:t>
+            </a:r>
+          </a:p>
+        </p:txBody>
+      </p:sp>
+      <p:sp>
+        <p:nvSpPr>
+          <p:cNvPr id="3" name="Content Placeholder 2">
+            <a:extLst>
+              <a:ext uri="{FF2B5EF4-FFF2-40B4-BE49-F238E27FC236}">
+                <a16:creationId xmlns:a16="http://schemas.microsoft.com/office/drawing/2014/main" id="{A0D3E5FC-964F-4B97-9238-76CFC5C2BEA3}"/>
+              </a:ext>
+            </a:extLst>
+          </p:cNvPr>
+          <p:cNvSpPr>
+            <a:spLocks noGrp="1"/>
+          </p:cNvSpPr>
+          <p:nvPr>
+            <p:ph idx="1"/>
+          </p:nvPr>
+        </p:nvSpPr>
+        <p:spPr/>
+        <p:txBody>
+          <a:bodyPr/>
+          <a:lstStyle/>
+          <a:p>
+            <a:endParaRPr lang="en-US" dirty="0"/>
+          </a:p>
+        </p:txBody>
+      </p:sp>
+    </p:spTree>
+    <p:extLst>
+      <p:ext uri="{BB962C8B-B14F-4D97-AF65-F5344CB8AC3E}">
+        <p14:creationId xmlns:p14="http://schemas.microsoft.com/office/powerpoint/2010/main" val="1687096456"/>
+      </p:ext>
+    </p:extLst>
+  </p:cSld>
+  <p:clrMapOvr>
+    <a:masterClrMapping/>
+  </p:clrMapOvr>
+</p:sld>
+</file>
+
 <file path=ppt/slides/slide2.xml><?xml version="1.0" encoding="utf-8"?>
+<p:sld xmlns:a="http://schemas.openxmlformats.org/drawingml/2006/main" xmlns:r="http://schemas.openxmlformats.org/officeDocument/2006/relationships" xmlns:p="http://schemas.openxmlformats.org/presentationml/2006/main">
+  <p:cSld>
+    <p:spTree>
+      <p:nvGrpSpPr>
+        <p:cNvPr id="1" name=""/>
+        <p:cNvGrpSpPr/>
+        <p:nvPr/>
+      </p:nvGrpSpPr>
+      <p:grpSpPr>
+        <a:xfrm>
+          <a:off x="0" y="0"/>
+          <a:ext cx="0" cy="0"/>
+          <a:chOff x="0" y="0"/>
+          <a:chExt cx="0" cy="0"/>
+        </a:xfrm>
+      </p:grpSpPr>
+      <p:sp>
+        <p:nvSpPr>
+          <p:cNvPr id="2" name="Title 1">
+            <a:extLst>
+              <a:ext uri="{FF2B5EF4-FFF2-40B4-BE49-F238E27FC236}">
+                <a16:creationId xmlns:a16="http://schemas.microsoft.com/office/drawing/2014/main" id="{AA5FB958-E8E9-449D-A829-5D90DDCA1ACA}"/>
+              </a:ext>
+            </a:extLst>
+          </p:cNvPr>
+          <p:cNvSpPr>
+            <a:spLocks noGrp="1"/>
+          </p:cNvSpPr>
+          <p:nvPr>
+            <p:ph type="title"/>
+          </p:nvPr>
+        </p:nvSpPr>
+        <p:spPr/>
+        <p:txBody>
+          <a:bodyPr/>
+          <a:lstStyle/>
+          <a:p>
+            <a:r>
+              <a:rPr lang="en-US" dirty="0"/>
+              <a:t>Agenda</a:t>
+            </a:r>
+          </a:p>
+        </p:txBody>
+      </p:sp>
+      <p:sp>
+        <p:nvSpPr>
+          <p:cNvPr id="3" name="Content Placeholder 2">
+            <a:extLst>
+              <a:ext uri="{FF2B5EF4-FFF2-40B4-BE49-F238E27FC236}">
+                <a16:creationId xmlns:a16="http://schemas.microsoft.com/office/drawing/2014/main" id="{461F2EDF-342C-4F58-9A63-5BA8D65ED54B}"/>
+              </a:ext>
+            </a:extLst>
+          </p:cNvPr>
+          <p:cNvSpPr>
+            <a:spLocks noGrp="1"/>
+          </p:cNvSpPr>
+          <p:nvPr>
+            <p:ph idx="1"/>
+          </p:nvPr>
+        </p:nvSpPr>
+        <p:spPr/>
+        <p:txBody>
+          <a:bodyPr>
+            <a:normAutofit fontScale="85000" lnSpcReduction="20000"/>
+          </a:bodyPr>
+          <a:lstStyle/>
+          <a:p>
+            <a:r>
+              <a:rPr lang="en-US" dirty="0"/>
+              <a:t>Introduction</a:t>
+            </a:r>
+          </a:p>
+          <a:p>
+            <a:r>
+              <a:rPr lang="en-US" dirty="0"/>
+              <a:t>Description</a:t>
+            </a:r>
+          </a:p>
+          <a:p>
+            <a:r>
+              <a:rPr lang="en-US" dirty="0"/>
+              <a:t>Requirements</a:t>
+            </a:r>
+          </a:p>
+          <a:p>
+            <a:r>
+              <a:rPr lang="en-US" dirty="0"/>
+              <a:t>Constraints</a:t>
+            </a:r>
+          </a:p>
+          <a:p>
+            <a:r>
+              <a:rPr lang="en-US" dirty="0"/>
+              <a:t>Standards</a:t>
+            </a:r>
+          </a:p>
+          <a:p>
+            <a:r>
+              <a:rPr lang="en-US" dirty="0"/>
+              <a:t>Hardware Components</a:t>
+            </a:r>
+          </a:p>
+          <a:p>
+            <a:r>
+              <a:rPr lang="en-US" dirty="0"/>
+              <a:t>Software Components</a:t>
+            </a:r>
+          </a:p>
+          <a:p>
+            <a:r>
+              <a:rPr lang="en-US" dirty="0"/>
+              <a:t>Shopping List</a:t>
+            </a:r>
+          </a:p>
+          <a:p>
+            <a:endParaRPr lang="en-US" dirty="0"/>
+          </a:p>
+        </p:txBody>
+      </p:sp>
+    </p:spTree>
+    <p:extLst>
+      <p:ext uri="{BB962C8B-B14F-4D97-AF65-F5344CB8AC3E}">
+        <p14:creationId xmlns:p14="http://schemas.microsoft.com/office/powerpoint/2010/main" val="2126557348"/>
+      </p:ext>
+    </p:extLst>
+  </p:cSld>
+  <p:clrMapOvr>
+    <a:masterClrMapping/>
+  </p:clrMapOvr>
+</p:sld>
+</file>
+
+<file path=ppt/slides/slide3.xml><?xml version="1.0" encoding="utf-8"?>
+<p:sld xmlns:a="http://schemas.openxmlformats.org/drawingml/2006/main" xmlns:r="http://schemas.openxmlformats.org/officeDocument/2006/relationships" xmlns:p="http://schemas.openxmlformats.org/presentationml/2006/main">
+  <p:cSld>
+    <p:spTree>
+      <p:nvGrpSpPr>
+        <p:cNvPr id="1" name=""/>
+        <p:cNvGrpSpPr/>
+        <p:nvPr/>
+      </p:nvGrpSpPr>
+      <p:grpSpPr>
+        <a:xfrm>
+          <a:off x="0" y="0"/>
+          <a:ext cx="0" cy="0"/>
+          <a:chOff x="0" y="0"/>
+          <a:chExt cx="0" cy="0"/>
+        </a:xfrm>
+      </p:grpSpPr>
+      <p:sp>
+        <p:nvSpPr>
+          <p:cNvPr id="2" name="Title 1">
+            <a:extLst>
+              <a:ext uri="{FF2B5EF4-FFF2-40B4-BE49-F238E27FC236}">
+                <a16:creationId xmlns:a16="http://schemas.microsoft.com/office/drawing/2014/main" id="{68D0A76F-A1CC-449F-8055-C2E7758F3AFF}"/>
+              </a:ext>
+            </a:extLst>
+          </p:cNvPr>
+          <p:cNvSpPr>
+            <a:spLocks noGrp="1"/>
+          </p:cNvSpPr>
+          <p:nvPr>
+            <p:ph type="title"/>
+          </p:nvPr>
+        </p:nvSpPr>
+        <p:spPr/>
+        <p:txBody>
+          <a:bodyPr/>
+          <a:lstStyle/>
+          <a:p>
+            <a:r>
+              <a:rPr lang="en-US" dirty="0"/>
+              <a:t>Agenda</a:t>
+            </a:r>
+          </a:p>
+        </p:txBody>
+      </p:sp>
+      <p:sp>
+        <p:nvSpPr>
+          <p:cNvPr id="3" name="Content Placeholder 2">
+            <a:extLst>
+              <a:ext uri="{FF2B5EF4-FFF2-40B4-BE49-F238E27FC236}">
+                <a16:creationId xmlns:a16="http://schemas.microsoft.com/office/drawing/2014/main" id="{A212ED39-6293-44E2-9034-D47FC126E7B9}"/>
+              </a:ext>
+            </a:extLst>
+          </p:cNvPr>
+          <p:cNvSpPr>
+            <a:spLocks noGrp="1"/>
+          </p:cNvSpPr>
+          <p:nvPr>
+            <p:ph idx="1"/>
+          </p:nvPr>
+        </p:nvSpPr>
+        <p:spPr/>
+        <p:txBody>
+          <a:bodyPr>
+            <a:normAutofit fontScale="92500" lnSpcReduction="10000"/>
+          </a:bodyPr>
+          <a:lstStyle/>
+          <a:p>
+            <a:r>
+              <a:rPr lang="en-US" dirty="0"/>
+              <a:t>How it Works</a:t>
+            </a:r>
+          </a:p>
+          <a:p>
+            <a:r>
+              <a:rPr lang="en-US" dirty="0"/>
+              <a:t>Timeline</a:t>
+            </a:r>
+          </a:p>
+          <a:p>
+            <a:r>
+              <a:rPr lang="en-US" dirty="0"/>
+              <a:t>Test Plan</a:t>
+            </a:r>
+          </a:p>
+          <a:p>
+            <a:r>
+              <a:rPr lang="en-US" dirty="0"/>
+              <a:t>Safety Risks</a:t>
+            </a:r>
+          </a:p>
+          <a:p>
+            <a:r>
+              <a:rPr lang="en-US" dirty="0"/>
+              <a:t>Security Risks</a:t>
+            </a:r>
+          </a:p>
+          <a:p>
+            <a:r>
+              <a:rPr lang="en-US" dirty="0"/>
+              <a:t>Summary</a:t>
+            </a:r>
+          </a:p>
+          <a:p>
+            <a:r>
+              <a:rPr lang="en-US" dirty="0"/>
+              <a:t>Questions</a:t>
+            </a:r>
+          </a:p>
+          <a:p>
+            <a:endParaRPr lang="en-US" dirty="0"/>
+          </a:p>
+        </p:txBody>
+      </p:sp>
+    </p:spTree>
+    <p:extLst>
+      <p:ext uri="{BB962C8B-B14F-4D97-AF65-F5344CB8AC3E}">
+        <p14:creationId xmlns:p14="http://schemas.microsoft.com/office/powerpoint/2010/main" val="2035011661"/>
+      </p:ext>
+    </p:extLst>
+  </p:cSld>
+  <p:clrMapOvr>
+    <a:masterClrMapping/>
+  </p:clrMapOvr>
+</p:sld>
+</file>
+
+<file path=ppt/slides/slide4.xml><?xml version="1.0" encoding="utf-8"?>
+<p:sld xmlns:a="http://schemas.openxmlformats.org/drawingml/2006/main" xmlns:r="http://schemas.openxmlformats.org/officeDocument/2006/relationships" xmlns:p="http://schemas.openxmlformats.org/presentationml/2006/main">
+  <p:cSld>
+    <p:spTree>
+      <p:nvGrpSpPr>
+        <p:cNvPr id="1" name=""/>
+        <p:cNvGrpSpPr/>
+        <p:nvPr/>
+      </p:nvGrpSpPr>
+      <p:grpSpPr>
+        <a:xfrm>
+          <a:off x="0" y="0"/>
+          <a:ext cx="0" cy="0"/>
+          <a:chOff x="0" y="0"/>
+          <a:chExt cx="0" cy="0"/>
+        </a:xfrm>
+      </p:grpSpPr>
+      <p:sp>
+        <p:nvSpPr>
+          <p:cNvPr id="2" name="Title 1">
+            <a:extLst>
+              <a:ext uri="{FF2B5EF4-FFF2-40B4-BE49-F238E27FC236}">
+                <a16:creationId xmlns:a16="http://schemas.microsoft.com/office/drawing/2014/main" id="{3790536F-7355-496B-B12C-FD6E572E7C89}"/>
+              </a:ext>
+            </a:extLst>
+          </p:cNvPr>
+          <p:cNvSpPr>
+            <a:spLocks noGrp="1"/>
+          </p:cNvSpPr>
+          <p:nvPr>
+            <p:ph type="title"/>
+          </p:nvPr>
+        </p:nvSpPr>
+        <p:spPr/>
+        <p:txBody>
+          <a:bodyPr/>
+          <a:lstStyle/>
+          <a:p>
+            <a:r>
+              <a:rPr lang="en-US" dirty="0"/>
+              <a:t>Introduction</a:t>
+            </a:r>
+          </a:p>
+        </p:txBody>
+      </p:sp>
+      <p:sp>
+        <p:nvSpPr>
+          <p:cNvPr id="3" name="Content Placeholder 2">
+            <a:extLst>
+              <a:ext uri="{FF2B5EF4-FFF2-40B4-BE49-F238E27FC236}">
+                <a16:creationId xmlns:a16="http://schemas.microsoft.com/office/drawing/2014/main" id="{203F51E5-547B-4208-B0B8-E40827995CA7}"/>
+              </a:ext>
+            </a:extLst>
+          </p:cNvPr>
+          <p:cNvSpPr>
+            <a:spLocks noGrp="1"/>
+          </p:cNvSpPr>
+          <p:nvPr>
+            <p:ph idx="1"/>
+          </p:nvPr>
+        </p:nvSpPr>
+        <p:spPr/>
+        <p:txBody>
+          <a:bodyPr/>
+          <a:lstStyle/>
+          <a:p>
+            <a:endParaRPr lang="en-US" dirty="0"/>
+          </a:p>
+        </p:txBody>
+      </p:sp>
+    </p:spTree>
+    <p:extLst>
+      <p:ext uri="{BB962C8B-B14F-4D97-AF65-F5344CB8AC3E}">
+        <p14:creationId xmlns:p14="http://schemas.microsoft.com/office/powerpoint/2010/main" val="121517332"/>
+      </p:ext>
+    </p:extLst>
+  </p:cSld>
+  <p:clrMapOvr>
+    <a:masterClrMapping/>
+  </p:clrMapOvr>
+</p:sld>
+</file>
+
+<file path=ppt/slides/slide5.xml><?xml version="1.0" encoding="utf-8"?>
 <p:sld xmlns:a="http://schemas.openxmlformats.org/drawingml/2006/main" xmlns:r="http://schemas.openxmlformats.org/officeDocument/2006/relationships" xmlns:p="http://schemas.openxmlformats.org/presentationml/2006/main">
   <p:cSld>
     <p:spTree>
@@ -12489,7 +16290,7 @@
           <a:p>
             <a:r>
               <a:rPr lang="en-US" dirty="0"/>
-              <a:t>What is the Item tracker?</a:t>
+              <a:t>Description</a:t>
             </a:r>
           </a:p>
         </p:txBody>
@@ -12535,7 +16336,256 @@
 </p:sld>
 </file>
 
-<file path=ppt/slides/slide3.xml><?xml version="1.0" encoding="utf-8"?>
+<file path=ppt/slides/slide6.xml><?xml version="1.0" encoding="utf-8"?>
+<p:sld xmlns:a="http://schemas.openxmlformats.org/drawingml/2006/main" xmlns:r="http://schemas.openxmlformats.org/officeDocument/2006/relationships" xmlns:p="http://schemas.openxmlformats.org/presentationml/2006/main">
+  <p:cSld>
+    <p:spTree>
+      <p:nvGrpSpPr>
+        <p:cNvPr id="1" name=""/>
+        <p:cNvGrpSpPr/>
+        <p:nvPr/>
+      </p:nvGrpSpPr>
+      <p:grpSpPr>
+        <a:xfrm>
+          <a:off x="0" y="0"/>
+          <a:ext cx="0" cy="0"/>
+          <a:chOff x="0" y="0"/>
+          <a:chExt cx="0" cy="0"/>
+        </a:xfrm>
+      </p:grpSpPr>
+      <p:sp>
+        <p:nvSpPr>
+          <p:cNvPr id="2" name="Title 1">
+            <a:extLst>
+              <a:ext uri="{FF2B5EF4-FFF2-40B4-BE49-F238E27FC236}">
+                <a16:creationId xmlns:a16="http://schemas.microsoft.com/office/drawing/2014/main" id="{67987B26-6829-4626-87DF-1F5D95A7EAC1}"/>
+              </a:ext>
+            </a:extLst>
+          </p:cNvPr>
+          <p:cNvSpPr>
+            <a:spLocks noGrp="1"/>
+          </p:cNvSpPr>
+          <p:nvPr>
+            <p:ph type="title"/>
+          </p:nvPr>
+        </p:nvSpPr>
+        <p:spPr/>
+        <p:txBody>
+          <a:bodyPr/>
+          <a:lstStyle/>
+          <a:p>
+            <a:r>
+              <a:rPr lang="en-US" dirty="0"/>
+              <a:t>requirements</a:t>
+            </a:r>
+          </a:p>
+        </p:txBody>
+      </p:sp>
+      <p:sp>
+        <p:nvSpPr>
+          <p:cNvPr id="3" name="Content Placeholder 2">
+            <a:extLst>
+              <a:ext uri="{FF2B5EF4-FFF2-40B4-BE49-F238E27FC236}">
+                <a16:creationId xmlns:a16="http://schemas.microsoft.com/office/drawing/2014/main" id="{EEC0AD2F-D3DC-4004-BAF6-D5B5EE871505}"/>
+              </a:ext>
+            </a:extLst>
+          </p:cNvPr>
+          <p:cNvSpPr>
+            <a:spLocks noGrp="1"/>
+          </p:cNvSpPr>
+          <p:nvPr>
+            <p:ph idx="1"/>
+          </p:nvPr>
+        </p:nvSpPr>
+        <p:spPr/>
+        <p:txBody>
+          <a:bodyPr/>
+          <a:lstStyle/>
+          <a:p>
+            <a:endParaRPr lang="en-US"/>
+          </a:p>
+        </p:txBody>
+      </p:sp>
+    </p:spTree>
+    <p:extLst>
+      <p:ext uri="{BB962C8B-B14F-4D97-AF65-F5344CB8AC3E}">
+        <p14:creationId xmlns:p14="http://schemas.microsoft.com/office/powerpoint/2010/main" val="3026435529"/>
+      </p:ext>
+    </p:extLst>
+  </p:cSld>
+  <p:clrMapOvr>
+    <a:masterClrMapping/>
+  </p:clrMapOvr>
+</p:sld>
+</file>
+
+<file path=ppt/slides/slide7.xml><?xml version="1.0" encoding="utf-8"?>
+<p:sld xmlns:a="http://schemas.openxmlformats.org/drawingml/2006/main" xmlns:r="http://schemas.openxmlformats.org/officeDocument/2006/relationships" xmlns:p="http://schemas.openxmlformats.org/presentationml/2006/main">
+  <p:cSld>
+    <p:spTree>
+      <p:nvGrpSpPr>
+        <p:cNvPr id="1" name=""/>
+        <p:cNvGrpSpPr/>
+        <p:nvPr/>
+      </p:nvGrpSpPr>
+      <p:grpSpPr>
+        <a:xfrm>
+          <a:off x="0" y="0"/>
+          <a:ext cx="0" cy="0"/>
+          <a:chOff x="0" y="0"/>
+          <a:chExt cx="0" cy="0"/>
+        </a:xfrm>
+      </p:grpSpPr>
+      <p:sp>
+        <p:nvSpPr>
+          <p:cNvPr id="2" name="Title 1">
+            <a:extLst>
+              <a:ext uri="{FF2B5EF4-FFF2-40B4-BE49-F238E27FC236}">
+                <a16:creationId xmlns:a16="http://schemas.microsoft.com/office/drawing/2014/main" id="{556A4D63-67A9-4F4D-A121-6F6838500F63}"/>
+              </a:ext>
+            </a:extLst>
+          </p:cNvPr>
+          <p:cNvSpPr>
+            <a:spLocks noGrp="1"/>
+          </p:cNvSpPr>
+          <p:nvPr>
+            <p:ph type="title"/>
+          </p:nvPr>
+        </p:nvSpPr>
+        <p:spPr/>
+        <p:txBody>
+          <a:bodyPr/>
+          <a:lstStyle/>
+          <a:p>
+            <a:r>
+              <a:rPr lang="en-US" dirty="0"/>
+              <a:t>constraints</a:t>
+            </a:r>
+          </a:p>
+        </p:txBody>
+      </p:sp>
+      <p:sp>
+        <p:nvSpPr>
+          <p:cNvPr id="3" name="Content Placeholder 2">
+            <a:extLst>
+              <a:ext uri="{FF2B5EF4-FFF2-40B4-BE49-F238E27FC236}">
+                <a16:creationId xmlns:a16="http://schemas.microsoft.com/office/drawing/2014/main" id="{4702F58F-0B30-4725-8A9A-F8A332B06B7C}"/>
+              </a:ext>
+            </a:extLst>
+          </p:cNvPr>
+          <p:cNvSpPr>
+            <a:spLocks noGrp="1"/>
+          </p:cNvSpPr>
+          <p:nvPr>
+            <p:ph idx="1"/>
+          </p:nvPr>
+        </p:nvSpPr>
+        <p:spPr/>
+        <p:txBody>
+          <a:bodyPr/>
+          <a:lstStyle/>
+          <a:p>
+            <a:endParaRPr lang="en-US"/>
+          </a:p>
+        </p:txBody>
+      </p:sp>
+    </p:spTree>
+    <p:extLst>
+      <p:ext uri="{BB962C8B-B14F-4D97-AF65-F5344CB8AC3E}">
+        <p14:creationId xmlns:p14="http://schemas.microsoft.com/office/powerpoint/2010/main" val="2881719665"/>
+      </p:ext>
+    </p:extLst>
+  </p:cSld>
+  <p:clrMapOvr>
+    <a:masterClrMapping/>
+  </p:clrMapOvr>
+</p:sld>
+</file>
+
+<file path=ppt/slides/slide8.xml><?xml version="1.0" encoding="utf-8"?>
+<p:sld xmlns:a="http://schemas.openxmlformats.org/drawingml/2006/main" xmlns:r="http://schemas.openxmlformats.org/officeDocument/2006/relationships" xmlns:p="http://schemas.openxmlformats.org/presentationml/2006/main">
+  <p:cSld>
+    <p:spTree>
+      <p:nvGrpSpPr>
+        <p:cNvPr id="1" name=""/>
+        <p:cNvGrpSpPr/>
+        <p:nvPr/>
+      </p:nvGrpSpPr>
+      <p:grpSpPr>
+        <a:xfrm>
+          <a:off x="0" y="0"/>
+          <a:ext cx="0" cy="0"/>
+          <a:chOff x="0" y="0"/>
+          <a:chExt cx="0" cy="0"/>
+        </a:xfrm>
+      </p:grpSpPr>
+      <p:sp>
+        <p:nvSpPr>
+          <p:cNvPr id="2" name="Title 1">
+            <a:extLst>
+              <a:ext uri="{FF2B5EF4-FFF2-40B4-BE49-F238E27FC236}">
+                <a16:creationId xmlns:a16="http://schemas.microsoft.com/office/drawing/2014/main" id="{AF657699-24AD-4244-9915-E8ACE9D61C6F}"/>
+              </a:ext>
+            </a:extLst>
+          </p:cNvPr>
+          <p:cNvSpPr>
+            <a:spLocks noGrp="1"/>
+          </p:cNvSpPr>
+          <p:nvPr>
+            <p:ph type="title"/>
+          </p:nvPr>
+        </p:nvSpPr>
+        <p:spPr/>
+        <p:txBody>
+          <a:bodyPr/>
+          <a:lstStyle/>
+          <a:p>
+            <a:r>
+              <a:rPr lang="en-US" dirty="0"/>
+              <a:t>Standards</a:t>
+            </a:r>
+          </a:p>
+        </p:txBody>
+      </p:sp>
+      <p:sp>
+        <p:nvSpPr>
+          <p:cNvPr id="3" name="Content Placeholder 2">
+            <a:extLst>
+              <a:ext uri="{FF2B5EF4-FFF2-40B4-BE49-F238E27FC236}">
+                <a16:creationId xmlns:a16="http://schemas.microsoft.com/office/drawing/2014/main" id="{B0C73874-AFEF-454A-9B9E-0C77A081B6AA}"/>
+              </a:ext>
+            </a:extLst>
+          </p:cNvPr>
+          <p:cNvSpPr>
+            <a:spLocks noGrp="1"/>
+          </p:cNvSpPr>
+          <p:nvPr>
+            <p:ph idx="1"/>
+          </p:nvPr>
+        </p:nvSpPr>
+        <p:spPr/>
+        <p:txBody>
+          <a:bodyPr/>
+          <a:lstStyle/>
+          <a:p>
+            <a:endParaRPr lang="en-US"/>
+          </a:p>
+        </p:txBody>
+      </p:sp>
+    </p:spTree>
+    <p:extLst>
+      <p:ext uri="{BB962C8B-B14F-4D97-AF65-F5344CB8AC3E}">
+        <p14:creationId xmlns:p14="http://schemas.microsoft.com/office/powerpoint/2010/main" val="2287009265"/>
+      </p:ext>
+    </p:extLst>
+  </p:cSld>
+  <p:clrMapOvr>
+    <a:masterClrMapping/>
+  </p:clrMapOvr>
+</p:sld>
+</file>
+
+<file path=ppt/slides/slide9.xml><?xml version="1.0" encoding="utf-8"?>
 <p:sld xmlns:a="http://schemas.openxmlformats.org/drawingml/2006/main" xmlns:r="http://schemas.openxmlformats.org/officeDocument/2006/relationships" xmlns:p="http://schemas.openxmlformats.org/presentationml/2006/main">
   <p:cSld>
     <p:spTree>
@@ -12575,7 +16625,7 @@
           <a:p>
             <a:r>
               <a:rPr lang="en-US" dirty="0"/>
-              <a:t>What Hardware Components are we going to use?</a:t>
+              <a:t>Hardware components</a:t>
             </a:r>
           </a:p>
         </p:txBody>
@@ -12598,7 +16648,9 @@
         </p:nvSpPr>
         <p:spPr/>
         <p:txBody>
-          <a:bodyPr/>
+          <a:bodyPr>
+            <a:normAutofit fontScale="85000" lnSpcReduction="20000"/>
+          </a:bodyPr>
           <a:lstStyle/>
           <a:p>
             <a:r>
@@ -12643,6 +16695,23 @@
             </a:r>
           </a:p>
           <a:p>
+            <a:r>
+              <a:rPr lang="en-US" dirty="0"/>
+              <a:t>Breadboard (used for prototyping before soldering)</a:t>
+            </a:r>
+          </a:p>
+          <a:p>
+            <a:r>
+              <a:rPr lang="en-US" dirty="0"/>
+              <a:t>Soldering station (used to finalize the hardwiring)</a:t>
+            </a:r>
+          </a:p>
+          <a:p>
+            <a:endParaRPr lang="en-US" dirty="0">
+              <a:latin typeface="+mj-lt"/>
+            </a:endParaRPr>
+          </a:p>
+          <a:p>
             <a:endParaRPr lang="en-US" dirty="0"/>
           </a:p>
         </p:txBody>
@@ -12651,525 +16720,6 @@
     <p:extLst>
       <p:ext uri="{BB962C8B-B14F-4D97-AF65-F5344CB8AC3E}">
         <p14:creationId xmlns:p14="http://schemas.microsoft.com/office/powerpoint/2010/main" val="756046126"/>
-      </p:ext>
-    </p:extLst>
-  </p:cSld>
-  <p:clrMapOvr>
-    <a:masterClrMapping/>
-  </p:clrMapOvr>
-</p:sld>
-</file>
-
-<file path=ppt/slides/slide4.xml><?xml version="1.0" encoding="utf-8"?>
-<p:sld xmlns:a="http://schemas.openxmlformats.org/drawingml/2006/main" xmlns:r="http://schemas.openxmlformats.org/officeDocument/2006/relationships" xmlns:p="http://schemas.openxmlformats.org/presentationml/2006/main">
-  <p:cSld>
-    <p:spTree>
-      <p:nvGrpSpPr>
-        <p:cNvPr id="1" name=""/>
-        <p:cNvGrpSpPr/>
-        <p:nvPr/>
-      </p:nvGrpSpPr>
-      <p:grpSpPr>
-        <a:xfrm>
-          <a:off x="0" y="0"/>
-          <a:ext cx="0" cy="0"/>
-          <a:chOff x="0" y="0"/>
-          <a:chExt cx="0" cy="0"/>
-        </a:xfrm>
-      </p:grpSpPr>
-      <p:sp>
-        <p:nvSpPr>
-          <p:cNvPr id="2" name="Title 1">
-            <a:extLst>
-              <a:ext uri="{FF2B5EF4-FFF2-40B4-BE49-F238E27FC236}">
-                <a16:creationId xmlns:a16="http://schemas.microsoft.com/office/drawing/2014/main" id="{F8E541FC-A1DA-49C7-AF13-E01A65338309}"/>
-              </a:ext>
-            </a:extLst>
-          </p:cNvPr>
-          <p:cNvSpPr>
-            <a:spLocks noGrp="1"/>
-          </p:cNvSpPr>
-          <p:nvPr>
-            <p:ph type="title"/>
-          </p:nvPr>
-        </p:nvSpPr>
-        <p:spPr/>
-        <p:txBody>
-          <a:bodyPr/>
-          <a:lstStyle/>
-          <a:p>
-            <a:r>
-              <a:rPr lang="en-US" dirty="0"/>
-              <a:t>What Software components are we going to use?</a:t>
-            </a:r>
-          </a:p>
-        </p:txBody>
-      </p:sp>
-      <p:sp>
-        <p:nvSpPr>
-          <p:cNvPr id="3" name="Content Placeholder 2">
-            <a:extLst>
-              <a:ext uri="{FF2B5EF4-FFF2-40B4-BE49-F238E27FC236}">
-                <a16:creationId xmlns:a16="http://schemas.microsoft.com/office/drawing/2014/main" id="{99AE275E-80C3-4F02-9D2C-1423B03DBF97}"/>
-              </a:ext>
-            </a:extLst>
-          </p:cNvPr>
-          <p:cNvSpPr>
-            <a:spLocks noGrp="1"/>
-          </p:cNvSpPr>
-          <p:nvPr>
-            <p:ph idx="1"/>
-          </p:nvPr>
-        </p:nvSpPr>
-        <p:spPr/>
-        <p:txBody>
-          <a:bodyPr/>
-          <a:lstStyle/>
-          <a:p>
-            <a:endParaRPr lang="en-US"/>
-          </a:p>
-        </p:txBody>
-      </p:sp>
-    </p:spTree>
-    <p:extLst>
-      <p:ext uri="{BB962C8B-B14F-4D97-AF65-F5344CB8AC3E}">
-        <p14:creationId xmlns:p14="http://schemas.microsoft.com/office/powerpoint/2010/main" val="587945301"/>
-      </p:ext>
-    </p:extLst>
-  </p:cSld>
-  <p:clrMapOvr>
-    <a:masterClrMapping/>
-  </p:clrMapOvr>
-</p:sld>
-</file>
-
-<file path=ppt/slides/slide5.xml><?xml version="1.0" encoding="utf-8"?>
-<p:sld xmlns:a="http://schemas.openxmlformats.org/drawingml/2006/main" xmlns:r="http://schemas.openxmlformats.org/officeDocument/2006/relationships" xmlns:p="http://schemas.openxmlformats.org/presentationml/2006/main">
-  <p:cSld>
-    <p:spTree>
-      <p:nvGrpSpPr>
-        <p:cNvPr id="1" name=""/>
-        <p:cNvGrpSpPr/>
-        <p:nvPr/>
-      </p:nvGrpSpPr>
-      <p:grpSpPr>
-        <a:xfrm>
-          <a:off x="0" y="0"/>
-          <a:ext cx="0" cy="0"/>
-          <a:chOff x="0" y="0"/>
-          <a:chExt cx="0" cy="0"/>
-        </a:xfrm>
-      </p:grpSpPr>
-      <p:sp>
-        <p:nvSpPr>
-          <p:cNvPr id="2" name="Title 1">
-            <a:extLst>
-              <a:ext uri="{FF2B5EF4-FFF2-40B4-BE49-F238E27FC236}">
-                <a16:creationId xmlns:a16="http://schemas.microsoft.com/office/drawing/2014/main" id="{AC65E382-0448-411E-ADD2-559683907CE7}"/>
-              </a:ext>
-            </a:extLst>
-          </p:cNvPr>
-          <p:cNvSpPr>
-            <a:spLocks noGrp="1"/>
-          </p:cNvSpPr>
-          <p:nvPr>
-            <p:ph type="title"/>
-          </p:nvPr>
-        </p:nvSpPr>
-        <p:spPr/>
-        <p:txBody>
-          <a:bodyPr/>
-          <a:lstStyle/>
-          <a:p>
-            <a:r>
-              <a:rPr lang="en-US" dirty="0"/>
-              <a:t>The Device and how it works</a:t>
-            </a:r>
-          </a:p>
-        </p:txBody>
-      </p:sp>
-      <p:sp>
-        <p:nvSpPr>
-          <p:cNvPr id="3" name="Content Placeholder 2">
-            <a:extLst>
-              <a:ext uri="{FF2B5EF4-FFF2-40B4-BE49-F238E27FC236}">
-                <a16:creationId xmlns:a16="http://schemas.microsoft.com/office/drawing/2014/main" id="{4B238F35-1CDD-4C8B-BDBF-220FFAE44F55}"/>
-              </a:ext>
-            </a:extLst>
-          </p:cNvPr>
-          <p:cNvSpPr>
-            <a:spLocks noGrp="1"/>
-          </p:cNvSpPr>
-          <p:nvPr>
-            <p:ph idx="1"/>
-          </p:nvPr>
-        </p:nvSpPr>
-        <p:spPr/>
-        <p:txBody>
-          <a:bodyPr/>
-          <a:lstStyle/>
-          <a:p>
-            <a:endParaRPr lang="en-US"/>
-          </a:p>
-        </p:txBody>
-      </p:sp>
-    </p:spTree>
-    <p:extLst>
-      <p:ext uri="{BB962C8B-B14F-4D97-AF65-F5344CB8AC3E}">
-        <p14:creationId xmlns:p14="http://schemas.microsoft.com/office/powerpoint/2010/main" val="2788156747"/>
-      </p:ext>
-    </p:extLst>
-  </p:cSld>
-  <p:clrMapOvr>
-    <a:masterClrMapping/>
-  </p:clrMapOvr>
-</p:sld>
-</file>
-
-<file path=ppt/slides/slide6.xml><?xml version="1.0" encoding="utf-8"?>
-<p:sld xmlns:a="http://schemas.openxmlformats.org/drawingml/2006/main" xmlns:r="http://schemas.openxmlformats.org/officeDocument/2006/relationships" xmlns:p="http://schemas.openxmlformats.org/presentationml/2006/main">
-  <p:cSld>
-    <p:spTree>
-      <p:nvGrpSpPr>
-        <p:cNvPr id="1" name=""/>
-        <p:cNvGrpSpPr/>
-        <p:nvPr/>
-      </p:nvGrpSpPr>
-      <p:grpSpPr>
-        <a:xfrm>
-          <a:off x="0" y="0"/>
-          <a:ext cx="0" cy="0"/>
-          <a:chOff x="0" y="0"/>
-          <a:chExt cx="0" cy="0"/>
-        </a:xfrm>
-      </p:grpSpPr>
-      <p:sp>
-        <p:nvSpPr>
-          <p:cNvPr id="2" name="Title 1">
-            <a:extLst>
-              <a:ext uri="{FF2B5EF4-FFF2-40B4-BE49-F238E27FC236}">
-                <a16:creationId xmlns:a16="http://schemas.microsoft.com/office/drawing/2014/main" id="{BE2F16FE-78D9-4A2F-B766-647F07C2E1C0}"/>
-              </a:ext>
-            </a:extLst>
-          </p:cNvPr>
-          <p:cNvSpPr>
-            <a:spLocks noGrp="1"/>
-          </p:cNvSpPr>
-          <p:nvPr>
-            <p:ph type="title"/>
-          </p:nvPr>
-        </p:nvSpPr>
-        <p:spPr/>
-        <p:txBody>
-          <a:bodyPr/>
-          <a:lstStyle/>
-          <a:p>
-            <a:r>
-              <a:rPr lang="en-US" dirty="0"/>
-              <a:t>What Equipment do we Additionally Need?</a:t>
-            </a:r>
-          </a:p>
-        </p:txBody>
-      </p:sp>
-      <p:sp>
-        <p:nvSpPr>
-          <p:cNvPr id="3" name="Content Placeholder 2">
-            <a:extLst>
-              <a:ext uri="{FF2B5EF4-FFF2-40B4-BE49-F238E27FC236}">
-                <a16:creationId xmlns:a16="http://schemas.microsoft.com/office/drawing/2014/main" id="{4F0B2C49-BAE0-470C-98D1-2B6279556BCF}"/>
-              </a:ext>
-            </a:extLst>
-          </p:cNvPr>
-          <p:cNvSpPr>
-            <a:spLocks noGrp="1"/>
-          </p:cNvSpPr>
-          <p:nvPr>
-            <p:ph idx="1"/>
-          </p:nvPr>
-        </p:nvSpPr>
-        <p:spPr/>
-        <p:txBody>
-          <a:bodyPr/>
-          <a:lstStyle/>
-          <a:p>
-            <a:r>
-              <a:rPr lang="en-US" dirty="0"/>
-              <a:t>Breadboard (used for prototyping before soldering)</a:t>
-            </a:r>
-          </a:p>
-          <a:p>
-            <a:r>
-              <a:rPr lang="en-US" dirty="0"/>
-              <a:t>Soldering station (used to finalize the hardwiring)</a:t>
-            </a:r>
-          </a:p>
-          <a:p>
-            <a:endParaRPr lang="en-US" dirty="0"/>
-          </a:p>
-        </p:txBody>
-      </p:sp>
-    </p:spTree>
-    <p:extLst>
-      <p:ext uri="{BB962C8B-B14F-4D97-AF65-F5344CB8AC3E}">
-        <p14:creationId xmlns:p14="http://schemas.microsoft.com/office/powerpoint/2010/main" val="1983258716"/>
-      </p:ext>
-    </p:extLst>
-  </p:cSld>
-  <p:clrMapOvr>
-    <a:masterClrMapping/>
-  </p:clrMapOvr>
-</p:sld>
-</file>
-
-<file path=ppt/slides/slide7.xml><?xml version="1.0" encoding="utf-8"?>
-<p:sld xmlns:a="http://schemas.openxmlformats.org/drawingml/2006/main" xmlns:r="http://schemas.openxmlformats.org/officeDocument/2006/relationships" xmlns:p="http://schemas.openxmlformats.org/presentationml/2006/main">
-  <p:cSld>
-    <p:spTree>
-      <p:nvGrpSpPr>
-        <p:cNvPr id="1" name=""/>
-        <p:cNvGrpSpPr/>
-        <p:nvPr/>
-      </p:nvGrpSpPr>
-      <p:grpSpPr>
-        <a:xfrm>
-          <a:off x="0" y="0"/>
-          <a:ext cx="0" cy="0"/>
-          <a:chOff x="0" y="0"/>
-          <a:chExt cx="0" cy="0"/>
-        </a:xfrm>
-      </p:grpSpPr>
-      <p:sp>
-        <p:nvSpPr>
-          <p:cNvPr id="2" name="Title 1">
-            <a:extLst>
-              <a:ext uri="{FF2B5EF4-FFF2-40B4-BE49-F238E27FC236}">
-                <a16:creationId xmlns:a16="http://schemas.microsoft.com/office/drawing/2014/main" id="{A502DBBB-C739-47E9-9BD7-736905F70067}"/>
-              </a:ext>
-            </a:extLst>
-          </p:cNvPr>
-          <p:cNvSpPr>
-            <a:spLocks noGrp="1"/>
-          </p:cNvSpPr>
-          <p:nvPr>
-            <p:ph type="title"/>
-          </p:nvPr>
-        </p:nvSpPr>
-        <p:spPr/>
-        <p:txBody>
-          <a:bodyPr/>
-          <a:lstStyle/>
-          <a:p>
-            <a:r>
-              <a:rPr lang="en-US" dirty="0"/>
-              <a:t>Security and Safety Risks?</a:t>
-            </a:r>
-          </a:p>
-        </p:txBody>
-      </p:sp>
-      <p:sp>
-        <p:nvSpPr>
-          <p:cNvPr id="3" name="Content Placeholder 2">
-            <a:extLst>
-              <a:ext uri="{FF2B5EF4-FFF2-40B4-BE49-F238E27FC236}">
-                <a16:creationId xmlns:a16="http://schemas.microsoft.com/office/drawing/2014/main" id="{A0D3E5FC-964F-4B97-9238-76CFC5C2BEA3}"/>
-              </a:ext>
-            </a:extLst>
-          </p:cNvPr>
-          <p:cNvSpPr>
-            <a:spLocks noGrp="1"/>
-          </p:cNvSpPr>
-          <p:nvPr>
-            <p:ph idx="1"/>
-          </p:nvPr>
-        </p:nvSpPr>
-        <p:spPr/>
-        <p:txBody>
-          <a:bodyPr/>
-          <a:lstStyle/>
-          <a:p>
-            <a:r>
-              <a:rPr lang="en-US" dirty="0"/>
-              <a:t>Every component is commercial and thus has been tested and approved by the IEC 61508 electronics safety standard</a:t>
-            </a:r>
-          </a:p>
-          <a:p>
-            <a:r>
-              <a:rPr lang="en-US" dirty="0"/>
-              <a:t>The final product will be tested by UL60335 safety standard for household appliances.</a:t>
-            </a:r>
-          </a:p>
-          <a:p>
-            <a:endParaRPr lang="en-US" dirty="0"/>
-          </a:p>
-        </p:txBody>
-      </p:sp>
-    </p:spTree>
-    <p:extLst>
-      <p:ext uri="{BB962C8B-B14F-4D97-AF65-F5344CB8AC3E}">
-        <p14:creationId xmlns:p14="http://schemas.microsoft.com/office/powerpoint/2010/main" val="1687096456"/>
-      </p:ext>
-    </p:extLst>
-  </p:cSld>
-  <p:clrMapOvr>
-    <a:masterClrMapping/>
-  </p:clrMapOvr>
-</p:sld>
-</file>
-
-<file path=ppt/slides/slide8.xml><?xml version="1.0" encoding="utf-8"?>
-<p:sld xmlns:a="http://schemas.openxmlformats.org/drawingml/2006/main" xmlns:r="http://schemas.openxmlformats.org/officeDocument/2006/relationships" xmlns:p="http://schemas.openxmlformats.org/presentationml/2006/main">
-  <p:cSld>
-    <p:spTree>
-      <p:nvGrpSpPr>
-        <p:cNvPr id="1" name=""/>
-        <p:cNvGrpSpPr/>
-        <p:nvPr/>
-      </p:nvGrpSpPr>
-      <p:grpSpPr>
-        <a:xfrm>
-          <a:off x="0" y="0"/>
-          <a:ext cx="0" cy="0"/>
-          <a:chOff x="0" y="0"/>
-          <a:chExt cx="0" cy="0"/>
-        </a:xfrm>
-      </p:grpSpPr>
-      <p:sp>
-        <p:nvSpPr>
-          <p:cNvPr id="2" name="Title 1">
-            <a:extLst>
-              <a:ext uri="{FF2B5EF4-FFF2-40B4-BE49-F238E27FC236}">
-                <a16:creationId xmlns:a16="http://schemas.microsoft.com/office/drawing/2014/main" id="{67987B26-6829-4626-87DF-1F5D95A7EAC1}"/>
-              </a:ext>
-            </a:extLst>
-          </p:cNvPr>
-          <p:cNvSpPr>
-            <a:spLocks noGrp="1"/>
-          </p:cNvSpPr>
-          <p:nvPr>
-            <p:ph type="title"/>
-          </p:nvPr>
-        </p:nvSpPr>
-        <p:spPr/>
-        <p:txBody>
-          <a:bodyPr/>
-          <a:lstStyle/>
-          <a:p>
-            <a:r>
-              <a:rPr lang="en-US" dirty="0"/>
-              <a:t>The Device’s requirements, Constraints, and Standard Regulations</a:t>
-            </a:r>
-          </a:p>
-        </p:txBody>
-      </p:sp>
-      <p:sp>
-        <p:nvSpPr>
-          <p:cNvPr id="3" name="Content Placeholder 2">
-            <a:extLst>
-              <a:ext uri="{FF2B5EF4-FFF2-40B4-BE49-F238E27FC236}">
-                <a16:creationId xmlns:a16="http://schemas.microsoft.com/office/drawing/2014/main" id="{EEC0AD2F-D3DC-4004-BAF6-D5B5EE871505}"/>
-              </a:ext>
-            </a:extLst>
-          </p:cNvPr>
-          <p:cNvSpPr>
-            <a:spLocks noGrp="1"/>
-          </p:cNvSpPr>
-          <p:nvPr>
-            <p:ph idx="1"/>
-          </p:nvPr>
-        </p:nvSpPr>
-        <p:spPr/>
-        <p:txBody>
-          <a:bodyPr/>
-          <a:lstStyle/>
-          <a:p>
-            <a:endParaRPr lang="en-US"/>
-          </a:p>
-        </p:txBody>
-      </p:sp>
-    </p:spTree>
-    <p:extLst>
-      <p:ext uri="{BB962C8B-B14F-4D97-AF65-F5344CB8AC3E}">
-        <p14:creationId xmlns:p14="http://schemas.microsoft.com/office/powerpoint/2010/main" val="2580625837"/>
-      </p:ext>
-    </p:extLst>
-  </p:cSld>
-  <p:clrMapOvr>
-    <a:masterClrMapping/>
-  </p:clrMapOvr>
-</p:sld>
-</file>
-
-<file path=ppt/slides/slide9.xml><?xml version="1.0" encoding="utf-8"?>
-<p:sld xmlns:a="http://schemas.openxmlformats.org/drawingml/2006/main" xmlns:r="http://schemas.openxmlformats.org/officeDocument/2006/relationships" xmlns:p="http://schemas.openxmlformats.org/presentationml/2006/main">
-  <p:cSld>
-    <p:spTree>
-      <p:nvGrpSpPr>
-        <p:cNvPr id="1" name=""/>
-        <p:cNvGrpSpPr/>
-        <p:nvPr/>
-      </p:nvGrpSpPr>
-      <p:grpSpPr>
-        <a:xfrm>
-          <a:off x="0" y="0"/>
-          <a:ext cx="0" cy="0"/>
-          <a:chOff x="0" y="0"/>
-          <a:chExt cx="0" cy="0"/>
-        </a:xfrm>
-      </p:grpSpPr>
-      <p:sp>
-        <p:nvSpPr>
-          <p:cNvPr id="2" name="Title 1">
-            <a:extLst>
-              <a:ext uri="{FF2B5EF4-FFF2-40B4-BE49-F238E27FC236}">
-                <a16:creationId xmlns:a16="http://schemas.microsoft.com/office/drawing/2014/main" id="{556A4D63-67A9-4F4D-A121-6F6838500F63}"/>
-              </a:ext>
-            </a:extLst>
-          </p:cNvPr>
-          <p:cNvSpPr>
-            <a:spLocks noGrp="1"/>
-          </p:cNvSpPr>
-          <p:nvPr>
-            <p:ph type="title"/>
-          </p:nvPr>
-        </p:nvSpPr>
-        <p:spPr/>
-        <p:txBody>
-          <a:bodyPr/>
-          <a:lstStyle/>
-          <a:p>
-            <a:endParaRPr lang="en-US"/>
-          </a:p>
-        </p:txBody>
-      </p:sp>
-      <p:sp>
-        <p:nvSpPr>
-          <p:cNvPr id="3" name="Content Placeholder 2">
-            <a:extLst>
-              <a:ext uri="{FF2B5EF4-FFF2-40B4-BE49-F238E27FC236}">
-                <a16:creationId xmlns:a16="http://schemas.microsoft.com/office/drawing/2014/main" id="{4702F58F-0B30-4725-8A9A-F8A332B06B7C}"/>
-              </a:ext>
-            </a:extLst>
-          </p:cNvPr>
-          <p:cNvSpPr>
-            <a:spLocks noGrp="1"/>
-          </p:cNvSpPr>
-          <p:nvPr>
-            <p:ph idx="1"/>
-          </p:nvPr>
-        </p:nvSpPr>
-        <p:spPr/>
-        <p:txBody>
-          <a:bodyPr/>
-          <a:lstStyle/>
-          <a:p>
-            <a:endParaRPr lang="en-US"/>
-          </a:p>
-        </p:txBody>
-      </p:sp>
-    </p:spTree>
-    <p:extLst>
-      <p:ext uri="{BB962C8B-B14F-4D97-AF65-F5344CB8AC3E}">
-        <p14:creationId xmlns:p14="http://schemas.microsoft.com/office/powerpoint/2010/main" val="2420011291"/>
       </p:ext>
     </p:extLst>
   </p:cSld>

--- a/Documentation/PDR.pptx
+++ b/Documentation/PDR.pptx
@@ -9,17 +9,26 @@
     <p:sldId id="266" r:id="rId3"/>
     <p:sldId id="267" r:id="rId4"/>
     <p:sldId id="268" r:id="rId5"/>
-    <p:sldId id="257" r:id="rId6"/>
-    <p:sldId id="263" r:id="rId7"/>
-    <p:sldId id="265" r:id="rId8"/>
-    <p:sldId id="271" r:id="rId9"/>
-    <p:sldId id="258" r:id="rId10"/>
-    <p:sldId id="259" r:id="rId11"/>
-    <p:sldId id="272" r:id="rId12"/>
-    <p:sldId id="264" r:id="rId13"/>
-    <p:sldId id="269" r:id="rId14"/>
-    <p:sldId id="270" r:id="rId15"/>
-    <p:sldId id="261" r:id="rId16"/>
+    <p:sldId id="273" r:id="rId6"/>
+    <p:sldId id="257" r:id="rId7"/>
+    <p:sldId id="278" r:id="rId8"/>
+    <p:sldId id="283" r:id="rId9"/>
+    <p:sldId id="284" r:id="rId10"/>
+    <p:sldId id="258" r:id="rId11"/>
+    <p:sldId id="259" r:id="rId12"/>
+    <p:sldId id="272" r:id="rId13"/>
+    <p:sldId id="264" r:id="rId14"/>
+    <p:sldId id="269" r:id="rId15"/>
+    <p:sldId id="276" r:id="rId16"/>
+    <p:sldId id="279" r:id="rId17"/>
+    <p:sldId id="282" r:id="rId18"/>
+    <p:sldId id="277" r:id="rId19"/>
+    <p:sldId id="280" r:id="rId20"/>
+    <p:sldId id="281" r:id="rId21"/>
+    <p:sldId id="270" r:id="rId22"/>
+    <p:sldId id="261" r:id="rId23"/>
+    <p:sldId id="274" r:id="rId24"/>
+    <p:sldId id="275" r:id="rId25"/>
   </p:sldIdLst>
   <p:sldSz cx="12192000" cy="6858000"/>
   <p:notesSz cx="6858000" cy="9144000"/>
@@ -176,7 +185,7 @@
           <a:noFill/>
           <a:extLst>
             <a:ext uri="{909E8E84-426E-40dd-AFC4-6F175D3DCCD1}">
-              <a14:hiddenFill xmlns="" xmlns:a14="http://schemas.microsoft.com/office/drawing/2010/main">
+              <a14:hiddenFill xmlns:a14="http://schemas.microsoft.com/office/drawing/2010/main" xmlns="">
                 <a:solidFill>
                   <a:srgbClr val="FFFFFF"/>
                 </a:solidFill>
@@ -236,7 +245,7 @@
             </a:ln>
             <a:extLst>
               <a:ext uri="{91240B29-F687-4f45-9708-019B960494DF}">
-                <a14:hiddenLine xmlns="" xmlns:a14="http://schemas.microsoft.com/office/drawing/2010/main" w="9525">
+                <a14:hiddenLine xmlns:a14="http://schemas.microsoft.com/office/drawing/2010/main" xmlns="" w="9525">
                   <a:solidFill>
                     <a:srgbClr val="000000"/>
                   </a:solidFill>
@@ -326,7 +335,7 @@
             </a:ln>
             <a:extLst>
               <a:ext uri="{91240B29-F687-4f45-9708-019B960494DF}">
-                <a14:hiddenLine xmlns="" xmlns:a14="http://schemas.microsoft.com/office/drawing/2010/main" w="9525">
+                <a14:hiddenLine xmlns:a14="http://schemas.microsoft.com/office/drawing/2010/main" xmlns="" w="9525">
                   <a:solidFill>
                     <a:srgbClr val="000000"/>
                   </a:solidFill>
@@ -416,7 +425,7 @@
             </a:ln>
             <a:extLst>
               <a:ext uri="{91240B29-F687-4f45-9708-019B960494DF}">
-                <a14:hiddenLine xmlns="" xmlns:a14="http://schemas.microsoft.com/office/drawing/2010/main" w="9525">
+                <a14:hiddenLine xmlns:a14="http://schemas.microsoft.com/office/drawing/2010/main" xmlns="" w="9525">
                   <a:solidFill>
                     <a:srgbClr val="000000"/>
                   </a:solidFill>
@@ -450,7 +459,7 @@
             </a:ln>
             <a:extLst>
               <a:ext uri="{91240B29-F687-4f45-9708-019B960494DF}">
-                <a14:hiddenLine xmlns="" xmlns:a14="http://schemas.microsoft.com/office/drawing/2010/main" w="9525">
+                <a14:hiddenLine xmlns:a14="http://schemas.microsoft.com/office/drawing/2010/main" xmlns="" w="9525">
                   <a:solidFill>
                     <a:srgbClr val="000000"/>
                   </a:solidFill>
@@ -540,7 +549,7 @@
             </a:ln>
             <a:extLst>
               <a:ext uri="{91240B29-F687-4f45-9708-019B960494DF}">
-                <a14:hiddenLine xmlns="" xmlns:a14="http://schemas.microsoft.com/office/drawing/2010/main" w="9525">
+                <a14:hiddenLine xmlns:a14="http://schemas.microsoft.com/office/drawing/2010/main" xmlns="" w="9525">
                   <a:solidFill>
                     <a:srgbClr val="000000"/>
                   </a:solidFill>
@@ -602,7 +611,7 @@
             </a:ln>
             <a:extLst>
               <a:ext uri="{91240B29-F687-4f45-9708-019B960494DF}">
-                <a14:hiddenLine xmlns="" xmlns:a14="http://schemas.microsoft.com/office/drawing/2010/main" w="9525">
+                <a14:hiddenLine xmlns:a14="http://schemas.microsoft.com/office/drawing/2010/main" xmlns="" w="9525">
                   <a:solidFill>
                     <a:srgbClr val="000000"/>
                   </a:solidFill>
@@ -664,7 +673,7 @@
             </a:ln>
             <a:extLst>
               <a:ext uri="{91240B29-F687-4f45-9708-019B960494DF}">
-                <a14:hiddenLine xmlns="" xmlns:a14="http://schemas.microsoft.com/office/drawing/2010/main" w="9525">
+                <a14:hiddenLine xmlns:a14="http://schemas.microsoft.com/office/drawing/2010/main" xmlns="" w="9525">
                   <a:solidFill>
                     <a:srgbClr val="000000"/>
                   </a:solidFill>
@@ -754,7 +763,7 @@
             </a:ln>
             <a:extLst>
               <a:ext uri="{91240B29-F687-4f45-9708-019B960494DF}">
-                <a14:hiddenLine xmlns="" xmlns:a14="http://schemas.microsoft.com/office/drawing/2010/main" w="9525">
+                <a14:hiddenLine xmlns:a14="http://schemas.microsoft.com/office/drawing/2010/main" xmlns="" w="9525">
                   <a:solidFill>
                     <a:srgbClr val="000000"/>
                   </a:solidFill>
@@ -816,7 +825,7 @@
             </a:ln>
             <a:extLst>
               <a:ext uri="{91240B29-F687-4f45-9708-019B960494DF}">
-                <a14:hiddenLine xmlns="" xmlns:a14="http://schemas.microsoft.com/office/drawing/2010/main" w="9525">
+                <a14:hiddenLine xmlns:a14="http://schemas.microsoft.com/office/drawing/2010/main" xmlns="" w="9525">
                   <a:solidFill>
                     <a:srgbClr val="000000"/>
                   </a:solidFill>
@@ -878,7 +887,7 @@
             </a:ln>
             <a:extLst>
               <a:ext uri="{91240B29-F687-4f45-9708-019B960494DF}">
-                <a14:hiddenLine xmlns="" xmlns:a14="http://schemas.microsoft.com/office/drawing/2010/main" w="9525">
+                <a14:hiddenLine xmlns:a14="http://schemas.microsoft.com/office/drawing/2010/main" xmlns="" w="9525">
                   <a:solidFill>
                     <a:srgbClr val="000000"/>
                   </a:solidFill>
@@ -968,7 +977,7 @@
             </a:ln>
             <a:extLst>
               <a:ext uri="{91240B29-F687-4f45-9708-019B960494DF}">
-                <a14:hiddenLine xmlns="" xmlns:a14="http://schemas.microsoft.com/office/drawing/2010/main" w="9525">
+                <a14:hiddenLine xmlns:a14="http://schemas.microsoft.com/office/drawing/2010/main" xmlns="" w="9525">
                   <a:solidFill>
                     <a:srgbClr val="000000"/>
                   </a:solidFill>
@@ -1058,7 +1067,7 @@
             </a:ln>
             <a:extLst>
               <a:ext uri="{91240B29-F687-4f45-9708-019B960494DF}">
-                <a14:hiddenLine xmlns="" xmlns:a14="http://schemas.microsoft.com/office/drawing/2010/main" w="9525">
+                <a14:hiddenLine xmlns:a14="http://schemas.microsoft.com/office/drawing/2010/main" xmlns="" w="9525">
                   <a:solidFill>
                     <a:srgbClr val="000000"/>
                   </a:solidFill>
@@ -1120,7 +1129,7 @@
             </a:ln>
             <a:extLst>
               <a:ext uri="{91240B29-F687-4f45-9708-019B960494DF}">
-                <a14:hiddenLine xmlns="" xmlns:a14="http://schemas.microsoft.com/office/drawing/2010/main" w="9525">
+                <a14:hiddenLine xmlns:a14="http://schemas.microsoft.com/office/drawing/2010/main" xmlns="" w="9525">
                   <a:solidFill>
                     <a:srgbClr val="000000"/>
                   </a:solidFill>
@@ -1230,7 +1239,7 @@
             </a:ln>
             <a:extLst>
               <a:ext uri="{91240B29-F687-4f45-9708-019B960494DF}">
-                <a14:hiddenLine xmlns="" xmlns:a14="http://schemas.microsoft.com/office/drawing/2010/main" w="9525">
+                <a14:hiddenLine xmlns:a14="http://schemas.microsoft.com/office/drawing/2010/main" xmlns="" w="9525">
                   <a:solidFill>
                     <a:srgbClr val="000000"/>
                   </a:solidFill>
@@ -1292,7 +1301,7 @@
             </a:ln>
             <a:extLst>
               <a:ext uri="{91240B29-F687-4f45-9708-019B960494DF}">
-                <a14:hiddenLine xmlns="" xmlns:a14="http://schemas.microsoft.com/office/drawing/2010/main" w="9525">
+                <a14:hiddenLine xmlns:a14="http://schemas.microsoft.com/office/drawing/2010/main" xmlns="" w="9525">
                   <a:solidFill>
                     <a:srgbClr val="000000"/>
                   </a:solidFill>
@@ -1382,7 +1391,7 @@
             </a:ln>
             <a:extLst>
               <a:ext uri="{91240B29-F687-4f45-9708-019B960494DF}">
-                <a14:hiddenLine xmlns="" xmlns:a14="http://schemas.microsoft.com/office/drawing/2010/main" w="9525">
+                <a14:hiddenLine xmlns:a14="http://schemas.microsoft.com/office/drawing/2010/main" xmlns="" w="9525">
                   <a:solidFill>
                     <a:srgbClr val="000000"/>
                   </a:solidFill>
@@ -1472,7 +1481,7 @@
             </a:ln>
             <a:extLst>
               <a:ext uri="{91240B29-F687-4f45-9708-019B960494DF}">
-                <a14:hiddenLine xmlns="" xmlns:a14="http://schemas.microsoft.com/office/drawing/2010/main" w="9525">
+                <a14:hiddenLine xmlns:a14="http://schemas.microsoft.com/office/drawing/2010/main" xmlns="" w="9525">
                   <a:solidFill>
                     <a:srgbClr val="000000"/>
                   </a:solidFill>
@@ -1534,7 +1543,7 @@
             </a:ln>
             <a:extLst>
               <a:ext uri="{91240B29-F687-4f45-9708-019B960494DF}">
-                <a14:hiddenLine xmlns="" xmlns:a14="http://schemas.microsoft.com/office/drawing/2010/main" w="9525">
+                <a14:hiddenLine xmlns:a14="http://schemas.microsoft.com/office/drawing/2010/main" xmlns="" w="9525">
                   <a:solidFill>
                     <a:srgbClr val="000000"/>
                   </a:solidFill>
@@ -1624,7 +1633,7 @@
             </a:ln>
             <a:extLst>
               <a:ext uri="{91240B29-F687-4f45-9708-019B960494DF}">
-                <a14:hiddenLine xmlns="" xmlns:a14="http://schemas.microsoft.com/office/drawing/2010/main" w="9525">
+                <a14:hiddenLine xmlns:a14="http://schemas.microsoft.com/office/drawing/2010/main" xmlns="" w="9525">
                   <a:solidFill>
                     <a:srgbClr val="000000"/>
                   </a:solidFill>
@@ -1714,7 +1723,7 @@
             </a:ln>
             <a:extLst>
               <a:ext uri="{91240B29-F687-4f45-9708-019B960494DF}">
-                <a14:hiddenLine xmlns="" xmlns:a14="http://schemas.microsoft.com/office/drawing/2010/main" w="9525">
+                <a14:hiddenLine xmlns:a14="http://schemas.microsoft.com/office/drawing/2010/main" xmlns="" w="9525">
                   <a:solidFill>
                     <a:srgbClr val="000000"/>
                   </a:solidFill>
@@ -1770,7 +1779,7 @@
             </a:ln>
             <a:extLst>
               <a:ext uri="{91240B29-F687-4f45-9708-019B960494DF}">
-                <a14:hiddenLine xmlns="" xmlns:a14="http://schemas.microsoft.com/office/drawing/2010/main" w="9525">
+                <a14:hiddenLine xmlns:a14="http://schemas.microsoft.com/office/drawing/2010/main" xmlns="" w="9525">
                   <a:solidFill>
                     <a:srgbClr val="000000"/>
                   </a:solidFill>
@@ -1860,7 +1869,7 @@
             </a:ln>
             <a:extLst>
               <a:ext uri="{91240B29-F687-4f45-9708-019B960494DF}">
-                <a14:hiddenLine xmlns="" xmlns:a14="http://schemas.microsoft.com/office/drawing/2010/main" w="9525">
+                <a14:hiddenLine xmlns:a14="http://schemas.microsoft.com/office/drawing/2010/main" xmlns="" w="9525">
                   <a:solidFill>
                     <a:srgbClr val="000000"/>
                   </a:solidFill>
@@ -1916,7 +1925,7 @@
             </a:ln>
             <a:extLst>
               <a:ext uri="{91240B29-F687-4f45-9708-019B960494DF}">
-                <a14:hiddenLine xmlns="" xmlns:a14="http://schemas.microsoft.com/office/drawing/2010/main" w="9525">
+                <a14:hiddenLine xmlns:a14="http://schemas.microsoft.com/office/drawing/2010/main" xmlns="" w="9525">
                   <a:solidFill>
                     <a:srgbClr val="000000"/>
                   </a:solidFill>
@@ -2006,7 +2015,7 @@
             </a:ln>
             <a:extLst>
               <a:ext uri="{91240B29-F687-4f45-9708-019B960494DF}">
-                <a14:hiddenLine xmlns="" xmlns:a14="http://schemas.microsoft.com/office/drawing/2010/main" w="9525">
+                <a14:hiddenLine xmlns:a14="http://schemas.microsoft.com/office/drawing/2010/main" xmlns="" w="9525">
                   <a:solidFill>
                     <a:srgbClr val="000000"/>
                   </a:solidFill>
@@ -2074,7 +2083,7 @@
             </a:ln>
             <a:extLst>
               <a:ext uri="{91240B29-F687-4f45-9708-019B960494DF}">
-                <a14:hiddenLine xmlns="" xmlns:a14="http://schemas.microsoft.com/office/drawing/2010/main" w="9525">
+                <a14:hiddenLine xmlns:a14="http://schemas.microsoft.com/office/drawing/2010/main" xmlns="" w="9525">
                   <a:solidFill>
                     <a:srgbClr val="000000"/>
                   </a:solidFill>
@@ -2164,7 +2173,7 @@
             </a:ln>
             <a:extLst>
               <a:ext uri="{91240B29-F687-4f45-9708-019B960494DF}">
-                <a14:hiddenLine xmlns="" xmlns:a14="http://schemas.microsoft.com/office/drawing/2010/main" w="9525">
+                <a14:hiddenLine xmlns:a14="http://schemas.microsoft.com/office/drawing/2010/main" xmlns="" w="9525">
                   <a:solidFill>
                     <a:srgbClr val="000000"/>
                   </a:solidFill>
@@ -2232,7 +2241,7 @@
             </a:ln>
             <a:extLst>
               <a:ext uri="{91240B29-F687-4f45-9708-019B960494DF}">
-                <a14:hiddenLine xmlns="" xmlns:a14="http://schemas.microsoft.com/office/drawing/2010/main" w="9525">
+                <a14:hiddenLine xmlns:a14="http://schemas.microsoft.com/office/drawing/2010/main" xmlns="" w="9525">
                   <a:solidFill>
                     <a:srgbClr val="000000"/>
                   </a:solidFill>
@@ -2322,7 +2331,7 @@
             </a:ln>
             <a:extLst>
               <a:ext uri="{91240B29-F687-4f45-9708-019B960494DF}">
-                <a14:hiddenLine xmlns="" xmlns:a14="http://schemas.microsoft.com/office/drawing/2010/main" w="9525">
+                <a14:hiddenLine xmlns:a14="http://schemas.microsoft.com/office/drawing/2010/main" xmlns="" w="9525">
                   <a:solidFill>
                     <a:srgbClr val="000000"/>
                   </a:solidFill>
@@ -2356,7 +2365,7 @@
             </a:ln>
             <a:extLst>
               <a:ext uri="{91240B29-F687-4f45-9708-019B960494DF}">
-                <a14:hiddenLine xmlns="" xmlns:a14="http://schemas.microsoft.com/office/drawing/2010/main" w="9525">
+                <a14:hiddenLine xmlns:a14="http://schemas.microsoft.com/office/drawing/2010/main" xmlns="" w="9525">
                   <a:solidFill>
                     <a:srgbClr val="000000"/>
                   </a:solidFill>
@@ -2446,7 +2455,7 @@
             </a:ln>
             <a:extLst>
               <a:ext uri="{91240B29-F687-4f45-9708-019B960494DF}">
-                <a14:hiddenLine xmlns="" xmlns:a14="http://schemas.microsoft.com/office/drawing/2010/main" w="9525">
+                <a14:hiddenLine xmlns:a14="http://schemas.microsoft.com/office/drawing/2010/main" xmlns="" w="9525">
                   <a:solidFill>
                     <a:srgbClr val="000000"/>
                   </a:solidFill>
@@ -2508,7 +2517,7 @@
             </a:ln>
             <a:extLst>
               <a:ext uri="{91240B29-F687-4f45-9708-019B960494DF}">
-                <a14:hiddenLine xmlns="" xmlns:a14="http://schemas.microsoft.com/office/drawing/2010/main" w="9525">
+                <a14:hiddenLine xmlns:a14="http://schemas.microsoft.com/office/drawing/2010/main" xmlns="" w="9525">
                   <a:solidFill>
                     <a:srgbClr val="000000"/>
                   </a:solidFill>
@@ -2570,7 +2579,7 @@
             </a:ln>
             <a:extLst>
               <a:ext uri="{91240B29-F687-4f45-9708-019B960494DF}">
-                <a14:hiddenLine xmlns="" xmlns:a14="http://schemas.microsoft.com/office/drawing/2010/main" w="9525">
+                <a14:hiddenLine xmlns:a14="http://schemas.microsoft.com/office/drawing/2010/main" xmlns="" w="9525">
                   <a:solidFill>
                     <a:srgbClr val="000000"/>
                   </a:solidFill>
@@ -2660,7 +2669,7 @@
             </a:ln>
             <a:extLst>
               <a:ext uri="{91240B29-F687-4f45-9708-019B960494DF}">
-                <a14:hiddenLine xmlns="" xmlns:a14="http://schemas.microsoft.com/office/drawing/2010/main" w="9525">
+                <a14:hiddenLine xmlns:a14="http://schemas.microsoft.com/office/drawing/2010/main" xmlns="" w="9525">
                   <a:solidFill>
                     <a:srgbClr val="000000"/>
                   </a:solidFill>
@@ -2728,7 +2737,7 @@
             </a:ln>
             <a:extLst>
               <a:ext uri="{91240B29-F687-4f45-9708-019B960494DF}">
-                <a14:hiddenLine xmlns="" xmlns:a14="http://schemas.microsoft.com/office/drawing/2010/main" w="9525">
+                <a14:hiddenLine xmlns:a14="http://schemas.microsoft.com/office/drawing/2010/main" xmlns="" w="9525">
                   <a:solidFill>
                     <a:srgbClr val="000000"/>
                   </a:solidFill>
@@ -2790,7 +2799,7 @@
             </a:ln>
             <a:extLst>
               <a:ext uri="{91240B29-F687-4f45-9708-019B960494DF}">
-                <a14:hiddenLine xmlns="" xmlns:a14="http://schemas.microsoft.com/office/drawing/2010/main" w="9525">
+                <a14:hiddenLine xmlns:a14="http://schemas.microsoft.com/office/drawing/2010/main" xmlns="" w="9525">
                   <a:solidFill>
                     <a:srgbClr val="000000"/>
                   </a:solidFill>
@@ -2880,7 +2889,7 @@
             </a:ln>
             <a:extLst>
               <a:ext uri="{91240B29-F687-4f45-9708-019B960494DF}">
-                <a14:hiddenLine xmlns="" xmlns:a14="http://schemas.microsoft.com/office/drawing/2010/main" w="9525">
+                <a14:hiddenLine xmlns:a14="http://schemas.microsoft.com/office/drawing/2010/main" xmlns="" w="9525">
                   <a:solidFill>
                     <a:srgbClr val="000000"/>
                   </a:solidFill>
@@ -2942,7 +2951,7 @@
             </a:ln>
             <a:extLst>
               <a:ext uri="{91240B29-F687-4f45-9708-019B960494DF}">
-                <a14:hiddenLine xmlns="" xmlns:a14="http://schemas.microsoft.com/office/drawing/2010/main" w="9525">
+                <a14:hiddenLine xmlns:a14="http://schemas.microsoft.com/office/drawing/2010/main" xmlns="" w="9525">
                   <a:solidFill>
                     <a:srgbClr val="000000"/>
                   </a:solidFill>
@@ -3032,7 +3041,7 @@
             </a:ln>
             <a:extLst>
               <a:ext uri="{91240B29-F687-4f45-9708-019B960494DF}">
-                <a14:hiddenLine xmlns="" xmlns:a14="http://schemas.microsoft.com/office/drawing/2010/main" w="9525">
+                <a14:hiddenLine xmlns:a14="http://schemas.microsoft.com/office/drawing/2010/main" xmlns="" w="9525">
                   <a:solidFill>
                     <a:srgbClr val="000000"/>
                   </a:solidFill>
@@ -3094,7 +3103,7 @@
             </a:ln>
             <a:extLst>
               <a:ext uri="{91240B29-F687-4f45-9708-019B960494DF}">
-                <a14:hiddenLine xmlns="" xmlns:a14="http://schemas.microsoft.com/office/drawing/2010/main" w="9525">
+                <a14:hiddenLine xmlns:a14="http://schemas.microsoft.com/office/drawing/2010/main" xmlns="" w="9525">
                   <a:solidFill>
                     <a:srgbClr val="000000"/>
                   </a:solidFill>
@@ -3184,7 +3193,7 @@
             </a:ln>
             <a:extLst>
               <a:ext uri="{91240B29-F687-4f45-9708-019B960494DF}">
-                <a14:hiddenLine xmlns="" xmlns:a14="http://schemas.microsoft.com/office/drawing/2010/main" w="9525">
+                <a14:hiddenLine xmlns:a14="http://schemas.microsoft.com/office/drawing/2010/main" xmlns="" w="9525">
                   <a:solidFill>
                     <a:srgbClr val="000000"/>
                   </a:solidFill>
@@ -3218,7 +3227,7 @@
             </a:ln>
             <a:extLst>
               <a:ext uri="{91240B29-F687-4f45-9708-019B960494DF}">
-                <a14:hiddenLine xmlns="" xmlns:a14="http://schemas.microsoft.com/office/drawing/2010/main" w="9525">
+                <a14:hiddenLine xmlns:a14="http://schemas.microsoft.com/office/drawing/2010/main" xmlns="" w="9525">
                   <a:solidFill>
                     <a:srgbClr val="000000"/>
                   </a:solidFill>
@@ -3283,7 +3292,7 @@
             </a:ln>
             <a:extLst>
               <a:ext uri="{91240B29-F687-4f45-9708-019B960494DF}">
-                <a14:hiddenLine xmlns="" xmlns:a14="http://schemas.microsoft.com/office/drawing/2010/main" w="9525">
+                <a14:hiddenLine xmlns:a14="http://schemas.microsoft.com/office/drawing/2010/main" xmlns="" w="9525">
                   <a:solidFill>
                     <a:srgbClr val="000000"/>
                   </a:solidFill>
@@ -3373,7 +3382,7 @@
             </a:ln>
             <a:extLst>
               <a:ext uri="{91240B29-F687-4f45-9708-019B960494DF}">
-                <a14:hiddenLine xmlns="" xmlns:a14="http://schemas.microsoft.com/office/drawing/2010/main" w="9525">
+                <a14:hiddenLine xmlns:a14="http://schemas.microsoft.com/office/drawing/2010/main" xmlns="" w="9525">
                   <a:solidFill>
                     <a:srgbClr val="000000"/>
                   </a:solidFill>
@@ -3435,7 +3444,7 @@
             </a:ln>
             <a:extLst>
               <a:ext uri="{91240B29-F687-4f45-9708-019B960494DF}">
-                <a14:hiddenLine xmlns="" xmlns:a14="http://schemas.microsoft.com/office/drawing/2010/main" w="9525">
+                <a14:hiddenLine xmlns:a14="http://schemas.microsoft.com/office/drawing/2010/main" xmlns="" w="9525">
                   <a:solidFill>
                     <a:srgbClr val="000000"/>
                   </a:solidFill>
@@ -3525,7 +3534,7 @@
             </a:ln>
             <a:extLst>
               <a:ext uri="{91240B29-F687-4f45-9708-019B960494DF}">
-                <a14:hiddenLine xmlns="" xmlns:a14="http://schemas.microsoft.com/office/drawing/2010/main" w="9525">
+                <a14:hiddenLine xmlns:a14="http://schemas.microsoft.com/office/drawing/2010/main" xmlns="" w="9525">
                   <a:solidFill>
                     <a:srgbClr val="000000"/>
                   </a:solidFill>
@@ -3615,7 +3624,7 @@
             </a:ln>
             <a:extLst>
               <a:ext uri="{91240B29-F687-4f45-9708-019B960494DF}">
-                <a14:hiddenLine xmlns="" xmlns:a14="http://schemas.microsoft.com/office/drawing/2010/main" w="9525">
+                <a14:hiddenLine xmlns:a14="http://schemas.microsoft.com/office/drawing/2010/main" xmlns="" w="9525">
                   <a:solidFill>
                     <a:srgbClr val="000000"/>
                   </a:solidFill>
@@ -3680,7 +3689,7 @@
             </a:ln>
             <a:extLst>
               <a:ext uri="{91240B29-F687-4f45-9708-019B960494DF}">
-                <a14:hiddenLine xmlns="" xmlns:a14="http://schemas.microsoft.com/office/drawing/2010/main" w="9525">
+                <a14:hiddenLine xmlns:a14="http://schemas.microsoft.com/office/drawing/2010/main" xmlns="" w="9525">
                   <a:solidFill>
                     <a:srgbClr val="000000"/>
                   </a:solidFill>
@@ -3742,7 +3751,7 @@
             </a:ln>
             <a:extLst>
               <a:ext uri="{91240B29-F687-4f45-9708-019B960494DF}">
-                <a14:hiddenLine xmlns="" xmlns:a14="http://schemas.microsoft.com/office/drawing/2010/main" w="9525">
+                <a14:hiddenLine xmlns:a14="http://schemas.microsoft.com/office/drawing/2010/main" xmlns="" w="9525">
                   <a:solidFill>
                     <a:srgbClr val="000000"/>
                   </a:solidFill>
@@ -3832,7 +3841,7 @@
             </a:ln>
             <a:extLst>
               <a:ext uri="{91240B29-F687-4f45-9708-019B960494DF}">
-                <a14:hiddenLine xmlns="" xmlns:a14="http://schemas.microsoft.com/office/drawing/2010/main" w="9525">
+                <a14:hiddenLine xmlns:a14="http://schemas.microsoft.com/office/drawing/2010/main" xmlns="" w="9525">
                   <a:solidFill>
                     <a:srgbClr val="000000"/>
                   </a:solidFill>
@@ -3922,7 +3931,7 @@
             </a:ln>
             <a:extLst>
               <a:ext uri="{91240B29-F687-4f45-9708-019B960494DF}">
-                <a14:hiddenLine xmlns="" xmlns:a14="http://schemas.microsoft.com/office/drawing/2010/main" w="9525">
+                <a14:hiddenLine xmlns:a14="http://schemas.microsoft.com/office/drawing/2010/main" xmlns="" w="9525">
                   <a:solidFill>
                     <a:srgbClr val="000000"/>
                   </a:solidFill>
@@ -3984,7 +3993,7 @@
             </a:ln>
             <a:extLst>
               <a:ext uri="{91240B29-F687-4f45-9708-019B960494DF}">
-                <a14:hiddenLine xmlns="" xmlns:a14="http://schemas.microsoft.com/office/drawing/2010/main" w="9525">
+                <a14:hiddenLine xmlns:a14="http://schemas.microsoft.com/office/drawing/2010/main" xmlns="" w="9525">
                   <a:solidFill>
                     <a:srgbClr val="000000"/>
                   </a:solidFill>
@@ -4104,7 +4113,7 @@
             </a:ln>
             <a:extLst>
               <a:ext uri="{91240B29-F687-4f45-9708-019B960494DF}">
-                <a14:hiddenLine xmlns="" xmlns:a14="http://schemas.microsoft.com/office/drawing/2010/main" w="9525">
+                <a14:hiddenLine xmlns:a14="http://schemas.microsoft.com/office/drawing/2010/main" xmlns="" w="9525">
                   <a:solidFill>
                     <a:srgbClr val="000000"/>
                   </a:solidFill>
@@ -4172,7 +4181,7 @@
             </a:ln>
             <a:extLst>
               <a:ext uri="{91240B29-F687-4f45-9708-019B960494DF}">
-                <a14:hiddenLine xmlns="" xmlns:a14="http://schemas.microsoft.com/office/drawing/2010/main" w="9525">
+                <a14:hiddenLine xmlns:a14="http://schemas.microsoft.com/office/drawing/2010/main" xmlns="" w="9525">
                   <a:solidFill>
                     <a:srgbClr val="000000"/>
                   </a:solidFill>
@@ -4262,7 +4271,7 @@
             </a:ln>
             <a:extLst>
               <a:ext uri="{91240B29-F687-4f45-9708-019B960494DF}">
-                <a14:hiddenLine xmlns="" xmlns:a14="http://schemas.microsoft.com/office/drawing/2010/main" w="9525">
+                <a14:hiddenLine xmlns:a14="http://schemas.microsoft.com/office/drawing/2010/main" xmlns="" w="9525">
                   <a:solidFill>
                     <a:srgbClr val="000000"/>
                   </a:solidFill>
@@ -4402,7 +4411,7 @@
           <a:p>
             <a:fld id="{48A87A34-81AB-432B-8DAE-1953F412C126}" type="datetimeFigureOut">
               <a:rPr lang="en-US" dirty="0"/>
-              <a:t>11/9/2018</a:t>
+              <a:t>11/12/2018</a:t>
             </a:fld>
             <a:endParaRPr lang="en-US" dirty="0"/>
           </a:p>
@@ -4664,7 +4673,7 @@
           <a:p>
             <a:fld id="{48A87A34-81AB-432B-8DAE-1953F412C126}" type="datetimeFigureOut">
               <a:rPr lang="en-US" dirty="0"/>
-              <a:t>11/9/2018</a:t>
+              <a:t>11/12/2018</a:t>
             </a:fld>
             <a:endParaRPr lang="en-US" dirty="0"/>
           </a:p>
@@ -4855,7 +4864,7 @@
           <a:p>
             <a:fld id="{48A87A34-81AB-432B-8DAE-1953F412C126}" type="datetimeFigureOut">
               <a:rPr lang="en-US" dirty="0"/>
-              <a:t>11/9/2018</a:t>
+              <a:t>11/12/2018</a:t>
             </a:fld>
             <a:endParaRPr lang="en-US" dirty="0"/>
           </a:p>
@@ -5113,7 +5122,7 @@
           <a:p>
             <a:fld id="{48A87A34-81AB-432B-8DAE-1953F412C126}" type="datetimeFigureOut">
               <a:rPr lang="en-US" dirty="0"/>
-              <a:t>11/9/2018</a:t>
+              <a:t>11/12/2018</a:t>
             </a:fld>
             <a:endParaRPr lang="en-US" dirty="0"/>
           </a:p>
@@ -5542,7 +5551,7 @@
           <a:p>
             <a:fld id="{48A87A34-81AB-432B-8DAE-1953F412C126}" type="datetimeFigureOut">
               <a:rPr lang="en-US" dirty="0"/>
-              <a:t>11/9/2018</a:t>
+              <a:t>11/12/2018</a:t>
             </a:fld>
             <a:endParaRPr lang="en-US" dirty="0"/>
           </a:p>
@@ -6083,7 +6092,7 @@
           <a:p>
             <a:fld id="{48A87A34-81AB-432B-8DAE-1953F412C126}" type="datetimeFigureOut">
               <a:rPr lang="en-US" dirty="0"/>
-              <a:t>11/9/2018</a:t>
+              <a:t>11/12/2018</a:t>
             </a:fld>
             <a:endParaRPr lang="en-US" dirty="0"/>
           </a:p>
@@ -6798,7 +6807,7 @@
           <a:p>
             <a:fld id="{48A87A34-81AB-432B-8DAE-1953F412C126}" type="datetimeFigureOut">
               <a:rPr lang="en-US" dirty="0"/>
-              <a:t>11/9/2018</a:t>
+              <a:t>11/12/2018</a:t>
             </a:fld>
             <a:endParaRPr lang="en-US" dirty="0"/>
           </a:p>
@@ -6963,7 +6972,7 @@
           <a:p>
             <a:fld id="{48A87A34-81AB-432B-8DAE-1953F412C126}" type="datetimeFigureOut">
               <a:rPr lang="en-US" dirty="0"/>
-              <a:t>11/9/2018</a:t>
+              <a:t>11/12/2018</a:t>
             </a:fld>
             <a:endParaRPr lang="en-US" dirty="0"/>
           </a:p>
@@ -7138,7 +7147,7 @@
           <a:p>
             <a:fld id="{48A87A34-81AB-432B-8DAE-1953F412C126}" type="datetimeFigureOut">
               <a:rPr lang="en-US" dirty="0"/>
-              <a:t>11/9/2018</a:t>
+              <a:t>11/12/2018</a:t>
             </a:fld>
             <a:endParaRPr lang="en-US" dirty="0"/>
           </a:p>
@@ -7303,7 +7312,7 @@
           <a:p>
             <a:fld id="{48A87A34-81AB-432B-8DAE-1953F412C126}" type="datetimeFigureOut">
               <a:rPr lang="en-US" dirty="0"/>
-              <a:t>11/9/2018</a:t>
+              <a:t>11/12/2018</a:t>
             </a:fld>
             <a:endParaRPr lang="en-US" dirty="0"/>
           </a:p>
@@ -7548,7 +7557,7 @@
           <a:p>
             <a:fld id="{48A87A34-81AB-432B-8DAE-1953F412C126}" type="datetimeFigureOut">
               <a:rPr lang="en-US" dirty="0"/>
-              <a:t>11/9/2018</a:t>
+              <a:t>11/12/2018</a:t>
             </a:fld>
             <a:endParaRPr lang="en-US" dirty="0"/>
           </a:p>
@@ -7775,7 +7784,7 @@
           <a:p>
             <a:fld id="{48A87A34-81AB-432B-8DAE-1953F412C126}" type="datetimeFigureOut">
               <a:rPr lang="en-US" dirty="0"/>
-              <a:t>11/9/2018</a:t>
+              <a:t>11/12/2018</a:t>
             </a:fld>
             <a:endParaRPr lang="en-US" dirty="0"/>
           </a:p>
@@ -8151,7 +8160,7 @@
           <a:p>
             <a:fld id="{48A87A34-81AB-432B-8DAE-1953F412C126}" type="datetimeFigureOut">
               <a:rPr lang="en-US" dirty="0"/>
-              <a:t>11/9/2018</a:t>
+              <a:t>11/12/2018</a:t>
             </a:fld>
             <a:endParaRPr lang="en-US" dirty="0"/>
           </a:p>
@@ -8264,7 +8273,7 @@
           <a:p>
             <a:fld id="{48A87A34-81AB-432B-8DAE-1953F412C126}" type="datetimeFigureOut">
               <a:rPr lang="en-US" dirty="0"/>
-              <a:t>11/9/2018</a:t>
+              <a:t>11/12/2018</a:t>
             </a:fld>
             <a:endParaRPr lang="en-US" dirty="0"/>
           </a:p>
@@ -8354,7 +8363,7 @@
           <a:p>
             <a:fld id="{48A87A34-81AB-432B-8DAE-1953F412C126}" type="datetimeFigureOut">
               <a:rPr lang="en-US" dirty="0"/>
-              <a:t>11/9/2018</a:t>
+              <a:t>11/12/2018</a:t>
             </a:fld>
             <a:endParaRPr lang="en-US" dirty="0"/>
           </a:p>
@@ -8598,7 +8607,7 @@
           <a:p>
             <a:fld id="{48A87A34-81AB-432B-8DAE-1953F412C126}" type="datetimeFigureOut">
               <a:rPr lang="en-US" dirty="0"/>
-              <a:t>11/9/2018</a:t>
+              <a:t>11/12/2018</a:t>
             </a:fld>
             <a:endParaRPr lang="en-US" dirty="0"/>
           </a:p>
@@ -8873,7 +8882,7 @@
           <a:p>
             <a:fld id="{48A87A34-81AB-432B-8DAE-1953F412C126}" type="datetimeFigureOut">
               <a:rPr lang="en-US" dirty="0"/>
-              <a:t>11/9/2018</a:t>
+              <a:t>11/12/2018</a:t>
             </a:fld>
             <a:endParaRPr lang="en-US" dirty="0"/>
           </a:p>
@@ -8984,7 +8993,7 @@
           <a:noFill/>
           <a:extLst>
             <a:ext uri="{909E8E84-426E-40dd-AFC4-6F175D3DCCD1}">
-              <a14:hiddenFill xmlns="" xmlns:a14="http://schemas.microsoft.com/office/drawing/2010/main">
+              <a14:hiddenFill xmlns:a14="http://schemas.microsoft.com/office/drawing/2010/main" xmlns="">
                 <a:solidFill>
                   <a:srgbClr val="FFFFFF"/>
                 </a:solidFill>
@@ -9058,7 +9067,7 @@
               </a:ln>
               <a:extLst>
                 <a:ext uri="{91240B29-F687-4f45-9708-019B960494DF}">
-                  <a14:hiddenLine xmlns="" xmlns:a14="http://schemas.microsoft.com/office/drawing/2010/main" w="9525">
+                  <a14:hiddenLine xmlns:a14="http://schemas.microsoft.com/office/drawing/2010/main" xmlns="" w="9525">
                     <a:solidFill>
                       <a:srgbClr val="000000"/>
                     </a:solidFill>
@@ -9148,7 +9157,7 @@
               </a:ln>
               <a:extLst>
                 <a:ext uri="{91240B29-F687-4f45-9708-019B960494DF}">
-                  <a14:hiddenLine xmlns="" xmlns:a14="http://schemas.microsoft.com/office/drawing/2010/main" w="9525">
+                  <a14:hiddenLine xmlns:a14="http://schemas.microsoft.com/office/drawing/2010/main" xmlns="" w="9525">
                     <a:solidFill>
                       <a:srgbClr val="000000"/>
                     </a:solidFill>
@@ -9238,7 +9247,7 @@
               </a:ln>
               <a:extLst>
                 <a:ext uri="{91240B29-F687-4f45-9708-019B960494DF}">
-                  <a14:hiddenLine xmlns="" xmlns:a14="http://schemas.microsoft.com/office/drawing/2010/main" w="9525">
+                  <a14:hiddenLine xmlns:a14="http://schemas.microsoft.com/office/drawing/2010/main" xmlns="" w="9525">
                     <a:solidFill>
                       <a:srgbClr val="000000"/>
                     </a:solidFill>
@@ -9300,7 +9309,7 @@
               </a:ln>
               <a:extLst>
                 <a:ext uri="{91240B29-F687-4f45-9708-019B960494DF}">
-                  <a14:hiddenLine xmlns="" xmlns:a14="http://schemas.microsoft.com/office/drawing/2010/main" w="9525">
+                  <a14:hiddenLine xmlns:a14="http://schemas.microsoft.com/office/drawing/2010/main" xmlns="" w="9525">
                     <a:solidFill>
                       <a:srgbClr val="000000"/>
                     </a:solidFill>
@@ -9390,7 +9399,7 @@
               </a:ln>
               <a:extLst>
                 <a:ext uri="{91240B29-F687-4f45-9708-019B960494DF}">
-                  <a14:hiddenLine xmlns="" xmlns:a14="http://schemas.microsoft.com/office/drawing/2010/main" w="9525">
+                  <a14:hiddenLine xmlns:a14="http://schemas.microsoft.com/office/drawing/2010/main" xmlns="" w="9525">
                     <a:solidFill>
                       <a:srgbClr val="000000"/>
                     </a:solidFill>
@@ -9452,7 +9461,7 @@
               </a:ln>
               <a:extLst>
                 <a:ext uri="{91240B29-F687-4f45-9708-019B960494DF}">
-                  <a14:hiddenLine xmlns="" xmlns:a14="http://schemas.microsoft.com/office/drawing/2010/main" w="9525">
+                  <a14:hiddenLine xmlns:a14="http://schemas.microsoft.com/office/drawing/2010/main" xmlns="" w="9525">
                     <a:solidFill>
                       <a:srgbClr val="000000"/>
                     </a:solidFill>
@@ -9514,7 +9523,7 @@
               </a:ln>
               <a:extLst>
                 <a:ext uri="{91240B29-F687-4f45-9708-019B960494DF}">
-                  <a14:hiddenLine xmlns="" xmlns:a14="http://schemas.microsoft.com/office/drawing/2010/main" w="9525">
+                  <a14:hiddenLine xmlns:a14="http://schemas.microsoft.com/office/drawing/2010/main" xmlns="" w="9525">
                     <a:solidFill>
                       <a:srgbClr val="000000"/>
                     </a:solidFill>
@@ -9604,7 +9613,7 @@
               </a:ln>
               <a:extLst>
                 <a:ext uri="{91240B29-F687-4f45-9708-019B960494DF}">
-                  <a14:hiddenLine xmlns="" xmlns:a14="http://schemas.microsoft.com/office/drawing/2010/main" w="9525">
+                  <a14:hiddenLine xmlns:a14="http://schemas.microsoft.com/office/drawing/2010/main" xmlns="" w="9525">
                     <a:solidFill>
                       <a:srgbClr val="000000"/>
                     </a:solidFill>
@@ -9694,7 +9703,7 @@
               </a:ln>
               <a:extLst>
                 <a:ext uri="{91240B29-F687-4f45-9708-019B960494DF}">
-                  <a14:hiddenLine xmlns="" xmlns:a14="http://schemas.microsoft.com/office/drawing/2010/main" w="9525">
+                  <a14:hiddenLine xmlns:a14="http://schemas.microsoft.com/office/drawing/2010/main" xmlns="" w="9525">
                     <a:solidFill>
                       <a:srgbClr val="000000"/>
                     </a:solidFill>
@@ -9756,7 +9765,7 @@
               </a:ln>
               <a:extLst>
                 <a:ext uri="{91240B29-F687-4f45-9708-019B960494DF}">
-                  <a14:hiddenLine xmlns="" xmlns:a14="http://schemas.microsoft.com/office/drawing/2010/main" w="9525">
+                  <a14:hiddenLine xmlns:a14="http://schemas.microsoft.com/office/drawing/2010/main" xmlns="" w="9525">
                     <a:solidFill>
                       <a:srgbClr val="000000"/>
                     </a:solidFill>
@@ -9866,7 +9875,7 @@
               </a:ln>
               <a:extLst>
                 <a:ext uri="{91240B29-F687-4f45-9708-019B960494DF}">
-                  <a14:hiddenLine xmlns="" xmlns:a14="http://schemas.microsoft.com/office/drawing/2010/main" w="9525">
+                  <a14:hiddenLine xmlns:a14="http://schemas.microsoft.com/office/drawing/2010/main" xmlns="" w="9525">
                     <a:solidFill>
                       <a:srgbClr val="000000"/>
                     </a:solidFill>
@@ -9950,7 +9959,7 @@
               </a:ln>
               <a:extLst>
                 <a:ext uri="{91240B29-F687-4f45-9708-019B960494DF}">
-                  <a14:hiddenLine xmlns="" xmlns:a14="http://schemas.microsoft.com/office/drawing/2010/main" w="9525">
+                  <a14:hiddenLine xmlns:a14="http://schemas.microsoft.com/office/drawing/2010/main" xmlns="" w="9525">
                     <a:solidFill>
                       <a:srgbClr val="000000"/>
                     </a:solidFill>
@@ -10012,7 +10021,7 @@
               </a:ln>
               <a:extLst>
                 <a:ext uri="{91240B29-F687-4f45-9708-019B960494DF}">
-                  <a14:hiddenLine xmlns="" xmlns:a14="http://schemas.microsoft.com/office/drawing/2010/main" w="9525">
+                  <a14:hiddenLine xmlns:a14="http://schemas.microsoft.com/office/drawing/2010/main" xmlns="" w="9525">
                     <a:solidFill>
                       <a:srgbClr val="000000"/>
                     </a:solidFill>
@@ -10074,7 +10083,7 @@
               </a:ln>
               <a:extLst>
                 <a:ext uri="{91240B29-F687-4f45-9708-019B960494DF}">
-                  <a14:hiddenLine xmlns="" xmlns:a14="http://schemas.microsoft.com/office/drawing/2010/main" w="9525">
+                  <a14:hiddenLine xmlns:a14="http://schemas.microsoft.com/office/drawing/2010/main" xmlns="" w="9525">
                     <a:solidFill>
                       <a:srgbClr val="000000"/>
                     </a:solidFill>
@@ -10164,7 +10173,7 @@
               </a:ln>
               <a:extLst>
                 <a:ext uri="{91240B29-F687-4f45-9708-019B960494DF}">
-                  <a14:hiddenLine xmlns="" xmlns:a14="http://schemas.microsoft.com/office/drawing/2010/main" w="9525">
+                  <a14:hiddenLine xmlns:a14="http://schemas.microsoft.com/office/drawing/2010/main" xmlns="" w="9525">
                     <a:solidFill>
                       <a:srgbClr val="000000"/>
                     </a:solidFill>
@@ -10198,7 +10207,7 @@
               </a:ln>
               <a:extLst>
                 <a:ext uri="{91240B29-F687-4f45-9708-019B960494DF}">
-                  <a14:hiddenLine xmlns="" xmlns:a14="http://schemas.microsoft.com/office/drawing/2010/main" w="9525">
+                  <a14:hiddenLine xmlns:a14="http://schemas.microsoft.com/office/drawing/2010/main" xmlns="" w="9525">
                     <a:solidFill>
                       <a:srgbClr val="000000"/>
                     </a:solidFill>
@@ -10263,7 +10272,7 @@
               </a:ln>
               <a:extLst>
                 <a:ext uri="{91240B29-F687-4f45-9708-019B960494DF}">
-                  <a14:hiddenLine xmlns="" xmlns:a14="http://schemas.microsoft.com/office/drawing/2010/main" w="9525">
+                  <a14:hiddenLine xmlns:a14="http://schemas.microsoft.com/office/drawing/2010/main" xmlns="" w="9525">
                     <a:solidFill>
                       <a:srgbClr val="000000"/>
                     </a:solidFill>
@@ -10353,7 +10362,7 @@
               </a:ln>
               <a:extLst>
                 <a:ext uri="{91240B29-F687-4f45-9708-019B960494DF}">
-                  <a14:hiddenLine xmlns="" xmlns:a14="http://schemas.microsoft.com/office/drawing/2010/main" w="9525">
+                  <a14:hiddenLine xmlns:a14="http://schemas.microsoft.com/office/drawing/2010/main" xmlns="" w="9525">
                     <a:solidFill>
                       <a:srgbClr val="000000"/>
                     </a:solidFill>
@@ -10415,7 +10424,7 @@
               </a:ln>
               <a:extLst>
                 <a:ext uri="{91240B29-F687-4f45-9708-019B960494DF}">
-                  <a14:hiddenLine xmlns="" xmlns:a14="http://schemas.microsoft.com/office/drawing/2010/main" w="9525">
+                  <a14:hiddenLine xmlns:a14="http://schemas.microsoft.com/office/drawing/2010/main" xmlns="" w="9525">
                     <a:solidFill>
                       <a:srgbClr val="000000"/>
                     </a:solidFill>
@@ -10505,7 +10514,7 @@
               </a:ln>
               <a:extLst>
                 <a:ext uri="{91240B29-F687-4f45-9708-019B960494DF}">
-                  <a14:hiddenLine xmlns="" xmlns:a14="http://schemas.microsoft.com/office/drawing/2010/main" w="9525">
+                  <a14:hiddenLine xmlns:a14="http://schemas.microsoft.com/office/drawing/2010/main" xmlns="" w="9525">
                     <a:solidFill>
                       <a:srgbClr val="000000"/>
                     </a:solidFill>
@@ -10570,7 +10579,7 @@
               </a:ln>
               <a:extLst>
                 <a:ext uri="{91240B29-F687-4f45-9708-019B960494DF}">
-                  <a14:hiddenLine xmlns="" xmlns:a14="http://schemas.microsoft.com/office/drawing/2010/main" w="9525">
+                  <a14:hiddenLine xmlns:a14="http://schemas.microsoft.com/office/drawing/2010/main" xmlns="" w="9525">
                     <a:solidFill>
                       <a:srgbClr val="000000"/>
                     </a:solidFill>
@@ -10632,7 +10641,7 @@
               </a:ln>
               <a:extLst>
                 <a:ext uri="{91240B29-F687-4f45-9708-019B960494DF}">
-                  <a14:hiddenLine xmlns="" xmlns:a14="http://schemas.microsoft.com/office/drawing/2010/main" w="9525">
+                  <a14:hiddenLine xmlns:a14="http://schemas.microsoft.com/office/drawing/2010/main" xmlns="" w="9525">
                     <a:solidFill>
                       <a:srgbClr val="000000"/>
                     </a:solidFill>
@@ -10722,7 +10731,7 @@
               </a:ln>
               <a:extLst>
                 <a:ext uri="{91240B29-F687-4f45-9708-019B960494DF}">
-                  <a14:hiddenLine xmlns="" xmlns:a14="http://schemas.microsoft.com/office/drawing/2010/main" w="9525">
+                  <a14:hiddenLine xmlns:a14="http://schemas.microsoft.com/office/drawing/2010/main" xmlns="" w="9525">
                     <a:solidFill>
                       <a:srgbClr val="000000"/>
                     </a:solidFill>
@@ -10812,7 +10821,7 @@
               </a:ln>
               <a:extLst>
                 <a:ext uri="{91240B29-F687-4f45-9708-019B960494DF}">
-                  <a14:hiddenLine xmlns="" xmlns:a14="http://schemas.microsoft.com/office/drawing/2010/main" w="9525">
+                  <a14:hiddenLine xmlns:a14="http://schemas.microsoft.com/office/drawing/2010/main" xmlns="" w="9525">
                     <a:solidFill>
                       <a:srgbClr val="000000"/>
                     </a:solidFill>
@@ -10877,7 +10886,7 @@
               </a:ln>
               <a:extLst>
                 <a:ext uri="{91240B29-F687-4f45-9708-019B960494DF}">
-                  <a14:hiddenLine xmlns="" xmlns:a14="http://schemas.microsoft.com/office/drawing/2010/main" w="9525">
+                  <a14:hiddenLine xmlns:a14="http://schemas.microsoft.com/office/drawing/2010/main" xmlns="" w="9525">
                     <a:solidFill>
                       <a:srgbClr val="000000"/>
                     </a:solidFill>
@@ -10997,7 +11006,7 @@
               </a:ln>
               <a:extLst>
                 <a:ext uri="{91240B29-F687-4f45-9708-019B960494DF}">
-                  <a14:hiddenLine xmlns="" xmlns:a14="http://schemas.microsoft.com/office/drawing/2010/main" w="9525">
+                  <a14:hiddenLine xmlns:a14="http://schemas.microsoft.com/office/drawing/2010/main" xmlns="" w="9525">
                     <a:solidFill>
                       <a:srgbClr val="000000"/>
                     </a:solidFill>
@@ -11095,7 +11104,7 @@
               </a:ln>
               <a:extLst>
                 <a:ext uri="{91240B29-F687-4f45-9708-019B960494DF}">
-                  <a14:hiddenLine xmlns="" xmlns:a14="http://schemas.microsoft.com/office/drawing/2010/main" w="9525">
+                  <a14:hiddenLine xmlns:a14="http://schemas.microsoft.com/office/drawing/2010/main" xmlns="" w="9525">
                     <a:solidFill>
                       <a:srgbClr val="000000"/>
                     </a:solidFill>
@@ -11210,7 +11219,7 @@
               </a:ln>
               <a:extLst>
                 <a:ext uri="{91240B29-F687-4f45-9708-019B960494DF}">
-                  <a14:hiddenLine xmlns="" xmlns:a14="http://schemas.microsoft.com/office/drawing/2010/main" w="9525">
+                  <a14:hiddenLine xmlns:a14="http://schemas.microsoft.com/office/drawing/2010/main" xmlns="" w="9525">
                     <a:solidFill>
                       <a:srgbClr val="000000"/>
                     </a:solidFill>
@@ -11300,7 +11309,7 @@
               </a:ln>
               <a:extLst>
                 <a:ext uri="{91240B29-F687-4f45-9708-019B960494DF}">
-                  <a14:hiddenLine xmlns="" xmlns:a14="http://schemas.microsoft.com/office/drawing/2010/main" w="9525">
+                  <a14:hiddenLine xmlns:a14="http://schemas.microsoft.com/office/drawing/2010/main" xmlns="" w="9525">
                     <a:solidFill>
                       <a:srgbClr val="000000"/>
                     </a:solidFill>
@@ -11365,7 +11374,7 @@
               </a:ln>
               <a:extLst>
                 <a:ext uri="{91240B29-F687-4f45-9708-019B960494DF}">
-                  <a14:hiddenLine xmlns="" xmlns:a14="http://schemas.microsoft.com/office/drawing/2010/main" w="9525">
+                  <a14:hiddenLine xmlns:a14="http://schemas.microsoft.com/office/drawing/2010/main" xmlns="" w="9525">
                     <a:solidFill>
                       <a:srgbClr val="000000"/>
                     </a:solidFill>
@@ -11455,7 +11464,7 @@
               </a:ln>
               <a:extLst>
                 <a:ext uri="{91240B29-F687-4f45-9708-019B960494DF}">
-                  <a14:hiddenLine xmlns="" xmlns:a14="http://schemas.microsoft.com/office/drawing/2010/main" w="9525">
+                  <a14:hiddenLine xmlns:a14="http://schemas.microsoft.com/office/drawing/2010/main" xmlns="" w="9525">
                     <a:solidFill>
                       <a:srgbClr val="000000"/>
                     </a:solidFill>
@@ -11523,7 +11532,7 @@
               </a:ln>
               <a:extLst>
                 <a:ext uri="{91240B29-F687-4f45-9708-019B960494DF}">
-                  <a14:hiddenLine xmlns="" xmlns:a14="http://schemas.microsoft.com/office/drawing/2010/main" w="9525">
+                  <a14:hiddenLine xmlns:a14="http://schemas.microsoft.com/office/drawing/2010/main" xmlns="" w="9525">
                     <a:solidFill>
                       <a:srgbClr val="000000"/>
                     </a:solidFill>
@@ -11613,7 +11622,7 @@
               </a:ln>
               <a:extLst>
                 <a:ext uri="{91240B29-F687-4f45-9708-019B960494DF}">
-                  <a14:hiddenLine xmlns="" xmlns:a14="http://schemas.microsoft.com/office/drawing/2010/main" w="9525">
+                  <a14:hiddenLine xmlns:a14="http://schemas.microsoft.com/office/drawing/2010/main" xmlns="" w="9525">
                     <a:solidFill>
                       <a:srgbClr val="000000"/>
                     </a:solidFill>
@@ -11681,7 +11690,7 @@
               </a:ln>
               <a:extLst>
                 <a:ext uri="{91240B29-F687-4f45-9708-019B960494DF}">
-                  <a14:hiddenLine xmlns="" xmlns:a14="http://schemas.microsoft.com/office/drawing/2010/main" w="9525">
+                  <a14:hiddenLine xmlns:a14="http://schemas.microsoft.com/office/drawing/2010/main" xmlns="" w="9525">
                     <a:solidFill>
                       <a:srgbClr val="000000"/>
                     </a:solidFill>
@@ -11771,7 +11780,7 @@
               </a:ln>
               <a:extLst>
                 <a:ext uri="{91240B29-F687-4f45-9708-019B960494DF}">
-                  <a14:hiddenLine xmlns="" xmlns:a14="http://schemas.microsoft.com/office/drawing/2010/main" w="9525">
+                  <a14:hiddenLine xmlns:a14="http://schemas.microsoft.com/office/drawing/2010/main" xmlns="" w="9525">
                     <a:solidFill>
                       <a:srgbClr val="000000"/>
                     </a:solidFill>
@@ -11805,7 +11814,7 @@
               </a:ln>
               <a:extLst>
                 <a:ext uri="{91240B29-F687-4f45-9708-019B960494DF}">
-                  <a14:hiddenLine xmlns="" xmlns:a14="http://schemas.microsoft.com/office/drawing/2010/main" w="9525">
+                  <a14:hiddenLine xmlns:a14="http://schemas.microsoft.com/office/drawing/2010/main" xmlns="" w="9525">
                     <a:solidFill>
                       <a:srgbClr val="000000"/>
                     </a:solidFill>
@@ -11946,7 +11955,7 @@
             <a:fld id="{48A87A34-81AB-432B-8DAE-1953F412C126}" type="datetimeFigureOut">
               <a:rPr lang="en-US" dirty="0"/>
               <a:pPr/>
-              <a:t>11/9/2018</a:t>
+              <a:t>11/12/2018</a:t>
             </a:fld>
             <a:endParaRPr lang="en-US" dirty="0"/>
           </a:p>
@@ -12482,6 +12491,150 @@
           <p:cNvPr id="2" name="Title 1">
             <a:extLst>
               <a:ext uri="{FF2B5EF4-FFF2-40B4-BE49-F238E27FC236}">
+                <a16:creationId xmlns:a16="http://schemas.microsoft.com/office/drawing/2014/main" id="{F6B0547D-38BC-4FE1-8930-609B7A1E043C}"/>
+              </a:ext>
+            </a:extLst>
+          </p:cNvPr>
+          <p:cNvSpPr>
+            <a:spLocks noGrp="1"/>
+          </p:cNvSpPr>
+          <p:nvPr>
+            <p:ph type="title"/>
+          </p:nvPr>
+        </p:nvSpPr>
+        <p:spPr/>
+        <p:txBody>
+          <a:bodyPr/>
+          <a:lstStyle/>
+          <a:p>
+            <a:r>
+              <a:rPr lang="en-US" dirty="0"/>
+              <a:t>Hardware components</a:t>
+            </a:r>
+          </a:p>
+        </p:txBody>
+      </p:sp>
+      <p:sp>
+        <p:nvSpPr>
+          <p:cNvPr id="3" name="Content Placeholder 2">
+            <a:extLst>
+              <a:ext uri="{FF2B5EF4-FFF2-40B4-BE49-F238E27FC236}">
+                <a16:creationId xmlns:a16="http://schemas.microsoft.com/office/drawing/2014/main" id="{EE62D9A4-8E70-42DE-B306-11B0578ACD45}"/>
+              </a:ext>
+            </a:extLst>
+          </p:cNvPr>
+          <p:cNvSpPr>
+            <a:spLocks noGrp="1"/>
+          </p:cNvSpPr>
+          <p:nvPr>
+            <p:ph idx="1"/>
+          </p:nvPr>
+        </p:nvSpPr>
+        <p:spPr/>
+        <p:txBody>
+          <a:bodyPr>
+            <a:normAutofit fontScale="85000" lnSpcReduction="20000"/>
+          </a:bodyPr>
+          <a:lstStyle/>
+          <a:p>
+            <a:r>
+              <a:rPr lang="en-US" dirty="0"/>
+              <a:t>Adafruit HUZZAH ESP8266 breakout</a:t>
+            </a:r>
+          </a:p>
+          <a:p>
+            <a:r>
+              <a:rPr lang="en-US" dirty="0"/>
+              <a:t>Standard 22 gauge wires</a:t>
+            </a:r>
+          </a:p>
+          <a:p>
+            <a:r>
+              <a:rPr lang="en-US" dirty="0"/>
+              <a:t>3V button cell batteries</a:t>
+            </a:r>
+          </a:p>
+          <a:p>
+            <a:r>
+              <a:rPr lang="en-US" dirty="0"/>
+              <a:t>Electrical tape </a:t>
+            </a:r>
+          </a:p>
+          <a:p>
+            <a:r>
+              <a:rPr lang="en-US" dirty="0"/>
+              <a:t>Duct tape </a:t>
+            </a:r>
+          </a:p>
+          <a:p>
+            <a:r>
+              <a:rPr lang="en-US" dirty="0"/>
+              <a:t>Hook-and-loop fasteners (Velcro</a:t>
+            </a:r>
+            <a:r>
+              <a:rPr lang="en-US" dirty="0">
+                <a:latin typeface="+mj-lt"/>
+              </a:rPr>
+              <a:t>©)</a:t>
+            </a:r>
+          </a:p>
+          <a:p>
+            <a:r>
+              <a:rPr lang="en-US" dirty="0"/>
+              <a:t>Breadboard (used for prototyping before soldering)</a:t>
+            </a:r>
+          </a:p>
+          <a:p>
+            <a:r>
+              <a:rPr lang="en-US" dirty="0"/>
+              <a:t>Soldering station (used to finalize the hardwiring)</a:t>
+            </a:r>
+          </a:p>
+          <a:p>
+            <a:endParaRPr lang="en-US" dirty="0">
+              <a:latin typeface="+mj-lt"/>
+            </a:endParaRPr>
+          </a:p>
+          <a:p>
+            <a:endParaRPr lang="en-US" dirty="0"/>
+          </a:p>
+        </p:txBody>
+      </p:sp>
+    </p:spTree>
+    <p:extLst>
+      <p:ext uri="{BB962C8B-B14F-4D97-AF65-F5344CB8AC3E}">
+        <p14:creationId xmlns:p14="http://schemas.microsoft.com/office/powerpoint/2010/main" val="756046126"/>
+      </p:ext>
+    </p:extLst>
+  </p:cSld>
+  <p:clrMapOvr>
+    <a:masterClrMapping/>
+  </p:clrMapOvr>
+</p:sld>
+</file>
+
+<file path=ppt/slides/slide11.xml><?xml version="1.0" encoding="utf-8"?>
+<p:sld xmlns:a="http://schemas.openxmlformats.org/drawingml/2006/main" xmlns:r="http://schemas.openxmlformats.org/officeDocument/2006/relationships" xmlns:p="http://schemas.openxmlformats.org/presentationml/2006/main">
+  <p:cSld>
+    <p:spTree>
+      <p:nvGrpSpPr>
+        <p:cNvPr id="1" name=""/>
+        <p:cNvGrpSpPr/>
+        <p:nvPr/>
+      </p:nvGrpSpPr>
+      <p:grpSpPr>
+        <a:xfrm>
+          <a:off x="0" y="0"/>
+          <a:ext cx="0" cy="0"/>
+          <a:chOff x="0" y="0"/>
+          <a:chExt cx="0" cy="0"/>
+        </a:xfrm>
+      </p:grpSpPr>
+      <p:sp>
+        <p:nvSpPr>
+          <p:cNvPr id="2" name="Title 1">
+            <a:extLst>
+              <a:ext uri="{FF2B5EF4-FFF2-40B4-BE49-F238E27FC236}">
                 <a16:creationId xmlns:a16="http://schemas.microsoft.com/office/drawing/2014/main" id="{F8E541FC-A1DA-49C7-AF13-E01A65338309}"/>
               </a:ext>
             </a:extLst>
@@ -12572,7 +12725,7 @@
 </p:sld>
 </file>
 
-<file path=ppt/slides/slide11.xml><?xml version="1.0" encoding="utf-8"?>
+<file path=ppt/slides/slide12.xml><?xml version="1.0" encoding="utf-8"?>
 <p:sld xmlns:a="http://schemas.openxmlformats.org/drawingml/2006/main" xmlns:r="http://schemas.openxmlformats.org/officeDocument/2006/relationships" xmlns:p="http://schemas.openxmlformats.org/presentationml/2006/main">
   <p:cSld>
     <p:spTree>
@@ -12742,7 +12895,7 @@
 </p:sld>
 </file>
 
-<file path=ppt/slides/slide12.xml><?xml version="1.0" encoding="utf-8"?>
+<file path=ppt/slides/slide13.xml><?xml version="1.0" encoding="utf-8"?>
 <p:sld xmlns:a="http://schemas.openxmlformats.org/drawingml/2006/main" xmlns:r="http://schemas.openxmlformats.org/officeDocument/2006/relationships" xmlns:p="http://schemas.openxmlformats.org/presentationml/2006/main">
   <p:cSld>
     <p:bg>
@@ -12918,7 +13071,7 @@
 </p:sld>
 </file>
 
-<file path=ppt/slides/slide13.xml><?xml version="1.0" encoding="utf-8"?>
+<file path=ppt/slides/slide14.xml><?xml version="1.0" encoding="utf-8"?>
 <p:sld xmlns:a="http://schemas.openxmlformats.org/drawingml/2006/main" xmlns:r="http://schemas.openxmlformats.org/officeDocument/2006/relationships" xmlns:p="http://schemas.openxmlformats.org/presentationml/2006/main">
   <p:cSld>
     <p:bg>
@@ -13049,7 +13202,7 @@
           </a:prstGeom>
           <a:extLst>
             <a:ext uri="{909E8E84-426E-40dd-AFC4-6F175D3DCCD1}">
-              <a14:hiddenFill xmlns="" xmlns:a16="http://schemas.microsoft.com/office/drawing/2014/main" xmlns:p14="http://schemas.microsoft.com/office/powerpoint/2010/main" xmlns:a14="http://schemas.microsoft.com/office/drawing/2010/main">
+              <a14:hiddenFill xmlns:a14="http://schemas.microsoft.com/office/drawing/2010/main" xmlns:p14="http://schemas.microsoft.com/office/powerpoint/2010/main" xmlns:a16="http://schemas.microsoft.com/office/drawing/2014/main" xmlns="">
                 <a:solidFill>
                   <a:srgbClr val="FFFFFF"/>
                 </a:solidFill>
@@ -13173,7 +13326,7 @@
           <a:noFill/>
           <a:extLst>
             <a:ext uri="{909E8E84-426E-40dd-AFC4-6F175D3DCCD1}">
-              <a14:hiddenFill xmlns="" xmlns:a16="http://schemas.microsoft.com/office/drawing/2014/main" xmlns:p14="http://schemas.microsoft.com/office/powerpoint/2010/main" xmlns:a14="http://schemas.microsoft.com/office/drawing/2010/main">
+              <a14:hiddenFill xmlns:a14="http://schemas.microsoft.com/office/drawing/2010/main" xmlns:p14="http://schemas.microsoft.com/office/powerpoint/2010/main" xmlns:a16="http://schemas.microsoft.com/office/drawing/2014/main" xmlns="">
                 <a:solidFill>
                   <a:srgbClr val="FFFFFF"/>
                 </a:solidFill>
@@ -13340,7 +13493,7 @@
             </a:ln>
             <a:extLst>
               <a:ext uri="{91240B29-F687-4f45-9708-019B960494DF}">
-                <a14:hiddenLine xmlns="" xmlns:a16="http://schemas.microsoft.com/office/drawing/2014/main" xmlns:p14="http://schemas.microsoft.com/office/powerpoint/2010/main" xmlns:a14="http://schemas.microsoft.com/office/drawing/2010/main" w="9525">
+                <a14:hiddenLine xmlns:a14="http://schemas.microsoft.com/office/drawing/2010/main" xmlns:p14="http://schemas.microsoft.com/office/powerpoint/2010/main" xmlns:a16="http://schemas.microsoft.com/office/drawing/2014/main" xmlns="" w="9525">
                   <a:solidFill>
                     <a:srgbClr val="000000"/>
                   </a:solidFill>
@@ -13445,7 +13598,7 @@
             </a:ln>
             <a:extLst>
               <a:ext uri="{91240B29-F687-4f45-9708-019B960494DF}">
-                <a14:hiddenLine xmlns="" xmlns:a16="http://schemas.microsoft.com/office/drawing/2014/main" xmlns:p14="http://schemas.microsoft.com/office/powerpoint/2010/main" xmlns:a14="http://schemas.microsoft.com/office/drawing/2010/main" w="9525">
+                <a14:hiddenLine xmlns:a14="http://schemas.microsoft.com/office/drawing/2010/main" xmlns:p14="http://schemas.microsoft.com/office/powerpoint/2010/main" xmlns:a16="http://schemas.microsoft.com/office/drawing/2014/main" xmlns="" w="9525">
                   <a:solidFill>
                     <a:srgbClr val="000000"/>
                   </a:solidFill>
@@ -13550,7 +13703,7 @@
             </a:ln>
             <a:extLst>
               <a:ext uri="{91240B29-F687-4f45-9708-019B960494DF}">
-                <a14:hiddenLine xmlns="" xmlns:a16="http://schemas.microsoft.com/office/drawing/2014/main" xmlns:p14="http://schemas.microsoft.com/office/powerpoint/2010/main" xmlns:a14="http://schemas.microsoft.com/office/drawing/2010/main" w="9525">
+                <a14:hiddenLine xmlns:a14="http://schemas.microsoft.com/office/drawing/2010/main" xmlns:p14="http://schemas.microsoft.com/office/powerpoint/2010/main" xmlns:a16="http://schemas.microsoft.com/office/drawing/2014/main" xmlns="" w="9525">
                   <a:solidFill>
                     <a:srgbClr val="000000"/>
                   </a:solidFill>
@@ -13627,7 +13780,7 @@
             </a:ln>
             <a:extLst>
               <a:ext uri="{91240B29-F687-4f45-9708-019B960494DF}">
-                <a14:hiddenLine xmlns="" xmlns:a16="http://schemas.microsoft.com/office/drawing/2014/main" xmlns:p14="http://schemas.microsoft.com/office/powerpoint/2010/main" xmlns:a14="http://schemas.microsoft.com/office/drawing/2010/main" w="9525">
+                <a14:hiddenLine xmlns:a14="http://schemas.microsoft.com/office/drawing/2010/main" xmlns:p14="http://schemas.microsoft.com/office/powerpoint/2010/main" xmlns:a16="http://schemas.microsoft.com/office/drawing/2014/main" xmlns="" w="9525">
                   <a:solidFill>
                     <a:srgbClr val="000000"/>
                   </a:solidFill>
@@ -13732,7 +13885,7 @@
             </a:ln>
             <a:extLst>
               <a:ext uri="{91240B29-F687-4f45-9708-019B960494DF}">
-                <a14:hiddenLine xmlns="" xmlns:a16="http://schemas.microsoft.com/office/drawing/2014/main" xmlns:p14="http://schemas.microsoft.com/office/powerpoint/2010/main" xmlns:a14="http://schemas.microsoft.com/office/drawing/2010/main" w="9525">
+                <a14:hiddenLine xmlns:a14="http://schemas.microsoft.com/office/drawing/2010/main" xmlns:p14="http://schemas.microsoft.com/office/powerpoint/2010/main" xmlns:a16="http://schemas.microsoft.com/office/drawing/2014/main" xmlns="" w="9525">
                   <a:solidFill>
                     <a:srgbClr val="000000"/>
                   </a:solidFill>
@@ -13809,7 +13962,7 @@
             </a:ln>
             <a:extLst>
               <a:ext uri="{91240B29-F687-4f45-9708-019B960494DF}">
-                <a14:hiddenLine xmlns="" xmlns:a16="http://schemas.microsoft.com/office/drawing/2014/main" xmlns:p14="http://schemas.microsoft.com/office/powerpoint/2010/main" xmlns:a14="http://schemas.microsoft.com/office/drawing/2010/main" w="9525">
+                <a14:hiddenLine xmlns:a14="http://schemas.microsoft.com/office/drawing/2010/main" xmlns:p14="http://schemas.microsoft.com/office/powerpoint/2010/main" xmlns:a16="http://schemas.microsoft.com/office/drawing/2014/main" xmlns="" w="9525">
                   <a:solidFill>
                     <a:srgbClr val="000000"/>
                   </a:solidFill>
@@ -13886,7 +14039,7 @@
             </a:ln>
             <a:extLst>
               <a:ext uri="{91240B29-F687-4f45-9708-019B960494DF}">
-                <a14:hiddenLine xmlns="" xmlns:a16="http://schemas.microsoft.com/office/drawing/2014/main" xmlns:p14="http://schemas.microsoft.com/office/powerpoint/2010/main" xmlns:a14="http://schemas.microsoft.com/office/drawing/2010/main" w="9525">
+                <a14:hiddenLine xmlns:a14="http://schemas.microsoft.com/office/drawing/2010/main" xmlns:p14="http://schemas.microsoft.com/office/powerpoint/2010/main" xmlns:a16="http://schemas.microsoft.com/office/drawing/2014/main" xmlns="" w="9525">
                   <a:solidFill>
                     <a:srgbClr val="000000"/>
                   </a:solidFill>
@@ -13991,7 +14144,7 @@
             </a:ln>
             <a:extLst>
               <a:ext uri="{91240B29-F687-4f45-9708-019B960494DF}">
-                <a14:hiddenLine xmlns="" xmlns:a16="http://schemas.microsoft.com/office/drawing/2014/main" xmlns:p14="http://schemas.microsoft.com/office/powerpoint/2010/main" xmlns:a14="http://schemas.microsoft.com/office/drawing/2010/main" w="9525">
+                <a14:hiddenLine xmlns:a14="http://schemas.microsoft.com/office/drawing/2010/main" xmlns:p14="http://schemas.microsoft.com/office/powerpoint/2010/main" xmlns:a16="http://schemas.microsoft.com/office/drawing/2014/main" xmlns="" w="9525">
                   <a:solidFill>
                     <a:srgbClr val="000000"/>
                   </a:solidFill>
@@ -14096,7 +14249,7 @@
             </a:ln>
             <a:extLst>
               <a:ext uri="{91240B29-F687-4f45-9708-019B960494DF}">
-                <a14:hiddenLine xmlns="" xmlns:a16="http://schemas.microsoft.com/office/drawing/2014/main" xmlns:p14="http://schemas.microsoft.com/office/powerpoint/2010/main" xmlns:a14="http://schemas.microsoft.com/office/drawing/2010/main" w="9525">
+                <a14:hiddenLine xmlns:a14="http://schemas.microsoft.com/office/drawing/2010/main" xmlns:p14="http://schemas.microsoft.com/office/powerpoint/2010/main" xmlns:a16="http://schemas.microsoft.com/office/drawing/2014/main" xmlns="" w="9525">
                   <a:solidFill>
                     <a:srgbClr val="000000"/>
                   </a:solidFill>
@@ -14173,7 +14326,7 @@
             </a:ln>
             <a:extLst>
               <a:ext uri="{91240B29-F687-4f45-9708-019B960494DF}">
-                <a14:hiddenLine xmlns="" xmlns:a16="http://schemas.microsoft.com/office/drawing/2014/main" xmlns:p14="http://schemas.microsoft.com/office/powerpoint/2010/main" xmlns:a14="http://schemas.microsoft.com/office/drawing/2010/main" w="9525">
+                <a14:hiddenLine xmlns:a14="http://schemas.microsoft.com/office/drawing/2010/main" xmlns:p14="http://schemas.microsoft.com/office/powerpoint/2010/main" xmlns:a16="http://schemas.microsoft.com/office/drawing/2014/main" xmlns="" w="9525">
                   <a:solidFill>
                     <a:srgbClr val="000000"/>
                   </a:solidFill>
@@ -14298,7 +14451,7 @@
             </a:ln>
             <a:extLst>
               <a:ext uri="{91240B29-F687-4f45-9708-019B960494DF}">
-                <a14:hiddenLine xmlns="" xmlns:a16="http://schemas.microsoft.com/office/drawing/2014/main" xmlns:p14="http://schemas.microsoft.com/office/powerpoint/2010/main" xmlns:a14="http://schemas.microsoft.com/office/drawing/2010/main" w="9525">
+                <a14:hiddenLine xmlns:a14="http://schemas.microsoft.com/office/drawing/2010/main" xmlns:p14="http://schemas.microsoft.com/office/powerpoint/2010/main" xmlns:a16="http://schemas.microsoft.com/office/drawing/2014/main" xmlns="" w="9525">
                   <a:solidFill>
                     <a:srgbClr val="000000"/>
                   </a:solidFill>
@@ -14412,7 +14565,7 @@
             </a:ln>
             <a:extLst>
               <a:ext uri="{91240B29-F687-4f45-9708-019B960494DF}">
-                <a14:hiddenLine xmlns="" xmlns:a16="http://schemas.microsoft.com/office/drawing/2014/main" xmlns:p14="http://schemas.microsoft.com/office/powerpoint/2010/main" xmlns:a14="http://schemas.microsoft.com/office/drawing/2010/main" w="9525">
+                <a14:hiddenLine xmlns:a14="http://schemas.microsoft.com/office/drawing/2010/main" xmlns:p14="http://schemas.microsoft.com/office/powerpoint/2010/main" xmlns:a16="http://schemas.microsoft.com/office/drawing/2014/main" xmlns="" w="9525">
                   <a:solidFill>
                     <a:srgbClr val="000000"/>
                   </a:solidFill>
@@ -14489,7 +14642,7 @@
             </a:ln>
             <a:extLst>
               <a:ext uri="{91240B29-F687-4f45-9708-019B960494DF}">
-                <a14:hiddenLine xmlns="" xmlns:a16="http://schemas.microsoft.com/office/drawing/2014/main" xmlns:p14="http://schemas.microsoft.com/office/powerpoint/2010/main" xmlns:a14="http://schemas.microsoft.com/office/drawing/2010/main" w="9525">
+                <a14:hiddenLine xmlns:a14="http://schemas.microsoft.com/office/drawing/2010/main" xmlns:p14="http://schemas.microsoft.com/office/powerpoint/2010/main" xmlns:a16="http://schemas.microsoft.com/office/drawing/2014/main" xmlns="" w="9525">
                   <a:solidFill>
                     <a:srgbClr val="000000"/>
                   </a:solidFill>
@@ -14566,7 +14719,7 @@
             </a:ln>
             <a:extLst>
               <a:ext uri="{91240B29-F687-4f45-9708-019B960494DF}">
-                <a14:hiddenLine xmlns="" xmlns:a16="http://schemas.microsoft.com/office/drawing/2014/main" xmlns:p14="http://schemas.microsoft.com/office/powerpoint/2010/main" xmlns:a14="http://schemas.microsoft.com/office/drawing/2010/main" w="9525">
+                <a14:hiddenLine xmlns:a14="http://schemas.microsoft.com/office/drawing/2010/main" xmlns:p14="http://schemas.microsoft.com/office/powerpoint/2010/main" xmlns:a16="http://schemas.microsoft.com/office/drawing/2014/main" xmlns="" w="9525">
                   <a:solidFill>
                     <a:srgbClr val="000000"/>
                   </a:solidFill>
@@ -14671,7 +14824,7 @@
             </a:ln>
             <a:extLst>
               <a:ext uri="{91240B29-F687-4f45-9708-019B960494DF}">
-                <a14:hiddenLine xmlns="" xmlns:a16="http://schemas.microsoft.com/office/drawing/2014/main" xmlns:p14="http://schemas.microsoft.com/office/powerpoint/2010/main" xmlns:a14="http://schemas.microsoft.com/office/drawing/2010/main" w="9525">
+                <a14:hiddenLine xmlns:a14="http://schemas.microsoft.com/office/drawing/2010/main" xmlns:p14="http://schemas.microsoft.com/office/powerpoint/2010/main" xmlns:a16="http://schemas.microsoft.com/office/drawing/2014/main" xmlns="" w="9525">
                   <a:solidFill>
                     <a:srgbClr val="000000"/>
                   </a:solidFill>
@@ -14720,7 +14873,7 @@
             </a:ln>
             <a:extLst>
               <a:ext uri="{91240B29-F687-4f45-9708-019B960494DF}">
-                <a14:hiddenLine xmlns="" xmlns:a16="http://schemas.microsoft.com/office/drawing/2014/main" xmlns:p14="http://schemas.microsoft.com/office/powerpoint/2010/main" xmlns:a14="http://schemas.microsoft.com/office/drawing/2010/main" w="9525">
+                <a14:hiddenLine xmlns:a14="http://schemas.microsoft.com/office/drawing/2010/main" xmlns:p14="http://schemas.microsoft.com/office/powerpoint/2010/main" xmlns:a16="http://schemas.microsoft.com/office/drawing/2014/main" xmlns="" w="9525">
                   <a:solidFill>
                     <a:srgbClr val="000000"/>
                   </a:solidFill>
@@ -14800,7 +14953,7 @@
             </a:ln>
             <a:extLst>
               <a:ext uri="{91240B29-F687-4f45-9708-019B960494DF}">
-                <a14:hiddenLine xmlns="" xmlns:a16="http://schemas.microsoft.com/office/drawing/2014/main" xmlns:p14="http://schemas.microsoft.com/office/powerpoint/2010/main" xmlns:a14="http://schemas.microsoft.com/office/drawing/2010/main" w="9525">
+                <a14:hiddenLine xmlns:a14="http://schemas.microsoft.com/office/drawing/2010/main" xmlns:p14="http://schemas.microsoft.com/office/powerpoint/2010/main" xmlns:a16="http://schemas.microsoft.com/office/drawing/2014/main" xmlns="" w="9525">
                   <a:solidFill>
                     <a:srgbClr val="000000"/>
                   </a:solidFill>
@@ -14905,7 +15058,7 @@
             </a:ln>
             <a:extLst>
               <a:ext uri="{91240B29-F687-4f45-9708-019B960494DF}">
-                <a14:hiddenLine xmlns="" xmlns:a16="http://schemas.microsoft.com/office/drawing/2014/main" xmlns:p14="http://schemas.microsoft.com/office/powerpoint/2010/main" xmlns:a14="http://schemas.microsoft.com/office/drawing/2010/main" w="9525">
+                <a14:hiddenLine xmlns:a14="http://schemas.microsoft.com/office/drawing/2010/main" xmlns:p14="http://schemas.microsoft.com/office/powerpoint/2010/main" xmlns:a16="http://schemas.microsoft.com/office/drawing/2014/main" xmlns="" w="9525">
                   <a:solidFill>
                     <a:srgbClr val="000000"/>
                   </a:solidFill>
@@ -14982,7 +15135,7 @@
             </a:ln>
             <a:extLst>
               <a:ext uri="{91240B29-F687-4f45-9708-019B960494DF}">
-                <a14:hiddenLine xmlns="" xmlns:a16="http://schemas.microsoft.com/office/drawing/2014/main" xmlns:p14="http://schemas.microsoft.com/office/powerpoint/2010/main" xmlns:a14="http://schemas.microsoft.com/office/drawing/2010/main" w="9525">
+                <a14:hiddenLine xmlns:a14="http://schemas.microsoft.com/office/drawing/2010/main" xmlns:p14="http://schemas.microsoft.com/office/powerpoint/2010/main" xmlns:a16="http://schemas.microsoft.com/office/drawing/2014/main" xmlns="" w="9525">
                   <a:solidFill>
                     <a:srgbClr val="000000"/>
                   </a:solidFill>
@@ -15087,7 +15240,7 @@
             </a:ln>
             <a:extLst>
               <a:ext uri="{91240B29-F687-4f45-9708-019B960494DF}">
-                <a14:hiddenLine xmlns="" xmlns:a16="http://schemas.microsoft.com/office/drawing/2014/main" xmlns:p14="http://schemas.microsoft.com/office/powerpoint/2010/main" xmlns:a14="http://schemas.microsoft.com/office/drawing/2010/main" w="9525">
+                <a14:hiddenLine xmlns:a14="http://schemas.microsoft.com/office/drawing/2010/main" xmlns:p14="http://schemas.microsoft.com/office/powerpoint/2010/main" xmlns:a16="http://schemas.microsoft.com/office/drawing/2014/main" xmlns="" w="9525">
                   <a:solidFill>
                     <a:srgbClr val="000000"/>
                   </a:solidFill>
@@ -15167,7 +15320,7 @@
             </a:ln>
             <a:extLst>
               <a:ext uri="{91240B29-F687-4f45-9708-019B960494DF}">
-                <a14:hiddenLine xmlns="" xmlns:a16="http://schemas.microsoft.com/office/drawing/2014/main" xmlns:p14="http://schemas.microsoft.com/office/powerpoint/2010/main" xmlns:a14="http://schemas.microsoft.com/office/drawing/2010/main" w="9525">
+                <a14:hiddenLine xmlns:a14="http://schemas.microsoft.com/office/drawing/2010/main" xmlns:p14="http://schemas.microsoft.com/office/powerpoint/2010/main" xmlns:a16="http://schemas.microsoft.com/office/drawing/2014/main" xmlns="" w="9525">
                   <a:solidFill>
                     <a:srgbClr val="000000"/>
                   </a:solidFill>
@@ -15244,7 +15397,7 @@
             </a:ln>
             <a:extLst>
               <a:ext uri="{91240B29-F687-4f45-9708-019B960494DF}">
-                <a14:hiddenLine xmlns="" xmlns:a16="http://schemas.microsoft.com/office/drawing/2014/main" xmlns:p14="http://schemas.microsoft.com/office/powerpoint/2010/main" xmlns:a14="http://schemas.microsoft.com/office/drawing/2010/main" w="9525">
+                <a14:hiddenLine xmlns:a14="http://schemas.microsoft.com/office/drawing/2010/main" xmlns:p14="http://schemas.microsoft.com/office/powerpoint/2010/main" xmlns:a16="http://schemas.microsoft.com/office/drawing/2014/main" xmlns="" w="9525">
                   <a:solidFill>
                     <a:srgbClr val="000000"/>
                   </a:solidFill>
@@ -15349,7 +15502,7 @@
             </a:ln>
             <a:extLst>
               <a:ext uri="{91240B29-F687-4f45-9708-019B960494DF}">
-                <a14:hiddenLine xmlns="" xmlns:a16="http://schemas.microsoft.com/office/drawing/2014/main" xmlns:p14="http://schemas.microsoft.com/office/powerpoint/2010/main" xmlns:a14="http://schemas.microsoft.com/office/drawing/2010/main" w="9525">
+                <a14:hiddenLine xmlns:a14="http://schemas.microsoft.com/office/drawing/2010/main" xmlns:p14="http://schemas.microsoft.com/office/powerpoint/2010/main" xmlns:a16="http://schemas.microsoft.com/office/drawing/2014/main" xmlns="" w="9525">
                   <a:solidFill>
                     <a:srgbClr val="000000"/>
                   </a:solidFill>
@@ -15454,7 +15607,7 @@
             </a:ln>
             <a:extLst>
               <a:ext uri="{91240B29-F687-4f45-9708-019B960494DF}">
-                <a14:hiddenLine xmlns="" xmlns:a16="http://schemas.microsoft.com/office/drawing/2014/main" xmlns:p14="http://schemas.microsoft.com/office/powerpoint/2010/main" xmlns:a14="http://schemas.microsoft.com/office/drawing/2010/main" w="9525">
+                <a14:hiddenLine xmlns:a14="http://schemas.microsoft.com/office/drawing/2010/main" xmlns:p14="http://schemas.microsoft.com/office/powerpoint/2010/main" xmlns:a16="http://schemas.microsoft.com/office/drawing/2014/main" xmlns="" w="9525">
                   <a:solidFill>
                     <a:srgbClr val="000000"/>
                   </a:solidFill>
@@ -15534,7 +15687,7 @@
             </a:ln>
             <a:extLst>
               <a:ext uri="{91240B29-F687-4f45-9708-019B960494DF}">
-                <a14:hiddenLine xmlns="" xmlns:a16="http://schemas.microsoft.com/office/drawing/2014/main" xmlns:p14="http://schemas.microsoft.com/office/powerpoint/2010/main" xmlns:a14="http://schemas.microsoft.com/office/drawing/2010/main" w="9525">
+                <a14:hiddenLine xmlns:a14="http://schemas.microsoft.com/office/drawing/2010/main" xmlns:p14="http://schemas.microsoft.com/office/powerpoint/2010/main" xmlns:a16="http://schemas.microsoft.com/office/drawing/2014/main" xmlns="" w="9525">
                   <a:solidFill>
                     <a:srgbClr val="000000"/>
                   </a:solidFill>
@@ -15669,7 +15822,7 @@
             </a:ln>
             <a:extLst>
               <a:ext uri="{91240B29-F687-4f45-9708-019B960494DF}">
-                <a14:hiddenLine xmlns="" xmlns:a16="http://schemas.microsoft.com/office/drawing/2014/main" xmlns:p14="http://schemas.microsoft.com/office/powerpoint/2010/main" xmlns:a14="http://schemas.microsoft.com/office/drawing/2010/main" w="9525">
+                <a14:hiddenLine xmlns:a14="http://schemas.microsoft.com/office/drawing/2010/main" xmlns:p14="http://schemas.microsoft.com/office/powerpoint/2010/main" xmlns:a16="http://schemas.microsoft.com/office/drawing/2014/main" xmlns="" w="9525">
                   <a:solidFill>
                     <a:srgbClr val="000000"/>
                   </a:solidFill>
@@ -15729,101 +15882,6 @@
 </p:sld>
 </file>
 
-<file path=ppt/slides/slide14.xml><?xml version="1.0" encoding="utf-8"?>
-<p:sld xmlns:a="http://schemas.openxmlformats.org/drawingml/2006/main" xmlns:r="http://schemas.openxmlformats.org/officeDocument/2006/relationships" xmlns:p="http://schemas.openxmlformats.org/presentationml/2006/main">
-  <p:cSld>
-    <p:spTree>
-      <p:nvGrpSpPr>
-        <p:cNvPr id="1" name=""/>
-        <p:cNvGrpSpPr/>
-        <p:nvPr/>
-      </p:nvGrpSpPr>
-      <p:grpSpPr>
-        <a:xfrm>
-          <a:off x="0" y="0"/>
-          <a:ext cx="0" cy="0"/>
-          <a:chOff x="0" y="0"/>
-          <a:chExt cx="0" cy="0"/>
-        </a:xfrm>
-      </p:grpSpPr>
-      <p:sp>
-        <p:nvSpPr>
-          <p:cNvPr id="2" name="Title 1">
-            <a:extLst>
-              <a:ext uri="{FF2B5EF4-FFF2-40B4-BE49-F238E27FC236}">
-                <a16:creationId xmlns:a16="http://schemas.microsoft.com/office/drawing/2014/main" id="{5F2F4C3F-93C2-43C1-9724-F924D9421B14}"/>
-              </a:ext>
-            </a:extLst>
-          </p:cNvPr>
-          <p:cNvSpPr>
-            <a:spLocks noGrp="1"/>
-          </p:cNvSpPr>
-          <p:nvPr>
-            <p:ph type="title"/>
-          </p:nvPr>
-        </p:nvSpPr>
-        <p:spPr/>
-        <p:txBody>
-          <a:bodyPr/>
-          <a:lstStyle/>
-          <a:p>
-            <a:r>
-              <a:rPr lang="en-US" dirty="0"/>
-              <a:t>Safety Risks</a:t>
-            </a:r>
-          </a:p>
-        </p:txBody>
-      </p:sp>
-      <p:sp>
-        <p:nvSpPr>
-          <p:cNvPr id="3" name="Content Placeholder 2">
-            <a:extLst>
-              <a:ext uri="{FF2B5EF4-FFF2-40B4-BE49-F238E27FC236}">
-                <a16:creationId xmlns:a16="http://schemas.microsoft.com/office/drawing/2014/main" id="{C4B0EABB-9146-47B4-93E7-3DBC7A0F0D38}"/>
-              </a:ext>
-            </a:extLst>
-          </p:cNvPr>
-          <p:cNvSpPr>
-            <a:spLocks noGrp="1"/>
-          </p:cNvSpPr>
-          <p:nvPr>
-            <p:ph idx="1"/>
-          </p:nvPr>
-        </p:nvSpPr>
-        <p:spPr/>
-        <p:txBody>
-          <a:bodyPr/>
-          <a:lstStyle/>
-          <a:p>
-            <a:r>
-              <a:rPr lang="en-US" dirty="0"/>
-              <a:t>Every component is commercial and thus has been tested and approved by the IEC 61508 electronics safety standard</a:t>
-            </a:r>
-          </a:p>
-          <a:p>
-            <a:r>
-              <a:rPr lang="en-US" dirty="0"/>
-              <a:t>The final product will be tested by UL60335 safety standard for household appliances.</a:t>
-            </a:r>
-          </a:p>
-          <a:p>
-            <a:endParaRPr lang="en-US" dirty="0"/>
-          </a:p>
-        </p:txBody>
-      </p:sp>
-    </p:spTree>
-    <p:extLst>
-      <p:ext uri="{BB962C8B-B14F-4D97-AF65-F5344CB8AC3E}">
-        <p14:creationId xmlns:p14="http://schemas.microsoft.com/office/powerpoint/2010/main" val="2160792276"/>
-      </p:ext>
-    </p:extLst>
-  </p:cSld>
-  <p:clrMapOvr>
-    <a:masterClrMapping/>
-  </p:clrMapOvr>
-</p:sld>
-</file>
-
 <file path=ppt/slides/slide15.xml><?xml version="1.0" encoding="utf-8"?>
 <p:sld xmlns:a="http://schemas.openxmlformats.org/drawingml/2006/main" xmlns:r="http://schemas.openxmlformats.org/officeDocument/2006/relationships" xmlns:p="http://schemas.openxmlformats.org/presentationml/2006/main">
   <p:cSld>
@@ -15846,7 +15904,7 @@
           <p:cNvPr id="2" name="Title 1">
             <a:extLst>
               <a:ext uri="{FF2B5EF4-FFF2-40B4-BE49-F238E27FC236}">
-                <a16:creationId xmlns:a16="http://schemas.microsoft.com/office/drawing/2014/main" id="{A502DBBB-C739-47E9-9BD7-736905F70067}"/>
+                <a16:creationId xmlns:a16="http://schemas.microsoft.com/office/drawing/2014/main" id="{9785B1D0-C9EE-4269-80E7-E1466F1D1D53}"/>
               </a:ext>
             </a:extLst>
           </p:cNvPr>
@@ -15864,7 +15922,94 @@
           <a:p>
             <a:r>
               <a:rPr lang="en-US" dirty="0"/>
-              <a:t>Security Risks</a:t>
+              <a:t>Timeline</a:t>
+            </a:r>
+          </a:p>
+        </p:txBody>
+      </p:sp>
+      <p:pic>
+        <p:nvPicPr>
+          <p:cNvPr id="5" name="Content Placeholder 4">
+            <a:extLst>
+              <a:ext uri="{FF2B5EF4-FFF2-40B4-BE49-F238E27FC236}">
+                <a16:creationId xmlns:a16="http://schemas.microsoft.com/office/drawing/2014/main" id="{164C876D-1111-4314-BD17-28EDAF0B9207}"/>
+              </a:ext>
+            </a:extLst>
+          </p:cNvPr>
+          <p:cNvPicPr>
+            <a:picLocks noGrp="1" noChangeAspect="1"/>
+          </p:cNvPicPr>
+          <p:nvPr>
+            <p:ph idx="1"/>
+          </p:nvPr>
+        </p:nvPicPr>
+        <p:blipFill>
+          <a:blip r:embed="rId2"/>
+          <a:stretch>
+            <a:fillRect/>
+          </a:stretch>
+        </p:blipFill>
+        <p:spPr>
+          <a:xfrm>
+            <a:off x="350952" y="2445352"/>
+            <a:ext cx="11589604" cy="2690171"/>
+          </a:xfrm>
+        </p:spPr>
+      </p:pic>
+    </p:spTree>
+    <p:extLst>
+      <p:ext uri="{BB962C8B-B14F-4D97-AF65-F5344CB8AC3E}">
+        <p14:creationId xmlns:p14="http://schemas.microsoft.com/office/powerpoint/2010/main" val="619789069"/>
+      </p:ext>
+    </p:extLst>
+  </p:cSld>
+  <p:clrMapOvr>
+    <a:masterClrMapping/>
+  </p:clrMapOvr>
+</p:sld>
+</file>
+
+<file path=ppt/slides/slide16.xml><?xml version="1.0" encoding="utf-8"?>
+<p:sld xmlns:a="http://schemas.openxmlformats.org/drawingml/2006/main" xmlns:r="http://schemas.openxmlformats.org/officeDocument/2006/relationships" xmlns:p="http://schemas.openxmlformats.org/presentationml/2006/main">
+  <p:cSld>
+    <p:spTree>
+      <p:nvGrpSpPr>
+        <p:cNvPr id="1" name=""/>
+        <p:cNvGrpSpPr/>
+        <p:nvPr/>
+      </p:nvGrpSpPr>
+      <p:grpSpPr>
+        <a:xfrm>
+          <a:off x="0" y="0"/>
+          <a:ext cx="0" cy="0"/>
+          <a:chOff x="0" y="0"/>
+          <a:chExt cx="0" cy="0"/>
+        </a:xfrm>
+      </p:grpSpPr>
+      <p:sp>
+        <p:nvSpPr>
+          <p:cNvPr id="2" name="Title 1">
+            <a:extLst>
+              <a:ext uri="{FF2B5EF4-FFF2-40B4-BE49-F238E27FC236}">
+                <a16:creationId xmlns:a16="http://schemas.microsoft.com/office/drawing/2014/main" id="{E2A00C15-C978-43AE-9B63-BB004BF3A973}"/>
+              </a:ext>
+            </a:extLst>
+          </p:cNvPr>
+          <p:cNvSpPr>
+            <a:spLocks noGrp="1"/>
+          </p:cNvSpPr>
+          <p:nvPr>
+            <p:ph type="title"/>
+          </p:nvPr>
+        </p:nvSpPr>
+        <p:spPr/>
+        <p:txBody>
+          <a:bodyPr/>
+          <a:lstStyle/>
+          <a:p>
+            <a:r>
+              <a:rPr lang="en-US" dirty="0"/>
+              <a:t>Milestones</a:t>
             </a:r>
           </a:p>
         </p:txBody>
@@ -15874,7 +16019,7 @@
           <p:cNvPr id="3" name="Content Placeholder 2">
             <a:extLst>
               <a:ext uri="{FF2B5EF4-FFF2-40B4-BE49-F238E27FC236}">
-                <a16:creationId xmlns:a16="http://schemas.microsoft.com/office/drawing/2014/main" id="{A0D3E5FC-964F-4B97-9238-76CFC5C2BEA3}"/>
+                <a16:creationId xmlns:a16="http://schemas.microsoft.com/office/drawing/2014/main" id="{AD7C4C7B-C492-4187-8C28-09729261AF0C}"/>
               </a:ext>
             </a:extLst>
           </p:cNvPr>
@@ -15890,14 +16035,269 @@
           <a:bodyPr/>
           <a:lstStyle/>
           <a:p>
-            <a:endParaRPr lang="en-US" dirty="0"/>
+            <a:endParaRPr lang="en-US"/>
           </a:p>
         </p:txBody>
       </p:sp>
     </p:spTree>
     <p:extLst>
       <p:ext uri="{BB962C8B-B14F-4D97-AF65-F5344CB8AC3E}">
-        <p14:creationId xmlns:p14="http://schemas.microsoft.com/office/powerpoint/2010/main" val="1687096456"/>
+        <p14:creationId xmlns:p14="http://schemas.microsoft.com/office/powerpoint/2010/main" val="2035620419"/>
+      </p:ext>
+    </p:extLst>
+  </p:cSld>
+  <p:clrMapOvr>
+    <a:masterClrMapping/>
+  </p:clrMapOvr>
+</p:sld>
+</file>
+
+<file path=ppt/slides/slide17.xml><?xml version="1.0" encoding="utf-8"?>
+<p:sld xmlns:a="http://schemas.openxmlformats.org/drawingml/2006/main" xmlns:r="http://schemas.openxmlformats.org/officeDocument/2006/relationships" xmlns:p="http://schemas.openxmlformats.org/presentationml/2006/main">
+  <p:cSld>
+    <p:spTree>
+      <p:nvGrpSpPr>
+        <p:cNvPr id="1" name=""/>
+        <p:cNvGrpSpPr/>
+        <p:nvPr/>
+      </p:nvGrpSpPr>
+      <p:grpSpPr>
+        <a:xfrm>
+          <a:off x="0" y="0"/>
+          <a:ext cx="0" cy="0"/>
+          <a:chOff x="0" y="0"/>
+          <a:chExt cx="0" cy="0"/>
+        </a:xfrm>
+      </p:grpSpPr>
+      <p:sp>
+        <p:nvSpPr>
+          <p:cNvPr id="2" name="Title 1">
+            <a:extLst>
+              <a:ext uri="{FF2B5EF4-FFF2-40B4-BE49-F238E27FC236}">
+                <a16:creationId xmlns:a16="http://schemas.microsoft.com/office/drawing/2014/main" id="{D17F8EA8-CCE9-446B-B1F5-58E0E3EA25BA}"/>
+              </a:ext>
+            </a:extLst>
+          </p:cNvPr>
+          <p:cNvSpPr>
+            <a:spLocks noGrp="1"/>
+          </p:cNvSpPr>
+          <p:nvPr>
+            <p:ph type="title"/>
+          </p:nvPr>
+        </p:nvSpPr>
+        <p:spPr/>
+        <p:txBody>
+          <a:bodyPr/>
+          <a:lstStyle/>
+          <a:p>
+            <a:r>
+              <a:rPr lang="en-US" dirty="0"/>
+              <a:t>Schedule Risks</a:t>
+            </a:r>
+          </a:p>
+        </p:txBody>
+      </p:sp>
+      <p:sp>
+        <p:nvSpPr>
+          <p:cNvPr id="3" name="Content Placeholder 2">
+            <a:extLst>
+              <a:ext uri="{FF2B5EF4-FFF2-40B4-BE49-F238E27FC236}">
+                <a16:creationId xmlns:a16="http://schemas.microsoft.com/office/drawing/2014/main" id="{A97F6D80-3EB0-4180-86D2-8404FF54B491}"/>
+              </a:ext>
+            </a:extLst>
+          </p:cNvPr>
+          <p:cNvSpPr>
+            <a:spLocks noGrp="1"/>
+          </p:cNvSpPr>
+          <p:nvPr>
+            <p:ph idx="1"/>
+          </p:nvPr>
+        </p:nvSpPr>
+        <p:spPr/>
+        <p:txBody>
+          <a:bodyPr/>
+          <a:lstStyle/>
+          <a:p>
+            <a:r>
+              <a:rPr lang="en-US" dirty="0"/>
+              <a:t>Development </a:t>
+            </a:r>
+          </a:p>
+        </p:txBody>
+      </p:sp>
+    </p:spTree>
+    <p:extLst>
+      <p:ext uri="{BB962C8B-B14F-4D97-AF65-F5344CB8AC3E}">
+        <p14:creationId xmlns:p14="http://schemas.microsoft.com/office/powerpoint/2010/main" val="4056125781"/>
+      </p:ext>
+    </p:extLst>
+  </p:cSld>
+  <p:clrMapOvr>
+    <a:masterClrMapping/>
+  </p:clrMapOvr>
+</p:sld>
+</file>
+
+<file path=ppt/slides/slide18.xml><?xml version="1.0" encoding="utf-8"?>
+<p:sld xmlns:a="http://schemas.openxmlformats.org/drawingml/2006/main" xmlns:r="http://schemas.openxmlformats.org/officeDocument/2006/relationships" xmlns:p="http://schemas.openxmlformats.org/presentationml/2006/main">
+  <p:cSld>
+    <p:spTree>
+      <p:nvGrpSpPr>
+        <p:cNvPr id="1" name=""/>
+        <p:cNvGrpSpPr/>
+        <p:nvPr/>
+      </p:nvGrpSpPr>
+      <p:grpSpPr>
+        <a:xfrm>
+          <a:off x="0" y="0"/>
+          <a:ext cx="0" cy="0"/>
+          <a:chOff x="0" y="0"/>
+          <a:chExt cx="0" cy="0"/>
+        </a:xfrm>
+      </p:grpSpPr>
+      <p:sp>
+        <p:nvSpPr>
+          <p:cNvPr id="2" name="Title 1">
+            <a:extLst>
+              <a:ext uri="{FF2B5EF4-FFF2-40B4-BE49-F238E27FC236}">
+                <a16:creationId xmlns:a16="http://schemas.microsoft.com/office/drawing/2014/main" id="{D96E450C-03D5-4A2C-A581-9916DEC4165C}"/>
+              </a:ext>
+            </a:extLst>
+          </p:cNvPr>
+          <p:cNvSpPr>
+            <a:spLocks noGrp="1"/>
+          </p:cNvSpPr>
+          <p:nvPr>
+            <p:ph type="title"/>
+          </p:nvPr>
+        </p:nvSpPr>
+        <p:spPr/>
+        <p:txBody>
+          <a:bodyPr/>
+          <a:lstStyle/>
+          <a:p>
+            <a:r>
+              <a:rPr lang="en-US" dirty="0"/>
+              <a:t>Test plan</a:t>
+            </a:r>
+          </a:p>
+        </p:txBody>
+      </p:sp>
+      <p:sp>
+        <p:nvSpPr>
+          <p:cNvPr id="3" name="Content Placeholder 2">
+            <a:extLst>
+              <a:ext uri="{FF2B5EF4-FFF2-40B4-BE49-F238E27FC236}">
+                <a16:creationId xmlns:a16="http://schemas.microsoft.com/office/drawing/2014/main" id="{7AB486BF-58C1-4569-88F8-265CF9CE55E5}"/>
+              </a:ext>
+            </a:extLst>
+          </p:cNvPr>
+          <p:cNvSpPr>
+            <a:spLocks noGrp="1"/>
+          </p:cNvSpPr>
+          <p:nvPr>
+            <p:ph idx="1"/>
+          </p:nvPr>
+        </p:nvSpPr>
+        <p:spPr/>
+        <p:txBody>
+          <a:bodyPr/>
+          <a:lstStyle/>
+          <a:p>
+            <a:endParaRPr lang="en-US"/>
+          </a:p>
+        </p:txBody>
+      </p:sp>
+    </p:spTree>
+    <p:extLst>
+      <p:ext uri="{BB962C8B-B14F-4D97-AF65-F5344CB8AC3E}">
+        <p14:creationId xmlns:p14="http://schemas.microsoft.com/office/powerpoint/2010/main" val="3165287054"/>
+      </p:ext>
+    </p:extLst>
+  </p:cSld>
+  <p:clrMapOvr>
+    <a:masterClrMapping/>
+  </p:clrMapOvr>
+</p:sld>
+</file>
+
+<file path=ppt/slides/slide19.xml><?xml version="1.0" encoding="utf-8"?>
+<p:sld xmlns:a="http://schemas.openxmlformats.org/drawingml/2006/main" xmlns:r="http://schemas.openxmlformats.org/officeDocument/2006/relationships" xmlns:p="http://schemas.openxmlformats.org/presentationml/2006/main">
+  <p:cSld>
+    <p:spTree>
+      <p:nvGrpSpPr>
+        <p:cNvPr id="1" name=""/>
+        <p:cNvGrpSpPr/>
+        <p:nvPr/>
+      </p:nvGrpSpPr>
+      <p:grpSpPr>
+        <a:xfrm>
+          <a:off x="0" y="0"/>
+          <a:ext cx="0" cy="0"/>
+          <a:chOff x="0" y="0"/>
+          <a:chExt cx="0" cy="0"/>
+        </a:xfrm>
+      </p:grpSpPr>
+      <p:sp>
+        <p:nvSpPr>
+          <p:cNvPr id="2" name="Title 1">
+            <a:extLst>
+              <a:ext uri="{FF2B5EF4-FFF2-40B4-BE49-F238E27FC236}">
+                <a16:creationId xmlns:a16="http://schemas.microsoft.com/office/drawing/2014/main" id="{FF248E50-4985-4B9F-80EA-971F19E12E8C}"/>
+              </a:ext>
+            </a:extLst>
+          </p:cNvPr>
+          <p:cNvSpPr>
+            <a:spLocks noGrp="1"/>
+          </p:cNvSpPr>
+          <p:nvPr>
+            <p:ph type="title"/>
+          </p:nvPr>
+        </p:nvSpPr>
+        <p:spPr/>
+        <p:txBody>
+          <a:bodyPr/>
+          <a:lstStyle/>
+          <a:p>
+            <a:r>
+              <a:rPr lang="en-US" dirty="0"/>
+              <a:t>Prototype Testing</a:t>
+            </a:r>
+          </a:p>
+        </p:txBody>
+      </p:sp>
+      <p:sp>
+        <p:nvSpPr>
+          <p:cNvPr id="3" name="Content Placeholder 2">
+            <a:extLst>
+              <a:ext uri="{FF2B5EF4-FFF2-40B4-BE49-F238E27FC236}">
+                <a16:creationId xmlns:a16="http://schemas.microsoft.com/office/drawing/2014/main" id="{BC1D741B-52DC-47D7-8C9B-3EE2BB6F94FC}"/>
+              </a:ext>
+            </a:extLst>
+          </p:cNvPr>
+          <p:cNvSpPr>
+            <a:spLocks noGrp="1"/>
+          </p:cNvSpPr>
+          <p:nvPr>
+            <p:ph idx="1"/>
+          </p:nvPr>
+        </p:nvSpPr>
+        <p:spPr/>
+        <p:txBody>
+          <a:bodyPr/>
+          <a:lstStyle/>
+          <a:p>
+            <a:r>
+              <a:rPr lang="en-US" dirty="0"/>
+              <a:t>Facilities &amp; Hardware</a:t>
+            </a:r>
+          </a:p>
+        </p:txBody>
+      </p:sp>
+    </p:spTree>
+    <p:extLst>
+      <p:ext uri="{BB962C8B-B14F-4D97-AF65-F5344CB8AC3E}">
+        <p14:creationId xmlns:p14="http://schemas.microsoft.com/office/powerpoint/2010/main" val="2283518553"/>
       </p:ext>
     </p:extLst>
   </p:cSld>
@@ -16040,6 +16440,436 @@
 </p:sld>
 </file>
 
+<file path=ppt/slides/slide20.xml><?xml version="1.0" encoding="utf-8"?>
+<p:sld xmlns:a="http://schemas.openxmlformats.org/drawingml/2006/main" xmlns:r="http://schemas.openxmlformats.org/officeDocument/2006/relationships" xmlns:p="http://schemas.openxmlformats.org/presentationml/2006/main">
+  <p:cSld>
+    <p:spTree>
+      <p:nvGrpSpPr>
+        <p:cNvPr id="1" name=""/>
+        <p:cNvGrpSpPr/>
+        <p:nvPr/>
+      </p:nvGrpSpPr>
+      <p:grpSpPr>
+        <a:xfrm>
+          <a:off x="0" y="0"/>
+          <a:ext cx="0" cy="0"/>
+          <a:chOff x="0" y="0"/>
+          <a:chExt cx="0" cy="0"/>
+        </a:xfrm>
+      </p:grpSpPr>
+      <p:sp>
+        <p:nvSpPr>
+          <p:cNvPr id="2" name="Title 1">
+            <a:extLst>
+              <a:ext uri="{FF2B5EF4-FFF2-40B4-BE49-F238E27FC236}">
+                <a16:creationId xmlns:a16="http://schemas.microsoft.com/office/drawing/2014/main" id="{FCC050AF-12C1-4B7B-AF0D-537DB1CBEFA7}"/>
+              </a:ext>
+            </a:extLst>
+          </p:cNvPr>
+          <p:cNvSpPr>
+            <a:spLocks noGrp="1"/>
+          </p:cNvSpPr>
+          <p:nvPr>
+            <p:ph type="title"/>
+          </p:nvPr>
+        </p:nvSpPr>
+        <p:spPr/>
+        <p:txBody>
+          <a:bodyPr/>
+          <a:lstStyle/>
+          <a:p>
+            <a:r>
+              <a:rPr lang="en-US" dirty="0"/>
+              <a:t>Software Testing</a:t>
+            </a:r>
+          </a:p>
+        </p:txBody>
+      </p:sp>
+      <p:sp>
+        <p:nvSpPr>
+          <p:cNvPr id="3" name="Content Placeholder 2">
+            <a:extLst>
+              <a:ext uri="{FF2B5EF4-FFF2-40B4-BE49-F238E27FC236}">
+                <a16:creationId xmlns:a16="http://schemas.microsoft.com/office/drawing/2014/main" id="{4D237477-B566-4D7F-98B3-201697B3DDCA}"/>
+              </a:ext>
+            </a:extLst>
+          </p:cNvPr>
+          <p:cNvSpPr>
+            <a:spLocks noGrp="1"/>
+          </p:cNvSpPr>
+          <p:nvPr>
+            <p:ph idx="1"/>
+          </p:nvPr>
+        </p:nvSpPr>
+        <p:spPr/>
+        <p:txBody>
+          <a:bodyPr/>
+          <a:lstStyle/>
+          <a:p>
+            <a:r>
+              <a:rPr lang="en-US" dirty="0"/>
+              <a:t>Facilities &amp; Hardware</a:t>
+            </a:r>
+          </a:p>
+        </p:txBody>
+      </p:sp>
+    </p:spTree>
+    <p:extLst>
+      <p:ext uri="{BB962C8B-B14F-4D97-AF65-F5344CB8AC3E}">
+        <p14:creationId xmlns:p14="http://schemas.microsoft.com/office/powerpoint/2010/main" val="840374765"/>
+      </p:ext>
+    </p:extLst>
+  </p:cSld>
+  <p:clrMapOvr>
+    <a:masterClrMapping/>
+  </p:clrMapOvr>
+</p:sld>
+</file>
+
+<file path=ppt/slides/slide21.xml><?xml version="1.0" encoding="utf-8"?>
+<p:sld xmlns:a="http://schemas.openxmlformats.org/drawingml/2006/main" xmlns:r="http://schemas.openxmlformats.org/officeDocument/2006/relationships" xmlns:p="http://schemas.openxmlformats.org/presentationml/2006/main">
+  <p:cSld>
+    <p:spTree>
+      <p:nvGrpSpPr>
+        <p:cNvPr id="1" name=""/>
+        <p:cNvGrpSpPr/>
+        <p:nvPr/>
+      </p:nvGrpSpPr>
+      <p:grpSpPr>
+        <a:xfrm>
+          <a:off x="0" y="0"/>
+          <a:ext cx="0" cy="0"/>
+          <a:chOff x="0" y="0"/>
+          <a:chExt cx="0" cy="0"/>
+        </a:xfrm>
+      </p:grpSpPr>
+      <p:sp>
+        <p:nvSpPr>
+          <p:cNvPr id="2" name="Title 1">
+            <a:extLst>
+              <a:ext uri="{FF2B5EF4-FFF2-40B4-BE49-F238E27FC236}">
+                <a16:creationId xmlns:a16="http://schemas.microsoft.com/office/drawing/2014/main" id="{5F2F4C3F-93C2-43C1-9724-F924D9421B14}"/>
+              </a:ext>
+            </a:extLst>
+          </p:cNvPr>
+          <p:cNvSpPr>
+            <a:spLocks noGrp="1"/>
+          </p:cNvSpPr>
+          <p:nvPr>
+            <p:ph type="title"/>
+          </p:nvPr>
+        </p:nvSpPr>
+        <p:spPr/>
+        <p:txBody>
+          <a:bodyPr/>
+          <a:lstStyle/>
+          <a:p>
+            <a:r>
+              <a:rPr lang="en-US" dirty="0"/>
+              <a:t>Safety Risks</a:t>
+            </a:r>
+          </a:p>
+        </p:txBody>
+      </p:sp>
+      <p:sp>
+        <p:nvSpPr>
+          <p:cNvPr id="3" name="Content Placeholder 2">
+            <a:extLst>
+              <a:ext uri="{FF2B5EF4-FFF2-40B4-BE49-F238E27FC236}">
+                <a16:creationId xmlns:a16="http://schemas.microsoft.com/office/drawing/2014/main" id="{C4B0EABB-9146-47B4-93E7-3DBC7A0F0D38}"/>
+              </a:ext>
+            </a:extLst>
+          </p:cNvPr>
+          <p:cNvSpPr>
+            <a:spLocks noGrp="1"/>
+          </p:cNvSpPr>
+          <p:nvPr>
+            <p:ph idx="1"/>
+          </p:nvPr>
+        </p:nvSpPr>
+        <p:spPr/>
+        <p:txBody>
+          <a:bodyPr/>
+          <a:lstStyle/>
+          <a:p>
+            <a:r>
+              <a:rPr lang="en-US" dirty="0"/>
+              <a:t>Every component is commercial and thus has been tested and approved by the IEC 61508 electronics safety standard</a:t>
+            </a:r>
+          </a:p>
+          <a:p>
+            <a:r>
+              <a:rPr lang="en-US" dirty="0"/>
+              <a:t>The final product will be tested by UL60335 safety standard for household appliances.</a:t>
+            </a:r>
+          </a:p>
+          <a:p>
+            <a:endParaRPr lang="en-US" dirty="0"/>
+          </a:p>
+        </p:txBody>
+      </p:sp>
+    </p:spTree>
+    <p:extLst>
+      <p:ext uri="{BB962C8B-B14F-4D97-AF65-F5344CB8AC3E}">
+        <p14:creationId xmlns:p14="http://schemas.microsoft.com/office/powerpoint/2010/main" val="2160792276"/>
+      </p:ext>
+    </p:extLst>
+  </p:cSld>
+  <p:clrMapOvr>
+    <a:masterClrMapping/>
+  </p:clrMapOvr>
+</p:sld>
+</file>
+
+<file path=ppt/slides/slide22.xml><?xml version="1.0" encoding="utf-8"?>
+<p:sld xmlns:a="http://schemas.openxmlformats.org/drawingml/2006/main" xmlns:r="http://schemas.openxmlformats.org/officeDocument/2006/relationships" xmlns:p="http://schemas.openxmlformats.org/presentationml/2006/main">
+  <p:cSld>
+    <p:spTree>
+      <p:nvGrpSpPr>
+        <p:cNvPr id="1" name=""/>
+        <p:cNvGrpSpPr/>
+        <p:nvPr/>
+      </p:nvGrpSpPr>
+      <p:grpSpPr>
+        <a:xfrm>
+          <a:off x="0" y="0"/>
+          <a:ext cx="0" cy="0"/>
+          <a:chOff x="0" y="0"/>
+          <a:chExt cx="0" cy="0"/>
+        </a:xfrm>
+      </p:grpSpPr>
+      <p:sp>
+        <p:nvSpPr>
+          <p:cNvPr id="2" name="Title 1">
+            <a:extLst>
+              <a:ext uri="{FF2B5EF4-FFF2-40B4-BE49-F238E27FC236}">
+                <a16:creationId xmlns:a16="http://schemas.microsoft.com/office/drawing/2014/main" id="{A502DBBB-C739-47E9-9BD7-736905F70067}"/>
+              </a:ext>
+            </a:extLst>
+          </p:cNvPr>
+          <p:cNvSpPr>
+            <a:spLocks noGrp="1"/>
+          </p:cNvSpPr>
+          <p:nvPr>
+            <p:ph type="title"/>
+          </p:nvPr>
+        </p:nvSpPr>
+        <p:spPr/>
+        <p:txBody>
+          <a:bodyPr/>
+          <a:lstStyle/>
+          <a:p>
+            <a:r>
+              <a:rPr lang="en-US" dirty="0"/>
+              <a:t>Security Risks</a:t>
+            </a:r>
+          </a:p>
+        </p:txBody>
+      </p:sp>
+      <p:sp>
+        <p:nvSpPr>
+          <p:cNvPr id="3" name="Content Placeholder 2">
+            <a:extLst>
+              <a:ext uri="{FF2B5EF4-FFF2-40B4-BE49-F238E27FC236}">
+                <a16:creationId xmlns:a16="http://schemas.microsoft.com/office/drawing/2014/main" id="{A0D3E5FC-964F-4B97-9238-76CFC5C2BEA3}"/>
+              </a:ext>
+            </a:extLst>
+          </p:cNvPr>
+          <p:cNvSpPr>
+            <a:spLocks noGrp="1"/>
+          </p:cNvSpPr>
+          <p:nvPr>
+            <p:ph idx="1"/>
+          </p:nvPr>
+        </p:nvSpPr>
+        <p:spPr/>
+        <p:txBody>
+          <a:bodyPr/>
+          <a:lstStyle/>
+          <a:p>
+            <a:endParaRPr lang="en-US" dirty="0"/>
+          </a:p>
+        </p:txBody>
+      </p:sp>
+    </p:spTree>
+    <p:extLst>
+      <p:ext uri="{BB962C8B-B14F-4D97-AF65-F5344CB8AC3E}">
+        <p14:creationId xmlns:p14="http://schemas.microsoft.com/office/powerpoint/2010/main" val="1687096456"/>
+      </p:ext>
+    </p:extLst>
+  </p:cSld>
+  <p:clrMapOvr>
+    <a:masterClrMapping/>
+  </p:clrMapOvr>
+</p:sld>
+</file>
+
+<file path=ppt/slides/slide23.xml><?xml version="1.0" encoding="utf-8"?>
+<p:sld xmlns:a="http://schemas.openxmlformats.org/drawingml/2006/main" xmlns:r="http://schemas.openxmlformats.org/officeDocument/2006/relationships" xmlns:p="http://schemas.openxmlformats.org/presentationml/2006/main">
+  <p:cSld>
+    <p:spTree>
+      <p:nvGrpSpPr>
+        <p:cNvPr id="1" name=""/>
+        <p:cNvGrpSpPr/>
+        <p:nvPr/>
+      </p:nvGrpSpPr>
+      <p:grpSpPr>
+        <a:xfrm>
+          <a:off x="0" y="0"/>
+          <a:ext cx="0" cy="0"/>
+          <a:chOff x="0" y="0"/>
+          <a:chExt cx="0" cy="0"/>
+        </a:xfrm>
+      </p:grpSpPr>
+      <p:sp>
+        <p:nvSpPr>
+          <p:cNvPr id="2" name="Title 1">
+            <a:extLst>
+              <a:ext uri="{FF2B5EF4-FFF2-40B4-BE49-F238E27FC236}">
+                <a16:creationId xmlns:a16="http://schemas.microsoft.com/office/drawing/2014/main" id="{524D8821-8277-4046-B708-E6E0C982716C}"/>
+              </a:ext>
+            </a:extLst>
+          </p:cNvPr>
+          <p:cNvSpPr>
+            <a:spLocks noGrp="1"/>
+          </p:cNvSpPr>
+          <p:nvPr>
+            <p:ph type="title"/>
+          </p:nvPr>
+        </p:nvSpPr>
+        <p:spPr/>
+        <p:txBody>
+          <a:bodyPr/>
+          <a:lstStyle/>
+          <a:p>
+            <a:r>
+              <a:rPr lang="en-US" dirty="0"/>
+              <a:t>Summary</a:t>
+            </a:r>
+          </a:p>
+        </p:txBody>
+      </p:sp>
+      <p:sp>
+        <p:nvSpPr>
+          <p:cNvPr id="3" name="Content Placeholder 2">
+            <a:extLst>
+              <a:ext uri="{FF2B5EF4-FFF2-40B4-BE49-F238E27FC236}">
+                <a16:creationId xmlns:a16="http://schemas.microsoft.com/office/drawing/2014/main" id="{6BF0CFC8-28D0-4335-A8AD-8C3147869F52}"/>
+              </a:ext>
+            </a:extLst>
+          </p:cNvPr>
+          <p:cNvSpPr>
+            <a:spLocks noGrp="1"/>
+          </p:cNvSpPr>
+          <p:nvPr>
+            <p:ph idx="1"/>
+          </p:nvPr>
+        </p:nvSpPr>
+        <p:spPr/>
+        <p:txBody>
+          <a:bodyPr/>
+          <a:lstStyle/>
+          <a:p>
+            <a:endParaRPr lang="en-US"/>
+          </a:p>
+        </p:txBody>
+      </p:sp>
+    </p:spTree>
+    <p:extLst>
+      <p:ext uri="{BB962C8B-B14F-4D97-AF65-F5344CB8AC3E}">
+        <p14:creationId xmlns:p14="http://schemas.microsoft.com/office/powerpoint/2010/main" val="3378888375"/>
+      </p:ext>
+    </p:extLst>
+  </p:cSld>
+  <p:clrMapOvr>
+    <a:masterClrMapping/>
+  </p:clrMapOvr>
+</p:sld>
+</file>
+
+<file path=ppt/slides/slide24.xml><?xml version="1.0" encoding="utf-8"?>
+<p:sld xmlns:a="http://schemas.openxmlformats.org/drawingml/2006/main" xmlns:r="http://schemas.openxmlformats.org/officeDocument/2006/relationships" xmlns:p="http://schemas.openxmlformats.org/presentationml/2006/main">
+  <p:cSld>
+    <p:spTree>
+      <p:nvGrpSpPr>
+        <p:cNvPr id="1" name=""/>
+        <p:cNvGrpSpPr/>
+        <p:nvPr/>
+      </p:nvGrpSpPr>
+      <p:grpSpPr>
+        <a:xfrm>
+          <a:off x="0" y="0"/>
+          <a:ext cx="0" cy="0"/>
+          <a:chOff x="0" y="0"/>
+          <a:chExt cx="0" cy="0"/>
+        </a:xfrm>
+      </p:grpSpPr>
+      <p:sp>
+        <p:nvSpPr>
+          <p:cNvPr id="2" name="Title 1">
+            <a:extLst>
+              <a:ext uri="{FF2B5EF4-FFF2-40B4-BE49-F238E27FC236}">
+                <a16:creationId xmlns:a16="http://schemas.microsoft.com/office/drawing/2014/main" id="{ED7600F2-C264-440A-9088-3C25AE8125DB}"/>
+              </a:ext>
+            </a:extLst>
+          </p:cNvPr>
+          <p:cNvSpPr>
+            <a:spLocks noGrp="1"/>
+          </p:cNvSpPr>
+          <p:nvPr>
+            <p:ph type="title"/>
+          </p:nvPr>
+        </p:nvSpPr>
+        <p:spPr/>
+        <p:txBody>
+          <a:bodyPr/>
+          <a:lstStyle/>
+          <a:p>
+            <a:r>
+              <a:rPr lang="en-US" dirty="0"/>
+              <a:t>Questions</a:t>
+            </a:r>
+          </a:p>
+        </p:txBody>
+      </p:sp>
+      <p:sp>
+        <p:nvSpPr>
+          <p:cNvPr id="3" name="Content Placeholder 2">
+            <a:extLst>
+              <a:ext uri="{FF2B5EF4-FFF2-40B4-BE49-F238E27FC236}">
+                <a16:creationId xmlns:a16="http://schemas.microsoft.com/office/drawing/2014/main" id="{EA08E954-9A00-4797-AE27-C7DA8F59A974}"/>
+              </a:ext>
+            </a:extLst>
+          </p:cNvPr>
+          <p:cNvSpPr>
+            <a:spLocks noGrp="1"/>
+          </p:cNvSpPr>
+          <p:nvPr>
+            <p:ph idx="1"/>
+          </p:nvPr>
+        </p:nvSpPr>
+        <p:spPr/>
+        <p:txBody>
+          <a:bodyPr/>
+          <a:lstStyle/>
+          <a:p>
+            <a:endParaRPr lang="en-US"/>
+          </a:p>
+        </p:txBody>
+      </p:sp>
+    </p:spTree>
+    <p:extLst>
+      <p:ext uri="{BB962C8B-B14F-4D97-AF65-F5344CB8AC3E}">
+        <p14:creationId xmlns:p14="http://schemas.microsoft.com/office/powerpoint/2010/main" val="1325705159"/>
+      </p:ext>
+    </p:extLst>
+  </p:cSld>
+  <p:clrMapOvr>
+    <a:masterClrMapping/>
+  </p:clrMapOvr>
+</p:sld>
+</file>
+
 <file path=ppt/slides/slide3.xml><?xml version="1.0" encoding="utf-8"?>
 <p:sld xmlns:a="http://schemas.openxmlformats.org/drawingml/2006/main" xmlns:r="http://schemas.openxmlformats.org/officeDocument/2006/relationships" xmlns:p="http://schemas.openxmlformats.org/presentationml/2006/main">
   <p:cSld>
@@ -16104,7 +16934,7 @@
         <p:spPr/>
         <p:txBody>
           <a:bodyPr>
-            <a:normAutofit fontScale="92500" lnSpcReduction="10000"/>
+            <a:normAutofit fontScale="85000" lnSpcReduction="20000"/>
           </a:bodyPr>
           <a:lstStyle/>
           <a:p>
@@ -16117,6 +16947,12 @@
             <a:r>
               <a:rPr lang="en-US" dirty="0"/>
               <a:t>Timeline</a:t>
+            </a:r>
+          </a:p>
+          <a:p>
+            <a:r>
+              <a:rPr lang="en-US" dirty="0"/>
+              <a:t>Milestones</a:t>
             </a:r>
           </a:p>
           <a:p>
@@ -16228,10 +17064,129 @@
             <p:ph idx="1"/>
           </p:nvPr>
         </p:nvSpPr>
-        <p:spPr/>
+        <p:spPr>
+          <a:xfrm>
+            <a:off x="1141412" y="2249487"/>
+            <a:ext cx="9905999" cy="2939201"/>
+          </a:xfrm>
+        </p:spPr>
         <p:txBody>
-          <a:bodyPr/>
+          <a:bodyPr>
+            <a:normAutofit fontScale="47500" lnSpcReduction="20000"/>
+          </a:bodyPr>
           <a:lstStyle/>
+          <a:p>
+            <a:r>
+              <a:rPr lang="en-US" sz="3800" dirty="0"/>
+              <a:t>People tend to forget things every day when they get out of their home, such as phones, keys, wallets, etc. </a:t>
+            </a:r>
+          </a:p>
+          <a:p>
+            <a:r>
+              <a:rPr lang="en-US" sz="3800" dirty="0"/>
+              <a:t>The goal is to help people to remember what they have forgotten (physical objects are included). According to F. Chen et al “A smart reminding mechanism is designed to remind the user what he or she has forgotten to bring along when leaving home for work or school” [1, p1]. </a:t>
+            </a:r>
+          </a:p>
+          <a:p>
+            <a:r>
+              <a:rPr lang="en-US" sz="3800" dirty="0"/>
+              <a:t>These kind of reminder systems play an important role for assisted living solutions that enable people to remain independent in their home. According to F. </a:t>
+            </a:r>
+            <a:r>
+              <a:rPr lang="en-US" sz="3800" dirty="0" err="1"/>
+              <a:t>Ghorbel</a:t>
+            </a:r>
+            <a:r>
+              <a:rPr lang="en-US" sz="3800" dirty="0"/>
+              <a:t> et al “The main problem, especially for those who live alone, is performing the basic everyday activities e.g., taking medicines on time, joining their family” [2, p1].</a:t>
+            </a:r>
+          </a:p>
+        </p:txBody>
+      </p:sp>
+      <p:sp>
+        <p:nvSpPr>
+          <p:cNvPr id="4" name="TextBox 3">
+            <a:extLst>
+              <a:ext uri="{FF2B5EF4-FFF2-40B4-BE49-F238E27FC236}">
+                <a16:creationId xmlns:a16="http://schemas.microsoft.com/office/drawing/2014/main" id="{BA4FFC03-2494-4742-8409-93CB49BE78A9}"/>
+              </a:ext>
+            </a:extLst>
+          </p:cNvPr>
+          <p:cNvSpPr txBox="1"/>
+          <p:nvPr/>
+        </p:nvSpPr>
+        <p:spPr>
+          <a:xfrm>
+            <a:off x="1141413" y="5550195"/>
+            <a:ext cx="10086568" cy="954107"/>
+          </a:xfrm>
+          <a:prstGeom prst="rect">
+            <a:avLst/>
+          </a:prstGeom>
+          <a:noFill/>
+        </p:spPr>
+        <p:txBody>
+          <a:bodyPr wrap="square" rtlCol="0">
+            <a:spAutoFit/>
+          </a:bodyPr>
+          <a:lstStyle/>
+          <a:p>
+            <a:endParaRPr lang="en-US" dirty="0"/>
+          </a:p>
+          <a:p>
+            <a:r>
+              <a:rPr lang="en-US" sz="1000" i="1" dirty="0"/>
+              <a:t>[1] F. Chen, H. Hsu and N. Lee, “An RFID-Based Reminder System for Smart Home,” international Conference on Advanced Information Networking and Applications, 2011. </a:t>
+            </a:r>
+            <a:endParaRPr lang="en-US" sz="1000" dirty="0"/>
+          </a:p>
+          <a:p>
+            <a:r>
+              <a:rPr lang="en-US" sz="1000" i="1" dirty="0"/>
+              <a:t>[2] F. </a:t>
+            </a:r>
+            <a:r>
+              <a:rPr lang="en-US" sz="1000" i="1" dirty="0" err="1"/>
+              <a:t>Ghorbel</a:t>
+            </a:r>
+            <a:r>
+              <a:rPr lang="en-US" sz="1000" i="1" dirty="0"/>
+              <a:t>, N. </a:t>
+            </a:r>
+            <a:r>
+              <a:rPr lang="en-US" sz="1000" i="1" dirty="0" err="1"/>
+              <a:t>Ellouze</a:t>
+            </a:r>
+            <a:r>
+              <a:rPr lang="en-US" sz="1000" i="1" dirty="0"/>
+              <a:t>, E. </a:t>
+            </a:r>
+            <a:r>
+              <a:rPr lang="en-US" sz="1000" i="1" dirty="0" err="1"/>
+              <a:t>Metais</a:t>
+            </a:r>
+            <a:r>
+              <a:rPr lang="en-US" sz="1000" i="1" dirty="0"/>
+              <a:t>, F. Hamdi and F. </a:t>
+            </a:r>
+            <a:r>
+              <a:rPr lang="en-US" sz="1000" i="1" dirty="0" err="1"/>
+              <a:t>Gargouri</a:t>
+            </a:r>
+            <a:r>
+              <a:rPr lang="en-US" sz="1000" i="1" dirty="0"/>
+              <a:t>, “</a:t>
+            </a:r>
+            <a:r>
+              <a:rPr lang="en-US" sz="1000" i="1" dirty="0" err="1"/>
+              <a:t>MEMO_Calendring</a:t>
+            </a:r>
+            <a:r>
+              <a:rPr lang="en-US" sz="1000" i="1" dirty="0"/>
+              <a:t>: a smart reminder for Alzheimer’s disease patients,” university of Sfax, February 2017.</a:t>
+            </a:r>
+            <a:endParaRPr lang="en-US" sz="1000" dirty="0"/>
+          </a:p>
           <a:p>
             <a:endParaRPr lang="en-US" dirty="0"/>
           </a:p>
@@ -16272,7 +17227,7 @@
           <p:cNvPr id="2" name="Title 1">
             <a:extLst>
               <a:ext uri="{FF2B5EF4-FFF2-40B4-BE49-F238E27FC236}">
-                <a16:creationId xmlns:a16="http://schemas.microsoft.com/office/drawing/2014/main" id="{ED1E436F-19B2-44F7-8FDC-D88BD0BB3C8D}"/>
+                <a16:creationId xmlns:a16="http://schemas.microsoft.com/office/drawing/2014/main" id="{4B718587-8578-42CA-A5CB-9BBE45016F83}"/>
               </a:ext>
             </a:extLst>
           </p:cNvPr>
@@ -16290,7 +17245,7 @@
           <a:p>
             <a:r>
               <a:rPr lang="en-US" dirty="0"/>
-              <a:t>Description</a:t>
+              <a:t>Introduction</a:t>
             </a:r>
           </a:p>
         </p:txBody>
@@ -16300,7 +17255,7 @@
           <p:cNvPr id="3" name="Content Placeholder 2">
             <a:extLst>
               <a:ext uri="{FF2B5EF4-FFF2-40B4-BE49-F238E27FC236}">
-                <a16:creationId xmlns:a16="http://schemas.microsoft.com/office/drawing/2014/main" id="{3918430A-4685-4F45-A8F8-6E2ABA7DAF2A}"/>
+                <a16:creationId xmlns:a16="http://schemas.microsoft.com/office/drawing/2014/main" id="{6F444DD2-6010-402C-8B28-55B8440FC378}"/>
               </a:ext>
             </a:extLst>
           </p:cNvPr>
@@ -16313,20 +17268,159 @@
         </p:nvSpPr>
         <p:spPr/>
         <p:txBody>
-          <a:bodyPr/>
+          <a:bodyPr>
+            <a:normAutofit fontScale="70000" lnSpcReduction="20000"/>
+          </a:bodyPr>
           <a:lstStyle/>
           <a:p>
             <a:r>
               <a:rPr lang="en-US" dirty="0"/>
-              <a:t>It is a small electronic device that attaches to most household objects for easy and up-to-date location tracking within the building </a:t>
-            </a:r>
+              <a:t>RFID (Radio Frequency Identification)</a:t>
+            </a:r>
+          </a:p>
+          <a:p>
+            <a:pPr lvl="1"/>
+            <a:r>
+              <a:rPr lang="en-US" dirty="0"/>
+              <a:t>According to H. Hsu et all “When the front door is open, the RFID reader is triggered to read the nearby tags and send their ID numbers to the server. The maximum detection distance should be set at around 1 meter” [1, p4]. The RFID does not just remind people, but it also senses objects by name. When people leave home, RFID checks objects that leave in a bag or by hand to see if it is forgotten. It is a smart reminder which has an easy way to record objects that the user takes out. </a:t>
+            </a:r>
+          </a:p>
+          <a:p>
+            <a:pPr lvl="1"/>
+            <a:endParaRPr lang="en-US" dirty="0"/>
+          </a:p>
+          <a:p>
+            <a:r>
+              <a:rPr lang="en-US" dirty="0" err="1"/>
+              <a:t>MedRem</a:t>
+            </a:r>
+            <a:r>
+              <a:rPr lang="en-US" dirty="0"/>
+              <a:t> (medication reminder)</a:t>
+            </a:r>
+          </a:p>
+          <a:p>
+            <a:pPr lvl="1"/>
+            <a:r>
+              <a:rPr lang="en-US" dirty="0"/>
+              <a:t>an automatic tracker that can identify track tags attached to objects. This technology can track the location of objects that are forgotten. </a:t>
+            </a:r>
+          </a:p>
+          <a:p>
+            <a:pPr lvl="1"/>
+            <a:r>
+              <a:rPr lang="en-US" dirty="0"/>
+              <a:t>It depends on history data that the reminder system analyzes to know what the user should bring along on that specific time or day. In </a:t>
+            </a:r>
+            <a:r>
+              <a:rPr lang="en-US" dirty="0" err="1"/>
+              <a:t>MedRem</a:t>
+            </a:r>
+            <a:r>
+              <a:rPr lang="en-US" dirty="0"/>
+              <a:t>, according to M. </a:t>
+            </a:r>
+            <a:r>
+              <a:rPr lang="en-US" dirty="0" err="1"/>
+              <a:t>Mondol</a:t>
+            </a:r>
+            <a:r>
+              <a:rPr lang="en-US" dirty="0"/>
+              <a:t> et all “To provide an alert, </a:t>
+            </a:r>
+            <a:r>
+              <a:rPr lang="en-US" dirty="0" err="1"/>
+              <a:t>MedRem</a:t>
+            </a:r>
+            <a:r>
+              <a:rPr lang="en-US" dirty="0"/>
+              <a:t> vibrates the device. Since the device is attached to the wrist, the user gets the alert while the device is worn” [2, p4].</a:t>
+            </a:r>
+          </a:p>
+        </p:txBody>
+      </p:sp>
+      <p:sp>
+        <p:nvSpPr>
+          <p:cNvPr id="4" name="TextBox 3">
+            <a:extLst>
+              <a:ext uri="{FF2B5EF4-FFF2-40B4-BE49-F238E27FC236}">
+                <a16:creationId xmlns:a16="http://schemas.microsoft.com/office/drawing/2014/main" id="{4C11E7DD-7996-4956-A30A-3C4A1EA97B42}"/>
+              </a:ext>
+            </a:extLst>
+          </p:cNvPr>
+          <p:cNvSpPr txBox="1"/>
+          <p:nvPr/>
+        </p:nvSpPr>
+        <p:spPr>
+          <a:xfrm>
+            <a:off x="1141413" y="6145619"/>
+            <a:ext cx="9905998" cy="677108"/>
+          </a:xfrm>
+          <a:prstGeom prst="rect">
+            <a:avLst/>
+          </a:prstGeom>
+          <a:noFill/>
+        </p:spPr>
+        <p:txBody>
+          <a:bodyPr wrap="square" rtlCol="0">
+            <a:spAutoFit/>
+          </a:bodyPr>
+          <a:lstStyle/>
+          <a:p>
+            <a:r>
+              <a:rPr lang="en-US" sz="1000" i="1" dirty="0"/>
+              <a:t>[1] H. Hsu, C. Lee, J. Hung and T. Shih, “Smart Object reminders with RFID and mobile technologies,” Mobile Information System., vol.27, 2011.</a:t>
+            </a:r>
+            <a:endParaRPr lang="en-US" sz="1000" dirty="0"/>
+          </a:p>
+          <a:p>
+            <a:r>
+              <a:rPr lang="en-US" sz="1000" i="1" dirty="0"/>
+              <a:t>[2] </a:t>
+            </a:r>
+            <a:r>
+              <a:rPr lang="en-US" sz="1000" i="1" dirty="0" err="1"/>
+              <a:t>M.Mondol</a:t>
+            </a:r>
+            <a:r>
+              <a:rPr lang="en-US" sz="1000" i="1" dirty="0"/>
+              <a:t>, </a:t>
+            </a:r>
+            <a:r>
+              <a:rPr lang="en-US" sz="1000" i="1" dirty="0" err="1"/>
+              <a:t>I.Emi</a:t>
+            </a:r>
+            <a:r>
+              <a:rPr lang="en-US" sz="1000" i="1" dirty="0"/>
+              <a:t> and </a:t>
+            </a:r>
+            <a:r>
+              <a:rPr lang="en-US" sz="1000" i="1" dirty="0" err="1"/>
+              <a:t>J.Stankovic</a:t>
+            </a:r>
+            <a:r>
+              <a:rPr lang="en-US" sz="1000" i="1" dirty="0"/>
+              <a:t>, “</a:t>
+            </a:r>
+            <a:r>
+              <a:rPr lang="en-US" sz="1000" i="1" dirty="0" err="1"/>
+              <a:t>MedRem</a:t>
+            </a:r>
+            <a:r>
+              <a:rPr lang="en-US" sz="1000" i="1" dirty="0"/>
+              <a:t>: an Interactive Medication Reminder and Tracking System on Wrist Devices,” university of Virginia, October 2016.</a:t>
+            </a:r>
+            <a:endParaRPr lang="en-US" sz="1000" dirty="0"/>
+          </a:p>
+          <a:p>
+            <a:endParaRPr lang="en-US" dirty="0"/>
           </a:p>
         </p:txBody>
       </p:sp>
     </p:spTree>
     <p:extLst>
       <p:ext uri="{BB962C8B-B14F-4D97-AF65-F5344CB8AC3E}">
-        <p14:creationId xmlns:p14="http://schemas.microsoft.com/office/powerpoint/2010/main" val="1915640530"/>
+        <p14:creationId xmlns:p14="http://schemas.microsoft.com/office/powerpoint/2010/main" val="3879418632"/>
       </p:ext>
     </p:extLst>
   </p:cSld>
@@ -16358,7 +17452,7 @@
           <p:cNvPr id="2" name="Title 1">
             <a:extLst>
               <a:ext uri="{FF2B5EF4-FFF2-40B4-BE49-F238E27FC236}">
-                <a16:creationId xmlns:a16="http://schemas.microsoft.com/office/drawing/2014/main" id="{67987B26-6829-4626-87DF-1F5D95A7EAC1}"/>
+                <a16:creationId xmlns:a16="http://schemas.microsoft.com/office/drawing/2014/main" id="{ED1E436F-19B2-44F7-8FDC-D88BD0BB3C8D}"/>
               </a:ext>
             </a:extLst>
           </p:cNvPr>
@@ -16376,7 +17470,7 @@
           <a:p>
             <a:r>
               <a:rPr lang="en-US" dirty="0"/>
-              <a:t>requirements</a:t>
+              <a:t>Description</a:t>
             </a:r>
           </a:p>
         </p:txBody>
@@ -16386,7 +17480,7 @@
           <p:cNvPr id="3" name="Content Placeholder 2">
             <a:extLst>
               <a:ext uri="{FF2B5EF4-FFF2-40B4-BE49-F238E27FC236}">
-                <a16:creationId xmlns:a16="http://schemas.microsoft.com/office/drawing/2014/main" id="{EEC0AD2F-D3DC-4004-BAF6-D5B5EE871505}"/>
+                <a16:creationId xmlns:a16="http://schemas.microsoft.com/office/drawing/2014/main" id="{3918430A-4685-4F45-A8F8-6E2ABA7DAF2A}"/>
               </a:ext>
             </a:extLst>
           </p:cNvPr>
@@ -16402,14 +17496,35 @@
           <a:bodyPr/>
           <a:lstStyle/>
           <a:p>
-            <a:endParaRPr lang="en-US"/>
+            <a:r>
+              <a:rPr lang="en-US" dirty="0"/>
+              <a:t>The solution we as a group come up with is to create a tracker connected to an application that will be the user access way to the tracker. </a:t>
+            </a:r>
+          </a:p>
+          <a:p>
+            <a:r>
+              <a:rPr lang="en-US" dirty="0"/>
+              <a:t>Household tracker that can keep track of the location of household objects. </a:t>
+            </a:r>
+          </a:p>
+          <a:p>
+            <a:r>
+              <a:rPr lang="en-US" dirty="0"/>
+              <a:t>The tracker can be attached and removed from household objects manually and without extra tools. </a:t>
+            </a:r>
+          </a:p>
+          <a:p>
+            <a:r>
+              <a:rPr lang="en-US" dirty="0"/>
+              <a:t>Tracker connects and syncs with application using Wi-Fi to interface with the user.</a:t>
+            </a:r>
           </a:p>
         </p:txBody>
       </p:sp>
     </p:spTree>
     <p:extLst>
       <p:ext uri="{BB962C8B-B14F-4D97-AF65-F5344CB8AC3E}">
-        <p14:creationId xmlns:p14="http://schemas.microsoft.com/office/powerpoint/2010/main" val="3026435529"/>
+        <p14:creationId xmlns:p14="http://schemas.microsoft.com/office/powerpoint/2010/main" val="1915640530"/>
       </p:ext>
     </p:extLst>
   </p:cSld>
@@ -16441,7 +17556,7 @@
           <p:cNvPr id="2" name="Title 1">
             <a:extLst>
               <a:ext uri="{FF2B5EF4-FFF2-40B4-BE49-F238E27FC236}">
-                <a16:creationId xmlns:a16="http://schemas.microsoft.com/office/drawing/2014/main" id="{556A4D63-67A9-4F4D-A121-6F6838500F63}"/>
+                <a16:creationId xmlns:a16="http://schemas.microsoft.com/office/drawing/2014/main" id="{887CE3AC-1F02-4AA8-9DA5-B608FB6339E3}"/>
               </a:ext>
             </a:extLst>
           </p:cNvPr>
@@ -16459,7 +17574,7 @@
           <a:p>
             <a:r>
               <a:rPr lang="en-US" dirty="0"/>
-              <a:t>constraints</a:t>
+              <a:t>Requirements</a:t>
             </a:r>
           </a:p>
         </p:txBody>
@@ -16469,7 +17584,7 @@
           <p:cNvPr id="3" name="Content Placeholder 2">
             <a:extLst>
               <a:ext uri="{FF2B5EF4-FFF2-40B4-BE49-F238E27FC236}">
-                <a16:creationId xmlns:a16="http://schemas.microsoft.com/office/drawing/2014/main" id="{4702F58F-0B30-4725-8A9A-F8A332B06B7C}"/>
+                <a16:creationId xmlns:a16="http://schemas.microsoft.com/office/drawing/2014/main" id="{525CA3D4-6BAB-4457-BEFC-688E518AFFAD}"/>
               </a:ext>
             </a:extLst>
           </p:cNvPr>
@@ -16480,19 +17595,2463 @@
             <p:ph idx="1"/>
           </p:nvPr>
         </p:nvSpPr>
-        <p:spPr/>
+        <p:spPr>
+          <a:xfrm>
+            <a:off x="8569842" y="2249487"/>
+            <a:ext cx="3051544" cy="3541714"/>
+          </a:xfrm>
+        </p:spPr>
         <p:txBody>
-          <a:bodyPr/>
+          <a:bodyPr>
+            <a:normAutofit fontScale="70000" lnSpcReduction="20000"/>
+          </a:bodyPr>
           <a:lstStyle/>
           <a:p>
-            <a:endParaRPr lang="en-US"/>
+            <a:r>
+              <a:rPr lang="en-US" dirty="0"/>
+              <a:t>IEEE – Institute </a:t>
+            </a:r>
+            <a:br>
+              <a:rPr lang="en-US" dirty="0"/>
+            </a:br>
+            <a:r>
+              <a:rPr lang="en-US" dirty="0"/>
+              <a:t>of Electrical </a:t>
+            </a:r>
+            <a:br>
+              <a:rPr lang="en-US" dirty="0"/>
+            </a:br>
+            <a:r>
+              <a:rPr lang="en-US" dirty="0"/>
+              <a:t>and Electronics </a:t>
+            </a:r>
+            <a:br>
+              <a:rPr lang="en-US" dirty="0"/>
+            </a:br>
+            <a:r>
+              <a:rPr lang="en-US" dirty="0"/>
+              <a:t>Engineers</a:t>
+            </a:r>
+          </a:p>
+          <a:p>
+            <a:r>
+              <a:rPr lang="en-US" dirty="0"/>
+              <a:t>SPI – Society </a:t>
+            </a:r>
+            <a:br>
+              <a:rPr lang="en-US" dirty="0"/>
+            </a:br>
+            <a:r>
+              <a:rPr lang="en-US" dirty="0"/>
+              <a:t>of the </a:t>
+            </a:r>
+            <a:br>
+              <a:rPr lang="en-US" dirty="0"/>
+            </a:br>
+            <a:r>
+              <a:rPr lang="en-US" dirty="0"/>
+              <a:t>Plastics </a:t>
+            </a:r>
+            <a:br>
+              <a:rPr lang="en-US" dirty="0"/>
+            </a:br>
+            <a:r>
+              <a:rPr lang="en-US" dirty="0"/>
+              <a:t>Industry</a:t>
+            </a:r>
+          </a:p>
+          <a:p>
+            <a:r>
+              <a:rPr lang="en-US" dirty="0"/>
+              <a:t>ANSI – American </a:t>
+            </a:r>
+            <a:br>
+              <a:rPr lang="en-US" dirty="0"/>
+            </a:br>
+            <a:r>
+              <a:rPr lang="en-US" dirty="0"/>
+              <a:t>National </a:t>
+            </a:r>
+            <a:br>
+              <a:rPr lang="en-US" dirty="0"/>
+            </a:br>
+            <a:r>
+              <a:rPr lang="en-US" dirty="0"/>
+              <a:t>Standards </a:t>
+            </a:r>
+            <a:br>
+              <a:rPr lang="en-US" dirty="0"/>
+            </a:br>
+            <a:r>
+              <a:rPr lang="en-US" dirty="0"/>
+              <a:t>Institute</a:t>
+            </a:r>
+          </a:p>
+          <a:p>
+            <a:pPr algn="r"/>
+            <a:endParaRPr lang="en-US" dirty="0"/>
           </a:p>
         </p:txBody>
       </p:sp>
+      <p:graphicFrame>
+        <p:nvGraphicFramePr>
+          <p:cNvPr id="6" name="Table 5">
+            <a:extLst>
+              <a:ext uri="{FF2B5EF4-FFF2-40B4-BE49-F238E27FC236}">
+                <a16:creationId xmlns:a16="http://schemas.microsoft.com/office/drawing/2014/main" id="{82F980D4-F470-494D-B417-093D62A62721}"/>
+              </a:ext>
+            </a:extLst>
+          </p:cNvPr>
+          <p:cNvGraphicFramePr>
+            <a:graphicFrameLocks noGrp="1"/>
+          </p:cNvGraphicFramePr>
+          <p:nvPr>
+            <p:extLst/>
+          </p:nvPr>
+        </p:nvGraphicFramePr>
+        <p:xfrm>
+          <a:off x="1141414" y="1828800"/>
+          <a:ext cx="7215978" cy="4410680"/>
+        </p:xfrm>
+        <a:graphic>
+          <a:graphicData uri="http://schemas.openxmlformats.org/drawingml/2006/table">
+            <a:tbl>
+              <a:tblPr firstRow="1" firstCol="1" bandRow="1">
+                <a:tableStyleId>{5C22544A-7EE6-4342-B048-85BDC9FD1C3A}</a:tableStyleId>
+              </a:tblPr>
+              <a:tblGrid>
+                <a:gridCol w="770325">
+                  <a:extLst>
+                    <a:ext uri="{9D8B030D-6E8A-4147-A177-3AD203B41FA5}">
+                      <a16:colId xmlns:a16="http://schemas.microsoft.com/office/drawing/2014/main" val="1547274323"/>
+                    </a:ext>
+                  </a:extLst>
+                </a:gridCol>
+                <a:gridCol w="709416">
+                  <a:extLst>
+                    <a:ext uri="{9D8B030D-6E8A-4147-A177-3AD203B41FA5}">
+                      <a16:colId xmlns:a16="http://schemas.microsoft.com/office/drawing/2014/main" val="348063502"/>
+                    </a:ext>
+                  </a:extLst>
+                </a:gridCol>
+                <a:gridCol w="5736237">
+                  <a:extLst>
+                    <a:ext uri="{9D8B030D-6E8A-4147-A177-3AD203B41FA5}">
+                      <a16:colId xmlns:a16="http://schemas.microsoft.com/office/drawing/2014/main" val="2717712179"/>
+                    </a:ext>
+                  </a:extLst>
+                </a:gridCol>
+              </a:tblGrid>
+              <a:tr h="199595">
+                <a:tc>
+                  <a:txBody>
+                    <a:bodyPr/>
+                    <a:lstStyle/>
+                    <a:p>
+                      <a:pPr marL="0" marR="0" algn="ctr">
+                        <a:lnSpc>
+                          <a:spcPct val="107000"/>
+                        </a:lnSpc>
+                        <a:spcBef>
+                          <a:spcPts val="0"/>
+                        </a:spcBef>
+                        <a:spcAft>
+                          <a:spcPts val="0"/>
+                        </a:spcAft>
+                      </a:pPr>
+                      <a:r>
+                        <a:rPr lang="en-US" sz="800">
+                          <a:effectLst/>
+                        </a:rPr>
+                        <a:t>Req No.</a:t>
+                      </a:r>
+                      <a:endParaRPr lang="en-US" sz="800">
+                        <a:effectLst/>
+                        <a:latin typeface="Calibri" panose="020F0502020204030204" pitchFamily="34" charset="0"/>
+                        <a:ea typeface="Calibri" panose="020F0502020204030204" pitchFamily="34" charset="0"/>
+                        <a:cs typeface="Times New Roman" panose="02020603050405020304" pitchFamily="18" charset="0"/>
+                      </a:endParaRPr>
+                    </a:p>
+                  </a:txBody>
+                  <a:tcPr marL="48541" marR="48541" marT="0" marB="0"/>
+                </a:tc>
+                <a:tc>
+                  <a:txBody>
+                    <a:bodyPr/>
+                    <a:lstStyle/>
+                    <a:p>
+                      <a:pPr marL="0" marR="0" algn="ctr">
+                        <a:lnSpc>
+                          <a:spcPct val="107000"/>
+                        </a:lnSpc>
+                        <a:spcBef>
+                          <a:spcPts val="0"/>
+                        </a:spcBef>
+                        <a:spcAft>
+                          <a:spcPts val="0"/>
+                        </a:spcAft>
+                      </a:pPr>
+                      <a:r>
+                        <a:rPr lang="en-US" sz="800">
+                          <a:effectLst/>
+                        </a:rPr>
+                        <a:t>Obj No.</a:t>
+                      </a:r>
+                      <a:endParaRPr lang="en-US" sz="800">
+                        <a:effectLst/>
+                        <a:latin typeface="Calibri" panose="020F0502020204030204" pitchFamily="34" charset="0"/>
+                        <a:ea typeface="Calibri" panose="020F0502020204030204" pitchFamily="34" charset="0"/>
+                        <a:cs typeface="Times New Roman" panose="02020603050405020304" pitchFamily="18" charset="0"/>
+                      </a:endParaRPr>
+                    </a:p>
+                  </a:txBody>
+                  <a:tcPr marL="48541" marR="48541" marT="0" marB="0"/>
+                </a:tc>
+                <a:tc>
+                  <a:txBody>
+                    <a:bodyPr/>
+                    <a:lstStyle/>
+                    <a:p>
+                      <a:pPr marL="0" marR="0">
+                        <a:lnSpc>
+                          <a:spcPct val="107000"/>
+                        </a:lnSpc>
+                        <a:spcBef>
+                          <a:spcPts val="0"/>
+                        </a:spcBef>
+                        <a:spcAft>
+                          <a:spcPts val="0"/>
+                        </a:spcAft>
+                      </a:pPr>
+                      <a:r>
+                        <a:rPr lang="en-US" sz="800">
+                          <a:effectLst/>
+                        </a:rPr>
+                        <a:t>Requirement</a:t>
+                      </a:r>
+                      <a:endParaRPr lang="en-US" sz="800">
+                        <a:effectLst/>
+                        <a:latin typeface="Calibri" panose="020F0502020204030204" pitchFamily="34" charset="0"/>
+                        <a:ea typeface="Calibri" panose="020F0502020204030204" pitchFamily="34" charset="0"/>
+                        <a:cs typeface="Times New Roman" panose="02020603050405020304" pitchFamily="18" charset="0"/>
+                      </a:endParaRPr>
+                    </a:p>
+                  </a:txBody>
+                  <a:tcPr marL="48541" marR="48541" marT="0" marB="0"/>
+                </a:tc>
+                <a:extLst>
+                  <a:ext uri="{0D108BD9-81ED-4DB2-BD59-A6C34878D82A}">
+                    <a16:rowId xmlns:a16="http://schemas.microsoft.com/office/drawing/2014/main" val="1720610073"/>
+                  </a:ext>
+                </a:extLst>
+              </a:tr>
+              <a:tr h="199595">
+                <a:tc>
+                  <a:txBody>
+                    <a:bodyPr/>
+                    <a:lstStyle/>
+                    <a:p>
+                      <a:pPr marL="0" marR="0" algn="ctr">
+                        <a:lnSpc>
+                          <a:spcPct val="107000"/>
+                        </a:lnSpc>
+                        <a:spcBef>
+                          <a:spcPts val="0"/>
+                        </a:spcBef>
+                        <a:spcAft>
+                          <a:spcPts val="0"/>
+                        </a:spcAft>
+                      </a:pPr>
+                      <a:r>
+                        <a:rPr lang="en-US" sz="800">
+                          <a:effectLst/>
+                        </a:rPr>
+                        <a:t>1.0</a:t>
+                      </a:r>
+                      <a:endParaRPr lang="en-US" sz="800">
+                        <a:effectLst/>
+                        <a:latin typeface="Calibri" panose="020F0502020204030204" pitchFamily="34" charset="0"/>
+                        <a:ea typeface="Calibri" panose="020F0502020204030204" pitchFamily="34" charset="0"/>
+                        <a:cs typeface="Times New Roman" panose="02020603050405020304" pitchFamily="18" charset="0"/>
+                      </a:endParaRPr>
+                    </a:p>
+                  </a:txBody>
+                  <a:tcPr marL="48541" marR="48541" marT="0" marB="0"/>
+                </a:tc>
+                <a:tc>
+                  <a:txBody>
+                    <a:bodyPr/>
+                    <a:lstStyle/>
+                    <a:p>
+                      <a:pPr marL="0" marR="0" algn="ctr">
+                        <a:lnSpc>
+                          <a:spcPct val="107000"/>
+                        </a:lnSpc>
+                        <a:spcBef>
+                          <a:spcPts val="0"/>
+                        </a:spcBef>
+                        <a:spcAft>
+                          <a:spcPts val="0"/>
+                        </a:spcAft>
+                      </a:pPr>
+                      <a:r>
+                        <a:rPr lang="en-US" sz="800">
+                          <a:effectLst/>
+                        </a:rPr>
+                        <a:t>1</a:t>
+                      </a:r>
+                      <a:endParaRPr lang="en-US" sz="800">
+                        <a:effectLst/>
+                        <a:latin typeface="Calibri" panose="020F0502020204030204" pitchFamily="34" charset="0"/>
+                        <a:ea typeface="Calibri" panose="020F0502020204030204" pitchFamily="34" charset="0"/>
+                        <a:cs typeface="Times New Roman" panose="02020603050405020304" pitchFamily="18" charset="0"/>
+                      </a:endParaRPr>
+                    </a:p>
+                  </a:txBody>
+                  <a:tcPr marL="48541" marR="48541" marT="0" marB="0"/>
+                </a:tc>
+                <a:tc>
+                  <a:txBody>
+                    <a:bodyPr/>
+                    <a:lstStyle/>
+                    <a:p>
+                      <a:pPr marL="0" marR="0">
+                        <a:lnSpc>
+                          <a:spcPct val="107000"/>
+                        </a:lnSpc>
+                        <a:spcBef>
+                          <a:spcPts val="0"/>
+                        </a:spcBef>
+                        <a:spcAft>
+                          <a:spcPts val="0"/>
+                        </a:spcAft>
+                      </a:pPr>
+                      <a:r>
+                        <a:rPr lang="en-US" sz="800">
+                          <a:effectLst/>
+                        </a:rPr>
+                        <a:t>Device shall comply with IEEE 802.11 communication standard</a:t>
+                      </a:r>
+                      <a:endParaRPr lang="en-US" sz="800">
+                        <a:effectLst/>
+                        <a:latin typeface="Calibri" panose="020F0502020204030204" pitchFamily="34" charset="0"/>
+                        <a:ea typeface="Calibri" panose="020F0502020204030204" pitchFamily="34" charset="0"/>
+                        <a:cs typeface="Times New Roman" panose="02020603050405020304" pitchFamily="18" charset="0"/>
+                      </a:endParaRPr>
+                    </a:p>
+                  </a:txBody>
+                  <a:tcPr marL="48541" marR="48541" marT="0" marB="0"/>
+                </a:tc>
+                <a:extLst>
+                  <a:ext uri="{0D108BD9-81ED-4DB2-BD59-A6C34878D82A}">
+                    <a16:rowId xmlns:a16="http://schemas.microsoft.com/office/drawing/2014/main" val="679493091"/>
+                  </a:ext>
+                </a:extLst>
+              </a:tr>
+              <a:tr h="199595">
+                <a:tc>
+                  <a:txBody>
+                    <a:bodyPr/>
+                    <a:lstStyle/>
+                    <a:p>
+                      <a:pPr marL="0" marR="0" algn="ctr">
+                        <a:lnSpc>
+                          <a:spcPct val="107000"/>
+                        </a:lnSpc>
+                        <a:spcBef>
+                          <a:spcPts val="0"/>
+                        </a:spcBef>
+                        <a:spcAft>
+                          <a:spcPts val="0"/>
+                        </a:spcAft>
+                      </a:pPr>
+                      <a:r>
+                        <a:rPr lang="en-US" sz="800">
+                          <a:effectLst/>
+                        </a:rPr>
+                        <a:t>2.0</a:t>
+                      </a:r>
+                      <a:endParaRPr lang="en-US" sz="800">
+                        <a:effectLst/>
+                        <a:latin typeface="Calibri" panose="020F0502020204030204" pitchFamily="34" charset="0"/>
+                        <a:ea typeface="Calibri" panose="020F0502020204030204" pitchFamily="34" charset="0"/>
+                        <a:cs typeface="Times New Roman" panose="02020603050405020304" pitchFamily="18" charset="0"/>
+                      </a:endParaRPr>
+                    </a:p>
+                  </a:txBody>
+                  <a:tcPr marL="48541" marR="48541" marT="0" marB="0"/>
+                </a:tc>
+                <a:tc>
+                  <a:txBody>
+                    <a:bodyPr/>
+                    <a:lstStyle/>
+                    <a:p>
+                      <a:pPr marL="0" marR="0" algn="ctr">
+                        <a:lnSpc>
+                          <a:spcPct val="107000"/>
+                        </a:lnSpc>
+                        <a:spcBef>
+                          <a:spcPts val="0"/>
+                        </a:spcBef>
+                        <a:spcAft>
+                          <a:spcPts val="0"/>
+                        </a:spcAft>
+                      </a:pPr>
+                      <a:r>
+                        <a:rPr lang="en-US" sz="800">
+                          <a:effectLst/>
+                        </a:rPr>
+                        <a:t>1</a:t>
+                      </a:r>
+                      <a:endParaRPr lang="en-US" sz="800">
+                        <a:effectLst/>
+                        <a:latin typeface="Calibri" panose="020F0502020204030204" pitchFamily="34" charset="0"/>
+                        <a:ea typeface="Calibri" panose="020F0502020204030204" pitchFamily="34" charset="0"/>
+                        <a:cs typeface="Times New Roman" panose="02020603050405020304" pitchFamily="18" charset="0"/>
+                      </a:endParaRPr>
+                    </a:p>
+                  </a:txBody>
+                  <a:tcPr marL="48541" marR="48541" marT="0" marB="0"/>
+                </a:tc>
+                <a:tc>
+                  <a:txBody>
+                    <a:bodyPr/>
+                    <a:lstStyle/>
+                    <a:p>
+                      <a:pPr marL="0" marR="0">
+                        <a:lnSpc>
+                          <a:spcPct val="107000"/>
+                        </a:lnSpc>
+                        <a:spcBef>
+                          <a:spcPts val="0"/>
+                        </a:spcBef>
+                        <a:spcAft>
+                          <a:spcPts val="0"/>
+                        </a:spcAft>
+                      </a:pPr>
+                      <a:r>
+                        <a:rPr lang="en-US" sz="800">
+                          <a:effectLst/>
+                        </a:rPr>
+                        <a:t>Device shall use an open source positioning system over Wi-Fi</a:t>
+                      </a:r>
+                      <a:endParaRPr lang="en-US" sz="800">
+                        <a:effectLst/>
+                        <a:latin typeface="Calibri" panose="020F0502020204030204" pitchFamily="34" charset="0"/>
+                        <a:ea typeface="Calibri" panose="020F0502020204030204" pitchFamily="34" charset="0"/>
+                        <a:cs typeface="Times New Roman" panose="02020603050405020304" pitchFamily="18" charset="0"/>
+                      </a:endParaRPr>
+                    </a:p>
+                  </a:txBody>
+                  <a:tcPr marL="48541" marR="48541" marT="0" marB="0"/>
+                </a:tc>
+                <a:extLst>
+                  <a:ext uri="{0D108BD9-81ED-4DB2-BD59-A6C34878D82A}">
+                    <a16:rowId xmlns:a16="http://schemas.microsoft.com/office/drawing/2014/main" val="552573076"/>
+                  </a:ext>
+                </a:extLst>
+              </a:tr>
+              <a:tr h="199595">
+                <a:tc>
+                  <a:txBody>
+                    <a:bodyPr/>
+                    <a:lstStyle/>
+                    <a:p>
+                      <a:pPr marL="0" marR="0" algn="ctr">
+                        <a:lnSpc>
+                          <a:spcPct val="107000"/>
+                        </a:lnSpc>
+                        <a:spcBef>
+                          <a:spcPts val="0"/>
+                        </a:spcBef>
+                        <a:spcAft>
+                          <a:spcPts val="0"/>
+                        </a:spcAft>
+                      </a:pPr>
+                      <a:r>
+                        <a:rPr lang="en-US" sz="800">
+                          <a:effectLst/>
+                        </a:rPr>
+                        <a:t>3.0</a:t>
+                      </a:r>
+                      <a:endParaRPr lang="en-US" sz="800">
+                        <a:effectLst/>
+                        <a:latin typeface="Calibri" panose="020F0502020204030204" pitchFamily="34" charset="0"/>
+                        <a:ea typeface="Calibri" panose="020F0502020204030204" pitchFamily="34" charset="0"/>
+                        <a:cs typeface="Times New Roman" panose="02020603050405020304" pitchFamily="18" charset="0"/>
+                      </a:endParaRPr>
+                    </a:p>
+                  </a:txBody>
+                  <a:tcPr marL="48541" marR="48541" marT="0" marB="0"/>
+                </a:tc>
+                <a:tc>
+                  <a:txBody>
+                    <a:bodyPr/>
+                    <a:lstStyle/>
+                    <a:p>
+                      <a:pPr marL="0" marR="0" algn="ctr">
+                        <a:lnSpc>
+                          <a:spcPct val="107000"/>
+                        </a:lnSpc>
+                        <a:spcBef>
+                          <a:spcPts val="0"/>
+                        </a:spcBef>
+                        <a:spcAft>
+                          <a:spcPts val="0"/>
+                        </a:spcAft>
+                      </a:pPr>
+                      <a:r>
+                        <a:rPr lang="en-US" sz="800">
+                          <a:effectLst/>
+                        </a:rPr>
+                        <a:t>1</a:t>
+                      </a:r>
+                      <a:endParaRPr lang="en-US" sz="800">
+                        <a:effectLst/>
+                        <a:latin typeface="Calibri" panose="020F0502020204030204" pitchFamily="34" charset="0"/>
+                        <a:ea typeface="Calibri" panose="020F0502020204030204" pitchFamily="34" charset="0"/>
+                        <a:cs typeface="Times New Roman" panose="02020603050405020304" pitchFamily="18" charset="0"/>
+                      </a:endParaRPr>
+                    </a:p>
+                  </a:txBody>
+                  <a:tcPr marL="48541" marR="48541" marT="0" marB="0"/>
+                </a:tc>
+                <a:tc>
+                  <a:txBody>
+                    <a:bodyPr/>
+                    <a:lstStyle/>
+                    <a:p>
+                      <a:pPr marL="0" marR="0">
+                        <a:lnSpc>
+                          <a:spcPct val="107000"/>
+                        </a:lnSpc>
+                        <a:spcBef>
+                          <a:spcPts val="0"/>
+                        </a:spcBef>
+                        <a:spcAft>
+                          <a:spcPts val="0"/>
+                        </a:spcAft>
+                      </a:pPr>
+                      <a:r>
+                        <a:rPr lang="en-US" sz="800" dirty="0">
+                          <a:effectLst/>
+                        </a:rPr>
+                        <a:t>Device shall communicate with a mobile application</a:t>
+                      </a:r>
+                      <a:endParaRPr lang="en-US" sz="800" dirty="0">
+                        <a:effectLst/>
+                        <a:latin typeface="Calibri" panose="020F0502020204030204" pitchFamily="34" charset="0"/>
+                        <a:ea typeface="Calibri" panose="020F0502020204030204" pitchFamily="34" charset="0"/>
+                        <a:cs typeface="Times New Roman" panose="02020603050405020304" pitchFamily="18" charset="0"/>
+                      </a:endParaRPr>
+                    </a:p>
+                  </a:txBody>
+                  <a:tcPr marL="48541" marR="48541" marT="0" marB="0"/>
+                </a:tc>
+                <a:extLst>
+                  <a:ext uri="{0D108BD9-81ED-4DB2-BD59-A6C34878D82A}">
+                    <a16:rowId xmlns:a16="http://schemas.microsoft.com/office/drawing/2014/main" val="2281004595"/>
+                  </a:ext>
+                </a:extLst>
+              </a:tr>
+              <a:tr h="197829">
+                <a:tc>
+                  <a:txBody>
+                    <a:bodyPr/>
+                    <a:lstStyle/>
+                    <a:p>
+                      <a:pPr marL="0" marR="0" algn="ctr">
+                        <a:lnSpc>
+                          <a:spcPct val="107000"/>
+                        </a:lnSpc>
+                        <a:spcBef>
+                          <a:spcPts val="0"/>
+                        </a:spcBef>
+                        <a:spcAft>
+                          <a:spcPts val="0"/>
+                        </a:spcAft>
+                      </a:pPr>
+                      <a:r>
+                        <a:rPr lang="en-US" sz="800">
+                          <a:effectLst/>
+                        </a:rPr>
+                        <a:t>4.0</a:t>
+                      </a:r>
+                      <a:endParaRPr lang="en-US" sz="800">
+                        <a:effectLst/>
+                        <a:latin typeface="Calibri" panose="020F0502020204030204" pitchFamily="34" charset="0"/>
+                        <a:ea typeface="Calibri" panose="020F0502020204030204" pitchFamily="34" charset="0"/>
+                        <a:cs typeface="Times New Roman" panose="02020603050405020304" pitchFamily="18" charset="0"/>
+                      </a:endParaRPr>
+                    </a:p>
+                  </a:txBody>
+                  <a:tcPr marL="48541" marR="48541" marT="0" marB="0"/>
+                </a:tc>
+                <a:tc>
+                  <a:txBody>
+                    <a:bodyPr/>
+                    <a:lstStyle/>
+                    <a:p>
+                      <a:pPr marL="0" marR="0" algn="ctr">
+                        <a:lnSpc>
+                          <a:spcPct val="107000"/>
+                        </a:lnSpc>
+                        <a:spcBef>
+                          <a:spcPts val="0"/>
+                        </a:spcBef>
+                        <a:spcAft>
+                          <a:spcPts val="0"/>
+                        </a:spcAft>
+                      </a:pPr>
+                      <a:r>
+                        <a:rPr lang="en-US" sz="800">
+                          <a:effectLst/>
+                        </a:rPr>
+                        <a:t>2</a:t>
+                      </a:r>
+                      <a:endParaRPr lang="en-US" sz="800">
+                        <a:effectLst/>
+                        <a:latin typeface="Calibri" panose="020F0502020204030204" pitchFamily="34" charset="0"/>
+                        <a:ea typeface="Calibri" panose="020F0502020204030204" pitchFamily="34" charset="0"/>
+                        <a:cs typeface="Times New Roman" panose="02020603050405020304" pitchFamily="18" charset="0"/>
+                      </a:endParaRPr>
+                    </a:p>
+                  </a:txBody>
+                  <a:tcPr marL="48541" marR="48541" marT="0" marB="0"/>
+                </a:tc>
+                <a:tc>
+                  <a:txBody>
+                    <a:bodyPr/>
+                    <a:lstStyle/>
+                    <a:p>
+                      <a:pPr marL="0" marR="0">
+                        <a:lnSpc>
+                          <a:spcPct val="107000"/>
+                        </a:lnSpc>
+                        <a:spcBef>
+                          <a:spcPts val="0"/>
+                        </a:spcBef>
+                        <a:spcAft>
+                          <a:spcPts val="0"/>
+                        </a:spcAft>
+                      </a:pPr>
+                      <a:r>
+                        <a:rPr lang="en-US" sz="800">
+                          <a:effectLst/>
+                        </a:rPr>
+                        <a:t>Device shall adhere to surfaces that meet SPI standards A-3, B-1, B-2, B-3, C-1, C-2, C-3 for molded plastic with Velcro© pads</a:t>
+                      </a:r>
+                      <a:endParaRPr lang="en-US" sz="800">
+                        <a:effectLst/>
+                        <a:latin typeface="Calibri" panose="020F0502020204030204" pitchFamily="34" charset="0"/>
+                        <a:ea typeface="Calibri" panose="020F0502020204030204" pitchFamily="34" charset="0"/>
+                        <a:cs typeface="Times New Roman" panose="02020603050405020304" pitchFamily="18" charset="0"/>
+                      </a:endParaRPr>
+                    </a:p>
+                  </a:txBody>
+                  <a:tcPr marL="48541" marR="48541" marT="0" marB="0"/>
+                </a:tc>
+                <a:extLst>
+                  <a:ext uri="{0D108BD9-81ED-4DB2-BD59-A6C34878D82A}">
+                    <a16:rowId xmlns:a16="http://schemas.microsoft.com/office/drawing/2014/main" val="1533334919"/>
+                  </a:ext>
+                </a:extLst>
+              </a:tr>
+              <a:tr h="194912">
+                <a:tc>
+                  <a:txBody>
+                    <a:bodyPr/>
+                    <a:lstStyle/>
+                    <a:p>
+                      <a:pPr marL="0" marR="0" algn="ctr">
+                        <a:lnSpc>
+                          <a:spcPct val="107000"/>
+                        </a:lnSpc>
+                        <a:spcBef>
+                          <a:spcPts val="0"/>
+                        </a:spcBef>
+                        <a:spcAft>
+                          <a:spcPts val="0"/>
+                        </a:spcAft>
+                      </a:pPr>
+                      <a:r>
+                        <a:rPr lang="en-US" sz="800">
+                          <a:effectLst/>
+                        </a:rPr>
+                        <a:t>5.0</a:t>
+                      </a:r>
+                      <a:endParaRPr lang="en-US" sz="800">
+                        <a:effectLst/>
+                        <a:latin typeface="Calibri" panose="020F0502020204030204" pitchFamily="34" charset="0"/>
+                        <a:ea typeface="Calibri" panose="020F0502020204030204" pitchFamily="34" charset="0"/>
+                        <a:cs typeface="Times New Roman" panose="02020603050405020304" pitchFamily="18" charset="0"/>
+                      </a:endParaRPr>
+                    </a:p>
+                  </a:txBody>
+                  <a:tcPr marL="48541" marR="48541" marT="0" marB="0"/>
+                </a:tc>
+                <a:tc>
+                  <a:txBody>
+                    <a:bodyPr/>
+                    <a:lstStyle/>
+                    <a:p>
+                      <a:pPr marL="0" marR="0" algn="ctr">
+                        <a:lnSpc>
+                          <a:spcPct val="107000"/>
+                        </a:lnSpc>
+                        <a:spcBef>
+                          <a:spcPts val="0"/>
+                        </a:spcBef>
+                        <a:spcAft>
+                          <a:spcPts val="0"/>
+                        </a:spcAft>
+                      </a:pPr>
+                      <a:r>
+                        <a:rPr lang="en-US" sz="800">
+                          <a:effectLst/>
+                        </a:rPr>
+                        <a:t>4</a:t>
+                      </a:r>
+                      <a:endParaRPr lang="en-US" sz="800">
+                        <a:effectLst/>
+                        <a:latin typeface="Calibri" panose="020F0502020204030204" pitchFamily="34" charset="0"/>
+                        <a:ea typeface="Calibri" panose="020F0502020204030204" pitchFamily="34" charset="0"/>
+                        <a:cs typeface="Times New Roman" panose="02020603050405020304" pitchFamily="18" charset="0"/>
+                      </a:endParaRPr>
+                    </a:p>
+                  </a:txBody>
+                  <a:tcPr marL="48541" marR="48541" marT="0" marB="0"/>
+                </a:tc>
+                <a:tc>
+                  <a:txBody>
+                    <a:bodyPr/>
+                    <a:lstStyle/>
+                    <a:p>
+                      <a:pPr marL="0" marR="0">
+                        <a:lnSpc>
+                          <a:spcPct val="107000"/>
+                        </a:lnSpc>
+                        <a:spcBef>
+                          <a:spcPts val="0"/>
+                        </a:spcBef>
+                        <a:spcAft>
+                          <a:spcPts val="0"/>
+                        </a:spcAft>
+                      </a:pPr>
+                      <a:r>
+                        <a:rPr lang="en-US" sz="800" dirty="0">
+                          <a:effectLst/>
+                        </a:rPr>
+                        <a:t>Device shall contain an attached LED light that conforms to ANSI C82.16-2015 standard</a:t>
+                      </a:r>
+                      <a:endParaRPr lang="en-US" sz="800" dirty="0">
+                        <a:effectLst/>
+                        <a:latin typeface="Calibri" panose="020F0502020204030204" pitchFamily="34" charset="0"/>
+                        <a:ea typeface="Calibri" panose="020F0502020204030204" pitchFamily="34" charset="0"/>
+                        <a:cs typeface="Times New Roman" panose="02020603050405020304" pitchFamily="18" charset="0"/>
+                      </a:endParaRPr>
+                    </a:p>
+                  </a:txBody>
+                  <a:tcPr marL="48541" marR="48541" marT="0" marB="0"/>
+                </a:tc>
+                <a:extLst>
+                  <a:ext uri="{0D108BD9-81ED-4DB2-BD59-A6C34878D82A}">
+                    <a16:rowId xmlns:a16="http://schemas.microsoft.com/office/drawing/2014/main" val="156652148"/>
+                  </a:ext>
+                </a:extLst>
+              </a:tr>
+              <a:tr h="199595">
+                <a:tc>
+                  <a:txBody>
+                    <a:bodyPr/>
+                    <a:lstStyle/>
+                    <a:p>
+                      <a:pPr marL="0" marR="0" algn="ctr">
+                        <a:lnSpc>
+                          <a:spcPct val="107000"/>
+                        </a:lnSpc>
+                        <a:spcBef>
+                          <a:spcPts val="0"/>
+                        </a:spcBef>
+                        <a:spcAft>
+                          <a:spcPts val="0"/>
+                        </a:spcAft>
+                      </a:pPr>
+                      <a:r>
+                        <a:rPr lang="en-US" sz="800">
+                          <a:effectLst/>
+                        </a:rPr>
+                        <a:t>6.0</a:t>
+                      </a:r>
+                      <a:endParaRPr lang="en-US" sz="800">
+                        <a:effectLst/>
+                        <a:latin typeface="Calibri" panose="020F0502020204030204" pitchFamily="34" charset="0"/>
+                        <a:ea typeface="Calibri" panose="020F0502020204030204" pitchFamily="34" charset="0"/>
+                        <a:cs typeface="Times New Roman" panose="02020603050405020304" pitchFamily="18" charset="0"/>
+                      </a:endParaRPr>
+                    </a:p>
+                  </a:txBody>
+                  <a:tcPr marL="48541" marR="48541" marT="0" marB="0"/>
+                </a:tc>
+                <a:tc>
+                  <a:txBody>
+                    <a:bodyPr/>
+                    <a:lstStyle/>
+                    <a:p>
+                      <a:pPr marL="0" marR="0" algn="ctr">
+                        <a:lnSpc>
+                          <a:spcPct val="107000"/>
+                        </a:lnSpc>
+                        <a:spcBef>
+                          <a:spcPts val="0"/>
+                        </a:spcBef>
+                        <a:spcAft>
+                          <a:spcPts val="0"/>
+                        </a:spcAft>
+                      </a:pPr>
+                      <a:r>
+                        <a:rPr lang="en-US" sz="800">
+                          <a:effectLst/>
+                        </a:rPr>
+                        <a:t>1</a:t>
+                      </a:r>
+                      <a:endParaRPr lang="en-US" sz="800">
+                        <a:effectLst/>
+                        <a:latin typeface="Calibri" panose="020F0502020204030204" pitchFamily="34" charset="0"/>
+                        <a:ea typeface="Calibri" panose="020F0502020204030204" pitchFamily="34" charset="0"/>
+                        <a:cs typeface="Times New Roman" panose="02020603050405020304" pitchFamily="18" charset="0"/>
+                      </a:endParaRPr>
+                    </a:p>
+                  </a:txBody>
+                  <a:tcPr marL="48541" marR="48541" marT="0" marB="0"/>
+                </a:tc>
+                <a:tc>
+                  <a:txBody>
+                    <a:bodyPr/>
+                    <a:lstStyle/>
+                    <a:p>
+                      <a:pPr marL="0" marR="0">
+                        <a:lnSpc>
+                          <a:spcPct val="107000"/>
+                        </a:lnSpc>
+                        <a:spcBef>
+                          <a:spcPts val="0"/>
+                        </a:spcBef>
+                        <a:spcAft>
+                          <a:spcPts val="0"/>
+                        </a:spcAft>
+                      </a:pPr>
+                      <a:r>
+                        <a:rPr lang="en-US" sz="800">
+                          <a:effectLst/>
+                        </a:rPr>
+                        <a:t>Device shall include a mobile application</a:t>
+                      </a:r>
+                      <a:endParaRPr lang="en-US" sz="800">
+                        <a:effectLst/>
+                        <a:latin typeface="Calibri" panose="020F0502020204030204" pitchFamily="34" charset="0"/>
+                        <a:ea typeface="Calibri" panose="020F0502020204030204" pitchFamily="34" charset="0"/>
+                        <a:cs typeface="Times New Roman" panose="02020603050405020304" pitchFamily="18" charset="0"/>
+                      </a:endParaRPr>
+                    </a:p>
+                  </a:txBody>
+                  <a:tcPr marL="48541" marR="48541" marT="0" marB="0"/>
+                </a:tc>
+                <a:extLst>
+                  <a:ext uri="{0D108BD9-81ED-4DB2-BD59-A6C34878D82A}">
+                    <a16:rowId xmlns:a16="http://schemas.microsoft.com/office/drawing/2014/main" val="2430226902"/>
+                  </a:ext>
+                </a:extLst>
+              </a:tr>
+              <a:tr h="201055">
+                <a:tc>
+                  <a:txBody>
+                    <a:bodyPr/>
+                    <a:lstStyle/>
+                    <a:p>
+                      <a:pPr marL="0" marR="0" algn="ctr">
+                        <a:lnSpc>
+                          <a:spcPct val="107000"/>
+                        </a:lnSpc>
+                        <a:spcBef>
+                          <a:spcPts val="0"/>
+                        </a:spcBef>
+                        <a:spcAft>
+                          <a:spcPts val="0"/>
+                        </a:spcAft>
+                      </a:pPr>
+                      <a:r>
+                        <a:rPr lang="en-US" sz="800">
+                          <a:effectLst/>
+                        </a:rPr>
+                        <a:t>7.0</a:t>
+                      </a:r>
+                      <a:endParaRPr lang="en-US" sz="800">
+                        <a:effectLst/>
+                        <a:latin typeface="Calibri" panose="020F0502020204030204" pitchFamily="34" charset="0"/>
+                        <a:ea typeface="Calibri" panose="020F0502020204030204" pitchFamily="34" charset="0"/>
+                        <a:cs typeface="Times New Roman" panose="02020603050405020304" pitchFamily="18" charset="0"/>
+                      </a:endParaRPr>
+                    </a:p>
+                  </a:txBody>
+                  <a:tcPr marL="48541" marR="48541" marT="0" marB="0"/>
+                </a:tc>
+                <a:tc>
+                  <a:txBody>
+                    <a:bodyPr/>
+                    <a:lstStyle/>
+                    <a:p>
+                      <a:pPr marL="0" marR="0" algn="ctr">
+                        <a:lnSpc>
+                          <a:spcPct val="107000"/>
+                        </a:lnSpc>
+                        <a:spcBef>
+                          <a:spcPts val="0"/>
+                        </a:spcBef>
+                        <a:spcAft>
+                          <a:spcPts val="0"/>
+                        </a:spcAft>
+                      </a:pPr>
+                      <a:r>
+                        <a:rPr lang="en-US" sz="800">
+                          <a:effectLst/>
+                        </a:rPr>
+                        <a:t>3</a:t>
+                      </a:r>
+                      <a:endParaRPr lang="en-US" sz="800">
+                        <a:effectLst/>
+                        <a:latin typeface="Calibri" panose="020F0502020204030204" pitchFamily="34" charset="0"/>
+                        <a:ea typeface="Calibri" panose="020F0502020204030204" pitchFamily="34" charset="0"/>
+                        <a:cs typeface="Times New Roman" panose="02020603050405020304" pitchFamily="18" charset="0"/>
+                      </a:endParaRPr>
+                    </a:p>
+                  </a:txBody>
+                  <a:tcPr marL="48541" marR="48541" marT="0" marB="0"/>
+                </a:tc>
+                <a:tc>
+                  <a:txBody>
+                    <a:bodyPr/>
+                    <a:lstStyle/>
+                    <a:p>
+                      <a:pPr marL="0" marR="0">
+                        <a:lnSpc>
+                          <a:spcPct val="107000"/>
+                        </a:lnSpc>
+                        <a:spcBef>
+                          <a:spcPts val="0"/>
+                        </a:spcBef>
+                        <a:spcAft>
+                          <a:spcPts val="0"/>
+                        </a:spcAft>
+                      </a:pPr>
+                      <a:r>
+                        <a:rPr lang="en-US" sz="800">
+                          <a:effectLst/>
+                        </a:rPr>
+                        <a:t>Mobile application shall be usable on a mobile device running Android 4.4 or newer</a:t>
+                      </a:r>
+                      <a:endParaRPr lang="en-US" sz="800">
+                        <a:effectLst/>
+                        <a:latin typeface="Calibri" panose="020F0502020204030204" pitchFamily="34" charset="0"/>
+                        <a:ea typeface="Calibri" panose="020F0502020204030204" pitchFamily="34" charset="0"/>
+                        <a:cs typeface="Times New Roman" panose="02020603050405020304" pitchFamily="18" charset="0"/>
+                      </a:endParaRPr>
+                    </a:p>
+                  </a:txBody>
+                  <a:tcPr marL="48541" marR="48541" marT="0" marB="0"/>
+                </a:tc>
+                <a:extLst>
+                  <a:ext uri="{0D108BD9-81ED-4DB2-BD59-A6C34878D82A}">
+                    <a16:rowId xmlns:a16="http://schemas.microsoft.com/office/drawing/2014/main" val="2380002616"/>
+                  </a:ext>
+                </a:extLst>
+              </a:tr>
+              <a:tr h="194912">
+                <a:tc>
+                  <a:txBody>
+                    <a:bodyPr/>
+                    <a:lstStyle/>
+                    <a:p>
+                      <a:pPr marL="0" marR="0" algn="ctr">
+                        <a:lnSpc>
+                          <a:spcPct val="107000"/>
+                        </a:lnSpc>
+                        <a:spcBef>
+                          <a:spcPts val="0"/>
+                        </a:spcBef>
+                        <a:spcAft>
+                          <a:spcPts val="0"/>
+                        </a:spcAft>
+                      </a:pPr>
+                      <a:r>
+                        <a:rPr lang="en-US" sz="800">
+                          <a:effectLst/>
+                        </a:rPr>
+                        <a:t>8.0</a:t>
+                      </a:r>
+                      <a:endParaRPr lang="en-US" sz="800">
+                        <a:effectLst/>
+                        <a:latin typeface="Calibri" panose="020F0502020204030204" pitchFamily="34" charset="0"/>
+                        <a:ea typeface="Calibri" panose="020F0502020204030204" pitchFamily="34" charset="0"/>
+                        <a:cs typeface="Times New Roman" panose="02020603050405020304" pitchFamily="18" charset="0"/>
+                      </a:endParaRPr>
+                    </a:p>
+                  </a:txBody>
+                  <a:tcPr marL="48541" marR="48541" marT="0" marB="0"/>
+                </a:tc>
+                <a:tc>
+                  <a:txBody>
+                    <a:bodyPr/>
+                    <a:lstStyle/>
+                    <a:p>
+                      <a:pPr marL="0" marR="0" algn="ctr">
+                        <a:lnSpc>
+                          <a:spcPct val="107000"/>
+                        </a:lnSpc>
+                        <a:spcBef>
+                          <a:spcPts val="0"/>
+                        </a:spcBef>
+                        <a:spcAft>
+                          <a:spcPts val="0"/>
+                        </a:spcAft>
+                      </a:pPr>
+                      <a:r>
+                        <a:rPr lang="en-US" sz="800">
+                          <a:effectLst/>
+                        </a:rPr>
+                        <a:t>3</a:t>
+                      </a:r>
+                      <a:endParaRPr lang="en-US" sz="800">
+                        <a:effectLst/>
+                        <a:latin typeface="Calibri" panose="020F0502020204030204" pitchFamily="34" charset="0"/>
+                        <a:ea typeface="Calibri" panose="020F0502020204030204" pitchFamily="34" charset="0"/>
+                        <a:cs typeface="Times New Roman" panose="02020603050405020304" pitchFamily="18" charset="0"/>
+                      </a:endParaRPr>
+                    </a:p>
+                  </a:txBody>
+                  <a:tcPr marL="48541" marR="48541" marT="0" marB="0"/>
+                </a:tc>
+                <a:tc>
+                  <a:txBody>
+                    <a:bodyPr/>
+                    <a:lstStyle/>
+                    <a:p>
+                      <a:pPr marL="0" marR="0">
+                        <a:lnSpc>
+                          <a:spcPct val="107000"/>
+                        </a:lnSpc>
+                        <a:spcBef>
+                          <a:spcPts val="0"/>
+                        </a:spcBef>
+                        <a:spcAft>
+                          <a:spcPts val="0"/>
+                        </a:spcAft>
+                      </a:pPr>
+                      <a:r>
+                        <a:rPr lang="en-US" sz="800">
+                          <a:effectLst/>
+                        </a:rPr>
+                        <a:t>Mobile application shall email the user provided email address when battery voltage drops below 80% of factory listed voltage</a:t>
+                      </a:r>
+                      <a:endParaRPr lang="en-US" sz="800">
+                        <a:effectLst/>
+                        <a:latin typeface="Calibri" panose="020F0502020204030204" pitchFamily="34" charset="0"/>
+                        <a:ea typeface="Calibri" panose="020F0502020204030204" pitchFamily="34" charset="0"/>
+                        <a:cs typeface="Times New Roman" panose="02020603050405020304" pitchFamily="18" charset="0"/>
+                      </a:endParaRPr>
+                    </a:p>
+                  </a:txBody>
+                  <a:tcPr marL="48541" marR="48541" marT="0" marB="0"/>
+                </a:tc>
+                <a:extLst>
+                  <a:ext uri="{0D108BD9-81ED-4DB2-BD59-A6C34878D82A}">
+                    <a16:rowId xmlns:a16="http://schemas.microsoft.com/office/drawing/2014/main" val="1205819843"/>
+                  </a:ext>
+                </a:extLst>
+              </a:tr>
+              <a:tr h="216568">
+                <a:tc>
+                  <a:txBody>
+                    <a:bodyPr/>
+                    <a:lstStyle/>
+                    <a:p>
+                      <a:pPr marL="0" marR="0" algn="ctr">
+                        <a:lnSpc>
+                          <a:spcPct val="107000"/>
+                        </a:lnSpc>
+                        <a:spcBef>
+                          <a:spcPts val="0"/>
+                        </a:spcBef>
+                        <a:spcAft>
+                          <a:spcPts val="0"/>
+                        </a:spcAft>
+                      </a:pPr>
+                      <a:r>
+                        <a:rPr lang="en-US" sz="800">
+                          <a:effectLst/>
+                        </a:rPr>
+                        <a:t>9.0</a:t>
+                      </a:r>
+                      <a:endParaRPr lang="en-US" sz="800">
+                        <a:effectLst/>
+                        <a:latin typeface="Calibri" panose="020F0502020204030204" pitchFamily="34" charset="0"/>
+                        <a:ea typeface="Calibri" panose="020F0502020204030204" pitchFamily="34" charset="0"/>
+                        <a:cs typeface="Times New Roman" panose="02020603050405020304" pitchFamily="18" charset="0"/>
+                      </a:endParaRPr>
+                    </a:p>
+                  </a:txBody>
+                  <a:tcPr marL="48541" marR="48541" marT="0" marB="0"/>
+                </a:tc>
+                <a:tc>
+                  <a:txBody>
+                    <a:bodyPr/>
+                    <a:lstStyle/>
+                    <a:p>
+                      <a:pPr marL="0" marR="0" algn="ctr">
+                        <a:lnSpc>
+                          <a:spcPct val="107000"/>
+                        </a:lnSpc>
+                        <a:spcBef>
+                          <a:spcPts val="0"/>
+                        </a:spcBef>
+                        <a:spcAft>
+                          <a:spcPts val="0"/>
+                        </a:spcAft>
+                      </a:pPr>
+                      <a:r>
+                        <a:rPr lang="en-US" sz="800">
+                          <a:effectLst/>
+                        </a:rPr>
+                        <a:t>3</a:t>
+                      </a:r>
+                      <a:endParaRPr lang="en-US" sz="800">
+                        <a:effectLst/>
+                        <a:latin typeface="Calibri" panose="020F0502020204030204" pitchFamily="34" charset="0"/>
+                        <a:ea typeface="Calibri" panose="020F0502020204030204" pitchFamily="34" charset="0"/>
+                        <a:cs typeface="Times New Roman" panose="02020603050405020304" pitchFamily="18" charset="0"/>
+                      </a:endParaRPr>
+                    </a:p>
+                  </a:txBody>
+                  <a:tcPr marL="48541" marR="48541" marT="0" marB="0"/>
+                </a:tc>
+                <a:tc>
+                  <a:txBody>
+                    <a:bodyPr/>
+                    <a:lstStyle/>
+                    <a:p>
+                      <a:pPr marL="0" marR="0">
+                        <a:lnSpc>
+                          <a:spcPct val="107000"/>
+                        </a:lnSpc>
+                        <a:spcBef>
+                          <a:spcPts val="0"/>
+                        </a:spcBef>
+                        <a:spcAft>
+                          <a:spcPts val="0"/>
+                        </a:spcAft>
+                      </a:pPr>
+                      <a:r>
+                        <a:rPr lang="en-US" sz="800">
+                          <a:effectLst/>
+                        </a:rPr>
+                        <a:t>Mobile application shall allow the user to configure a visual alarm for an input date and time</a:t>
+                      </a:r>
+                      <a:endParaRPr lang="en-US" sz="800">
+                        <a:effectLst/>
+                        <a:latin typeface="Calibri" panose="020F0502020204030204" pitchFamily="34" charset="0"/>
+                        <a:ea typeface="Calibri" panose="020F0502020204030204" pitchFamily="34" charset="0"/>
+                        <a:cs typeface="Times New Roman" panose="02020603050405020304" pitchFamily="18" charset="0"/>
+                      </a:endParaRPr>
+                    </a:p>
+                  </a:txBody>
+                  <a:tcPr marL="48541" marR="48541" marT="0" marB="0"/>
+                </a:tc>
+                <a:extLst>
+                  <a:ext uri="{0D108BD9-81ED-4DB2-BD59-A6C34878D82A}">
+                    <a16:rowId xmlns:a16="http://schemas.microsoft.com/office/drawing/2014/main" val="595220320"/>
+                  </a:ext>
+                </a:extLst>
+              </a:tr>
+              <a:tr h="194910">
+                <a:tc>
+                  <a:txBody>
+                    <a:bodyPr/>
+                    <a:lstStyle/>
+                    <a:p>
+                      <a:pPr marL="0" marR="0" algn="ctr">
+                        <a:lnSpc>
+                          <a:spcPct val="107000"/>
+                        </a:lnSpc>
+                        <a:spcBef>
+                          <a:spcPts val="0"/>
+                        </a:spcBef>
+                        <a:spcAft>
+                          <a:spcPts val="0"/>
+                        </a:spcAft>
+                      </a:pPr>
+                      <a:r>
+                        <a:rPr lang="en-US" sz="800">
+                          <a:effectLst/>
+                        </a:rPr>
+                        <a:t>10.0</a:t>
+                      </a:r>
+                      <a:endParaRPr lang="en-US" sz="800">
+                        <a:effectLst/>
+                        <a:latin typeface="Calibri" panose="020F0502020204030204" pitchFamily="34" charset="0"/>
+                        <a:ea typeface="Calibri" panose="020F0502020204030204" pitchFamily="34" charset="0"/>
+                        <a:cs typeface="Times New Roman" panose="02020603050405020304" pitchFamily="18" charset="0"/>
+                      </a:endParaRPr>
+                    </a:p>
+                  </a:txBody>
+                  <a:tcPr marL="48541" marR="48541" marT="0" marB="0"/>
+                </a:tc>
+                <a:tc>
+                  <a:txBody>
+                    <a:bodyPr/>
+                    <a:lstStyle/>
+                    <a:p>
+                      <a:pPr marL="0" marR="0" algn="ctr">
+                        <a:lnSpc>
+                          <a:spcPct val="107000"/>
+                        </a:lnSpc>
+                        <a:spcBef>
+                          <a:spcPts val="0"/>
+                        </a:spcBef>
+                        <a:spcAft>
+                          <a:spcPts val="0"/>
+                        </a:spcAft>
+                      </a:pPr>
+                      <a:r>
+                        <a:rPr lang="en-US" sz="800">
+                          <a:effectLst/>
+                        </a:rPr>
+                        <a:t>3</a:t>
+                      </a:r>
+                      <a:endParaRPr lang="en-US" sz="800">
+                        <a:effectLst/>
+                        <a:latin typeface="Calibri" panose="020F0502020204030204" pitchFamily="34" charset="0"/>
+                        <a:ea typeface="Calibri" panose="020F0502020204030204" pitchFamily="34" charset="0"/>
+                        <a:cs typeface="Times New Roman" panose="02020603050405020304" pitchFamily="18" charset="0"/>
+                      </a:endParaRPr>
+                    </a:p>
+                  </a:txBody>
+                  <a:tcPr marL="48541" marR="48541" marT="0" marB="0"/>
+                </a:tc>
+                <a:tc>
+                  <a:txBody>
+                    <a:bodyPr/>
+                    <a:lstStyle/>
+                    <a:p>
+                      <a:pPr marL="0" marR="0">
+                        <a:lnSpc>
+                          <a:spcPct val="107000"/>
+                        </a:lnSpc>
+                        <a:spcBef>
+                          <a:spcPts val="0"/>
+                        </a:spcBef>
+                        <a:spcAft>
+                          <a:spcPts val="0"/>
+                        </a:spcAft>
+                      </a:pPr>
+                      <a:r>
+                        <a:rPr lang="en-US" sz="800">
+                          <a:effectLst/>
+                        </a:rPr>
+                        <a:t>Mobile application shall allow the user to configure an audible tone of at least 60dB for an input date and time</a:t>
+                      </a:r>
+                      <a:endParaRPr lang="en-US" sz="800">
+                        <a:effectLst/>
+                        <a:latin typeface="Calibri" panose="020F0502020204030204" pitchFamily="34" charset="0"/>
+                        <a:ea typeface="Calibri" panose="020F0502020204030204" pitchFamily="34" charset="0"/>
+                        <a:cs typeface="Times New Roman" panose="02020603050405020304" pitchFamily="18" charset="0"/>
+                      </a:endParaRPr>
+                    </a:p>
+                  </a:txBody>
+                  <a:tcPr marL="48541" marR="48541" marT="0" marB="0"/>
+                </a:tc>
+                <a:extLst>
+                  <a:ext uri="{0D108BD9-81ED-4DB2-BD59-A6C34878D82A}">
+                    <a16:rowId xmlns:a16="http://schemas.microsoft.com/office/drawing/2014/main" val="2961892296"/>
+                  </a:ext>
+                </a:extLst>
+              </a:tr>
+              <a:tr h="216569">
+                <a:tc>
+                  <a:txBody>
+                    <a:bodyPr/>
+                    <a:lstStyle/>
+                    <a:p>
+                      <a:pPr marL="0" marR="0" algn="ctr">
+                        <a:lnSpc>
+                          <a:spcPct val="107000"/>
+                        </a:lnSpc>
+                        <a:spcBef>
+                          <a:spcPts val="0"/>
+                        </a:spcBef>
+                        <a:spcAft>
+                          <a:spcPts val="0"/>
+                        </a:spcAft>
+                      </a:pPr>
+                      <a:r>
+                        <a:rPr lang="en-US" sz="800">
+                          <a:effectLst/>
+                        </a:rPr>
+                        <a:t>11.0</a:t>
+                      </a:r>
+                      <a:endParaRPr lang="en-US" sz="800">
+                        <a:effectLst/>
+                        <a:latin typeface="Calibri" panose="020F0502020204030204" pitchFamily="34" charset="0"/>
+                        <a:ea typeface="Calibri" panose="020F0502020204030204" pitchFamily="34" charset="0"/>
+                        <a:cs typeface="Times New Roman" panose="02020603050405020304" pitchFamily="18" charset="0"/>
+                      </a:endParaRPr>
+                    </a:p>
+                  </a:txBody>
+                  <a:tcPr marL="48541" marR="48541" marT="0" marB="0"/>
+                </a:tc>
+                <a:tc>
+                  <a:txBody>
+                    <a:bodyPr/>
+                    <a:lstStyle/>
+                    <a:p>
+                      <a:pPr marL="0" marR="0" algn="ctr">
+                        <a:lnSpc>
+                          <a:spcPct val="107000"/>
+                        </a:lnSpc>
+                        <a:spcBef>
+                          <a:spcPts val="0"/>
+                        </a:spcBef>
+                        <a:spcAft>
+                          <a:spcPts val="0"/>
+                        </a:spcAft>
+                      </a:pPr>
+                      <a:r>
+                        <a:rPr lang="en-US" sz="800">
+                          <a:effectLst/>
+                        </a:rPr>
+                        <a:t>3</a:t>
+                      </a:r>
+                      <a:endParaRPr lang="en-US" sz="800">
+                        <a:effectLst/>
+                        <a:latin typeface="Calibri" panose="020F0502020204030204" pitchFamily="34" charset="0"/>
+                        <a:ea typeface="Calibri" panose="020F0502020204030204" pitchFamily="34" charset="0"/>
+                        <a:cs typeface="Times New Roman" panose="02020603050405020304" pitchFamily="18" charset="0"/>
+                      </a:endParaRPr>
+                    </a:p>
+                  </a:txBody>
+                  <a:tcPr marL="48541" marR="48541" marT="0" marB="0"/>
+                </a:tc>
+                <a:tc>
+                  <a:txBody>
+                    <a:bodyPr/>
+                    <a:lstStyle/>
+                    <a:p>
+                      <a:pPr marL="0" marR="0">
+                        <a:lnSpc>
+                          <a:spcPct val="107000"/>
+                        </a:lnSpc>
+                        <a:spcBef>
+                          <a:spcPts val="0"/>
+                        </a:spcBef>
+                        <a:spcAft>
+                          <a:spcPts val="0"/>
+                        </a:spcAft>
+                      </a:pPr>
+                      <a:r>
+                        <a:rPr lang="en-US" sz="800" dirty="0">
+                          <a:effectLst/>
+                        </a:rPr>
+                        <a:t>Mobile application shall allow the user to configure the LED light to turn on for an input date and time</a:t>
+                      </a:r>
+                      <a:endParaRPr lang="en-US" sz="800" dirty="0">
+                        <a:effectLst/>
+                        <a:latin typeface="Calibri" panose="020F0502020204030204" pitchFamily="34" charset="0"/>
+                        <a:ea typeface="Calibri" panose="020F0502020204030204" pitchFamily="34" charset="0"/>
+                        <a:cs typeface="Times New Roman" panose="02020603050405020304" pitchFamily="18" charset="0"/>
+                      </a:endParaRPr>
+                    </a:p>
+                  </a:txBody>
+                  <a:tcPr marL="48541" marR="48541" marT="0" marB="0"/>
+                </a:tc>
+                <a:extLst>
+                  <a:ext uri="{0D108BD9-81ED-4DB2-BD59-A6C34878D82A}">
+                    <a16:rowId xmlns:a16="http://schemas.microsoft.com/office/drawing/2014/main" val="1235021569"/>
+                  </a:ext>
+                </a:extLst>
+              </a:tr>
+              <a:tr h="199595">
+                <a:tc>
+                  <a:txBody>
+                    <a:bodyPr/>
+                    <a:lstStyle/>
+                    <a:p>
+                      <a:pPr marL="0" marR="0" algn="ctr">
+                        <a:lnSpc>
+                          <a:spcPct val="107000"/>
+                        </a:lnSpc>
+                        <a:spcBef>
+                          <a:spcPts val="0"/>
+                        </a:spcBef>
+                        <a:spcAft>
+                          <a:spcPts val="0"/>
+                        </a:spcAft>
+                      </a:pPr>
+                      <a:r>
+                        <a:rPr lang="en-US" sz="800">
+                          <a:effectLst/>
+                        </a:rPr>
+                        <a:t>12.0</a:t>
+                      </a:r>
+                      <a:endParaRPr lang="en-US" sz="800">
+                        <a:effectLst/>
+                        <a:latin typeface="Calibri" panose="020F0502020204030204" pitchFamily="34" charset="0"/>
+                        <a:ea typeface="Calibri" panose="020F0502020204030204" pitchFamily="34" charset="0"/>
+                        <a:cs typeface="Times New Roman" panose="02020603050405020304" pitchFamily="18" charset="0"/>
+                      </a:endParaRPr>
+                    </a:p>
+                  </a:txBody>
+                  <a:tcPr marL="48541" marR="48541" marT="0" marB="0"/>
+                </a:tc>
+                <a:tc>
+                  <a:txBody>
+                    <a:bodyPr/>
+                    <a:lstStyle/>
+                    <a:p>
+                      <a:pPr marL="0" marR="0" algn="ctr">
+                        <a:lnSpc>
+                          <a:spcPct val="107000"/>
+                        </a:lnSpc>
+                        <a:spcBef>
+                          <a:spcPts val="0"/>
+                        </a:spcBef>
+                        <a:spcAft>
+                          <a:spcPts val="0"/>
+                        </a:spcAft>
+                      </a:pPr>
+                      <a:r>
+                        <a:rPr lang="en-US" sz="800">
+                          <a:effectLst/>
+                        </a:rPr>
+                        <a:t>3</a:t>
+                      </a:r>
+                      <a:endParaRPr lang="en-US" sz="800">
+                        <a:effectLst/>
+                        <a:latin typeface="Calibri" panose="020F0502020204030204" pitchFamily="34" charset="0"/>
+                        <a:ea typeface="Calibri" panose="020F0502020204030204" pitchFamily="34" charset="0"/>
+                        <a:cs typeface="Times New Roman" panose="02020603050405020304" pitchFamily="18" charset="0"/>
+                      </a:endParaRPr>
+                    </a:p>
+                  </a:txBody>
+                  <a:tcPr marL="48541" marR="48541" marT="0" marB="0"/>
+                </a:tc>
+                <a:tc>
+                  <a:txBody>
+                    <a:bodyPr/>
+                    <a:lstStyle/>
+                    <a:p>
+                      <a:pPr marL="0" marR="0">
+                        <a:lnSpc>
+                          <a:spcPct val="107000"/>
+                        </a:lnSpc>
+                        <a:spcBef>
+                          <a:spcPts val="0"/>
+                        </a:spcBef>
+                        <a:spcAft>
+                          <a:spcPts val="0"/>
+                        </a:spcAft>
+                      </a:pPr>
+                      <a:r>
+                        <a:rPr lang="en-US" sz="800">
+                          <a:effectLst/>
+                        </a:rPr>
+                        <a:t>Mobile application shall allow the user to see location information for the device</a:t>
+                      </a:r>
+                      <a:endParaRPr lang="en-US" sz="800">
+                        <a:effectLst/>
+                        <a:latin typeface="Calibri" panose="020F0502020204030204" pitchFamily="34" charset="0"/>
+                        <a:ea typeface="Calibri" panose="020F0502020204030204" pitchFamily="34" charset="0"/>
+                        <a:cs typeface="Times New Roman" panose="02020603050405020304" pitchFamily="18" charset="0"/>
+                      </a:endParaRPr>
+                    </a:p>
+                  </a:txBody>
+                  <a:tcPr marL="48541" marR="48541" marT="0" marB="0"/>
+                </a:tc>
+                <a:extLst>
+                  <a:ext uri="{0D108BD9-81ED-4DB2-BD59-A6C34878D82A}">
+                    <a16:rowId xmlns:a16="http://schemas.microsoft.com/office/drawing/2014/main" val="3188335964"/>
+                  </a:ext>
+                </a:extLst>
+              </a:tr>
+              <a:tr h="199595">
+                <a:tc>
+                  <a:txBody>
+                    <a:bodyPr/>
+                    <a:lstStyle/>
+                    <a:p>
+                      <a:pPr marL="0" marR="0" algn="ctr">
+                        <a:lnSpc>
+                          <a:spcPct val="107000"/>
+                        </a:lnSpc>
+                        <a:spcBef>
+                          <a:spcPts val="0"/>
+                        </a:spcBef>
+                        <a:spcAft>
+                          <a:spcPts val="0"/>
+                        </a:spcAft>
+                      </a:pPr>
+                      <a:r>
+                        <a:rPr lang="en-US" sz="800">
+                          <a:effectLst/>
+                        </a:rPr>
+                        <a:t>13.0</a:t>
+                      </a:r>
+                      <a:endParaRPr lang="en-US" sz="800">
+                        <a:effectLst/>
+                        <a:latin typeface="Calibri" panose="020F0502020204030204" pitchFamily="34" charset="0"/>
+                        <a:ea typeface="Calibri" panose="020F0502020204030204" pitchFamily="34" charset="0"/>
+                        <a:cs typeface="Times New Roman" panose="02020603050405020304" pitchFamily="18" charset="0"/>
+                      </a:endParaRPr>
+                    </a:p>
+                  </a:txBody>
+                  <a:tcPr marL="48541" marR="48541" marT="0" marB="0"/>
+                </a:tc>
+                <a:tc>
+                  <a:txBody>
+                    <a:bodyPr/>
+                    <a:lstStyle/>
+                    <a:p>
+                      <a:pPr marL="0" marR="0" algn="ctr">
+                        <a:lnSpc>
+                          <a:spcPct val="107000"/>
+                        </a:lnSpc>
+                        <a:spcBef>
+                          <a:spcPts val="0"/>
+                        </a:spcBef>
+                        <a:spcAft>
+                          <a:spcPts val="0"/>
+                        </a:spcAft>
+                      </a:pPr>
+                      <a:r>
+                        <a:rPr lang="en-US" sz="800">
+                          <a:effectLst/>
+                        </a:rPr>
+                        <a:t>3</a:t>
+                      </a:r>
+                      <a:endParaRPr lang="en-US" sz="800">
+                        <a:effectLst/>
+                        <a:latin typeface="Calibri" panose="020F0502020204030204" pitchFamily="34" charset="0"/>
+                        <a:ea typeface="Calibri" panose="020F0502020204030204" pitchFamily="34" charset="0"/>
+                        <a:cs typeface="Times New Roman" panose="02020603050405020304" pitchFamily="18" charset="0"/>
+                      </a:endParaRPr>
+                    </a:p>
+                  </a:txBody>
+                  <a:tcPr marL="48541" marR="48541" marT="0" marB="0"/>
+                </a:tc>
+                <a:tc>
+                  <a:txBody>
+                    <a:bodyPr/>
+                    <a:lstStyle/>
+                    <a:p>
+                      <a:pPr marL="0" marR="0">
+                        <a:lnSpc>
+                          <a:spcPct val="107000"/>
+                        </a:lnSpc>
+                        <a:spcBef>
+                          <a:spcPts val="0"/>
+                        </a:spcBef>
+                        <a:spcAft>
+                          <a:spcPts val="0"/>
+                        </a:spcAft>
+                      </a:pPr>
+                      <a:r>
+                        <a:rPr lang="en-US" sz="800">
+                          <a:effectLst/>
+                        </a:rPr>
+                        <a:t>Mobile application shall allow the user to define a custom name for the device</a:t>
+                      </a:r>
+                      <a:endParaRPr lang="en-US" sz="800">
+                        <a:effectLst/>
+                        <a:latin typeface="Calibri" panose="020F0502020204030204" pitchFamily="34" charset="0"/>
+                        <a:ea typeface="Calibri" panose="020F0502020204030204" pitchFamily="34" charset="0"/>
+                        <a:cs typeface="Times New Roman" panose="02020603050405020304" pitchFamily="18" charset="0"/>
+                      </a:endParaRPr>
+                    </a:p>
+                  </a:txBody>
+                  <a:tcPr marL="48541" marR="48541" marT="0" marB="0"/>
+                </a:tc>
+                <a:extLst>
+                  <a:ext uri="{0D108BD9-81ED-4DB2-BD59-A6C34878D82A}">
+                    <a16:rowId xmlns:a16="http://schemas.microsoft.com/office/drawing/2014/main" val="337746607"/>
+                  </a:ext>
+                </a:extLst>
+              </a:tr>
+              <a:tr h="199595">
+                <a:tc>
+                  <a:txBody>
+                    <a:bodyPr/>
+                    <a:lstStyle/>
+                    <a:p>
+                      <a:pPr marL="0" marR="0" algn="ctr">
+                        <a:lnSpc>
+                          <a:spcPct val="107000"/>
+                        </a:lnSpc>
+                        <a:spcBef>
+                          <a:spcPts val="0"/>
+                        </a:spcBef>
+                        <a:spcAft>
+                          <a:spcPts val="0"/>
+                        </a:spcAft>
+                      </a:pPr>
+                      <a:r>
+                        <a:rPr lang="en-US" sz="800">
+                          <a:effectLst/>
+                        </a:rPr>
+                        <a:t>14.0</a:t>
+                      </a:r>
+                      <a:endParaRPr lang="en-US" sz="800">
+                        <a:effectLst/>
+                        <a:latin typeface="Calibri" panose="020F0502020204030204" pitchFamily="34" charset="0"/>
+                        <a:ea typeface="Calibri" panose="020F0502020204030204" pitchFamily="34" charset="0"/>
+                        <a:cs typeface="Times New Roman" panose="02020603050405020304" pitchFamily="18" charset="0"/>
+                      </a:endParaRPr>
+                    </a:p>
+                  </a:txBody>
+                  <a:tcPr marL="48541" marR="48541" marT="0" marB="0"/>
+                </a:tc>
+                <a:tc>
+                  <a:txBody>
+                    <a:bodyPr/>
+                    <a:lstStyle/>
+                    <a:p>
+                      <a:pPr marL="0" marR="0" algn="ctr">
+                        <a:lnSpc>
+                          <a:spcPct val="107000"/>
+                        </a:lnSpc>
+                        <a:spcBef>
+                          <a:spcPts val="0"/>
+                        </a:spcBef>
+                        <a:spcAft>
+                          <a:spcPts val="0"/>
+                        </a:spcAft>
+                      </a:pPr>
+                      <a:r>
+                        <a:rPr lang="en-US" sz="800">
+                          <a:effectLst/>
+                        </a:rPr>
+                        <a:t>3</a:t>
+                      </a:r>
+                      <a:endParaRPr lang="en-US" sz="800">
+                        <a:effectLst/>
+                        <a:latin typeface="Calibri" panose="020F0502020204030204" pitchFamily="34" charset="0"/>
+                        <a:ea typeface="Calibri" panose="020F0502020204030204" pitchFamily="34" charset="0"/>
+                        <a:cs typeface="Times New Roman" panose="02020603050405020304" pitchFamily="18" charset="0"/>
+                      </a:endParaRPr>
+                    </a:p>
+                  </a:txBody>
+                  <a:tcPr marL="48541" marR="48541" marT="0" marB="0"/>
+                </a:tc>
+                <a:tc>
+                  <a:txBody>
+                    <a:bodyPr/>
+                    <a:lstStyle/>
+                    <a:p>
+                      <a:pPr marL="0" marR="0">
+                        <a:lnSpc>
+                          <a:spcPct val="107000"/>
+                        </a:lnSpc>
+                        <a:spcBef>
+                          <a:spcPts val="0"/>
+                        </a:spcBef>
+                        <a:spcAft>
+                          <a:spcPts val="0"/>
+                        </a:spcAft>
+                      </a:pPr>
+                      <a:r>
+                        <a:rPr lang="en-US" sz="800">
+                          <a:effectLst/>
+                        </a:rPr>
+                        <a:t>Mobile application shall store user defined email</a:t>
+                      </a:r>
+                      <a:endParaRPr lang="en-US" sz="800">
+                        <a:effectLst/>
+                        <a:latin typeface="Calibri" panose="020F0502020204030204" pitchFamily="34" charset="0"/>
+                        <a:ea typeface="Calibri" panose="020F0502020204030204" pitchFamily="34" charset="0"/>
+                        <a:cs typeface="Times New Roman" panose="02020603050405020304" pitchFamily="18" charset="0"/>
+                      </a:endParaRPr>
+                    </a:p>
+                  </a:txBody>
+                  <a:tcPr marL="48541" marR="48541" marT="0" marB="0"/>
+                </a:tc>
+                <a:extLst>
+                  <a:ext uri="{0D108BD9-81ED-4DB2-BD59-A6C34878D82A}">
+                    <a16:rowId xmlns:a16="http://schemas.microsoft.com/office/drawing/2014/main" val="691067098"/>
+                  </a:ext>
+                </a:extLst>
+              </a:tr>
+              <a:tr h="199595">
+                <a:tc>
+                  <a:txBody>
+                    <a:bodyPr/>
+                    <a:lstStyle/>
+                    <a:p>
+                      <a:pPr marL="0" marR="0" algn="ctr">
+                        <a:lnSpc>
+                          <a:spcPct val="107000"/>
+                        </a:lnSpc>
+                        <a:spcBef>
+                          <a:spcPts val="0"/>
+                        </a:spcBef>
+                        <a:spcAft>
+                          <a:spcPts val="0"/>
+                        </a:spcAft>
+                      </a:pPr>
+                      <a:r>
+                        <a:rPr lang="en-US" sz="800">
+                          <a:effectLst/>
+                        </a:rPr>
+                        <a:t>15.0</a:t>
+                      </a:r>
+                      <a:endParaRPr lang="en-US" sz="800">
+                        <a:effectLst/>
+                        <a:latin typeface="Calibri" panose="020F0502020204030204" pitchFamily="34" charset="0"/>
+                        <a:ea typeface="Calibri" panose="020F0502020204030204" pitchFamily="34" charset="0"/>
+                        <a:cs typeface="Times New Roman" panose="02020603050405020304" pitchFamily="18" charset="0"/>
+                      </a:endParaRPr>
+                    </a:p>
+                  </a:txBody>
+                  <a:tcPr marL="48541" marR="48541" marT="0" marB="0"/>
+                </a:tc>
+                <a:tc>
+                  <a:txBody>
+                    <a:bodyPr/>
+                    <a:lstStyle/>
+                    <a:p>
+                      <a:pPr marL="0" marR="0" algn="ctr">
+                        <a:lnSpc>
+                          <a:spcPct val="107000"/>
+                        </a:lnSpc>
+                        <a:spcBef>
+                          <a:spcPts val="0"/>
+                        </a:spcBef>
+                        <a:spcAft>
+                          <a:spcPts val="0"/>
+                        </a:spcAft>
+                      </a:pPr>
+                      <a:r>
+                        <a:rPr lang="en-US" sz="800">
+                          <a:effectLst/>
+                        </a:rPr>
+                        <a:t>3</a:t>
+                      </a:r>
+                      <a:endParaRPr lang="en-US" sz="800">
+                        <a:effectLst/>
+                        <a:latin typeface="Calibri" panose="020F0502020204030204" pitchFamily="34" charset="0"/>
+                        <a:ea typeface="Calibri" panose="020F0502020204030204" pitchFamily="34" charset="0"/>
+                        <a:cs typeface="Times New Roman" panose="02020603050405020304" pitchFamily="18" charset="0"/>
+                      </a:endParaRPr>
+                    </a:p>
+                  </a:txBody>
+                  <a:tcPr marL="48541" marR="48541" marT="0" marB="0"/>
+                </a:tc>
+                <a:tc>
+                  <a:txBody>
+                    <a:bodyPr/>
+                    <a:lstStyle/>
+                    <a:p>
+                      <a:pPr marL="0" marR="0">
+                        <a:lnSpc>
+                          <a:spcPct val="107000"/>
+                        </a:lnSpc>
+                        <a:spcBef>
+                          <a:spcPts val="0"/>
+                        </a:spcBef>
+                        <a:spcAft>
+                          <a:spcPts val="0"/>
+                        </a:spcAft>
+                      </a:pPr>
+                      <a:r>
+                        <a:rPr lang="en-US" sz="800">
+                          <a:effectLst/>
+                        </a:rPr>
+                        <a:t>Mobile application shall store user defined wi-fi network credentials</a:t>
+                      </a:r>
+                      <a:endParaRPr lang="en-US" sz="800">
+                        <a:effectLst/>
+                        <a:latin typeface="Calibri" panose="020F0502020204030204" pitchFamily="34" charset="0"/>
+                        <a:ea typeface="Calibri" panose="020F0502020204030204" pitchFamily="34" charset="0"/>
+                        <a:cs typeface="Times New Roman" panose="02020603050405020304" pitchFamily="18" charset="0"/>
+                      </a:endParaRPr>
+                    </a:p>
+                  </a:txBody>
+                  <a:tcPr marL="48541" marR="48541" marT="0" marB="0"/>
+                </a:tc>
+                <a:extLst>
+                  <a:ext uri="{0D108BD9-81ED-4DB2-BD59-A6C34878D82A}">
+                    <a16:rowId xmlns:a16="http://schemas.microsoft.com/office/drawing/2014/main" val="3489104003"/>
+                  </a:ext>
+                </a:extLst>
+              </a:tr>
+              <a:tr h="199595">
+                <a:tc>
+                  <a:txBody>
+                    <a:bodyPr/>
+                    <a:lstStyle/>
+                    <a:p>
+                      <a:pPr marL="0" marR="0" algn="ctr">
+                        <a:lnSpc>
+                          <a:spcPct val="107000"/>
+                        </a:lnSpc>
+                        <a:spcBef>
+                          <a:spcPts val="0"/>
+                        </a:spcBef>
+                        <a:spcAft>
+                          <a:spcPts val="0"/>
+                        </a:spcAft>
+                      </a:pPr>
+                      <a:r>
+                        <a:rPr lang="en-US" sz="800">
+                          <a:effectLst/>
+                        </a:rPr>
+                        <a:t>16.0</a:t>
+                      </a:r>
+                      <a:endParaRPr lang="en-US" sz="800">
+                        <a:effectLst/>
+                        <a:latin typeface="Calibri" panose="020F0502020204030204" pitchFamily="34" charset="0"/>
+                        <a:ea typeface="Calibri" panose="020F0502020204030204" pitchFamily="34" charset="0"/>
+                        <a:cs typeface="Times New Roman" panose="02020603050405020304" pitchFamily="18" charset="0"/>
+                      </a:endParaRPr>
+                    </a:p>
+                  </a:txBody>
+                  <a:tcPr marL="48541" marR="48541" marT="0" marB="0"/>
+                </a:tc>
+                <a:tc>
+                  <a:txBody>
+                    <a:bodyPr/>
+                    <a:lstStyle/>
+                    <a:p>
+                      <a:pPr marL="0" marR="0" algn="ctr">
+                        <a:lnSpc>
+                          <a:spcPct val="107000"/>
+                        </a:lnSpc>
+                        <a:spcBef>
+                          <a:spcPts val="0"/>
+                        </a:spcBef>
+                        <a:spcAft>
+                          <a:spcPts val="0"/>
+                        </a:spcAft>
+                      </a:pPr>
+                      <a:r>
+                        <a:rPr lang="en-US" sz="800">
+                          <a:effectLst/>
+                        </a:rPr>
+                        <a:t>5</a:t>
+                      </a:r>
+                      <a:endParaRPr lang="en-US" sz="800">
+                        <a:effectLst/>
+                        <a:latin typeface="Calibri" panose="020F0502020204030204" pitchFamily="34" charset="0"/>
+                        <a:ea typeface="Calibri" panose="020F0502020204030204" pitchFamily="34" charset="0"/>
+                        <a:cs typeface="Times New Roman" panose="02020603050405020304" pitchFamily="18" charset="0"/>
+                      </a:endParaRPr>
+                    </a:p>
+                  </a:txBody>
+                  <a:tcPr marL="48541" marR="48541" marT="0" marB="0"/>
+                </a:tc>
+                <a:tc>
+                  <a:txBody>
+                    <a:bodyPr/>
+                    <a:lstStyle/>
+                    <a:p>
+                      <a:pPr marL="0" marR="0">
+                        <a:lnSpc>
+                          <a:spcPct val="107000"/>
+                        </a:lnSpc>
+                        <a:spcBef>
+                          <a:spcPts val="0"/>
+                        </a:spcBef>
+                        <a:spcAft>
+                          <a:spcPts val="0"/>
+                        </a:spcAft>
+                      </a:pPr>
+                      <a:r>
+                        <a:rPr lang="en-US" sz="800">
+                          <a:effectLst/>
+                        </a:rPr>
+                        <a:t>Device shall provide the user access to the battery through a folding panel</a:t>
+                      </a:r>
+                      <a:endParaRPr lang="en-US" sz="800">
+                        <a:effectLst/>
+                        <a:latin typeface="Calibri" panose="020F0502020204030204" pitchFamily="34" charset="0"/>
+                        <a:ea typeface="Calibri" panose="020F0502020204030204" pitchFamily="34" charset="0"/>
+                        <a:cs typeface="Times New Roman" panose="02020603050405020304" pitchFamily="18" charset="0"/>
+                      </a:endParaRPr>
+                    </a:p>
+                  </a:txBody>
+                  <a:tcPr marL="48541" marR="48541" marT="0" marB="0"/>
+                </a:tc>
+                <a:extLst>
+                  <a:ext uri="{0D108BD9-81ED-4DB2-BD59-A6C34878D82A}">
+                    <a16:rowId xmlns:a16="http://schemas.microsoft.com/office/drawing/2014/main" val="2863361585"/>
+                  </a:ext>
+                </a:extLst>
+              </a:tr>
+              <a:tr h="199595">
+                <a:tc>
+                  <a:txBody>
+                    <a:bodyPr/>
+                    <a:lstStyle/>
+                    <a:p>
+                      <a:pPr marL="0" marR="0" algn="ctr">
+                        <a:lnSpc>
+                          <a:spcPct val="107000"/>
+                        </a:lnSpc>
+                        <a:spcBef>
+                          <a:spcPts val="0"/>
+                        </a:spcBef>
+                        <a:spcAft>
+                          <a:spcPts val="0"/>
+                        </a:spcAft>
+                      </a:pPr>
+                      <a:r>
+                        <a:rPr lang="en-US" sz="800">
+                          <a:effectLst/>
+                        </a:rPr>
+                        <a:t>17.0</a:t>
+                      </a:r>
+                      <a:endParaRPr lang="en-US" sz="800">
+                        <a:effectLst/>
+                        <a:latin typeface="Calibri" panose="020F0502020204030204" pitchFamily="34" charset="0"/>
+                        <a:ea typeface="Calibri" panose="020F0502020204030204" pitchFamily="34" charset="0"/>
+                        <a:cs typeface="Times New Roman" panose="02020603050405020304" pitchFamily="18" charset="0"/>
+                      </a:endParaRPr>
+                    </a:p>
+                  </a:txBody>
+                  <a:tcPr marL="48541" marR="48541" marT="0" marB="0"/>
+                </a:tc>
+                <a:tc>
+                  <a:txBody>
+                    <a:bodyPr/>
+                    <a:lstStyle/>
+                    <a:p>
+                      <a:pPr marL="0" marR="0" algn="ctr">
+                        <a:lnSpc>
+                          <a:spcPct val="107000"/>
+                        </a:lnSpc>
+                        <a:spcBef>
+                          <a:spcPts val="0"/>
+                        </a:spcBef>
+                        <a:spcAft>
+                          <a:spcPts val="0"/>
+                        </a:spcAft>
+                      </a:pPr>
+                      <a:r>
+                        <a:rPr lang="en-US" sz="800">
+                          <a:effectLst/>
+                        </a:rPr>
+                        <a:t>5</a:t>
+                      </a:r>
+                      <a:endParaRPr lang="en-US" sz="800">
+                        <a:effectLst/>
+                        <a:latin typeface="Calibri" panose="020F0502020204030204" pitchFamily="34" charset="0"/>
+                        <a:ea typeface="Calibri" panose="020F0502020204030204" pitchFamily="34" charset="0"/>
+                        <a:cs typeface="Times New Roman" panose="02020603050405020304" pitchFamily="18" charset="0"/>
+                      </a:endParaRPr>
+                    </a:p>
+                  </a:txBody>
+                  <a:tcPr marL="48541" marR="48541" marT="0" marB="0"/>
+                </a:tc>
+                <a:tc>
+                  <a:txBody>
+                    <a:bodyPr/>
+                    <a:lstStyle/>
+                    <a:p>
+                      <a:pPr marL="0" marR="0">
+                        <a:lnSpc>
+                          <a:spcPct val="107000"/>
+                        </a:lnSpc>
+                        <a:spcBef>
+                          <a:spcPts val="0"/>
+                        </a:spcBef>
+                        <a:spcAft>
+                          <a:spcPts val="0"/>
+                        </a:spcAft>
+                      </a:pPr>
+                      <a:r>
+                        <a:rPr lang="en-US" sz="800">
+                          <a:effectLst/>
+                        </a:rPr>
+                        <a:t>Device shall accept a replacement battery of the same form factor</a:t>
+                      </a:r>
+                      <a:endParaRPr lang="en-US" sz="800">
+                        <a:effectLst/>
+                        <a:latin typeface="Calibri" panose="020F0502020204030204" pitchFamily="34" charset="0"/>
+                        <a:ea typeface="Calibri" panose="020F0502020204030204" pitchFamily="34" charset="0"/>
+                        <a:cs typeface="Times New Roman" panose="02020603050405020304" pitchFamily="18" charset="0"/>
+                      </a:endParaRPr>
+                    </a:p>
+                  </a:txBody>
+                  <a:tcPr marL="48541" marR="48541" marT="0" marB="0"/>
+                </a:tc>
+                <a:extLst>
+                  <a:ext uri="{0D108BD9-81ED-4DB2-BD59-A6C34878D82A}">
+                    <a16:rowId xmlns:a16="http://schemas.microsoft.com/office/drawing/2014/main" val="464497091"/>
+                  </a:ext>
+                </a:extLst>
+              </a:tr>
+              <a:tr h="199595">
+                <a:tc>
+                  <a:txBody>
+                    <a:bodyPr/>
+                    <a:lstStyle/>
+                    <a:p>
+                      <a:pPr marL="0" marR="0" algn="ctr">
+                        <a:lnSpc>
+                          <a:spcPct val="107000"/>
+                        </a:lnSpc>
+                        <a:spcBef>
+                          <a:spcPts val="0"/>
+                        </a:spcBef>
+                        <a:spcAft>
+                          <a:spcPts val="0"/>
+                        </a:spcAft>
+                      </a:pPr>
+                      <a:r>
+                        <a:rPr lang="en-US" sz="800">
+                          <a:effectLst/>
+                        </a:rPr>
+                        <a:t>18.0</a:t>
+                      </a:r>
+                      <a:endParaRPr lang="en-US" sz="800">
+                        <a:effectLst/>
+                        <a:latin typeface="Calibri" panose="020F0502020204030204" pitchFamily="34" charset="0"/>
+                        <a:ea typeface="Calibri" panose="020F0502020204030204" pitchFamily="34" charset="0"/>
+                        <a:cs typeface="Times New Roman" panose="02020603050405020304" pitchFamily="18" charset="0"/>
+                      </a:endParaRPr>
+                    </a:p>
+                  </a:txBody>
+                  <a:tcPr marL="48541" marR="48541" marT="0" marB="0"/>
+                </a:tc>
+                <a:tc>
+                  <a:txBody>
+                    <a:bodyPr/>
+                    <a:lstStyle/>
+                    <a:p>
+                      <a:pPr marL="0" marR="0" algn="ctr">
+                        <a:lnSpc>
+                          <a:spcPct val="107000"/>
+                        </a:lnSpc>
+                        <a:spcBef>
+                          <a:spcPts val="0"/>
+                        </a:spcBef>
+                        <a:spcAft>
+                          <a:spcPts val="0"/>
+                        </a:spcAft>
+                      </a:pPr>
+                      <a:r>
+                        <a:rPr lang="en-US" sz="800">
+                          <a:effectLst/>
+                        </a:rPr>
+                        <a:t>6</a:t>
+                      </a:r>
+                      <a:endParaRPr lang="en-US" sz="800">
+                        <a:effectLst/>
+                        <a:latin typeface="Calibri" panose="020F0502020204030204" pitchFamily="34" charset="0"/>
+                        <a:ea typeface="Calibri" panose="020F0502020204030204" pitchFamily="34" charset="0"/>
+                        <a:cs typeface="Times New Roman" panose="02020603050405020304" pitchFamily="18" charset="0"/>
+                      </a:endParaRPr>
+                    </a:p>
+                  </a:txBody>
+                  <a:tcPr marL="48541" marR="48541" marT="0" marB="0"/>
+                </a:tc>
+                <a:tc>
+                  <a:txBody>
+                    <a:bodyPr/>
+                    <a:lstStyle/>
+                    <a:p>
+                      <a:pPr marL="0" marR="0">
+                        <a:lnSpc>
+                          <a:spcPct val="107000"/>
+                        </a:lnSpc>
+                        <a:spcBef>
+                          <a:spcPts val="0"/>
+                        </a:spcBef>
+                        <a:spcAft>
+                          <a:spcPts val="0"/>
+                        </a:spcAft>
+                      </a:pPr>
+                      <a:r>
+                        <a:rPr lang="en-US" sz="800">
+                          <a:effectLst/>
+                        </a:rPr>
+                        <a:t>Device shall function in temperatures above 32</a:t>
+                      </a:r>
+                      <a:r>
+                        <a:rPr lang="en-US" sz="800" baseline="-25000">
+                          <a:effectLst/>
+                        </a:rPr>
+                        <a:t>­­</a:t>
+                      </a:r>
+                      <a:r>
+                        <a:rPr lang="en-US" sz="800">
+                          <a:effectLst/>
+                        </a:rPr>
+                        <a:t>­­</a:t>
+                      </a:r>
+                      <a:r>
+                        <a:rPr lang="en-US" sz="800" baseline="30000">
+                          <a:effectLst/>
+                        </a:rPr>
+                        <a:t>0</a:t>
+                      </a:r>
+                      <a:r>
+                        <a:rPr lang="en-US" sz="800">
+                          <a:effectLst/>
+                        </a:rPr>
+                        <a:t>F</a:t>
+                      </a:r>
+                      <a:endParaRPr lang="en-US" sz="800">
+                        <a:effectLst/>
+                        <a:latin typeface="Calibri" panose="020F0502020204030204" pitchFamily="34" charset="0"/>
+                        <a:ea typeface="Calibri" panose="020F0502020204030204" pitchFamily="34" charset="0"/>
+                        <a:cs typeface="Times New Roman" panose="02020603050405020304" pitchFamily="18" charset="0"/>
+                      </a:endParaRPr>
+                    </a:p>
+                  </a:txBody>
+                  <a:tcPr marL="48541" marR="48541" marT="0" marB="0"/>
+                </a:tc>
+                <a:extLst>
+                  <a:ext uri="{0D108BD9-81ED-4DB2-BD59-A6C34878D82A}">
+                    <a16:rowId xmlns:a16="http://schemas.microsoft.com/office/drawing/2014/main" val="3158729109"/>
+                  </a:ext>
+                </a:extLst>
+              </a:tr>
+              <a:tr h="199595">
+                <a:tc>
+                  <a:txBody>
+                    <a:bodyPr/>
+                    <a:lstStyle/>
+                    <a:p>
+                      <a:pPr marL="0" marR="0" algn="ctr">
+                        <a:lnSpc>
+                          <a:spcPct val="107000"/>
+                        </a:lnSpc>
+                        <a:spcBef>
+                          <a:spcPts val="0"/>
+                        </a:spcBef>
+                        <a:spcAft>
+                          <a:spcPts val="0"/>
+                        </a:spcAft>
+                      </a:pPr>
+                      <a:r>
+                        <a:rPr lang="en-US" sz="800">
+                          <a:effectLst/>
+                        </a:rPr>
+                        <a:t>19.0</a:t>
+                      </a:r>
+                      <a:endParaRPr lang="en-US" sz="800">
+                        <a:effectLst/>
+                        <a:latin typeface="Calibri" panose="020F0502020204030204" pitchFamily="34" charset="0"/>
+                        <a:ea typeface="Calibri" panose="020F0502020204030204" pitchFamily="34" charset="0"/>
+                        <a:cs typeface="Times New Roman" panose="02020603050405020304" pitchFamily="18" charset="0"/>
+                      </a:endParaRPr>
+                    </a:p>
+                  </a:txBody>
+                  <a:tcPr marL="48541" marR="48541" marT="0" marB="0"/>
+                </a:tc>
+                <a:tc>
+                  <a:txBody>
+                    <a:bodyPr/>
+                    <a:lstStyle/>
+                    <a:p>
+                      <a:pPr marL="0" marR="0" algn="ctr">
+                        <a:lnSpc>
+                          <a:spcPct val="107000"/>
+                        </a:lnSpc>
+                        <a:spcBef>
+                          <a:spcPts val="0"/>
+                        </a:spcBef>
+                        <a:spcAft>
+                          <a:spcPts val="0"/>
+                        </a:spcAft>
+                      </a:pPr>
+                      <a:r>
+                        <a:rPr lang="en-US" sz="800">
+                          <a:effectLst/>
+                        </a:rPr>
+                        <a:t>6</a:t>
+                      </a:r>
+                      <a:endParaRPr lang="en-US" sz="800">
+                        <a:effectLst/>
+                        <a:latin typeface="Calibri" panose="020F0502020204030204" pitchFamily="34" charset="0"/>
+                        <a:ea typeface="Calibri" panose="020F0502020204030204" pitchFamily="34" charset="0"/>
+                        <a:cs typeface="Times New Roman" panose="02020603050405020304" pitchFamily="18" charset="0"/>
+                      </a:endParaRPr>
+                    </a:p>
+                  </a:txBody>
+                  <a:tcPr marL="48541" marR="48541" marT="0" marB="0"/>
+                </a:tc>
+                <a:tc>
+                  <a:txBody>
+                    <a:bodyPr/>
+                    <a:lstStyle/>
+                    <a:p>
+                      <a:pPr marL="0" marR="0">
+                        <a:lnSpc>
+                          <a:spcPct val="107000"/>
+                        </a:lnSpc>
+                        <a:spcBef>
+                          <a:spcPts val="0"/>
+                        </a:spcBef>
+                        <a:spcAft>
+                          <a:spcPts val="0"/>
+                        </a:spcAft>
+                      </a:pPr>
+                      <a:r>
+                        <a:rPr lang="en-US" sz="800">
+                          <a:effectLst/>
+                        </a:rPr>
+                        <a:t>Device shall function in temperatures not exceeding 150</a:t>
+                      </a:r>
+                      <a:r>
+                        <a:rPr lang="en-US" sz="800" baseline="30000">
+                          <a:effectLst/>
+                        </a:rPr>
+                        <a:t>0</a:t>
+                      </a:r>
+                      <a:r>
+                        <a:rPr lang="en-US" sz="800">
+                          <a:effectLst/>
+                        </a:rPr>
+                        <a:t>F</a:t>
+                      </a:r>
+                      <a:endParaRPr lang="en-US" sz="800">
+                        <a:effectLst/>
+                        <a:latin typeface="Calibri" panose="020F0502020204030204" pitchFamily="34" charset="0"/>
+                        <a:ea typeface="Calibri" panose="020F0502020204030204" pitchFamily="34" charset="0"/>
+                        <a:cs typeface="Times New Roman" panose="02020603050405020304" pitchFamily="18" charset="0"/>
+                      </a:endParaRPr>
+                    </a:p>
+                  </a:txBody>
+                  <a:tcPr marL="48541" marR="48541" marT="0" marB="0"/>
+                </a:tc>
+                <a:extLst>
+                  <a:ext uri="{0D108BD9-81ED-4DB2-BD59-A6C34878D82A}">
+                    <a16:rowId xmlns:a16="http://schemas.microsoft.com/office/drawing/2014/main" val="2289863183"/>
+                  </a:ext>
+                </a:extLst>
+              </a:tr>
+              <a:tr h="199595">
+                <a:tc>
+                  <a:txBody>
+                    <a:bodyPr/>
+                    <a:lstStyle/>
+                    <a:p>
+                      <a:pPr marL="0" marR="0" algn="ctr">
+                        <a:lnSpc>
+                          <a:spcPct val="107000"/>
+                        </a:lnSpc>
+                        <a:spcBef>
+                          <a:spcPts val="0"/>
+                        </a:spcBef>
+                        <a:spcAft>
+                          <a:spcPts val="0"/>
+                        </a:spcAft>
+                      </a:pPr>
+                      <a:r>
+                        <a:rPr lang="en-US" sz="800">
+                          <a:effectLst/>
+                        </a:rPr>
+                        <a:t>20.0</a:t>
+                      </a:r>
+                      <a:endParaRPr lang="en-US" sz="800">
+                        <a:effectLst/>
+                        <a:latin typeface="Calibri" panose="020F0502020204030204" pitchFamily="34" charset="0"/>
+                        <a:ea typeface="Calibri" panose="020F0502020204030204" pitchFamily="34" charset="0"/>
+                        <a:cs typeface="Times New Roman" panose="02020603050405020304" pitchFamily="18" charset="0"/>
+                      </a:endParaRPr>
+                    </a:p>
+                  </a:txBody>
+                  <a:tcPr marL="48541" marR="48541" marT="0" marB="0"/>
+                </a:tc>
+                <a:tc>
+                  <a:txBody>
+                    <a:bodyPr/>
+                    <a:lstStyle/>
+                    <a:p>
+                      <a:pPr marL="0" marR="0" algn="ctr">
+                        <a:lnSpc>
+                          <a:spcPct val="107000"/>
+                        </a:lnSpc>
+                        <a:spcBef>
+                          <a:spcPts val="0"/>
+                        </a:spcBef>
+                        <a:spcAft>
+                          <a:spcPts val="0"/>
+                        </a:spcAft>
+                      </a:pPr>
+                      <a:r>
+                        <a:rPr lang="en-US" sz="800">
+                          <a:effectLst/>
+                        </a:rPr>
+                        <a:t>6</a:t>
+                      </a:r>
+                      <a:endParaRPr lang="en-US" sz="800">
+                        <a:effectLst/>
+                        <a:latin typeface="Calibri" panose="020F0502020204030204" pitchFamily="34" charset="0"/>
+                        <a:ea typeface="Calibri" panose="020F0502020204030204" pitchFamily="34" charset="0"/>
+                        <a:cs typeface="Times New Roman" panose="02020603050405020304" pitchFamily="18" charset="0"/>
+                      </a:endParaRPr>
+                    </a:p>
+                  </a:txBody>
+                  <a:tcPr marL="48541" marR="48541" marT="0" marB="0"/>
+                </a:tc>
+                <a:tc>
+                  <a:txBody>
+                    <a:bodyPr/>
+                    <a:lstStyle/>
+                    <a:p>
+                      <a:pPr marL="0" marR="0">
+                        <a:lnSpc>
+                          <a:spcPct val="107000"/>
+                        </a:lnSpc>
+                        <a:spcBef>
+                          <a:spcPts val="0"/>
+                        </a:spcBef>
+                        <a:spcAft>
+                          <a:spcPts val="0"/>
+                        </a:spcAft>
+                      </a:pPr>
+                      <a:r>
+                        <a:rPr lang="en-US" sz="800">
+                          <a:effectLst/>
+                        </a:rPr>
+                        <a:t>Device shall function if exposed to 8 fl oz of water</a:t>
+                      </a:r>
+                      <a:endParaRPr lang="en-US" sz="800">
+                        <a:effectLst/>
+                        <a:latin typeface="Calibri" panose="020F0502020204030204" pitchFamily="34" charset="0"/>
+                        <a:ea typeface="Calibri" panose="020F0502020204030204" pitchFamily="34" charset="0"/>
+                        <a:cs typeface="Times New Roman" panose="02020603050405020304" pitchFamily="18" charset="0"/>
+                      </a:endParaRPr>
+                    </a:p>
+                  </a:txBody>
+                  <a:tcPr marL="48541" marR="48541" marT="0" marB="0"/>
+                </a:tc>
+                <a:extLst>
+                  <a:ext uri="{0D108BD9-81ED-4DB2-BD59-A6C34878D82A}">
+                    <a16:rowId xmlns:a16="http://schemas.microsoft.com/office/drawing/2014/main" val="2394153466"/>
+                  </a:ext>
+                </a:extLst>
+              </a:tr>
+              <a:tr h="199595">
+                <a:tc>
+                  <a:txBody>
+                    <a:bodyPr/>
+                    <a:lstStyle/>
+                    <a:p>
+                      <a:pPr marL="0" marR="0" algn="ctr">
+                        <a:lnSpc>
+                          <a:spcPct val="107000"/>
+                        </a:lnSpc>
+                        <a:spcBef>
+                          <a:spcPts val="0"/>
+                        </a:spcBef>
+                        <a:spcAft>
+                          <a:spcPts val="0"/>
+                        </a:spcAft>
+                      </a:pPr>
+                      <a:r>
+                        <a:rPr lang="en-US" sz="800">
+                          <a:effectLst/>
+                        </a:rPr>
+                        <a:t>21.0</a:t>
+                      </a:r>
+                      <a:endParaRPr lang="en-US" sz="800">
+                        <a:effectLst/>
+                        <a:latin typeface="Calibri" panose="020F0502020204030204" pitchFamily="34" charset="0"/>
+                        <a:ea typeface="Calibri" panose="020F0502020204030204" pitchFamily="34" charset="0"/>
+                        <a:cs typeface="Times New Roman" panose="02020603050405020304" pitchFamily="18" charset="0"/>
+                      </a:endParaRPr>
+                    </a:p>
+                  </a:txBody>
+                  <a:tcPr marL="48541" marR="48541" marT="0" marB="0"/>
+                </a:tc>
+                <a:tc>
+                  <a:txBody>
+                    <a:bodyPr/>
+                    <a:lstStyle/>
+                    <a:p>
+                      <a:pPr marL="0" marR="0" algn="ctr">
+                        <a:lnSpc>
+                          <a:spcPct val="107000"/>
+                        </a:lnSpc>
+                        <a:spcBef>
+                          <a:spcPts val="0"/>
+                        </a:spcBef>
+                        <a:spcAft>
+                          <a:spcPts val="0"/>
+                        </a:spcAft>
+                      </a:pPr>
+                      <a:r>
+                        <a:rPr lang="en-US" sz="800">
+                          <a:effectLst/>
+                        </a:rPr>
+                        <a:t>6</a:t>
+                      </a:r>
+                      <a:endParaRPr lang="en-US" sz="800">
+                        <a:effectLst/>
+                        <a:latin typeface="Calibri" panose="020F0502020204030204" pitchFamily="34" charset="0"/>
+                        <a:ea typeface="Calibri" panose="020F0502020204030204" pitchFamily="34" charset="0"/>
+                        <a:cs typeface="Times New Roman" panose="02020603050405020304" pitchFamily="18" charset="0"/>
+                      </a:endParaRPr>
+                    </a:p>
+                  </a:txBody>
+                  <a:tcPr marL="48541" marR="48541" marT="0" marB="0"/>
+                </a:tc>
+                <a:tc>
+                  <a:txBody>
+                    <a:bodyPr/>
+                    <a:lstStyle/>
+                    <a:p>
+                      <a:pPr marL="0" marR="0">
+                        <a:lnSpc>
+                          <a:spcPct val="107000"/>
+                        </a:lnSpc>
+                        <a:spcBef>
+                          <a:spcPts val="0"/>
+                        </a:spcBef>
+                        <a:spcAft>
+                          <a:spcPts val="0"/>
+                        </a:spcAft>
+                      </a:pPr>
+                      <a:r>
+                        <a:rPr lang="en-US" sz="800" dirty="0">
+                          <a:effectLst/>
+                        </a:rPr>
+                        <a:t>Device shall function following a 3 ft exposure to unaccelerated gravity</a:t>
+                      </a:r>
+                      <a:endParaRPr lang="en-US" sz="800" dirty="0">
+                        <a:effectLst/>
+                        <a:latin typeface="Calibri" panose="020F0502020204030204" pitchFamily="34" charset="0"/>
+                        <a:ea typeface="Calibri" panose="020F0502020204030204" pitchFamily="34" charset="0"/>
+                        <a:cs typeface="Times New Roman" panose="02020603050405020304" pitchFamily="18" charset="0"/>
+                      </a:endParaRPr>
+                    </a:p>
+                  </a:txBody>
+                  <a:tcPr marL="48541" marR="48541" marT="0" marB="0"/>
+                </a:tc>
+                <a:extLst>
+                  <a:ext uri="{0D108BD9-81ED-4DB2-BD59-A6C34878D82A}">
+                    <a16:rowId xmlns:a16="http://schemas.microsoft.com/office/drawing/2014/main" val="2477193545"/>
+                  </a:ext>
+                </a:extLst>
+              </a:tr>
+            </a:tbl>
+          </a:graphicData>
+        </a:graphic>
+      </p:graphicFrame>
     </p:spTree>
     <p:extLst>
       <p:ext uri="{BB962C8B-B14F-4D97-AF65-F5344CB8AC3E}">
-        <p14:creationId xmlns:p14="http://schemas.microsoft.com/office/powerpoint/2010/main" val="2881719665"/>
+        <p14:creationId xmlns:p14="http://schemas.microsoft.com/office/powerpoint/2010/main" val="1946674653"/>
       </p:ext>
     </p:extLst>
   </p:cSld>
@@ -16503,6 +20062,2536 @@
 </file>
 
 <file path=ppt/slides/slide8.xml><?xml version="1.0" encoding="utf-8"?>
+<p:sld xmlns:a="http://schemas.openxmlformats.org/drawingml/2006/main" xmlns:r="http://schemas.openxmlformats.org/officeDocument/2006/relationships" xmlns:p="http://schemas.openxmlformats.org/presentationml/2006/main">
+  <p:cSld>
+    <p:spTree>
+      <p:nvGrpSpPr>
+        <p:cNvPr id="1" name=""/>
+        <p:cNvGrpSpPr/>
+        <p:nvPr/>
+      </p:nvGrpSpPr>
+      <p:grpSpPr>
+        <a:xfrm>
+          <a:off x="0" y="0"/>
+          <a:ext cx="0" cy="0"/>
+          <a:chOff x="0" y="0"/>
+          <a:chExt cx="0" cy="0"/>
+        </a:xfrm>
+      </p:grpSpPr>
+      <p:sp>
+        <p:nvSpPr>
+          <p:cNvPr id="2" name="Title 1">
+            <a:extLst>
+              <a:ext uri="{FF2B5EF4-FFF2-40B4-BE49-F238E27FC236}">
+                <a16:creationId xmlns:a16="http://schemas.microsoft.com/office/drawing/2014/main" id="{887CE3AC-1F02-4AA8-9DA5-B608FB6339E3}"/>
+              </a:ext>
+            </a:extLst>
+          </p:cNvPr>
+          <p:cNvSpPr>
+            <a:spLocks noGrp="1"/>
+          </p:cNvSpPr>
+          <p:nvPr>
+            <p:ph type="title"/>
+          </p:nvPr>
+        </p:nvSpPr>
+        <p:spPr/>
+        <p:txBody>
+          <a:bodyPr/>
+          <a:lstStyle/>
+          <a:p>
+            <a:r>
+              <a:rPr lang="en-US" dirty="0"/>
+              <a:t>Requirements</a:t>
+            </a:r>
+          </a:p>
+        </p:txBody>
+      </p:sp>
+      <p:sp>
+        <p:nvSpPr>
+          <p:cNvPr id="3" name="Content Placeholder 2">
+            <a:extLst>
+              <a:ext uri="{FF2B5EF4-FFF2-40B4-BE49-F238E27FC236}">
+                <a16:creationId xmlns:a16="http://schemas.microsoft.com/office/drawing/2014/main" id="{525CA3D4-6BAB-4457-BEFC-688E518AFFAD}"/>
+              </a:ext>
+            </a:extLst>
+          </p:cNvPr>
+          <p:cNvSpPr>
+            <a:spLocks noGrp="1"/>
+          </p:cNvSpPr>
+          <p:nvPr>
+            <p:ph idx="1"/>
+          </p:nvPr>
+        </p:nvSpPr>
+        <p:spPr>
+          <a:xfrm>
+            <a:off x="940778" y="2249487"/>
+            <a:ext cx="9566030" cy="3541714"/>
+          </a:xfrm>
+        </p:spPr>
+        <p:txBody>
+          <a:bodyPr>
+            <a:normAutofit fontScale="70000" lnSpcReduction="20000"/>
+          </a:bodyPr>
+          <a:lstStyle/>
+          <a:p>
+            <a:pPr algn="r"/>
+            <a:r>
+              <a:rPr lang="en-US" dirty="0"/>
+              <a:t>IEEE – Institute </a:t>
+            </a:r>
+            <a:br>
+              <a:rPr lang="en-US" dirty="0"/>
+            </a:br>
+            <a:r>
+              <a:rPr lang="en-US" dirty="0"/>
+              <a:t>of Electrical </a:t>
+            </a:r>
+            <a:br>
+              <a:rPr lang="en-US" dirty="0"/>
+            </a:br>
+            <a:r>
+              <a:rPr lang="en-US" dirty="0"/>
+              <a:t>and Electronics </a:t>
+            </a:r>
+            <a:br>
+              <a:rPr lang="en-US" dirty="0"/>
+            </a:br>
+            <a:r>
+              <a:rPr lang="en-US" dirty="0"/>
+              <a:t>Engineers</a:t>
+            </a:r>
+          </a:p>
+          <a:p>
+            <a:pPr algn="r"/>
+            <a:r>
+              <a:rPr lang="en-US" dirty="0"/>
+              <a:t>SPI – Society </a:t>
+            </a:r>
+            <a:br>
+              <a:rPr lang="en-US" dirty="0"/>
+            </a:br>
+            <a:r>
+              <a:rPr lang="en-US" dirty="0"/>
+              <a:t>of the </a:t>
+            </a:r>
+            <a:br>
+              <a:rPr lang="en-US" dirty="0"/>
+            </a:br>
+            <a:r>
+              <a:rPr lang="en-US" dirty="0"/>
+              <a:t>Plastics </a:t>
+            </a:r>
+            <a:br>
+              <a:rPr lang="en-US" dirty="0"/>
+            </a:br>
+            <a:r>
+              <a:rPr lang="en-US" dirty="0"/>
+              <a:t>Industry</a:t>
+            </a:r>
+          </a:p>
+          <a:p>
+            <a:pPr algn="r"/>
+            <a:r>
+              <a:rPr lang="en-US" dirty="0"/>
+              <a:t>ANSI – American </a:t>
+            </a:r>
+            <a:br>
+              <a:rPr lang="en-US" dirty="0"/>
+            </a:br>
+            <a:r>
+              <a:rPr lang="en-US" dirty="0"/>
+              <a:t>National </a:t>
+            </a:r>
+            <a:br>
+              <a:rPr lang="en-US" dirty="0"/>
+            </a:br>
+            <a:r>
+              <a:rPr lang="en-US" dirty="0"/>
+              <a:t>Standards </a:t>
+            </a:r>
+            <a:br>
+              <a:rPr lang="en-US" dirty="0"/>
+            </a:br>
+            <a:r>
+              <a:rPr lang="en-US" dirty="0"/>
+              <a:t>Institute</a:t>
+            </a:r>
+          </a:p>
+          <a:p>
+            <a:pPr algn="r"/>
+            <a:endParaRPr lang="en-US" dirty="0"/>
+          </a:p>
+        </p:txBody>
+      </p:sp>
+      <p:graphicFrame>
+        <p:nvGraphicFramePr>
+          <p:cNvPr id="6" name="Table 5">
+            <a:extLst>
+              <a:ext uri="{FF2B5EF4-FFF2-40B4-BE49-F238E27FC236}">
+                <a16:creationId xmlns:a16="http://schemas.microsoft.com/office/drawing/2014/main" id="{82F980D4-F470-494D-B417-093D62A62721}"/>
+              </a:ext>
+            </a:extLst>
+          </p:cNvPr>
+          <p:cNvGraphicFramePr>
+            <a:graphicFrameLocks noGrp="1"/>
+          </p:cNvGraphicFramePr>
+          <p:nvPr>
+            <p:extLst/>
+          </p:nvPr>
+        </p:nvGraphicFramePr>
+        <p:xfrm>
+          <a:off x="1141414" y="1828800"/>
+          <a:ext cx="7215978" cy="4410680"/>
+        </p:xfrm>
+        <a:graphic>
+          <a:graphicData uri="http://schemas.openxmlformats.org/drawingml/2006/table">
+            <a:tbl>
+              <a:tblPr firstRow="1" firstCol="1" bandRow="1">
+                <a:tableStyleId>{5C22544A-7EE6-4342-B048-85BDC9FD1C3A}</a:tableStyleId>
+              </a:tblPr>
+              <a:tblGrid>
+                <a:gridCol w="770325">
+                  <a:extLst>
+                    <a:ext uri="{9D8B030D-6E8A-4147-A177-3AD203B41FA5}">
+                      <a16:colId xmlns:a16="http://schemas.microsoft.com/office/drawing/2014/main" val="1547274323"/>
+                    </a:ext>
+                  </a:extLst>
+                </a:gridCol>
+                <a:gridCol w="709416">
+                  <a:extLst>
+                    <a:ext uri="{9D8B030D-6E8A-4147-A177-3AD203B41FA5}">
+                      <a16:colId xmlns:a16="http://schemas.microsoft.com/office/drawing/2014/main" val="348063502"/>
+                    </a:ext>
+                  </a:extLst>
+                </a:gridCol>
+                <a:gridCol w="5736237">
+                  <a:extLst>
+                    <a:ext uri="{9D8B030D-6E8A-4147-A177-3AD203B41FA5}">
+                      <a16:colId xmlns:a16="http://schemas.microsoft.com/office/drawing/2014/main" val="2717712179"/>
+                    </a:ext>
+                  </a:extLst>
+                </a:gridCol>
+              </a:tblGrid>
+              <a:tr h="199595">
+                <a:tc>
+                  <a:txBody>
+                    <a:bodyPr/>
+                    <a:lstStyle/>
+                    <a:p>
+                      <a:pPr marL="0" marR="0" algn="ctr">
+                        <a:lnSpc>
+                          <a:spcPct val="107000"/>
+                        </a:lnSpc>
+                        <a:spcBef>
+                          <a:spcPts val="0"/>
+                        </a:spcBef>
+                        <a:spcAft>
+                          <a:spcPts val="0"/>
+                        </a:spcAft>
+                      </a:pPr>
+                      <a:r>
+                        <a:rPr lang="en-US" sz="800">
+                          <a:effectLst/>
+                        </a:rPr>
+                        <a:t>Req No.</a:t>
+                      </a:r>
+                      <a:endParaRPr lang="en-US" sz="800">
+                        <a:effectLst/>
+                        <a:latin typeface="Calibri" panose="020F0502020204030204" pitchFamily="34" charset="0"/>
+                        <a:ea typeface="Calibri" panose="020F0502020204030204" pitchFamily="34" charset="0"/>
+                        <a:cs typeface="Times New Roman" panose="02020603050405020304" pitchFamily="18" charset="0"/>
+                      </a:endParaRPr>
+                    </a:p>
+                  </a:txBody>
+                  <a:tcPr marL="48541" marR="48541" marT="0" marB="0"/>
+                </a:tc>
+                <a:tc>
+                  <a:txBody>
+                    <a:bodyPr/>
+                    <a:lstStyle/>
+                    <a:p>
+                      <a:pPr marL="0" marR="0" algn="ctr">
+                        <a:lnSpc>
+                          <a:spcPct val="107000"/>
+                        </a:lnSpc>
+                        <a:spcBef>
+                          <a:spcPts val="0"/>
+                        </a:spcBef>
+                        <a:spcAft>
+                          <a:spcPts val="0"/>
+                        </a:spcAft>
+                      </a:pPr>
+                      <a:r>
+                        <a:rPr lang="en-US" sz="800">
+                          <a:effectLst/>
+                        </a:rPr>
+                        <a:t>Obj No.</a:t>
+                      </a:r>
+                      <a:endParaRPr lang="en-US" sz="800">
+                        <a:effectLst/>
+                        <a:latin typeface="Calibri" panose="020F0502020204030204" pitchFamily="34" charset="0"/>
+                        <a:ea typeface="Calibri" panose="020F0502020204030204" pitchFamily="34" charset="0"/>
+                        <a:cs typeface="Times New Roman" panose="02020603050405020304" pitchFamily="18" charset="0"/>
+                      </a:endParaRPr>
+                    </a:p>
+                  </a:txBody>
+                  <a:tcPr marL="48541" marR="48541" marT="0" marB="0"/>
+                </a:tc>
+                <a:tc>
+                  <a:txBody>
+                    <a:bodyPr/>
+                    <a:lstStyle/>
+                    <a:p>
+                      <a:pPr marL="0" marR="0">
+                        <a:lnSpc>
+                          <a:spcPct val="107000"/>
+                        </a:lnSpc>
+                        <a:spcBef>
+                          <a:spcPts val="0"/>
+                        </a:spcBef>
+                        <a:spcAft>
+                          <a:spcPts val="0"/>
+                        </a:spcAft>
+                      </a:pPr>
+                      <a:r>
+                        <a:rPr lang="en-US" sz="800">
+                          <a:effectLst/>
+                        </a:rPr>
+                        <a:t>Requirement</a:t>
+                      </a:r>
+                      <a:endParaRPr lang="en-US" sz="800">
+                        <a:effectLst/>
+                        <a:latin typeface="Calibri" panose="020F0502020204030204" pitchFamily="34" charset="0"/>
+                        <a:ea typeface="Calibri" panose="020F0502020204030204" pitchFamily="34" charset="0"/>
+                        <a:cs typeface="Times New Roman" panose="02020603050405020304" pitchFamily="18" charset="0"/>
+                      </a:endParaRPr>
+                    </a:p>
+                  </a:txBody>
+                  <a:tcPr marL="48541" marR="48541" marT="0" marB="0"/>
+                </a:tc>
+                <a:extLst>
+                  <a:ext uri="{0D108BD9-81ED-4DB2-BD59-A6C34878D82A}">
+                    <a16:rowId xmlns:a16="http://schemas.microsoft.com/office/drawing/2014/main" val="1720610073"/>
+                  </a:ext>
+                </a:extLst>
+              </a:tr>
+              <a:tr h="199595">
+                <a:tc>
+                  <a:txBody>
+                    <a:bodyPr/>
+                    <a:lstStyle/>
+                    <a:p>
+                      <a:pPr marL="0" marR="0" algn="ctr">
+                        <a:lnSpc>
+                          <a:spcPct val="107000"/>
+                        </a:lnSpc>
+                        <a:spcBef>
+                          <a:spcPts val="0"/>
+                        </a:spcBef>
+                        <a:spcAft>
+                          <a:spcPts val="0"/>
+                        </a:spcAft>
+                      </a:pPr>
+                      <a:r>
+                        <a:rPr lang="en-US" sz="800">
+                          <a:effectLst/>
+                        </a:rPr>
+                        <a:t>1.0</a:t>
+                      </a:r>
+                      <a:endParaRPr lang="en-US" sz="800">
+                        <a:effectLst/>
+                        <a:latin typeface="Calibri" panose="020F0502020204030204" pitchFamily="34" charset="0"/>
+                        <a:ea typeface="Calibri" panose="020F0502020204030204" pitchFamily="34" charset="0"/>
+                        <a:cs typeface="Times New Roman" panose="02020603050405020304" pitchFamily="18" charset="0"/>
+                      </a:endParaRPr>
+                    </a:p>
+                  </a:txBody>
+                  <a:tcPr marL="48541" marR="48541" marT="0" marB="0"/>
+                </a:tc>
+                <a:tc>
+                  <a:txBody>
+                    <a:bodyPr/>
+                    <a:lstStyle/>
+                    <a:p>
+                      <a:pPr marL="0" marR="0" algn="ctr">
+                        <a:lnSpc>
+                          <a:spcPct val="107000"/>
+                        </a:lnSpc>
+                        <a:spcBef>
+                          <a:spcPts val="0"/>
+                        </a:spcBef>
+                        <a:spcAft>
+                          <a:spcPts val="0"/>
+                        </a:spcAft>
+                      </a:pPr>
+                      <a:r>
+                        <a:rPr lang="en-US" sz="800">
+                          <a:effectLst/>
+                        </a:rPr>
+                        <a:t>1</a:t>
+                      </a:r>
+                      <a:endParaRPr lang="en-US" sz="800">
+                        <a:effectLst/>
+                        <a:latin typeface="Calibri" panose="020F0502020204030204" pitchFamily="34" charset="0"/>
+                        <a:ea typeface="Calibri" panose="020F0502020204030204" pitchFamily="34" charset="0"/>
+                        <a:cs typeface="Times New Roman" panose="02020603050405020304" pitchFamily="18" charset="0"/>
+                      </a:endParaRPr>
+                    </a:p>
+                  </a:txBody>
+                  <a:tcPr marL="48541" marR="48541" marT="0" marB="0"/>
+                </a:tc>
+                <a:tc>
+                  <a:txBody>
+                    <a:bodyPr/>
+                    <a:lstStyle/>
+                    <a:p>
+                      <a:pPr marL="0" marR="0">
+                        <a:lnSpc>
+                          <a:spcPct val="107000"/>
+                        </a:lnSpc>
+                        <a:spcBef>
+                          <a:spcPts val="0"/>
+                        </a:spcBef>
+                        <a:spcAft>
+                          <a:spcPts val="0"/>
+                        </a:spcAft>
+                      </a:pPr>
+                      <a:r>
+                        <a:rPr lang="en-US" sz="800">
+                          <a:effectLst/>
+                        </a:rPr>
+                        <a:t>Device shall comply with IEEE 802.11 communication standard</a:t>
+                      </a:r>
+                      <a:endParaRPr lang="en-US" sz="800">
+                        <a:effectLst/>
+                        <a:latin typeface="Calibri" panose="020F0502020204030204" pitchFamily="34" charset="0"/>
+                        <a:ea typeface="Calibri" panose="020F0502020204030204" pitchFamily="34" charset="0"/>
+                        <a:cs typeface="Times New Roman" panose="02020603050405020304" pitchFamily="18" charset="0"/>
+                      </a:endParaRPr>
+                    </a:p>
+                  </a:txBody>
+                  <a:tcPr marL="48541" marR="48541" marT="0" marB="0"/>
+                </a:tc>
+                <a:extLst>
+                  <a:ext uri="{0D108BD9-81ED-4DB2-BD59-A6C34878D82A}">
+                    <a16:rowId xmlns:a16="http://schemas.microsoft.com/office/drawing/2014/main" val="679493091"/>
+                  </a:ext>
+                </a:extLst>
+              </a:tr>
+              <a:tr h="199595">
+                <a:tc>
+                  <a:txBody>
+                    <a:bodyPr/>
+                    <a:lstStyle/>
+                    <a:p>
+                      <a:pPr marL="0" marR="0" algn="ctr">
+                        <a:lnSpc>
+                          <a:spcPct val="107000"/>
+                        </a:lnSpc>
+                        <a:spcBef>
+                          <a:spcPts val="0"/>
+                        </a:spcBef>
+                        <a:spcAft>
+                          <a:spcPts val="0"/>
+                        </a:spcAft>
+                      </a:pPr>
+                      <a:r>
+                        <a:rPr lang="en-US" sz="800">
+                          <a:effectLst/>
+                        </a:rPr>
+                        <a:t>2.0</a:t>
+                      </a:r>
+                      <a:endParaRPr lang="en-US" sz="800">
+                        <a:effectLst/>
+                        <a:latin typeface="Calibri" panose="020F0502020204030204" pitchFamily="34" charset="0"/>
+                        <a:ea typeface="Calibri" panose="020F0502020204030204" pitchFamily="34" charset="0"/>
+                        <a:cs typeface="Times New Roman" panose="02020603050405020304" pitchFamily="18" charset="0"/>
+                      </a:endParaRPr>
+                    </a:p>
+                  </a:txBody>
+                  <a:tcPr marL="48541" marR="48541" marT="0" marB="0"/>
+                </a:tc>
+                <a:tc>
+                  <a:txBody>
+                    <a:bodyPr/>
+                    <a:lstStyle/>
+                    <a:p>
+                      <a:pPr marL="0" marR="0" algn="ctr">
+                        <a:lnSpc>
+                          <a:spcPct val="107000"/>
+                        </a:lnSpc>
+                        <a:spcBef>
+                          <a:spcPts val="0"/>
+                        </a:spcBef>
+                        <a:spcAft>
+                          <a:spcPts val="0"/>
+                        </a:spcAft>
+                      </a:pPr>
+                      <a:r>
+                        <a:rPr lang="en-US" sz="800">
+                          <a:effectLst/>
+                        </a:rPr>
+                        <a:t>1</a:t>
+                      </a:r>
+                      <a:endParaRPr lang="en-US" sz="800">
+                        <a:effectLst/>
+                        <a:latin typeface="Calibri" panose="020F0502020204030204" pitchFamily="34" charset="0"/>
+                        <a:ea typeface="Calibri" panose="020F0502020204030204" pitchFamily="34" charset="0"/>
+                        <a:cs typeface="Times New Roman" panose="02020603050405020304" pitchFamily="18" charset="0"/>
+                      </a:endParaRPr>
+                    </a:p>
+                  </a:txBody>
+                  <a:tcPr marL="48541" marR="48541" marT="0" marB="0"/>
+                </a:tc>
+                <a:tc>
+                  <a:txBody>
+                    <a:bodyPr/>
+                    <a:lstStyle/>
+                    <a:p>
+                      <a:pPr marL="0" marR="0">
+                        <a:lnSpc>
+                          <a:spcPct val="107000"/>
+                        </a:lnSpc>
+                        <a:spcBef>
+                          <a:spcPts val="0"/>
+                        </a:spcBef>
+                        <a:spcAft>
+                          <a:spcPts val="0"/>
+                        </a:spcAft>
+                      </a:pPr>
+                      <a:r>
+                        <a:rPr lang="en-US" sz="800">
+                          <a:effectLst/>
+                        </a:rPr>
+                        <a:t>Device shall use an open source positioning system over Wi-Fi</a:t>
+                      </a:r>
+                      <a:endParaRPr lang="en-US" sz="800">
+                        <a:effectLst/>
+                        <a:latin typeface="Calibri" panose="020F0502020204030204" pitchFamily="34" charset="0"/>
+                        <a:ea typeface="Calibri" panose="020F0502020204030204" pitchFamily="34" charset="0"/>
+                        <a:cs typeface="Times New Roman" panose="02020603050405020304" pitchFamily="18" charset="0"/>
+                      </a:endParaRPr>
+                    </a:p>
+                  </a:txBody>
+                  <a:tcPr marL="48541" marR="48541" marT="0" marB="0"/>
+                </a:tc>
+                <a:extLst>
+                  <a:ext uri="{0D108BD9-81ED-4DB2-BD59-A6C34878D82A}">
+                    <a16:rowId xmlns:a16="http://schemas.microsoft.com/office/drawing/2014/main" val="552573076"/>
+                  </a:ext>
+                </a:extLst>
+              </a:tr>
+              <a:tr h="199595">
+                <a:tc>
+                  <a:txBody>
+                    <a:bodyPr/>
+                    <a:lstStyle/>
+                    <a:p>
+                      <a:pPr marL="0" marR="0" algn="ctr">
+                        <a:lnSpc>
+                          <a:spcPct val="107000"/>
+                        </a:lnSpc>
+                        <a:spcBef>
+                          <a:spcPts val="0"/>
+                        </a:spcBef>
+                        <a:spcAft>
+                          <a:spcPts val="0"/>
+                        </a:spcAft>
+                      </a:pPr>
+                      <a:r>
+                        <a:rPr lang="en-US" sz="800">
+                          <a:effectLst/>
+                        </a:rPr>
+                        <a:t>3.0</a:t>
+                      </a:r>
+                      <a:endParaRPr lang="en-US" sz="800">
+                        <a:effectLst/>
+                        <a:latin typeface="Calibri" panose="020F0502020204030204" pitchFamily="34" charset="0"/>
+                        <a:ea typeface="Calibri" panose="020F0502020204030204" pitchFamily="34" charset="0"/>
+                        <a:cs typeface="Times New Roman" panose="02020603050405020304" pitchFamily="18" charset="0"/>
+                      </a:endParaRPr>
+                    </a:p>
+                  </a:txBody>
+                  <a:tcPr marL="48541" marR="48541" marT="0" marB="0"/>
+                </a:tc>
+                <a:tc>
+                  <a:txBody>
+                    <a:bodyPr/>
+                    <a:lstStyle/>
+                    <a:p>
+                      <a:pPr marL="0" marR="0" algn="ctr">
+                        <a:lnSpc>
+                          <a:spcPct val="107000"/>
+                        </a:lnSpc>
+                        <a:spcBef>
+                          <a:spcPts val="0"/>
+                        </a:spcBef>
+                        <a:spcAft>
+                          <a:spcPts val="0"/>
+                        </a:spcAft>
+                      </a:pPr>
+                      <a:r>
+                        <a:rPr lang="en-US" sz="800">
+                          <a:effectLst/>
+                        </a:rPr>
+                        <a:t>1</a:t>
+                      </a:r>
+                      <a:endParaRPr lang="en-US" sz="800">
+                        <a:effectLst/>
+                        <a:latin typeface="Calibri" panose="020F0502020204030204" pitchFamily="34" charset="0"/>
+                        <a:ea typeface="Calibri" panose="020F0502020204030204" pitchFamily="34" charset="0"/>
+                        <a:cs typeface="Times New Roman" panose="02020603050405020304" pitchFamily="18" charset="0"/>
+                      </a:endParaRPr>
+                    </a:p>
+                  </a:txBody>
+                  <a:tcPr marL="48541" marR="48541" marT="0" marB="0"/>
+                </a:tc>
+                <a:tc>
+                  <a:txBody>
+                    <a:bodyPr/>
+                    <a:lstStyle/>
+                    <a:p>
+                      <a:pPr marL="0" marR="0">
+                        <a:lnSpc>
+                          <a:spcPct val="107000"/>
+                        </a:lnSpc>
+                        <a:spcBef>
+                          <a:spcPts val="0"/>
+                        </a:spcBef>
+                        <a:spcAft>
+                          <a:spcPts val="0"/>
+                        </a:spcAft>
+                      </a:pPr>
+                      <a:r>
+                        <a:rPr lang="en-US" sz="800">
+                          <a:effectLst/>
+                        </a:rPr>
+                        <a:t>Device shall communicate with a mobile application</a:t>
+                      </a:r>
+                      <a:endParaRPr lang="en-US" sz="800">
+                        <a:effectLst/>
+                        <a:latin typeface="Calibri" panose="020F0502020204030204" pitchFamily="34" charset="0"/>
+                        <a:ea typeface="Calibri" panose="020F0502020204030204" pitchFamily="34" charset="0"/>
+                        <a:cs typeface="Times New Roman" panose="02020603050405020304" pitchFamily="18" charset="0"/>
+                      </a:endParaRPr>
+                    </a:p>
+                  </a:txBody>
+                  <a:tcPr marL="48541" marR="48541" marT="0" marB="0"/>
+                </a:tc>
+                <a:extLst>
+                  <a:ext uri="{0D108BD9-81ED-4DB2-BD59-A6C34878D82A}">
+                    <a16:rowId xmlns:a16="http://schemas.microsoft.com/office/drawing/2014/main" val="2281004595"/>
+                  </a:ext>
+                </a:extLst>
+              </a:tr>
+              <a:tr h="197829">
+                <a:tc>
+                  <a:txBody>
+                    <a:bodyPr/>
+                    <a:lstStyle/>
+                    <a:p>
+                      <a:pPr marL="0" marR="0" algn="ctr">
+                        <a:lnSpc>
+                          <a:spcPct val="107000"/>
+                        </a:lnSpc>
+                        <a:spcBef>
+                          <a:spcPts val="0"/>
+                        </a:spcBef>
+                        <a:spcAft>
+                          <a:spcPts val="0"/>
+                        </a:spcAft>
+                      </a:pPr>
+                      <a:r>
+                        <a:rPr lang="en-US" sz="800">
+                          <a:effectLst/>
+                        </a:rPr>
+                        <a:t>4.0</a:t>
+                      </a:r>
+                      <a:endParaRPr lang="en-US" sz="800">
+                        <a:effectLst/>
+                        <a:latin typeface="Calibri" panose="020F0502020204030204" pitchFamily="34" charset="0"/>
+                        <a:ea typeface="Calibri" panose="020F0502020204030204" pitchFamily="34" charset="0"/>
+                        <a:cs typeface="Times New Roman" panose="02020603050405020304" pitchFamily="18" charset="0"/>
+                      </a:endParaRPr>
+                    </a:p>
+                  </a:txBody>
+                  <a:tcPr marL="48541" marR="48541" marT="0" marB="0"/>
+                </a:tc>
+                <a:tc>
+                  <a:txBody>
+                    <a:bodyPr/>
+                    <a:lstStyle/>
+                    <a:p>
+                      <a:pPr marL="0" marR="0" algn="ctr">
+                        <a:lnSpc>
+                          <a:spcPct val="107000"/>
+                        </a:lnSpc>
+                        <a:spcBef>
+                          <a:spcPts val="0"/>
+                        </a:spcBef>
+                        <a:spcAft>
+                          <a:spcPts val="0"/>
+                        </a:spcAft>
+                      </a:pPr>
+                      <a:r>
+                        <a:rPr lang="en-US" sz="800">
+                          <a:effectLst/>
+                        </a:rPr>
+                        <a:t>2</a:t>
+                      </a:r>
+                      <a:endParaRPr lang="en-US" sz="800">
+                        <a:effectLst/>
+                        <a:latin typeface="Calibri" panose="020F0502020204030204" pitchFamily="34" charset="0"/>
+                        <a:ea typeface="Calibri" panose="020F0502020204030204" pitchFamily="34" charset="0"/>
+                        <a:cs typeface="Times New Roman" panose="02020603050405020304" pitchFamily="18" charset="0"/>
+                      </a:endParaRPr>
+                    </a:p>
+                  </a:txBody>
+                  <a:tcPr marL="48541" marR="48541" marT="0" marB="0"/>
+                </a:tc>
+                <a:tc>
+                  <a:txBody>
+                    <a:bodyPr/>
+                    <a:lstStyle/>
+                    <a:p>
+                      <a:pPr marL="0" marR="0">
+                        <a:lnSpc>
+                          <a:spcPct val="107000"/>
+                        </a:lnSpc>
+                        <a:spcBef>
+                          <a:spcPts val="0"/>
+                        </a:spcBef>
+                        <a:spcAft>
+                          <a:spcPts val="0"/>
+                        </a:spcAft>
+                      </a:pPr>
+                      <a:r>
+                        <a:rPr lang="en-US" sz="800">
+                          <a:effectLst/>
+                        </a:rPr>
+                        <a:t>Device shall adhere to surfaces that meet SPI standards A-3, B-1, B-2, B-3, C-1, C-2, C-3 for molded plastic with Velcro© pads</a:t>
+                      </a:r>
+                      <a:endParaRPr lang="en-US" sz="800">
+                        <a:effectLst/>
+                        <a:latin typeface="Calibri" panose="020F0502020204030204" pitchFamily="34" charset="0"/>
+                        <a:ea typeface="Calibri" panose="020F0502020204030204" pitchFamily="34" charset="0"/>
+                        <a:cs typeface="Times New Roman" panose="02020603050405020304" pitchFamily="18" charset="0"/>
+                      </a:endParaRPr>
+                    </a:p>
+                  </a:txBody>
+                  <a:tcPr marL="48541" marR="48541" marT="0" marB="0"/>
+                </a:tc>
+                <a:extLst>
+                  <a:ext uri="{0D108BD9-81ED-4DB2-BD59-A6C34878D82A}">
+                    <a16:rowId xmlns:a16="http://schemas.microsoft.com/office/drawing/2014/main" val="1533334919"/>
+                  </a:ext>
+                </a:extLst>
+              </a:tr>
+              <a:tr h="194912">
+                <a:tc>
+                  <a:txBody>
+                    <a:bodyPr/>
+                    <a:lstStyle/>
+                    <a:p>
+                      <a:pPr marL="0" marR="0" algn="ctr">
+                        <a:lnSpc>
+                          <a:spcPct val="107000"/>
+                        </a:lnSpc>
+                        <a:spcBef>
+                          <a:spcPts val="0"/>
+                        </a:spcBef>
+                        <a:spcAft>
+                          <a:spcPts val="0"/>
+                        </a:spcAft>
+                      </a:pPr>
+                      <a:r>
+                        <a:rPr lang="en-US" sz="800">
+                          <a:effectLst/>
+                        </a:rPr>
+                        <a:t>5.0</a:t>
+                      </a:r>
+                      <a:endParaRPr lang="en-US" sz="800">
+                        <a:effectLst/>
+                        <a:latin typeface="Calibri" panose="020F0502020204030204" pitchFamily="34" charset="0"/>
+                        <a:ea typeface="Calibri" panose="020F0502020204030204" pitchFamily="34" charset="0"/>
+                        <a:cs typeface="Times New Roman" panose="02020603050405020304" pitchFamily="18" charset="0"/>
+                      </a:endParaRPr>
+                    </a:p>
+                  </a:txBody>
+                  <a:tcPr marL="48541" marR="48541" marT="0" marB="0"/>
+                </a:tc>
+                <a:tc>
+                  <a:txBody>
+                    <a:bodyPr/>
+                    <a:lstStyle/>
+                    <a:p>
+                      <a:pPr marL="0" marR="0" algn="ctr">
+                        <a:lnSpc>
+                          <a:spcPct val="107000"/>
+                        </a:lnSpc>
+                        <a:spcBef>
+                          <a:spcPts val="0"/>
+                        </a:spcBef>
+                        <a:spcAft>
+                          <a:spcPts val="0"/>
+                        </a:spcAft>
+                      </a:pPr>
+                      <a:r>
+                        <a:rPr lang="en-US" sz="800">
+                          <a:effectLst/>
+                        </a:rPr>
+                        <a:t>4</a:t>
+                      </a:r>
+                      <a:endParaRPr lang="en-US" sz="800">
+                        <a:effectLst/>
+                        <a:latin typeface="Calibri" panose="020F0502020204030204" pitchFamily="34" charset="0"/>
+                        <a:ea typeface="Calibri" panose="020F0502020204030204" pitchFamily="34" charset="0"/>
+                        <a:cs typeface="Times New Roman" panose="02020603050405020304" pitchFamily="18" charset="0"/>
+                      </a:endParaRPr>
+                    </a:p>
+                  </a:txBody>
+                  <a:tcPr marL="48541" marR="48541" marT="0" marB="0"/>
+                </a:tc>
+                <a:tc>
+                  <a:txBody>
+                    <a:bodyPr/>
+                    <a:lstStyle/>
+                    <a:p>
+                      <a:pPr marL="0" marR="0">
+                        <a:lnSpc>
+                          <a:spcPct val="107000"/>
+                        </a:lnSpc>
+                        <a:spcBef>
+                          <a:spcPts val="0"/>
+                        </a:spcBef>
+                        <a:spcAft>
+                          <a:spcPts val="0"/>
+                        </a:spcAft>
+                      </a:pPr>
+                      <a:r>
+                        <a:rPr lang="en-US" sz="800" dirty="0">
+                          <a:effectLst/>
+                        </a:rPr>
+                        <a:t>Device shall contain an attached LED light that conforms to ANSI C82.16-2015 standard</a:t>
+                      </a:r>
+                      <a:endParaRPr lang="en-US" sz="800" dirty="0">
+                        <a:effectLst/>
+                        <a:latin typeface="Calibri" panose="020F0502020204030204" pitchFamily="34" charset="0"/>
+                        <a:ea typeface="Calibri" panose="020F0502020204030204" pitchFamily="34" charset="0"/>
+                        <a:cs typeface="Times New Roman" panose="02020603050405020304" pitchFamily="18" charset="0"/>
+                      </a:endParaRPr>
+                    </a:p>
+                  </a:txBody>
+                  <a:tcPr marL="48541" marR="48541" marT="0" marB="0"/>
+                </a:tc>
+                <a:extLst>
+                  <a:ext uri="{0D108BD9-81ED-4DB2-BD59-A6C34878D82A}">
+                    <a16:rowId xmlns:a16="http://schemas.microsoft.com/office/drawing/2014/main" val="156652148"/>
+                  </a:ext>
+                </a:extLst>
+              </a:tr>
+              <a:tr h="199595">
+                <a:tc>
+                  <a:txBody>
+                    <a:bodyPr/>
+                    <a:lstStyle/>
+                    <a:p>
+                      <a:pPr marL="0" marR="0" algn="ctr">
+                        <a:lnSpc>
+                          <a:spcPct val="107000"/>
+                        </a:lnSpc>
+                        <a:spcBef>
+                          <a:spcPts val="0"/>
+                        </a:spcBef>
+                        <a:spcAft>
+                          <a:spcPts val="0"/>
+                        </a:spcAft>
+                      </a:pPr>
+                      <a:r>
+                        <a:rPr lang="en-US" sz="800">
+                          <a:effectLst/>
+                        </a:rPr>
+                        <a:t>6.0</a:t>
+                      </a:r>
+                      <a:endParaRPr lang="en-US" sz="800">
+                        <a:effectLst/>
+                        <a:latin typeface="Calibri" panose="020F0502020204030204" pitchFamily="34" charset="0"/>
+                        <a:ea typeface="Calibri" panose="020F0502020204030204" pitchFamily="34" charset="0"/>
+                        <a:cs typeface="Times New Roman" panose="02020603050405020304" pitchFamily="18" charset="0"/>
+                      </a:endParaRPr>
+                    </a:p>
+                  </a:txBody>
+                  <a:tcPr marL="48541" marR="48541" marT="0" marB="0"/>
+                </a:tc>
+                <a:tc>
+                  <a:txBody>
+                    <a:bodyPr/>
+                    <a:lstStyle/>
+                    <a:p>
+                      <a:pPr marL="0" marR="0" algn="ctr">
+                        <a:lnSpc>
+                          <a:spcPct val="107000"/>
+                        </a:lnSpc>
+                        <a:spcBef>
+                          <a:spcPts val="0"/>
+                        </a:spcBef>
+                        <a:spcAft>
+                          <a:spcPts val="0"/>
+                        </a:spcAft>
+                      </a:pPr>
+                      <a:r>
+                        <a:rPr lang="en-US" sz="800">
+                          <a:effectLst/>
+                        </a:rPr>
+                        <a:t>1</a:t>
+                      </a:r>
+                      <a:endParaRPr lang="en-US" sz="800">
+                        <a:effectLst/>
+                        <a:latin typeface="Calibri" panose="020F0502020204030204" pitchFamily="34" charset="0"/>
+                        <a:ea typeface="Calibri" panose="020F0502020204030204" pitchFamily="34" charset="0"/>
+                        <a:cs typeface="Times New Roman" panose="02020603050405020304" pitchFamily="18" charset="0"/>
+                      </a:endParaRPr>
+                    </a:p>
+                  </a:txBody>
+                  <a:tcPr marL="48541" marR="48541" marT="0" marB="0"/>
+                </a:tc>
+                <a:tc>
+                  <a:txBody>
+                    <a:bodyPr/>
+                    <a:lstStyle/>
+                    <a:p>
+                      <a:pPr marL="0" marR="0">
+                        <a:lnSpc>
+                          <a:spcPct val="107000"/>
+                        </a:lnSpc>
+                        <a:spcBef>
+                          <a:spcPts val="0"/>
+                        </a:spcBef>
+                        <a:spcAft>
+                          <a:spcPts val="0"/>
+                        </a:spcAft>
+                      </a:pPr>
+                      <a:r>
+                        <a:rPr lang="en-US" sz="800">
+                          <a:effectLst/>
+                        </a:rPr>
+                        <a:t>Device shall include a mobile application</a:t>
+                      </a:r>
+                      <a:endParaRPr lang="en-US" sz="800">
+                        <a:effectLst/>
+                        <a:latin typeface="Calibri" panose="020F0502020204030204" pitchFamily="34" charset="0"/>
+                        <a:ea typeface="Calibri" panose="020F0502020204030204" pitchFamily="34" charset="0"/>
+                        <a:cs typeface="Times New Roman" panose="02020603050405020304" pitchFamily="18" charset="0"/>
+                      </a:endParaRPr>
+                    </a:p>
+                  </a:txBody>
+                  <a:tcPr marL="48541" marR="48541" marT="0" marB="0"/>
+                </a:tc>
+                <a:extLst>
+                  <a:ext uri="{0D108BD9-81ED-4DB2-BD59-A6C34878D82A}">
+                    <a16:rowId xmlns:a16="http://schemas.microsoft.com/office/drawing/2014/main" val="2430226902"/>
+                  </a:ext>
+                </a:extLst>
+              </a:tr>
+              <a:tr h="201055">
+                <a:tc>
+                  <a:txBody>
+                    <a:bodyPr/>
+                    <a:lstStyle/>
+                    <a:p>
+                      <a:pPr marL="0" marR="0" algn="ctr">
+                        <a:lnSpc>
+                          <a:spcPct val="107000"/>
+                        </a:lnSpc>
+                        <a:spcBef>
+                          <a:spcPts val="0"/>
+                        </a:spcBef>
+                        <a:spcAft>
+                          <a:spcPts val="0"/>
+                        </a:spcAft>
+                      </a:pPr>
+                      <a:r>
+                        <a:rPr lang="en-US" sz="800">
+                          <a:effectLst/>
+                        </a:rPr>
+                        <a:t>7.0</a:t>
+                      </a:r>
+                      <a:endParaRPr lang="en-US" sz="800">
+                        <a:effectLst/>
+                        <a:latin typeface="Calibri" panose="020F0502020204030204" pitchFamily="34" charset="0"/>
+                        <a:ea typeface="Calibri" panose="020F0502020204030204" pitchFamily="34" charset="0"/>
+                        <a:cs typeface="Times New Roman" panose="02020603050405020304" pitchFamily="18" charset="0"/>
+                      </a:endParaRPr>
+                    </a:p>
+                  </a:txBody>
+                  <a:tcPr marL="48541" marR="48541" marT="0" marB="0"/>
+                </a:tc>
+                <a:tc>
+                  <a:txBody>
+                    <a:bodyPr/>
+                    <a:lstStyle/>
+                    <a:p>
+                      <a:pPr marL="0" marR="0" algn="ctr">
+                        <a:lnSpc>
+                          <a:spcPct val="107000"/>
+                        </a:lnSpc>
+                        <a:spcBef>
+                          <a:spcPts val="0"/>
+                        </a:spcBef>
+                        <a:spcAft>
+                          <a:spcPts val="0"/>
+                        </a:spcAft>
+                      </a:pPr>
+                      <a:r>
+                        <a:rPr lang="en-US" sz="800">
+                          <a:effectLst/>
+                        </a:rPr>
+                        <a:t>3</a:t>
+                      </a:r>
+                      <a:endParaRPr lang="en-US" sz="800">
+                        <a:effectLst/>
+                        <a:latin typeface="Calibri" panose="020F0502020204030204" pitchFamily="34" charset="0"/>
+                        <a:ea typeface="Calibri" panose="020F0502020204030204" pitchFamily="34" charset="0"/>
+                        <a:cs typeface="Times New Roman" panose="02020603050405020304" pitchFamily="18" charset="0"/>
+                      </a:endParaRPr>
+                    </a:p>
+                  </a:txBody>
+                  <a:tcPr marL="48541" marR="48541" marT="0" marB="0"/>
+                </a:tc>
+                <a:tc>
+                  <a:txBody>
+                    <a:bodyPr/>
+                    <a:lstStyle/>
+                    <a:p>
+                      <a:pPr marL="0" marR="0">
+                        <a:lnSpc>
+                          <a:spcPct val="107000"/>
+                        </a:lnSpc>
+                        <a:spcBef>
+                          <a:spcPts val="0"/>
+                        </a:spcBef>
+                        <a:spcAft>
+                          <a:spcPts val="0"/>
+                        </a:spcAft>
+                      </a:pPr>
+                      <a:r>
+                        <a:rPr lang="en-US" sz="800">
+                          <a:effectLst/>
+                        </a:rPr>
+                        <a:t>Mobile application shall be usable on a mobile device running Android 4.4 or newer</a:t>
+                      </a:r>
+                      <a:endParaRPr lang="en-US" sz="800">
+                        <a:effectLst/>
+                        <a:latin typeface="Calibri" panose="020F0502020204030204" pitchFamily="34" charset="0"/>
+                        <a:ea typeface="Calibri" panose="020F0502020204030204" pitchFamily="34" charset="0"/>
+                        <a:cs typeface="Times New Roman" panose="02020603050405020304" pitchFamily="18" charset="0"/>
+                      </a:endParaRPr>
+                    </a:p>
+                  </a:txBody>
+                  <a:tcPr marL="48541" marR="48541" marT="0" marB="0"/>
+                </a:tc>
+                <a:extLst>
+                  <a:ext uri="{0D108BD9-81ED-4DB2-BD59-A6C34878D82A}">
+                    <a16:rowId xmlns:a16="http://schemas.microsoft.com/office/drawing/2014/main" val="2380002616"/>
+                  </a:ext>
+                </a:extLst>
+              </a:tr>
+              <a:tr h="194912">
+                <a:tc>
+                  <a:txBody>
+                    <a:bodyPr/>
+                    <a:lstStyle/>
+                    <a:p>
+                      <a:pPr marL="0" marR="0" algn="ctr">
+                        <a:lnSpc>
+                          <a:spcPct val="107000"/>
+                        </a:lnSpc>
+                        <a:spcBef>
+                          <a:spcPts val="0"/>
+                        </a:spcBef>
+                        <a:spcAft>
+                          <a:spcPts val="0"/>
+                        </a:spcAft>
+                      </a:pPr>
+                      <a:r>
+                        <a:rPr lang="en-US" sz="800">
+                          <a:effectLst/>
+                        </a:rPr>
+                        <a:t>8.0</a:t>
+                      </a:r>
+                      <a:endParaRPr lang="en-US" sz="800">
+                        <a:effectLst/>
+                        <a:latin typeface="Calibri" panose="020F0502020204030204" pitchFamily="34" charset="0"/>
+                        <a:ea typeface="Calibri" panose="020F0502020204030204" pitchFamily="34" charset="0"/>
+                        <a:cs typeface="Times New Roman" panose="02020603050405020304" pitchFamily="18" charset="0"/>
+                      </a:endParaRPr>
+                    </a:p>
+                  </a:txBody>
+                  <a:tcPr marL="48541" marR="48541" marT="0" marB="0"/>
+                </a:tc>
+                <a:tc>
+                  <a:txBody>
+                    <a:bodyPr/>
+                    <a:lstStyle/>
+                    <a:p>
+                      <a:pPr marL="0" marR="0" algn="ctr">
+                        <a:lnSpc>
+                          <a:spcPct val="107000"/>
+                        </a:lnSpc>
+                        <a:spcBef>
+                          <a:spcPts val="0"/>
+                        </a:spcBef>
+                        <a:spcAft>
+                          <a:spcPts val="0"/>
+                        </a:spcAft>
+                      </a:pPr>
+                      <a:r>
+                        <a:rPr lang="en-US" sz="800">
+                          <a:effectLst/>
+                        </a:rPr>
+                        <a:t>3</a:t>
+                      </a:r>
+                      <a:endParaRPr lang="en-US" sz="800">
+                        <a:effectLst/>
+                        <a:latin typeface="Calibri" panose="020F0502020204030204" pitchFamily="34" charset="0"/>
+                        <a:ea typeface="Calibri" panose="020F0502020204030204" pitchFamily="34" charset="0"/>
+                        <a:cs typeface="Times New Roman" panose="02020603050405020304" pitchFamily="18" charset="0"/>
+                      </a:endParaRPr>
+                    </a:p>
+                  </a:txBody>
+                  <a:tcPr marL="48541" marR="48541" marT="0" marB="0"/>
+                </a:tc>
+                <a:tc>
+                  <a:txBody>
+                    <a:bodyPr/>
+                    <a:lstStyle/>
+                    <a:p>
+                      <a:pPr marL="0" marR="0">
+                        <a:lnSpc>
+                          <a:spcPct val="107000"/>
+                        </a:lnSpc>
+                        <a:spcBef>
+                          <a:spcPts val="0"/>
+                        </a:spcBef>
+                        <a:spcAft>
+                          <a:spcPts val="0"/>
+                        </a:spcAft>
+                      </a:pPr>
+                      <a:r>
+                        <a:rPr lang="en-US" sz="800">
+                          <a:effectLst/>
+                        </a:rPr>
+                        <a:t>Mobile application shall email the user provided email address when battery voltage drops below 80% of factory listed voltage</a:t>
+                      </a:r>
+                      <a:endParaRPr lang="en-US" sz="800">
+                        <a:effectLst/>
+                        <a:latin typeface="Calibri" panose="020F0502020204030204" pitchFamily="34" charset="0"/>
+                        <a:ea typeface="Calibri" panose="020F0502020204030204" pitchFamily="34" charset="0"/>
+                        <a:cs typeface="Times New Roman" panose="02020603050405020304" pitchFamily="18" charset="0"/>
+                      </a:endParaRPr>
+                    </a:p>
+                  </a:txBody>
+                  <a:tcPr marL="48541" marR="48541" marT="0" marB="0"/>
+                </a:tc>
+                <a:extLst>
+                  <a:ext uri="{0D108BD9-81ED-4DB2-BD59-A6C34878D82A}">
+                    <a16:rowId xmlns:a16="http://schemas.microsoft.com/office/drawing/2014/main" val="1205819843"/>
+                  </a:ext>
+                </a:extLst>
+              </a:tr>
+              <a:tr h="216568">
+                <a:tc>
+                  <a:txBody>
+                    <a:bodyPr/>
+                    <a:lstStyle/>
+                    <a:p>
+                      <a:pPr marL="0" marR="0" algn="ctr">
+                        <a:lnSpc>
+                          <a:spcPct val="107000"/>
+                        </a:lnSpc>
+                        <a:spcBef>
+                          <a:spcPts val="0"/>
+                        </a:spcBef>
+                        <a:spcAft>
+                          <a:spcPts val="0"/>
+                        </a:spcAft>
+                      </a:pPr>
+                      <a:r>
+                        <a:rPr lang="en-US" sz="800">
+                          <a:effectLst/>
+                        </a:rPr>
+                        <a:t>9.0</a:t>
+                      </a:r>
+                      <a:endParaRPr lang="en-US" sz="800">
+                        <a:effectLst/>
+                        <a:latin typeface="Calibri" panose="020F0502020204030204" pitchFamily="34" charset="0"/>
+                        <a:ea typeface="Calibri" panose="020F0502020204030204" pitchFamily="34" charset="0"/>
+                        <a:cs typeface="Times New Roman" panose="02020603050405020304" pitchFamily="18" charset="0"/>
+                      </a:endParaRPr>
+                    </a:p>
+                  </a:txBody>
+                  <a:tcPr marL="48541" marR="48541" marT="0" marB="0"/>
+                </a:tc>
+                <a:tc>
+                  <a:txBody>
+                    <a:bodyPr/>
+                    <a:lstStyle/>
+                    <a:p>
+                      <a:pPr marL="0" marR="0" algn="ctr">
+                        <a:lnSpc>
+                          <a:spcPct val="107000"/>
+                        </a:lnSpc>
+                        <a:spcBef>
+                          <a:spcPts val="0"/>
+                        </a:spcBef>
+                        <a:spcAft>
+                          <a:spcPts val="0"/>
+                        </a:spcAft>
+                      </a:pPr>
+                      <a:r>
+                        <a:rPr lang="en-US" sz="800">
+                          <a:effectLst/>
+                        </a:rPr>
+                        <a:t>3</a:t>
+                      </a:r>
+                      <a:endParaRPr lang="en-US" sz="800">
+                        <a:effectLst/>
+                        <a:latin typeface="Calibri" panose="020F0502020204030204" pitchFamily="34" charset="0"/>
+                        <a:ea typeface="Calibri" panose="020F0502020204030204" pitchFamily="34" charset="0"/>
+                        <a:cs typeface="Times New Roman" panose="02020603050405020304" pitchFamily="18" charset="0"/>
+                      </a:endParaRPr>
+                    </a:p>
+                  </a:txBody>
+                  <a:tcPr marL="48541" marR="48541" marT="0" marB="0"/>
+                </a:tc>
+                <a:tc>
+                  <a:txBody>
+                    <a:bodyPr/>
+                    <a:lstStyle/>
+                    <a:p>
+                      <a:pPr marL="0" marR="0">
+                        <a:lnSpc>
+                          <a:spcPct val="107000"/>
+                        </a:lnSpc>
+                        <a:spcBef>
+                          <a:spcPts val="0"/>
+                        </a:spcBef>
+                        <a:spcAft>
+                          <a:spcPts val="0"/>
+                        </a:spcAft>
+                      </a:pPr>
+                      <a:r>
+                        <a:rPr lang="en-US" sz="800">
+                          <a:effectLst/>
+                        </a:rPr>
+                        <a:t>Mobile application shall allow the user to configure a visual alarm for an input date and time</a:t>
+                      </a:r>
+                      <a:endParaRPr lang="en-US" sz="800">
+                        <a:effectLst/>
+                        <a:latin typeface="Calibri" panose="020F0502020204030204" pitchFamily="34" charset="0"/>
+                        <a:ea typeface="Calibri" panose="020F0502020204030204" pitchFamily="34" charset="0"/>
+                        <a:cs typeface="Times New Roman" panose="02020603050405020304" pitchFamily="18" charset="0"/>
+                      </a:endParaRPr>
+                    </a:p>
+                  </a:txBody>
+                  <a:tcPr marL="48541" marR="48541" marT="0" marB="0"/>
+                </a:tc>
+                <a:extLst>
+                  <a:ext uri="{0D108BD9-81ED-4DB2-BD59-A6C34878D82A}">
+                    <a16:rowId xmlns:a16="http://schemas.microsoft.com/office/drawing/2014/main" val="595220320"/>
+                  </a:ext>
+                </a:extLst>
+              </a:tr>
+              <a:tr h="194910">
+                <a:tc>
+                  <a:txBody>
+                    <a:bodyPr/>
+                    <a:lstStyle/>
+                    <a:p>
+                      <a:pPr marL="0" marR="0" algn="ctr">
+                        <a:lnSpc>
+                          <a:spcPct val="107000"/>
+                        </a:lnSpc>
+                        <a:spcBef>
+                          <a:spcPts val="0"/>
+                        </a:spcBef>
+                        <a:spcAft>
+                          <a:spcPts val="0"/>
+                        </a:spcAft>
+                      </a:pPr>
+                      <a:r>
+                        <a:rPr lang="en-US" sz="800">
+                          <a:effectLst/>
+                        </a:rPr>
+                        <a:t>10.0</a:t>
+                      </a:r>
+                      <a:endParaRPr lang="en-US" sz="800">
+                        <a:effectLst/>
+                        <a:latin typeface="Calibri" panose="020F0502020204030204" pitchFamily="34" charset="0"/>
+                        <a:ea typeface="Calibri" panose="020F0502020204030204" pitchFamily="34" charset="0"/>
+                        <a:cs typeface="Times New Roman" panose="02020603050405020304" pitchFamily="18" charset="0"/>
+                      </a:endParaRPr>
+                    </a:p>
+                  </a:txBody>
+                  <a:tcPr marL="48541" marR="48541" marT="0" marB="0"/>
+                </a:tc>
+                <a:tc>
+                  <a:txBody>
+                    <a:bodyPr/>
+                    <a:lstStyle/>
+                    <a:p>
+                      <a:pPr marL="0" marR="0" algn="ctr">
+                        <a:lnSpc>
+                          <a:spcPct val="107000"/>
+                        </a:lnSpc>
+                        <a:spcBef>
+                          <a:spcPts val="0"/>
+                        </a:spcBef>
+                        <a:spcAft>
+                          <a:spcPts val="0"/>
+                        </a:spcAft>
+                      </a:pPr>
+                      <a:r>
+                        <a:rPr lang="en-US" sz="800">
+                          <a:effectLst/>
+                        </a:rPr>
+                        <a:t>3</a:t>
+                      </a:r>
+                      <a:endParaRPr lang="en-US" sz="800">
+                        <a:effectLst/>
+                        <a:latin typeface="Calibri" panose="020F0502020204030204" pitchFamily="34" charset="0"/>
+                        <a:ea typeface="Calibri" panose="020F0502020204030204" pitchFamily="34" charset="0"/>
+                        <a:cs typeface="Times New Roman" panose="02020603050405020304" pitchFamily="18" charset="0"/>
+                      </a:endParaRPr>
+                    </a:p>
+                  </a:txBody>
+                  <a:tcPr marL="48541" marR="48541" marT="0" marB="0"/>
+                </a:tc>
+                <a:tc>
+                  <a:txBody>
+                    <a:bodyPr/>
+                    <a:lstStyle/>
+                    <a:p>
+                      <a:pPr marL="0" marR="0">
+                        <a:lnSpc>
+                          <a:spcPct val="107000"/>
+                        </a:lnSpc>
+                        <a:spcBef>
+                          <a:spcPts val="0"/>
+                        </a:spcBef>
+                        <a:spcAft>
+                          <a:spcPts val="0"/>
+                        </a:spcAft>
+                      </a:pPr>
+                      <a:r>
+                        <a:rPr lang="en-US" sz="800">
+                          <a:effectLst/>
+                        </a:rPr>
+                        <a:t>Mobile application shall allow the user to configure an audible tone of at least 60dB for an input date and time</a:t>
+                      </a:r>
+                      <a:endParaRPr lang="en-US" sz="800">
+                        <a:effectLst/>
+                        <a:latin typeface="Calibri" panose="020F0502020204030204" pitchFamily="34" charset="0"/>
+                        <a:ea typeface="Calibri" panose="020F0502020204030204" pitchFamily="34" charset="0"/>
+                        <a:cs typeface="Times New Roman" panose="02020603050405020304" pitchFamily="18" charset="0"/>
+                      </a:endParaRPr>
+                    </a:p>
+                  </a:txBody>
+                  <a:tcPr marL="48541" marR="48541" marT="0" marB="0"/>
+                </a:tc>
+                <a:extLst>
+                  <a:ext uri="{0D108BD9-81ED-4DB2-BD59-A6C34878D82A}">
+                    <a16:rowId xmlns:a16="http://schemas.microsoft.com/office/drawing/2014/main" val="2961892296"/>
+                  </a:ext>
+                </a:extLst>
+              </a:tr>
+              <a:tr h="216569">
+                <a:tc>
+                  <a:txBody>
+                    <a:bodyPr/>
+                    <a:lstStyle/>
+                    <a:p>
+                      <a:pPr marL="0" marR="0" algn="ctr">
+                        <a:lnSpc>
+                          <a:spcPct val="107000"/>
+                        </a:lnSpc>
+                        <a:spcBef>
+                          <a:spcPts val="0"/>
+                        </a:spcBef>
+                        <a:spcAft>
+                          <a:spcPts val="0"/>
+                        </a:spcAft>
+                      </a:pPr>
+                      <a:r>
+                        <a:rPr lang="en-US" sz="800">
+                          <a:effectLst/>
+                        </a:rPr>
+                        <a:t>11.0</a:t>
+                      </a:r>
+                      <a:endParaRPr lang="en-US" sz="800">
+                        <a:effectLst/>
+                        <a:latin typeface="Calibri" panose="020F0502020204030204" pitchFamily="34" charset="0"/>
+                        <a:ea typeface="Calibri" panose="020F0502020204030204" pitchFamily="34" charset="0"/>
+                        <a:cs typeface="Times New Roman" panose="02020603050405020304" pitchFamily="18" charset="0"/>
+                      </a:endParaRPr>
+                    </a:p>
+                  </a:txBody>
+                  <a:tcPr marL="48541" marR="48541" marT="0" marB="0"/>
+                </a:tc>
+                <a:tc>
+                  <a:txBody>
+                    <a:bodyPr/>
+                    <a:lstStyle/>
+                    <a:p>
+                      <a:pPr marL="0" marR="0" algn="ctr">
+                        <a:lnSpc>
+                          <a:spcPct val="107000"/>
+                        </a:lnSpc>
+                        <a:spcBef>
+                          <a:spcPts val="0"/>
+                        </a:spcBef>
+                        <a:spcAft>
+                          <a:spcPts val="0"/>
+                        </a:spcAft>
+                      </a:pPr>
+                      <a:r>
+                        <a:rPr lang="en-US" sz="800">
+                          <a:effectLst/>
+                        </a:rPr>
+                        <a:t>3</a:t>
+                      </a:r>
+                      <a:endParaRPr lang="en-US" sz="800">
+                        <a:effectLst/>
+                        <a:latin typeface="Calibri" panose="020F0502020204030204" pitchFamily="34" charset="0"/>
+                        <a:ea typeface="Calibri" panose="020F0502020204030204" pitchFamily="34" charset="0"/>
+                        <a:cs typeface="Times New Roman" panose="02020603050405020304" pitchFamily="18" charset="0"/>
+                      </a:endParaRPr>
+                    </a:p>
+                  </a:txBody>
+                  <a:tcPr marL="48541" marR="48541" marT="0" marB="0"/>
+                </a:tc>
+                <a:tc>
+                  <a:txBody>
+                    <a:bodyPr/>
+                    <a:lstStyle/>
+                    <a:p>
+                      <a:pPr marL="0" marR="0">
+                        <a:lnSpc>
+                          <a:spcPct val="107000"/>
+                        </a:lnSpc>
+                        <a:spcBef>
+                          <a:spcPts val="0"/>
+                        </a:spcBef>
+                        <a:spcAft>
+                          <a:spcPts val="0"/>
+                        </a:spcAft>
+                      </a:pPr>
+                      <a:r>
+                        <a:rPr lang="en-US" sz="800" dirty="0">
+                          <a:effectLst/>
+                        </a:rPr>
+                        <a:t>Mobile application shall allow the user to configure the LED light to turn on for an input date and time</a:t>
+                      </a:r>
+                      <a:endParaRPr lang="en-US" sz="800" dirty="0">
+                        <a:effectLst/>
+                        <a:latin typeface="Calibri" panose="020F0502020204030204" pitchFamily="34" charset="0"/>
+                        <a:ea typeface="Calibri" panose="020F0502020204030204" pitchFamily="34" charset="0"/>
+                        <a:cs typeface="Times New Roman" panose="02020603050405020304" pitchFamily="18" charset="0"/>
+                      </a:endParaRPr>
+                    </a:p>
+                  </a:txBody>
+                  <a:tcPr marL="48541" marR="48541" marT="0" marB="0"/>
+                </a:tc>
+                <a:extLst>
+                  <a:ext uri="{0D108BD9-81ED-4DB2-BD59-A6C34878D82A}">
+                    <a16:rowId xmlns:a16="http://schemas.microsoft.com/office/drawing/2014/main" val="1235021569"/>
+                  </a:ext>
+                </a:extLst>
+              </a:tr>
+              <a:tr h="199595">
+                <a:tc>
+                  <a:txBody>
+                    <a:bodyPr/>
+                    <a:lstStyle/>
+                    <a:p>
+                      <a:pPr marL="0" marR="0" algn="ctr">
+                        <a:lnSpc>
+                          <a:spcPct val="107000"/>
+                        </a:lnSpc>
+                        <a:spcBef>
+                          <a:spcPts val="0"/>
+                        </a:spcBef>
+                        <a:spcAft>
+                          <a:spcPts val="0"/>
+                        </a:spcAft>
+                      </a:pPr>
+                      <a:r>
+                        <a:rPr lang="en-US" sz="800">
+                          <a:effectLst/>
+                        </a:rPr>
+                        <a:t>12.0</a:t>
+                      </a:r>
+                      <a:endParaRPr lang="en-US" sz="800">
+                        <a:effectLst/>
+                        <a:latin typeface="Calibri" panose="020F0502020204030204" pitchFamily="34" charset="0"/>
+                        <a:ea typeface="Calibri" panose="020F0502020204030204" pitchFamily="34" charset="0"/>
+                        <a:cs typeface="Times New Roman" panose="02020603050405020304" pitchFamily="18" charset="0"/>
+                      </a:endParaRPr>
+                    </a:p>
+                  </a:txBody>
+                  <a:tcPr marL="48541" marR="48541" marT="0" marB="0"/>
+                </a:tc>
+                <a:tc>
+                  <a:txBody>
+                    <a:bodyPr/>
+                    <a:lstStyle/>
+                    <a:p>
+                      <a:pPr marL="0" marR="0" algn="ctr">
+                        <a:lnSpc>
+                          <a:spcPct val="107000"/>
+                        </a:lnSpc>
+                        <a:spcBef>
+                          <a:spcPts val="0"/>
+                        </a:spcBef>
+                        <a:spcAft>
+                          <a:spcPts val="0"/>
+                        </a:spcAft>
+                      </a:pPr>
+                      <a:r>
+                        <a:rPr lang="en-US" sz="800">
+                          <a:effectLst/>
+                        </a:rPr>
+                        <a:t>3</a:t>
+                      </a:r>
+                      <a:endParaRPr lang="en-US" sz="800">
+                        <a:effectLst/>
+                        <a:latin typeface="Calibri" panose="020F0502020204030204" pitchFamily="34" charset="0"/>
+                        <a:ea typeface="Calibri" panose="020F0502020204030204" pitchFamily="34" charset="0"/>
+                        <a:cs typeface="Times New Roman" panose="02020603050405020304" pitchFamily="18" charset="0"/>
+                      </a:endParaRPr>
+                    </a:p>
+                  </a:txBody>
+                  <a:tcPr marL="48541" marR="48541" marT="0" marB="0"/>
+                </a:tc>
+                <a:tc>
+                  <a:txBody>
+                    <a:bodyPr/>
+                    <a:lstStyle/>
+                    <a:p>
+                      <a:pPr marL="0" marR="0">
+                        <a:lnSpc>
+                          <a:spcPct val="107000"/>
+                        </a:lnSpc>
+                        <a:spcBef>
+                          <a:spcPts val="0"/>
+                        </a:spcBef>
+                        <a:spcAft>
+                          <a:spcPts val="0"/>
+                        </a:spcAft>
+                      </a:pPr>
+                      <a:r>
+                        <a:rPr lang="en-US" sz="800">
+                          <a:effectLst/>
+                        </a:rPr>
+                        <a:t>Mobile application shall allow the user to see location information for the device</a:t>
+                      </a:r>
+                      <a:endParaRPr lang="en-US" sz="800">
+                        <a:effectLst/>
+                        <a:latin typeface="Calibri" panose="020F0502020204030204" pitchFamily="34" charset="0"/>
+                        <a:ea typeface="Calibri" panose="020F0502020204030204" pitchFamily="34" charset="0"/>
+                        <a:cs typeface="Times New Roman" panose="02020603050405020304" pitchFamily="18" charset="0"/>
+                      </a:endParaRPr>
+                    </a:p>
+                  </a:txBody>
+                  <a:tcPr marL="48541" marR="48541" marT="0" marB="0"/>
+                </a:tc>
+                <a:extLst>
+                  <a:ext uri="{0D108BD9-81ED-4DB2-BD59-A6C34878D82A}">
+                    <a16:rowId xmlns:a16="http://schemas.microsoft.com/office/drawing/2014/main" val="3188335964"/>
+                  </a:ext>
+                </a:extLst>
+              </a:tr>
+              <a:tr h="199595">
+                <a:tc>
+                  <a:txBody>
+                    <a:bodyPr/>
+                    <a:lstStyle/>
+                    <a:p>
+                      <a:pPr marL="0" marR="0" algn="ctr">
+                        <a:lnSpc>
+                          <a:spcPct val="107000"/>
+                        </a:lnSpc>
+                        <a:spcBef>
+                          <a:spcPts val="0"/>
+                        </a:spcBef>
+                        <a:spcAft>
+                          <a:spcPts val="0"/>
+                        </a:spcAft>
+                      </a:pPr>
+                      <a:r>
+                        <a:rPr lang="en-US" sz="800">
+                          <a:effectLst/>
+                        </a:rPr>
+                        <a:t>13.0</a:t>
+                      </a:r>
+                      <a:endParaRPr lang="en-US" sz="800">
+                        <a:effectLst/>
+                        <a:latin typeface="Calibri" panose="020F0502020204030204" pitchFamily="34" charset="0"/>
+                        <a:ea typeface="Calibri" panose="020F0502020204030204" pitchFamily="34" charset="0"/>
+                        <a:cs typeface="Times New Roman" panose="02020603050405020304" pitchFamily="18" charset="0"/>
+                      </a:endParaRPr>
+                    </a:p>
+                  </a:txBody>
+                  <a:tcPr marL="48541" marR="48541" marT="0" marB="0"/>
+                </a:tc>
+                <a:tc>
+                  <a:txBody>
+                    <a:bodyPr/>
+                    <a:lstStyle/>
+                    <a:p>
+                      <a:pPr marL="0" marR="0" algn="ctr">
+                        <a:lnSpc>
+                          <a:spcPct val="107000"/>
+                        </a:lnSpc>
+                        <a:spcBef>
+                          <a:spcPts val="0"/>
+                        </a:spcBef>
+                        <a:spcAft>
+                          <a:spcPts val="0"/>
+                        </a:spcAft>
+                      </a:pPr>
+                      <a:r>
+                        <a:rPr lang="en-US" sz="800">
+                          <a:effectLst/>
+                        </a:rPr>
+                        <a:t>3</a:t>
+                      </a:r>
+                      <a:endParaRPr lang="en-US" sz="800">
+                        <a:effectLst/>
+                        <a:latin typeface="Calibri" panose="020F0502020204030204" pitchFamily="34" charset="0"/>
+                        <a:ea typeface="Calibri" panose="020F0502020204030204" pitchFamily="34" charset="0"/>
+                        <a:cs typeface="Times New Roman" panose="02020603050405020304" pitchFamily="18" charset="0"/>
+                      </a:endParaRPr>
+                    </a:p>
+                  </a:txBody>
+                  <a:tcPr marL="48541" marR="48541" marT="0" marB="0"/>
+                </a:tc>
+                <a:tc>
+                  <a:txBody>
+                    <a:bodyPr/>
+                    <a:lstStyle/>
+                    <a:p>
+                      <a:pPr marL="0" marR="0">
+                        <a:lnSpc>
+                          <a:spcPct val="107000"/>
+                        </a:lnSpc>
+                        <a:spcBef>
+                          <a:spcPts val="0"/>
+                        </a:spcBef>
+                        <a:spcAft>
+                          <a:spcPts val="0"/>
+                        </a:spcAft>
+                      </a:pPr>
+                      <a:r>
+                        <a:rPr lang="en-US" sz="800">
+                          <a:effectLst/>
+                        </a:rPr>
+                        <a:t>Mobile application shall allow the user to define a custom name for the device</a:t>
+                      </a:r>
+                      <a:endParaRPr lang="en-US" sz="800">
+                        <a:effectLst/>
+                        <a:latin typeface="Calibri" panose="020F0502020204030204" pitchFamily="34" charset="0"/>
+                        <a:ea typeface="Calibri" panose="020F0502020204030204" pitchFamily="34" charset="0"/>
+                        <a:cs typeface="Times New Roman" panose="02020603050405020304" pitchFamily="18" charset="0"/>
+                      </a:endParaRPr>
+                    </a:p>
+                  </a:txBody>
+                  <a:tcPr marL="48541" marR="48541" marT="0" marB="0"/>
+                </a:tc>
+                <a:extLst>
+                  <a:ext uri="{0D108BD9-81ED-4DB2-BD59-A6C34878D82A}">
+                    <a16:rowId xmlns:a16="http://schemas.microsoft.com/office/drawing/2014/main" val="337746607"/>
+                  </a:ext>
+                </a:extLst>
+              </a:tr>
+              <a:tr h="199595">
+                <a:tc>
+                  <a:txBody>
+                    <a:bodyPr/>
+                    <a:lstStyle/>
+                    <a:p>
+                      <a:pPr marL="0" marR="0" algn="ctr">
+                        <a:lnSpc>
+                          <a:spcPct val="107000"/>
+                        </a:lnSpc>
+                        <a:spcBef>
+                          <a:spcPts val="0"/>
+                        </a:spcBef>
+                        <a:spcAft>
+                          <a:spcPts val="0"/>
+                        </a:spcAft>
+                      </a:pPr>
+                      <a:r>
+                        <a:rPr lang="en-US" sz="800">
+                          <a:effectLst/>
+                        </a:rPr>
+                        <a:t>14.0</a:t>
+                      </a:r>
+                      <a:endParaRPr lang="en-US" sz="800">
+                        <a:effectLst/>
+                        <a:latin typeface="Calibri" panose="020F0502020204030204" pitchFamily="34" charset="0"/>
+                        <a:ea typeface="Calibri" panose="020F0502020204030204" pitchFamily="34" charset="0"/>
+                        <a:cs typeface="Times New Roman" panose="02020603050405020304" pitchFamily="18" charset="0"/>
+                      </a:endParaRPr>
+                    </a:p>
+                  </a:txBody>
+                  <a:tcPr marL="48541" marR="48541" marT="0" marB="0"/>
+                </a:tc>
+                <a:tc>
+                  <a:txBody>
+                    <a:bodyPr/>
+                    <a:lstStyle/>
+                    <a:p>
+                      <a:pPr marL="0" marR="0" algn="ctr">
+                        <a:lnSpc>
+                          <a:spcPct val="107000"/>
+                        </a:lnSpc>
+                        <a:spcBef>
+                          <a:spcPts val="0"/>
+                        </a:spcBef>
+                        <a:spcAft>
+                          <a:spcPts val="0"/>
+                        </a:spcAft>
+                      </a:pPr>
+                      <a:r>
+                        <a:rPr lang="en-US" sz="800">
+                          <a:effectLst/>
+                        </a:rPr>
+                        <a:t>3</a:t>
+                      </a:r>
+                      <a:endParaRPr lang="en-US" sz="800">
+                        <a:effectLst/>
+                        <a:latin typeface="Calibri" panose="020F0502020204030204" pitchFamily="34" charset="0"/>
+                        <a:ea typeface="Calibri" panose="020F0502020204030204" pitchFamily="34" charset="0"/>
+                        <a:cs typeface="Times New Roman" panose="02020603050405020304" pitchFamily="18" charset="0"/>
+                      </a:endParaRPr>
+                    </a:p>
+                  </a:txBody>
+                  <a:tcPr marL="48541" marR="48541" marT="0" marB="0"/>
+                </a:tc>
+                <a:tc>
+                  <a:txBody>
+                    <a:bodyPr/>
+                    <a:lstStyle/>
+                    <a:p>
+                      <a:pPr marL="0" marR="0">
+                        <a:lnSpc>
+                          <a:spcPct val="107000"/>
+                        </a:lnSpc>
+                        <a:spcBef>
+                          <a:spcPts val="0"/>
+                        </a:spcBef>
+                        <a:spcAft>
+                          <a:spcPts val="0"/>
+                        </a:spcAft>
+                      </a:pPr>
+                      <a:r>
+                        <a:rPr lang="en-US" sz="800">
+                          <a:effectLst/>
+                        </a:rPr>
+                        <a:t>Mobile application shall store user defined email</a:t>
+                      </a:r>
+                      <a:endParaRPr lang="en-US" sz="800">
+                        <a:effectLst/>
+                        <a:latin typeface="Calibri" panose="020F0502020204030204" pitchFamily="34" charset="0"/>
+                        <a:ea typeface="Calibri" panose="020F0502020204030204" pitchFamily="34" charset="0"/>
+                        <a:cs typeface="Times New Roman" panose="02020603050405020304" pitchFamily="18" charset="0"/>
+                      </a:endParaRPr>
+                    </a:p>
+                  </a:txBody>
+                  <a:tcPr marL="48541" marR="48541" marT="0" marB="0"/>
+                </a:tc>
+                <a:extLst>
+                  <a:ext uri="{0D108BD9-81ED-4DB2-BD59-A6C34878D82A}">
+                    <a16:rowId xmlns:a16="http://schemas.microsoft.com/office/drawing/2014/main" val="691067098"/>
+                  </a:ext>
+                </a:extLst>
+              </a:tr>
+              <a:tr h="199595">
+                <a:tc>
+                  <a:txBody>
+                    <a:bodyPr/>
+                    <a:lstStyle/>
+                    <a:p>
+                      <a:pPr marL="0" marR="0" algn="ctr">
+                        <a:lnSpc>
+                          <a:spcPct val="107000"/>
+                        </a:lnSpc>
+                        <a:spcBef>
+                          <a:spcPts val="0"/>
+                        </a:spcBef>
+                        <a:spcAft>
+                          <a:spcPts val="0"/>
+                        </a:spcAft>
+                      </a:pPr>
+                      <a:r>
+                        <a:rPr lang="en-US" sz="800">
+                          <a:effectLst/>
+                        </a:rPr>
+                        <a:t>15.0</a:t>
+                      </a:r>
+                      <a:endParaRPr lang="en-US" sz="800">
+                        <a:effectLst/>
+                        <a:latin typeface="Calibri" panose="020F0502020204030204" pitchFamily="34" charset="0"/>
+                        <a:ea typeface="Calibri" panose="020F0502020204030204" pitchFamily="34" charset="0"/>
+                        <a:cs typeface="Times New Roman" panose="02020603050405020304" pitchFamily="18" charset="0"/>
+                      </a:endParaRPr>
+                    </a:p>
+                  </a:txBody>
+                  <a:tcPr marL="48541" marR="48541" marT="0" marB="0"/>
+                </a:tc>
+                <a:tc>
+                  <a:txBody>
+                    <a:bodyPr/>
+                    <a:lstStyle/>
+                    <a:p>
+                      <a:pPr marL="0" marR="0" algn="ctr">
+                        <a:lnSpc>
+                          <a:spcPct val="107000"/>
+                        </a:lnSpc>
+                        <a:spcBef>
+                          <a:spcPts val="0"/>
+                        </a:spcBef>
+                        <a:spcAft>
+                          <a:spcPts val="0"/>
+                        </a:spcAft>
+                      </a:pPr>
+                      <a:r>
+                        <a:rPr lang="en-US" sz="800">
+                          <a:effectLst/>
+                        </a:rPr>
+                        <a:t>3</a:t>
+                      </a:r>
+                      <a:endParaRPr lang="en-US" sz="800">
+                        <a:effectLst/>
+                        <a:latin typeface="Calibri" panose="020F0502020204030204" pitchFamily="34" charset="0"/>
+                        <a:ea typeface="Calibri" panose="020F0502020204030204" pitchFamily="34" charset="0"/>
+                        <a:cs typeface="Times New Roman" panose="02020603050405020304" pitchFamily="18" charset="0"/>
+                      </a:endParaRPr>
+                    </a:p>
+                  </a:txBody>
+                  <a:tcPr marL="48541" marR="48541" marT="0" marB="0"/>
+                </a:tc>
+                <a:tc>
+                  <a:txBody>
+                    <a:bodyPr/>
+                    <a:lstStyle/>
+                    <a:p>
+                      <a:pPr marL="0" marR="0">
+                        <a:lnSpc>
+                          <a:spcPct val="107000"/>
+                        </a:lnSpc>
+                        <a:spcBef>
+                          <a:spcPts val="0"/>
+                        </a:spcBef>
+                        <a:spcAft>
+                          <a:spcPts val="0"/>
+                        </a:spcAft>
+                      </a:pPr>
+                      <a:r>
+                        <a:rPr lang="en-US" sz="800">
+                          <a:effectLst/>
+                        </a:rPr>
+                        <a:t>Mobile application shall store user defined wi-fi network credentials</a:t>
+                      </a:r>
+                      <a:endParaRPr lang="en-US" sz="800">
+                        <a:effectLst/>
+                        <a:latin typeface="Calibri" panose="020F0502020204030204" pitchFamily="34" charset="0"/>
+                        <a:ea typeface="Calibri" panose="020F0502020204030204" pitchFamily="34" charset="0"/>
+                        <a:cs typeface="Times New Roman" panose="02020603050405020304" pitchFamily="18" charset="0"/>
+                      </a:endParaRPr>
+                    </a:p>
+                  </a:txBody>
+                  <a:tcPr marL="48541" marR="48541" marT="0" marB="0"/>
+                </a:tc>
+                <a:extLst>
+                  <a:ext uri="{0D108BD9-81ED-4DB2-BD59-A6C34878D82A}">
+                    <a16:rowId xmlns:a16="http://schemas.microsoft.com/office/drawing/2014/main" val="3489104003"/>
+                  </a:ext>
+                </a:extLst>
+              </a:tr>
+              <a:tr h="199595">
+                <a:tc>
+                  <a:txBody>
+                    <a:bodyPr/>
+                    <a:lstStyle/>
+                    <a:p>
+                      <a:pPr marL="0" marR="0" algn="ctr">
+                        <a:lnSpc>
+                          <a:spcPct val="107000"/>
+                        </a:lnSpc>
+                        <a:spcBef>
+                          <a:spcPts val="0"/>
+                        </a:spcBef>
+                        <a:spcAft>
+                          <a:spcPts val="0"/>
+                        </a:spcAft>
+                      </a:pPr>
+                      <a:r>
+                        <a:rPr lang="en-US" sz="800">
+                          <a:effectLst/>
+                        </a:rPr>
+                        <a:t>16.0</a:t>
+                      </a:r>
+                      <a:endParaRPr lang="en-US" sz="800">
+                        <a:effectLst/>
+                        <a:latin typeface="Calibri" panose="020F0502020204030204" pitchFamily="34" charset="0"/>
+                        <a:ea typeface="Calibri" panose="020F0502020204030204" pitchFamily="34" charset="0"/>
+                        <a:cs typeface="Times New Roman" panose="02020603050405020304" pitchFamily="18" charset="0"/>
+                      </a:endParaRPr>
+                    </a:p>
+                  </a:txBody>
+                  <a:tcPr marL="48541" marR="48541" marT="0" marB="0"/>
+                </a:tc>
+                <a:tc>
+                  <a:txBody>
+                    <a:bodyPr/>
+                    <a:lstStyle/>
+                    <a:p>
+                      <a:pPr marL="0" marR="0" algn="ctr">
+                        <a:lnSpc>
+                          <a:spcPct val="107000"/>
+                        </a:lnSpc>
+                        <a:spcBef>
+                          <a:spcPts val="0"/>
+                        </a:spcBef>
+                        <a:spcAft>
+                          <a:spcPts val="0"/>
+                        </a:spcAft>
+                      </a:pPr>
+                      <a:r>
+                        <a:rPr lang="en-US" sz="800">
+                          <a:effectLst/>
+                        </a:rPr>
+                        <a:t>5</a:t>
+                      </a:r>
+                      <a:endParaRPr lang="en-US" sz="800">
+                        <a:effectLst/>
+                        <a:latin typeface="Calibri" panose="020F0502020204030204" pitchFamily="34" charset="0"/>
+                        <a:ea typeface="Calibri" panose="020F0502020204030204" pitchFamily="34" charset="0"/>
+                        <a:cs typeface="Times New Roman" panose="02020603050405020304" pitchFamily="18" charset="0"/>
+                      </a:endParaRPr>
+                    </a:p>
+                  </a:txBody>
+                  <a:tcPr marL="48541" marR="48541" marT="0" marB="0"/>
+                </a:tc>
+                <a:tc>
+                  <a:txBody>
+                    <a:bodyPr/>
+                    <a:lstStyle/>
+                    <a:p>
+                      <a:pPr marL="0" marR="0">
+                        <a:lnSpc>
+                          <a:spcPct val="107000"/>
+                        </a:lnSpc>
+                        <a:spcBef>
+                          <a:spcPts val="0"/>
+                        </a:spcBef>
+                        <a:spcAft>
+                          <a:spcPts val="0"/>
+                        </a:spcAft>
+                      </a:pPr>
+                      <a:r>
+                        <a:rPr lang="en-US" sz="800">
+                          <a:effectLst/>
+                        </a:rPr>
+                        <a:t>Device shall provide the user access to the battery through a folding panel</a:t>
+                      </a:r>
+                      <a:endParaRPr lang="en-US" sz="800">
+                        <a:effectLst/>
+                        <a:latin typeface="Calibri" panose="020F0502020204030204" pitchFamily="34" charset="0"/>
+                        <a:ea typeface="Calibri" panose="020F0502020204030204" pitchFamily="34" charset="0"/>
+                        <a:cs typeface="Times New Roman" panose="02020603050405020304" pitchFamily="18" charset="0"/>
+                      </a:endParaRPr>
+                    </a:p>
+                  </a:txBody>
+                  <a:tcPr marL="48541" marR="48541" marT="0" marB="0"/>
+                </a:tc>
+                <a:extLst>
+                  <a:ext uri="{0D108BD9-81ED-4DB2-BD59-A6C34878D82A}">
+                    <a16:rowId xmlns:a16="http://schemas.microsoft.com/office/drawing/2014/main" val="2863361585"/>
+                  </a:ext>
+                </a:extLst>
+              </a:tr>
+              <a:tr h="199595">
+                <a:tc>
+                  <a:txBody>
+                    <a:bodyPr/>
+                    <a:lstStyle/>
+                    <a:p>
+                      <a:pPr marL="0" marR="0" algn="ctr">
+                        <a:lnSpc>
+                          <a:spcPct val="107000"/>
+                        </a:lnSpc>
+                        <a:spcBef>
+                          <a:spcPts val="0"/>
+                        </a:spcBef>
+                        <a:spcAft>
+                          <a:spcPts val="0"/>
+                        </a:spcAft>
+                      </a:pPr>
+                      <a:r>
+                        <a:rPr lang="en-US" sz="800">
+                          <a:effectLst/>
+                        </a:rPr>
+                        <a:t>17.0</a:t>
+                      </a:r>
+                      <a:endParaRPr lang="en-US" sz="800">
+                        <a:effectLst/>
+                        <a:latin typeface="Calibri" panose="020F0502020204030204" pitchFamily="34" charset="0"/>
+                        <a:ea typeface="Calibri" panose="020F0502020204030204" pitchFamily="34" charset="0"/>
+                        <a:cs typeface="Times New Roman" panose="02020603050405020304" pitchFamily="18" charset="0"/>
+                      </a:endParaRPr>
+                    </a:p>
+                  </a:txBody>
+                  <a:tcPr marL="48541" marR="48541" marT="0" marB="0"/>
+                </a:tc>
+                <a:tc>
+                  <a:txBody>
+                    <a:bodyPr/>
+                    <a:lstStyle/>
+                    <a:p>
+                      <a:pPr marL="0" marR="0" algn="ctr">
+                        <a:lnSpc>
+                          <a:spcPct val="107000"/>
+                        </a:lnSpc>
+                        <a:spcBef>
+                          <a:spcPts val="0"/>
+                        </a:spcBef>
+                        <a:spcAft>
+                          <a:spcPts val="0"/>
+                        </a:spcAft>
+                      </a:pPr>
+                      <a:r>
+                        <a:rPr lang="en-US" sz="800">
+                          <a:effectLst/>
+                        </a:rPr>
+                        <a:t>5</a:t>
+                      </a:r>
+                      <a:endParaRPr lang="en-US" sz="800">
+                        <a:effectLst/>
+                        <a:latin typeface="Calibri" panose="020F0502020204030204" pitchFamily="34" charset="0"/>
+                        <a:ea typeface="Calibri" panose="020F0502020204030204" pitchFamily="34" charset="0"/>
+                        <a:cs typeface="Times New Roman" panose="02020603050405020304" pitchFamily="18" charset="0"/>
+                      </a:endParaRPr>
+                    </a:p>
+                  </a:txBody>
+                  <a:tcPr marL="48541" marR="48541" marT="0" marB="0"/>
+                </a:tc>
+                <a:tc>
+                  <a:txBody>
+                    <a:bodyPr/>
+                    <a:lstStyle/>
+                    <a:p>
+                      <a:pPr marL="0" marR="0">
+                        <a:lnSpc>
+                          <a:spcPct val="107000"/>
+                        </a:lnSpc>
+                        <a:spcBef>
+                          <a:spcPts val="0"/>
+                        </a:spcBef>
+                        <a:spcAft>
+                          <a:spcPts val="0"/>
+                        </a:spcAft>
+                      </a:pPr>
+                      <a:r>
+                        <a:rPr lang="en-US" sz="800">
+                          <a:effectLst/>
+                        </a:rPr>
+                        <a:t>Device shall accept a replacement battery of the same form factor</a:t>
+                      </a:r>
+                      <a:endParaRPr lang="en-US" sz="800">
+                        <a:effectLst/>
+                        <a:latin typeface="Calibri" panose="020F0502020204030204" pitchFamily="34" charset="0"/>
+                        <a:ea typeface="Calibri" panose="020F0502020204030204" pitchFamily="34" charset="0"/>
+                        <a:cs typeface="Times New Roman" panose="02020603050405020304" pitchFamily="18" charset="0"/>
+                      </a:endParaRPr>
+                    </a:p>
+                  </a:txBody>
+                  <a:tcPr marL="48541" marR="48541" marT="0" marB="0"/>
+                </a:tc>
+                <a:extLst>
+                  <a:ext uri="{0D108BD9-81ED-4DB2-BD59-A6C34878D82A}">
+                    <a16:rowId xmlns:a16="http://schemas.microsoft.com/office/drawing/2014/main" val="464497091"/>
+                  </a:ext>
+                </a:extLst>
+              </a:tr>
+              <a:tr h="199595">
+                <a:tc>
+                  <a:txBody>
+                    <a:bodyPr/>
+                    <a:lstStyle/>
+                    <a:p>
+                      <a:pPr marL="0" marR="0" algn="ctr">
+                        <a:lnSpc>
+                          <a:spcPct val="107000"/>
+                        </a:lnSpc>
+                        <a:spcBef>
+                          <a:spcPts val="0"/>
+                        </a:spcBef>
+                        <a:spcAft>
+                          <a:spcPts val="0"/>
+                        </a:spcAft>
+                      </a:pPr>
+                      <a:r>
+                        <a:rPr lang="en-US" sz="800">
+                          <a:effectLst/>
+                        </a:rPr>
+                        <a:t>18.0</a:t>
+                      </a:r>
+                      <a:endParaRPr lang="en-US" sz="800">
+                        <a:effectLst/>
+                        <a:latin typeface="Calibri" panose="020F0502020204030204" pitchFamily="34" charset="0"/>
+                        <a:ea typeface="Calibri" panose="020F0502020204030204" pitchFamily="34" charset="0"/>
+                        <a:cs typeface="Times New Roman" panose="02020603050405020304" pitchFamily="18" charset="0"/>
+                      </a:endParaRPr>
+                    </a:p>
+                  </a:txBody>
+                  <a:tcPr marL="48541" marR="48541" marT="0" marB="0"/>
+                </a:tc>
+                <a:tc>
+                  <a:txBody>
+                    <a:bodyPr/>
+                    <a:lstStyle/>
+                    <a:p>
+                      <a:pPr marL="0" marR="0" algn="ctr">
+                        <a:lnSpc>
+                          <a:spcPct val="107000"/>
+                        </a:lnSpc>
+                        <a:spcBef>
+                          <a:spcPts val="0"/>
+                        </a:spcBef>
+                        <a:spcAft>
+                          <a:spcPts val="0"/>
+                        </a:spcAft>
+                      </a:pPr>
+                      <a:r>
+                        <a:rPr lang="en-US" sz="800">
+                          <a:effectLst/>
+                        </a:rPr>
+                        <a:t>6</a:t>
+                      </a:r>
+                      <a:endParaRPr lang="en-US" sz="800">
+                        <a:effectLst/>
+                        <a:latin typeface="Calibri" panose="020F0502020204030204" pitchFamily="34" charset="0"/>
+                        <a:ea typeface="Calibri" panose="020F0502020204030204" pitchFamily="34" charset="0"/>
+                        <a:cs typeface="Times New Roman" panose="02020603050405020304" pitchFamily="18" charset="0"/>
+                      </a:endParaRPr>
+                    </a:p>
+                  </a:txBody>
+                  <a:tcPr marL="48541" marR="48541" marT="0" marB="0"/>
+                </a:tc>
+                <a:tc>
+                  <a:txBody>
+                    <a:bodyPr/>
+                    <a:lstStyle/>
+                    <a:p>
+                      <a:pPr marL="0" marR="0">
+                        <a:lnSpc>
+                          <a:spcPct val="107000"/>
+                        </a:lnSpc>
+                        <a:spcBef>
+                          <a:spcPts val="0"/>
+                        </a:spcBef>
+                        <a:spcAft>
+                          <a:spcPts val="0"/>
+                        </a:spcAft>
+                      </a:pPr>
+                      <a:r>
+                        <a:rPr lang="en-US" sz="800">
+                          <a:effectLst/>
+                        </a:rPr>
+                        <a:t>Device shall function in temperatures above 32</a:t>
+                      </a:r>
+                      <a:r>
+                        <a:rPr lang="en-US" sz="800" baseline="-25000">
+                          <a:effectLst/>
+                        </a:rPr>
+                        <a:t>­­</a:t>
+                      </a:r>
+                      <a:r>
+                        <a:rPr lang="en-US" sz="800">
+                          <a:effectLst/>
+                        </a:rPr>
+                        <a:t>­­</a:t>
+                      </a:r>
+                      <a:r>
+                        <a:rPr lang="en-US" sz="800" baseline="30000">
+                          <a:effectLst/>
+                        </a:rPr>
+                        <a:t>0</a:t>
+                      </a:r>
+                      <a:r>
+                        <a:rPr lang="en-US" sz="800">
+                          <a:effectLst/>
+                        </a:rPr>
+                        <a:t>F</a:t>
+                      </a:r>
+                      <a:endParaRPr lang="en-US" sz="800">
+                        <a:effectLst/>
+                        <a:latin typeface="Calibri" panose="020F0502020204030204" pitchFamily="34" charset="0"/>
+                        <a:ea typeface="Calibri" panose="020F0502020204030204" pitchFamily="34" charset="0"/>
+                        <a:cs typeface="Times New Roman" panose="02020603050405020304" pitchFamily="18" charset="0"/>
+                      </a:endParaRPr>
+                    </a:p>
+                  </a:txBody>
+                  <a:tcPr marL="48541" marR="48541" marT="0" marB="0"/>
+                </a:tc>
+                <a:extLst>
+                  <a:ext uri="{0D108BD9-81ED-4DB2-BD59-A6C34878D82A}">
+                    <a16:rowId xmlns:a16="http://schemas.microsoft.com/office/drawing/2014/main" val="3158729109"/>
+                  </a:ext>
+                </a:extLst>
+              </a:tr>
+              <a:tr h="199595">
+                <a:tc>
+                  <a:txBody>
+                    <a:bodyPr/>
+                    <a:lstStyle/>
+                    <a:p>
+                      <a:pPr marL="0" marR="0" algn="ctr">
+                        <a:lnSpc>
+                          <a:spcPct val="107000"/>
+                        </a:lnSpc>
+                        <a:spcBef>
+                          <a:spcPts val="0"/>
+                        </a:spcBef>
+                        <a:spcAft>
+                          <a:spcPts val="0"/>
+                        </a:spcAft>
+                      </a:pPr>
+                      <a:r>
+                        <a:rPr lang="en-US" sz="800">
+                          <a:effectLst/>
+                        </a:rPr>
+                        <a:t>19.0</a:t>
+                      </a:r>
+                      <a:endParaRPr lang="en-US" sz="800">
+                        <a:effectLst/>
+                        <a:latin typeface="Calibri" panose="020F0502020204030204" pitchFamily="34" charset="0"/>
+                        <a:ea typeface="Calibri" panose="020F0502020204030204" pitchFamily="34" charset="0"/>
+                        <a:cs typeface="Times New Roman" panose="02020603050405020304" pitchFamily="18" charset="0"/>
+                      </a:endParaRPr>
+                    </a:p>
+                  </a:txBody>
+                  <a:tcPr marL="48541" marR="48541" marT="0" marB="0"/>
+                </a:tc>
+                <a:tc>
+                  <a:txBody>
+                    <a:bodyPr/>
+                    <a:lstStyle/>
+                    <a:p>
+                      <a:pPr marL="0" marR="0" algn="ctr">
+                        <a:lnSpc>
+                          <a:spcPct val="107000"/>
+                        </a:lnSpc>
+                        <a:spcBef>
+                          <a:spcPts val="0"/>
+                        </a:spcBef>
+                        <a:spcAft>
+                          <a:spcPts val="0"/>
+                        </a:spcAft>
+                      </a:pPr>
+                      <a:r>
+                        <a:rPr lang="en-US" sz="800">
+                          <a:effectLst/>
+                        </a:rPr>
+                        <a:t>6</a:t>
+                      </a:r>
+                      <a:endParaRPr lang="en-US" sz="800">
+                        <a:effectLst/>
+                        <a:latin typeface="Calibri" panose="020F0502020204030204" pitchFamily="34" charset="0"/>
+                        <a:ea typeface="Calibri" panose="020F0502020204030204" pitchFamily="34" charset="0"/>
+                        <a:cs typeface="Times New Roman" panose="02020603050405020304" pitchFamily="18" charset="0"/>
+                      </a:endParaRPr>
+                    </a:p>
+                  </a:txBody>
+                  <a:tcPr marL="48541" marR="48541" marT="0" marB="0"/>
+                </a:tc>
+                <a:tc>
+                  <a:txBody>
+                    <a:bodyPr/>
+                    <a:lstStyle/>
+                    <a:p>
+                      <a:pPr marL="0" marR="0">
+                        <a:lnSpc>
+                          <a:spcPct val="107000"/>
+                        </a:lnSpc>
+                        <a:spcBef>
+                          <a:spcPts val="0"/>
+                        </a:spcBef>
+                        <a:spcAft>
+                          <a:spcPts val="0"/>
+                        </a:spcAft>
+                      </a:pPr>
+                      <a:r>
+                        <a:rPr lang="en-US" sz="800">
+                          <a:effectLst/>
+                        </a:rPr>
+                        <a:t>Device shall function in temperatures not exceeding 150</a:t>
+                      </a:r>
+                      <a:r>
+                        <a:rPr lang="en-US" sz="800" baseline="30000">
+                          <a:effectLst/>
+                        </a:rPr>
+                        <a:t>0</a:t>
+                      </a:r>
+                      <a:r>
+                        <a:rPr lang="en-US" sz="800">
+                          <a:effectLst/>
+                        </a:rPr>
+                        <a:t>F</a:t>
+                      </a:r>
+                      <a:endParaRPr lang="en-US" sz="800">
+                        <a:effectLst/>
+                        <a:latin typeface="Calibri" panose="020F0502020204030204" pitchFamily="34" charset="0"/>
+                        <a:ea typeface="Calibri" panose="020F0502020204030204" pitchFamily="34" charset="0"/>
+                        <a:cs typeface="Times New Roman" panose="02020603050405020304" pitchFamily="18" charset="0"/>
+                      </a:endParaRPr>
+                    </a:p>
+                  </a:txBody>
+                  <a:tcPr marL="48541" marR="48541" marT="0" marB="0"/>
+                </a:tc>
+                <a:extLst>
+                  <a:ext uri="{0D108BD9-81ED-4DB2-BD59-A6C34878D82A}">
+                    <a16:rowId xmlns:a16="http://schemas.microsoft.com/office/drawing/2014/main" val="2289863183"/>
+                  </a:ext>
+                </a:extLst>
+              </a:tr>
+              <a:tr h="199595">
+                <a:tc>
+                  <a:txBody>
+                    <a:bodyPr/>
+                    <a:lstStyle/>
+                    <a:p>
+                      <a:pPr marL="0" marR="0" algn="ctr">
+                        <a:lnSpc>
+                          <a:spcPct val="107000"/>
+                        </a:lnSpc>
+                        <a:spcBef>
+                          <a:spcPts val="0"/>
+                        </a:spcBef>
+                        <a:spcAft>
+                          <a:spcPts val="0"/>
+                        </a:spcAft>
+                      </a:pPr>
+                      <a:r>
+                        <a:rPr lang="en-US" sz="800">
+                          <a:effectLst/>
+                        </a:rPr>
+                        <a:t>20.0</a:t>
+                      </a:r>
+                      <a:endParaRPr lang="en-US" sz="800">
+                        <a:effectLst/>
+                        <a:latin typeface="Calibri" panose="020F0502020204030204" pitchFamily="34" charset="0"/>
+                        <a:ea typeface="Calibri" panose="020F0502020204030204" pitchFamily="34" charset="0"/>
+                        <a:cs typeface="Times New Roman" panose="02020603050405020304" pitchFamily="18" charset="0"/>
+                      </a:endParaRPr>
+                    </a:p>
+                  </a:txBody>
+                  <a:tcPr marL="48541" marR="48541" marT="0" marB="0"/>
+                </a:tc>
+                <a:tc>
+                  <a:txBody>
+                    <a:bodyPr/>
+                    <a:lstStyle/>
+                    <a:p>
+                      <a:pPr marL="0" marR="0" algn="ctr">
+                        <a:lnSpc>
+                          <a:spcPct val="107000"/>
+                        </a:lnSpc>
+                        <a:spcBef>
+                          <a:spcPts val="0"/>
+                        </a:spcBef>
+                        <a:spcAft>
+                          <a:spcPts val="0"/>
+                        </a:spcAft>
+                      </a:pPr>
+                      <a:r>
+                        <a:rPr lang="en-US" sz="800">
+                          <a:effectLst/>
+                        </a:rPr>
+                        <a:t>6</a:t>
+                      </a:r>
+                      <a:endParaRPr lang="en-US" sz="800">
+                        <a:effectLst/>
+                        <a:latin typeface="Calibri" panose="020F0502020204030204" pitchFamily="34" charset="0"/>
+                        <a:ea typeface="Calibri" panose="020F0502020204030204" pitchFamily="34" charset="0"/>
+                        <a:cs typeface="Times New Roman" panose="02020603050405020304" pitchFamily="18" charset="0"/>
+                      </a:endParaRPr>
+                    </a:p>
+                  </a:txBody>
+                  <a:tcPr marL="48541" marR="48541" marT="0" marB="0"/>
+                </a:tc>
+                <a:tc>
+                  <a:txBody>
+                    <a:bodyPr/>
+                    <a:lstStyle/>
+                    <a:p>
+                      <a:pPr marL="0" marR="0">
+                        <a:lnSpc>
+                          <a:spcPct val="107000"/>
+                        </a:lnSpc>
+                        <a:spcBef>
+                          <a:spcPts val="0"/>
+                        </a:spcBef>
+                        <a:spcAft>
+                          <a:spcPts val="0"/>
+                        </a:spcAft>
+                      </a:pPr>
+                      <a:r>
+                        <a:rPr lang="en-US" sz="800">
+                          <a:effectLst/>
+                        </a:rPr>
+                        <a:t>Device shall function if exposed to 8 fl oz of water</a:t>
+                      </a:r>
+                      <a:endParaRPr lang="en-US" sz="800">
+                        <a:effectLst/>
+                        <a:latin typeface="Calibri" panose="020F0502020204030204" pitchFamily="34" charset="0"/>
+                        <a:ea typeface="Calibri" panose="020F0502020204030204" pitchFamily="34" charset="0"/>
+                        <a:cs typeface="Times New Roman" panose="02020603050405020304" pitchFamily="18" charset="0"/>
+                      </a:endParaRPr>
+                    </a:p>
+                  </a:txBody>
+                  <a:tcPr marL="48541" marR="48541" marT="0" marB="0"/>
+                </a:tc>
+                <a:extLst>
+                  <a:ext uri="{0D108BD9-81ED-4DB2-BD59-A6C34878D82A}">
+                    <a16:rowId xmlns:a16="http://schemas.microsoft.com/office/drawing/2014/main" val="2394153466"/>
+                  </a:ext>
+                </a:extLst>
+              </a:tr>
+              <a:tr h="199595">
+                <a:tc>
+                  <a:txBody>
+                    <a:bodyPr/>
+                    <a:lstStyle/>
+                    <a:p>
+                      <a:pPr marL="0" marR="0" algn="ctr">
+                        <a:lnSpc>
+                          <a:spcPct val="107000"/>
+                        </a:lnSpc>
+                        <a:spcBef>
+                          <a:spcPts val="0"/>
+                        </a:spcBef>
+                        <a:spcAft>
+                          <a:spcPts val="0"/>
+                        </a:spcAft>
+                      </a:pPr>
+                      <a:r>
+                        <a:rPr lang="en-US" sz="800">
+                          <a:effectLst/>
+                        </a:rPr>
+                        <a:t>21.0</a:t>
+                      </a:r>
+                      <a:endParaRPr lang="en-US" sz="800">
+                        <a:effectLst/>
+                        <a:latin typeface="Calibri" panose="020F0502020204030204" pitchFamily="34" charset="0"/>
+                        <a:ea typeface="Calibri" panose="020F0502020204030204" pitchFamily="34" charset="0"/>
+                        <a:cs typeface="Times New Roman" panose="02020603050405020304" pitchFamily="18" charset="0"/>
+                      </a:endParaRPr>
+                    </a:p>
+                  </a:txBody>
+                  <a:tcPr marL="48541" marR="48541" marT="0" marB="0"/>
+                </a:tc>
+                <a:tc>
+                  <a:txBody>
+                    <a:bodyPr/>
+                    <a:lstStyle/>
+                    <a:p>
+                      <a:pPr marL="0" marR="0" algn="ctr">
+                        <a:lnSpc>
+                          <a:spcPct val="107000"/>
+                        </a:lnSpc>
+                        <a:spcBef>
+                          <a:spcPts val="0"/>
+                        </a:spcBef>
+                        <a:spcAft>
+                          <a:spcPts val="0"/>
+                        </a:spcAft>
+                      </a:pPr>
+                      <a:r>
+                        <a:rPr lang="en-US" sz="800">
+                          <a:effectLst/>
+                        </a:rPr>
+                        <a:t>6</a:t>
+                      </a:r>
+                      <a:endParaRPr lang="en-US" sz="800">
+                        <a:effectLst/>
+                        <a:latin typeface="Calibri" panose="020F0502020204030204" pitchFamily="34" charset="0"/>
+                        <a:ea typeface="Calibri" panose="020F0502020204030204" pitchFamily="34" charset="0"/>
+                        <a:cs typeface="Times New Roman" panose="02020603050405020304" pitchFamily="18" charset="0"/>
+                      </a:endParaRPr>
+                    </a:p>
+                  </a:txBody>
+                  <a:tcPr marL="48541" marR="48541" marT="0" marB="0"/>
+                </a:tc>
+                <a:tc>
+                  <a:txBody>
+                    <a:bodyPr/>
+                    <a:lstStyle/>
+                    <a:p>
+                      <a:pPr marL="0" marR="0">
+                        <a:lnSpc>
+                          <a:spcPct val="107000"/>
+                        </a:lnSpc>
+                        <a:spcBef>
+                          <a:spcPts val="0"/>
+                        </a:spcBef>
+                        <a:spcAft>
+                          <a:spcPts val="0"/>
+                        </a:spcAft>
+                      </a:pPr>
+                      <a:r>
+                        <a:rPr lang="en-US" sz="800" dirty="0">
+                          <a:effectLst/>
+                        </a:rPr>
+                        <a:t>Device shall function following a 3 ft exposure to unaccelerated gravity</a:t>
+                      </a:r>
+                      <a:endParaRPr lang="en-US" sz="800" dirty="0">
+                        <a:effectLst/>
+                        <a:latin typeface="Calibri" panose="020F0502020204030204" pitchFamily="34" charset="0"/>
+                        <a:ea typeface="Calibri" panose="020F0502020204030204" pitchFamily="34" charset="0"/>
+                        <a:cs typeface="Times New Roman" panose="02020603050405020304" pitchFamily="18" charset="0"/>
+                      </a:endParaRPr>
+                    </a:p>
+                  </a:txBody>
+                  <a:tcPr marL="48541" marR="48541" marT="0" marB="0"/>
+                </a:tc>
+                <a:extLst>
+                  <a:ext uri="{0D108BD9-81ED-4DB2-BD59-A6C34878D82A}">
+                    <a16:rowId xmlns:a16="http://schemas.microsoft.com/office/drawing/2014/main" val="2477193545"/>
+                  </a:ext>
+                </a:extLst>
+              </a:tr>
+            </a:tbl>
+          </a:graphicData>
+        </a:graphic>
+      </p:graphicFrame>
+    </p:spTree>
+    <p:extLst>
+      <p:ext uri="{BB962C8B-B14F-4D97-AF65-F5344CB8AC3E}">
+        <p14:creationId xmlns:p14="http://schemas.microsoft.com/office/powerpoint/2010/main" val="1403767587"/>
+      </p:ext>
+    </p:extLst>
+  </p:cSld>
+  <p:clrMapOvr>
+    <a:masterClrMapping/>
+  </p:clrMapOvr>
+</p:sld>
+</file>
+
+<file path=ppt/slides/slide9.xml><?xml version="1.0" encoding="utf-8"?>
 <p:sld xmlns:a="http://schemas.openxmlformats.org/drawingml/2006/main" xmlns:r="http://schemas.openxmlformats.org/officeDocument/2006/relationships" xmlns:p="http://schemas.openxmlformats.org/presentationml/2006/main">
   <p:cSld>
     <p:spTree>
@@ -16547,179 +22636,927 @@
           </a:p>
         </p:txBody>
       </p:sp>
-      <p:sp>
-        <p:nvSpPr>
-          <p:cNvPr id="3" name="Content Placeholder 2">
+      <p:graphicFrame>
+        <p:nvGraphicFramePr>
+          <p:cNvPr id="4" name="Content Placeholder 3">
             <a:extLst>
               <a:ext uri="{FF2B5EF4-FFF2-40B4-BE49-F238E27FC236}">
-                <a16:creationId xmlns:a16="http://schemas.microsoft.com/office/drawing/2014/main" id="{B0C73874-AFEF-454A-9B9E-0C77A081B6AA}"/>
+                <a16:creationId xmlns:a16="http://schemas.microsoft.com/office/drawing/2014/main" id="{C2CE1139-4916-4BBB-A1A0-6D3B124DC1DC}"/>
               </a:ext>
             </a:extLst>
           </p:cNvPr>
-          <p:cNvSpPr>
-            <a:spLocks noGrp="1"/>
-          </p:cNvSpPr>
+          <p:cNvGraphicFramePr>
+            <a:graphicFrameLocks noGrp="1"/>
+          </p:cNvGraphicFramePr>
           <p:nvPr>
             <p:ph idx="1"/>
+            <p:extLst/>
           </p:nvPr>
+        </p:nvGraphicFramePr>
+        <p:xfrm>
+          <a:off x="1141413" y="2097088"/>
+          <a:ext cx="5765800" cy="2931952"/>
+        </p:xfrm>
+        <a:graphic>
+          <a:graphicData uri="http://schemas.openxmlformats.org/drawingml/2006/table">
+            <a:tbl>
+              <a:tblPr firstRow="1" firstCol="1" bandRow="1">
+                <a:tableStyleId>{5C22544A-7EE6-4342-B048-85BDC9FD1C3A}</a:tableStyleId>
+              </a:tblPr>
+              <a:tblGrid>
+                <a:gridCol w="911225">
+                  <a:extLst>
+                    <a:ext uri="{9D8B030D-6E8A-4147-A177-3AD203B41FA5}">
+                      <a16:colId xmlns:a16="http://schemas.microsoft.com/office/drawing/2014/main" val="1297007317"/>
+                    </a:ext>
+                  </a:extLst>
+                </a:gridCol>
+                <a:gridCol w="4854575">
+                  <a:extLst>
+                    <a:ext uri="{9D8B030D-6E8A-4147-A177-3AD203B41FA5}">
+                      <a16:colId xmlns:a16="http://schemas.microsoft.com/office/drawing/2014/main" val="2465575562"/>
+                    </a:ext>
+                  </a:extLst>
+                </a:gridCol>
+              </a:tblGrid>
+              <a:tr h="323052">
+                <a:tc>
+                  <a:txBody>
+                    <a:bodyPr/>
+                    <a:lstStyle/>
+                    <a:p>
+                      <a:pPr marL="0" marR="0" algn="ctr">
+                        <a:lnSpc>
+                          <a:spcPct val="107000"/>
+                        </a:lnSpc>
+                        <a:spcBef>
+                          <a:spcPts val="0"/>
+                        </a:spcBef>
+                        <a:spcAft>
+                          <a:spcPts val="0"/>
+                        </a:spcAft>
+                      </a:pPr>
+                      <a:r>
+                        <a:rPr lang="en-US" sz="1100">
+                          <a:effectLst/>
+                        </a:rPr>
+                        <a:t>Stand. No.</a:t>
+                      </a:r>
+                      <a:endParaRPr lang="en-US" sz="1100">
+                        <a:effectLst/>
+                        <a:latin typeface="Calibri" panose="020F0502020204030204" pitchFamily="34" charset="0"/>
+                        <a:ea typeface="Calibri" panose="020F0502020204030204" pitchFamily="34" charset="0"/>
+                        <a:cs typeface="Arial" panose="020B0604020202020204" pitchFamily="34" charset="0"/>
+                      </a:endParaRPr>
+                    </a:p>
+                  </a:txBody>
+                  <a:tcPr marL="68580" marR="68580" marT="0" marB="0"/>
+                </a:tc>
+                <a:tc>
+                  <a:txBody>
+                    <a:bodyPr/>
+                    <a:lstStyle/>
+                    <a:p>
+                      <a:pPr marL="0" marR="0" algn="ctr">
+                        <a:lnSpc>
+                          <a:spcPct val="107000"/>
+                        </a:lnSpc>
+                        <a:spcBef>
+                          <a:spcPts val="0"/>
+                        </a:spcBef>
+                        <a:spcAft>
+                          <a:spcPts val="0"/>
+                        </a:spcAft>
+                      </a:pPr>
+                      <a:r>
+                        <a:rPr lang="en-US" sz="1100" dirty="0">
+                          <a:effectLst/>
+                        </a:rPr>
+                        <a:t>Standard</a:t>
+                      </a:r>
+                      <a:endParaRPr lang="en-US" sz="1100" dirty="0">
+                        <a:effectLst/>
+                        <a:latin typeface="Calibri" panose="020F0502020204030204" pitchFamily="34" charset="0"/>
+                        <a:ea typeface="Calibri" panose="020F0502020204030204" pitchFamily="34" charset="0"/>
+                        <a:cs typeface="Arial" panose="020B0604020202020204" pitchFamily="34" charset="0"/>
+                      </a:endParaRPr>
+                    </a:p>
+                  </a:txBody>
+                  <a:tcPr marL="68580" marR="68580" marT="0" marB="0"/>
+                </a:tc>
+                <a:extLst>
+                  <a:ext uri="{0D108BD9-81ED-4DB2-BD59-A6C34878D82A}">
+                    <a16:rowId xmlns:a16="http://schemas.microsoft.com/office/drawing/2014/main" val="2313823812"/>
+                  </a:ext>
+                </a:extLst>
+              </a:tr>
+              <a:tr h="0">
+                <a:tc>
+                  <a:txBody>
+                    <a:bodyPr/>
+                    <a:lstStyle/>
+                    <a:p>
+                      <a:pPr marL="0" marR="0" algn="ctr">
+                        <a:lnSpc>
+                          <a:spcPct val="107000"/>
+                        </a:lnSpc>
+                        <a:spcBef>
+                          <a:spcPts val="0"/>
+                        </a:spcBef>
+                        <a:spcAft>
+                          <a:spcPts val="0"/>
+                        </a:spcAft>
+                      </a:pPr>
+                      <a:r>
+                        <a:rPr lang="en-US" sz="1100">
+                          <a:effectLst/>
+                        </a:rPr>
+                        <a:t>10</a:t>
+                      </a:r>
+                      <a:endParaRPr lang="en-US" sz="1100">
+                        <a:effectLst/>
+                        <a:latin typeface="Calibri" panose="020F0502020204030204" pitchFamily="34" charset="0"/>
+                        <a:ea typeface="Calibri" panose="020F0502020204030204" pitchFamily="34" charset="0"/>
+                        <a:cs typeface="Arial" panose="020B0604020202020204" pitchFamily="34" charset="0"/>
+                      </a:endParaRPr>
+                    </a:p>
+                  </a:txBody>
+                  <a:tcPr marL="68580" marR="68580" marT="0" marB="0"/>
+                </a:tc>
+                <a:tc>
+                  <a:txBody>
+                    <a:bodyPr/>
+                    <a:lstStyle/>
+                    <a:p>
+                      <a:pPr marL="0" marR="0" algn="ctr">
+                        <a:lnSpc>
+                          <a:spcPct val="107000"/>
+                        </a:lnSpc>
+                        <a:spcBef>
+                          <a:spcPts val="0"/>
+                        </a:spcBef>
+                        <a:spcAft>
+                          <a:spcPts val="0"/>
+                        </a:spcAft>
+                      </a:pPr>
+                      <a:r>
+                        <a:rPr lang="en-US" sz="1100">
+                          <a:effectLst/>
+                        </a:rPr>
+                        <a:t>The wireless fidelity connectivity (WiFi) connection shall conform to IEEE 802.11 standard.</a:t>
+                      </a:r>
+                      <a:endParaRPr lang="en-US" sz="1100">
+                        <a:effectLst/>
+                        <a:latin typeface="Calibri" panose="020F0502020204030204" pitchFamily="34" charset="0"/>
+                        <a:ea typeface="Calibri" panose="020F0502020204030204" pitchFamily="34" charset="0"/>
+                        <a:cs typeface="Arial" panose="020B0604020202020204" pitchFamily="34" charset="0"/>
+                      </a:endParaRPr>
+                    </a:p>
+                  </a:txBody>
+                  <a:tcPr marL="68580" marR="68580" marT="0" marB="0"/>
+                </a:tc>
+                <a:extLst>
+                  <a:ext uri="{0D108BD9-81ED-4DB2-BD59-A6C34878D82A}">
+                    <a16:rowId xmlns:a16="http://schemas.microsoft.com/office/drawing/2014/main" val="2444990565"/>
+                  </a:ext>
+                </a:extLst>
+              </a:tr>
+              <a:tr h="0">
+                <a:tc>
+                  <a:txBody>
+                    <a:bodyPr/>
+                    <a:lstStyle/>
+                    <a:p>
+                      <a:pPr marL="0" marR="0" algn="ctr">
+                        <a:lnSpc>
+                          <a:spcPct val="107000"/>
+                        </a:lnSpc>
+                        <a:spcBef>
+                          <a:spcPts val="0"/>
+                        </a:spcBef>
+                        <a:spcAft>
+                          <a:spcPts val="0"/>
+                        </a:spcAft>
+                      </a:pPr>
+                      <a:r>
+                        <a:rPr lang="en-US" sz="1100">
+                          <a:effectLst/>
+                        </a:rPr>
+                        <a:t>20</a:t>
+                      </a:r>
+                      <a:endParaRPr lang="en-US" sz="1100">
+                        <a:effectLst/>
+                        <a:latin typeface="Calibri" panose="020F0502020204030204" pitchFamily="34" charset="0"/>
+                        <a:ea typeface="Calibri" panose="020F0502020204030204" pitchFamily="34" charset="0"/>
+                        <a:cs typeface="Arial" panose="020B0604020202020204" pitchFamily="34" charset="0"/>
+                      </a:endParaRPr>
+                    </a:p>
+                  </a:txBody>
+                  <a:tcPr marL="68580" marR="68580" marT="0" marB="0"/>
+                </a:tc>
+                <a:tc>
+                  <a:txBody>
+                    <a:bodyPr/>
+                    <a:lstStyle/>
+                    <a:p>
+                      <a:pPr marL="0" marR="0" algn="ctr">
+                        <a:lnSpc>
+                          <a:spcPct val="107000"/>
+                        </a:lnSpc>
+                        <a:spcBef>
+                          <a:spcPts val="0"/>
+                        </a:spcBef>
+                        <a:spcAft>
+                          <a:spcPts val="0"/>
+                        </a:spcAft>
+                      </a:pPr>
+                      <a:r>
+                        <a:rPr lang="en-US" sz="1100" dirty="0">
+                          <a:effectLst/>
+                        </a:rPr>
+                        <a:t>The molded plastic surface textures represented will adhere to SPI standards A-3, B-1, B-2, B-3, C-1, C-2, and C-3.</a:t>
+                      </a:r>
+                      <a:endParaRPr lang="en-US" sz="1100" dirty="0">
+                        <a:effectLst/>
+                        <a:latin typeface="Calibri" panose="020F0502020204030204" pitchFamily="34" charset="0"/>
+                        <a:ea typeface="Calibri" panose="020F0502020204030204" pitchFamily="34" charset="0"/>
+                        <a:cs typeface="Arial" panose="020B0604020202020204" pitchFamily="34" charset="0"/>
+                      </a:endParaRPr>
+                    </a:p>
+                  </a:txBody>
+                  <a:tcPr marL="68580" marR="68580" marT="0" marB="0"/>
+                </a:tc>
+                <a:extLst>
+                  <a:ext uri="{0D108BD9-81ED-4DB2-BD59-A6C34878D82A}">
+                    <a16:rowId xmlns:a16="http://schemas.microsoft.com/office/drawing/2014/main" val="74405580"/>
+                  </a:ext>
+                </a:extLst>
+              </a:tr>
+              <a:tr h="0">
+                <a:tc>
+                  <a:txBody>
+                    <a:bodyPr/>
+                    <a:lstStyle/>
+                    <a:p>
+                      <a:pPr marL="0" marR="0" algn="ctr">
+                        <a:lnSpc>
+                          <a:spcPct val="107000"/>
+                        </a:lnSpc>
+                        <a:spcBef>
+                          <a:spcPts val="0"/>
+                        </a:spcBef>
+                        <a:spcAft>
+                          <a:spcPts val="0"/>
+                        </a:spcAft>
+                      </a:pPr>
+                      <a:r>
+                        <a:rPr lang="en-US" sz="1100">
+                          <a:effectLst/>
+                        </a:rPr>
+                        <a:t>30</a:t>
+                      </a:r>
+                      <a:endParaRPr lang="en-US" sz="1100">
+                        <a:effectLst/>
+                        <a:latin typeface="Calibri" panose="020F0502020204030204" pitchFamily="34" charset="0"/>
+                        <a:ea typeface="Calibri" panose="020F0502020204030204" pitchFamily="34" charset="0"/>
+                        <a:cs typeface="Arial" panose="020B0604020202020204" pitchFamily="34" charset="0"/>
+                      </a:endParaRPr>
+                    </a:p>
+                  </a:txBody>
+                  <a:tcPr marL="68580" marR="68580" marT="0" marB="0"/>
+                </a:tc>
+                <a:tc>
+                  <a:txBody>
+                    <a:bodyPr/>
+                    <a:lstStyle/>
+                    <a:p>
+                      <a:pPr marL="0" marR="0" algn="ctr">
+                        <a:lnSpc>
+                          <a:spcPct val="107000"/>
+                        </a:lnSpc>
+                        <a:spcBef>
+                          <a:spcPts val="0"/>
+                        </a:spcBef>
+                        <a:spcAft>
+                          <a:spcPts val="0"/>
+                        </a:spcAft>
+                      </a:pPr>
+                      <a:r>
+                        <a:rPr lang="en-US" sz="1100" dirty="0">
+                          <a:effectLst/>
+                        </a:rPr>
+                        <a:t>The LED used will comply to LED production standard ANSI C82.16-2015.</a:t>
+                      </a:r>
+                      <a:endParaRPr lang="en-US" sz="1100" dirty="0">
+                        <a:effectLst/>
+                        <a:latin typeface="Calibri" panose="020F0502020204030204" pitchFamily="34" charset="0"/>
+                        <a:ea typeface="Calibri" panose="020F0502020204030204" pitchFamily="34" charset="0"/>
+                        <a:cs typeface="Arial" panose="020B0604020202020204" pitchFamily="34" charset="0"/>
+                      </a:endParaRPr>
+                    </a:p>
+                  </a:txBody>
+                  <a:tcPr marL="68580" marR="68580" marT="0" marB="0"/>
+                </a:tc>
+                <a:extLst>
+                  <a:ext uri="{0D108BD9-81ED-4DB2-BD59-A6C34878D82A}">
+                    <a16:rowId xmlns:a16="http://schemas.microsoft.com/office/drawing/2014/main" val="3746199506"/>
+                  </a:ext>
+                </a:extLst>
+              </a:tr>
+              <a:tr h="0">
+                <a:tc>
+                  <a:txBody>
+                    <a:bodyPr/>
+                    <a:lstStyle/>
+                    <a:p>
+                      <a:pPr marL="0" marR="0" algn="ctr">
+                        <a:lnSpc>
+                          <a:spcPct val="107000"/>
+                        </a:lnSpc>
+                        <a:spcBef>
+                          <a:spcPts val="0"/>
+                        </a:spcBef>
+                        <a:spcAft>
+                          <a:spcPts val="0"/>
+                        </a:spcAft>
+                      </a:pPr>
+                      <a:r>
+                        <a:rPr lang="en-US" sz="1100">
+                          <a:effectLst/>
+                        </a:rPr>
+                        <a:t>40</a:t>
+                      </a:r>
+                      <a:endParaRPr lang="en-US" sz="1100">
+                        <a:effectLst/>
+                        <a:latin typeface="Calibri" panose="020F0502020204030204" pitchFamily="34" charset="0"/>
+                        <a:ea typeface="Calibri" panose="020F0502020204030204" pitchFamily="34" charset="0"/>
+                        <a:cs typeface="Arial" panose="020B0604020202020204" pitchFamily="34" charset="0"/>
+                      </a:endParaRPr>
+                    </a:p>
+                  </a:txBody>
+                  <a:tcPr marL="68580" marR="68580" marT="0" marB="0"/>
+                </a:tc>
+                <a:tc>
+                  <a:txBody>
+                    <a:bodyPr/>
+                    <a:lstStyle/>
+                    <a:p>
+                      <a:pPr marL="0" marR="0" algn="ctr">
+                        <a:lnSpc>
+                          <a:spcPct val="107000"/>
+                        </a:lnSpc>
+                        <a:spcBef>
+                          <a:spcPts val="0"/>
+                        </a:spcBef>
+                        <a:spcAft>
+                          <a:spcPts val="0"/>
+                        </a:spcAft>
+                      </a:pPr>
+                      <a:r>
+                        <a:rPr lang="en-US" sz="1100">
+                          <a:effectLst/>
+                        </a:rPr>
+                        <a:t>The tracker’s will conform to the home appliance safety standard UL 60335.</a:t>
+                      </a:r>
+                      <a:endParaRPr lang="en-US" sz="1100">
+                        <a:effectLst/>
+                        <a:latin typeface="Calibri" panose="020F0502020204030204" pitchFamily="34" charset="0"/>
+                        <a:ea typeface="Calibri" panose="020F0502020204030204" pitchFamily="34" charset="0"/>
+                        <a:cs typeface="Arial" panose="020B0604020202020204" pitchFamily="34" charset="0"/>
+                      </a:endParaRPr>
+                    </a:p>
+                  </a:txBody>
+                  <a:tcPr marL="68580" marR="68580" marT="0" marB="0"/>
+                </a:tc>
+                <a:extLst>
+                  <a:ext uri="{0D108BD9-81ED-4DB2-BD59-A6C34878D82A}">
+                    <a16:rowId xmlns:a16="http://schemas.microsoft.com/office/drawing/2014/main" val="3769318788"/>
+                  </a:ext>
+                </a:extLst>
+              </a:tr>
+              <a:tr h="0">
+                <a:tc>
+                  <a:txBody>
+                    <a:bodyPr/>
+                    <a:lstStyle/>
+                    <a:p>
+                      <a:pPr marL="0" marR="0" algn="ctr">
+                        <a:lnSpc>
+                          <a:spcPct val="107000"/>
+                        </a:lnSpc>
+                        <a:spcBef>
+                          <a:spcPts val="0"/>
+                        </a:spcBef>
+                        <a:spcAft>
+                          <a:spcPts val="0"/>
+                        </a:spcAft>
+                      </a:pPr>
+                      <a:r>
+                        <a:rPr lang="en-US" sz="1100">
+                          <a:effectLst/>
+                        </a:rPr>
+                        <a:t>50</a:t>
+                      </a:r>
+                      <a:endParaRPr lang="en-US" sz="1100">
+                        <a:effectLst/>
+                        <a:latin typeface="Calibri" panose="020F0502020204030204" pitchFamily="34" charset="0"/>
+                        <a:ea typeface="Calibri" panose="020F0502020204030204" pitchFamily="34" charset="0"/>
+                        <a:cs typeface="Arial" panose="020B0604020202020204" pitchFamily="34" charset="0"/>
+                      </a:endParaRPr>
+                    </a:p>
+                  </a:txBody>
+                  <a:tcPr marL="68580" marR="68580" marT="0" marB="0"/>
+                </a:tc>
+                <a:tc>
+                  <a:txBody>
+                    <a:bodyPr/>
+                    <a:lstStyle/>
+                    <a:p>
+                      <a:pPr marL="0" marR="0" algn="ctr">
+                        <a:lnSpc>
+                          <a:spcPct val="107000"/>
+                        </a:lnSpc>
+                        <a:spcBef>
+                          <a:spcPts val="0"/>
+                        </a:spcBef>
+                        <a:spcAft>
+                          <a:spcPts val="0"/>
+                        </a:spcAft>
+                      </a:pPr>
+                      <a:r>
+                        <a:rPr lang="en-US" sz="1100" dirty="0">
+                          <a:effectLst/>
+                        </a:rPr>
+                        <a:t>The mobile application will conform to ISO/IEC 29179:2012 standard for user interface design.</a:t>
+                      </a:r>
+                      <a:endParaRPr lang="en-US" sz="1100" dirty="0">
+                        <a:effectLst/>
+                        <a:latin typeface="Calibri" panose="020F0502020204030204" pitchFamily="34" charset="0"/>
+                        <a:ea typeface="Calibri" panose="020F0502020204030204" pitchFamily="34" charset="0"/>
+                        <a:cs typeface="Arial" panose="020B0604020202020204" pitchFamily="34" charset="0"/>
+                      </a:endParaRPr>
+                    </a:p>
+                  </a:txBody>
+                  <a:tcPr marL="68580" marR="68580" marT="0" marB="0"/>
+                </a:tc>
+                <a:extLst>
+                  <a:ext uri="{0D108BD9-81ED-4DB2-BD59-A6C34878D82A}">
+                    <a16:rowId xmlns:a16="http://schemas.microsoft.com/office/drawing/2014/main" val="1263770109"/>
+                  </a:ext>
+                </a:extLst>
+              </a:tr>
+              <a:tr h="0">
+                <a:tc>
+                  <a:txBody>
+                    <a:bodyPr/>
+                    <a:lstStyle/>
+                    <a:p>
+                      <a:pPr marL="0" marR="0" algn="ctr">
+                        <a:lnSpc>
+                          <a:spcPct val="107000"/>
+                        </a:lnSpc>
+                        <a:spcBef>
+                          <a:spcPts val="0"/>
+                        </a:spcBef>
+                        <a:spcAft>
+                          <a:spcPts val="0"/>
+                        </a:spcAft>
+                      </a:pPr>
+                      <a:r>
+                        <a:rPr lang="en-US" sz="1100">
+                          <a:effectLst/>
+                        </a:rPr>
+                        <a:t>60</a:t>
+                      </a:r>
+                      <a:endParaRPr lang="en-US" sz="1100">
+                        <a:effectLst/>
+                        <a:latin typeface="Calibri" panose="020F0502020204030204" pitchFamily="34" charset="0"/>
+                        <a:ea typeface="Calibri" panose="020F0502020204030204" pitchFamily="34" charset="0"/>
+                        <a:cs typeface="Arial" panose="020B0604020202020204" pitchFamily="34" charset="0"/>
+                      </a:endParaRPr>
+                    </a:p>
+                  </a:txBody>
+                  <a:tcPr marL="68580" marR="68580" marT="0" marB="0"/>
+                </a:tc>
+                <a:tc>
+                  <a:txBody>
+                    <a:bodyPr/>
+                    <a:lstStyle/>
+                    <a:p>
+                      <a:pPr marL="0" marR="0" algn="ctr">
+                        <a:lnSpc>
+                          <a:spcPct val="107000"/>
+                        </a:lnSpc>
+                        <a:spcBef>
+                          <a:spcPts val="0"/>
+                        </a:spcBef>
+                        <a:spcAft>
+                          <a:spcPts val="0"/>
+                        </a:spcAft>
+                      </a:pPr>
+                      <a:r>
+                        <a:rPr lang="en-US" sz="1100" dirty="0">
+                          <a:effectLst/>
+                        </a:rPr>
+                        <a:t>The mobile application’s hardware and software will interact in a system that will comply with ISO 9241 standard.</a:t>
+                      </a:r>
+                      <a:endParaRPr lang="en-US" sz="1100" dirty="0">
+                        <a:effectLst/>
+                        <a:latin typeface="Calibri" panose="020F0502020204030204" pitchFamily="34" charset="0"/>
+                        <a:ea typeface="Calibri" panose="020F0502020204030204" pitchFamily="34" charset="0"/>
+                        <a:cs typeface="Arial" panose="020B0604020202020204" pitchFamily="34" charset="0"/>
+                      </a:endParaRPr>
+                    </a:p>
+                  </a:txBody>
+                  <a:tcPr marL="68580" marR="68580" marT="0" marB="0"/>
+                </a:tc>
+                <a:extLst>
+                  <a:ext uri="{0D108BD9-81ED-4DB2-BD59-A6C34878D82A}">
+                    <a16:rowId xmlns:a16="http://schemas.microsoft.com/office/drawing/2014/main" val="967139533"/>
+                  </a:ext>
+                </a:extLst>
+              </a:tr>
+              <a:tr h="0">
+                <a:tc>
+                  <a:txBody>
+                    <a:bodyPr/>
+                    <a:lstStyle/>
+                    <a:p>
+                      <a:pPr marL="0" marR="0" algn="ctr">
+                        <a:lnSpc>
+                          <a:spcPct val="107000"/>
+                        </a:lnSpc>
+                        <a:spcBef>
+                          <a:spcPts val="0"/>
+                        </a:spcBef>
+                        <a:spcAft>
+                          <a:spcPts val="0"/>
+                        </a:spcAft>
+                      </a:pPr>
+                      <a:r>
+                        <a:rPr lang="en-US" sz="1100">
+                          <a:effectLst/>
+                        </a:rPr>
+                        <a:t>70</a:t>
+                      </a:r>
+                      <a:endParaRPr lang="en-US" sz="1100">
+                        <a:effectLst/>
+                        <a:latin typeface="Calibri" panose="020F0502020204030204" pitchFamily="34" charset="0"/>
+                        <a:ea typeface="Calibri" panose="020F0502020204030204" pitchFamily="34" charset="0"/>
+                        <a:cs typeface="Arial" panose="020B0604020202020204" pitchFamily="34" charset="0"/>
+                      </a:endParaRPr>
+                    </a:p>
+                  </a:txBody>
+                  <a:tcPr marL="68580" marR="68580" marT="0" marB="0"/>
+                </a:tc>
+                <a:tc>
+                  <a:txBody>
+                    <a:bodyPr/>
+                    <a:lstStyle/>
+                    <a:p>
+                      <a:pPr marL="0" marR="0" algn="ctr">
+                        <a:lnSpc>
+                          <a:spcPct val="107000"/>
+                        </a:lnSpc>
+                        <a:spcBef>
+                          <a:spcPts val="0"/>
+                        </a:spcBef>
+                        <a:spcAft>
+                          <a:spcPts val="0"/>
+                        </a:spcAft>
+                      </a:pPr>
+                      <a:r>
+                        <a:rPr lang="en-US" sz="1100">
+                          <a:effectLst/>
+                        </a:rPr>
+                        <a:t>The mobile application’s usability will be tested with ISO 25062 standard.</a:t>
+                      </a:r>
+                      <a:endParaRPr lang="en-US" sz="1100">
+                        <a:effectLst/>
+                        <a:latin typeface="Calibri" panose="020F0502020204030204" pitchFamily="34" charset="0"/>
+                        <a:ea typeface="Calibri" panose="020F0502020204030204" pitchFamily="34" charset="0"/>
+                        <a:cs typeface="Arial" panose="020B0604020202020204" pitchFamily="34" charset="0"/>
+                      </a:endParaRPr>
+                    </a:p>
+                  </a:txBody>
+                  <a:tcPr marL="68580" marR="68580" marT="0" marB="0"/>
+                </a:tc>
+                <a:extLst>
+                  <a:ext uri="{0D108BD9-81ED-4DB2-BD59-A6C34878D82A}">
+                    <a16:rowId xmlns:a16="http://schemas.microsoft.com/office/drawing/2014/main" val="118138117"/>
+                  </a:ext>
+                </a:extLst>
+              </a:tr>
+              <a:tr h="0">
+                <a:tc>
+                  <a:txBody>
+                    <a:bodyPr/>
+                    <a:lstStyle/>
+                    <a:p>
+                      <a:pPr marL="0" marR="0" algn="ctr">
+                        <a:lnSpc>
+                          <a:spcPct val="107000"/>
+                        </a:lnSpc>
+                        <a:spcBef>
+                          <a:spcPts val="0"/>
+                        </a:spcBef>
+                        <a:spcAft>
+                          <a:spcPts val="0"/>
+                        </a:spcAft>
+                      </a:pPr>
+                      <a:r>
+                        <a:rPr lang="en-US" sz="1100">
+                          <a:effectLst/>
+                        </a:rPr>
+                        <a:t>80</a:t>
+                      </a:r>
+                      <a:endParaRPr lang="en-US" sz="1100">
+                        <a:effectLst/>
+                        <a:latin typeface="Calibri" panose="020F0502020204030204" pitchFamily="34" charset="0"/>
+                        <a:ea typeface="Calibri" panose="020F0502020204030204" pitchFamily="34" charset="0"/>
+                        <a:cs typeface="Arial" panose="020B0604020202020204" pitchFamily="34" charset="0"/>
+                      </a:endParaRPr>
+                    </a:p>
+                  </a:txBody>
+                  <a:tcPr marL="68580" marR="68580" marT="0" marB="0"/>
+                </a:tc>
+                <a:tc>
+                  <a:txBody>
+                    <a:bodyPr/>
+                    <a:lstStyle/>
+                    <a:p>
+                      <a:pPr marL="0" marR="0" algn="ctr">
+                        <a:lnSpc>
+                          <a:spcPct val="107000"/>
+                        </a:lnSpc>
+                        <a:spcBef>
+                          <a:spcPts val="0"/>
+                        </a:spcBef>
+                        <a:spcAft>
+                          <a:spcPts val="0"/>
+                        </a:spcAft>
+                      </a:pPr>
+                      <a:r>
+                        <a:rPr lang="en-US" sz="1100" dirty="0">
+                          <a:effectLst/>
+                        </a:rPr>
+                        <a:t>The user’s inputted stored data will use encryption standard FIPS 180-4.</a:t>
+                      </a:r>
+                      <a:endParaRPr lang="en-US" sz="1100" dirty="0">
+                        <a:effectLst/>
+                        <a:latin typeface="Calibri" panose="020F0502020204030204" pitchFamily="34" charset="0"/>
+                        <a:ea typeface="Calibri" panose="020F0502020204030204" pitchFamily="34" charset="0"/>
+                        <a:cs typeface="Arial" panose="020B0604020202020204" pitchFamily="34" charset="0"/>
+                      </a:endParaRPr>
+                    </a:p>
+                  </a:txBody>
+                  <a:tcPr marL="68580" marR="68580" marT="0" marB="0"/>
+                </a:tc>
+                <a:extLst>
+                  <a:ext uri="{0D108BD9-81ED-4DB2-BD59-A6C34878D82A}">
+                    <a16:rowId xmlns:a16="http://schemas.microsoft.com/office/drawing/2014/main" val="2021648774"/>
+                  </a:ext>
+                </a:extLst>
+              </a:tr>
+              <a:tr h="0">
+                <a:tc>
+                  <a:txBody>
+                    <a:bodyPr/>
+                    <a:lstStyle/>
+                    <a:p>
+                      <a:pPr marL="0" marR="0" algn="ctr">
+                        <a:lnSpc>
+                          <a:spcPct val="107000"/>
+                        </a:lnSpc>
+                        <a:spcBef>
+                          <a:spcPts val="0"/>
+                        </a:spcBef>
+                        <a:spcAft>
+                          <a:spcPts val="0"/>
+                        </a:spcAft>
+                      </a:pPr>
+                      <a:r>
+                        <a:rPr lang="en-US" sz="1100">
+                          <a:effectLst/>
+                        </a:rPr>
+                        <a:t>90</a:t>
+                      </a:r>
+                      <a:endParaRPr lang="en-US" sz="1100">
+                        <a:effectLst/>
+                        <a:latin typeface="Calibri" panose="020F0502020204030204" pitchFamily="34" charset="0"/>
+                        <a:ea typeface="Calibri" panose="020F0502020204030204" pitchFamily="34" charset="0"/>
+                        <a:cs typeface="Arial" panose="020B0604020202020204" pitchFamily="34" charset="0"/>
+                      </a:endParaRPr>
+                    </a:p>
+                  </a:txBody>
+                  <a:tcPr marL="68580" marR="68580" marT="0" marB="0"/>
+                </a:tc>
+                <a:tc>
+                  <a:txBody>
+                    <a:bodyPr/>
+                    <a:lstStyle/>
+                    <a:p>
+                      <a:pPr marL="0" marR="0" algn="ctr">
+                        <a:lnSpc>
+                          <a:spcPct val="107000"/>
+                        </a:lnSpc>
+                        <a:spcBef>
+                          <a:spcPts val="0"/>
+                        </a:spcBef>
+                        <a:spcAft>
+                          <a:spcPts val="0"/>
+                        </a:spcAft>
+                      </a:pPr>
+                      <a:r>
+                        <a:rPr lang="en-US" sz="1100" dirty="0">
+                          <a:effectLst/>
+                        </a:rPr>
+                        <a:t>The tracker device’s wiring will conform to ANSI/NEMA WD 6-2016 standard.</a:t>
+                      </a:r>
+                      <a:endParaRPr lang="en-US" sz="1100" dirty="0">
+                        <a:effectLst/>
+                        <a:latin typeface="Calibri" panose="020F0502020204030204" pitchFamily="34" charset="0"/>
+                        <a:ea typeface="Calibri" panose="020F0502020204030204" pitchFamily="34" charset="0"/>
+                        <a:cs typeface="Arial" panose="020B0604020202020204" pitchFamily="34" charset="0"/>
+                      </a:endParaRPr>
+                    </a:p>
+                  </a:txBody>
+                  <a:tcPr marL="68580" marR="68580" marT="0" marB="0"/>
+                </a:tc>
+                <a:extLst>
+                  <a:ext uri="{0D108BD9-81ED-4DB2-BD59-A6C34878D82A}">
+                    <a16:rowId xmlns:a16="http://schemas.microsoft.com/office/drawing/2014/main" val="1681767545"/>
+                  </a:ext>
+                </a:extLst>
+              </a:tr>
+              <a:tr h="0">
+                <a:tc>
+                  <a:txBody>
+                    <a:bodyPr/>
+                    <a:lstStyle/>
+                    <a:p>
+                      <a:pPr marL="0" marR="0" algn="ctr">
+                        <a:lnSpc>
+                          <a:spcPct val="107000"/>
+                        </a:lnSpc>
+                        <a:spcBef>
+                          <a:spcPts val="0"/>
+                        </a:spcBef>
+                        <a:spcAft>
+                          <a:spcPts val="0"/>
+                        </a:spcAft>
+                      </a:pPr>
+                      <a:r>
+                        <a:rPr lang="en-US" sz="1100">
+                          <a:effectLst/>
+                        </a:rPr>
+                        <a:t>100</a:t>
+                      </a:r>
+                      <a:endParaRPr lang="en-US" sz="1100">
+                        <a:effectLst/>
+                        <a:latin typeface="Calibri" panose="020F0502020204030204" pitchFamily="34" charset="0"/>
+                        <a:ea typeface="Calibri" panose="020F0502020204030204" pitchFamily="34" charset="0"/>
+                        <a:cs typeface="Arial" panose="020B0604020202020204" pitchFamily="34" charset="0"/>
+                      </a:endParaRPr>
+                    </a:p>
+                  </a:txBody>
+                  <a:tcPr marL="68580" marR="68580" marT="0" marB="0"/>
+                </a:tc>
+                <a:tc>
+                  <a:txBody>
+                    <a:bodyPr/>
+                    <a:lstStyle/>
+                    <a:p>
+                      <a:pPr marL="0" marR="0" algn="ctr">
+                        <a:lnSpc>
+                          <a:spcPct val="107000"/>
+                        </a:lnSpc>
+                        <a:spcBef>
+                          <a:spcPts val="0"/>
+                        </a:spcBef>
+                        <a:spcAft>
+                          <a:spcPts val="0"/>
+                        </a:spcAft>
+                      </a:pPr>
+                      <a:r>
+                        <a:rPr lang="en-US" sz="1100" dirty="0">
+                          <a:effectLst/>
+                        </a:rPr>
+                        <a:t>The device’s data transmission for IP datagrams will comply with RFC 1042 standard.</a:t>
+                      </a:r>
+                      <a:endParaRPr lang="en-US" sz="1100" dirty="0">
+                        <a:effectLst/>
+                        <a:latin typeface="Calibri" panose="020F0502020204030204" pitchFamily="34" charset="0"/>
+                        <a:ea typeface="Calibri" panose="020F0502020204030204" pitchFamily="34" charset="0"/>
+                        <a:cs typeface="Arial" panose="020B0604020202020204" pitchFamily="34" charset="0"/>
+                      </a:endParaRPr>
+                    </a:p>
+                  </a:txBody>
+                  <a:tcPr marL="68580" marR="68580" marT="0" marB="0"/>
+                </a:tc>
+                <a:extLst>
+                  <a:ext uri="{0D108BD9-81ED-4DB2-BD59-A6C34878D82A}">
+                    <a16:rowId xmlns:a16="http://schemas.microsoft.com/office/drawing/2014/main" val="3582504742"/>
+                  </a:ext>
+                </a:extLst>
+              </a:tr>
+            </a:tbl>
+          </a:graphicData>
+        </a:graphic>
+      </p:graphicFrame>
+      <p:sp>
+        <p:nvSpPr>
+          <p:cNvPr id="5" name="TextBox 4">
+            <a:extLst>
+              <a:ext uri="{FF2B5EF4-FFF2-40B4-BE49-F238E27FC236}">
+                <a16:creationId xmlns:a16="http://schemas.microsoft.com/office/drawing/2014/main" id="{0846A14B-E092-411C-8A04-BB13574EAE7D}"/>
+              </a:ext>
+            </a:extLst>
+          </p:cNvPr>
+          <p:cNvSpPr txBox="1"/>
+          <p:nvPr/>
         </p:nvSpPr>
-        <p:spPr/>
+        <p:spPr>
+          <a:xfrm>
+            <a:off x="7320116" y="1602658"/>
+            <a:ext cx="4709652" cy="3693319"/>
+          </a:xfrm>
+          <a:prstGeom prst="rect">
+            <a:avLst/>
+          </a:prstGeom>
+          <a:noFill/>
+        </p:spPr>
         <p:txBody>
-          <a:bodyPr/>
+          <a:bodyPr wrap="square" rtlCol="0">
+            <a:spAutoFit/>
+          </a:bodyPr>
           <a:lstStyle/>
           <a:p>
-            <a:endParaRPr lang="en-US"/>
+            <a:r>
+              <a:rPr lang="en-US" dirty="0"/>
+              <a:t>Definitions:</a:t>
+            </a:r>
+          </a:p>
+          <a:p>
+            <a:r>
+              <a:rPr lang="en-US" dirty="0"/>
+              <a:t>IEEE – Institute of Electrical and Electronics Engineers.</a:t>
+            </a:r>
+          </a:p>
+          <a:p>
+            <a:r>
+              <a:rPr lang="en-US" dirty="0"/>
+              <a:t>SPI – Society of the Plastics Industry.</a:t>
+            </a:r>
+          </a:p>
+          <a:p>
+            <a:r>
+              <a:rPr lang="en-US" dirty="0"/>
+              <a:t>ANSI – American National Standards Institute.</a:t>
+            </a:r>
+          </a:p>
+          <a:p>
+            <a:r>
+              <a:rPr lang="en-US" dirty="0"/>
+              <a:t>ISO – International Organization for Standardization.  </a:t>
+            </a:r>
+          </a:p>
+          <a:p>
+            <a:r>
+              <a:rPr lang="en-US" dirty="0"/>
+              <a:t>IEC – International Electrotechnical Commission.</a:t>
+            </a:r>
+          </a:p>
+          <a:p>
+            <a:r>
+              <a:rPr lang="en-US" dirty="0"/>
+              <a:t>NEMA – National Electrical Manufacturing Association.</a:t>
+            </a:r>
+          </a:p>
+          <a:p>
+            <a:r>
+              <a:rPr lang="en-US" dirty="0"/>
+              <a:t>FIPS – Federal Information Processing Standard.</a:t>
+            </a:r>
+          </a:p>
+          <a:p>
+            <a:r>
+              <a:rPr lang="en-US" dirty="0"/>
+              <a:t>RFC – Request For Comments.</a:t>
+            </a:r>
+          </a:p>
+          <a:p>
+            <a:r>
+              <a:rPr lang="en-US" dirty="0"/>
+              <a:t>UL – Underwriters Laboratories.</a:t>
+            </a:r>
           </a:p>
         </p:txBody>
       </p:sp>
     </p:spTree>
     <p:extLst>
       <p:ext uri="{BB962C8B-B14F-4D97-AF65-F5344CB8AC3E}">
-        <p14:creationId xmlns:p14="http://schemas.microsoft.com/office/powerpoint/2010/main" val="2287009265"/>
-      </p:ext>
-    </p:extLst>
-  </p:cSld>
-  <p:clrMapOvr>
-    <a:masterClrMapping/>
-  </p:clrMapOvr>
-</p:sld>
-</file>
-
-<file path=ppt/slides/slide9.xml><?xml version="1.0" encoding="utf-8"?>
-<p:sld xmlns:a="http://schemas.openxmlformats.org/drawingml/2006/main" xmlns:r="http://schemas.openxmlformats.org/officeDocument/2006/relationships" xmlns:p="http://schemas.openxmlformats.org/presentationml/2006/main">
-  <p:cSld>
-    <p:spTree>
-      <p:nvGrpSpPr>
-        <p:cNvPr id="1" name=""/>
-        <p:cNvGrpSpPr/>
-        <p:nvPr/>
-      </p:nvGrpSpPr>
-      <p:grpSpPr>
-        <a:xfrm>
-          <a:off x="0" y="0"/>
-          <a:ext cx="0" cy="0"/>
-          <a:chOff x="0" y="0"/>
-          <a:chExt cx="0" cy="0"/>
-        </a:xfrm>
-      </p:grpSpPr>
-      <p:sp>
-        <p:nvSpPr>
-          <p:cNvPr id="2" name="Title 1">
-            <a:extLst>
-              <a:ext uri="{FF2B5EF4-FFF2-40B4-BE49-F238E27FC236}">
-                <a16:creationId xmlns:a16="http://schemas.microsoft.com/office/drawing/2014/main" id="{F6B0547D-38BC-4FE1-8930-609B7A1E043C}"/>
-              </a:ext>
-            </a:extLst>
-          </p:cNvPr>
-          <p:cNvSpPr>
-            <a:spLocks noGrp="1"/>
-          </p:cNvSpPr>
-          <p:nvPr>
-            <p:ph type="title"/>
-          </p:nvPr>
-        </p:nvSpPr>
-        <p:spPr/>
-        <p:txBody>
-          <a:bodyPr/>
-          <a:lstStyle/>
-          <a:p>
-            <a:r>
-              <a:rPr lang="en-US" dirty="0"/>
-              <a:t>Hardware components</a:t>
-            </a:r>
-          </a:p>
-        </p:txBody>
-      </p:sp>
-      <p:sp>
-        <p:nvSpPr>
-          <p:cNvPr id="3" name="Content Placeholder 2">
-            <a:extLst>
-              <a:ext uri="{FF2B5EF4-FFF2-40B4-BE49-F238E27FC236}">
-                <a16:creationId xmlns:a16="http://schemas.microsoft.com/office/drawing/2014/main" id="{EE62D9A4-8E70-42DE-B306-11B0578ACD45}"/>
-              </a:ext>
-            </a:extLst>
-          </p:cNvPr>
-          <p:cNvSpPr>
-            <a:spLocks noGrp="1"/>
-          </p:cNvSpPr>
-          <p:nvPr>
-            <p:ph idx="1"/>
-          </p:nvPr>
-        </p:nvSpPr>
-        <p:spPr/>
-        <p:txBody>
-          <a:bodyPr>
-            <a:normAutofit fontScale="85000" lnSpcReduction="20000"/>
-          </a:bodyPr>
-          <a:lstStyle/>
-          <a:p>
-            <a:r>
-              <a:rPr lang="en-US" dirty="0"/>
-              <a:t>Adafruit HUZZAH ESP8266 breakout</a:t>
-            </a:r>
-          </a:p>
-          <a:p>
-            <a:r>
-              <a:rPr lang="en-US" dirty="0"/>
-              <a:t>Standard 22 gauge wires</a:t>
-            </a:r>
-          </a:p>
-          <a:p>
-            <a:r>
-              <a:rPr lang="en-US" dirty="0"/>
-              <a:t>3V button cell batteries</a:t>
-            </a:r>
-          </a:p>
-          <a:p>
-            <a:r>
-              <a:rPr lang="en-US" dirty="0"/>
-              <a:t>Electrical tape </a:t>
-            </a:r>
-          </a:p>
-          <a:p>
-            <a:r>
-              <a:rPr lang="en-US" dirty="0"/>
-              <a:t>Duct tape </a:t>
-            </a:r>
-          </a:p>
-          <a:p>
-            <a:r>
-              <a:rPr lang="en-US" dirty="0"/>
-              <a:t>Hook-and-loop fasteners (Velcro</a:t>
-            </a:r>
-            <a:r>
-              <a:rPr lang="en-US" dirty="0">
-                <a:latin typeface="+mj-lt"/>
-              </a:rPr>
-              <a:t>©)</a:t>
-            </a:r>
-          </a:p>
-          <a:p>
-            <a:r>
-              <a:rPr lang="en-US" dirty="0"/>
-              <a:t>Breadboard (used for prototyping before soldering)</a:t>
-            </a:r>
-          </a:p>
-          <a:p>
-            <a:r>
-              <a:rPr lang="en-US" dirty="0"/>
-              <a:t>Soldering station (used to finalize the hardwiring)</a:t>
-            </a:r>
-          </a:p>
-          <a:p>
-            <a:endParaRPr lang="en-US" dirty="0">
-              <a:latin typeface="+mj-lt"/>
-            </a:endParaRPr>
-          </a:p>
-          <a:p>
-            <a:endParaRPr lang="en-US" dirty="0"/>
-          </a:p>
-        </p:txBody>
-      </p:sp>
-    </p:spTree>
-    <p:extLst>
-      <p:ext uri="{BB962C8B-B14F-4D97-AF65-F5344CB8AC3E}">
-        <p14:creationId xmlns:p14="http://schemas.microsoft.com/office/powerpoint/2010/main" val="756046126"/>
+        <p14:creationId xmlns:p14="http://schemas.microsoft.com/office/powerpoint/2010/main" val="2368627817"/>
       </p:ext>
     </p:extLst>
   </p:cSld>

--- a/Documentation/PDR.pptx
+++ b/Documentation/PDR.pptx
@@ -2407,7 +2407,7 @@
           <a:noFill/>
           <a:extLst>
             <a:ext uri="{909E8E84-426E-40dd-AFC4-6F175D3DCCD1}">
-              <a14:hiddenFill xmlns="" xmlns:a14="http://schemas.microsoft.com/office/drawing/2010/main">
+              <a14:hiddenFill xmlns:a14="http://schemas.microsoft.com/office/drawing/2010/main" xmlns="">
                 <a:solidFill>
                   <a:srgbClr val="FFFFFF"/>
                 </a:solidFill>
@@ -2467,7 +2467,7 @@
             </a:ln>
             <a:extLst>
               <a:ext uri="{91240B29-F687-4f45-9708-019B960494DF}">
-                <a14:hiddenLine xmlns="" xmlns:a14="http://schemas.microsoft.com/office/drawing/2010/main" w="9525">
+                <a14:hiddenLine xmlns:a14="http://schemas.microsoft.com/office/drawing/2010/main" xmlns="" w="9525">
                   <a:solidFill>
                     <a:srgbClr val="000000"/>
                   </a:solidFill>
@@ -2557,7 +2557,7 @@
             </a:ln>
             <a:extLst>
               <a:ext uri="{91240B29-F687-4f45-9708-019B960494DF}">
-                <a14:hiddenLine xmlns="" xmlns:a14="http://schemas.microsoft.com/office/drawing/2010/main" w="9525">
+                <a14:hiddenLine xmlns:a14="http://schemas.microsoft.com/office/drawing/2010/main" xmlns="" w="9525">
                   <a:solidFill>
                     <a:srgbClr val="000000"/>
                   </a:solidFill>
@@ -2647,7 +2647,7 @@
             </a:ln>
             <a:extLst>
               <a:ext uri="{91240B29-F687-4f45-9708-019B960494DF}">
-                <a14:hiddenLine xmlns="" xmlns:a14="http://schemas.microsoft.com/office/drawing/2010/main" w="9525">
+                <a14:hiddenLine xmlns:a14="http://schemas.microsoft.com/office/drawing/2010/main" xmlns="" w="9525">
                   <a:solidFill>
                     <a:srgbClr val="000000"/>
                   </a:solidFill>
@@ -2681,7 +2681,7 @@
             </a:ln>
             <a:extLst>
               <a:ext uri="{91240B29-F687-4f45-9708-019B960494DF}">
-                <a14:hiddenLine xmlns="" xmlns:a14="http://schemas.microsoft.com/office/drawing/2010/main" w="9525">
+                <a14:hiddenLine xmlns:a14="http://schemas.microsoft.com/office/drawing/2010/main" xmlns="" w="9525">
                   <a:solidFill>
                     <a:srgbClr val="000000"/>
                   </a:solidFill>
@@ -2771,7 +2771,7 @@
             </a:ln>
             <a:extLst>
               <a:ext uri="{91240B29-F687-4f45-9708-019B960494DF}">
-                <a14:hiddenLine xmlns="" xmlns:a14="http://schemas.microsoft.com/office/drawing/2010/main" w="9525">
+                <a14:hiddenLine xmlns:a14="http://schemas.microsoft.com/office/drawing/2010/main" xmlns="" w="9525">
                   <a:solidFill>
                     <a:srgbClr val="000000"/>
                   </a:solidFill>
@@ -2833,7 +2833,7 @@
             </a:ln>
             <a:extLst>
               <a:ext uri="{91240B29-F687-4f45-9708-019B960494DF}">
-                <a14:hiddenLine xmlns="" xmlns:a14="http://schemas.microsoft.com/office/drawing/2010/main" w="9525">
+                <a14:hiddenLine xmlns:a14="http://schemas.microsoft.com/office/drawing/2010/main" xmlns="" w="9525">
                   <a:solidFill>
                     <a:srgbClr val="000000"/>
                   </a:solidFill>
@@ -2895,7 +2895,7 @@
             </a:ln>
             <a:extLst>
               <a:ext uri="{91240B29-F687-4f45-9708-019B960494DF}">
-                <a14:hiddenLine xmlns="" xmlns:a14="http://schemas.microsoft.com/office/drawing/2010/main" w="9525">
+                <a14:hiddenLine xmlns:a14="http://schemas.microsoft.com/office/drawing/2010/main" xmlns="" w="9525">
                   <a:solidFill>
                     <a:srgbClr val="000000"/>
                   </a:solidFill>
@@ -2985,7 +2985,7 @@
             </a:ln>
             <a:extLst>
               <a:ext uri="{91240B29-F687-4f45-9708-019B960494DF}">
-                <a14:hiddenLine xmlns="" xmlns:a14="http://schemas.microsoft.com/office/drawing/2010/main" w="9525">
+                <a14:hiddenLine xmlns:a14="http://schemas.microsoft.com/office/drawing/2010/main" xmlns="" w="9525">
                   <a:solidFill>
                     <a:srgbClr val="000000"/>
                   </a:solidFill>
@@ -3047,7 +3047,7 @@
             </a:ln>
             <a:extLst>
               <a:ext uri="{91240B29-F687-4f45-9708-019B960494DF}">
-                <a14:hiddenLine xmlns="" xmlns:a14="http://schemas.microsoft.com/office/drawing/2010/main" w="9525">
+                <a14:hiddenLine xmlns:a14="http://schemas.microsoft.com/office/drawing/2010/main" xmlns="" w="9525">
                   <a:solidFill>
                     <a:srgbClr val="000000"/>
                   </a:solidFill>
@@ -3109,7 +3109,7 @@
             </a:ln>
             <a:extLst>
               <a:ext uri="{91240B29-F687-4f45-9708-019B960494DF}">
-                <a14:hiddenLine xmlns="" xmlns:a14="http://schemas.microsoft.com/office/drawing/2010/main" w="9525">
+                <a14:hiddenLine xmlns:a14="http://schemas.microsoft.com/office/drawing/2010/main" xmlns="" w="9525">
                   <a:solidFill>
                     <a:srgbClr val="000000"/>
                   </a:solidFill>
@@ -3199,7 +3199,7 @@
             </a:ln>
             <a:extLst>
               <a:ext uri="{91240B29-F687-4f45-9708-019B960494DF}">
-                <a14:hiddenLine xmlns="" xmlns:a14="http://schemas.microsoft.com/office/drawing/2010/main" w="9525">
+                <a14:hiddenLine xmlns:a14="http://schemas.microsoft.com/office/drawing/2010/main" xmlns="" w="9525">
                   <a:solidFill>
                     <a:srgbClr val="000000"/>
                   </a:solidFill>
@@ -3289,7 +3289,7 @@
             </a:ln>
             <a:extLst>
               <a:ext uri="{91240B29-F687-4f45-9708-019B960494DF}">
-                <a14:hiddenLine xmlns="" xmlns:a14="http://schemas.microsoft.com/office/drawing/2010/main" w="9525">
+                <a14:hiddenLine xmlns:a14="http://schemas.microsoft.com/office/drawing/2010/main" xmlns="" w="9525">
                   <a:solidFill>
                     <a:srgbClr val="000000"/>
                   </a:solidFill>
@@ -3351,7 +3351,7 @@
             </a:ln>
             <a:extLst>
               <a:ext uri="{91240B29-F687-4f45-9708-019B960494DF}">
-                <a14:hiddenLine xmlns="" xmlns:a14="http://schemas.microsoft.com/office/drawing/2010/main" w="9525">
+                <a14:hiddenLine xmlns:a14="http://schemas.microsoft.com/office/drawing/2010/main" xmlns="" w="9525">
                   <a:solidFill>
                     <a:srgbClr val="000000"/>
                   </a:solidFill>
@@ -3461,7 +3461,7 @@
             </a:ln>
             <a:extLst>
               <a:ext uri="{91240B29-F687-4f45-9708-019B960494DF}">
-                <a14:hiddenLine xmlns="" xmlns:a14="http://schemas.microsoft.com/office/drawing/2010/main" w="9525">
+                <a14:hiddenLine xmlns:a14="http://schemas.microsoft.com/office/drawing/2010/main" xmlns="" w="9525">
                   <a:solidFill>
                     <a:srgbClr val="000000"/>
                   </a:solidFill>
@@ -3523,7 +3523,7 @@
             </a:ln>
             <a:extLst>
               <a:ext uri="{91240B29-F687-4f45-9708-019B960494DF}">
-                <a14:hiddenLine xmlns="" xmlns:a14="http://schemas.microsoft.com/office/drawing/2010/main" w="9525">
+                <a14:hiddenLine xmlns:a14="http://schemas.microsoft.com/office/drawing/2010/main" xmlns="" w="9525">
                   <a:solidFill>
                     <a:srgbClr val="000000"/>
                   </a:solidFill>
@@ -3613,7 +3613,7 @@
             </a:ln>
             <a:extLst>
               <a:ext uri="{91240B29-F687-4f45-9708-019B960494DF}">
-                <a14:hiddenLine xmlns="" xmlns:a14="http://schemas.microsoft.com/office/drawing/2010/main" w="9525">
+                <a14:hiddenLine xmlns:a14="http://schemas.microsoft.com/office/drawing/2010/main" xmlns="" w="9525">
                   <a:solidFill>
                     <a:srgbClr val="000000"/>
                   </a:solidFill>
@@ -3703,7 +3703,7 @@
             </a:ln>
             <a:extLst>
               <a:ext uri="{91240B29-F687-4f45-9708-019B960494DF}">
-                <a14:hiddenLine xmlns="" xmlns:a14="http://schemas.microsoft.com/office/drawing/2010/main" w="9525">
+                <a14:hiddenLine xmlns:a14="http://schemas.microsoft.com/office/drawing/2010/main" xmlns="" w="9525">
                   <a:solidFill>
                     <a:srgbClr val="000000"/>
                   </a:solidFill>
@@ -3765,7 +3765,7 @@
             </a:ln>
             <a:extLst>
               <a:ext uri="{91240B29-F687-4f45-9708-019B960494DF}">
-                <a14:hiddenLine xmlns="" xmlns:a14="http://schemas.microsoft.com/office/drawing/2010/main" w="9525">
+                <a14:hiddenLine xmlns:a14="http://schemas.microsoft.com/office/drawing/2010/main" xmlns="" w="9525">
                   <a:solidFill>
                     <a:srgbClr val="000000"/>
                   </a:solidFill>
@@ -3855,7 +3855,7 @@
             </a:ln>
             <a:extLst>
               <a:ext uri="{91240B29-F687-4f45-9708-019B960494DF}">
-                <a14:hiddenLine xmlns="" xmlns:a14="http://schemas.microsoft.com/office/drawing/2010/main" w="9525">
+                <a14:hiddenLine xmlns:a14="http://schemas.microsoft.com/office/drawing/2010/main" xmlns="" w="9525">
                   <a:solidFill>
                     <a:srgbClr val="000000"/>
                   </a:solidFill>
@@ -3945,7 +3945,7 @@
             </a:ln>
             <a:extLst>
               <a:ext uri="{91240B29-F687-4f45-9708-019B960494DF}">
-                <a14:hiddenLine xmlns="" xmlns:a14="http://schemas.microsoft.com/office/drawing/2010/main" w="9525">
+                <a14:hiddenLine xmlns:a14="http://schemas.microsoft.com/office/drawing/2010/main" xmlns="" w="9525">
                   <a:solidFill>
                     <a:srgbClr val="000000"/>
                   </a:solidFill>
@@ -4001,7 +4001,7 @@
             </a:ln>
             <a:extLst>
               <a:ext uri="{91240B29-F687-4f45-9708-019B960494DF}">
-                <a14:hiddenLine xmlns="" xmlns:a14="http://schemas.microsoft.com/office/drawing/2010/main" w="9525">
+                <a14:hiddenLine xmlns:a14="http://schemas.microsoft.com/office/drawing/2010/main" xmlns="" w="9525">
                   <a:solidFill>
                     <a:srgbClr val="000000"/>
                   </a:solidFill>
@@ -4091,7 +4091,7 @@
             </a:ln>
             <a:extLst>
               <a:ext uri="{91240B29-F687-4f45-9708-019B960494DF}">
-                <a14:hiddenLine xmlns="" xmlns:a14="http://schemas.microsoft.com/office/drawing/2010/main" w="9525">
+                <a14:hiddenLine xmlns:a14="http://schemas.microsoft.com/office/drawing/2010/main" xmlns="" w="9525">
                   <a:solidFill>
                     <a:srgbClr val="000000"/>
                   </a:solidFill>
@@ -4147,7 +4147,7 @@
             </a:ln>
             <a:extLst>
               <a:ext uri="{91240B29-F687-4f45-9708-019B960494DF}">
-                <a14:hiddenLine xmlns="" xmlns:a14="http://schemas.microsoft.com/office/drawing/2010/main" w="9525">
+                <a14:hiddenLine xmlns:a14="http://schemas.microsoft.com/office/drawing/2010/main" xmlns="" w="9525">
                   <a:solidFill>
                     <a:srgbClr val="000000"/>
                   </a:solidFill>
@@ -4237,7 +4237,7 @@
             </a:ln>
             <a:extLst>
               <a:ext uri="{91240B29-F687-4f45-9708-019B960494DF}">
-                <a14:hiddenLine xmlns="" xmlns:a14="http://schemas.microsoft.com/office/drawing/2010/main" w="9525">
+                <a14:hiddenLine xmlns:a14="http://schemas.microsoft.com/office/drawing/2010/main" xmlns="" w="9525">
                   <a:solidFill>
                     <a:srgbClr val="000000"/>
                   </a:solidFill>
@@ -4305,7 +4305,7 @@
             </a:ln>
             <a:extLst>
               <a:ext uri="{91240B29-F687-4f45-9708-019B960494DF}">
-                <a14:hiddenLine xmlns="" xmlns:a14="http://schemas.microsoft.com/office/drawing/2010/main" w="9525">
+                <a14:hiddenLine xmlns:a14="http://schemas.microsoft.com/office/drawing/2010/main" xmlns="" w="9525">
                   <a:solidFill>
                     <a:srgbClr val="000000"/>
                   </a:solidFill>
@@ -4395,7 +4395,7 @@
             </a:ln>
             <a:extLst>
               <a:ext uri="{91240B29-F687-4f45-9708-019B960494DF}">
-                <a14:hiddenLine xmlns="" xmlns:a14="http://schemas.microsoft.com/office/drawing/2010/main" w="9525">
+                <a14:hiddenLine xmlns:a14="http://schemas.microsoft.com/office/drawing/2010/main" xmlns="" w="9525">
                   <a:solidFill>
                     <a:srgbClr val="000000"/>
                   </a:solidFill>
@@ -4463,7 +4463,7 @@
             </a:ln>
             <a:extLst>
               <a:ext uri="{91240B29-F687-4f45-9708-019B960494DF}">
-                <a14:hiddenLine xmlns="" xmlns:a14="http://schemas.microsoft.com/office/drawing/2010/main" w="9525">
+                <a14:hiddenLine xmlns:a14="http://schemas.microsoft.com/office/drawing/2010/main" xmlns="" w="9525">
                   <a:solidFill>
                     <a:srgbClr val="000000"/>
                   </a:solidFill>
@@ -4553,7 +4553,7 @@
             </a:ln>
             <a:extLst>
               <a:ext uri="{91240B29-F687-4f45-9708-019B960494DF}">
-                <a14:hiddenLine xmlns="" xmlns:a14="http://schemas.microsoft.com/office/drawing/2010/main" w="9525">
+                <a14:hiddenLine xmlns:a14="http://schemas.microsoft.com/office/drawing/2010/main" xmlns="" w="9525">
                   <a:solidFill>
                     <a:srgbClr val="000000"/>
                   </a:solidFill>
@@ -4587,7 +4587,7 @@
             </a:ln>
             <a:extLst>
               <a:ext uri="{91240B29-F687-4f45-9708-019B960494DF}">
-                <a14:hiddenLine xmlns="" xmlns:a14="http://schemas.microsoft.com/office/drawing/2010/main" w="9525">
+                <a14:hiddenLine xmlns:a14="http://schemas.microsoft.com/office/drawing/2010/main" xmlns="" w="9525">
                   <a:solidFill>
                     <a:srgbClr val="000000"/>
                   </a:solidFill>
@@ -4677,7 +4677,7 @@
             </a:ln>
             <a:extLst>
               <a:ext uri="{91240B29-F687-4f45-9708-019B960494DF}">
-                <a14:hiddenLine xmlns="" xmlns:a14="http://schemas.microsoft.com/office/drawing/2010/main" w="9525">
+                <a14:hiddenLine xmlns:a14="http://schemas.microsoft.com/office/drawing/2010/main" xmlns="" w="9525">
                   <a:solidFill>
                     <a:srgbClr val="000000"/>
                   </a:solidFill>
@@ -4739,7 +4739,7 @@
             </a:ln>
             <a:extLst>
               <a:ext uri="{91240B29-F687-4f45-9708-019B960494DF}">
-                <a14:hiddenLine xmlns="" xmlns:a14="http://schemas.microsoft.com/office/drawing/2010/main" w="9525">
+                <a14:hiddenLine xmlns:a14="http://schemas.microsoft.com/office/drawing/2010/main" xmlns="" w="9525">
                   <a:solidFill>
                     <a:srgbClr val="000000"/>
                   </a:solidFill>
@@ -4801,7 +4801,7 @@
             </a:ln>
             <a:extLst>
               <a:ext uri="{91240B29-F687-4f45-9708-019B960494DF}">
-                <a14:hiddenLine xmlns="" xmlns:a14="http://schemas.microsoft.com/office/drawing/2010/main" w="9525">
+                <a14:hiddenLine xmlns:a14="http://schemas.microsoft.com/office/drawing/2010/main" xmlns="" w="9525">
                   <a:solidFill>
                     <a:srgbClr val="000000"/>
                   </a:solidFill>
@@ -4891,7 +4891,7 @@
             </a:ln>
             <a:extLst>
               <a:ext uri="{91240B29-F687-4f45-9708-019B960494DF}">
-                <a14:hiddenLine xmlns="" xmlns:a14="http://schemas.microsoft.com/office/drawing/2010/main" w="9525">
+                <a14:hiddenLine xmlns:a14="http://schemas.microsoft.com/office/drawing/2010/main" xmlns="" w="9525">
                   <a:solidFill>
                     <a:srgbClr val="000000"/>
                   </a:solidFill>
@@ -4959,7 +4959,7 @@
             </a:ln>
             <a:extLst>
               <a:ext uri="{91240B29-F687-4f45-9708-019B960494DF}">
-                <a14:hiddenLine xmlns="" xmlns:a14="http://schemas.microsoft.com/office/drawing/2010/main" w="9525">
+                <a14:hiddenLine xmlns:a14="http://schemas.microsoft.com/office/drawing/2010/main" xmlns="" w="9525">
                   <a:solidFill>
                     <a:srgbClr val="000000"/>
                   </a:solidFill>
@@ -5021,7 +5021,7 @@
             </a:ln>
             <a:extLst>
               <a:ext uri="{91240B29-F687-4f45-9708-019B960494DF}">
-                <a14:hiddenLine xmlns="" xmlns:a14="http://schemas.microsoft.com/office/drawing/2010/main" w="9525">
+                <a14:hiddenLine xmlns:a14="http://schemas.microsoft.com/office/drawing/2010/main" xmlns="" w="9525">
                   <a:solidFill>
                     <a:srgbClr val="000000"/>
                   </a:solidFill>
@@ -5111,7 +5111,7 @@
             </a:ln>
             <a:extLst>
               <a:ext uri="{91240B29-F687-4f45-9708-019B960494DF}">
-                <a14:hiddenLine xmlns="" xmlns:a14="http://schemas.microsoft.com/office/drawing/2010/main" w="9525">
+                <a14:hiddenLine xmlns:a14="http://schemas.microsoft.com/office/drawing/2010/main" xmlns="" w="9525">
                   <a:solidFill>
                     <a:srgbClr val="000000"/>
                   </a:solidFill>
@@ -5173,7 +5173,7 @@
             </a:ln>
             <a:extLst>
               <a:ext uri="{91240B29-F687-4f45-9708-019B960494DF}">
-                <a14:hiddenLine xmlns="" xmlns:a14="http://schemas.microsoft.com/office/drawing/2010/main" w="9525">
+                <a14:hiddenLine xmlns:a14="http://schemas.microsoft.com/office/drawing/2010/main" xmlns="" w="9525">
                   <a:solidFill>
                     <a:srgbClr val="000000"/>
                   </a:solidFill>
@@ -5263,7 +5263,7 @@
             </a:ln>
             <a:extLst>
               <a:ext uri="{91240B29-F687-4f45-9708-019B960494DF}">
-                <a14:hiddenLine xmlns="" xmlns:a14="http://schemas.microsoft.com/office/drawing/2010/main" w="9525">
+                <a14:hiddenLine xmlns:a14="http://schemas.microsoft.com/office/drawing/2010/main" xmlns="" w="9525">
                   <a:solidFill>
                     <a:srgbClr val="000000"/>
                   </a:solidFill>
@@ -5325,7 +5325,7 @@
             </a:ln>
             <a:extLst>
               <a:ext uri="{91240B29-F687-4f45-9708-019B960494DF}">
-                <a14:hiddenLine xmlns="" xmlns:a14="http://schemas.microsoft.com/office/drawing/2010/main" w="9525">
+                <a14:hiddenLine xmlns:a14="http://schemas.microsoft.com/office/drawing/2010/main" xmlns="" w="9525">
                   <a:solidFill>
                     <a:srgbClr val="000000"/>
                   </a:solidFill>
@@ -5415,7 +5415,7 @@
             </a:ln>
             <a:extLst>
               <a:ext uri="{91240B29-F687-4f45-9708-019B960494DF}">
-                <a14:hiddenLine xmlns="" xmlns:a14="http://schemas.microsoft.com/office/drawing/2010/main" w="9525">
+                <a14:hiddenLine xmlns:a14="http://schemas.microsoft.com/office/drawing/2010/main" xmlns="" w="9525">
                   <a:solidFill>
                     <a:srgbClr val="000000"/>
                   </a:solidFill>
@@ -5449,7 +5449,7 @@
             </a:ln>
             <a:extLst>
               <a:ext uri="{91240B29-F687-4f45-9708-019B960494DF}">
-                <a14:hiddenLine xmlns="" xmlns:a14="http://schemas.microsoft.com/office/drawing/2010/main" w="9525">
+                <a14:hiddenLine xmlns:a14="http://schemas.microsoft.com/office/drawing/2010/main" xmlns="" w="9525">
                   <a:solidFill>
                     <a:srgbClr val="000000"/>
                   </a:solidFill>
@@ -5514,7 +5514,7 @@
             </a:ln>
             <a:extLst>
               <a:ext uri="{91240B29-F687-4f45-9708-019B960494DF}">
-                <a14:hiddenLine xmlns="" xmlns:a14="http://schemas.microsoft.com/office/drawing/2010/main" w="9525">
+                <a14:hiddenLine xmlns:a14="http://schemas.microsoft.com/office/drawing/2010/main" xmlns="" w="9525">
                   <a:solidFill>
                     <a:srgbClr val="000000"/>
                   </a:solidFill>
@@ -5604,7 +5604,7 @@
             </a:ln>
             <a:extLst>
               <a:ext uri="{91240B29-F687-4f45-9708-019B960494DF}">
-                <a14:hiddenLine xmlns="" xmlns:a14="http://schemas.microsoft.com/office/drawing/2010/main" w="9525">
+                <a14:hiddenLine xmlns:a14="http://schemas.microsoft.com/office/drawing/2010/main" xmlns="" w="9525">
                   <a:solidFill>
                     <a:srgbClr val="000000"/>
                   </a:solidFill>
@@ -5666,7 +5666,7 @@
             </a:ln>
             <a:extLst>
               <a:ext uri="{91240B29-F687-4f45-9708-019B960494DF}">
-                <a14:hiddenLine xmlns="" xmlns:a14="http://schemas.microsoft.com/office/drawing/2010/main" w="9525">
+                <a14:hiddenLine xmlns:a14="http://schemas.microsoft.com/office/drawing/2010/main" xmlns="" w="9525">
                   <a:solidFill>
                     <a:srgbClr val="000000"/>
                   </a:solidFill>
@@ -5756,7 +5756,7 @@
             </a:ln>
             <a:extLst>
               <a:ext uri="{91240B29-F687-4f45-9708-019B960494DF}">
-                <a14:hiddenLine xmlns="" xmlns:a14="http://schemas.microsoft.com/office/drawing/2010/main" w="9525">
+                <a14:hiddenLine xmlns:a14="http://schemas.microsoft.com/office/drawing/2010/main" xmlns="" w="9525">
                   <a:solidFill>
                     <a:srgbClr val="000000"/>
                   </a:solidFill>
@@ -5846,7 +5846,7 @@
             </a:ln>
             <a:extLst>
               <a:ext uri="{91240B29-F687-4f45-9708-019B960494DF}">
-                <a14:hiddenLine xmlns="" xmlns:a14="http://schemas.microsoft.com/office/drawing/2010/main" w="9525">
+                <a14:hiddenLine xmlns:a14="http://schemas.microsoft.com/office/drawing/2010/main" xmlns="" w="9525">
                   <a:solidFill>
                     <a:srgbClr val="000000"/>
                   </a:solidFill>
@@ -5911,7 +5911,7 @@
             </a:ln>
             <a:extLst>
               <a:ext uri="{91240B29-F687-4f45-9708-019B960494DF}">
-                <a14:hiddenLine xmlns="" xmlns:a14="http://schemas.microsoft.com/office/drawing/2010/main" w="9525">
+                <a14:hiddenLine xmlns:a14="http://schemas.microsoft.com/office/drawing/2010/main" xmlns="" w="9525">
                   <a:solidFill>
                     <a:srgbClr val="000000"/>
                   </a:solidFill>
@@ -5973,7 +5973,7 @@
             </a:ln>
             <a:extLst>
               <a:ext uri="{91240B29-F687-4f45-9708-019B960494DF}">
-                <a14:hiddenLine xmlns="" xmlns:a14="http://schemas.microsoft.com/office/drawing/2010/main" w="9525">
+                <a14:hiddenLine xmlns:a14="http://schemas.microsoft.com/office/drawing/2010/main" xmlns="" w="9525">
                   <a:solidFill>
                     <a:srgbClr val="000000"/>
                   </a:solidFill>
@@ -6063,7 +6063,7 @@
             </a:ln>
             <a:extLst>
               <a:ext uri="{91240B29-F687-4f45-9708-019B960494DF}">
-                <a14:hiddenLine xmlns="" xmlns:a14="http://schemas.microsoft.com/office/drawing/2010/main" w="9525">
+                <a14:hiddenLine xmlns:a14="http://schemas.microsoft.com/office/drawing/2010/main" xmlns="" w="9525">
                   <a:solidFill>
                     <a:srgbClr val="000000"/>
                   </a:solidFill>
@@ -6153,7 +6153,7 @@
             </a:ln>
             <a:extLst>
               <a:ext uri="{91240B29-F687-4f45-9708-019B960494DF}">
-                <a14:hiddenLine xmlns="" xmlns:a14="http://schemas.microsoft.com/office/drawing/2010/main" w="9525">
+                <a14:hiddenLine xmlns:a14="http://schemas.microsoft.com/office/drawing/2010/main" xmlns="" w="9525">
                   <a:solidFill>
                     <a:srgbClr val="000000"/>
                   </a:solidFill>
@@ -6215,7 +6215,7 @@
             </a:ln>
             <a:extLst>
               <a:ext uri="{91240B29-F687-4f45-9708-019B960494DF}">
-                <a14:hiddenLine xmlns="" xmlns:a14="http://schemas.microsoft.com/office/drawing/2010/main" w="9525">
+                <a14:hiddenLine xmlns:a14="http://schemas.microsoft.com/office/drawing/2010/main" xmlns="" w="9525">
                   <a:solidFill>
                     <a:srgbClr val="000000"/>
                   </a:solidFill>
@@ -6335,7 +6335,7 @@
             </a:ln>
             <a:extLst>
               <a:ext uri="{91240B29-F687-4f45-9708-019B960494DF}">
-                <a14:hiddenLine xmlns="" xmlns:a14="http://schemas.microsoft.com/office/drawing/2010/main" w="9525">
+                <a14:hiddenLine xmlns:a14="http://schemas.microsoft.com/office/drawing/2010/main" xmlns="" w="9525">
                   <a:solidFill>
                     <a:srgbClr val="000000"/>
                   </a:solidFill>
@@ -6403,7 +6403,7 @@
             </a:ln>
             <a:extLst>
               <a:ext uri="{91240B29-F687-4f45-9708-019B960494DF}">
-                <a14:hiddenLine xmlns="" xmlns:a14="http://schemas.microsoft.com/office/drawing/2010/main" w="9525">
+                <a14:hiddenLine xmlns:a14="http://schemas.microsoft.com/office/drawing/2010/main" xmlns="" w="9525">
                   <a:solidFill>
                     <a:srgbClr val="000000"/>
                   </a:solidFill>
@@ -6493,7 +6493,7 @@
             </a:ln>
             <a:extLst>
               <a:ext uri="{91240B29-F687-4f45-9708-019B960494DF}">
-                <a14:hiddenLine xmlns="" xmlns:a14="http://schemas.microsoft.com/office/drawing/2010/main" w="9525">
+                <a14:hiddenLine xmlns:a14="http://schemas.microsoft.com/office/drawing/2010/main" xmlns="" w="9525">
                   <a:solidFill>
                     <a:srgbClr val="000000"/>
                   </a:solidFill>
@@ -6633,7 +6633,7 @@
           <a:p>
             <a:fld id="{48A87A34-81AB-432B-8DAE-1953F412C126}" type="datetimeFigureOut">
               <a:rPr lang="en-US" dirty="0"/>
-              <a:t>12/5/2018</a:t>
+              <a:t>12/6/2018</a:t>
             </a:fld>
             <a:endParaRPr lang="en-US" dirty="0"/>
           </a:p>
@@ -6894,7 +6894,7 @@
           <a:p>
             <a:fld id="{48A87A34-81AB-432B-8DAE-1953F412C126}" type="datetimeFigureOut">
               <a:rPr lang="en-US" dirty="0"/>
-              <a:t>12/5/2018</a:t>
+              <a:t>12/6/2018</a:t>
             </a:fld>
             <a:endParaRPr lang="en-US" dirty="0"/>
           </a:p>
@@ -7085,7 +7085,7 @@
           <a:p>
             <a:fld id="{48A87A34-81AB-432B-8DAE-1953F412C126}" type="datetimeFigureOut">
               <a:rPr lang="en-US" dirty="0"/>
-              <a:t>12/5/2018</a:t>
+              <a:t>12/6/2018</a:t>
             </a:fld>
             <a:endParaRPr lang="en-US" dirty="0"/>
           </a:p>
@@ -7343,7 +7343,7 @@
           <a:p>
             <a:fld id="{48A87A34-81AB-432B-8DAE-1953F412C126}" type="datetimeFigureOut">
               <a:rPr lang="en-US" dirty="0"/>
-              <a:t>12/5/2018</a:t>
+              <a:t>12/6/2018</a:t>
             </a:fld>
             <a:endParaRPr lang="en-US" dirty="0"/>
           </a:p>
@@ -7772,7 +7772,7 @@
           <a:p>
             <a:fld id="{48A87A34-81AB-432B-8DAE-1953F412C126}" type="datetimeFigureOut">
               <a:rPr lang="en-US" dirty="0"/>
-              <a:t>12/5/2018</a:t>
+              <a:t>12/6/2018</a:t>
             </a:fld>
             <a:endParaRPr lang="en-US" dirty="0"/>
           </a:p>
@@ -8313,7 +8313,7 @@
           <a:p>
             <a:fld id="{48A87A34-81AB-432B-8DAE-1953F412C126}" type="datetimeFigureOut">
               <a:rPr lang="en-US" dirty="0"/>
-              <a:t>12/5/2018</a:t>
+              <a:t>12/6/2018</a:t>
             </a:fld>
             <a:endParaRPr lang="en-US" dirty="0"/>
           </a:p>
@@ -9025,7 +9025,7 @@
           <a:p>
             <a:fld id="{48A87A34-81AB-432B-8DAE-1953F412C126}" type="datetimeFigureOut">
               <a:rPr lang="en-US" dirty="0"/>
-              <a:t>12/5/2018</a:t>
+              <a:t>12/6/2018</a:t>
             </a:fld>
             <a:endParaRPr lang="en-US" dirty="0"/>
           </a:p>
@@ -9190,7 +9190,7 @@
           <a:p>
             <a:fld id="{48A87A34-81AB-432B-8DAE-1953F412C126}" type="datetimeFigureOut">
               <a:rPr lang="en-US" dirty="0"/>
-              <a:t>12/5/2018</a:t>
+              <a:t>12/6/2018</a:t>
             </a:fld>
             <a:endParaRPr lang="en-US" dirty="0"/>
           </a:p>
@@ -9365,7 +9365,7 @@
           <a:p>
             <a:fld id="{48A87A34-81AB-432B-8DAE-1953F412C126}" type="datetimeFigureOut">
               <a:rPr lang="en-US" dirty="0"/>
-              <a:t>12/5/2018</a:t>
+              <a:t>12/6/2018</a:t>
             </a:fld>
             <a:endParaRPr lang="en-US" dirty="0"/>
           </a:p>
@@ -9530,7 +9530,7 @@
           <a:p>
             <a:fld id="{48A87A34-81AB-432B-8DAE-1953F412C126}" type="datetimeFigureOut">
               <a:rPr lang="en-US" dirty="0"/>
-              <a:t>12/5/2018</a:t>
+              <a:t>12/6/2018</a:t>
             </a:fld>
             <a:endParaRPr lang="en-US" dirty="0"/>
           </a:p>
@@ -9775,7 +9775,7 @@
           <a:p>
             <a:fld id="{48A87A34-81AB-432B-8DAE-1953F412C126}" type="datetimeFigureOut">
               <a:rPr lang="en-US" dirty="0"/>
-              <a:t>12/5/2018</a:t>
+              <a:t>12/6/2018</a:t>
             </a:fld>
             <a:endParaRPr lang="en-US" dirty="0"/>
           </a:p>
@@ -10002,7 +10002,7 @@
           <a:p>
             <a:fld id="{48A87A34-81AB-432B-8DAE-1953F412C126}" type="datetimeFigureOut">
               <a:rPr lang="en-US" dirty="0"/>
-              <a:t>12/5/2018</a:t>
+              <a:t>12/6/2018</a:t>
             </a:fld>
             <a:endParaRPr lang="en-US" dirty="0"/>
           </a:p>
@@ -10378,7 +10378,7 @@
           <a:p>
             <a:fld id="{48A87A34-81AB-432B-8DAE-1953F412C126}" type="datetimeFigureOut">
               <a:rPr lang="en-US" dirty="0"/>
-              <a:t>12/5/2018</a:t>
+              <a:t>12/6/2018</a:t>
             </a:fld>
             <a:endParaRPr lang="en-US" dirty="0"/>
           </a:p>
@@ -10491,7 +10491,7 @@
           <a:p>
             <a:fld id="{48A87A34-81AB-432B-8DAE-1953F412C126}" type="datetimeFigureOut">
               <a:rPr lang="en-US" dirty="0"/>
-              <a:t>12/5/2018</a:t>
+              <a:t>12/6/2018</a:t>
             </a:fld>
             <a:endParaRPr lang="en-US" dirty="0"/>
           </a:p>
@@ -10581,7 +10581,7 @@
           <a:p>
             <a:fld id="{48A87A34-81AB-432B-8DAE-1953F412C126}" type="datetimeFigureOut">
               <a:rPr lang="en-US" dirty="0"/>
-              <a:t>12/5/2018</a:t>
+              <a:t>12/6/2018</a:t>
             </a:fld>
             <a:endParaRPr lang="en-US" dirty="0"/>
           </a:p>
@@ -10825,7 +10825,7 @@
           <a:p>
             <a:fld id="{48A87A34-81AB-432B-8DAE-1953F412C126}" type="datetimeFigureOut">
               <a:rPr lang="en-US" dirty="0"/>
-              <a:t>12/5/2018</a:t>
+              <a:t>12/6/2018</a:t>
             </a:fld>
             <a:endParaRPr lang="en-US" dirty="0"/>
           </a:p>
@@ -11099,7 +11099,7 @@
           <a:p>
             <a:fld id="{48A87A34-81AB-432B-8DAE-1953F412C126}" type="datetimeFigureOut">
               <a:rPr lang="en-US" dirty="0"/>
-              <a:t>12/5/2018</a:t>
+              <a:t>12/6/2018</a:t>
             </a:fld>
             <a:endParaRPr lang="en-US" dirty="0"/>
           </a:p>
@@ -11210,7 +11210,7 @@
           <a:noFill/>
           <a:extLst>
             <a:ext uri="{909E8E84-426E-40dd-AFC4-6F175D3DCCD1}">
-              <a14:hiddenFill xmlns="" xmlns:a14="http://schemas.microsoft.com/office/drawing/2010/main">
+              <a14:hiddenFill xmlns:a14="http://schemas.microsoft.com/office/drawing/2010/main" xmlns="">
                 <a:solidFill>
                   <a:srgbClr val="FFFFFF"/>
                 </a:solidFill>
@@ -11284,7 +11284,7 @@
               </a:ln>
               <a:extLst>
                 <a:ext uri="{91240B29-F687-4f45-9708-019B960494DF}">
-                  <a14:hiddenLine xmlns="" xmlns:a14="http://schemas.microsoft.com/office/drawing/2010/main" w="9525">
+                  <a14:hiddenLine xmlns:a14="http://schemas.microsoft.com/office/drawing/2010/main" xmlns="" w="9525">
                     <a:solidFill>
                       <a:srgbClr val="000000"/>
                     </a:solidFill>
@@ -11374,7 +11374,7 @@
               </a:ln>
               <a:extLst>
                 <a:ext uri="{91240B29-F687-4f45-9708-019B960494DF}">
-                  <a14:hiddenLine xmlns="" xmlns:a14="http://schemas.microsoft.com/office/drawing/2010/main" w="9525">
+                  <a14:hiddenLine xmlns:a14="http://schemas.microsoft.com/office/drawing/2010/main" xmlns="" w="9525">
                     <a:solidFill>
                       <a:srgbClr val="000000"/>
                     </a:solidFill>
@@ -11464,7 +11464,7 @@
               </a:ln>
               <a:extLst>
                 <a:ext uri="{91240B29-F687-4f45-9708-019B960494DF}">
-                  <a14:hiddenLine xmlns="" xmlns:a14="http://schemas.microsoft.com/office/drawing/2010/main" w="9525">
+                  <a14:hiddenLine xmlns:a14="http://schemas.microsoft.com/office/drawing/2010/main" xmlns="" w="9525">
                     <a:solidFill>
                       <a:srgbClr val="000000"/>
                     </a:solidFill>
@@ -11526,7 +11526,7 @@
               </a:ln>
               <a:extLst>
                 <a:ext uri="{91240B29-F687-4f45-9708-019B960494DF}">
-                  <a14:hiddenLine xmlns="" xmlns:a14="http://schemas.microsoft.com/office/drawing/2010/main" w="9525">
+                  <a14:hiddenLine xmlns:a14="http://schemas.microsoft.com/office/drawing/2010/main" xmlns="" w="9525">
                     <a:solidFill>
                       <a:srgbClr val="000000"/>
                     </a:solidFill>
@@ -11616,7 +11616,7 @@
               </a:ln>
               <a:extLst>
                 <a:ext uri="{91240B29-F687-4f45-9708-019B960494DF}">
-                  <a14:hiddenLine xmlns="" xmlns:a14="http://schemas.microsoft.com/office/drawing/2010/main" w="9525">
+                  <a14:hiddenLine xmlns:a14="http://schemas.microsoft.com/office/drawing/2010/main" xmlns="" w="9525">
                     <a:solidFill>
                       <a:srgbClr val="000000"/>
                     </a:solidFill>
@@ -11678,7 +11678,7 @@
               </a:ln>
               <a:extLst>
                 <a:ext uri="{91240B29-F687-4f45-9708-019B960494DF}">
-                  <a14:hiddenLine xmlns="" xmlns:a14="http://schemas.microsoft.com/office/drawing/2010/main" w="9525">
+                  <a14:hiddenLine xmlns:a14="http://schemas.microsoft.com/office/drawing/2010/main" xmlns="" w="9525">
                     <a:solidFill>
                       <a:srgbClr val="000000"/>
                     </a:solidFill>
@@ -11740,7 +11740,7 @@
               </a:ln>
               <a:extLst>
                 <a:ext uri="{91240B29-F687-4f45-9708-019B960494DF}">
-                  <a14:hiddenLine xmlns="" xmlns:a14="http://schemas.microsoft.com/office/drawing/2010/main" w="9525">
+                  <a14:hiddenLine xmlns:a14="http://schemas.microsoft.com/office/drawing/2010/main" xmlns="" w="9525">
                     <a:solidFill>
                       <a:srgbClr val="000000"/>
                     </a:solidFill>
@@ -11830,7 +11830,7 @@
               </a:ln>
               <a:extLst>
                 <a:ext uri="{91240B29-F687-4f45-9708-019B960494DF}">
-                  <a14:hiddenLine xmlns="" xmlns:a14="http://schemas.microsoft.com/office/drawing/2010/main" w="9525">
+                  <a14:hiddenLine xmlns:a14="http://schemas.microsoft.com/office/drawing/2010/main" xmlns="" w="9525">
                     <a:solidFill>
                       <a:srgbClr val="000000"/>
                     </a:solidFill>
@@ -11920,7 +11920,7 @@
               </a:ln>
               <a:extLst>
                 <a:ext uri="{91240B29-F687-4f45-9708-019B960494DF}">
-                  <a14:hiddenLine xmlns="" xmlns:a14="http://schemas.microsoft.com/office/drawing/2010/main" w="9525">
+                  <a14:hiddenLine xmlns:a14="http://schemas.microsoft.com/office/drawing/2010/main" xmlns="" w="9525">
                     <a:solidFill>
                       <a:srgbClr val="000000"/>
                     </a:solidFill>
@@ -11982,7 +11982,7 @@
               </a:ln>
               <a:extLst>
                 <a:ext uri="{91240B29-F687-4f45-9708-019B960494DF}">
-                  <a14:hiddenLine xmlns="" xmlns:a14="http://schemas.microsoft.com/office/drawing/2010/main" w="9525">
+                  <a14:hiddenLine xmlns:a14="http://schemas.microsoft.com/office/drawing/2010/main" xmlns="" w="9525">
                     <a:solidFill>
                       <a:srgbClr val="000000"/>
                     </a:solidFill>
@@ -12092,7 +12092,7 @@
               </a:ln>
               <a:extLst>
                 <a:ext uri="{91240B29-F687-4f45-9708-019B960494DF}">
-                  <a14:hiddenLine xmlns="" xmlns:a14="http://schemas.microsoft.com/office/drawing/2010/main" w="9525">
+                  <a14:hiddenLine xmlns:a14="http://schemas.microsoft.com/office/drawing/2010/main" xmlns="" w="9525">
                     <a:solidFill>
                       <a:srgbClr val="000000"/>
                     </a:solidFill>
@@ -12176,7 +12176,7 @@
               </a:ln>
               <a:extLst>
                 <a:ext uri="{91240B29-F687-4f45-9708-019B960494DF}">
-                  <a14:hiddenLine xmlns="" xmlns:a14="http://schemas.microsoft.com/office/drawing/2010/main" w="9525">
+                  <a14:hiddenLine xmlns:a14="http://schemas.microsoft.com/office/drawing/2010/main" xmlns="" w="9525">
                     <a:solidFill>
                       <a:srgbClr val="000000"/>
                     </a:solidFill>
@@ -12238,7 +12238,7 @@
               </a:ln>
               <a:extLst>
                 <a:ext uri="{91240B29-F687-4f45-9708-019B960494DF}">
-                  <a14:hiddenLine xmlns="" xmlns:a14="http://schemas.microsoft.com/office/drawing/2010/main" w="9525">
+                  <a14:hiddenLine xmlns:a14="http://schemas.microsoft.com/office/drawing/2010/main" xmlns="" w="9525">
                     <a:solidFill>
                       <a:srgbClr val="000000"/>
                     </a:solidFill>
@@ -12300,7 +12300,7 @@
               </a:ln>
               <a:extLst>
                 <a:ext uri="{91240B29-F687-4f45-9708-019B960494DF}">
-                  <a14:hiddenLine xmlns="" xmlns:a14="http://schemas.microsoft.com/office/drawing/2010/main" w="9525">
+                  <a14:hiddenLine xmlns:a14="http://schemas.microsoft.com/office/drawing/2010/main" xmlns="" w="9525">
                     <a:solidFill>
                       <a:srgbClr val="000000"/>
                     </a:solidFill>
@@ -12390,7 +12390,7 @@
               </a:ln>
               <a:extLst>
                 <a:ext uri="{91240B29-F687-4f45-9708-019B960494DF}">
-                  <a14:hiddenLine xmlns="" xmlns:a14="http://schemas.microsoft.com/office/drawing/2010/main" w="9525">
+                  <a14:hiddenLine xmlns:a14="http://schemas.microsoft.com/office/drawing/2010/main" xmlns="" w="9525">
                     <a:solidFill>
                       <a:srgbClr val="000000"/>
                     </a:solidFill>
@@ -12424,7 +12424,7 @@
               </a:ln>
               <a:extLst>
                 <a:ext uri="{91240B29-F687-4f45-9708-019B960494DF}">
-                  <a14:hiddenLine xmlns="" xmlns:a14="http://schemas.microsoft.com/office/drawing/2010/main" w="9525">
+                  <a14:hiddenLine xmlns:a14="http://schemas.microsoft.com/office/drawing/2010/main" xmlns="" w="9525">
                     <a:solidFill>
                       <a:srgbClr val="000000"/>
                     </a:solidFill>
@@ -12489,7 +12489,7 @@
               </a:ln>
               <a:extLst>
                 <a:ext uri="{91240B29-F687-4f45-9708-019B960494DF}">
-                  <a14:hiddenLine xmlns="" xmlns:a14="http://schemas.microsoft.com/office/drawing/2010/main" w="9525">
+                  <a14:hiddenLine xmlns:a14="http://schemas.microsoft.com/office/drawing/2010/main" xmlns="" w="9525">
                     <a:solidFill>
                       <a:srgbClr val="000000"/>
                     </a:solidFill>
@@ -12579,7 +12579,7 @@
               </a:ln>
               <a:extLst>
                 <a:ext uri="{91240B29-F687-4f45-9708-019B960494DF}">
-                  <a14:hiddenLine xmlns="" xmlns:a14="http://schemas.microsoft.com/office/drawing/2010/main" w="9525">
+                  <a14:hiddenLine xmlns:a14="http://schemas.microsoft.com/office/drawing/2010/main" xmlns="" w="9525">
                     <a:solidFill>
                       <a:srgbClr val="000000"/>
                     </a:solidFill>
@@ -12641,7 +12641,7 @@
               </a:ln>
               <a:extLst>
                 <a:ext uri="{91240B29-F687-4f45-9708-019B960494DF}">
-                  <a14:hiddenLine xmlns="" xmlns:a14="http://schemas.microsoft.com/office/drawing/2010/main" w="9525">
+                  <a14:hiddenLine xmlns:a14="http://schemas.microsoft.com/office/drawing/2010/main" xmlns="" w="9525">
                     <a:solidFill>
                       <a:srgbClr val="000000"/>
                     </a:solidFill>
@@ -12731,7 +12731,7 @@
               </a:ln>
               <a:extLst>
                 <a:ext uri="{91240B29-F687-4f45-9708-019B960494DF}">
-                  <a14:hiddenLine xmlns="" xmlns:a14="http://schemas.microsoft.com/office/drawing/2010/main" w="9525">
+                  <a14:hiddenLine xmlns:a14="http://schemas.microsoft.com/office/drawing/2010/main" xmlns="" w="9525">
                     <a:solidFill>
                       <a:srgbClr val="000000"/>
                     </a:solidFill>
@@ -12796,7 +12796,7 @@
               </a:ln>
               <a:extLst>
                 <a:ext uri="{91240B29-F687-4f45-9708-019B960494DF}">
-                  <a14:hiddenLine xmlns="" xmlns:a14="http://schemas.microsoft.com/office/drawing/2010/main" w="9525">
+                  <a14:hiddenLine xmlns:a14="http://schemas.microsoft.com/office/drawing/2010/main" xmlns="" w="9525">
                     <a:solidFill>
                       <a:srgbClr val="000000"/>
                     </a:solidFill>
@@ -12858,7 +12858,7 @@
               </a:ln>
               <a:extLst>
                 <a:ext uri="{91240B29-F687-4f45-9708-019B960494DF}">
-                  <a14:hiddenLine xmlns="" xmlns:a14="http://schemas.microsoft.com/office/drawing/2010/main" w="9525">
+                  <a14:hiddenLine xmlns:a14="http://schemas.microsoft.com/office/drawing/2010/main" xmlns="" w="9525">
                     <a:solidFill>
                       <a:srgbClr val="000000"/>
                     </a:solidFill>
@@ -12948,7 +12948,7 @@
               </a:ln>
               <a:extLst>
                 <a:ext uri="{91240B29-F687-4f45-9708-019B960494DF}">
-                  <a14:hiddenLine xmlns="" xmlns:a14="http://schemas.microsoft.com/office/drawing/2010/main" w="9525">
+                  <a14:hiddenLine xmlns:a14="http://schemas.microsoft.com/office/drawing/2010/main" xmlns="" w="9525">
                     <a:solidFill>
                       <a:srgbClr val="000000"/>
                     </a:solidFill>
@@ -13038,7 +13038,7 @@
               </a:ln>
               <a:extLst>
                 <a:ext uri="{91240B29-F687-4f45-9708-019B960494DF}">
-                  <a14:hiddenLine xmlns="" xmlns:a14="http://schemas.microsoft.com/office/drawing/2010/main" w="9525">
+                  <a14:hiddenLine xmlns:a14="http://schemas.microsoft.com/office/drawing/2010/main" xmlns="" w="9525">
                     <a:solidFill>
                       <a:srgbClr val="000000"/>
                     </a:solidFill>
@@ -13103,7 +13103,7 @@
               </a:ln>
               <a:extLst>
                 <a:ext uri="{91240B29-F687-4f45-9708-019B960494DF}">
-                  <a14:hiddenLine xmlns="" xmlns:a14="http://schemas.microsoft.com/office/drawing/2010/main" w="9525">
+                  <a14:hiddenLine xmlns:a14="http://schemas.microsoft.com/office/drawing/2010/main" xmlns="" w="9525">
                     <a:solidFill>
                       <a:srgbClr val="000000"/>
                     </a:solidFill>
@@ -13223,7 +13223,7 @@
               </a:ln>
               <a:extLst>
                 <a:ext uri="{91240B29-F687-4f45-9708-019B960494DF}">
-                  <a14:hiddenLine xmlns="" xmlns:a14="http://schemas.microsoft.com/office/drawing/2010/main" w="9525">
+                  <a14:hiddenLine xmlns:a14="http://schemas.microsoft.com/office/drawing/2010/main" xmlns="" w="9525">
                     <a:solidFill>
                       <a:srgbClr val="000000"/>
                     </a:solidFill>
@@ -13321,7 +13321,7 @@
               </a:ln>
               <a:extLst>
                 <a:ext uri="{91240B29-F687-4f45-9708-019B960494DF}">
-                  <a14:hiddenLine xmlns="" xmlns:a14="http://schemas.microsoft.com/office/drawing/2010/main" w="9525">
+                  <a14:hiddenLine xmlns:a14="http://schemas.microsoft.com/office/drawing/2010/main" xmlns="" w="9525">
                     <a:solidFill>
                       <a:srgbClr val="000000"/>
                     </a:solidFill>
@@ -13436,7 +13436,7 @@
               </a:ln>
               <a:extLst>
                 <a:ext uri="{91240B29-F687-4f45-9708-019B960494DF}">
-                  <a14:hiddenLine xmlns="" xmlns:a14="http://schemas.microsoft.com/office/drawing/2010/main" w="9525">
+                  <a14:hiddenLine xmlns:a14="http://schemas.microsoft.com/office/drawing/2010/main" xmlns="" w="9525">
                     <a:solidFill>
                       <a:srgbClr val="000000"/>
                     </a:solidFill>
@@ -13526,7 +13526,7 @@
               </a:ln>
               <a:extLst>
                 <a:ext uri="{91240B29-F687-4f45-9708-019B960494DF}">
-                  <a14:hiddenLine xmlns="" xmlns:a14="http://schemas.microsoft.com/office/drawing/2010/main" w="9525">
+                  <a14:hiddenLine xmlns:a14="http://schemas.microsoft.com/office/drawing/2010/main" xmlns="" w="9525">
                     <a:solidFill>
                       <a:srgbClr val="000000"/>
                     </a:solidFill>
@@ -13591,7 +13591,7 @@
               </a:ln>
               <a:extLst>
                 <a:ext uri="{91240B29-F687-4f45-9708-019B960494DF}">
-                  <a14:hiddenLine xmlns="" xmlns:a14="http://schemas.microsoft.com/office/drawing/2010/main" w="9525">
+                  <a14:hiddenLine xmlns:a14="http://schemas.microsoft.com/office/drawing/2010/main" xmlns="" w="9525">
                     <a:solidFill>
                       <a:srgbClr val="000000"/>
                     </a:solidFill>
@@ -13681,7 +13681,7 @@
               </a:ln>
               <a:extLst>
                 <a:ext uri="{91240B29-F687-4f45-9708-019B960494DF}">
-                  <a14:hiddenLine xmlns="" xmlns:a14="http://schemas.microsoft.com/office/drawing/2010/main" w="9525">
+                  <a14:hiddenLine xmlns:a14="http://schemas.microsoft.com/office/drawing/2010/main" xmlns="" w="9525">
                     <a:solidFill>
                       <a:srgbClr val="000000"/>
                     </a:solidFill>
@@ -13749,7 +13749,7 @@
               </a:ln>
               <a:extLst>
                 <a:ext uri="{91240B29-F687-4f45-9708-019B960494DF}">
-                  <a14:hiddenLine xmlns="" xmlns:a14="http://schemas.microsoft.com/office/drawing/2010/main" w="9525">
+                  <a14:hiddenLine xmlns:a14="http://schemas.microsoft.com/office/drawing/2010/main" xmlns="" w="9525">
                     <a:solidFill>
                       <a:srgbClr val="000000"/>
                     </a:solidFill>
@@ -13839,7 +13839,7 @@
               </a:ln>
               <a:extLst>
                 <a:ext uri="{91240B29-F687-4f45-9708-019B960494DF}">
-                  <a14:hiddenLine xmlns="" xmlns:a14="http://schemas.microsoft.com/office/drawing/2010/main" w="9525">
+                  <a14:hiddenLine xmlns:a14="http://schemas.microsoft.com/office/drawing/2010/main" xmlns="" w="9525">
                     <a:solidFill>
                       <a:srgbClr val="000000"/>
                     </a:solidFill>
@@ -13907,7 +13907,7 @@
               </a:ln>
               <a:extLst>
                 <a:ext uri="{91240B29-F687-4f45-9708-019B960494DF}">
-                  <a14:hiddenLine xmlns="" xmlns:a14="http://schemas.microsoft.com/office/drawing/2010/main" w="9525">
+                  <a14:hiddenLine xmlns:a14="http://schemas.microsoft.com/office/drawing/2010/main" xmlns="" w="9525">
                     <a:solidFill>
                       <a:srgbClr val="000000"/>
                     </a:solidFill>
@@ -13997,7 +13997,7 @@
               </a:ln>
               <a:extLst>
                 <a:ext uri="{91240B29-F687-4f45-9708-019B960494DF}">
-                  <a14:hiddenLine xmlns="" xmlns:a14="http://schemas.microsoft.com/office/drawing/2010/main" w="9525">
+                  <a14:hiddenLine xmlns:a14="http://schemas.microsoft.com/office/drawing/2010/main" xmlns="" w="9525">
                     <a:solidFill>
                       <a:srgbClr val="000000"/>
                     </a:solidFill>
@@ -14031,7 +14031,7 @@
               </a:ln>
               <a:extLst>
                 <a:ext uri="{91240B29-F687-4f45-9708-019B960494DF}">
-                  <a14:hiddenLine xmlns="" xmlns:a14="http://schemas.microsoft.com/office/drawing/2010/main" w="9525">
+                  <a14:hiddenLine xmlns:a14="http://schemas.microsoft.com/office/drawing/2010/main" xmlns="" w="9525">
                     <a:solidFill>
                       <a:srgbClr val="000000"/>
                     </a:solidFill>
@@ -14172,7 +14172,7 @@
             <a:fld id="{48A87A34-81AB-432B-8DAE-1953F412C126}" type="datetimeFigureOut">
               <a:rPr lang="en-US" dirty="0"/>
               <a:pPr/>
-              <a:t>12/5/2018</a:t>
+              <a:t>12/6/2018</a:t>
             </a:fld>
             <a:endParaRPr lang="en-US" dirty="0"/>
           </a:p>
@@ -19901,7 +19901,7 @@
         <p:spPr>
           <a:xfrm>
             <a:off x="5556740" y="1846385"/>
-            <a:ext cx="4655402" cy="2308324"/>
+            <a:ext cx="4655402" cy="2585323"/>
           </a:xfrm>
           <a:prstGeom prst="rect">
             <a:avLst/>
@@ -19952,6 +19952,10 @@
               <a:rPr lang="en-US" dirty="0"/>
               <a:t>Aluminum foil</a:t>
             </a:r>
+          </a:p>
+          <a:p>
+            <a:pPr lvl="1"/>
+            <a:endParaRPr lang="en-US" dirty="0"/>
           </a:p>
           <a:p>
             <a:pPr marL="285750" indent="-285750">
@@ -20760,7 +20764,7 @@
           </a:prstGeom>
           <a:extLst>
             <a:ext uri="{909E8E84-426E-40dd-AFC4-6F175D3DCCD1}">
-              <a14:hiddenFill xmlns="" xmlns:a16="http://schemas.microsoft.com/office/drawing/2014/main" xmlns:p14="http://schemas.microsoft.com/office/powerpoint/2010/main" xmlns:a14="http://schemas.microsoft.com/office/drawing/2010/main">
+              <a14:hiddenFill xmlns:a14="http://schemas.microsoft.com/office/drawing/2010/main" xmlns:p14="http://schemas.microsoft.com/office/powerpoint/2010/main" xmlns:a16="http://schemas.microsoft.com/office/drawing/2014/main" xmlns="">
                 <a:solidFill>
                   <a:srgbClr val="FFFFFF"/>
                 </a:solidFill>
@@ -20884,7 +20888,7 @@
           <a:noFill/>
           <a:extLst>
             <a:ext uri="{909E8E84-426E-40dd-AFC4-6F175D3DCCD1}">
-              <a14:hiddenFill xmlns="" xmlns:a16="http://schemas.microsoft.com/office/drawing/2014/main" xmlns:p14="http://schemas.microsoft.com/office/powerpoint/2010/main" xmlns:a14="http://schemas.microsoft.com/office/drawing/2010/main">
+              <a14:hiddenFill xmlns:a14="http://schemas.microsoft.com/office/drawing/2010/main" xmlns:p14="http://schemas.microsoft.com/office/powerpoint/2010/main" xmlns:a16="http://schemas.microsoft.com/office/drawing/2014/main" xmlns="">
                 <a:solidFill>
                   <a:srgbClr val="FFFFFF"/>
                 </a:solidFill>
@@ -21122,7 +21126,7 @@
             </a:ln>
             <a:extLst>
               <a:ext uri="{91240B29-F687-4f45-9708-019B960494DF}">
-                <a14:hiddenLine xmlns="" xmlns:a16="http://schemas.microsoft.com/office/drawing/2014/main" xmlns:p14="http://schemas.microsoft.com/office/powerpoint/2010/main" xmlns:a14="http://schemas.microsoft.com/office/drawing/2010/main" w="9525">
+                <a14:hiddenLine xmlns:a14="http://schemas.microsoft.com/office/drawing/2010/main" xmlns:p14="http://schemas.microsoft.com/office/powerpoint/2010/main" xmlns:a16="http://schemas.microsoft.com/office/drawing/2014/main" xmlns="" w="9525">
                   <a:solidFill>
                     <a:srgbClr val="000000"/>
                   </a:solidFill>
@@ -21227,7 +21231,7 @@
             </a:ln>
             <a:extLst>
               <a:ext uri="{91240B29-F687-4f45-9708-019B960494DF}">
-                <a14:hiddenLine xmlns="" xmlns:a16="http://schemas.microsoft.com/office/drawing/2014/main" xmlns:p14="http://schemas.microsoft.com/office/powerpoint/2010/main" xmlns:a14="http://schemas.microsoft.com/office/drawing/2010/main" w="9525">
+                <a14:hiddenLine xmlns:a14="http://schemas.microsoft.com/office/drawing/2010/main" xmlns:p14="http://schemas.microsoft.com/office/powerpoint/2010/main" xmlns:a16="http://schemas.microsoft.com/office/drawing/2014/main" xmlns="" w="9525">
                   <a:solidFill>
                     <a:srgbClr val="000000"/>
                   </a:solidFill>
@@ -21332,7 +21336,7 @@
             </a:ln>
             <a:extLst>
               <a:ext uri="{91240B29-F687-4f45-9708-019B960494DF}">
-                <a14:hiddenLine xmlns="" xmlns:a16="http://schemas.microsoft.com/office/drawing/2014/main" xmlns:p14="http://schemas.microsoft.com/office/powerpoint/2010/main" xmlns:a14="http://schemas.microsoft.com/office/drawing/2010/main" w="9525">
+                <a14:hiddenLine xmlns:a14="http://schemas.microsoft.com/office/drawing/2010/main" xmlns:p14="http://schemas.microsoft.com/office/powerpoint/2010/main" xmlns:a16="http://schemas.microsoft.com/office/drawing/2014/main" xmlns="" w="9525">
                   <a:solidFill>
                     <a:srgbClr val="000000"/>
                   </a:solidFill>
@@ -21409,7 +21413,7 @@
             </a:ln>
             <a:extLst>
               <a:ext uri="{91240B29-F687-4f45-9708-019B960494DF}">
-                <a14:hiddenLine xmlns="" xmlns:a16="http://schemas.microsoft.com/office/drawing/2014/main" xmlns:p14="http://schemas.microsoft.com/office/powerpoint/2010/main" xmlns:a14="http://schemas.microsoft.com/office/drawing/2010/main" w="9525">
+                <a14:hiddenLine xmlns:a14="http://schemas.microsoft.com/office/drawing/2010/main" xmlns:p14="http://schemas.microsoft.com/office/powerpoint/2010/main" xmlns:a16="http://schemas.microsoft.com/office/drawing/2014/main" xmlns="" w="9525">
                   <a:solidFill>
                     <a:srgbClr val="000000"/>
                   </a:solidFill>
@@ -21514,7 +21518,7 @@
             </a:ln>
             <a:extLst>
               <a:ext uri="{91240B29-F687-4f45-9708-019B960494DF}">
-                <a14:hiddenLine xmlns="" xmlns:a16="http://schemas.microsoft.com/office/drawing/2014/main" xmlns:p14="http://schemas.microsoft.com/office/powerpoint/2010/main" xmlns:a14="http://schemas.microsoft.com/office/drawing/2010/main" w="9525">
+                <a14:hiddenLine xmlns:a14="http://schemas.microsoft.com/office/drawing/2010/main" xmlns:p14="http://schemas.microsoft.com/office/powerpoint/2010/main" xmlns:a16="http://schemas.microsoft.com/office/drawing/2014/main" xmlns="" w="9525">
                   <a:solidFill>
                     <a:srgbClr val="000000"/>
                   </a:solidFill>
@@ -21591,7 +21595,7 @@
             </a:ln>
             <a:extLst>
               <a:ext uri="{91240B29-F687-4f45-9708-019B960494DF}">
-                <a14:hiddenLine xmlns="" xmlns:a16="http://schemas.microsoft.com/office/drawing/2014/main" xmlns:p14="http://schemas.microsoft.com/office/powerpoint/2010/main" xmlns:a14="http://schemas.microsoft.com/office/drawing/2010/main" w="9525">
+                <a14:hiddenLine xmlns:a14="http://schemas.microsoft.com/office/drawing/2010/main" xmlns:p14="http://schemas.microsoft.com/office/powerpoint/2010/main" xmlns:a16="http://schemas.microsoft.com/office/drawing/2014/main" xmlns="" w="9525">
                   <a:solidFill>
                     <a:srgbClr val="000000"/>
                   </a:solidFill>
@@ -21668,7 +21672,7 @@
             </a:ln>
             <a:extLst>
               <a:ext uri="{91240B29-F687-4f45-9708-019B960494DF}">
-                <a14:hiddenLine xmlns="" xmlns:a16="http://schemas.microsoft.com/office/drawing/2014/main" xmlns:p14="http://schemas.microsoft.com/office/powerpoint/2010/main" xmlns:a14="http://schemas.microsoft.com/office/drawing/2010/main" w="9525">
+                <a14:hiddenLine xmlns:a14="http://schemas.microsoft.com/office/drawing/2010/main" xmlns:p14="http://schemas.microsoft.com/office/powerpoint/2010/main" xmlns:a16="http://schemas.microsoft.com/office/drawing/2014/main" xmlns="" w="9525">
                   <a:solidFill>
                     <a:srgbClr val="000000"/>
                   </a:solidFill>
@@ -21773,7 +21777,7 @@
             </a:ln>
             <a:extLst>
               <a:ext uri="{91240B29-F687-4f45-9708-019B960494DF}">
-                <a14:hiddenLine xmlns="" xmlns:a16="http://schemas.microsoft.com/office/drawing/2014/main" xmlns:p14="http://schemas.microsoft.com/office/powerpoint/2010/main" xmlns:a14="http://schemas.microsoft.com/office/drawing/2010/main" w="9525">
+                <a14:hiddenLine xmlns:a14="http://schemas.microsoft.com/office/drawing/2010/main" xmlns:p14="http://schemas.microsoft.com/office/powerpoint/2010/main" xmlns:a16="http://schemas.microsoft.com/office/drawing/2014/main" xmlns="" w="9525">
                   <a:solidFill>
                     <a:srgbClr val="000000"/>
                   </a:solidFill>
@@ -21878,7 +21882,7 @@
             </a:ln>
             <a:extLst>
               <a:ext uri="{91240B29-F687-4f45-9708-019B960494DF}">
-                <a14:hiddenLine xmlns="" xmlns:a16="http://schemas.microsoft.com/office/drawing/2014/main" xmlns:p14="http://schemas.microsoft.com/office/powerpoint/2010/main" xmlns:a14="http://schemas.microsoft.com/office/drawing/2010/main" w="9525">
+                <a14:hiddenLine xmlns:a14="http://schemas.microsoft.com/office/drawing/2010/main" xmlns:p14="http://schemas.microsoft.com/office/powerpoint/2010/main" xmlns:a16="http://schemas.microsoft.com/office/drawing/2014/main" xmlns="" w="9525">
                   <a:solidFill>
                     <a:srgbClr val="000000"/>
                   </a:solidFill>
@@ -21955,7 +21959,7 @@
             </a:ln>
             <a:extLst>
               <a:ext uri="{91240B29-F687-4f45-9708-019B960494DF}">
-                <a14:hiddenLine xmlns="" xmlns:a16="http://schemas.microsoft.com/office/drawing/2014/main" xmlns:p14="http://schemas.microsoft.com/office/powerpoint/2010/main" xmlns:a14="http://schemas.microsoft.com/office/drawing/2010/main" w="9525">
+                <a14:hiddenLine xmlns:a14="http://schemas.microsoft.com/office/drawing/2010/main" xmlns:p14="http://schemas.microsoft.com/office/powerpoint/2010/main" xmlns:a16="http://schemas.microsoft.com/office/drawing/2014/main" xmlns="" w="9525">
                   <a:solidFill>
                     <a:srgbClr val="000000"/>
                   </a:solidFill>
@@ -22080,7 +22084,7 @@
             </a:ln>
             <a:extLst>
               <a:ext uri="{91240B29-F687-4f45-9708-019B960494DF}">
-                <a14:hiddenLine xmlns="" xmlns:a16="http://schemas.microsoft.com/office/drawing/2014/main" xmlns:p14="http://schemas.microsoft.com/office/powerpoint/2010/main" xmlns:a14="http://schemas.microsoft.com/office/drawing/2010/main" w="9525">
+                <a14:hiddenLine xmlns:a14="http://schemas.microsoft.com/office/drawing/2010/main" xmlns:p14="http://schemas.microsoft.com/office/powerpoint/2010/main" xmlns:a16="http://schemas.microsoft.com/office/drawing/2014/main" xmlns="" w="9525">
                   <a:solidFill>
                     <a:srgbClr val="000000"/>
                   </a:solidFill>
@@ -22194,7 +22198,7 @@
             </a:ln>
             <a:extLst>
               <a:ext uri="{91240B29-F687-4f45-9708-019B960494DF}">
-                <a14:hiddenLine xmlns="" xmlns:a16="http://schemas.microsoft.com/office/drawing/2014/main" xmlns:p14="http://schemas.microsoft.com/office/powerpoint/2010/main" xmlns:a14="http://schemas.microsoft.com/office/drawing/2010/main" w="9525">
+                <a14:hiddenLine xmlns:a14="http://schemas.microsoft.com/office/drawing/2010/main" xmlns:p14="http://schemas.microsoft.com/office/powerpoint/2010/main" xmlns:a16="http://schemas.microsoft.com/office/drawing/2014/main" xmlns="" w="9525">
                   <a:solidFill>
                     <a:srgbClr val="000000"/>
                   </a:solidFill>
@@ -22271,7 +22275,7 @@
             </a:ln>
             <a:extLst>
               <a:ext uri="{91240B29-F687-4f45-9708-019B960494DF}">
-                <a14:hiddenLine xmlns="" xmlns:a16="http://schemas.microsoft.com/office/drawing/2014/main" xmlns:p14="http://schemas.microsoft.com/office/powerpoint/2010/main" xmlns:a14="http://schemas.microsoft.com/office/drawing/2010/main" w="9525">
+                <a14:hiddenLine xmlns:a14="http://schemas.microsoft.com/office/drawing/2010/main" xmlns:p14="http://schemas.microsoft.com/office/powerpoint/2010/main" xmlns:a16="http://schemas.microsoft.com/office/drawing/2014/main" xmlns="" w="9525">
                   <a:solidFill>
                     <a:srgbClr val="000000"/>
                   </a:solidFill>
@@ -22348,7 +22352,7 @@
             </a:ln>
             <a:extLst>
               <a:ext uri="{91240B29-F687-4f45-9708-019B960494DF}">
-                <a14:hiddenLine xmlns="" xmlns:a16="http://schemas.microsoft.com/office/drawing/2014/main" xmlns:p14="http://schemas.microsoft.com/office/powerpoint/2010/main" xmlns:a14="http://schemas.microsoft.com/office/drawing/2010/main" w="9525">
+                <a14:hiddenLine xmlns:a14="http://schemas.microsoft.com/office/drawing/2010/main" xmlns:p14="http://schemas.microsoft.com/office/powerpoint/2010/main" xmlns:a16="http://schemas.microsoft.com/office/drawing/2014/main" xmlns="" w="9525">
                   <a:solidFill>
                     <a:srgbClr val="000000"/>
                   </a:solidFill>
@@ -22453,7 +22457,7 @@
             </a:ln>
             <a:extLst>
               <a:ext uri="{91240B29-F687-4f45-9708-019B960494DF}">
-                <a14:hiddenLine xmlns="" xmlns:a16="http://schemas.microsoft.com/office/drawing/2014/main" xmlns:p14="http://schemas.microsoft.com/office/powerpoint/2010/main" xmlns:a14="http://schemas.microsoft.com/office/drawing/2010/main" w="9525">
+                <a14:hiddenLine xmlns:a14="http://schemas.microsoft.com/office/drawing/2010/main" xmlns:p14="http://schemas.microsoft.com/office/powerpoint/2010/main" xmlns:a16="http://schemas.microsoft.com/office/drawing/2014/main" xmlns="" w="9525">
                   <a:solidFill>
                     <a:srgbClr val="000000"/>
                   </a:solidFill>
@@ -22502,7 +22506,7 @@
             </a:ln>
             <a:extLst>
               <a:ext uri="{91240B29-F687-4f45-9708-019B960494DF}">
-                <a14:hiddenLine xmlns="" xmlns:a16="http://schemas.microsoft.com/office/drawing/2014/main" xmlns:p14="http://schemas.microsoft.com/office/powerpoint/2010/main" xmlns:a14="http://schemas.microsoft.com/office/drawing/2010/main" w="9525">
+                <a14:hiddenLine xmlns:a14="http://schemas.microsoft.com/office/drawing/2010/main" xmlns:p14="http://schemas.microsoft.com/office/powerpoint/2010/main" xmlns:a16="http://schemas.microsoft.com/office/drawing/2014/main" xmlns="" w="9525">
                   <a:solidFill>
                     <a:srgbClr val="000000"/>
                   </a:solidFill>
@@ -22582,7 +22586,7 @@
             </a:ln>
             <a:extLst>
               <a:ext uri="{91240B29-F687-4f45-9708-019B960494DF}">
-                <a14:hiddenLine xmlns="" xmlns:a16="http://schemas.microsoft.com/office/drawing/2014/main" xmlns:p14="http://schemas.microsoft.com/office/powerpoint/2010/main" xmlns:a14="http://schemas.microsoft.com/office/drawing/2010/main" w="9525">
+                <a14:hiddenLine xmlns:a14="http://schemas.microsoft.com/office/drawing/2010/main" xmlns:p14="http://schemas.microsoft.com/office/powerpoint/2010/main" xmlns:a16="http://schemas.microsoft.com/office/drawing/2014/main" xmlns="" w="9525">
                   <a:solidFill>
                     <a:srgbClr val="000000"/>
                   </a:solidFill>
@@ -22687,7 +22691,7 @@
             </a:ln>
             <a:extLst>
               <a:ext uri="{91240B29-F687-4f45-9708-019B960494DF}">
-                <a14:hiddenLine xmlns="" xmlns:a16="http://schemas.microsoft.com/office/drawing/2014/main" xmlns:p14="http://schemas.microsoft.com/office/powerpoint/2010/main" xmlns:a14="http://schemas.microsoft.com/office/drawing/2010/main" w="9525">
+                <a14:hiddenLine xmlns:a14="http://schemas.microsoft.com/office/drawing/2010/main" xmlns:p14="http://schemas.microsoft.com/office/powerpoint/2010/main" xmlns:a16="http://schemas.microsoft.com/office/drawing/2014/main" xmlns="" w="9525">
                   <a:solidFill>
                     <a:srgbClr val="000000"/>
                   </a:solidFill>
@@ -22764,7 +22768,7 @@
             </a:ln>
             <a:extLst>
               <a:ext uri="{91240B29-F687-4f45-9708-019B960494DF}">
-                <a14:hiddenLine xmlns="" xmlns:a16="http://schemas.microsoft.com/office/drawing/2014/main" xmlns:p14="http://schemas.microsoft.com/office/powerpoint/2010/main" xmlns:a14="http://schemas.microsoft.com/office/drawing/2010/main" w="9525">
+                <a14:hiddenLine xmlns:a14="http://schemas.microsoft.com/office/drawing/2010/main" xmlns:p14="http://schemas.microsoft.com/office/powerpoint/2010/main" xmlns:a16="http://schemas.microsoft.com/office/drawing/2014/main" xmlns="" w="9525">
                   <a:solidFill>
                     <a:srgbClr val="000000"/>
                   </a:solidFill>
@@ -22869,7 +22873,7 @@
             </a:ln>
             <a:extLst>
               <a:ext uri="{91240B29-F687-4f45-9708-019B960494DF}">
-                <a14:hiddenLine xmlns="" xmlns:a16="http://schemas.microsoft.com/office/drawing/2014/main" xmlns:p14="http://schemas.microsoft.com/office/powerpoint/2010/main" xmlns:a14="http://schemas.microsoft.com/office/drawing/2010/main" w="9525">
+                <a14:hiddenLine xmlns:a14="http://schemas.microsoft.com/office/drawing/2010/main" xmlns:p14="http://schemas.microsoft.com/office/powerpoint/2010/main" xmlns:a16="http://schemas.microsoft.com/office/drawing/2014/main" xmlns="" w="9525">
                   <a:solidFill>
                     <a:srgbClr val="000000"/>
                   </a:solidFill>
@@ -22949,7 +22953,7 @@
             </a:ln>
             <a:extLst>
               <a:ext uri="{91240B29-F687-4f45-9708-019B960494DF}">
-                <a14:hiddenLine xmlns="" xmlns:a16="http://schemas.microsoft.com/office/drawing/2014/main" xmlns:p14="http://schemas.microsoft.com/office/powerpoint/2010/main" xmlns:a14="http://schemas.microsoft.com/office/drawing/2010/main" w="9525">
+                <a14:hiddenLine xmlns:a14="http://schemas.microsoft.com/office/drawing/2010/main" xmlns:p14="http://schemas.microsoft.com/office/powerpoint/2010/main" xmlns:a16="http://schemas.microsoft.com/office/drawing/2014/main" xmlns="" w="9525">
                   <a:solidFill>
                     <a:srgbClr val="000000"/>
                   </a:solidFill>
@@ -23026,7 +23030,7 @@
             </a:ln>
             <a:extLst>
               <a:ext uri="{91240B29-F687-4f45-9708-019B960494DF}">
-                <a14:hiddenLine xmlns="" xmlns:a16="http://schemas.microsoft.com/office/drawing/2014/main" xmlns:p14="http://schemas.microsoft.com/office/powerpoint/2010/main" xmlns:a14="http://schemas.microsoft.com/office/drawing/2010/main" w="9525">
+                <a14:hiddenLine xmlns:a14="http://schemas.microsoft.com/office/drawing/2010/main" xmlns:p14="http://schemas.microsoft.com/office/powerpoint/2010/main" xmlns:a16="http://schemas.microsoft.com/office/drawing/2014/main" xmlns="" w="9525">
                   <a:solidFill>
                     <a:srgbClr val="000000"/>
                   </a:solidFill>
@@ -23131,7 +23135,7 @@
             </a:ln>
             <a:extLst>
               <a:ext uri="{91240B29-F687-4f45-9708-019B960494DF}">
-                <a14:hiddenLine xmlns="" xmlns:a16="http://schemas.microsoft.com/office/drawing/2014/main" xmlns:p14="http://schemas.microsoft.com/office/powerpoint/2010/main" xmlns:a14="http://schemas.microsoft.com/office/drawing/2010/main" w="9525">
+                <a14:hiddenLine xmlns:a14="http://schemas.microsoft.com/office/drawing/2010/main" xmlns:p14="http://schemas.microsoft.com/office/powerpoint/2010/main" xmlns:a16="http://schemas.microsoft.com/office/drawing/2014/main" xmlns="" w="9525">
                   <a:solidFill>
                     <a:srgbClr val="000000"/>
                   </a:solidFill>
@@ -23236,7 +23240,7 @@
             </a:ln>
             <a:extLst>
               <a:ext uri="{91240B29-F687-4f45-9708-019B960494DF}">
-                <a14:hiddenLine xmlns="" xmlns:a16="http://schemas.microsoft.com/office/drawing/2014/main" xmlns:p14="http://schemas.microsoft.com/office/powerpoint/2010/main" xmlns:a14="http://schemas.microsoft.com/office/drawing/2010/main" w="9525">
+                <a14:hiddenLine xmlns:a14="http://schemas.microsoft.com/office/drawing/2010/main" xmlns:p14="http://schemas.microsoft.com/office/powerpoint/2010/main" xmlns:a16="http://schemas.microsoft.com/office/drawing/2014/main" xmlns="" w="9525">
                   <a:solidFill>
                     <a:srgbClr val="000000"/>
                   </a:solidFill>
@@ -23316,7 +23320,7 @@
             </a:ln>
             <a:extLst>
               <a:ext uri="{91240B29-F687-4f45-9708-019B960494DF}">
-                <a14:hiddenLine xmlns="" xmlns:a16="http://schemas.microsoft.com/office/drawing/2014/main" xmlns:p14="http://schemas.microsoft.com/office/powerpoint/2010/main" xmlns:a14="http://schemas.microsoft.com/office/drawing/2010/main" w="9525">
+                <a14:hiddenLine xmlns:a14="http://schemas.microsoft.com/office/drawing/2010/main" xmlns:p14="http://schemas.microsoft.com/office/powerpoint/2010/main" xmlns:a16="http://schemas.microsoft.com/office/drawing/2014/main" xmlns="" w="9525">
                   <a:solidFill>
                     <a:srgbClr val="000000"/>
                   </a:solidFill>
@@ -23451,7 +23455,7 @@
             </a:ln>
             <a:extLst>
               <a:ext uri="{91240B29-F687-4f45-9708-019B960494DF}">
-                <a14:hiddenLine xmlns="" xmlns:a16="http://schemas.microsoft.com/office/drawing/2014/main" xmlns:p14="http://schemas.microsoft.com/office/powerpoint/2010/main" xmlns:a14="http://schemas.microsoft.com/office/drawing/2010/main" w="9525">
+                <a14:hiddenLine xmlns:a14="http://schemas.microsoft.com/office/drawing/2010/main" xmlns:p14="http://schemas.microsoft.com/office/powerpoint/2010/main" xmlns:a16="http://schemas.microsoft.com/office/drawing/2014/main" xmlns="" w="9525">
                   <a:solidFill>
                     <a:srgbClr val="000000"/>
                   </a:solidFill>
@@ -23642,7 +23646,7 @@
           </a:prstGeom>
           <a:extLst>
             <a:ext uri="{909E8E84-426E-40dd-AFC4-6F175D3DCCD1}">
-              <a14:hiddenFill xmlns="" xmlns:a16="http://schemas.microsoft.com/office/drawing/2014/main" xmlns:p14="http://schemas.microsoft.com/office/powerpoint/2010/main" xmlns:a14="http://schemas.microsoft.com/office/drawing/2010/main">
+              <a14:hiddenFill xmlns:a14="http://schemas.microsoft.com/office/drawing/2010/main" xmlns:p14="http://schemas.microsoft.com/office/powerpoint/2010/main" xmlns:a16="http://schemas.microsoft.com/office/drawing/2014/main" xmlns="">
                 <a:solidFill>
                   <a:srgbClr val="FFFFFF"/>
                 </a:solidFill>
@@ -23766,7 +23770,7 @@
           <a:noFill/>
           <a:extLst>
             <a:ext uri="{909E8E84-426E-40dd-AFC4-6F175D3DCCD1}">
-              <a14:hiddenFill xmlns="" xmlns:a16="http://schemas.microsoft.com/office/drawing/2014/main" xmlns:p14="http://schemas.microsoft.com/office/powerpoint/2010/main" xmlns:a14="http://schemas.microsoft.com/office/drawing/2010/main">
+              <a14:hiddenFill xmlns:a14="http://schemas.microsoft.com/office/drawing/2010/main" xmlns:p14="http://schemas.microsoft.com/office/powerpoint/2010/main" xmlns:a16="http://schemas.microsoft.com/office/drawing/2014/main" xmlns="">
                 <a:solidFill>
                   <a:srgbClr val="FFFFFF"/>
                 </a:solidFill>
@@ -23995,7 +23999,7 @@
             </a:ln>
             <a:extLst>
               <a:ext uri="{91240B29-F687-4f45-9708-019B960494DF}">
-                <a14:hiddenLine xmlns="" xmlns:a16="http://schemas.microsoft.com/office/drawing/2014/main" xmlns:p14="http://schemas.microsoft.com/office/powerpoint/2010/main" xmlns:a14="http://schemas.microsoft.com/office/drawing/2010/main" w="9525">
+                <a14:hiddenLine xmlns:a14="http://schemas.microsoft.com/office/drawing/2010/main" xmlns:p14="http://schemas.microsoft.com/office/powerpoint/2010/main" xmlns:a16="http://schemas.microsoft.com/office/drawing/2014/main" xmlns="" w="9525">
                   <a:solidFill>
                     <a:srgbClr val="000000"/>
                   </a:solidFill>
@@ -24100,7 +24104,7 @@
             </a:ln>
             <a:extLst>
               <a:ext uri="{91240B29-F687-4f45-9708-019B960494DF}">
-                <a14:hiddenLine xmlns="" xmlns:a16="http://schemas.microsoft.com/office/drawing/2014/main" xmlns:p14="http://schemas.microsoft.com/office/powerpoint/2010/main" xmlns:a14="http://schemas.microsoft.com/office/drawing/2010/main" w="9525">
+                <a14:hiddenLine xmlns:a14="http://schemas.microsoft.com/office/drawing/2010/main" xmlns:p14="http://schemas.microsoft.com/office/powerpoint/2010/main" xmlns:a16="http://schemas.microsoft.com/office/drawing/2014/main" xmlns="" w="9525">
                   <a:solidFill>
                     <a:srgbClr val="000000"/>
                   </a:solidFill>
@@ -24205,7 +24209,7 @@
             </a:ln>
             <a:extLst>
               <a:ext uri="{91240B29-F687-4f45-9708-019B960494DF}">
-                <a14:hiddenLine xmlns="" xmlns:a16="http://schemas.microsoft.com/office/drawing/2014/main" xmlns:p14="http://schemas.microsoft.com/office/powerpoint/2010/main" xmlns:a14="http://schemas.microsoft.com/office/drawing/2010/main" w="9525">
+                <a14:hiddenLine xmlns:a14="http://schemas.microsoft.com/office/drawing/2010/main" xmlns:p14="http://schemas.microsoft.com/office/powerpoint/2010/main" xmlns:a16="http://schemas.microsoft.com/office/drawing/2014/main" xmlns="" w="9525">
                   <a:solidFill>
                     <a:srgbClr val="000000"/>
                   </a:solidFill>
@@ -24282,7 +24286,7 @@
             </a:ln>
             <a:extLst>
               <a:ext uri="{91240B29-F687-4f45-9708-019B960494DF}">
-                <a14:hiddenLine xmlns="" xmlns:a16="http://schemas.microsoft.com/office/drawing/2014/main" xmlns:p14="http://schemas.microsoft.com/office/powerpoint/2010/main" xmlns:a14="http://schemas.microsoft.com/office/drawing/2010/main" w="9525">
+                <a14:hiddenLine xmlns:a14="http://schemas.microsoft.com/office/drawing/2010/main" xmlns:p14="http://schemas.microsoft.com/office/powerpoint/2010/main" xmlns:a16="http://schemas.microsoft.com/office/drawing/2014/main" xmlns="" w="9525">
                   <a:solidFill>
                     <a:srgbClr val="000000"/>
                   </a:solidFill>
@@ -24387,7 +24391,7 @@
             </a:ln>
             <a:extLst>
               <a:ext uri="{91240B29-F687-4f45-9708-019B960494DF}">
-                <a14:hiddenLine xmlns="" xmlns:a16="http://schemas.microsoft.com/office/drawing/2014/main" xmlns:p14="http://schemas.microsoft.com/office/powerpoint/2010/main" xmlns:a14="http://schemas.microsoft.com/office/drawing/2010/main" w="9525">
+                <a14:hiddenLine xmlns:a14="http://schemas.microsoft.com/office/drawing/2010/main" xmlns:p14="http://schemas.microsoft.com/office/powerpoint/2010/main" xmlns:a16="http://schemas.microsoft.com/office/drawing/2014/main" xmlns="" w="9525">
                   <a:solidFill>
                     <a:srgbClr val="000000"/>
                   </a:solidFill>
@@ -24464,7 +24468,7 @@
             </a:ln>
             <a:extLst>
               <a:ext uri="{91240B29-F687-4f45-9708-019B960494DF}">
-                <a14:hiddenLine xmlns="" xmlns:a16="http://schemas.microsoft.com/office/drawing/2014/main" xmlns:p14="http://schemas.microsoft.com/office/powerpoint/2010/main" xmlns:a14="http://schemas.microsoft.com/office/drawing/2010/main" w="9525">
+                <a14:hiddenLine xmlns:a14="http://schemas.microsoft.com/office/drawing/2010/main" xmlns:p14="http://schemas.microsoft.com/office/powerpoint/2010/main" xmlns:a16="http://schemas.microsoft.com/office/drawing/2014/main" xmlns="" w="9525">
                   <a:solidFill>
                     <a:srgbClr val="000000"/>
                   </a:solidFill>
@@ -24541,7 +24545,7 @@
             </a:ln>
             <a:extLst>
               <a:ext uri="{91240B29-F687-4f45-9708-019B960494DF}">
-                <a14:hiddenLine xmlns="" xmlns:a16="http://schemas.microsoft.com/office/drawing/2014/main" xmlns:p14="http://schemas.microsoft.com/office/powerpoint/2010/main" xmlns:a14="http://schemas.microsoft.com/office/drawing/2010/main" w="9525">
+                <a14:hiddenLine xmlns:a14="http://schemas.microsoft.com/office/drawing/2010/main" xmlns:p14="http://schemas.microsoft.com/office/powerpoint/2010/main" xmlns:a16="http://schemas.microsoft.com/office/drawing/2014/main" xmlns="" w="9525">
                   <a:solidFill>
                     <a:srgbClr val="000000"/>
                   </a:solidFill>
@@ -24646,7 +24650,7 @@
             </a:ln>
             <a:extLst>
               <a:ext uri="{91240B29-F687-4f45-9708-019B960494DF}">
-                <a14:hiddenLine xmlns="" xmlns:a16="http://schemas.microsoft.com/office/drawing/2014/main" xmlns:p14="http://schemas.microsoft.com/office/powerpoint/2010/main" xmlns:a14="http://schemas.microsoft.com/office/drawing/2010/main" w="9525">
+                <a14:hiddenLine xmlns:a14="http://schemas.microsoft.com/office/drawing/2010/main" xmlns:p14="http://schemas.microsoft.com/office/powerpoint/2010/main" xmlns:a16="http://schemas.microsoft.com/office/drawing/2014/main" xmlns="" w="9525">
                   <a:solidFill>
                     <a:srgbClr val="000000"/>
                   </a:solidFill>
@@ -24751,7 +24755,7 @@
             </a:ln>
             <a:extLst>
               <a:ext uri="{91240B29-F687-4f45-9708-019B960494DF}">
-                <a14:hiddenLine xmlns="" xmlns:a16="http://schemas.microsoft.com/office/drawing/2014/main" xmlns:p14="http://schemas.microsoft.com/office/powerpoint/2010/main" xmlns:a14="http://schemas.microsoft.com/office/drawing/2010/main" w="9525">
+                <a14:hiddenLine xmlns:a14="http://schemas.microsoft.com/office/drawing/2010/main" xmlns:p14="http://schemas.microsoft.com/office/powerpoint/2010/main" xmlns:a16="http://schemas.microsoft.com/office/drawing/2014/main" xmlns="" w="9525">
                   <a:solidFill>
                     <a:srgbClr val="000000"/>
                   </a:solidFill>
@@ -24828,7 +24832,7 @@
             </a:ln>
             <a:extLst>
               <a:ext uri="{91240B29-F687-4f45-9708-019B960494DF}">
-                <a14:hiddenLine xmlns="" xmlns:a16="http://schemas.microsoft.com/office/drawing/2014/main" xmlns:p14="http://schemas.microsoft.com/office/powerpoint/2010/main" xmlns:a14="http://schemas.microsoft.com/office/drawing/2010/main" w="9525">
+                <a14:hiddenLine xmlns:a14="http://schemas.microsoft.com/office/drawing/2010/main" xmlns:p14="http://schemas.microsoft.com/office/powerpoint/2010/main" xmlns:a16="http://schemas.microsoft.com/office/drawing/2014/main" xmlns="" w="9525">
                   <a:solidFill>
                     <a:srgbClr val="000000"/>
                   </a:solidFill>
@@ -24953,7 +24957,7 @@
             </a:ln>
             <a:extLst>
               <a:ext uri="{91240B29-F687-4f45-9708-019B960494DF}">
-                <a14:hiddenLine xmlns="" xmlns:a16="http://schemas.microsoft.com/office/drawing/2014/main" xmlns:p14="http://schemas.microsoft.com/office/powerpoint/2010/main" xmlns:a14="http://schemas.microsoft.com/office/drawing/2010/main" w="9525">
+                <a14:hiddenLine xmlns:a14="http://schemas.microsoft.com/office/drawing/2010/main" xmlns:p14="http://schemas.microsoft.com/office/powerpoint/2010/main" xmlns:a16="http://schemas.microsoft.com/office/drawing/2014/main" xmlns="" w="9525">
                   <a:solidFill>
                     <a:srgbClr val="000000"/>
                   </a:solidFill>
@@ -25067,7 +25071,7 @@
             </a:ln>
             <a:extLst>
               <a:ext uri="{91240B29-F687-4f45-9708-019B960494DF}">
-                <a14:hiddenLine xmlns="" xmlns:a16="http://schemas.microsoft.com/office/drawing/2014/main" xmlns:p14="http://schemas.microsoft.com/office/powerpoint/2010/main" xmlns:a14="http://schemas.microsoft.com/office/drawing/2010/main" w="9525">
+                <a14:hiddenLine xmlns:a14="http://schemas.microsoft.com/office/drawing/2010/main" xmlns:p14="http://schemas.microsoft.com/office/powerpoint/2010/main" xmlns:a16="http://schemas.microsoft.com/office/drawing/2014/main" xmlns="" w="9525">
                   <a:solidFill>
                     <a:srgbClr val="000000"/>
                   </a:solidFill>
@@ -25144,7 +25148,7 @@
             </a:ln>
             <a:extLst>
               <a:ext uri="{91240B29-F687-4f45-9708-019B960494DF}">
-                <a14:hiddenLine xmlns="" xmlns:a16="http://schemas.microsoft.com/office/drawing/2014/main" xmlns:p14="http://schemas.microsoft.com/office/powerpoint/2010/main" xmlns:a14="http://schemas.microsoft.com/office/drawing/2010/main" w="9525">
+                <a14:hiddenLine xmlns:a14="http://schemas.microsoft.com/office/drawing/2010/main" xmlns:p14="http://schemas.microsoft.com/office/powerpoint/2010/main" xmlns:a16="http://schemas.microsoft.com/office/drawing/2014/main" xmlns="" w="9525">
                   <a:solidFill>
                     <a:srgbClr val="000000"/>
                   </a:solidFill>
@@ -25221,7 +25225,7 @@
             </a:ln>
             <a:extLst>
               <a:ext uri="{91240B29-F687-4f45-9708-019B960494DF}">
-                <a14:hiddenLine xmlns="" xmlns:a16="http://schemas.microsoft.com/office/drawing/2014/main" xmlns:p14="http://schemas.microsoft.com/office/powerpoint/2010/main" xmlns:a14="http://schemas.microsoft.com/office/drawing/2010/main" w="9525">
+                <a14:hiddenLine xmlns:a14="http://schemas.microsoft.com/office/drawing/2010/main" xmlns:p14="http://schemas.microsoft.com/office/powerpoint/2010/main" xmlns:a16="http://schemas.microsoft.com/office/drawing/2014/main" xmlns="" w="9525">
                   <a:solidFill>
                     <a:srgbClr val="000000"/>
                   </a:solidFill>
@@ -25326,7 +25330,7 @@
             </a:ln>
             <a:extLst>
               <a:ext uri="{91240B29-F687-4f45-9708-019B960494DF}">
-                <a14:hiddenLine xmlns="" xmlns:a16="http://schemas.microsoft.com/office/drawing/2014/main" xmlns:p14="http://schemas.microsoft.com/office/powerpoint/2010/main" xmlns:a14="http://schemas.microsoft.com/office/drawing/2010/main" w="9525">
+                <a14:hiddenLine xmlns:a14="http://schemas.microsoft.com/office/drawing/2010/main" xmlns:p14="http://schemas.microsoft.com/office/powerpoint/2010/main" xmlns:a16="http://schemas.microsoft.com/office/drawing/2014/main" xmlns="" w="9525">
                   <a:solidFill>
                     <a:srgbClr val="000000"/>
                   </a:solidFill>
@@ -25375,7 +25379,7 @@
             </a:ln>
             <a:extLst>
               <a:ext uri="{91240B29-F687-4f45-9708-019B960494DF}">
-                <a14:hiddenLine xmlns="" xmlns:a16="http://schemas.microsoft.com/office/drawing/2014/main" xmlns:p14="http://schemas.microsoft.com/office/powerpoint/2010/main" xmlns:a14="http://schemas.microsoft.com/office/drawing/2010/main" w="9525">
+                <a14:hiddenLine xmlns:a14="http://schemas.microsoft.com/office/drawing/2010/main" xmlns:p14="http://schemas.microsoft.com/office/powerpoint/2010/main" xmlns:a16="http://schemas.microsoft.com/office/drawing/2014/main" xmlns="" w="9525">
                   <a:solidFill>
                     <a:srgbClr val="000000"/>
                   </a:solidFill>
@@ -25455,7 +25459,7 @@
             </a:ln>
             <a:extLst>
               <a:ext uri="{91240B29-F687-4f45-9708-019B960494DF}">
-                <a14:hiddenLine xmlns="" xmlns:a16="http://schemas.microsoft.com/office/drawing/2014/main" xmlns:p14="http://schemas.microsoft.com/office/powerpoint/2010/main" xmlns:a14="http://schemas.microsoft.com/office/drawing/2010/main" w="9525">
+                <a14:hiddenLine xmlns:a14="http://schemas.microsoft.com/office/drawing/2010/main" xmlns:p14="http://schemas.microsoft.com/office/powerpoint/2010/main" xmlns:a16="http://schemas.microsoft.com/office/drawing/2014/main" xmlns="" w="9525">
                   <a:solidFill>
                     <a:srgbClr val="000000"/>
                   </a:solidFill>
@@ -25560,7 +25564,7 @@
             </a:ln>
             <a:extLst>
               <a:ext uri="{91240B29-F687-4f45-9708-019B960494DF}">
-                <a14:hiddenLine xmlns="" xmlns:a16="http://schemas.microsoft.com/office/drawing/2014/main" xmlns:p14="http://schemas.microsoft.com/office/powerpoint/2010/main" xmlns:a14="http://schemas.microsoft.com/office/drawing/2010/main" w="9525">
+                <a14:hiddenLine xmlns:a14="http://schemas.microsoft.com/office/drawing/2010/main" xmlns:p14="http://schemas.microsoft.com/office/powerpoint/2010/main" xmlns:a16="http://schemas.microsoft.com/office/drawing/2014/main" xmlns="" w="9525">
                   <a:solidFill>
                     <a:srgbClr val="000000"/>
                   </a:solidFill>
@@ -25637,7 +25641,7 @@
             </a:ln>
             <a:extLst>
               <a:ext uri="{91240B29-F687-4f45-9708-019B960494DF}">
-                <a14:hiddenLine xmlns="" xmlns:a16="http://schemas.microsoft.com/office/drawing/2014/main" xmlns:p14="http://schemas.microsoft.com/office/powerpoint/2010/main" xmlns:a14="http://schemas.microsoft.com/office/drawing/2010/main" w="9525">
+                <a14:hiddenLine xmlns:a14="http://schemas.microsoft.com/office/drawing/2010/main" xmlns:p14="http://schemas.microsoft.com/office/powerpoint/2010/main" xmlns:a16="http://schemas.microsoft.com/office/drawing/2014/main" xmlns="" w="9525">
                   <a:solidFill>
                     <a:srgbClr val="000000"/>
                   </a:solidFill>
@@ -25742,7 +25746,7 @@
             </a:ln>
             <a:extLst>
               <a:ext uri="{91240B29-F687-4f45-9708-019B960494DF}">
-                <a14:hiddenLine xmlns="" xmlns:a16="http://schemas.microsoft.com/office/drawing/2014/main" xmlns:p14="http://schemas.microsoft.com/office/powerpoint/2010/main" xmlns:a14="http://schemas.microsoft.com/office/drawing/2010/main" w="9525">
+                <a14:hiddenLine xmlns:a14="http://schemas.microsoft.com/office/drawing/2010/main" xmlns:p14="http://schemas.microsoft.com/office/powerpoint/2010/main" xmlns:a16="http://schemas.microsoft.com/office/drawing/2014/main" xmlns="" w="9525">
                   <a:solidFill>
                     <a:srgbClr val="000000"/>
                   </a:solidFill>
@@ -25822,7 +25826,7 @@
             </a:ln>
             <a:extLst>
               <a:ext uri="{91240B29-F687-4f45-9708-019B960494DF}">
-                <a14:hiddenLine xmlns="" xmlns:a16="http://schemas.microsoft.com/office/drawing/2014/main" xmlns:p14="http://schemas.microsoft.com/office/powerpoint/2010/main" xmlns:a14="http://schemas.microsoft.com/office/drawing/2010/main" w="9525">
+                <a14:hiddenLine xmlns:a14="http://schemas.microsoft.com/office/drawing/2010/main" xmlns:p14="http://schemas.microsoft.com/office/powerpoint/2010/main" xmlns:a16="http://schemas.microsoft.com/office/drawing/2014/main" xmlns="" w="9525">
                   <a:solidFill>
                     <a:srgbClr val="000000"/>
                   </a:solidFill>
@@ -25899,7 +25903,7 @@
             </a:ln>
             <a:extLst>
               <a:ext uri="{91240B29-F687-4f45-9708-019B960494DF}">
-                <a14:hiddenLine xmlns="" xmlns:a16="http://schemas.microsoft.com/office/drawing/2014/main" xmlns:p14="http://schemas.microsoft.com/office/powerpoint/2010/main" xmlns:a14="http://schemas.microsoft.com/office/drawing/2010/main" w="9525">
+                <a14:hiddenLine xmlns:a14="http://schemas.microsoft.com/office/drawing/2010/main" xmlns:p14="http://schemas.microsoft.com/office/powerpoint/2010/main" xmlns:a16="http://schemas.microsoft.com/office/drawing/2014/main" xmlns="" w="9525">
                   <a:solidFill>
                     <a:srgbClr val="000000"/>
                   </a:solidFill>
@@ -26004,7 +26008,7 @@
             </a:ln>
             <a:extLst>
               <a:ext uri="{91240B29-F687-4f45-9708-019B960494DF}">
-                <a14:hiddenLine xmlns="" xmlns:a16="http://schemas.microsoft.com/office/drawing/2014/main" xmlns:p14="http://schemas.microsoft.com/office/powerpoint/2010/main" xmlns:a14="http://schemas.microsoft.com/office/drawing/2010/main" w="9525">
+                <a14:hiddenLine xmlns:a14="http://schemas.microsoft.com/office/drawing/2010/main" xmlns:p14="http://schemas.microsoft.com/office/powerpoint/2010/main" xmlns:a16="http://schemas.microsoft.com/office/drawing/2014/main" xmlns="" w="9525">
                   <a:solidFill>
                     <a:srgbClr val="000000"/>
                   </a:solidFill>
@@ -26109,7 +26113,7 @@
             </a:ln>
             <a:extLst>
               <a:ext uri="{91240B29-F687-4f45-9708-019B960494DF}">
-                <a14:hiddenLine xmlns="" xmlns:a16="http://schemas.microsoft.com/office/drawing/2014/main" xmlns:p14="http://schemas.microsoft.com/office/powerpoint/2010/main" xmlns:a14="http://schemas.microsoft.com/office/drawing/2010/main" w="9525">
+                <a14:hiddenLine xmlns:a14="http://schemas.microsoft.com/office/drawing/2010/main" xmlns:p14="http://schemas.microsoft.com/office/powerpoint/2010/main" xmlns:a16="http://schemas.microsoft.com/office/drawing/2014/main" xmlns="" w="9525">
                   <a:solidFill>
                     <a:srgbClr val="000000"/>
                   </a:solidFill>
@@ -26189,7 +26193,7 @@
             </a:ln>
             <a:extLst>
               <a:ext uri="{91240B29-F687-4f45-9708-019B960494DF}">
-                <a14:hiddenLine xmlns="" xmlns:a16="http://schemas.microsoft.com/office/drawing/2014/main" xmlns:p14="http://schemas.microsoft.com/office/powerpoint/2010/main" xmlns:a14="http://schemas.microsoft.com/office/drawing/2010/main" w="9525">
+                <a14:hiddenLine xmlns:a14="http://schemas.microsoft.com/office/drawing/2010/main" xmlns:p14="http://schemas.microsoft.com/office/powerpoint/2010/main" xmlns:a16="http://schemas.microsoft.com/office/drawing/2014/main" xmlns="" w="9525">
                   <a:solidFill>
                     <a:srgbClr val="000000"/>
                   </a:solidFill>
@@ -26324,7 +26328,7 @@
             </a:ln>
             <a:extLst>
               <a:ext uri="{91240B29-F687-4f45-9708-019B960494DF}">
-                <a14:hiddenLine xmlns="" xmlns:a16="http://schemas.microsoft.com/office/drawing/2014/main" xmlns:p14="http://schemas.microsoft.com/office/powerpoint/2010/main" xmlns:a14="http://schemas.microsoft.com/office/drawing/2010/main" w="9525">
+                <a14:hiddenLine xmlns:a14="http://schemas.microsoft.com/office/drawing/2010/main" xmlns:p14="http://schemas.microsoft.com/office/powerpoint/2010/main" xmlns:a16="http://schemas.microsoft.com/office/drawing/2014/main" xmlns="" w="9525">
                   <a:solidFill>
                     <a:srgbClr val="000000"/>
                   </a:solidFill>
@@ -26550,24 +26554,30 @@
             <p:ph type="title"/>
           </p:nvPr>
         </p:nvSpPr>
-        <p:spPr/>
+        <p:spPr>
+          <a:xfrm>
+            <a:off x="1141413" y="618518"/>
+            <a:ext cx="9905998" cy="1478570"/>
+          </a:xfrm>
+        </p:spPr>
         <p:txBody>
           <a:bodyPr/>
           <a:lstStyle/>
           <a:p>
             <a:r>
-              <a:rPr lang="en-US" dirty="0"/>
+              <a:rPr lang="en-US"/>
               <a:t>Timeline</a:t>
             </a:r>
+            <a:endParaRPr lang="en-US" dirty="0"/>
           </a:p>
         </p:txBody>
       </p:sp>
       <p:pic>
         <p:nvPicPr>
-          <p:cNvPr id="5" name="Content Placeholder 4">
+          <p:cNvPr id="11" name="Content Placeholder 10" descr="A screenshot of a social media post&#10;&#10;Description generated with very high confidence">
             <a:extLst>
               <a:ext uri="{FF2B5EF4-FFF2-40B4-BE49-F238E27FC236}">
-                <a16:creationId xmlns:a16="http://schemas.microsoft.com/office/drawing/2014/main" id="{164C876D-1111-4314-BD17-28EDAF0B9207}"/>
+                <a16:creationId xmlns:a16="http://schemas.microsoft.com/office/drawing/2014/main" id="{3D249A1F-78E7-4F2D-9CA8-ACFAA65A42C3}"/>
               </a:ext>
             </a:extLst>
           </p:cNvPr>
@@ -26586,9 +26596,39 @@
         </p:blipFill>
         <p:spPr>
           <a:xfrm>
-            <a:off x="350952" y="2445352"/>
-            <a:ext cx="11589604" cy="2690171"/>
+            <a:off x="148182" y="1670158"/>
+            <a:ext cx="11941037" cy="2398961"/>
           </a:xfrm>
+        </p:spPr>
+      </p:pic>
+      <p:pic>
+        <p:nvPicPr>
+          <p:cNvPr id="13" name="Picture 12" descr="A screenshot of a cell phone&#10;&#10;Description generated with high confidence">
+            <a:extLst>
+              <a:ext uri="{FF2B5EF4-FFF2-40B4-BE49-F238E27FC236}">
+                <a16:creationId xmlns:a16="http://schemas.microsoft.com/office/drawing/2014/main" id="{BD4FFA0A-59CE-4655-82ED-F8FB9A6895F1}"/>
+              </a:ext>
+            </a:extLst>
+          </p:cNvPr>
+          <p:cNvPicPr>
+            <a:picLocks noChangeAspect="1"/>
+          </p:cNvPicPr>
+          <p:nvPr/>
+        </p:nvPicPr>
+        <p:blipFill>
+          <a:blip r:embed="rId3"/>
+          <a:stretch>
+            <a:fillRect/>
+          </a:stretch>
+        </p:blipFill>
+        <p:spPr>
+          <a:xfrm>
+            <a:off x="148183" y="4178908"/>
+            <a:ext cx="11941036" cy="2398961"/>
+          </a:xfrm>
+          <a:prstGeom prst="rect">
+            <a:avLst/>
+          </a:prstGeom>
         </p:spPr>
       </p:pic>
     </p:spTree>
@@ -26668,7 +26708,7 @@
         <p:spPr/>
         <p:txBody>
           <a:bodyPr>
-            <a:normAutofit fontScale="62500" lnSpcReduction="20000"/>
+            <a:normAutofit fontScale="55000" lnSpcReduction="20000"/>
           </a:bodyPr>
           <a:lstStyle/>
           <a:p>
@@ -26696,15 +26736,6 @@
             <a:r>
               <a:rPr lang="en-US" dirty="0"/>
               <a:t>    - Development of database.</a:t>
-            </a:r>
-          </a:p>
-          <a:p>
-            <a:pPr marL="0" indent="0">
-              <a:buNone/>
-            </a:pPr>
-            <a:r>
-              <a:rPr lang="en-US" dirty="0"/>
-              <a:t>    - Hardware prototyping. </a:t>
             </a:r>
           </a:p>
           <a:p>
@@ -26758,13 +26789,26 @@
         <p:spPr/>
         <p:txBody>
           <a:bodyPr>
-            <a:normAutofit fontScale="62500" lnSpcReduction="20000"/>
+            <a:normAutofit fontScale="55000" lnSpcReduction="20000"/>
           </a:bodyPr>
           <a:lstStyle/>
           <a:p>
+            <a:pPr marL="0" indent="0">
+              <a:buNone/>
+            </a:pPr>
             <a:r>
               <a:rPr lang="en-US" dirty="0"/>
               <a:t>- Week 5 – Week 8</a:t>
+            </a:r>
+            <a:endParaRPr lang="en-US" sz="2200" dirty="0"/>
+          </a:p>
+          <a:p>
+            <a:pPr marL="0" indent="0">
+              <a:buNone/>
+            </a:pPr>
+            <a:r>
+              <a:rPr lang="en-US" dirty="0"/>
+              <a:t>        - Hardware prototyping.</a:t>
             </a:r>
           </a:p>
           <a:p>
@@ -31126,7 +31170,7 @@
           <a:p>
             <a:r>
               <a:rPr lang="en-US" dirty="0"/>
-              <a:t>Medical errors cost the industry $20,800 million dollars annually. Adding to this the additional quality adjusted life years of those who are lost due to these errors at $75,000 - $100,000, with 10 years lost life, the QALYs for these deaths makes up an additional $187,500M - $250,000M.[2]</a:t>
+              <a:t>Medical errors cost the industry $20,800 million dollars annually. Adding to this the additional quality adjusted life years of those who are lost due to these errors at $75,000 - $100,000, with 10 years lost life, the QALYs for these deaths makes up an additional $187,500M - $250,000M.</a:t>
             </a:r>
           </a:p>
           <a:p>

--- a/Documentation/PDR.pptx
+++ b/Documentation/PDR.pptx
@@ -10,10 +10,10 @@
     <p:sldId id="267" r:id="rId4"/>
     <p:sldId id="295" r:id="rId5"/>
     <p:sldId id="296" r:id="rId6"/>
-    <p:sldId id="268" r:id="rId7"/>
-    <p:sldId id="273" r:id="rId8"/>
+    <p:sldId id="297" r:id="rId7"/>
+    <p:sldId id="298" r:id="rId8"/>
     <p:sldId id="294" r:id="rId9"/>
-    <p:sldId id="257" r:id="rId10"/>
+    <p:sldId id="299" r:id="rId10"/>
     <p:sldId id="278" r:id="rId11"/>
     <p:sldId id="283" r:id="rId12"/>
     <p:sldId id="284" r:id="rId13"/>
@@ -24,19 +24,20 @@
     <p:sldId id="264" r:id="rId18"/>
     <p:sldId id="269" r:id="rId19"/>
     <p:sldId id="285" r:id="rId20"/>
-    <p:sldId id="276" r:id="rId21"/>
-    <p:sldId id="287" r:id="rId22"/>
-    <p:sldId id="288" r:id="rId23"/>
-    <p:sldId id="290" r:id="rId24"/>
-    <p:sldId id="291" r:id="rId25"/>
-    <p:sldId id="280" r:id="rId26"/>
-    <p:sldId id="292" r:id="rId27"/>
-    <p:sldId id="277" r:id="rId28"/>
-    <p:sldId id="293" r:id="rId29"/>
-    <p:sldId id="270" r:id="rId30"/>
-    <p:sldId id="261" r:id="rId31"/>
-    <p:sldId id="274" r:id="rId32"/>
-    <p:sldId id="275" r:id="rId33"/>
+    <p:sldId id="303" r:id="rId21"/>
+    <p:sldId id="276" r:id="rId22"/>
+    <p:sldId id="287" r:id="rId23"/>
+    <p:sldId id="288" r:id="rId24"/>
+    <p:sldId id="300" r:id="rId25"/>
+    <p:sldId id="291" r:id="rId26"/>
+    <p:sldId id="280" r:id="rId27"/>
+    <p:sldId id="292" r:id="rId28"/>
+    <p:sldId id="277" r:id="rId29"/>
+    <p:sldId id="293" r:id="rId30"/>
+    <p:sldId id="301" r:id="rId31"/>
+    <p:sldId id="302" r:id="rId32"/>
+    <p:sldId id="274" r:id="rId33"/>
+    <p:sldId id="275" r:id="rId34"/>
   </p:sldIdLst>
   <p:sldSz cx="12192000" cy="6858000"/>
   <p:notesSz cx="6858000" cy="9144000"/>
@@ -6633,7 +6634,7 @@
           <a:p>
             <a:fld id="{48A87A34-81AB-432B-8DAE-1953F412C126}" type="datetimeFigureOut">
               <a:rPr lang="en-US" dirty="0"/>
-              <a:t>12/6/2018</a:t>
+              <a:t>12/5/2018</a:t>
             </a:fld>
             <a:endParaRPr lang="en-US" dirty="0"/>
           </a:p>
@@ -6894,7 +6895,7 @@
           <a:p>
             <a:fld id="{48A87A34-81AB-432B-8DAE-1953F412C126}" type="datetimeFigureOut">
               <a:rPr lang="en-US" dirty="0"/>
-              <a:t>12/6/2018</a:t>
+              <a:t>12/5/2018</a:t>
             </a:fld>
             <a:endParaRPr lang="en-US" dirty="0"/>
           </a:p>
@@ -7085,7 +7086,7 @@
           <a:p>
             <a:fld id="{48A87A34-81AB-432B-8DAE-1953F412C126}" type="datetimeFigureOut">
               <a:rPr lang="en-US" dirty="0"/>
-              <a:t>12/6/2018</a:t>
+              <a:t>12/5/2018</a:t>
             </a:fld>
             <a:endParaRPr lang="en-US" dirty="0"/>
           </a:p>
@@ -7343,7 +7344,7 @@
           <a:p>
             <a:fld id="{48A87A34-81AB-432B-8DAE-1953F412C126}" type="datetimeFigureOut">
               <a:rPr lang="en-US" dirty="0"/>
-              <a:t>12/6/2018</a:t>
+              <a:t>12/5/2018</a:t>
             </a:fld>
             <a:endParaRPr lang="en-US" dirty="0"/>
           </a:p>
@@ -7772,7 +7773,7 @@
           <a:p>
             <a:fld id="{48A87A34-81AB-432B-8DAE-1953F412C126}" type="datetimeFigureOut">
               <a:rPr lang="en-US" dirty="0"/>
-              <a:t>12/6/2018</a:t>
+              <a:t>12/5/2018</a:t>
             </a:fld>
             <a:endParaRPr lang="en-US" dirty="0"/>
           </a:p>
@@ -8313,7 +8314,7 @@
           <a:p>
             <a:fld id="{48A87A34-81AB-432B-8DAE-1953F412C126}" type="datetimeFigureOut">
               <a:rPr lang="en-US" dirty="0"/>
-              <a:t>12/6/2018</a:t>
+              <a:t>12/5/2018</a:t>
             </a:fld>
             <a:endParaRPr lang="en-US" dirty="0"/>
           </a:p>
@@ -9025,7 +9026,7 @@
           <a:p>
             <a:fld id="{48A87A34-81AB-432B-8DAE-1953F412C126}" type="datetimeFigureOut">
               <a:rPr lang="en-US" dirty="0"/>
-              <a:t>12/6/2018</a:t>
+              <a:t>12/5/2018</a:t>
             </a:fld>
             <a:endParaRPr lang="en-US" dirty="0"/>
           </a:p>
@@ -9190,7 +9191,7 @@
           <a:p>
             <a:fld id="{48A87A34-81AB-432B-8DAE-1953F412C126}" type="datetimeFigureOut">
               <a:rPr lang="en-US" dirty="0"/>
-              <a:t>12/6/2018</a:t>
+              <a:t>12/5/2018</a:t>
             </a:fld>
             <a:endParaRPr lang="en-US" dirty="0"/>
           </a:p>
@@ -9365,7 +9366,7 @@
           <a:p>
             <a:fld id="{48A87A34-81AB-432B-8DAE-1953F412C126}" type="datetimeFigureOut">
               <a:rPr lang="en-US" dirty="0"/>
-              <a:t>12/6/2018</a:t>
+              <a:t>12/5/2018</a:t>
             </a:fld>
             <a:endParaRPr lang="en-US" dirty="0"/>
           </a:p>
@@ -9530,7 +9531,7 @@
           <a:p>
             <a:fld id="{48A87A34-81AB-432B-8DAE-1953F412C126}" type="datetimeFigureOut">
               <a:rPr lang="en-US" dirty="0"/>
-              <a:t>12/6/2018</a:t>
+              <a:t>12/5/2018</a:t>
             </a:fld>
             <a:endParaRPr lang="en-US" dirty="0"/>
           </a:p>
@@ -9775,7 +9776,7 @@
           <a:p>
             <a:fld id="{48A87A34-81AB-432B-8DAE-1953F412C126}" type="datetimeFigureOut">
               <a:rPr lang="en-US" dirty="0"/>
-              <a:t>12/6/2018</a:t>
+              <a:t>12/5/2018</a:t>
             </a:fld>
             <a:endParaRPr lang="en-US" dirty="0"/>
           </a:p>
@@ -10002,7 +10003,7 @@
           <a:p>
             <a:fld id="{48A87A34-81AB-432B-8DAE-1953F412C126}" type="datetimeFigureOut">
               <a:rPr lang="en-US" dirty="0"/>
-              <a:t>12/6/2018</a:t>
+              <a:t>12/5/2018</a:t>
             </a:fld>
             <a:endParaRPr lang="en-US" dirty="0"/>
           </a:p>
@@ -10378,7 +10379,7 @@
           <a:p>
             <a:fld id="{48A87A34-81AB-432B-8DAE-1953F412C126}" type="datetimeFigureOut">
               <a:rPr lang="en-US" dirty="0"/>
-              <a:t>12/6/2018</a:t>
+              <a:t>12/5/2018</a:t>
             </a:fld>
             <a:endParaRPr lang="en-US" dirty="0"/>
           </a:p>
@@ -10491,7 +10492,7 @@
           <a:p>
             <a:fld id="{48A87A34-81AB-432B-8DAE-1953F412C126}" type="datetimeFigureOut">
               <a:rPr lang="en-US" dirty="0"/>
-              <a:t>12/6/2018</a:t>
+              <a:t>12/5/2018</a:t>
             </a:fld>
             <a:endParaRPr lang="en-US" dirty="0"/>
           </a:p>
@@ -10581,7 +10582,7 @@
           <a:p>
             <a:fld id="{48A87A34-81AB-432B-8DAE-1953F412C126}" type="datetimeFigureOut">
               <a:rPr lang="en-US" dirty="0"/>
-              <a:t>12/6/2018</a:t>
+              <a:t>12/5/2018</a:t>
             </a:fld>
             <a:endParaRPr lang="en-US" dirty="0"/>
           </a:p>
@@ -10825,7 +10826,7 @@
           <a:p>
             <a:fld id="{48A87A34-81AB-432B-8DAE-1953F412C126}" type="datetimeFigureOut">
               <a:rPr lang="en-US" dirty="0"/>
-              <a:t>12/6/2018</a:t>
+              <a:t>12/5/2018</a:t>
             </a:fld>
             <a:endParaRPr lang="en-US" dirty="0"/>
           </a:p>
@@ -11099,7 +11100,7 @@
           <a:p>
             <a:fld id="{48A87A34-81AB-432B-8DAE-1953F412C126}" type="datetimeFigureOut">
               <a:rPr lang="en-US" dirty="0"/>
-              <a:t>12/6/2018</a:t>
+              <a:t>12/5/2018</a:t>
             </a:fld>
             <a:endParaRPr lang="en-US" dirty="0"/>
           </a:p>
@@ -14172,7 +14173,7 @@
             <a:fld id="{48A87A34-81AB-432B-8DAE-1953F412C126}" type="datetimeFigureOut">
               <a:rPr lang="en-US" dirty="0"/>
               <a:pPr/>
-              <a:t>12/6/2018</a:t>
+              <a:t>12/5/2018</a:t>
             </a:fld>
             <a:endParaRPr lang="en-US" dirty="0"/>
           </a:p>
@@ -19846,7 +19847,13 @@
               </a:lnSpc>
             </a:pPr>
             <a:r>
-              <a:rPr lang="en-US" dirty="0"/>
+              <a:rPr lang="en-US" dirty="0">
+                <a:solidFill>
+                  <a:schemeClr val="bg2">
+                    <a:lumMod val="50000"/>
+                  </a:schemeClr>
+                </a:solidFill>
+              </a:rPr>
               <a:t>Adafruit HUZZAH ESP8266 breakout</a:t>
             </a:r>
           </a:p>
@@ -19866,7 +19873,13 @@
           <a:p>
             <a:pPr lvl="1"/>
             <a:r>
-              <a:rPr lang="en-US" dirty="0"/>
+              <a:rPr lang="en-US" dirty="0">
+                <a:solidFill>
+                  <a:schemeClr val="bg2">
+                    <a:lumMod val="50000"/>
+                  </a:schemeClr>
+                </a:solidFill>
+              </a:rPr>
               <a:t>3.7V 1100 mAh LiPo battery pack</a:t>
             </a:r>
           </a:p>
@@ -19901,7 +19914,7 @@
         <p:spPr>
           <a:xfrm>
             <a:off x="5556740" y="1846385"/>
-            <a:ext cx="4655402" cy="2585323"/>
+            <a:ext cx="4655402" cy="2308324"/>
           </a:xfrm>
           <a:prstGeom prst="rect">
             <a:avLst/>
@@ -19920,7 +19933,7 @@
             </a:pPr>
             <a:r>
               <a:rPr lang="en-US" dirty="0"/>
-              <a:t>Attachment method choices</a:t>
+              <a:t>Encasement method</a:t>
             </a:r>
           </a:p>
           <a:p>
@@ -19939,7 +19952,13 @@
               <a:buChar char="•"/>
             </a:pPr>
             <a:r>
-              <a:rPr lang="en-US" dirty="0"/>
+              <a:rPr lang="en-US" dirty="0">
+                <a:solidFill>
+                  <a:schemeClr val="bg2">
+                    <a:lumMod val="50000"/>
+                  </a:schemeClr>
+                </a:solidFill>
+              </a:rPr>
               <a:t>Plastic cling wrap</a:t>
             </a:r>
           </a:p>
@@ -19954,17 +19973,13 @@
             </a:r>
           </a:p>
           <a:p>
-            <a:pPr lvl="1"/>
-            <a:endParaRPr lang="en-US" dirty="0"/>
-          </a:p>
-          <a:p>
             <a:pPr marL="285750" indent="-285750">
               <a:buFont typeface="Arial" panose="020B0604020202020204" pitchFamily="34" charset="0"/>
               <a:buChar char="•"/>
             </a:pPr>
             <a:r>
               <a:rPr lang="en-US" dirty="0"/>
-              <a:t>Encasement method</a:t>
+              <a:t>Attachment method choices</a:t>
             </a:r>
           </a:p>
           <a:p>
@@ -19983,7 +19998,13 @@
               <a:buChar char="•"/>
             </a:pPr>
             <a:r>
-              <a:rPr lang="en-US" dirty="0"/>
+              <a:rPr lang="en-US" dirty="0">
+                <a:solidFill>
+                  <a:schemeClr val="bg2">
+                    <a:lumMod val="50000"/>
+                  </a:schemeClr>
+                </a:solidFill>
+              </a:rPr>
               <a:t>Hook-and-loop fasteners</a:t>
             </a:r>
           </a:p>
@@ -20254,7 +20275,7 @@
           <a:p>
             <a:r>
               <a:rPr lang="en-US" dirty="0"/>
-              <a:t>Arduino 1.8.7</a:t>
+              <a:t>Arduino 1.8.7 IDE</a:t>
             </a:r>
           </a:p>
         </p:txBody>
@@ -20312,7 +20333,7 @@
           <a:p>
             <a:r>
               <a:rPr lang="en-US" dirty="0"/>
-              <a:t>Shopping List</a:t>
+              <a:t>Shopping List (Includes Shipping)</a:t>
             </a:r>
           </a:p>
         </p:txBody>
@@ -20341,73 +20362,61 @@
         </p:spPr>
         <p:txBody>
           <a:bodyPr>
-            <a:normAutofit fontScale="85000" lnSpcReduction="20000"/>
+            <a:normAutofit lnSpcReduction="10000"/>
           </a:bodyPr>
           <a:lstStyle/>
           <a:p>
             <a:r>
               <a:rPr lang="en-US" dirty="0"/>
-              <a:t>150 ft 22 Gauge Wire					$16.95</a:t>
+              <a:t>150 ft 22 Gauge Wire					$15.95</a:t>
             </a:r>
           </a:p>
           <a:p>
             <a:r>
               <a:rPr lang="en-US" dirty="0"/>
-              <a:t>Elegoo Brand Solderless Breadboards (3 pcs)		$9.99</a:t>
+              <a:t>Solderless Breadboards (2 pcs)				$11.98</a:t>
             </a:r>
           </a:p>
           <a:p>
             <a:r>
               <a:rPr lang="en-US" dirty="0"/>
-              <a:t>Weller 40-Watt Soldering Station			$38.37</a:t>
+              <a:t>3.7V 1100 mAh LiPo Battery Packs (4 batteries)		$42.79</a:t>
             </a:r>
           </a:p>
           <a:p>
             <a:r>
               <a:rPr lang="en-US" dirty="0"/>
-              <a:t>3.7V 1100 mAh LiPo Battery Packs (3 batteries)		$26.97</a:t>
+              <a:t>Duck Brand 60 ft Electrical Tape (2 rolls)			$5.63</a:t>
             </a:r>
           </a:p>
           <a:p>
             <a:r>
               <a:rPr lang="en-US" dirty="0"/>
-              <a:t>Duck Brand 60 ft Electrical Tape (2 rolls)			$5.62</a:t>
+              <a:t>Duck Brand All-Purpose Duct Tape 45 Yard (1 roll)		$7.66</a:t>
             </a:r>
           </a:p>
           <a:p>
             <a:r>
               <a:rPr lang="en-US" dirty="0"/>
-              <a:t>Duck Brand All-Purpose Duct Tape 45 Yard (1 roll)		$9.31</a:t>
+              <a:t>Velcro Brand Sticky Back Hook-and-Loop Fasteners 30 ft	$22.04</a:t>
             </a:r>
           </a:p>
           <a:p>
             <a:r>
               <a:rPr lang="en-US" dirty="0"/>
-              <a:t>Velcro Brand Sticky Back Hook-and-Loop Fasteners 30 ft	$26.91</a:t>
+              <a:t>Adafruit HUZZAH ESP8266 breakout (7 count)		$73.80</a:t>
             </a:r>
           </a:p>
           <a:p>
             <a:r>
               <a:rPr lang="en-US" dirty="0"/>
-              <a:t>Adafruit HUZZAH ESP8266 breakout (7 count)		$69.65</a:t>
+              <a:t>FTDI Serial TTL-232 USB Cable (3 count)			$63.75</a:t>
             </a:r>
           </a:p>
           <a:p>
             <a:r>
               <a:rPr lang="en-US" dirty="0"/>
-              <a:t>FTDI USB Cable (2 count)				$35.90</a:t>
-            </a:r>
-          </a:p>
-          <a:p>
-            <a:r>
-              <a:rPr lang="en-US" dirty="0"/>
-              <a:t>Glad Cling Wrap (1 roll) 200 sq ft			$2.65</a:t>
-            </a:r>
-          </a:p>
-          <a:p>
-            <a:r>
-              <a:rPr lang="en-US" dirty="0"/>
-              <a:t>Total Cost						$242.32</a:t>
+              <a:t>Total Cost							$243.60</a:t>
             </a:r>
           </a:p>
         </p:txBody>
@@ -26543,7 +26552,7 @@
           <p:cNvPr id="2" name="Title 1">
             <a:extLst>
               <a:ext uri="{FF2B5EF4-FFF2-40B4-BE49-F238E27FC236}">
-                <a16:creationId xmlns:a16="http://schemas.microsoft.com/office/drawing/2014/main" id="{9785B1D0-C9EE-4269-80E7-E1466F1D1D53}"/>
+                <a16:creationId xmlns:a16="http://schemas.microsoft.com/office/drawing/2014/main" id="{6D9ED7DC-39DD-451B-97D2-D4139A263C44}"/>
               </a:ext>
             </a:extLst>
           </p:cNvPr>
@@ -26554,30 +26563,28 @@
             <p:ph type="title"/>
           </p:nvPr>
         </p:nvSpPr>
-        <p:spPr>
-          <a:xfrm>
-            <a:off x="1141413" y="618518"/>
-            <a:ext cx="9905998" cy="1478570"/>
-          </a:xfrm>
-        </p:spPr>
+        <p:spPr/>
         <p:txBody>
           <a:bodyPr/>
           <a:lstStyle/>
           <a:p>
             <a:r>
-              <a:rPr lang="en-US"/>
-              <a:t>Timeline</a:t>
+              <a:rPr lang="en-US" dirty="0" err="1"/>
+              <a:t>Gui</a:t>
             </a:r>
-            <a:endParaRPr lang="en-US" dirty="0"/>
+            <a:r>
+              <a:rPr lang="en-US" dirty="0"/>
+              <a:t> Mock-up</a:t>
+            </a:r>
           </a:p>
         </p:txBody>
       </p:sp>
       <p:pic>
         <p:nvPicPr>
-          <p:cNvPr id="11" name="Content Placeholder 10" descr="A screenshot of a social media post&#10;&#10;Description generated with very high confidence">
+          <p:cNvPr id="5" name="Content Placeholder 4">
             <a:extLst>
               <a:ext uri="{FF2B5EF4-FFF2-40B4-BE49-F238E27FC236}">
-                <a16:creationId xmlns:a16="http://schemas.microsoft.com/office/drawing/2014/main" id="{3D249A1F-78E7-4F2D-9CA8-ACFAA65A42C3}"/>
+                <a16:creationId xmlns:a16="http://schemas.microsoft.com/office/drawing/2014/main" id="{27FA7512-7B75-4A69-BD06-ABA6C8F3EF6D}"/>
               </a:ext>
             </a:extLst>
           </p:cNvPr>
@@ -26596,17 +26603,17 @@
         </p:blipFill>
         <p:spPr>
           <a:xfrm>
-            <a:off x="148182" y="1670158"/>
-            <a:ext cx="11941037" cy="2398961"/>
+            <a:off x="207801" y="1867553"/>
+            <a:ext cx="2029108" cy="2019582"/>
           </a:xfrm>
         </p:spPr>
       </p:pic>
       <p:pic>
         <p:nvPicPr>
-          <p:cNvPr id="13" name="Picture 12" descr="A screenshot of a cell phone&#10;&#10;Description generated with high confidence">
+          <p:cNvPr id="7" name="Picture 6">
             <a:extLst>
               <a:ext uri="{FF2B5EF4-FFF2-40B4-BE49-F238E27FC236}">
-                <a16:creationId xmlns:a16="http://schemas.microsoft.com/office/drawing/2014/main" id="{BD4FFA0A-59CE-4655-82ED-F8FB9A6895F1}"/>
+                <a16:creationId xmlns:a16="http://schemas.microsoft.com/office/drawing/2014/main" id="{C67645C6-CE7C-4B69-8F1F-4211F6898763}"/>
               </a:ext>
             </a:extLst>
           </p:cNvPr>
@@ -26623,12 +26630,228 @@
         </p:blipFill>
         <p:spPr>
           <a:xfrm>
-            <a:off x="148183" y="4178908"/>
-            <a:ext cx="11941036" cy="2398961"/>
+            <a:off x="2371563" y="1867553"/>
+            <a:ext cx="2019582" cy="2019582"/>
           </a:xfrm>
           <a:prstGeom prst="rect">
             <a:avLst/>
           </a:prstGeom>
+        </p:spPr>
+      </p:pic>
+      <p:pic>
+        <p:nvPicPr>
+          <p:cNvPr id="9" name="Picture 8">
+            <a:extLst>
+              <a:ext uri="{FF2B5EF4-FFF2-40B4-BE49-F238E27FC236}">
+                <a16:creationId xmlns:a16="http://schemas.microsoft.com/office/drawing/2014/main" id="{4327158D-DD7C-482A-827B-54938C0AD717}"/>
+              </a:ext>
+            </a:extLst>
+          </p:cNvPr>
+          <p:cNvPicPr>
+            <a:picLocks noChangeAspect="1"/>
+          </p:cNvPicPr>
+          <p:nvPr/>
+        </p:nvPicPr>
+        <p:blipFill>
+          <a:blip r:embed="rId4"/>
+          <a:stretch>
+            <a:fillRect/>
+          </a:stretch>
+        </p:blipFill>
+        <p:spPr>
+          <a:xfrm>
+            <a:off x="4525799" y="1867553"/>
+            <a:ext cx="2372056" cy="2353003"/>
+          </a:xfrm>
+          <a:prstGeom prst="rect">
+            <a:avLst/>
+          </a:prstGeom>
+        </p:spPr>
+      </p:pic>
+      <p:pic>
+        <p:nvPicPr>
+          <p:cNvPr id="11" name="Picture 10">
+            <a:extLst>
+              <a:ext uri="{FF2B5EF4-FFF2-40B4-BE49-F238E27FC236}">
+                <a16:creationId xmlns:a16="http://schemas.microsoft.com/office/drawing/2014/main" id="{F2C5C5CE-DBC1-428F-879B-F2411F359F7D}"/>
+              </a:ext>
+            </a:extLst>
+          </p:cNvPr>
+          <p:cNvPicPr>
+            <a:picLocks noChangeAspect="1"/>
+          </p:cNvPicPr>
+          <p:nvPr/>
+        </p:nvPicPr>
+        <p:blipFill>
+          <a:blip r:embed="rId5"/>
+          <a:stretch>
+            <a:fillRect/>
+          </a:stretch>
+        </p:blipFill>
+        <p:spPr>
+          <a:xfrm>
+            <a:off x="7032509" y="1867553"/>
+            <a:ext cx="2324424" cy="2343477"/>
+          </a:xfrm>
+          <a:prstGeom prst="rect">
+            <a:avLst/>
+          </a:prstGeom>
+        </p:spPr>
+      </p:pic>
+      <p:pic>
+        <p:nvPicPr>
+          <p:cNvPr id="13" name="Picture 12">
+            <a:extLst>
+              <a:ext uri="{FF2B5EF4-FFF2-40B4-BE49-F238E27FC236}">
+                <a16:creationId xmlns:a16="http://schemas.microsoft.com/office/drawing/2014/main" id="{08E05E55-8315-46F3-B1B6-440054A868D0}"/>
+              </a:ext>
+            </a:extLst>
+          </p:cNvPr>
+          <p:cNvPicPr>
+            <a:picLocks noChangeAspect="1"/>
+          </p:cNvPicPr>
+          <p:nvPr/>
+        </p:nvPicPr>
+        <p:blipFill>
+          <a:blip r:embed="rId6"/>
+          <a:stretch>
+            <a:fillRect/>
+          </a:stretch>
+        </p:blipFill>
+        <p:spPr>
+          <a:xfrm>
+            <a:off x="9492015" y="1867553"/>
+            <a:ext cx="2400635" cy="2410161"/>
+          </a:xfrm>
+          <a:prstGeom prst="rect">
+            <a:avLst/>
+          </a:prstGeom>
+        </p:spPr>
+      </p:pic>
+      <p:sp>
+        <p:nvSpPr>
+          <p:cNvPr id="15" name="TextBox 14">
+            <a:extLst>
+              <a:ext uri="{FF2B5EF4-FFF2-40B4-BE49-F238E27FC236}">
+                <a16:creationId xmlns:a16="http://schemas.microsoft.com/office/drawing/2014/main" id="{8CD47ED6-0E18-4637-95D1-82F896C49A0A}"/>
+              </a:ext>
+            </a:extLst>
+          </p:cNvPr>
+          <p:cNvSpPr txBox="1"/>
+          <p:nvPr/>
+        </p:nvSpPr>
+        <p:spPr>
+          <a:xfrm>
+            <a:off x="1014471" y="3958135"/>
+            <a:ext cx="3376246" cy="2677656"/>
+          </a:xfrm>
+          <a:prstGeom prst="rect">
+            <a:avLst/>
+          </a:prstGeom>
+          <a:noFill/>
+        </p:spPr>
+        <p:txBody>
+          <a:bodyPr wrap="square" rtlCol="0">
+            <a:spAutoFit/>
+          </a:bodyPr>
+          <a:lstStyle/>
+          <a:p>
+            <a:pPr marL="285750" indent="-285750">
+              <a:buFont typeface="Arial" panose="020B0604020202020204" pitchFamily="34" charset="0"/>
+              <a:buChar char="•"/>
+            </a:pPr>
+            <a:r>
+              <a:rPr lang="en-US" sz="2400" dirty="0"/>
+              <a:t>This is an example of what we will design the GUI to appear to the user. The example is of the registration of the tracker and initializing the database</a:t>
+            </a:r>
+          </a:p>
+        </p:txBody>
+      </p:sp>
+    </p:spTree>
+    <p:extLst>
+      <p:ext uri="{BB962C8B-B14F-4D97-AF65-F5344CB8AC3E}">
+        <p14:creationId xmlns:p14="http://schemas.microsoft.com/office/powerpoint/2010/main" val="3315212950"/>
+      </p:ext>
+    </p:extLst>
+  </p:cSld>
+  <p:clrMapOvr>
+    <a:masterClrMapping/>
+  </p:clrMapOvr>
+</p:sld>
+</file>
+
+<file path=ppt/slides/slide21.xml><?xml version="1.0" encoding="utf-8"?>
+<p:sld xmlns:a="http://schemas.openxmlformats.org/drawingml/2006/main" xmlns:r="http://schemas.openxmlformats.org/officeDocument/2006/relationships" xmlns:p="http://schemas.openxmlformats.org/presentationml/2006/main">
+  <p:cSld>
+    <p:spTree>
+      <p:nvGrpSpPr>
+        <p:cNvPr id="1" name=""/>
+        <p:cNvGrpSpPr/>
+        <p:nvPr/>
+      </p:nvGrpSpPr>
+      <p:grpSpPr>
+        <a:xfrm>
+          <a:off x="0" y="0"/>
+          <a:ext cx="0" cy="0"/>
+          <a:chOff x="0" y="0"/>
+          <a:chExt cx="0" cy="0"/>
+        </a:xfrm>
+      </p:grpSpPr>
+      <p:sp>
+        <p:nvSpPr>
+          <p:cNvPr id="2" name="Title 1">
+            <a:extLst>
+              <a:ext uri="{FF2B5EF4-FFF2-40B4-BE49-F238E27FC236}">
+                <a16:creationId xmlns:a16="http://schemas.microsoft.com/office/drawing/2014/main" id="{9785B1D0-C9EE-4269-80E7-E1466F1D1D53}"/>
+              </a:ext>
+            </a:extLst>
+          </p:cNvPr>
+          <p:cNvSpPr>
+            <a:spLocks noGrp="1"/>
+          </p:cNvSpPr>
+          <p:nvPr>
+            <p:ph type="title"/>
+          </p:nvPr>
+        </p:nvSpPr>
+        <p:spPr/>
+        <p:txBody>
+          <a:bodyPr/>
+          <a:lstStyle/>
+          <a:p>
+            <a:r>
+              <a:rPr lang="en-US" dirty="0"/>
+              <a:t>Timeline</a:t>
+            </a:r>
+          </a:p>
+        </p:txBody>
+      </p:sp>
+      <p:pic>
+        <p:nvPicPr>
+          <p:cNvPr id="5" name="Content Placeholder 4">
+            <a:extLst>
+              <a:ext uri="{FF2B5EF4-FFF2-40B4-BE49-F238E27FC236}">
+                <a16:creationId xmlns:a16="http://schemas.microsoft.com/office/drawing/2014/main" id="{164C876D-1111-4314-BD17-28EDAF0B9207}"/>
+              </a:ext>
+            </a:extLst>
+          </p:cNvPr>
+          <p:cNvPicPr>
+            <a:picLocks noGrp="1" noChangeAspect="1"/>
+          </p:cNvPicPr>
+          <p:nvPr>
+            <p:ph idx="1"/>
+          </p:nvPr>
+        </p:nvPicPr>
+        <p:blipFill>
+          <a:blip r:embed="rId2"/>
+          <a:stretch>
+            <a:fillRect/>
+          </a:stretch>
+        </p:blipFill>
+        <p:spPr>
+          <a:xfrm>
+            <a:off x="350952" y="2445352"/>
+            <a:ext cx="11589604" cy="2690171"/>
+          </a:xfrm>
         </p:spPr>
       </p:pic>
     </p:spTree>
@@ -26644,7 +26867,7 @@
 </p:sld>
 </file>
 
-<file path=ppt/slides/slide21.xml><?xml version="1.0" encoding="utf-8"?>
+<file path=ppt/slides/slide22.xml><?xml version="1.0" encoding="utf-8"?>
 <p:sld xmlns:a="http://schemas.openxmlformats.org/drawingml/2006/main" xmlns:r="http://schemas.openxmlformats.org/officeDocument/2006/relationships" xmlns:p="http://schemas.openxmlformats.org/presentationml/2006/main">
   <p:cSld>
     <p:spTree>
@@ -26708,7 +26931,7 @@
         <p:spPr/>
         <p:txBody>
           <a:bodyPr>
-            <a:normAutofit fontScale="55000" lnSpcReduction="20000"/>
+            <a:normAutofit fontScale="62500" lnSpcReduction="20000"/>
           </a:bodyPr>
           <a:lstStyle/>
           <a:p>
@@ -26736,6 +26959,15 @@
             <a:r>
               <a:rPr lang="en-US" dirty="0"/>
               <a:t>    - Development of database.</a:t>
+            </a:r>
+          </a:p>
+          <a:p>
+            <a:pPr marL="0" indent="0">
+              <a:buNone/>
+            </a:pPr>
+            <a:r>
+              <a:rPr lang="en-US" dirty="0"/>
+              <a:t>    - Hardware prototyping. </a:t>
             </a:r>
           </a:p>
           <a:p>
@@ -26789,26 +27021,13 @@
         <p:spPr/>
         <p:txBody>
           <a:bodyPr>
-            <a:normAutofit fontScale="55000" lnSpcReduction="20000"/>
+            <a:normAutofit fontScale="62500" lnSpcReduction="20000"/>
           </a:bodyPr>
           <a:lstStyle/>
           <a:p>
-            <a:pPr marL="0" indent="0">
-              <a:buNone/>
-            </a:pPr>
             <a:r>
               <a:rPr lang="en-US" dirty="0"/>
               <a:t>- Week 5 – Week 8</a:t>
-            </a:r>
-            <a:endParaRPr lang="en-US" sz="2200" dirty="0"/>
-          </a:p>
-          <a:p>
-            <a:pPr marL="0" indent="0">
-              <a:buNone/>
-            </a:pPr>
-            <a:r>
-              <a:rPr lang="en-US" dirty="0"/>
-              <a:t>        - Hardware prototyping.</a:t>
             </a:r>
           </a:p>
           <a:p>
@@ -26907,7 +27126,7 @@
 </p:sld>
 </file>
 
-<file path=ppt/slides/slide22.xml><?xml version="1.0" encoding="utf-8"?>
+<file path=ppt/slides/slide23.xml><?xml version="1.0" encoding="utf-8"?>
 <p:sld xmlns:a="http://schemas.openxmlformats.org/drawingml/2006/main" xmlns:r="http://schemas.openxmlformats.org/officeDocument/2006/relationships" xmlns:p="http://schemas.openxmlformats.org/presentationml/2006/main">
   <p:cSld>
     <p:spTree>
@@ -27159,7 +27378,7 @@
 </p:sld>
 </file>
 
-<file path=ppt/slides/slide23.xml><?xml version="1.0" encoding="utf-8"?>
+<file path=ppt/slides/slide24.xml><?xml version="1.0" encoding="utf-8"?>
 <p:sld xmlns:a="http://schemas.openxmlformats.org/drawingml/2006/main" xmlns:r="http://schemas.openxmlformats.org/officeDocument/2006/relationships" xmlns:p="http://schemas.openxmlformats.org/presentationml/2006/main">
   <p:cSld>
     <p:spTree>
@@ -27204,62 +27423,993 @@
           </a:p>
         </p:txBody>
       </p:sp>
-      <p:sp>
-        <p:nvSpPr>
-          <p:cNvPr id="3" name="Content Placeholder 2">
-            <a:extLst>
-              <a:ext uri="{FF2B5EF4-FFF2-40B4-BE49-F238E27FC236}">
-                <a16:creationId xmlns:a16="http://schemas.microsoft.com/office/drawing/2014/main" id="{A97F6D80-3EB0-4180-86D2-8404FF54B491}"/>
-              </a:ext>
-            </a:extLst>
-          </p:cNvPr>
-          <p:cNvSpPr>
-            <a:spLocks noGrp="1"/>
-          </p:cNvSpPr>
+      <p:graphicFrame>
+        <p:nvGraphicFramePr>
+          <p:cNvPr id="6" name="Table 5"/>
+          <p:cNvGraphicFramePr>
+            <a:graphicFrameLocks noGrp="1"/>
+          </p:cNvGraphicFramePr>
           <p:nvPr>
-            <p:ph idx="1"/>
+            <p:extLst/>
           </p:nvPr>
-        </p:nvSpPr>
-        <p:spPr/>
-        <p:txBody>
-          <a:bodyPr/>
-          <a:lstStyle/>
-          <a:p>
-            <a:r>
-              <a:rPr lang="en-US" dirty="0"/>
-              <a:t>Development </a:t>
-            </a:r>
-          </a:p>
-          <a:p>
-            <a:r>
-              <a:rPr lang="en-US" dirty="0"/>
-              <a:t>Creation of the mobile application might take longer than anticipated</a:t>
-            </a:r>
-          </a:p>
-          <a:p>
-            <a:r>
-              <a:rPr lang="en-US" dirty="0"/>
-              <a:t>Equipment shipment may be delayed to factors outside our control</a:t>
-            </a:r>
-          </a:p>
-          <a:p>
-            <a:r>
-              <a:rPr lang="en-US" dirty="0"/>
-              <a:t>Utilizing WPS may take time to fully understand</a:t>
-            </a:r>
-          </a:p>
-          <a:p>
-            <a:r>
-              <a:rPr lang="en-US" dirty="0"/>
-              <a:t>Creation of the physical Item Tracker may take a while</a:t>
-            </a:r>
-          </a:p>
-        </p:txBody>
-      </p:sp>
+        </p:nvGraphicFramePr>
+        <p:xfrm>
+          <a:off x="1141413" y="2097059"/>
+          <a:ext cx="9905997" cy="3613500"/>
+        </p:xfrm>
+        <a:graphic>
+          <a:graphicData uri="http://schemas.openxmlformats.org/drawingml/2006/table">
+            <a:tbl>
+              <a:tblPr firstRow="1" firstCol="1" bandRow="1">
+                <a:tableStyleId>{5C22544A-7EE6-4342-B048-85BDC9FD1C3A}</a:tableStyleId>
+              </a:tblPr>
+              <a:tblGrid>
+                <a:gridCol w="3301293">
+                  <a:extLst>
+                    <a:ext uri="{9D8B030D-6E8A-4147-A177-3AD203B41FA5}">
+                      <a16:colId xmlns:a16="http://schemas.microsoft.com/office/drawing/2014/main" val="2637277147"/>
+                    </a:ext>
+                  </a:extLst>
+                </a:gridCol>
+                <a:gridCol w="3302352">
+                  <a:extLst>
+                    <a:ext uri="{9D8B030D-6E8A-4147-A177-3AD203B41FA5}">
+                      <a16:colId xmlns:a16="http://schemas.microsoft.com/office/drawing/2014/main" val="1819301887"/>
+                    </a:ext>
+                  </a:extLst>
+                </a:gridCol>
+                <a:gridCol w="3302352">
+                  <a:extLst>
+                    <a:ext uri="{9D8B030D-6E8A-4147-A177-3AD203B41FA5}">
+                      <a16:colId xmlns:a16="http://schemas.microsoft.com/office/drawing/2014/main" val="65361142"/>
+                    </a:ext>
+                  </a:extLst>
+                </a:gridCol>
+              </a:tblGrid>
+              <a:tr h="195693">
+                <a:tc gridSpan="3">
+                  <a:txBody>
+                    <a:bodyPr/>
+                    <a:lstStyle/>
+                    <a:p>
+                      <a:pPr marL="0" marR="0" algn="ctr">
+                        <a:lnSpc>
+                          <a:spcPct val="107000"/>
+                        </a:lnSpc>
+                        <a:spcBef>
+                          <a:spcPts val="0"/>
+                        </a:spcBef>
+                        <a:spcAft>
+                          <a:spcPts val="0"/>
+                        </a:spcAft>
+                      </a:pPr>
+                      <a:r>
+                        <a:rPr lang="en-US" sz="1200">
+                          <a:solidFill>
+                            <a:schemeClr val="bg1"/>
+                          </a:solidFill>
+                          <a:effectLst/>
+                        </a:rPr>
+                        <a:t>Schedule Risk Assessment</a:t>
+                      </a:r>
+                      <a:endParaRPr lang="en-US" sz="1100">
+                        <a:solidFill>
+                          <a:schemeClr val="bg1"/>
+                        </a:solidFill>
+                        <a:effectLst/>
+                        <a:latin typeface="Calibri" panose="020F0502020204030204" pitchFamily="34" charset="0"/>
+                        <a:ea typeface="Calibri" panose="020F0502020204030204" pitchFamily="34" charset="0"/>
+                        <a:cs typeface="Times New Roman" panose="02020603050405020304" pitchFamily="18" charset="0"/>
+                      </a:endParaRPr>
+                    </a:p>
+                  </a:txBody>
+                  <a:tcPr marL="68580" marR="68580" marT="0" marB="0">
+                    <a:solidFill>
+                      <a:schemeClr val="tx1">
+                        <a:lumMod val="85000"/>
+                      </a:schemeClr>
+                    </a:solidFill>
+                  </a:tcPr>
+                </a:tc>
+                <a:tc hMerge="1">
+                  <a:txBody>
+                    <a:bodyPr/>
+                    <a:lstStyle/>
+                    <a:p>
+                      <a:endParaRPr lang="en-US"/>
+                    </a:p>
+                  </a:txBody>
+                  <a:tcPr/>
+                </a:tc>
+                <a:tc hMerge="1">
+                  <a:txBody>
+                    <a:bodyPr/>
+                    <a:lstStyle/>
+                    <a:p>
+                      <a:endParaRPr lang="en-US"/>
+                    </a:p>
+                  </a:txBody>
+                  <a:tcPr/>
+                </a:tc>
+                <a:extLst>
+                  <a:ext uri="{0D108BD9-81ED-4DB2-BD59-A6C34878D82A}">
+                    <a16:rowId xmlns:a16="http://schemas.microsoft.com/office/drawing/2014/main" val="3886845286"/>
+                  </a:ext>
+                </a:extLst>
+              </a:tr>
+              <a:tr h="195693">
+                <a:tc>
+                  <a:txBody>
+                    <a:bodyPr/>
+                    <a:lstStyle/>
+                    <a:p>
+                      <a:pPr marL="0" marR="0">
+                        <a:lnSpc>
+                          <a:spcPct val="107000"/>
+                        </a:lnSpc>
+                        <a:spcBef>
+                          <a:spcPts val="0"/>
+                        </a:spcBef>
+                        <a:spcAft>
+                          <a:spcPts val="0"/>
+                        </a:spcAft>
+                      </a:pPr>
+                      <a:r>
+                        <a:rPr lang="en-US" sz="1200">
+                          <a:solidFill>
+                            <a:schemeClr val="bg1"/>
+                          </a:solidFill>
+                          <a:effectLst/>
+                        </a:rPr>
+                        <a:t>Possible Schedule Risk</a:t>
+                      </a:r>
+                      <a:endParaRPr lang="en-US" sz="1100">
+                        <a:solidFill>
+                          <a:schemeClr val="bg1"/>
+                        </a:solidFill>
+                        <a:effectLst/>
+                        <a:latin typeface="Calibri" panose="020F0502020204030204" pitchFamily="34" charset="0"/>
+                        <a:ea typeface="Calibri" panose="020F0502020204030204" pitchFamily="34" charset="0"/>
+                        <a:cs typeface="Times New Roman" panose="02020603050405020304" pitchFamily="18" charset="0"/>
+                      </a:endParaRPr>
+                    </a:p>
+                  </a:txBody>
+                  <a:tcPr marL="68580" marR="68580" marT="0" marB="0">
+                    <a:solidFill>
+                      <a:schemeClr val="tx1">
+                        <a:lumMod val="85000"/>
+                      </a:schemeClr>
+                    </a:solidFill>
+                  </a:tcPr>
+                </a:tc>
+                <a:tc>
+                  <a:txBody>
+                    <a:bodyPr/>
+                    <a:lstStyle/>
+                    <a:p>
+                      <a:pPr marL="0" marR="0">
+                        <a:lnSpc>
+                          <a:spcPct val="107000"/>
+                        </a:lnSpc>
+                        <a:spcBef>
+                          <a:spcPts val="0"/>
+                        </a:spcBef>
+                        <a:spcAft>
+                          <a:spcPts val="0"/>
+                        </a:spcAft>
+                      </a:pPr>
+                      <a:r>
+                        <a:rPr lang="en-US" sz="1200" b="1">
+                          <a:effectLst/>
+                        </a:rPr>
+                        <a:t>Likelihood to Happen</a:t>
+                      </a:r>
+                      <a:endParaRPr lang="en-US" sz="1100" b="1">
+                        <a:effectLst/>
+                        <a:latin typeface="Calibri" panose="020F0502020204030204" pitchFamily="34" charset="0"/>
+                        <a:ea typeface="Calibri" panose="020F0502020204030204" pitchFamily="34" charset="0"/>
+                        <a:cs typeface="Times New Roman" panose="02020603050405020304" pitchFamily="18" charset="0"/>
+                      </a:endParaRPr>
+                    </a:p>
+                  </a:txBody>
+                  <a:tcPr marL="68580" marR="68580" marT="0" marB="0">
+                    <a:solidFill>
+                      <a:schemeClr val="tx1">
+                        <a:lumMod val="85000"/>
+                      </a:schemeClr>
+                    </a:solidFill>
+                  </a:tcPr>
+                </a:tc>
+                <a:tc>
+                  <a:txBody>
+                    <a:bodyPr/>
+                    <a:lstStyle/>
+                    <a:p>
+                      <a:pPr marL="0" marR="0">
+                        <a:lnSpc>
+                          <a:spcPct val="107000"/>
+                        </a:lnSpc>
+                        <a:spcBef>
+                          <a:spcPts val="0"/>
+                        </a:spcBef>
+                        <a:spcAft>
+                          <a:spcPts val="0"/>
+                        </a:spcAft>
+                      </a:pPr>
+                      <a:r>
+                        <a:rPr lang="en-US" sz="1200" b="1" dirty="0">
+                          <a:effectLst/>
+                        </a:rPr>
+                        <a:t>Detriment to the Project</a:t>
+                      </a:r>
+                      <a:endParaRPr lang="en-US" sz="1100" b="1" dirty="0">
+                        <a:effectLst/>
+                        <a:latin typeface="Calibri" panose="020F0502020204030204" pitchFamily="34" charset="0"/>
+                        <a:ea typeface="Calibri" panose="020F0502020204030204" pitchFamily="34" charset="0"/>
+                        <a:cs typeface="Times New Roman" panose="02020603050405020304" pitchFamily="18" charset="0"/>
+                      </a:endParaRPr>
+                    </a:p>
+                  </a:txBody>
+                  <a:tcPr marL="68580" marR="68580" marT="0" marB="0">
+                    <a:solidFill>
+                      <a:schemeClr val="tx1">
+                        <a:lumMod val="85000"/>
+                      </a:schemeClr>
+                    </a:solidFill>
+                  </a:tcPr>
+                </a:tc>
+                <a:extLst>
+                  <a:ext uri="{0D108BD9-81ED-4DB2-BD59-A6C34878D82A}">
+                    <a16:rowId xmlns:a16="http://schemas.microsoft.com/office/drawing/2014/main" val="348049679"/>
+                  </a:ext>
+                </a:extLst>
+              </a:tr>
+              <a:tr h="400438">
+                <a:tc>
+                  <a:txBody>
+                    <a:bodyPr/>
+                    <a:lstStyle/>
+                    <a:p>
+                      <a:pPr marL="0" marR="0">
+                        <a:lnSpc>
+                          <a:spcPct val="107000"/>
+                        </a:lnSpc>
+                        <a:spcBef>
+                          <a:spcPts val="0"/>
+                        </a:spcBef>
+                        <a:spcAft>
+                          <a:spcPts val="0"/>
+                        </a:spcAft>
+                      </a:pPr>
+                      <a:r>
+                        <a:rPr lang="en-US" sz="1200" dirty="0">
+                          <a:solidFill>
+                            <a:schemeClr val="bg1"/>
+                          </a:solidFill>
+                          <a:effectLst/>
+                        </a:rPr>
+                        <a:t>Shipping of equipment may take longer than anticipated</a:t>
+                      </a:r>
+                      <a:endParaRPr lang="en-US" sz="1100" dirty="0">
+                        <a:solidFill>
+                          <a:schemeClr val="bg1"/>
+                        </a:solidFill>
+                        <a:effectLst/>
+                        <a:latin typeface="Calibri" panose="020F0502020204030204" pitchFamily="34" charset="0"/>
+                        <a:ea typeface="Calibri" panose="020F0502020204030204" pitchFamily="34" charset="0"/>
+                        <a:cs typeface="Times New Roman" panose="02020603050405020304" pitchFamily="18" charset="0"/>
+                      </a:endParaRPr>
+                    </a:p>
+                  </a:txBody>
+                  <a:tcPr marL="68580" marR="68580" marT="0" marB="0">
+                    <a:solidFill>
+                      <a:schemeClr val="tx1">
+                        <a:lumMod val="85000"/>
+                      </a:schemeClr>
+                    </a:solidFill>
+                  </a:tcPr>
+                </a:tc>
+                <a:tc>
+                  <a:txBody>
+                    <a:bodyPr/>
+                    <a:lstStyle/>
+                    <a:p>
+                      <a:pPr marL="0" marR="0" algn="ctr">
+                        <a:lnSpc>
+                          <a:spcPct val="107000"/>
+                        </a:lnSpc>
+                        <a:spcBef>
+                          <a:spcPts val="0"/>
+                        </a:spcBef>
+                        <a:spcAft>
+                          <a:spcPts val="0"/>
+                        </a:spcAft>
+                      </a:pPr>
+                      <a:r>
+                        <a:rPr lang="en-US" sz="1200">
+                          <a:effectLst/>
+                        </a:rPr>
+                        <a:t>Moderate</a:t>
+                      </a:r>
+                      <a:endParaRPr lang="en-US" sz="1100">
+                        <a:effectLst/>
+                        <a:latin typeface="Calibri" panose="020F0502020204030204" pitchFamily="34" charset="0"/>
+                        <a:ea typeface="Calibri" panose="020F0502020204030204" pitchFamily="34" charset="0"/>
+                        <a:cs typeface="Times New Roman" panose="02020603050405020304" pitchFamily="18" charset="0"/>
+                      </a:endParaRPr>
+                    </a:p>
+                  </a:txBody>
+                  <a:tcPr marL="68580" marR="68580" marT="0" marB="0">
+                    <a:solidFill>
+                      <a:srgbClr val="FFFF00"/>
+                    </a:solidFill>
+                  </a:tcPr>
+                </a:tc>
+                <a:tc>
+                  <a:txBody>
+                    <a:bodyPr/>
+                    <a:lstStyle/>
+                    <a:p>
+                      <a:pPr marL="0" marR="0" algn="ctr">
+                        <a:lnSpc>
+                          <a:spcPct val="107000"/>
+                        </a:lnSpc>
+                        <a:spcBef>
+                          <a:spcPts val="0"/>
+                        </a:spcBef>
+                        <a:spcAft>
+                          <a:spcPts val="0"/>
+                        </a:spcAft>
+                      </a:pPr>
+                      <a:r>
+                        <a:rPr lang="en-US" sz="1200" dirty="0">
+                          <a:effectLst/>
+                        </a:rPr>
+                        <a:t>High</a:t>
+                      </a:r>
+                      <a:endParaRPr lang="en-US" sz="1100" dirty="0">
+                        <a:effectLst/>
+                        <a:latin typeface="Calibri" panose="020F0502020204030204" pitchFamily="34" charset="0"/>
+                        <a:ea typeface="Calibri" panose="020F0502020204030204" pitchFamily="34" charset="0"/>
+                        <a:cs typeface="Times New Roman" panose="02020603050405020304" pitchFamily="18" charset="0"/>
+                      </a:endParaRPr>
+                    </a:p>
+                  </a:txBody>
+                  <a:tcPr marL="68580" marR="68580" marT="0" marB="0">
+                    <a:solidFill>
+                      <a:srgbClr val="FF0000"/>
+                    </a:solidFill>
+                  </a:tcPr>
+                </a:tc>
+                <a:extLst>
+                  <a:ext uri="{0D108BD9-81ED-4DB2-BD59-A6C34878D82A}">
+                    <a16:rowId xmlns:a16="http://schemas.microsoft.com/office/drawing/2014/main" val="2476113958"/>
+                  </a:ext>
+                </a:extLst>
+              </a:tr>
+              <a:tr h="605309">
+                <a:tc>
+                  <a:txBody>
+                    <a:bodyPr/>
+                    <a:lstStyle/>
+                    <a:p>
+                      <a:pPr marL="0" marR="0">
+                        <a:lnSpc>
+                          <a:spcPct val="107000"/>
+                        </a:lnSpc>
+                        <a:spcBef>
+                          <a:spcPts val="0"/>
+                        </a:spcBef>
+                        <a:spcAft>
+                          <a:spcPts val="0"/>
+                        </a:spcAft>
+                      </a:pPr>
+                      <a:r>
+                        <a:rPr lang="en-US" sz="1200" dirty="0">
+                          <a:solidFill>
+                            <a:schemeClr val="bg1"/>
+                          </a:solidFill>
+                          <a:effectLst/>
+                        </a:rPr>
+                        <a:t>Creation of the mobile application might take longer than anticipated</a:t>
+                      </a:r>
+                      <a:endParaRPr lang="en-US" sz="1100" dirty="0">
+                        <a:solidFill>
+                          <a:schemeClr val="bg1"/>
+                        </a:solidFill>
+                        <a:effectLst/>
+                        <a:latin typeface="Calibri" panose="020F0502020204030204" pitchFamily="34" charset="0"/>
+                        <a:ea typeface="Calibri" panose="020F0502020204030204" pitchFamily="34" charset="0"/>
+                        <a:cs typeface="Times New Roman" panose="02020603050405020304" pitchFamily="18" charset="0"/>
+                      </a:endParaRPr>
+                    </a:p>
+                  </a:txBody>
+                  <a:tcPr marL="68580" marR="68580" marT="0" marB="0">
+                    <a:solidFill>
+                      <a:schemeClr val="tx1">
+                        <a:lumMod val="85000"/>
+                      </a:schemeClr>
+                    </a:solidFill>
+                  </a:tcPr>
+                </a:tc>
+                <a:tc>
+                  <a:txBody>
+                    <a:bodyPr/>
+                    <a:lstStyle/>
+                    <a:p>
+                      <a:pPr marL="0" marR="0" algn="ctr">
+                        <a:lnSpc>
+                          <a:spcPct val="107000"/>
+                        </a:lnSpc>
+                        <a:spcBef>
+                          <a:spcPts val="0"/>
+                        </a:spcBef>
+                        <a:spcAft>
+                          <a:spcPts val="0"/>
+                        </a:spcAft>
+                      </a:pPr>
+                      <a:r>
+                        <a:rPr lang="en-US" sz="1200">
+                          <a:effectLst/>
+                        </a:rPr>
+                        <a:t>Moderate</a:t>
+                      </a:r>
+                      <a:endParaRPr lang="en-US" sz="1100">
+                        <a:effectLst/>
+                        <a:latin typeface="Calibri" panose="020F0502020204030204" pitchFamily="34" charset="0"/>
+                        <a:ea typeface="Calibri" panose="020F0502020204030204" pitchFamily="34" charset="0"/>
+                        <a:cs typeface="Times New Roman" panose="02020603050405020304" pitchFamily="18" charset="0"/>
+                      </a:endParaRPr>
+                    </a:p>
+                  </a:txBody>
+                  <a:tcPr marL="68580" marR="68580" marT="0" marB="0">
+                    <a:solidFill>
+                      <a:srgbClr val="FFFF00"/>
+                    </a:solidFill>
+                  </a:tcPr>
+                </a:tc>
+                <a:tc>
+                  <a:txBody>
+                    <a:bodyPr/>
+                    <a:lstStyle/>
+                    <a:p>
+                      <a:pPr marL="0" marR="0" algn="ctr">
+                        <a:lnSpc>
+                          <a:spcPct val="107000"/>
+                        </a:lnSpc>
+                        <a:spcBef>
+                          <a:spcPts val="0"/>
+                        </a:spcBef>
+                        <a:spcAft>
+                          <a:spcPts val="0"/>
+                        </a:spcAft>
+                      </a:pPr>
+                      <a:r>
+                        <a:rPr lang="en-US" sz="1200" dirty="0">
+                          <a:effectLst/>
+                        </a:rPr>
+                        <a:t>Moderate</a:t>
+                      </a:r>
+                      <a:endParaRPr lang="en-US" sz="1100" dirty="0">
+                        <a:effectLst/>
+                        <a:latin typeface="Calibri" panose="020F0502020204030204" pitchFamily="34" charset="0"/>
+                        <a:ea typeface="Calibri" panose="020F0502020204030204" pitchFamily="34" charset="0"/>
+                        <a:cs typeface="Times New Roman" panose="02020603050405020304" pitchFamily="18" charset="0"/>
+                      </a:endParaRPr>
+                    </a:p>
+                  </a:txBody>
+                  <a:tcPr marL="68580" marR="68580" marT="0" marB="0">
+                    <a:solidFill>
+                      <a:srgbClr val="FFFF00"/>
+                    </a:solidFill>
+                  </a:tcPr>
+                </a:tc>
+                <a:extLst>
+                  <a:ext uri="{0D108BD9-81ED-4DB2-BD59-A6C34878D82A}">
+                    <a16:rowId xmlns:a16="http://schemas.microsoft.com/office/drawing/2014/main" val="684808452"/>
+                  </a:ext>
+                </a:extLst>
+              </a:tr>
+              <a:tr h="400438">
+                <a:tc>
+                  <a:txBody>
+                    <a:bodyPr/>
+                    <a:lstStyle/>
+                    <a:p>
+                      <a:pPr marL="0" marR="0">
+                        <a:lnSpc>
+                          <a:spcPct val="107000"/>
+                        </a:lnSpc>
+                        <a:spcBef>
+                          <a:spcPts val="0"/>
+                        </a:spcBef>
+                        <a:spcAft>
+                          <a:spcPts val="0"/>
+                        </a:spcAft>
+                      </a:pPr>
+                      <a:r>
+                        <a:rPr lang="en-US" sz="1200">
+                          <a:solidFill>
+                            <a:schemeClr val="bg1"/>
+                          </a:solidFill>
+                          <a:effectLst/>
+                        </a:rPr>
+                        <a:t>Utilizing WPS may take time to fully understand</a:t>
+                      </a:r>
+                      <a:endParaRPr lang="en-US" sz="1100">
+                        <a:solidFill>
+                          <a:schemeClr val="bg1"/>
+                        </a:solidFill>
+                        <a:effectLst/>
+                        <a:latin typeface="Calibri" panose="020F0502020204030204" pitchFamily="34" charset="0"/>
+                        <a:ea typeface="Calibri" panose="020F0502020204030204" pitchFamily="34" charset="0"/>
+                        <a:cs typeface="Times New Roman" panose="02020603050405020304" pitchFamily="18" charset="0"/>
+                      </a:endParaRPr>
+                    </a:p>
+                  </a:txBody>
+                  <a:tcPr marL="68580" marR="68580" marT="0" marB="0">
+                    <a:solidFill>
+                      <a:schemeClr val="tx1">
+                        <a:lumMod val="85000"/>
+                      </a:schemeClr>
+                    </a:solidFill>
+                  </a:tcPr>
+                </a:tc>
+                <a:tc>
+                  <a:txBody>
+                    <a:bodyPr/>
+                    <a:lstStyle/>
+                    <a:p>
+                      <a:pPr marL="0" marR="0" algn="ctr">
+                        <a:lnSpc>
+                          <a:spcPct val="107000"/>
+                        </a:lnSpc>
+                        <a:spcBef>
+                          <a:spcPts val="0"/>
+                        </a:spcBef>
+                        <a:spcAft>
+                          <a:spcPts val="0"/>
+                        </a:spcAft>
+                      </a:pPr>
+                      <a:r>
+                        <a:rPr lang="en-US" sz="1200" dirty="0">
+                          <a:effectLst/>
+                        </a:rPr>
+                        <a:t>Moderate</a:t>
+                      </a:r>
+                      <a:endParaRPr lang="en-US" sz="1100" dirty="0">
+                        <a:effectLst/>
+                        <a:latin typeface="Calibri" panose="020F0502020204030204" pitchFamily="34" charset="0"/>
+                        <a:ea typeface="Calibri" panose="020F0502020204030204" pitchFamily="34" charset="0"/>
+                        <a:cs typeface="Times New Roman" panose="02020603050405020304" pitchFamily="18" charset="0"/>
+                      </a:endParaRPr>
+                    </a:p>
+                  </a:txBody>
+                  <a:tcPr marL="68580" marR="68580" marT="0" marB="0">
+                    <a:solidFill>
+                      <a:srgbClr val="FFFF00"/>
+                    </a:solidFill>
+                  </a:tcPr>
+                </a:tc>
+                <a:tc>
+                  <a:txBody>
+                    <a:bodyPr/>
+                    <a:lstStyle/>
+                    <a:p>
+                      <a:pPr marL="0" marR="0" algn="ctr">
+                        <a:lnSpc>
+                          <a:spcPct val="107000"/>
+                        </a:lnSpc>
+                        <a:spcBef>
+                          <a:spcPts val="0"/>
+                        </a:spcBef>
+                        <a:spcAft>
+                          <a:spcPts val="0"/>
+                        </a:spcAft>
+                      </a:pPr>
+                      <a:r>
+                        <a:rPr lang="en-US" sz="1200" dirty="0">
+                          <a:effectLst/>
+                        </a:rPr>
+                        <a:t>Low</a:t>
+                      </a:r>
+                      <a:endParaRPr lang="en-US" sz="1100" dirty="0">
+                        <a:effectLst/>
+                        <a:latin typeface="Calibri" panose="020F0502020204030204" pitchFamily="34" charset="0"/>
+                        <a:ea typeface="Calibri" panose="020F0502020204030204" pitchFamily="34" charset="0"/>
+                        <a:cs typeface="Times New Roman" panose="02020603050405020304" pitchFamily="18" charset="0"/>
+                      </a:endParaRPr>
+                    </a:p>
+                  </a:txBody>
+                  <a:tcPr marL="68580" marR="68580" marT="0" marB="0">
+                    <a:solidFill>
+                      <a:srgbClr val="92D050"/>
+                    </a:solidFill>
+                  </a:tcPr>
+                </a:tc>
+                <a:extLst>
+                  <a:ext uri="{0D108BD9-81ED-4DB2-BD59-A6C34878D82A}">
+                    <a16:rowId xmlns:a16="http://schemas.microsoft.com/office/drawing/2014/main" val="1595107357"/>
+                  </a:ext>
+                </a:extLst>
+              </a:tr>
+              <a:tr h="400438">
+                <a:tc>
+                  <a:txBody>
+                    <a:bodyPr/>
+                    <a:lstStyle/>
+                    <a:p>
+                      <a:pPr marL="0" marR="0">
+                        <a:lnSpc>
+                          <a:spcPct val="107000"/>
+                        </a:lnSpc>
+                        <a:spcBef>
+                          <a:spcPts val="0"/>
+                        </a:spcBef>
+                        <a:spcAft>
+                          <a:spcPts val="0"/>
+                        </a:spcAft>
+                      </a:pPr>
+                      <a:r>
+                        <a:rPr lang="en-US" sz="1200">
+                          <a:solidFill>
+                            <a:schemeClr val="bg1"/>
+                          </a:solidFill>
+                          <a:effectLst/>
+                        </a:rPr>
+                        <a:t>Creation of the physical Item Tracker may take a while</a:t>
+                      </a:r>
+                      <a:endParaRPr lang="en-US" sz="1100">
+                        <a:solidFill>
+                          <a:schemeClr val="bg1"/>
+                        </a:solidFill>
+                        <a:effectLst/>
+                        <a:latin typeface="Calibri" panose="020F0502020204030204" pitchFamily="34" charset="0"/>
+                        <a:ea typeface="Calibri" panose="020F0502020204030204" pitchFamily="34" charset="0"/>
+                        <a:cs typeface="Times New Roman" panose="02020603050405020304" pitchFamily="18" charset="0"/>
+                      </a:endParaRPr>
+                    </a:p>
+                  </a:txBody>
+                  <a:tcPr marL="68580" marR="68580" marT="0" marB="0">
+                    <a:solidFill>
+                      <a:schemeClr val="tx1">
+                        <a:lumMod val="85000"/>
+                      </a:schemeClr>
+                    </a:solidFill>
+                  </a:tcPr>
+                </a:tc>
+                <a:tc>
+                  <a:txBody>
+                    <a:bodyPr/>
+                    <a:lstStyle/>
+                    <a:p>
+                      <a:pPr marL="0" marR="0" algn="ctr">
+                        <a:lnSpc>
+                          <a:spcPct val="107000"/>
+                        </a:lnSpc>
+                        <a:spcBef>
+                          <a:spcPts val="0"/>
+                        </a:spcBef>
+                        <a:spcAft>
+                          <a:spcPts val="0"/>
+                        </a:spcAft>
+                      </a:pPr>
+                      <a:r>
+                        <a:rPr lang="en-US" sz="1200" dirty="0">
+                          <a:effectLst/>
+                        </a:rPr>
+                        <a:t>Moderate</a:t>
+                      </a:r>
+                      <a:endParaRPr lang="en-US" sz="1100" dirty="0">
+                        <a:effectLst/>
+                        <a:latin typeface="Calibri" panose="020F0502020204030204" pitchFamily="34" charset="0"/>
+                        <a:ea typeface="Calibri" panose="020F0502020204030204" pitchFamily="34" charset="0"/>
+                        <a:cs typeface="Times New Roman" panose="02020603050405020304" pitchFamily="18" charset="0"/>
+                      </a:endParaRPr>
+                    </a:p>
+                  </a:txBody>
+                  <a:tcPr marL="68580" marR="68580" marT="0" marB="0">
+                    <a:solidFill>
+                      <a:srgbClr val="FFFF00"/>
+                    </a:solidFill>
+                  </a:tcPr>
+                </a:tc>
+                <a:tc>
+                  <a:txBody>
+                    <a:bodyPr/>
+                    <a:lstStyle/>
+                    <a:p>
+                      <a:pPr marL="0" marR="0" algn="ctr">
+                        <a:lnSpc>
+                          <a:spcPct val="107000"/>
+                        </a:lnSpc>
+                        <a:spcBef>
+                          <a:spcPts val="0"/>
+                        </a:spcBef>
+                        <a:spcAft>
+                          <a:spcPts val="0"/>
+                        </a:spcAft>
+                      </a:pPr>
+                      <a:r>
+                        <a:rPr lang="en-US" sz="1200" dirty="0">
+                          <a:effectLst/>
+                        </a:rPr>
+                        <a:t>High</a:t>
+                      </a:r>
+                      <a:endParaRPr lang="en-US" sz="1100" dirty="0">
+                        <a:effectLst/>
+                        <a:latin typeface="Calibri" panose="020F0502020204030204" pitchFamily="34" charset="0"/>
+                        <a:ea typeface="Calibri" panose="020F0502020204030204" pitchFamily="34" charset="0"/>
+                        <a:cs typeface="Times New Roman" panose="02020603050405020304" pitchFamily="18" charset="0"/>
+                      </a:endParaRPr>
+                    </a:p>
+                  </a:txBody>
+                  <a:tcPr marL="68580" marR="68580" marT="0" marB="0">
+                    <a:solidFill>
+                      <a:srgbClr val="FF0000"/>
+                    </a:solidFill>
+                  </a:tcPr>
+                </a:tc>
+                <a:extLst>
+                  <a:ext uri="{0D108BD9-81ED-4DB2-BD59-A6C34878D82A}">
+                    <a16:rowId xmlns:a16="http://schemas.microsoft.com/office/drawing/2014/main" val="55020431"/>
+                  </a:ext>
+                </a:extLst>
+              </a:tr>
+              <a:tr h="810182">
+                <a:tc>
+                  <a:txBody>
+                    <a:bodyPr/>
+                    <a:lstStyle/>
+                    <a:p>
+                      <a:pPr marL="0" marR="0">
+                        <a:lnSpc>
+                          <a:spcPct val="107000"/>
+                        </a:lnSpc>
+                        <a:spcBef>
+                          <a:spcPts val="0"/>
+                        </a:spcBef>
+                        <a:spcAft>
+                          <a:spcPts val="0"/>
+                        </a:spcAft>
+                      </a:pPr>
+                      <a:r>
+                        <a:rPr lang="en-US" sz="1200">
+                          <a:solidFill>
+                            <a:schemeClr val="bg1"/>
+                          </a:solidFill>
+                          <a:effectLst/>
+                        </a:rPr>
+                        <a:t>Implementing client/host communication servers between tracker and application</a:t>
+                      </a:r>
+                      <a:endParaRPr lang="en-US" sz="1100">
+                        <a:solidFill>
+                          <a:schemeClr val="bg1"/>
+                        </a:solidFill>
+                        <a:effectLst/>
+                        <a:latin typeface="Calibri" panose="020F0502020204030204" pitchFamily="34" charset="0"/>
+                        <a:ea typeface="Calibri" panose="020F0502020204030204" pitchFamily="34" charset="0"/>
+                        <a:cs typeface="Times New Roman" panose="02020603050405020304" pitchFamily="18" charset="0"/>
+                      </a:endParaRPr>
+                    </a:p>
+                  </a:txBody>
+                  <a:tcPr marL="68580" marR="68580" marT="0" marB="0">
+                    <a:solidFill>
+                      <a:schemeClr val="tx1">
+                        <a:lumMod val="85000"/>
+                      </a:schemeClr>
+                    </a:solidFill>
+                  </a:tcPr>
+                </a:tc>
+                <a:tc>
+                  <a:txBody>
+                    <a:bodyPr/>
+                    <a:lstStyle/>
+                    <a:p>
+                      <a:pPr marL="0" marR="0" algn="ctr">
+                        <a:lnSpc>
+                          <a:spcPct val="107000"/>
+                        </a:lnSpc>
+                        <a:spcBef>
+                          <a:spcPts val="0"/>
+                        </a:spcBef>
+                        <a:spcAft>
+                          <a:spcPts val="0"/>
+                        </a:spcAft>
+                      </a:pPr>
+                      <a:r>
+                        <a:rPr lang="en-US" sz="1200" dirty="0">
+                          <a:effectLst/>
+                        </a:rPr>
+                        <a:t>Low</a:t>
+                      </a:r>
+                      <a:endParaRPr lang="en-US" sz="1100" dirty="0">
+                        <a:effectLst/>
+                        <a:latin typeface="Calibri" panose="020F0502020204030204" pitchFamily="34" charset="0"/>
+                        <a:ea typeface="Calibri" panose="020F0502020204030204" pitchFamily="34" charset="0"/>
+                        <a:cs typeface="Times New Roman" panose="02020603050405020304" pitchFamily="18" charset="0"/>
+                      </a:endParaRPr>
+                    </a:p>
+                  </a:txBody>
+                  <a:tcPr marL="68580" marR="68580" marT="0" marB="0">
+                    <a:solidFill>
+                      <a:srgbClr val="92D050"/>
+                    </a:solidFill>
+                  </a:tcPr>
+                </a:tc>
+                <a:tc>
+                  <a:txBody>
+                    <a:bodyPr/>
+                    <a:lstStyle/>
+                    <a:p>
+                      <a:pPr marL="0" marR="0" algn="ctr">
+                        <a:lnSpc>
+                          <a:spcPct val="107000"/>
+                        </a:lnSpc>
+                        <a:spcBef>
+                          <a:spcPts val="0"/>
+                        </a:spcBef>
+                        <a:spcAft>
+                          <a:spcPts val="0"/>
+                        </a:spcAft>
+                      </a:pPr>
+                      <a:r>
+                        <a:rPr lang="en-US" sz="1200" dirty="0">
+                          <a:effectLst/>
+                        </a:rPr>
+                        <a:t>High</a:t>
+                      </a:r>
+                      <a:endParaRPr lang="en-US" sz="1100" dirty="0">
+                        <a:effectLst/>
+                        <a:latin typeface="Calibri" panose="020F0502020204030204" pitchFamily="34" charset="0"/>
+                        <a:ea typeface="Calibri" panose="020F0502020204030204" pitchFamily="34" charset="0"/>
+                        <a:cs typeface="Times New Roman" panose="02020603050405020304" pitchFamily="18" charset="0"/>
+                      </a:endParaRPr>
+                    </a:p>
+                  </a:txBody>
+                  <a:tcPr marL="68580" marR="68580" marT="0" marB="0">
+                    <a:solidFill>
+                      <a:srgbClr val="FF0000"/>
+                    </a:solidFill>
+                  </a:tcPr>
+                </a:tc>
+                <a:extLst>
+                  <a:ext uri="{0D108BD9-81ED-4DB2-BD59-A6C34878D82A}">
+                    <a16:rowId xmlns:a16="http://schemas.microsoft.com/office/drawing/2014/main" val="1126318467"/>
+                  </a:ext>
+                </a:extLst>
+              </a:tr>
+              <a:tr h="605309">
+                <a:tc>
+                  <a:txBody>
+                    <a:bodyPr/>
+                    <a:lstStyle/>
+                    <a:p>
+                      <a:pPr marL="0" marR="0">
+                        <a:lnSpc>
+                          <a:spcPct val="107000"/>
+                        </a:lnSpc>
+                        <a:spcBef>
+                          <a:spcPts val="0"/>
+                        </a:spcBef>
+                        <a:spcAft>
+                          <a:spcPts val="0"/>
+                        </a:spcAft>
+                      </a:pPr>
+                      <a:r>
+                        <a:rPr lang="en-US" sz="1200" dirty="0">
+                          <a:solidFill>
+                            <a:schemeClr val="bg1"/>
+                          </a:solidFill>
+                          <a:effectLst/>
+                        </a:rPr>
+                        <a:t>May need to reorder equipment due to damages that may occur</a:t>
+                      </a:r>
+                      <a:endParaRPr lang="en-US" sz="1100" dirty="0">
+                        <a:solidFill>
+                          <a:schemeClr val="bg1"/>
+                        </a:solidFill>
+                        <a:effectLst/>
+                        <a:latin typeface="Calibri" panose="020F0502020204030204" pitchFamily="34" charset="0"/>
+                        <a:ea typeface="Calibri" panose="020F0502020204030204" pitchFamily="34" charset="0"/>
+                        <a:cs typeface="Times New Roman" panose="02020603050405020304" pitchFamily="18" charset="0"/>
+                      </a:endParaRPr>
+                    </a:p>
+                  </a:txBody>
+                  <a:tcPr marL="68580" marR="68580" marT="0" marB="0">
+                    <a:solidFill>
+                      <a:schemeClr val="tx1">
+                        <a:lumMod val="85000"/>
+                      </a:schemeClr>
+                    </a:solidFill>
+                  </a:tcPr>
+                </a:tc>
+                <a:tc>
+                  <a:txBody>
+                    <a:bodyPr/>
+                    <a:lstStyle/>
+                    <a:p>
+                      <a:pPr marL="0" marR="0" algn="ctr">
+                        <a:lnSpc>
+                          <a:spcPct val="107000"/>
+                        </a:lnSpc>
+                        <a:spcBef>
+                          <a:spcPts val="0"/>
+                        </a:spcBef>
+                        <a:spcAft>
+                          <a:spcPts val="0"/>
+                        </a:spcAft>
+                      </a:pPr>
+                      <a:r>
+                        <a:rPr lang="en-US" sz="1200" dirty="0">
+                          <a:effectLst/>
+                        </a:rPr>
+                        <a:t>High</a:t>
+                      </a:r>
+                      <a:endParaRPr lang="en-US" sz="1100" dirty="0">
+                        <a:effectLst/>
+                        <a:latin typeface="Calibri" panose="020F0502020204030204" pitchFamily="34" charset="0"/>
+                        <a:ea typeface="Calibri" panose="020F0502020204030204" pitchFamily="34" charset="0"/>
+                        <a:cs typeface="Times New Roman" panose="02020603050405020304" pitchFamily="18" charset="0"/>
+                      </a:endParaRPr>
+                    </a:p>
+                  </a:txBody>
+                  <a:tcPr marL="68580" marR="68580" marT="0" marB="0">
+                    <a:solidFill>
+                      <a:srgbClr val="FF0000"/>
+                    </a:solidFill>
+                  </a:tcPr>
+                </a:tc>
+                <a:tc>
+                  <a:txBody>
+                    <a:bodyPr/>
+                    <a:lstStyle/>
+                    <a:p>
+                      <a:pPr marL="0" marR="0" algn="ctr">
+                        <a:lnSpc>
+                          <a:spcPct val="107000"/>
+                        </a:lnSpc>
+                        <a:spcBef>
+                          <a:spcPts val="0"/>
+                        </a:spcBef>
+                        <a:spcAft>
+                          <a:spcPts val="0"/>
+                        </a:spcAft>
+                      </a:pPr>
+                      <a:r>
+                        <a:rPr lang="en-US" sz="1200" dirty="0">
+                          <a:effectLst/>
+                        </a:rPr>
+                        <a:t>Low</a:t>
+                      </a:r>
+                      <a:endParaRPr lang="en-US" sz="1100" dirty="0">
+                        <a:effectLst/>
+                        <a:latin typeface="Calibri" panose="020F0502020204030204" pitchFamily="34" charset="0"/>
+                        <a:ea typeface="Calibri" panose="020F0502020204030204" pitchFamily="34" charset="0"/>
+                        <a:cs typeface="Times New Roman" panose="02020603050405020304" pitchFamily="18" charset="0"/>
+                      </a:endParaRPr>
+                    </a:p>
+                  </a:txBody>
+                  <a:tcPr marL="68580" marR="68580" marT="0" marB="0">
+                    <a:solidFill>
+                      <a:srgbClr val="92D050"/>
+                    </a:solidFill>
+                  </a:tcPr>
+                </a:tc>
+                <a:extLst>
+                  <a:ext uri="{0D108BD9-81ED-4DB2-BD59-A6C34878D82A}">
+                    <a16:rowId xmlns:a16="http://schemas.microsoft.com/office/drawing/2014/main" val="2151536935"/>
+                  </a:ext>
+                </a:extLst>
+              </a:tr>
+            </a:tbl>
+          </a:graphicData>
+        </a:graphic>
+      </p:graphicFrame>
     </p:spTree>
     <p:extLst>
       <p:ext uri="{BB962C8B-B14F-4D97-AF65-F5344CB8AC3E}">
-        <p14:creationId xmlns:p14="http://schemas.microsoft.com/office/powerpoint/2010/main" val="308029904"/>
+        <p14:creationId xmlns:p14="http://schemas.microsoft.com/office/powerpoint/2010/main" val="2692787356"/>
       </p:ext>
     </p:extLst>
   </p:cSld>
@@ -27269,7 +28419,7 @@
 </p:sld>
 </file>
 
-<file path=ppt/slides/slide24.xml><?xml version="1.0" encoding="utf-8"?>
+<file path=ppt/slides/slide25.xml><?xml version="1.0" encoding="utf-8"?>
 <p:sld xmlns:a="http://schemas.openxmlformats.org/drawingml/2006/main" xmlns:r="http://schemas.openxmlformats.org/officeDocument/2006/relationships" xmlns:p="http://schemas.openxmlformats.org/presentationml/2006/main">
   <p:cSld>
     <p:spTree>
@@ -27384,7 +28534,7 @@
 </p:sld>
 </file>
 
-<file path=ppt/slides/slide25.xml><?xml version="1.0" encoding="utf-8"?>
+<file path=ppt/slides/slide26.xml><?xml version="1.0" encoding="utf-8"?>
 <p:sld xmlns:a="http://schemas.openxmlformats.org/drawingml/2006/main" xmlns:r="http://schemas.openxmlformats.org/officeDocument/2006/relationships" xmlns:p="http://schemas.openxmlformats.org/presentationml/2006/main">
   <p:cSld>
     <p:spTree>
@@ -27501,7 +28651,7 @@
 </p:sld>
 </file>
 
-<file path=ppt/slides/slide26.xml><?xml version="1.0" encoding="utf-8"?>
+<file path=ppt/slides/slide27.xml><?xml version="1.0" encoding="utf-8"?>
 <p:sld xmlns:a="http://schemas.openxmlformats.org/drawingml/2006/main" xmlns:r="http://schemas.openxmlformats.org/officeDocument/2006/relationships" xmlns:p="http://schemas.openxmlformats.org/presentationml/2006/main">
   <p:cSld>
     <p:spTree>
@@ -27617,7 +28767,7 @@
 </p:sld>
 </file>
 
-<file path=ppt/slides/slide27.xml><?xml version="1.0" encoding="utf-8"?>
+<file path=ppt/slides/slide28.xml><?xml version="1.0" encoding="utf-8"?>
 <p:sld xmlns:a="http://schemas.openxmlformats.org/drawingml/2006/main" xmlns:r="http://schemas.openxmlformats.org/officeDocument/2006/relationships" xmlns:p="http://schemas.openxmlformats.org/presentationml/2006/main">
   <p:cSld>
     <p:spTree>
@@ -29828,7 +30978,7 @@
 </p:sld>
 </file>
 
-<file path=ppt/slides/slide28.xml><?xml version="1.0" encoding="utf-8"?>
+<file path=ppt/slides/slide29.xml><?xml version="1.0" encoding="utf-8"?>
 <p:sld xmlns:a="http://schemas.openxmlformats.org/drawingml/2006/main" xmlns:r="http://schemas.openxmlformats.org/officeDocument/2006/relationships" xmlns:p="http://schemas.openxmlformats.org/presentationml/2006/main">
   <p:cSld>
     <p:spTree>
@@ -29896,25 +31046,25 @@
           <a:p>
             <a:r>
               <a:rPr lang="en-US" dirty="0"/>
-              <a:t>Testing of back-end components (database components and DBMS systems).</a:t>
+              <a:t>- Testing of back-end components (database components and DBMS systems).</a:t>
             </a:r>
           </a:p>
           <a:p>
             <a:r>
               <a:rPr lang="en-US" dirty="0"/>
-              <a:t>Testing stored procedures, views, schemas in DB, tables, indexes, key, triggers, data validations and data consistence check. </a:t>
+              <a:t>- Testing stored procedures, views, schemas in DB, tables, indexes, key, triggers, data validations and data consistence check. </a:t>
             </a:r>
           </a:p>
           <a:p>
             <a:r>
               <a:rPr lang="en-US" dirty="0"/>
-              <a:t>The type of testing in database is functional testing type which involves checking functionality of database from user point of view. </a:t>
+              <a:t>- The type of testing in database is functional testing type which involves checking functionality of database from user point of view. </a:t>
             </a:r>
           </a:p>
           <a:p>
             <a:r>
               <a:rPr lang="en-US" dirty="0"/>
-              <a:t>Nonfunctional testing could be used to check the stress testing, minimum system requirements and deals with the performance of the database. </a:t>
+              <a:t>- Nonfunctional testing could be used to check the stress testing, minimum system requirements and deals with the performance of the database. </a:t>
             </a:r>
           </a:p>
         </p:txBody>
@@ -29923,107 +31073,6 @@
     <p:extLst>
       <p:ext uri="{BB962C8B-B14F-4D97-AF65-F5344CB8AC3E}">
         <p14:creationId xmlns:p14="http://schemas.microsoft.com/office/powerpoint/2010/main" val="317589872"/>
-      </p:ext>
-    </p:extLst>
-  </p:cSld>
-  <p:clrMapOvr>
-    <a:masterClrMapping/>
-  </p:clrMapOvr>
-</p:sld>
-</file>
-
-<file path=ppt/slides/slide29.xml><?xml version="1.0" encoding="utf-8"?>
-<p:sld xmlns:a="http://schemas.openxmlformats.org/drawingml/2006/main" xmlns:r="http://schemas.openxmlformats.org/officeDocument/2006/relationships" xmlns:p="http://schemas.openxmlformats.org/presentationml/2006/main">
-  <p:cSld>
-    <p:spTree>
-      <p:nvGrpSpPr>
-        <p:cNvPr id="1" name=""/>
-        <p:cNvGrpSpPr/>
-        <p:nvPr/>
-      </p:nvGrpSpPr>
-      <p:grpSpPr>
-        <a:xfrm>
-          <a:off x="0" y="0"/>
-          <a:ext cx="0" cy="0"/>
-          <a:chOff x="0" y="0"/>
-          <a:chExt cx="0" cy="0"/>
-        </a:xfrm>
-      </p:grpSpPr>
-      <p:sp>
-        <p:nvSpPr>
-          <p:cNvPr id="2" name="Title 1">
-            <a:extLst>
-              <a:ext uri="{FF2B5EF4-FFF2-40B4-BE49-F238E27FC236}">
-                <a16:creationId xmlns:a16="http://schemas.microsoft.com/office/drawing/2014/main" id="{5F2F4C3F-93C2-43C1-9724-F924D9421B14}"/>
-              </a:ext>
-            </a:extLst>
-          </p:cNvPr>
-          <p:cNvSpPr>
-            <a:spLocks noGrp="1"/>
-          </p:cNvSpPr>
-          <p:nvPr>
-            <p:ph type="title"/>
-          </p:nvPr>
-        </p:nvSpPr>
-        <p:spPr/>
-        <p:txBody>
-          <a:bodyPr/>
-          <a:lstStyle/>
-          <a:p>
-            <a:r>
-              <a:rPr lang="en-US" dirty="0"/>
-              <a:t>Safety Risks</a:t>
-            </a:r>
-          </a:p>
-        </p:txBody>
-      </p:sp>
-      <p:sp>
-        <p:nvSpPr>
-          <p:cNvPr id="3" name="Content Placeholder 2">
-            <a:extLst>
-              <a:ext uri="{FF2B5EF4-FFF2-40B4-BE49-F238E27FC236}">
-                <a16:creationId xmlns:a16="http://schemas.microsoft.com/office/drawing/2014/main" id="{C4B0EABB-9146-47B4-93E7-3DBC7A0F0D38}"/>
-              </a:ext>
-            </a:extLst>
-          </p:cNvPr>
-          <p:cNvSpPr>
-            <a:spLocks noGrp="1"/>
-          </p:cNvSpPr>
-          <p:nvPr>
-            <p:ph idx="1"/>
-          </p:nvPr>
-        </p:nvSpPr>
-        <p:spPr/>
-        <p:txBody>
-          <a:bodyPr/>
-          <a:lstStyle/>
-          <a:p>
-            <a:r>
-              <a:rPr lang="en-US" dirty="0"/>
-              <a:t>Every component is commercial and thus has been tested and approved by the IEC 61508 electronics safety standard</a:t>
-            </a:r>
-          </a:p>
-          <a:p>
-            <a:r>
-              <a:rPr lang="en-US" dirty="0"/>
-              <a:t>The final product will be tested by UL60335 safety standard for household appliances.</a:t>
-            </a:r>
-          </a:p>
-          <a:p>
-            <a:r>
-              <a:rPr lang="en-US" dirty="0"/>
-              <a:t>Other possible electrical safety risks, such as shocking hazards, have been identified and mitigated.</a:t>
-            </a:r>
-          </a:p>
-          <a:p>
-            <a:endParaRPr lang="en-US" dirty="0"/>
-          </a:p>
-        </p:txBody>
-      </p:sp>
-    </p:spTree>
-    <p:extLst>
-      <p:ext uri="{BB962C8B-B14F-4D97-AF65-F5344CB8AC3E}">
-        <p14:creationId xmlns:p14="http://schemas.microsoft.com/office/powerpoint/2010/main" val="2160792276"/>
       </p:ext>
     </p:extLst>
   </p:cSld>
@@ -30188,6 +31237,679 @@
           <p:cNvPr id="2" name="Title 1">
             <a:extLst>
               <a:ext uri="{FF2B5EF4-FFF2-40B4-BE49-F238E27FC236}">
+                <a16:creationId xmlns:a16="http://schemas.microsoft.com/office/drawing/2014/main" id="{5F2F4C3F-93C2-43C1-9724-F924D9421B14}"/>
+              </a:ext>
+            </a:extLst>
+          </p:cNvPr>
+          <p:cNvSpPr>
+            <a:spLocks noGrp="1"/>
+          </p:cNvSpPr>
+          <p:nvPr>
+            <p:ph type="title"/>
+          </p:nvPr>
+        </p:nvSpPr>
+        <p:spPr/>
+        <p:txBody>
+          <a:bodyPr/>
+          <a:lstStyle/>
+          <a:p>
+            <a:r>
+              <a:rPr lang="en-US" dirty="0"/>
+              <a:t>Safety Risks</a:t>
+            </a:r>
+          </a:p>
+        </p:txBody>
+      </p:sp>
+      <p:graphicFrame>
+        <p:nvGraphicFramePr>
+          <p:cNvPr id="4" name="Content Placeholder 3"/>
+          <p:cNvGraphicFramePr>
+            <a:graphicFrameLocks noGrp="1"/>
+          </p:cNvGraphicFramePr>
+          <p:nvPr>
+            <p:ph idx="1"/>
+            <p:extLst/>
+          </p:nvPr>
+        </p:nvGraphicFramePr>
+        <p:xfrm>
+          <a:off x="1141413" y="2097088"/>
+          <a:ext cx="9905997" cy="3542315"/>
+        </p:xfrm>
+        <a:graphic>
+          <a:graphicData uri="http://schemas.openxmlformats.org/drawingml/2006/table">
+            <a:tbl>
+              <a:tblPr firstRow="1" firstCol="1" bandRow="1">
+                <a:tableStyleId>{5C22544A-7EE6-4342-B048-85BDC9FD1C3A}</a:tableStyleId>
+              </a:tblPr>
+              <a:tblGrid>
+                <a:gridCol w="3301293">
+                  <a:extLst>
+                    <a:ext uri="{9D8B030D-6E8A-4147-A177-3AD203B41FA5}">
+                      <a16:colId xmlns:a16="http://schemas.microsoft.com/office/drawing/2014/main" val="2846950796"/>
+                    </a:ext>
+                  </a:extLst>
+                </a:gridCol>
+                <a:gridCol w="3302352">
+                  <a:extLst>
+                    <a:ext uri="{9D8B030D-6E8A-4147-A177-3AD203B41FA5}">
+                      <a16:colId xmlns:a16="http://schemas.microsoft.com/office/drawing/2014/main" val="233940139"/>
+                    </a:ext>
+                  </a:extLst>
+                </a:gridCol>
+                <a:gridCol w="3302352">
+                  <a:extLst>
+                    <a:ext uri="{9D8B030D-6E8A-4147-A177-3AD203B41FA5}">
+                      <a16:colId xmlns:a16="http://schemas.microsoft.com/office/drawing/2014/main" val="1960200537"/>
+                    </a:ext>
+                  </a:extLst>
+                </a:gridCol>
+              </a:tblGrid>
+              <a:tr h="214381">
+                <a:tc gridSpan="3">
+                  <a:txBody>
+                    <a:bodyPr/>
+                    <a:lstStyle/>
+                    <a:p>
+                      <a:pPr marL="0" marR="0" algn="ctr">
+                        <a:lnSpc>
+                          <a:spcPct val="107000"/>
+                        </a:lnSpc>
+                        <a:spcBef>
+                          <a:spcPts val="0"/>
+                        </a:spcBef>
+                        <a:spcAft>
+                          <a:spcPts val="0"/>
+                        </a:spcAft>
+                      </a:pPr>
+                      <a:r>
+                        <a:rPr lang="en-US" sz="1200" dirty="0">
+                          <a:solidFill>
+                            <a:schemeClr val="bg1"/>
+                          </a:solidFill>
+                          <a:effectLst/>
+                        </a:rPr>
+                        <a:t>Safety Risk Assessment</a:t>
+                      </a:r>
+                      <a:endParaRPr lang="en-US" sz="1100" dirty="0">
+                        <a:solidFill>
+                          <a:schemeClr val="bg1"/>
+                        </a:solidFill>
+                        <a:effectLst/>
+                        <a:latin typeface="Calibri" panose="020F0502020204030204" pitchFamily="34" charset="0"/>
+                        <a:ea typeface="Calibri" panose="020F0502020204030204" pitchFamily="34" charset="0"/>
+                        <a:cs typeface="Times New Roman" panose="02020603050405020304" pitchFamily="18" charset="0"/>
+                      </a:endParaRPr>
+                    </a:p>
+                  </a:txBody>
+                  <a:tcPr marL="68580" marR="68580" marT="0" marB="0">
+                    <a:solidFill>
+                      <a:schemeClr val="tx1">
+                        <a:lumMod val="85000"/>
+                      </a:schemeClr>
+                    </a:solidFill>
+                  </a:tcPr>
+                </a:tc>
+                <a:tc hMerge="1">
+                  <a:txBody>
+                    <a:bodyPr/>
+                    <a:lstStyle/>
+                    <a:p>
+                      <a:endParaRPr lang="en-US"/>
+                    </a:p>
+                  </a:txBody>
+                  <a:tcPr/>
+                </a:tc>
+                <a:tc hMerge="1">
+                  <a:txBody>
+                    <a:bodyPr/>
+                    <a:lstStyle/>
+                    <a:p>
+                      <a:endParaRPr lang="en-US"/>
+                    </a:p>
+                  </a:txBody>
+                  <a:tcPr/>
+                </a:tc>
+                <a:extLst>
+                  <a:ext uri="{0D108BD9-81ED-4DB2-BD59-A6C34878D82A}">
+                    <a16:rowId xmlns:a16="http://schemas.microsoft.com/office/drawing/2014/main" val="466744638"/>
+                  </a:ext>
+                </a:extLst>
+              </a:tr>
+              <a:tr h="214381">
+                <a:tc>
+                  <a:txBody>
+                    <a:bodyPr/>
+                    <a:lstStyle/>
+                    <a:p>
+                      <a:pPr marL="0" marR="0" algn="ctr">
+                        <a:lnSpc>
+                          <a:spcPct val="107000"/>
+                        </a:lnSpc>
+                        <a:spcBef>
+                          <a:spcPts val="0"/>
+                        </a:spcBef>
+                        <a:spcAft>
+                          <a:spcPts val="0"/>
+                        </a:spcAft>
+                      </a:pPr>
+                      <a:r>
+                        <a:rPr lang="en-US" sz="1200" dirty="0">
+                          <a:solidFill>
+                            <a:schemeClr val="bg1"/>
+                          </a:solidFill>
+                          <a:effectLst/>
+                        </a:rPr>
+                        <a:t>Possible Safety Risk</a:t>
+                      </a:r>
+                      <a:endParaRPr lang="en-US" sz="1100" dirty="0">
+                        <a:solidFill>
+                          <a:schemeClr val="bg1"/>
+                        </a:solidFill>
+                        <a:effectLst/>
+                        <a:latin typeface="Calibri" panose="020F0502020204030204" pitchFamily="34" charset="0"/>
+                        <a:ea typeface="Calibri" panose="020F0502020204030204" pitchFamily="34" charset="0"/>
+                        <a:cs typeface="Times New Roman" panose="02020603050405020304" pitchFamily="18" charset="0"/>
+                      </a:endParaRPr>
+                    </a:p>
+                  </a:txBody>
+                  <a:tcPr marL="68580" marR="68580" marT="0" marB="0">
+                    <a:solidFill>
+                      <a:schemeClr val="tx1">
+                        <a:lumMod val="85000"/>
+                      </a:schemeClr>
+                    </a:solidFill>
+                  </a:tcPr>
+                </a:tc>
+                <a:tc>
+                  <a:txBody>
+                    <a:bodyPr/>
+                    <a:lstStyle/>
+                    <a:p>
+                      <a:pPr marL="0" marR="0" algn="ctr">
+                        <a:lnSpc>
+                          <a:spcPct val="107000"/>
+                        </a:lnSpc>
+                        <a:spcBef>
+                          <a:spcPts val="0"/>
+                        </a:spcBef>
+                        <a:spcAft>
+                          <a:spcPts val="0"/>
+                        </a:spcAft>
+                      </a:pPr>
+                      <a:r>
+                        <a:rPr lang="en-US" sz="1200" b="1" dirty="0">
+                          <a:effectLst/>
+                        </a:rPr>
+                        <a:t>Likelihood to Cause Issue</a:t>
+                      </a:r>
+                      <a:endParaRPr lang="en-US" sz="1100" b="1" dirty="0">
+                        <a:effectLst/>
+                        <a:latin typeface="Calibri" panose="020F0502020204030204" pitchFamily="34" charset="0"/>
+                        <a:ea typeface="Calibri" panose="020F0502020204030204" pitchFamily="34" charset="0"/>
+                        <a:cs typeface="Times New Roman" panose="02020603050405020304" pitchFamily="18" charset="0"/>
+                      </a:endParaRPr>
+                    </a:p>
+                  </a:txBody>
+                  <a:tcPr marL="68580" marR="68580" marT="0" marB="0">
+                    <a:solidFill>
+                      <a:schemeClr val="tx1">
+                        <a:lumMod val="85000"/>
+                      </a:schemeClr>
+                    </a:solidFill>
+                  </a:tcPr>
+                </a:tc>
+                <a:tc>
+                  <a:txBody>
+                    <a:bodyPr/>
+                    <a:lstStyle/>
+                    <a:p>
+                      <a:pPr marL="0" marR="0" algn="ctr">
+                        <a:lnSpc>
+                          <a:spcPct val="107000"/>
+                        </a:lnSpc>
+                        <a:spcBef>
+                          <a:spcPts val="0"/>
+                        </a:spcBef>
+                        <a:spcAft>
+                          <a:spcPts val="0"/>
+                        </a:spcAft>
+                      </a:pPr>
+                      <a:r>
+                        <a:rPr lang="en-US" sz="1200" b="1" dirty="0">
+                          <a:effectLst/>
+                        </a:rPr>
+                        <a:t>Importance to the Project</a:t>
+                      </a:r>
+                      <a:endParaRPr lang="en-US" sz="1100" b="1" dirty="0">
+                        <a:effectLst/>
+                        <a:latin typeface="Calibri" panose="020F0502020204030204" pitchFamily="34" charset="0"/>
+                        <a:ea typeface="Calibri" panose="020F0502020204030204" pitchFamily="34" charset="0"/>
+                        <a:cs typeface="Times New Roman" panose="02020603050405020304" pitchFamily="18" charset="0"/>
+                      </a:endParaRPr>
+                    </a:p>
+                  </a:txBody>
+                  <a:tcPr marL="68580" marR="68580" marT="0" marB="0">
+                    <a:solidFill>
+                      <a:schemeClr val="tx1">
+                        <a:lumMod val="85000"/>
+                      </a:schemeClr>
+                    </a:solidFill>
+                  </a:tcPr>
+                </a:tc>
+                <a:extLst>
+                  <a:ext uri="{0D108BD9-81ED-4DB2-BD59-A6C34878D82A}">
+                    <a16:rowId xmlns:a16="http://schemas.microsoft.com/office/drawing/2014/main" val="3425093723"/>
+                  </a:ext>
+                </a:extLst>
+              </a:tr>
+              <a:tr h="1112712">
+                <a:tc>
+                  <a:txBody>
+                    <a:bodyPr/>
+                    <a:lstStyle/>
+                    <a:p>
+                      <a:pPr marL="0" marR="0">
+                        <a:lnSpc>
+                          <a:spcPct val="107000"/>
+                        </a:lnSpc>
+                        <a:spcBef>
+                          <a:spcPts val="0"/>
+                        </a:spcBef>
+                        <a:spcAft>
+                          <a:spcPts val="0"/>
+                        </a:spcAft>
+                      </a:pPr>
+                      <a:r>
+                        <a:rPr lang="en-US" sz="1200">
+                          <a:solidFill>
+                            <a:schemeClr val="bg1"/>
+                          </a:solidFill>
+                          <a:effectLst/>
+                        </a:rPr>
+                        <a:t>Every component is commercial and thus has been tested and approved by the IEC 61508 electronics safety standard</a:t>
+                      </a:r>
+                      <a:endParaRPr lang="en-US" sz="1100">
+                        <a:solidFill>
+                          <a:schemeClr val="bg1"/>
+                        </a:solidFill>
+                        <a:effectLst/>
+                        <a:latin typeface="Calibri" panose="020F0502020204030204" pitchFamily="34" charset="0"/>
+                        <a:ea typeface="Calibri" panose="020F0502020204030204" pitchFamily="34" charset="0"/>
+                        <a:cs typeface="Times New Roman" panose="02020603050405020304" pitchFamily="18" charset="0"/>
+                      </a:endParaRPr>
+                    </a:p>
+                  </a:txBody>
+                  <a:tcPr marL="68580" marR="68580" marT="0" marB="0">
+                    <a:solidFill>
+                      <a:schemeClr val="tx1">
+                        <a:lumMod val="85000"/>
+                      </a:schemeClr>
+                    </a:solidFill>
+                  </a:tcPr>
+                </a:tc>
+                <a:tc>
+                  <a:txBody>
+                    <a:bodyPr/>
+                    <a:lstStyle/>
+                    <a:p>
+                      <a:pPr marL="0" marR="0" algn="ctr">
+                        <a:lnSpc>
+                          <a:spcPct val="107000"/>
+                        </a:lnSpc>
+                        <a:spcBef>
+                          <a:spcPts val="0"/>
+                        </a:spcBef>
+                        <a:spcAft>
+                          <a:spcPts val="0"/>
+                        </a:spcAft>
+                      </a:pPr>
+                      <a:r>
+                        <a:rPr lang="en-US" sz="4000" dirty="0">
+                          <a:effectLst/>
+                        </a:rPr>
+                        <a:t>Low</a:t>
+                      </a:r>
+                      <a:endParaRPr lang="en-US" sz="4000" dirty="0">
+                        <a:effectLst/>
+                        <a:latin typeface="Calibri" panose="020F0502020204030204" pitchFamily="34" charset="0"/>
+                        <a:ea typeface="Calibri" panose="020F0502020204030204" pitchFamily="34" charset="0"/>
+                        <a:cs typeface="Times New Roman" panose="02020603050405020304" pitchFamily="18" charset="0"/>
+                      </a:endParaRPr>
+                    </a:p>
+                  </a:txBody>
+                  <a:tcPr marL="68580" marR="68580" marT="0" marB="0">
+                    <a:solidFill>
+                      <a:srgbClr val="92D050"/>
+                    </a:solidFill>
+                  </a:tcPr>
+                </a:tc>
+                <a:tc>
+                  <a:txBody>
+                    <a:bodyPr/>
+                    <a:lstStyle/>
+                    <a:p>
+                      <a:pPr marL="0" marR="0" algn="ctr">
+                        <a:lnSpc>
+                          <a:spcPct val="107000"/>
+                        </a:lnSpc>
+                        <a:spcBef>
+                          <a:spcPts val="0"/>
+                        </a:spcBef>
+                        <a:spcAft>
+                          <a:spcPts val="0"/>
+                        </a:spcAft>
+                      </a:pPr>
+                      <a:r>
+                        <a:rPr lang="en-US" sz="4000" dirty="0">
+                          <a:effectLst/>
+                        </a:rPr>
+                        <a:t>High</a:t>
+                      </a:r>
+                      <a:endParaRPr lang="en-US" sz="4000" dirty="0">
+                        <a:effectLst/>
+                        <a:latin typeface="Calibri" panose="020F0502020204030204" pitchFamily="34" charset="0"/>
+                        <a:ea typeface="Calibri" panose="020F0502020204030204" pitchFamily="34" charset="0"/>
+                        <a:cs typeface="Times New Roman" panose="02020603050405020304" pitchFamily="18" charset="0"/>
+                      </a:endParaRPr>
+                    </a:p>
+                  </a:txBody>
+                  <a:tcPr marL="68580" marR="68580" marT="0" marB="0">
+                    <a:solidFill>
+                      <a:srgbClr val="FF0000"/>
+                    </a:solidFill>
+                  </a:tcPr>
+                </a:tc>
+                <a:extLst>
+                  <a:ext uri="{0D108BD9-81ED-4DB2-BD59-A6C34878D82A}">
+                    <a16:rowId xmlns:a16="http://schemas.microsoft.com/office/drawing/2014/main" val="845530295"/>
+                  </a:ext>
+                </a:extLst>
+              </a:tr>
+              <a:tr h="888129">
+                <a:tc>
+                  <a:txBody>
+                    <a:bodyPr/>
+                    <a:lstStyle/>
+                    <a:p>
+                      <a:pPr marL="0" marR="0">
+                        <a:lnSpc>
+                          <a:spcPct val="107000"/>
+                        </a:lnSpc>
+                        <a:spcBef>
+                          <a:spcPts val="0"/>
+                        </a:spcBef>
+                        <a:spcAft>
+                          <a:spcPts val="0"/>
+                        </a:spcAft>
+                      </a:pPr>
+                      <a:r>
+                        <a:rPr lang="en-US" sz="1200">
+                          <a:solidFill>
+                            <a:schemeClr val="bg1"/>
+                          </a:solidFill>
+                          <a:effectLst/>
+                        </a:rPr>
+                        <a:t>The final product will be tested by UL60335 safety standard for household appliances.</a:t>
+                      </a:r>
+                      <a:endParaRPr lang="en-US" sz="1100">
+                        <a:solidFill>
+                          <a:schemeClr val="bg1"/>
+                        </a:solidFill>
+                        <a:effectLst/>
+                        <a:latin typeface="Calibri" panose="020F0502020204030204" pitchFamily="34" charset="0"/>
+                        <a:ea typeface="Calibri" panose="020F0502020204030204" pitchFamily="34" charset="0"/>
+                        <a:cs typeface="Times New Roman" panose="02020603050405020304" pitchFamily="18" charset="0"/>
+                      </a:endParaRPr>
+                    </a:p>
+                  </a:txBody>
+                  <a:tcPr marL="68580" marR="68580" marT="0" marB="0">
+                    <a:solidFill>
+                      <a:schemeClr val="tx1">
+                        <a:lumMod val="85000"/>
+                      </a:schemeClr>
+                    </a:solidFill>
+                  </a:tcPr>
+                </a:tc>
+                <a:tc>
+                  <a:txBody>
+                    <a:bodyPr/>
+                    <a:lstStyle/>
+                    <a:p>
+                      <a:pPr marL="0" marR="0" algn="ctr">
+                        <a:lnSpc>
+                          <a:spcPct val="107000"/>
+                        </a:lnSpc>
+                        <a:spcBef>
+                          <a:spcPts val="0"/>
+                        </a:spcBef>
+                        <a:spcAft>
+                          <a:spcPts val="0"/>
+                        </a:spcAft>
+                      </a:pPr>
+                      <a:r>
+                        <a:rPr lang="en-US" sz="4000" dirty="0">
+                          <a:effectLst/>
+                        </a:rPr>
+                        <a:t>Low</a:t>
+                      </a:r>
+                      <a:endParaRPr lang="en-US" sz="4000" dirty="0">
+                        <a:effectLst/>
+                        <a:latin typeface="Calibri" panose="020F0502020204030204" pitchFamily="34" charset="0"/>
+                        <a:ea typeface="Calibri" panose="020F0502020204030204" pitchFamily="34" charset="0"/>
+                        <a:cs typeface="Times New Roman" panose="02020603050405020304" pitchFamily="18" charset="0"/>
+                      </a:endParaRPr>
+                    </a:p>
+                  </a:txBody>
+                  <a:tcPr marL="68580" marR="68580" marT="0" marB="0">
+                    <a:solidFill>
+                      <a:srgbClr val="92D050"/>
+                    </a:solidFill>
+                  </a:tcPr>
+                </a:tc>
+                <a:tc>
+                  <a:txBody>
+                    <a:bodyPr/>
+                    <a:lstStyle/>
+                    <a:p>
+                      <a:pPr marL="0" marR="0" algn="ctr">
+                        <a:lnSpc>
+                          <a:spcPct val="107000"/>
+                        </a:lnSpc>
+                        <a:spcBef>
+                          <a:spcPts val="0"/>
+                        </a:spcBef>
+                        <a:spcAft>
+                          <a:spcPts val="0"/>
+                        </a:spcAft>
+                      </a:pPr>
+                      <a:r>
+                        <a:rPr lang="en-US" sz="4000">
+                          <a:effectLst/>
+                        </a:rPr>
+                        <a:t>High</a:t>
+                      </a:r>
+                      <a:endParaRPr lang="en-US" sz="4000">
+                        <a:effectLst/>
+                        <a:latin typeface="Calibri" panose="020F0502020204030204" pitchFamily="34" charset="0"/>
+                        <a:ea typeface="Calibri" panose="020F0502020204030204" pitchFamily="34" charset="0"/>
+                        <a:cs typeface="Times New Roman" panose="02020603050405020304" pitchFamily="18" charset="0"/>
+                      </a:endParaRPr>
+                    </a:p>
+                  </a:txBody>
+                  <a:tcPr marL="68580" marR="68580" marT="0" marB="0">
+                    <a:solidFill>
+                      <a:srgbClr val="FF0000"/>
+                    </a:solidFill>
+                  </a:tcPr>
+                </a:tc>
+                <a:extLst>
+                  <a:ext uri="{0D108BD9-81ED-4DB2-BD59-A6C34878D82A}">
+                    <a16:rowId xmlns:a16="http://schemas.microsoft.com/office/drawing/2014/main" val="1326364554"/>
+                  </a:ext>
+                </a:extLst>
+              </a:tr>
+              <a:tr h="1112712">
+                <a:tc>
+                  <a:txBody>
+                    <a:bodyPr/>
+                    <a:lstStyle/>
+                    <a:p>
+                      <a:pPr marL="0" marR="0">
+                        <a:lnSpc>
+                          <a:spcPct val="107000"/>
+                        </a:lnSpc>
+                        <a:spcBef>
+                          <a:spcPts val="0"/>
+                        </a:spcBef>
+                        <a:spcAft>
+                          <a:spcPts val="0"/>
+                        </a:spcAft>
+                      </a:pPr>
+                      <a:r>
+                        <a:rPr lang="en-US" sz="1200" dirty="0">
+                          <a:solidFill>
+                            <a:schemeClr val="bg1"/>
+                          </a:solidFill>
+                          <a:effectLst/>
+                        </a:rPr>
+                        <a:t>Other possible electrical safety risks, such as shocking hazards, have been identified and mitigated.</a:t>
+                      </a:r>
+                      <a:endParaRPr lang="en-US" sz="1100" dirty="0">
+                        <a:solidFill>
+                          <a:schemeClr val="bg1"/>
+                        </a:solidFill>
+                        <a:effectLst/>
+                        <a:latin typeface="Calibri" panose="020F0502020204030204" pitchFamily="34" charset="0"/>
+                        <a:ea typeface="Calibri" panose="020F0502020204030204" pitchFamily="34" charset="0"/>
+                        <a:cs typeface="Times New Roman" panose="02020603050405020304" pitchFamily="18" charset="0"/>
+                      </a:endParaRPr>
+                    </a:p>
+                  </a:txBody>
+                  <a:tcPr marL="68580" marR="68580" marT="0" marB="0">
+                    <a:solidFill>
+                      <a:schemeClr val="tx1">
+                        <a:lumMod val="85000"/>
+                      </a:schemeClr>
+                    </a:solidFill>
+                  </a:tcPr>
+                </a:tc>
+                <a:tc>
+                  <a:txBody>
+                    <a:bodyPr/>
+                    <a:lstStyle/>
+                    <a:p>
+                      <a:pPr marL="0" marR="0" algn="ctr">
+                        <a:lnSpc>
+                          <a:spcPct val="107000"/>
+                        </a:lnSpc>
+                        <a:spcBef>
+                          <a:spcPts val="0"/>
+                        </a:spcBef>
+                        <a:spcAft>
+                          <a:spcPts val="0"/>
+                        </a:spcAft>
+                      </a:pPr>
+                      <a:r>
+                        <a:rPr lang="en-US" sz="4000" dirty="0">
+                          <a:effectLst/>
+                        </a:rPr>
+                        <a:t>Moderate</a:t>
+                      </a:r>
+                      <a:endParaRPr lang="en-US" sz="4000" dirty="0">
+                        <a:effectLst/>
+                        <a:latin typeface="Calibri" panose="020F0502020204030204" pitchFamily="34" charset="0"/>
+                        <a:ea typeface="Calibri" panose="020F0502020204030204" pitchFamily="34" charset="0"/>
+                        <a:cs typeface="Times New Roman" panose="02020603050405020304" pitchFamily="18" charset="0"/>
+                      </a:endParaRPr>
+                    </a:p>
+                  </a:txBody>
+                  <a:tcPr marL="68580" marR="68580" marT="0" marB="0">
+                    <a:solidFill>
+                      <a:srgbClr val="FFFF00"/>
+                    </a:solidFill>
+                  </a:tcPr>
+                </a:tc>
+                <a:tc>
+                  <a:txBody>
+                    <a:bodyPr/>
+                    <a:lstStyle/>
+                    <a:p>
+                      <a:pPr marL="0" marR="0" algn="ctr">
+                        <a:lnSpc>
+                          <a:spcPct val="107000"/>
+                        </a:lnSpc>
+                        <a:spcBef>
+                          <a:spcPts val="0"/>
+                        </a:spcBef>
+                        <a:spcAft>
+                          <a:spcPts val="0"/>
+                        </a:spcAft>
+                      </a:pPr>
+                      <a:r>
+                        <a:rPr lang="en-US" sz="4000" dirty="0">
+                          <a:effectLst/>
+                        </a:rPr>
+                        <a:t>High</a:t>
+                      </a:r>
+                      <a:endParaRPr lang="en-US" sz="4000" dirty="0">
+                        <a:effectLst/>
+                        <a:latin typeface="Calibri" panose="020F0502020204030204" pitchFamily="34" charset="0"/>
+                        <a:ea typeface="Calibri" panose="020F0502020204030204" pitchFamily="34" charset="0"/>
+                        <a:cs typeface="Times New Roman" panose="02020603050405020304" pitchFamily="18" charset="0"/>
+                      </a:endParaRPr>
+                    </a:p>
+                  </a:txBody>
+                  <a:tcPr marL="68580" marR="68580" marT="0" marB="0">
+                    <a:solidFill>
+                      <a:srgbClr val="FF0000"/>
+                    </a:solidFill>
+                  </a:tcPr>
+                </a:tc>
+                <a:extLst>
+                  <a:ext uri="{0D108BD9-81ED-4DB2-BD59-A6C34878D82A}">
+                    <a16:rowId xmlns:a16="http://schemas.microsoft.com/office/drawing/2014/main" val="3401136352"/>
+                  </a:ext>
+                </a:extLst>
+              </a:tr>
+            </a:tbl>
+          </a:graphicData>
+        </a:graphic>
+      </p:graphicFrame>
+    </p:spTree>
+    <p:extLst>
+      <p:ext uri="{BB962C8B-B14F-4D97-AF65-F5344CB8AC3E}">
+        <p14:creationId xmlns:p14="http://schemas.microsoft.com/office/powerpoint/2010/main" val="717589923"/>
+      </p:ext>
+    </p:extLst>
+  </p:cSld>
+  <p:clrMapOvr>
+    <a:masterClrMapping/>
+  </p:clrMapOvr>
+</p:sld>
+</file>
+
+<file path=ppt/slides/slide31.xml><?xml version="1.0" encoding="utf-8"?>
+<p:sld xmlns:a="http://schemas.openxmlformats.org/drawingml/2006/main" xmlns:r="http://schemas.openxmlformats.org/officeDocument/2006/relationships" xmlns:p="http://schemas.openxmlformats.org/presentationml/2006/main">
+  <p:cSld>
+    <p:spTree>
+      <p:nvGrpSpPr>
+        <p:cNvPr id="1" name=""/>
+        <p:cNvGrpSpPr/>
+        <p:nvPr/>
+      </p:nvGrpSpPr>
+      <p:grpSpPr>
+        <a:xfrm>
+          <a:off x="0" y="0"/>
+          <a:ext cx="0" cy="0"/>
+          <a:chOff x="0" y="0"/>
+          <a:chExt cx="0" cy="0"/>
+        </a:xfrm>
+      </p:grpSpPr>
+      <p:sp>
+        <p:nvSpPr>
+          <p:cNvPr id="2" name="Title 1">
+            <a:extLst>
+              <a:ext uri="{FF2B5EF4-FFF2-40B4-BE49-F238E27FC236}">
                 <a16:creationId xmlns:a16="http://schemas.microsoft.com/office/drawing/2014/main" id="{A502DBBB-C739-47E9-9BD7-736905F70067}"/>
               </a:ext>
             </a:extLst>
@@ -30211,38 +31933,379 @@
           </a:p>
         </p:txBody>
       </p:sp>
-      <p:sp>
-        <p:nvSpPr>
-          <p:cNvPr id="3" name="Content Placeholder 2">
-            <a:extLst>
-              <a:ext uri="{FF2B5EF4-FFF2-40B4-BE49-F238E27FC236}">
-                <a16:creationId xmlns:a16="http://schemas.microsoft.com/office/drawing/2014/main" id="{A0D3E5FC-964F-4B97-9238-76CFC5C2BEA3}"/>
-              </a:ext>
-            </a:extLst>
-          </p:cNvPr>
-          <p:cNvSpPr>
-            <a:spLocks noGrp="1"/>
-          </p:cNvSpPr>
+      <p:graphicFrame>
+        <p:nvGraphicFramePr>
+          <p:cNvPr id="4" name="Content Placeholder 3"/>
+          <p:cNvGraphicFramePr>
+            <a:graphicFrameLocks noGrp="1"/>
+          </p:cNvGraphicFramePr>
           <p:nvPr>
             <p:ph idx="1"/>
+            <p:extLst/>
           </p:nvPr>
-        </p:nvSpPr>
-        <p:spPr/>
-        <p:txBody>
-          <a:bodyPr/>
-          <a:lstStyle/>
-          <a:p>
-            <a:r>
-              <a:rPr lang="en-US" dirty="0"/>
-              <a:t>Possible security risks include the leakage of Wi-Fi credentials and email information. This has been identified and will be mitigated to the best of our ability and tested by  RFC 1042 standard for transmission of IP datagrams.</a:t>
-            </a:r>
-          </a:p>
-        </p:txBody>
-      </p:sp>
+        </p:nvGraphicFramePr>
+        <p:xfrm>
+          <a:off x="1141413" y="2097088"/>
+          <a:ext cx="9905997" cy="4186146"/>
+        </p:xfrm>
+        <a:graphic>
+          <a:graphicData uri="http://schemas.openxmlformats.org/drawingml/2006/table">
+            <a:tbl>
+              <a:tblPr firstRow="1" firstCol="1" bandRow="1">
+                <a:tableStyleId>{5C22544A-7EE6-4342-B048-85BDC9FD1C3A}</a:tableStyleId>
+              </a:tblPr>
+              <a:tblGrid>
+                <a:gridCol w="3301293">
+                  <a:extLst>
+                    <a:ext uri="{9D8B030D-6E8A-4147-A177-3AD203B41FA5}">
+                      <a16:colId xmlns:a16="http://schemas.microsoft.com/office/drawing/2014/main" val="968588035"/>
+                    </a:ext>
+                  </a:extLst>
+                </a:gridCol>
+                <a:gridCol w="3302352">
+                  <a:extLst>
+                    <a:ext uri="{9D8B030D-6E8A-4147-A177-3AD203B41FA5}">
+                      <a16:colId xmlns:a16="http://schemas.microsoft.com/office/drawing/2014/main" val="3330080655"/>
+                    </a:ext>
+                  </a:extLst>
+                </a:gridCol>
+                <a:gridCol w="3302352">
+                  <a:extLst>
+                    <a:ext uri="{9D8B030D-6E8A-4147-A177-3AD203B41FA5}">
+                      <a16:colId xmlns:a16="http://schemas.microsoft.com/office/drawing/2014/main" val="1912064333"/>
+                    </a:ext>
+                  </a:extLst>
+                </a:gridCol>
+              </a:tblGrid>
+              <a:tr h="821590">
+                <a:tc gridSpan="3">
+                  <a:txBody>
+                    <a:bodyPr/>
+                    <a:lstStyle/>
+                    <a:p>
+                      <a:pPr marL="0" marR="0" algn="ctr">
+                        <a:lnSpc>
+                          <a:spcPct val="107000"/>
+                        </a:lnSpc>
+                        <a:spcBef>
+                          <a:spcPts val="0"/>
+                        </a:spcBef>
+                        <a:spcAft>
+                          <a:spcPts val="0"/>
+                        </a:spcAft>
+                      </a:pPr>
+                      <a:r>
+                        <a:rPr lang="en-US" sz="4800" dirty="0">
+                          <a:solidFill>
+                            <a:schemeClr val="bg1"/>
+                          </a:solidFill>
+                          <a:effectLst/>
+                        </a:rPr>
+                        <a:t>Security Risk Assessment</a:t>
+                      </a:r>
+                      <a:endParaRPr lang="en-US" sz="4800" dirty="0">
+                        <a:solidFill>
+                          <a:schemeClr val="bg1"/>
+                        </a:solidFill>
+                        <a:effectLst/>
+                        <a:latin typeface="Calibri" panose="020F0502020204030204" pitchFamily="34" charset="0"/>
+                        <a:ea typeface="Calibri" panose="020F0502020204030204" pitchFamily="34" charset="0"/>
+                        <a:cs typeface="Times New Roman" panose="02020603050405020304" pitchFamily="18" charset="0"/>
+                      </a:endParaRPr>
+                    </a:p>
+                  </a:txBody>
+                  <a:tcPr marL="68580" marR="68580" marT="0" marB="0">
+                    <a:solidFill>
+                      <a:schemeClr val="tx1">
+                        <a:lumMod val="85000"/>
+                      </a:schemeClr>
+                    </a:solidFill>
+                  </a:tcPr>
+                </a:tc>
+                <a:tc hMerge="1">
+                  <a:txBody>
+                    <a:bodyPr/>
+                    <a:lstStyle/>
+                    <a:p>
+                      <a:endParaRPr lang="en-US"/>
+                    </a:p>
+                  </a:txBody>
+                  <a:tcPr/>
+                </a:tc>
+                <a:tc hMerge="1">
+                  <a:txBody>
+                    <a:bodyPr/>
+                    <a:lstStyle/>
+                    <a:p>
+                      <a:endParaRPr lang="en-US"/>
+                    </a:p>
+                  </a:txBody>
+                  <a:tcPr/>
+                </a:tc>
+                <a:extLst>
+                  <a:ext uri="{0D108BD9-81ED-4DB2-BD59-A6C34878D82A}">
+                    <a16:rowId xmlns:a16="http://schemas.microsoft.com/office/drawing/2014/main" val="1026632010"/>
+                  </a:ext>
+                </a:extLst>
+              </a:tr>
+              <a:tr h="1682278">
+                <a:tc>
+                  <a:txBody>
+                    <a:bodyPr/>
+                    <a:lstStyle/>
+                    <a:p>
+                      <a:pPr marL="0" marR="0" algn="ctr">
+                        <a:lnSpc>
+                          <a:spcPct val="107000"/>
+                        </a:lnSpc>
+                        <a:spcBef>
+                          <a:spcPts val="0"/>
+                        </a:spcBef>
+                        <a:spcAft>
+                          <a:spcPts val="0"/>
+                        </a:spcAft>
+                      </a:pPr>
+                      <a:r>
+                        <a:rPr lang="en-US" sz="4000" dirty="0">
+                          <a:solidFill>
+                            <a:schemeClr val="bg1"/>
+                          </a:solidFill>
+                          <a:effectLst/>
+                        </a:rPr>
+                        <a:t>Possible Security Risk</a:t>
+                      </a:r>
+                      <a:endParaRPr lang="en-US" sz="4000" dirty="0">
+                        <a:solidFill>
+                          <a:schemeClr val="bg1"/>
+                        </a:solidFill>
+                        <a:effectLst/>
+                        <a:latin typeface="Calibri" panose="020F0502020204030204" pitchFamily="34" charset="0"/>
+                        <a:ea typeface="Calibri" panose="020F0502020204030204" pitchFamily="34" charset="0"/>
+                        <a:cs typeface="Times New Roman" panose="02020603050405020304" pitchFamily="18" charset="0"/>
+                      </a:endParaRPr>
+                    </a:p>
+                  </a:txBody>
+                  <a:tcPr marL="68580" marR="68580" marT="0" marB="0">
+                    <a:solidFill>
+                      <a:schemeClr val="tx1">
+                        <a:lumMod val="85000"/>
+                      </a:schemeClr>
+                    </a:solidFill>
+                  </a:tcPr>
+                </a:tc>
+                <a:tc>
+                  <a:txBody>
+                    <a:bodyPr/>
+                    <a:lstStyle/>
+                    <a:p>
+                      <a:pPr marL="0" marR="0" algn="ctr">
+                        <a:lnSpc>
+                          <a:spcPct val="107000"/>
+                        </a:lnSpc>
+                        <a:spcBef>
+                          <a:spcPts val="0"/>
+                        </a:spcBef>
+                        <a:spcAft>
+                          <a:spcPts val="0"/>
+                        </a:spcAft>
+                      </a:pPr>
+                      <a:r>
+                        <a:rPr lang="en-US" sz="4000" b="1" dirty="0">
+                          <a:effectLst/>
+                        </a:rPr>
+                        <a:t>Likelihood to Happen</a:t>
+                      </a:r>
+                      <a:endParaRPr lang="en-US" sz="4000" b="1" dirty="0">
+                        <a:effectLst/>
+                        <a:latin typeface="Calibri" panose="020F0502020204030204" pitchFamily="34" charset="0"/>
+                        <a:ea typeface="Calibri" panose="020F0502020204030204" pitchFamily="34" charset="0"/>
+                        <a:cs typeface="Times New Roman" panose="02020603050405020304" pitchFamily="18" charset="0"/>
+                      </a:endParaRPr>
+                    </a:p>
+                  </a:txBody>
+                  <a:tcPr marL="68580" marR="68580" marT="0" marB="0">
+                    <a:solidFill>
+                      <a:schemeClr val="tx1">
+                        <a:lumMod val="85000"/>
+                      </a:schemeClr>
+                    </a:solidFill>
+                  </a:tcPr>
+                </a:tc>
+                <a:tc>
+                  <a:txBody>
+                    <a:bodyPr/>
+                    <a:lstStyle/>
+                    <a:p>
+                      <a:pPr marL="0" marR="0" algn="ctr">
+                        <a:lnSpc>
+                          <a:spcPct val="107000"/>
+                        </a:lnSpc>
+                        <a:spcBef>
+                          <a:spcPts val="0"/>
+                        </a:spcBef>
+                        <a:spcAft>
+                          <a:spcPts val="0"/>
+                        </a:spcAft>
+                      </a:pPr>
+                      <a:r>
+                        <a:rPr lang="en-US" sz="3200" b="1" dirty="0">
+                          <a:effectLst/>
+                        </a:rPr>
+                        <a:t>Detriment to the Project if occurred</a:t>
+                      </a:r>
+                      <a:endParaRPr lang="en-US" sz="3200" b="1" dirty="0">
+                        <a:effectLst/>
+                        <a:latin typeface="Calibri" panose="020F0502020204030204" pitchFamily="34" charset="0"/>
+                        <a:ea typeface="Calibri" panose="020F0502020204030204" pitchFamily="34" charset="0"/>
+                        <a:cs typeface="Times New Roman" panose="02020603050405020304" pitchFamily="18" charset="0"/>
+                      </a:endParaRPr>
+                    </a:p>
+                  </a:txBody>
+                  <a:tcPr marL="68580" marR="68580" marT="0" marB="0">
+                    <a:solidFill>
+                      <a:schemeClr val="tx1">
+                        <a:lumMod val="85000"/>
+                      </a:schemeClr>
+                    </a:solidFill>
+                  </a:tcPr>
+                </a:tc>
+                <a:extLst>
+                  <a:ext uri="{0D108BD9-81ED-4DB2-BD59-A6C34878D82A}">
+                    <a16:rowId xmlns:a16="http://schemas.microsoft.com/office/drawing/2014/main" val="755152345"/>
+                  </a:ext>
+                </a:extLst>
+              </a:tr>
+              <a:tr h="1682278">
+                <a:tc>
+                  <a:txBody>
+                    <a:bodyPr/>
+                    <a:lstStyle/>
+                    <a:p>
+                      <a:pPr marL="0" marR="0">
+                        <a:lnSpc>
+                          <a:spcPct val="107000"/>
+                        </a:lnSpc>
+                        <a:spcBef>
+                          <a:spcPts val="0"/>
+                        </a:spcBef>
+                        <a:spcAft>
+                          <a:spcPts val="0"/>
+                        </a:spcAft>
+                      </a:pPr>
+                      <a:r>
+                        <a:rPr lang="en-US" sz="2400" dirty="0">
+                          <a:solidFill>
+                            <a:schemeClr val="bg1"/>
+                          </a:solidFill>
+                          <a:effectLst/>
+                        </a:rPr>
+                        <a:t>Leakage of Wi-Fi credentials and email information</a:t>
+                      </a:r>
+                      <a:endParaRPr lang="en-US" sz="2400" dirty="0">
+                        <a:solidFill>
+                          <a:schemeClr val="bg1"/>
+                        </a:solidFill>
+                        <a:effectLst/>
+                        <a:latin typeface="Calibri" panose="020F0502020204030204" pitchFamily="34" charset="0"/>
+                        <a:ea typeface="Calibri" panose="020F0502020204030204" pitchFamily="34" charset="0"/>
+                        <a:cs typeface="Times New Roman" panose="02020603050405020304" pitchFamily="18" charset="0"/>
+                      </a:endParaRPr>
+                    </a:p>
+                  </a:txBody>
+                  <a:tcPr marL="68580" marR="68580" marT="0" marB="0">
+                    <a:solidFill>
+                      <a:schemeClr val="tx1">
+                        <a:lumMod val="85000"/>
+                      </a:schemeClr>
+                    </a:solidFill>
+                  </a:tcPr>
+                </a:tc>
+                <a:tc>
+                  <a:txBody>
+                    <a:bodyPr/>
+                    <a:lstStyle/>
+                    <a:p>
+                      <a:pPr marL="0" marR="0" algn="ctr">
+                        <a:lnSpc>
+                          <a:spcPct val="107000"/>
+                        </a:lnSpc>
+                        <a:spcBef>
+                          <a:spcPts val="0"/>
+                        </a:spcBef>
+                        <a:spcAft>
+                          <a:spcPts val="0"/>
+                        </a:spcAft>
+                      </a:pPr>
+                      <a:r>
+                        <a:rPr lang="en-US" sz="6600" dirty="0">
+                          <a:effectLst/>
+                        </a:rPr>
+                        <a:t>Low</a:t>
+                      </a:r>
+                      <a:endParaRPr lang="en-US" sz="6600" dirty="0">
+                        <a:effectLst/>
+                        <a:latin typeface="Calibri" panose="020F0502020204030204" pitchFamily="34" charset="0"/>
+                        <a:ea typeface="Calibri" panose="020F0502020204030204" pitchFamily="34" charset="0"/>
+                        <a:cs typeface="Times New Roman" panose="02020603050405020304" pitchFamily="18" charset="0"/>
+                      </a:endParaRPr>
+                    </a:p>
+                  </a:txBody>
+                  <a:tcPr marL="68580" marR="68580" marT="0" marB="0">
+                    <a:solidFill>
+                      <a:srgbClr val="92D050"/>
+                    </a:solidFill>
+                  </a:tcPr>
+                </a:tc>
+                <a:tc>
+                  <a:txBody>
+                    <a:bodyPr/>
+                    <a:lstStyle/>
+                    <a:p>
+                      <a:pPr marL="0" marR="0" algn="ctr">
+                        <a:lnSpc>
+                          <a:spcPct val="107000"/>
+                        </a:lnSpc>
+                        <a:spcBef>
+                          <a:spcPts val="0"/>
+                        </a:spcBef>
+                        <a:spcAft>
+                          <a:spcPts val="0"/>
+                        </a:spcAft>
+                      </a:pPr>
+                      <a:r>
+                        <a:rPr lang="en-US" sz="6600" dirty="0">
+                          <a:effectLst/>
+                        </a:rPr>
+                        <a:t>High</a:t>
+                      </a:r>
+                      <a:endParaRPr lang="en-US" sz="6600" dirty="0">
+                        <a:effectLst/>
+                        <a:latin typeface="Calibri" panose="020F0502020204030204" pitchFamily="34" charset="0"/>
+                        <a:ea typeface="Calibri" panose="020F0502020204030204" pitchFamily="34" charset="0"/>
+                        <a:cs typeface="Times New Roman" panose="02020603050405020304" pitchFamily="18" charset="0"/>
+                      </a:endParaRPr>
+                    </a:p>
+                  </a:txBody>
+                  <a:tcPr marL="68580" marR="68580" marT="0" marB="0">
+                    <a:solidFill>
+                      <a:srgbClr val="FF0000"/>
+                    </a:solidFill>
+                  </a:tcPr>
+                </a:tc>
+                <a:extLst>
+                  <a:ext uri="{0D108BD9-81ED-4DB2-BD59-A6C34878D82A}">
+                    <a16:rowId xmlns:a16="http://schemas.microsoft.com/office/drawing/2014/main" val="2472834438"/>
+                  </a:ext>
+                </a:extLst>
+              </a:tr>
+            </a:tbl>
+          </a:graphicData>
+        </a:graphic>
+      </p:graphicFrame>
     </p:spTree>
     <p:extLst>
       <p:ext uri="{BB962C8B-B14F-4D97-AF65-F5344CB8AC3E}">
-        <p14:creationId xmlns:p14="http://schemas.microsoft.com/office/powerpoint/2010/main" val="1687096456"/>
+        <p14:creationId xmlns:p14="http://schemas.microsoft.com/office/powerpoint/2010/main" val="3946268538"/>
       </p:ext>
     </p:extLst>
   </p:cSld>
@@ -30252,7 +32315,7 @@
 </p:sld>
 </file>
 
-<file path=ppt/slides/slide31.xml><?xml version="1.0" encoding="utf-8"?>
+<file path=ppt/slides/slide32.xml><?xml version="1.0" encoding="utf-8"?>
 <p:sld xmlns:a="http://schemas.openxmlformats.org/drawingml/2006/main" xmlns:r="http://schemas.openxmlformats.org/officeDocument/2006/relationships" xmlns:p="http://schemas.openxmlformats.org/presentationml/2006/main">
   <p:cSld>
     <p:spTree>
@@ -30322,13 +32385,13 @@
           <a:p>
             <a:r>
               <a:rPr lang="en-US" dirty="0"/>
-              <a:t>The item tracker is designed to locate objects within the range of house or room</a:t>
+              <a:t>The item tracker is designed to locate objects within the range of a house or room</a:t>
             </a:r>
           </a:p>
           <a:p>
             <a:r>
               <a:rPr lang="en-US" dirty="0"/>
-              <a:t>The item tracker’s total cost for development is $232.10</a:t>
+              <a:t>The item tracker’s total cost for development is $243.60</a:t>
             </a:r>
           </a:p>
           <a:p>
@@ -30367,7 +32430,7 @@
 </p:sld>
 </file>
 
-<file path=ppt/slides/slide32.xml><?xml version="1.0" encoding="utf-8"?>
+<file path=ppt/slides/slide33.xml><?xml version="1.0" encoding="utf-8"?>
 <p:sld xmlns:a="http://schemas.openxmlformats.org/drawingml/2006/main" xmlns:r="http://schemas.openxmlformats.org/officeDocument/2006/relationships" xmlns:p="http://schemas.openxmlformats.org/presentationml/2006/main">
   <p:cSld>
     <p:spTree>
@@ -30540,10 +32603,9 @@
           <a:lstStyle/>
           <a:p>
             <a:r>
-              <a:rPr lang="en-US" dirty="0" err="1"/>
-              <a:t>InTroduction</a:t>
+              <a:rPr lang="en-US" dirty="0"/>
+              <a:t>Introduction</a:t>
             </a:r>
-            <a:endParaRPr lang="en-US" dirty="0"/>
           </a:p>
         </p:txBody>
       </p:sp>
@@ -30570,7 +32632,7 @@
           <a:p>
             <a:r>
               <a:rPr lang="en-US" dirty="0"/>
-              <a:t>Competition is fierce in the home user market</a:t>
+              <a:t>Competition is fierce in the home user market for keeping track of things </a:t>
             </a:r>
           </a:p>
         </p:txBody>
@@ -30623,8 +32685,8 @@
         </p:blipFill>
         <p:spPr>
           <a:xfrm>
-            <a:off x="8199363" y="2613085"/>
-            <a:ext cx="790575" cy="377190"/>
+            <a:off x="5901070" y="5090165"/>
+            <a:ext cx="1472353" cy="742505"/>
           </a:xfrm>
           <a:prstGeom prst="rect">
             <a:avLst/>
@@ -30963,7 +33025,7 @@
     </p:spTree>
     <p:extLst>
       <p:ext uri="{BB962C8B-B14F-4D97-AF65-F5344CB8AC3E}">
-        <p14:creationId xmlns:p14="http://schemas.microsoft.com/office/powerpoint/2010/main" val="121517332"/>
+        <p14:creationId xmlns:p14="http://schemas.microsoft.com/office/powerpoint/2010/main" val="4088195294"/>
       </p:ext>
     </p:extLst>
   </p:cSld>
@@ -31067,11 +33129,7 @@
           </p:cNvPr>
           <p:cNvGraphicFramePr/>
           <p:nvPr>
-            <p:extLst>
-              <p:ext uri="{D42A27DB-BD31-4B8C-83A1-F6EECF244321}">
-                <p14:modId xmlns:p14="http://schemas.microsoft.com/office/powerpoint/2010/main" val="1215482803"/>
-              </p:ext>
-            </p:extLst>
+            <p:extLst/>
           </p:nvPr>
         </p:nvGraphicFramePr>
         <p:xfrm>
@@ -31087,7 +33145,7 @@
     </p:spTree>
     <p:extLst>
       <p:ext uri="{BB962C8B-B14F-4D97-AF65-F5344CB8AC3E}">
-        <p14:creationId xmlns:p14="http://schemas.microsoft.com/office/powerpoint/2010/main" val="3879418632"/>
+        <p14:creationId xmlns:p14="http://schemas.microsoft.com/office/powerpoint/2010/main" val="1977142899"/>
       </p:ext>
     </p:extLst>
   </p:cSld>
@@ -31170,7 +33228,7 @@
           <a:p>
             <a:r>
               <a:rPr lang="en-US" dirty="0"/>
-              <a:t>Medical errors cost the industry $20,800 million dollars annually. Adding to this the additional quality adjusted life years of those who are lost due to these errors at $75,000 - $100,000, with 10 years lost life, the QALYs for these deaths makes up an additional $187,500M - $250,000M.</a:t>
+              <a:t>Medical errors cost the industry $20,800 million dollars annually. Adding to this the additional quality adjusted life years of those who are lost due to these errors at $75,000 - $100,000, with 10 years lost life, the QALYs for these deaths makes up an additional $187,500M - $250,000M.[2]</a:t>
             </a:r>
           </a:p>
           <a:p>
@@ -31189,11 +33247,7 @@
           </p:cNvPr>
           <p:cNvGraphicFramePr/>
           <p:nvPr>
-            <p:extLst>
-              <p:ext uri="{D42A27DB-BD31-4B8C-83A1-F6EECF244321}">
-                <p14:modId xmlns:p14="http://schemas.microsoft.com/office/powerpoint/2010/main" val="1635948007"/>
-              </p:ext>
-            </p:extLst>
+            <p:extLst/>
           </p:nvPr>
         </p:nvGraphicFramePr>
         <p:xfrm>
@@ -31282,18 +33336,26 @@
         </p:nvSpPr>
         <p:spPr/>
         <p:txBody>
-          <a:bodyPr/>
+          <a:bodyPr>
+            <a:normAutofit lnSpcReduction="10000"/>
+          </a:bodyPr>
           <a:lstStyle/>
           <a:p>
             <a:r>
               <a:rPr lang="en-US" dirty="0"/>
-              <a:t>The solution we as a group come up with is to create a tracker connected to an application that will be the user access way to the tracker. </a:t>
+              <a:t>The solution our group came up with is to create a Tracker connected to a mobile application. </a:t>
             </a:r>
           </a:p>
           <a:p>
             <a:r>
               <a:rPr lang="en-US" dirty="0"/>
-              <a:t>The Tracker that can keep track of the location of objects. </a:t>
+              <a:t>The Tracker can keep track of the location of objects.</a:t>
+            </a:r>
+          </a:p>
+          <a:p>
+            <a:r>
+              <a:rPr lang="en-US" dirty="0"/>
+              <a:t>The Tracker can be set to alert the user to attend to the object </a:t>
             </a:r>
           </a:p>
           <a:p>
@@ -31305,7 +33367,7 @@
           <a:p>
             <a:r>
               <a:rPr lang="en-US" dirty="0"/>
-              <a:t>Tracker connects and syncs with application using Wi-Fi to interface with the user.</a:t>
+              <a:t>Tracker connects and syncs with  the application using available Wi-Fi.</a:t>
             </a:r>
           </a:p>
         </p:txBody>
@@ -31313,7 +33375,7 @@
     </p:spTree>
     <p:extLst>
       <p:ext uri="{BB962C8B-B14F-4D97-AF65-F5344CB8AC3E}">
-        <p14:creationId xmlns:p14="http://schemas.microsoft.com/office/powerpoint/2010/main" val="1915640530"/>
+        <p14:creationId xmlns:p14="http://schemas.microsoft.com/office/powerpoint/2010/main" val="4256124453"/>
       </p:ext>
     </p:extLst>
   </p:cSld>
